--- a/ATAI_Presentation.pptx
+++ b/ATAI_Presentation.pptx
@@ -9,6 +9,13 @@
     <p:sldId id="260" r:id="rId3"/>
     <p:sldId id="258" r:id="rId4"/>
     <p:sldId id="259" r:id="rId5"/>
+    <p:sldId id="261" r:id="rId6"/>
+    <p:sldId id="262" r:id="rId7"/>
+    <p:sldId id="263" r:id="rId8"/>
+    <p:sldId id="264" r:id="rId9"/>
+    <p:sldId id="265" r:id="rId10"/>
+    <p:sldId id="266" r:id="rId11"/>
+    <p:sldId id="267" r:id="rId12"/>
   </p:sldIdLst>
   <p:sldSz cx="12192000" cy="6858000"/>
   <p:notesSz cx="6858000" cy="9144000"/>
@@ -118,7 +125,7 @@
 <file path=ppt/revisionInfo.xml><?xml version="1.0" encoding="utf-8"?>
 <p1510:revInfo xmlns:a="http://schemas.openxmlformats.org/drawingml/2006/main" xmlns:r="http://schemas.openxmlformats.org/officeDocument/2006/relationships" xmlns:p1510="http://schemas.microsoft.com/office/powerpoint/2015/10/main">
   <p1510:revLst>
-    <p1510:client id="{AB8C1610-9B0F-4A3A-96F9-A0FB1F9855A7}" v="149" dt="2021-07-01T15:12:46.962"/>
+    <p1510:client id="{AB8C1610-9B0F-4A3A-96F9-A0FB1F9855A7}" v="156" dt="2021-07-02T15:39:33.245"/>
   </p1510:revLst>
 </p1510:revInfo>
 </file>
@@ -127,8 +134,8 @@
 <pc:chgInfo xmlns:a="http://schemas.openxmlformats.org/drawingml/2006/main" xmlns:r="http://schemas.openxmlformats.org/officeDocument/2006/relationships" xmlns:ac="http://schemas.microsoft.com/office/drawing/2013/main/command" xmlns:pc="http://schemas.microsoft.com/office/powerpoint/2013/main/command">
   <pc:docChgLst>
     <pc:chgData name="Al ex" userId="1d73023b5acb93cf" providerId="LiveId" clId="{AB8C1610-9B0F-4A3A-96F9-A0FB1F9855A7}"/>
-    <pc:docChg chg="undo custSel addSld delSld modSld sldOrd addMainMaster delMainMaster">
-      <pc:chgData name="Al ex" userId="1d73023b5acb93cf" providerId="LiveId" clId="{AB8C1610-9B0F-4A3A-96F9-A0FB1F9855A7}" dt="2021-07-01T15:30:52.411" v="1804" actId="20577"/>
+    <pc:docChg chg="undo redo custSel addSld delSld modSld sldOrd addMainMaster delMainMaster modMainMaster">
+      <pc:chgData name="Al ex" userId="1d73023b5acb93cf" providerId="LiveId" clId="{AB8C1610-9B0F-4A3A-96F9-A0FB1F9855A7}" dt="2021-07-02T15:43:13.266" v="4707" actId="20577"/>
       <pc:docMkLst>
         <pc:docMk/>
       </pc:docMkLst>
@@ -304,7 +311,7 @@
         </pc:spChg>
       </pc:sldChg>
       <pc:sldChg chg="addSp delSp modSp new mod ord setBg">
-        <pc:chgData name="Al ex" userId="1d73023b5acb93cf" providerId="LiveId" clId="{AB8C1610-9B0F-4A3A-96F9-A0FB1F9855A7}" dt="2021-07-01T15:13:02.588" v="881" actId="122"/>
+        <pc:chgData name="Al ex" userId="1d73023b5acb93cf" providerId="LiveId" clId="{AB8C1610-9B0F-4A3A-96F9-A0FB1F9855A7}" dt="2021-07-02T15:34:50.659" v="4003"/>
         <pc:sldMkLst>
           <pc:docMk/>
           <pc:sldMk cId="4057583148" sldId="260"/>
@@ -406,94 +413,383 @@
           </ac:picMkLst>
         </pc:picChg>
       </pc:sldChg>
-      <pc:sldMasterChg chg="add del addSldLayout delSldLayout">
-        <pc:chgData name="Al ex" userId="1d73023b5acb93cf" providerId="LiveId" clId="{AB8C1610-9B0F-4A3A-96F9-A0FB1F9855A7}" dt="2021-07-01T08:07:51.280" v="65" actId="26606"/>
+      <pc:sldChg chg="addSp delSp modSp new mod modClrScheme chgLayout">
+        <pc:chgData name="Al ex" userId="1d73023b5acb93cf" providerId="LiveId" clId="{AB8C1610-9B0F-4A3A-96F9-A0FB1F9855A7}" dt="2021-07-02T14:51:28.823" v="1819" actId="700"/>
+        <pc:sldMkLst>
+          <pc:docMk/>
+          <pc:sldMk cId="2213073460" sldId="261"/>
+        </pc:sldMkLst>
+        <pc:spChg chg="del mod ord">
+          <ac:chgData name="Al ex" userId="1d73023b5acb93cf" providerId="LiveId" clId="{AB8C1610-9B0F-4A3A-96F9-A0FB1F9855A7}" dt="2021-07-02T14:50:06.669" v="1806" actId="700"/>
+          <ac:spMkLst>
+            <pc:docMk/>
+            <pc:sldMk cId="2213073460" sldId="261"/>
+            <ac:spMk id="2" creationId="{25F7B09D-C634-4A36-851F-71CEF357B723}"/>
+          </ac:spMkLst>
+        </pc:spChg>
+        <pc:spChg chg="del">
+          <ac:chgData name="Al ex" userId="1d73023b5acb93cf" providerId="LiveId" clId="{AB8C1610-9B0F-4A3A-96F9-A0FB1F9855A7}" dt="2021-07-02T14:50:06.669" v="1806" actId="700"/>
+          <ac:spMkLst>
+            <pc:docMk/>
+            <pc:sldMk cId="2213073460" sldId="261"/>
+            <ac:spMk id="3" creationId="{C33479E6-07C8-4F6F-A4D5-9C5A3DAC9749}"/>
+          </ac:spMkLst>
+        </pc:spChg>
+        <pc:spChg chg="add mod ord">
+          <ac:chgData name="Al ex" userId="1d73023b5acb93cf" providerId="LiveId" clId="{AB8C1610-9B0F-4A3A-96F9-A0FB1F9855A7}" dt="2021-07-02T14:51:28.823" v="1819" actId="700"/>
+          <ac:spMkLst>
+            <pc:docMk/>
+            <pc:sldMk cId="2213073460" sldId="261"/>
+            <ac:spMk id="4" creationId="{C219A1C0-0B46-405B-A2A6-78424FE9EE86}"/>
+          </ac:spMkLst>
+        </pc:spChg>
+        <pc:spChg chg="add mod ord">
+          <ac:chgData name="Al ex" userId="1d73023b5acb93cf" providerId="LiveId" clId="{AB8C1610-9B0F-4A3A-96F9-A0FB1F9855A7}" dt="2021-07-02T14:51:28.823" v="1819" actId="700"/>
+          <ac:spMkLst>
+            <pc:docMk/>
+            <pc:sldMk cId="2213073460" sldId="261"/>
+            <ac:spMk id="5" creationId="{1B09F84D-3E3B-4CFC-B045-25FEB4890D73}"/>
+          </ac:spMkLst>
+        </pc:spChg>
+      </pc:sldChg>
+      <pc:sldChg chg="addSp delSp modSp new mod setBg">
+        <pc:chgData name="Al ex" userId="1d73023b5acb93cf" providerId="LiveId" clId="{AB8C1610-9B0F-4A3A-96F9-A0FB1F9855A7}" dt="2021-07-02T15:36:30.898" v="4068" actId="20577"/>
+        <pc:sldMkLst>
+          <pc:docMk/>
+          <pc:sldMk cId="2664905817" sldId="262"/>
+        </pc:sldMkLst>
+        <pc:spChg chg="mod">
+          <ac:chgData name="Al ex" userId="1d73023b5acb93cf" providerId="LiveId" clId="{AB8C1610-9B0F-4A3A-96F9-A0FB1F9855A7}" dt="2021-07-02T15:36:20.694" v="4065" actId="26606"/>
+          <ac:spMkLst>
+            <pc:docMk/>
+            <pc:sldMk cId="2664905817" sldId="262"/>
+            <ac:spMk id="2" creationId="{961205A0-A20A-460D-BF41-0547177EC004}"/>
+          </ac:spMkLst>
+        </pc:spChg>
+        <pc:spChg chg="mod">
+          <ac:chgData name="Al ex" userId="1d73023b5acb93cf" providerId="LiveId" clId="{AB8C1610-9B0F-4A3A-96F9-A0FB1F9855A7}" dt="2021-07-02T15:36:30.898" v="4068" actId="20577"/>
+          <ac:spMkLst>
+            <pc:docMk/>
+            <pc:sldMk cId="2664905817" sldId="262"/>
+            <ac:spMk id="3" creationId="{BCDD5A86-9E2C-47B9-9ED6-667DF1173A9E}"/>
+          </ac:spMkLst>
+        </pc:spChg>
+        <pc:spChg chg="add del">
+          <ac:chgData name="Al ex" userId="1d73023b5acb93cf" providerId="LiveId" clId="{AB8C1610-9B0F-4A3A-96F9-A0FB1F9855A7}" dt="2021-07-02T15:36:20.694" v="4065" actId="26606"/>
+          <ac:spMkLst>
+            <pc:docMk/>
+            <pc:sldMk cId="2664905817" sldId="262"/>
+            <ac:spMk id="9" creationId="{989683EB-D202-4B4D-B1BD-8BA6965FBEF5}"/>
+          </ac:spMkLst>
+        </pc:spChg>
+        <pc:spChg chg="add del">
+          <ac:chgData name="Al ex" userId="1d73023b5acb93cf" providerId="LiveId" clId="{AB8C1610-9B0F-4A3A-96F9-A0FB1F9855A7}" dt="2021-07-02T15:36:20.679" v="4064" actId="26606"/>
+          <ac:spMkLst>
+            <pc:docMk/>
+            <pc:sldMk cId="2664905817" sldId="262"/>
+            <ac:spMk id="14" creationId="{B4147794-66B7-4CDE-BC75-BBDC48B2FCEB}"/>
+          </ac:spMkLst>
+        </pc:spChg>
+        <pc:picChg chg="add mod ord">
+          <ac:chgData name="Al ex" userId="1d73023b5acb93cf" providerId="LiveId" clId="{AB8C1610-9B0F-4A3A-96F9-A0FB1F9855A7}" dt="2021-07-02T15:36:20.694" v="4065" actId="26606"/>
+          <ac:picMkLst>
+            <pc:docMk/>
+            <pc:sldMk cId="2664905817" sldId="262"/>
+            <ac:picMk id="4" creationId="{F5C4AB35-6373-45C6-8803-7349E7B6A6A9}"/>
+          </ac:picMkLst>
+        </pc:picChg>
+      </pc:sldChg>
+      <pc:sldChg chg="addSp modSp new mod setBg">
+        <pc:chgData name="Al ex" userId="1d73023b5acb93cf" providerId="LiveId" clId="{AB8C1610-9B0F-4A3A-96F9-A0FB1F9855A7}" dt="2021-07-02T15:35:50.853" v="4060" actId="27636"/>
+        <pc:sldMkLst>
+          <pc:docMk/>
+          <pc:sldMk cId="4194125777" sldId="263"/>
+        </pc:sldMkLst>
+        <pc:spChg chg="mod">
+          <ac:chgData name="Al ex" userId="1d73023b5acb93cf" providerId="LiveId" clId="{AB8C1610-9B0F-4A3A-96F9-A0FB1F9855A7}" dt="2021-07-02T15:35:50.841" v="4059" actId="26606"/>
+          <ac:spMkLst>
+            <pc:docMk/>
+            <pc:sldMk cId="4194125777" sldId="263"/>
+            <ac:spMk id="2" creationId="{0A12707C-3206-4993-9DBE-17D9EACB1C00}"/>
+          </ac:spMkLst>
+        </pc:spChg>
+        <pc:spChg chg="mod">
+          <ac:chgData name="Al ex" userId="1d73023b5acb93cf" providerId="LiveId" clId="{AB8C1610-9B0F-4A3A-96F9-A0FB1F9855A7}" dt="2021-07-02T15:35:50.853" v="4060" actId="27636"/>
+          <ac:spMkLst>
+            <pc:docMk/>
+            <pc:sldMk cId="4194125777" sldId="263"/>
+            <ac:spMk id="3" creationId="{D879B614-B7EF-4C41-B525-645B6994B712}"/>
+          </ac:spMkLst>
+        </pc:spChg>
+        <pc:spChg chg="add">
+          <ac:chgData name="Al ex" userId="1d73023b5acb93cf" providerId="LiveId" clId="{AB8C1610-9B0F-4A3A-96F9-A0FB1F9855A7}" dt="2021-07-02T15:35:50.841" v="4059" actId="26606"/>
+          <ac:spMkLst>
+            <pc:docMk/>
+            <pc:sldMk cId="4194125777" sldId="263"/>
+            <ac:spMk id="9" creationId="{989683EB-D202-4B4D-B1BD-8BA6965FBEF5}"/>
+          </ac:spMkLst>
+        </pc:spChg>
+        <pc:picChg chg="add mod ord">
+          <ac:chgData name="Al ex" userId="1d73023b5acb93cf" providerId="LiveId" clId="{AB8C1610-9B0F-4A3A-96F9-A0FB1F9855A7}" dt="2021-07-02T15:35:50.841" v="4059" actId="26606"/>
+          <ac:picMkLst>
+            <pc:docMk/>
+            <pc:sldMk cId="4194125777" sldId="263"/>
+            <ac:picMk id="4" creationId="{15FFD1B1-AEEE-4EE4-9047-6C67FEA2BDA9}"/>
+          </ac:picMkLst>
+        </pc:picChg>
+      </pc:sldChg>
+      <pc:sldChg chg="addSp modSp new mod setBg">
+        <pc:chgData name="Al ex" userId="1d73023b5acb93cf" providerId="LiveId" clId="{AB8C1610-9B0F-4A3A-96F9-A0FB1F9855A7}" dt="2021-07-02T15:35:47.341" v="4057" actId="26606"/>
+        <pc:sldMkLst>
+          <pc:docMk/>
+          <pc:sldMk cId="986449292" sldId="264"/>
+        </pc:sldMkLst>
+        <pc:spChg chg="mod">
+          <ac:chgData name="Al ex" userId="1d73023b5acb93cf" providerId="LiveId" clId="{AB8C1610-9B0F-4A3A-96F9-A0FB1F9855A7}" dt="2021-07-02T15:35:47.341" v="4057" actId="26606"/>
+          <ac:spMkLst>
+            <pc:docMk/>
+            <pc:sldMk cId="986449292" sldId="264"/>
+            <ac:spMk id="2" creationId="{77994A76-64F1-4AEE-BC4F-FB664D9A36F7}"/>
+          </ac:spMkLst>
+        </pc:spChg>
+        <pc:spChg chg="mod">
+          <ac:chgData name="Al ex" userId="1d73023b5acb93cf" providerId="LiveId" clId="{AB8C1610-9B0F-4A3A-96F9-A0FB1F9855A7}" dt="2021-07-02T15:35:47.341" v="4057" actId="26606"/>
+          <ac:spMkLst>
+            <pc:docMk/>
+            <pc:sldMk cId="986449292" sldId="264"/>
+            <ac:spMk id="3" creationId="{C7D1522B-DD16-4ED0-B890-B3427CE8EB23}"/>
+          </ac:spMkLst>
+        </pc:spChg>
+        <pc:spChg chg="add">
+          <ac:chgData name="Al ex" userId="1d73023b5acb93cf" providerId="LiveId" clId="{AB8C1610-9B0F-4A3A-96F9-A0FB1F9855A7}" dt="2021-07-02T15:35:47.341" v="4057" actId="26606"/>
+          <ac:spMkLst>
+            <pc:docMk/>
+            <pc:sldMk cId="986449292" sldId="264"/>
+            <ac:spMk id="9" creationId="{989683EB-D202-4B4D-B1BD-8BA6965FBEF5}"/>
+          </ac:spMkLst>
+        </pc:spChg>
+        <pc:picChg chg="add mod ord">
+          <ac:chgData name="Al ex" userId="1d73023b5acb93cf" providerId="LiveId" clId="{AB8C1610-9B0F-4A3A-96F9-A0FB1F9855A7}" dt="2021-07-02T15:35:47.341" v="4057" actId="26606"/>
+          <ac:picMkLst>
+            <pc:docMk/>
+            <pc:sldMk cId="986449292" sldId="264"/>
+            <ac:picMk id="4" creationId="{5511DBA9-FF92-407F-A794-61FC31C5161F}"/>
+          </ac:picMkLst>
+        </pc:picChg>
+      </pc:sldChg>
+      <pc:sldChg chg="addSp delSp modSp new mod setBg">
+        <pc:chgData name="Al ex" userId="1d73023b5acb93cf" providerId="LiveId" clId="{AB8C1610-9B0F-4A3A-96F9-A0FB1F9855A7}" dt="2021-07-02T15:39:22.150" v="4249" actId="20577"/>
+        <pc:sldMkLst>
+          <pc:docMk/>
+          <pc:sldMk cId="257936271" sldId="265"/>
+        </pc:sldMkLst>
+        <pc:spChg chg="mod">
+          <ac:chgData name="Al ex" userId="1d73023b5acb93cf" providerId="LiveId" clId="{AB8C1610-9B0F-4A3A-96F9-A0FB1F9855A7}" dt="2021-07-02T15:35:08.252" v="4051" actId="26606"/>
+          <ac:spMkLst>
+            <pc:docMk/>
+            <pc:sldMk cId="257936271" sldId="265"/>
+            <ac:spMk id="2" creationId="{D02D210C-DC25-442C-A0DC-2021B3ABC932}"/>
+          </ac:spMkLst>
+        </pc:spChg>
+        <pc:spChg chg="mod">
+          <ac:chgData name="Al ex" userId="1d73023b5acb93cf" providerId="LiveId" clId="{AB8C1610-9B0F-4A3A-96F9-A0FB1F9855A7}" dt="2021-07-02T15:39:22.150" v="4249" actId="20577"/>
+          <ac:spMkLst>
+            <pc:docMk/>
+            <pc:sldMk cId="257936271" sldId="265"/>
+            <ac:spMk id="3" creationId="{C6D47933-B121-49D1-9D84-21CF203209CD}"/>
+          </ac:spMkLst>
+        </pc:spChg>
+        <pc:spChg chg="add del">
+          <ac:chgData name="Al ex" userId="1d73023b5acb93cf" providerId="LiveId" clId="{AB8C1610-9B0F-4A3A-96F9-A0FB1F9855A7}" dt="2021-07-02T15:35:38.236" v="4055" actId="26606"/>
+          <ac:spMkLst>
+            <pc:docMk/>
+            <pc:sldMk cId="257936271" sldId="265"/>
+            <ac:spMk id="9" creationId="{989683EB-D202-4B4D-B1BD-8BA6965FBEF5}"/>
+          </ac:spMkLst>
+        </pc:spChg>
+        <pc:spChg chg="add del">
+          <ac:chgData name="Al ex" userId="1d73023b5acb93cf" providerId="LiveId" clId="{AB8C1610-9B0F-4A3A-96F9-A0FB1F9855A7}" dt="2021-07-02T15:35:38.236" v="4055" actId="26606"/>
+          <ac:spMkLst>
+            <pc:docMk/>
+            <pc:sldMk cId="257936271" sldId="265"/>
+            <ac:spMk id="14" creationId="{989683EB-D202-4B4D-B1BD-8BA6965FBEF5}"/>
+          </ac:spMkLst>
+        </pc:spChg>
+        <pc:picChg chg="add mod ord">
+          <ac:chgData name="Al ex" userId="1d73023b5acb93cf" providerId="LiveId" clId="{AB8C1610-9B0F-4A3A-96F9-A0FB1F9855A7}" dt="2021-07-02T15:35:08.252" v="4051" actId="26606"/>
+          <ac:picMkLst>
+            <pc:docMk/>
+            <pc:sldMk cId="257936271" sldId="265"/>
+            <ac:picMk id="4" creationId="{C8005455-DE52-4166-891D-E22990B7B159}"/>
+          </ac:picMkLst>
+        </pc:picChg>
+      </pc:sldChg>
+      <pc:sldChg chg="addSp modSp new mod setBg">
+        <pc:chgData name="Al ex" userId="1d73023b5acb93cf" providerId="LiveId" clId="{AB8C1610-9B0F-4A3A-96F9-A0FB1F9855A7}" dt="2021-07-02T15:38:48.252" v="4248" actId="403"/>
+        <pc:sldMkLst>
+          <pc:docMk/>
+          <pc:sldMk cId="1716667692" sldId="266"/>
+        </pc:sldMkLst>
+        <pc:spChg chg="mod ord">
+          <ac:chgData name="Al ex" userId="1d73023b5acb93cf" providerId="LiveId" clId="{AB8C1610-9B0F-4A3A-96F9-A0FB1F9855A7}" dt="2021-07-02T15:33:49.673" v="4001" actId="26606"/>
+          <ac:spMkLst>
+            <pc:docMk/>
+            <pc:sldMk cId="1716667692" sldId="266"/>
+            <ac:spMk id="2" creationId="{53FD79FB-C723-4EE6-843C-33599473613F}"/>
+          </ac:spMkLst>
+        </pc:spChg>
+        <pc:spChg chg="mod">
+          <ac:chgData name="Al ex" userId="1d73023b5acb93cf" providerId="LiveId" clId="{AB8C1610-9B0F-4A3A-96F9-A0FB1F9855A7}" dt="2021-07-02T15:38:48.252" v="4248" actId="403"/>
+          <ac:spMkLst>
+            <pc:docMk/>
+            <pc:sldMk cId="1716667692" sldId="266"/>
+            <ac:spMk id="3" creationId="{7BF06AF6-F9B6-4411-9EF0-4EE6B29F9CBA}"/>
+          </ac:spMkLst>
+        </pc:spChg>
+        <pc:spChg chg="add">
+          <ac:chgData name="Al ex" userId="1d73023b5acb93cf" providerId="LiveId" clId="{AB8C1610-9B0F-4A3A-96F9-A0FB1F9855A7}" dt="2021-07-02T15:33:49.673" v="4001" actId="26606"/>
+          <ac:spMkLst>
+            <pc:docMk/>
+            <pc:sldMk cId="1716667692" sldId="266"/>
+            <ac:spMk id="10" creationId="{989683EB-D202-4B4D-B1BD-8BA6965FBEF5}"/>
+          </ac:spMkLst>
+        </pc:spChg>
+        <pc:picChg chg="add mod">
+          <ac:chgData name="Al ex" userId="1d73023b5acb93cf" providerId="LiveId" clId="{AB8C1610-9B0F-4A3A-96F9-A0FB1F9855A7}" dt="2021-07-02T15:34:59.569" v="4049" actId="1038"/>
+          <ac:picMkLst>
+            <pc:docMk/>
+            <pc:sldMk cId="1716667692" sldId="266"/>
+            <ac:picMk id="5" creationId="{8CBB88FA-6CC5-4058-B997-6B93B0B98EB6}"/>
+          </ac:picMkLst>
+        </pc:picChg>
+      </pc:sldChg>
+      <pc:sldChg chg="addSp modSp new mod setBg">
+        <pc:chgData name="Al ex" userId="1d73023b5acb93cf" providerId="LiveId" clId="{AB8C1610-9B0F-4A3A-96F9-A0FB1F9855A7}" dt="2021-07-02T15:43:13.266" v="4707" actId="20577"/>
+        <pc:sldMkLst>
+          <pc:docMk/>
+          <pc:sldMk cId="2386237977" sldId="267"/>
+        </pc:sldMkLst>
+        <pc:spChg chg="mod">
+          <ac:chgData name="Al ex" userId="1d73023b5acb93cf" providerId="LiveId" clId="{AB8C1610-9B0F-4A3A-96F9-A0FB1F9855A7}" dt="2021-07-02T15:39:40.742" v="4263" actId="20577"/>
+          <ac:spMkLst>
+            <pc:docMk/>
+            <pc:sldMk cId="2386237977" sldId="267"/>
+            <ac:spMk id="2" creationId="{D4B244B0-14BC-4D2F-B5AF-483644B6F9C8}"/>
+          </ac:spMkLst>
+        </pc:spChg>
+        <pc:spChg chg="mod">
+          <ac:chgData name="Al ex" userId="1d73023b5acb93cf" providerId="LiveId" clId="{AB8C1610-9B0F-4A3A-96F9-A0FB1F9855A7}" dt="2021-07-02T15:43:13.266" v="4707" actId="20577"/>
+          <ac:spMkLst>
+            <pc:docMk/>
+            <pc:sldMk cId="2386237977" sldId="267"/>
+            <ac:spMk id="3" creationId="{5A1B9CF7-7836-45FA-8266-852C7D3D1E59}"/>
+          </ac:spMkLst>
+        </pc:spChg>
+        <pc:spChg chg="add">
+          <ac:chgData name="Al ex" userId="1d73023b5acb93cf" providerId="LiveId" clId="{AB8C1610-9B0F-4A3A-96F9-A0FB1F9855A7}" dt="2021-07-02T15:39:36.725" v="4252" actId="26606"/>
+          <ac:spMkLst>
+            <pc:docMk/>
+            <pc:sldMk cId="2386237977" sldId="267"/>
+            <ac:spMk id="9" creationId="{989683EB-D202-4B4D-B1BD-8BA6965FBEF5}"/>
+          </ac:spMkLst>
+        </pc:spChg>
+        <pc:picChg chg="add mod ord">
+          <ac:chgData name="Al ex" userId="1d73023b5acb93cf" providerId="LiveId" clId="{AB8C1610-9B0F-4A3A-96F9-A0FB1F9855A7}" dt="2021-07-02T15:39:36.725" v="4252" actId="26606"/>
+          <ac:picMkLst>
+            <pc:docMk/>
+            <pc:sldMk cId="2386237977" sldId="267"/>
+            <ac:picMk id="4" creationId="{E450A686-C174-48D8-AD85-3F16996FCDBB}"/>
+          </ac:picMkLst>
+        </pc:picChg>
+      </pc:sldChg>
+      <pc:sldMasterChg chg="add del setBg addSldLayout delSldLayout modSldLayout">
+        <pc:chgData name="Al ex" userId="1d73023b5acb93cf" providerId="LiveId" clId="{AB8C1610-9B0F-4A3A-96F9-A0FB1F9855A7}" dt="2021-07-02T15:34:50.659" v="4003"/>
         <pc:sldMasterMkLst>
           <pc:docMk/>
           <pc:sldMasterMk cId="2549467387" sldId="2147483660"/>
         </pc:sldMasterMkLst>
-        <pc:sldLayoutChg chg="add del">
-          <pc:chgData name="Al ex" userId="1d73023b5acb93cf" providerId="LiveId" clId="{AB8C1610-9B0F-4A3A-96F9-A0FB1F9855A7}" dt="2021-07-01T08:07:51.280" v="65" actId="26606"/>
+        <pc:sldLayoutChg chg="add del setBg">
+          <pc:chgData name="Al ex" userId="1d73023b5acb93cf" providerId="LiveId" clId="{AB8C1610-9B0F-4A3A-96F9-A0FB1F9855A7}" dt="2021-07-02T15:34:50.659" v="4003"/>
           <pc:sldLayoutMkLst>
             <pc:docMk/>
             <pc:sldMasterMk cId="2549467387" sldId="2147483660"/>
             <pc:sldLayoutMk cId="2354977107" sldId="2147483661"/>
           </pc:sldLayoutMkLst>
         </pc:sldLayoutChg>
-        <pc:sldLayoutChg chg="add del">
-          <pc:chgData name="Al ex" userId="1d73023b5acb93cf" providerId="LiveId" clId="{AB8C1610-9B0F-4A3A-96F9-A0FB1F9855A7}" dt="2021-07-01T08:07:51.280" v="65" actId="26606"/>
+        <pc:sldLayoutChg chg="add del setBg">
+          <pc:chgData name="Al ex" userId="1d73023b5acb93cf" providerId="LiveId" clId="{AB8C1610-9B0F-4A3A-96F9-A0FB1F9855A7}" dt="2021-07-02T15:34:50.659" v="4003"/>
           <pc:sldLayoutMkLst>
             <pc:docMk/>
             <pc:sldMasterMk cId="2549467387" sldId="2147483660"/>
             <pc:sldLayoutMk cId="1591234160" sldId="2147483662"/>
           </pc:sldLayoutMkLst>
         </pc:sldLayoutChg>
-        <pc:sldLayoutChg chg="add del">
-          <pc:chgData name="Al ex" userId="1d73023b5acb93cf" providerId="LiveId" clId="{AB8C1610-9B0F-4A3A-96F9-A0FB1F9855A7}" dt="2021-07-01T08:07:51.280" v="65" actId="26606"/>
+        <pc:sldLayoutChg chg="add del setBg">
+          <pc:chgData name="Al ex" userId="1d73023b5acb93cf" providerId="LiveId" clId="{AB8C1610-9B0F-4A3A-96F9-A0FB1F9855A7}" dt="2021-07-02T15:34:50.659" v="4003"/>
           <pc:sldLayoutMkLst>
             <pc:docMk/>
             <pc:sldMasterMk cId="2549467387" sldId="2147483660"/>
             <pc:sldLayoutMk cId="3417041690" sldId="2147483663"/>
           </pc:sldLayoutMkLst>
         </pc:sldLayoutChg>
-        <pc:sldLayoutChg chg="add del">
-          <pc:chgData name="Al ex" userId="1d73023b5acb93cf" providerId="LiveId" clId="{AB8C1610-9B0F-4A3A-96F9-A0FB1F9855A7}" dt="2021-07-01T08:07:51.280" v="65" actId="26606"/>
+        <pc:sldLayoutChg chg="add del setBg">
+          <pc:chgData name="Al ex" userId="1d73023b5acb93cf" providerId="LiveId" clId="{AB8C1610-9B0F-4A3A-96F9-A0FB1F9855A7}" dt="2021-07-02T15:34:50.659" v="4003"/>
           <pc:sldLayoutMkLst>
             <pc:docMk/>
             <pc:sldMasterMk cId="2549467387" sldId="2147483660"/>
             <pc:sldLayoutMk cId="897355772" sldId="2147483664"/>
           </pc:sldLayoutMkLst>
         </pc:sldLayoutChg>
-        <pc:sldLayoutChg chg="add del">
-          <pc:chgData name="Al ex" userId="1d73023b5acb93cf" providerId="LiveId" clId="{AB8C1610-9B0F-4A3A-96F9-A0FB1F9855A7}" dt="2021-07-01T08:07:51.280" v="65" actId="26606"/>
+        <pc:sldLayoutChg chg="add del setBg">
+          <pc:chgData name="Al ex" userId="1d73023b5acb93cf" providerId="LiveId" clId="{AB8C1610-9B0F-4A3A-96F9-A0FB1F9855A7}" dt="2021-07-02T15:34:50.659" v="4003"/>
           <pc:sldLayoutMkLst>
             <pc:docMk/>
             <pc:sldMasterMk cId="2549467387" sldId="2147483660"/>
             <pc:sldLayoutMk cId="2853757144" sldId="2147483665"/>
           </pc:sldLayoutMkLst>
         </pc:sldLayoutChg>
-        <pc:sldLayoutChg chg="add del">
-          <pc:chgData name="Al ex" userId="1d73023b5acb93cf" providerId="LiveId" clId="{AB8C1610-9B0F-4A3A-96F9-A0FB1F9855A7}" dt="2021-07-01T08:07:51.280" v="65" actId="26606"/>
+        <pc:sldLayoutChg chg="add del setBg">
+          <pc:chgData name="Al ex" userId="1d73023b5acb93cf" providerId="LiveId" clId="{AB8C1610-9B0F-4A3A-96F9-A0FB1F9855A7}" dt="2021-07-02T15:34:50.659" v="4003"/>
           <pc:sldLayoutMkLst>
             <pc:docMk/>
             <pc:sldMasterMk cId="2549467387" sldId="2147483660"/>
             <pc:sldLayoutMk cId="293929128" sldId="2147483666"/>
           </pc:sldLayoutMkLst>
         </pc:sldLayoutChg>
-        <pc:sldLayoutChg chg="add del">
-          <pc:chgData name="Al ex" userId="1d73023b5acb93cf" providerId="LiveId" clId="{AB8C1610-9B0F-4A3A-96F9-A0FB1F9855A7}" dt="2021-07-01T08:07:51.280" v="65" actId="26606"/>
+        <pc:sldLayoutChg chg="add del setBg">
+          <pc:chgData name="Al ex" userId="1d73023b5acb93cf" providerId="LiveId" clId="{AB8C1610-9B0F-4A3A-96F9-A0FB1F9855A7}" dt="2021-07-02T15:34:50.659" v="4003"/>
           <pc:sldLayoutMkLst>
             <pc:docMk/>
             <pc:sldMasterMk cId="2549467387" sldId="2147483660"/>
             <pc:sldLayoutMk cId="1876364091" sldId="2147483667"/>
           </pc:sldLayoutMkLst>
         </pc:sldLayoutChg>
-        <pc:sldLayoutChg chg="add del">
-          <pc:chgData name="Al ex" userId="1d73023b5acb93cf" providerId="LiveId" clId="{AB8C1610-9B0F-4A3A-96F9-A0FB1F9855A7}" dt="2021-07-01T08:07:51.280" v="65" actId="26606"/>
+        <pc:sldLayoutChg chg="add del setBg">
+          <pc:chgData name="Al ex" userId="1d73023b5acb93cf" providerId="LiveId" clId="{AB8C1610-9B0F-4A3A-96F9-A0FB1F9855A7}" dt="2021-07-02T15:34:50.659" v="4003"/>
           <pc:sldLayoutMkLst>
             <pc:docMk/>
             <pc:sldMasterMk cId="2549467387" sldId="2147483660"/>
             <pc:sldLayoutMk cId="3019157521" sldId="2147483668"/>
           </pc:sldLayoutMkLst>
         </pc:sldLayoutChg>
-        <pc:sldLayoutChg chg="add del">
-          <pc:chgData name="Al ex" userId="1d73023b5acb93cf" providerId="LiveId" clId="{AB8C1610-9B0F-4A3A-96F9-A0FB1F9855A7}" dt="2021-07-01T08:07:51.280" v="65" actId="26606"/>
+        <pc:sldLayoutChg chg="add del setBg">
+          <pc:chgData name="Al ex" userId="1d73023b5acb93cf" providerId="LiveId" clId="{AB8C1610-9B0F-4A3A-96F9-A0FB1F9855A7}" dt="2021-07-02T15:34:50.659" v="4003"/>
           <pc:sldLayoutMkLst>
             <pc:docMk/>
             <pc:sldMasterMk cId="2549467387" sldId="2147483660"/>
             <pc:sldLayoutMk cId="2692784005" sldId="2147483669"/>
           </pc:sldLayoutMkLst>
         </pc:sldLayoutChg>
-        <pc:sldLayoutChg chg="add del">
-          <pc:chgData name="Al ex" userId="1d73023b5acb93cf" providerId="LiveId" clId="{AB8C1610-9B0F-4A3A-96F9-A0FB1F9855A7}" dt="2021-07-01T08:07:51.280" v="65" actId="26606"/>
+        <pc:sldLayoutChg chg="add del setBg">
+          <pc:chgData name="Al ex" userId="1d73023b5acb93cf" providerId="LiveId" clId="{AB8C1610-9B0F-4A3A-96F9-A0FB1F9855A7}" dt="2021-07-02T15:34:50.659" v="4003"/>
           <pc:sldLayoutMkLst>
             <pc:docMk/>
             <pc:sldMasterMk cId="2549467387" sldId="2147483660"/>
             <pc:sldLayoutMk cId="3464616208" sldId="2147483670"/>
           </pc:sldLayoutMkLst>
         </pc:sldLayoutChg>
-        <pc:sldLayoutChg chg="add del">
-          <pc:chgData name="Al ex" userId="1d73023b5acb93cf" providerId="LiveId" clId="{AB8C1610-9B0F-4A3A-96F9-A0FB1F9855A7}" dt="2021-07-01T08:07:51.280" v="65" actId="26606"/>
+        <pc:sldLayoutChg chg="add del setBg">
+          <pc:chgData name="Al ex" userId="1d73023b5acb93cf" providerId="LiveId" clId="{AB8C1610-9B0F-4A3A-96F9-A0FB1F9855A7}" dt="2021-07-02T15:34:50.659" v="4003"/>
           <pc:sldLayoutMkLst>
             <pc:docMk/>
             <pc:sldMasterMk cId="2549467387" sldId="2147483660"/>
@@ -3443,7 +3739,7 @@
           <a:p>
             <a:fld id="{0FB1A7F6-0812-4A46-B0B3-17E31A6CF280}" type="datetimeFigureOut">
               <a:rPr lang="it-IT" smtClean="0"/>
-              <a:t>01/07/2021</a:t>
+              <a:t>02/07/2021</a:t>
             </a:fld>
             <a:endParaRPr lang="it-IT"/>
           </a:p>
@@ -3671,7 +3967,7 @@
           <a:p>
             <a:fld id="{0FB1A7F6-0812-4A46-B0B3-17E31A6CF280}" type="datetimeFigureOut">
               <a:rPr lang="it-IT" smtClean="0"/>
-              <a:t>01/07/2021</a:t>
+              <a:t>02/07/2021</a:t>
             </a:fld>
             <a:endParaRPr lang="it-IT"/>
           </a:p>
@@ -3851,7 +4147,7 @@
           <a:p>
             <a:fld id="{0FB1A7F6-0812-4A46-B0B3-17E31A6CF280}" type="datetimeFigureOut">
               <a:rPr lang="it-IT" smtClean="0"/>
-              <a:t>01/07/2021</a:t>
+              <a:t>02/07/2021</a:t>
             </a:fld>
             <a:endParaRPr lang="it-IT"/>
           </a:p>
@@ -4021,7 +4317,7 @@
           <a:p>
             <a:fld id="{0FB1A7F6-0812-4A46-B0B3-17E31A6CF280}" type="datetimeFigureOut">
               <a:rPr lang="it-IT" smtClean="0"/>
-              <a:t>01/07/2021</a:t>
+              <a:t>02/07/2021</a:t>
             </a:fld>
             <a:endParaRPr lang="it-IT"/>
           </a:p>
@@ -4275,7 +4571,7 @@
           <a:p>
             <a:fld id="{0FB1A7F6-0812-4A46-B0B3-17E31A6CF280}" type="datetimeFigureOut">
               <a:rPr lang="it-IT" smtClean="0"/>
-              <a:t>01/07/2021</a:t>
+              <a:t>02/07/2021</a:t>
             </a:fld>
             <a:endParaRPr lang="it-IT"/>
           </a:p>
@@ -4601,7 +4897,7 @@
           <a:p>
             <a:fld id="{0FB1A7F6-0812-4A46-B0B3-17E31A6CF280}" type="datetimeFigureOut">
               <a:rPr lang="it-IT" smtClean="0"/>
-              <a:t>01/07/2021</a:t>
+              <a:t>02/07/2021</a:t>
             </a:fld>
             <a:endParaRPr lang="it-IT"/>
           </a:p>
@@ -5052,7 +5348,7 @@
           <a:p>
             <a:fld id="{0FB1A7F6-0812-4A46-B0B3-17E31A6CF280}" type="datetimeFigureOut">
               <a:rPr lang="it-IT" smtClean="0"/>
-              <a:t>01/07/2021</a:t>
+              <a:t>02/07/2021</a:t>
             </a:fld>
             <a:endParaRPr lang="it-IT"/>
           </a:p>
@@ -5170,7 +5466,7 @@
           <a:p>
             <a:fld id="{0FB1A7F6-0812-4A46-B0B3-17E31A6CF280}" type="datetimeFigureOut">
               <a:rPr lang="it-IT" smtClean="0"/>
-              <a:t>01/07/2021</a:t>
+              <a:t>02/07/2021</a:t>
             </a:fld>
             <a:endParaRPr lang="it-IT"/>
           </a:p>
@@ -5265,7 +5561,7 @@
           <a:p>
             <a:fld id="{0FB1A7F6-0812-4A46-B0B3-17E31A6CF280}" type="datetimeFigureOut">
               <a:rPr lang="it-IT" smtClean="0"/>
-              <a:t>01/07/2021</a:t>
+              <a:t>02/07/2021</a:t>
             </a:fld>
             <a:endParaRPr lang="it-IT"/>
           </a:p>
@@ -5552,7 +5848,7 @@
           <a:p>
             <a:fld id="{0FB1A7F6-0812-4A46-B0B3-17E31A6CF280}" type="datetimeFigureOut">
               <a:rPr lang="it-IT" smtClean="0"/>
-              <a:t>01/07/2021</a:t>
+              <a:t>02/07/2021</a:t>
             </a:fld>
             <a:endParaRPr lang="it-IT"/>
           </a:p>
@@ -5874,7 +6170,7 @@
           <a:p>
             <a:fld id="{0FB1A7F6-0812-4A46-B0B3-17E31A6CF280}" type="datetimeFigureOut">
               <a:rPr lang="it-IT" smtClean="0"/>
-              <a:t>01/07/2021</a:t>
+              <a:t>02/07/2021</a:t>
             </a:fld>
             <a:endParaRPr lang="it-IT"/>
           </a:p>
@@ -6128,7 +6424,7 @@
           <a:p>
             <a:fld id="{0FB1A7F6-0812-4A46-B0B3-17E31A6CF280}" type="datetimeFigureOut">
               <a:rPr lang="it-IT" smtClean="0"/>
-              <a:t>01/07/2021</a:t>
+              <a:t>02/07/2021</a:t>
             </a:fld>
             <a:endParaRPr lang="it-IT"/>
           </a:p>
@@ -6706,6 +7002,1343 @@
 </p:sld>
 </file>
 
+<file path=ppt/slides/slide10.xml><?xml version="1.0" encoding="utf-8"?>
+<p:sld xmlns:a="http://schemas.openxmlformats.org/drawingml/2006/main" xmlns:r="http://schemas.openxmlformats.org/officeDocument/2006/relationships" xmlns:p="http://schemas.openxmlformats.org/presentationml/2006/main">
+  <p:cSld>
+    <p:bg>
+      <p:bgPr>
+        <a:solidFill>
+          <a:schemeClr val="bg1"/>
+        </a:solidFill>
+        <a:effectLst/>
+      </p:bgPr>
+    </p:bg>
+    <p:spTree>
+      <p:nvGrpSpPr>
+        <p:cNvPr id="1" name=""/>
+        <p:cNvGrpSpPr/>
+        <p:nvPr/>
+      </p:nvGrpSpPr>
+      <p:grpSpPr>
+        <a:xfrm>
+          <a:off x="0" y="0"/>
+          <a:ext cx="0" cy="0"/>
+          <a:chOff x="0" y="0"/>
+          <a:chExt cx="0" cy="0"/>
+        </a:xfrm>
+      </p:grpSpPr>
+      <p:sp>
+        <p:nvSpPr>
+          <p:cNvPr id="10" name="Rectangle 9">
+            <a:extLst>
+              <a:ext uri="{FF2B5EF4-FFF2-40B4-BE49-F238E27FC236}">
+                <a16:creationId xmlns:a16="http://schemas.microsoft.com/office/drawing/2014/main" id="{989683EB-D202-4B4D-B1BD-8BA6965FBEF5}"/>
+              </a:ext>
+              <a:ext uri="{C183D7F6-B498-43B3-948B-1728B52AA6E4}">
+                <adec:decorative xmlns:adec="http://schemas.microsoft.com/office/drawing/2017/decorative" val="1"/>
+              </a:ext>
+            </a:extLst>
+          </p:cNvPr>
+          <p:cNvSpPr>
+            <a:spLocks noGrp="1" noRot="1" noChangeAspect="1" noMove="1" noResize="1" noEditPoints="1" noAdjustHandles="1" noChangeArrowheads="1" noChangeShapeType="1" noTextEdit="1"/>
+          </p:cNvSpPr>
+          <p:nvPr>
+            <p:extLst>
+              <p:ext uri="{386F3935-93C4-4BCD-93E2-E3B085C9AB24}">
+                <p16:designElem xmlns:p16="http://schemas.microsoft.com/office/powerpoint/2015/main" val="1"/>
+              </p:ext>
+            </p:extLst>
+          </p:nvPr>
+        </p:nvSpPr>
+        <p:spPr>
+          <a:xfrm>
+            <a:off x="0" y="-1"/>
+            <a:ext cx="11292840" cy="6858001"/>
+          </a:xfrm>
+          <a:prstGeom prst="rect">
+            <a:avLst/>
+          </a:prstGeom>
+          <a:solidFill>
+            <a:schemeClr val="tx1"/>
+          </a:solidFill>
+          <a:ln>
+            <a:noFill/>
+          </a:ln>
+        </p:spPr>
+        <p:style>
+          <a:lnRef idx="2">
+            <a:schemeClr val="accent1">
+              <a:shade val="50000"/>
+            </a:schemeClr>
+          </a:lnRef>
+          <a:fillRef idx="1">
+            <a:schemeClr val="accent1"/>
+          </a:fillRef>
+          <a:effectRef idx="0">
+            <a:schemeClr val="accent1"/>
+          </a:effectRef>
+          <a:fontRef idx="minor">
+            <a:schemeClr val="lt1"/>
+          </a:fontRef>
+        </p:style>
+        <p:txBody>
+          <a:bodyPr rtlCol="0" anchor="ctr"/>
+          <a:lstStyle/>
+          <a:p>
+            <a:pPr algn="ctr"/>
+            <a:endParaRPr lang="en-US"/>
+          </a:p>
+        </p:txBody>
+      </p:sp>
+      <p:pic>
+        <p:nvPicPr>
+          <p:cNvPr id="5" name="Picture 4" descr="Maze">
+            <a:extLst>
+              <a:ext uri="{FF2B5EF4-FFF2-40B4-BE49-F238E27FC236}">
+                <a16:creationId xmlns:a16="http://schemas.microsoft.com/office/drawing/2014/main" id="{8CBB88FA-6CC5-4058-B997-6B93B0B98EB6}"/>
+              </a:ext>
+            </a:extLst>
+          </p:cNvPr>
+          <p:cNvPicPr>
+            <a:picLocks noChangeAspect="1"/>
+          </p:cNvPicPr>
+          <p:nvPr/>
+        </p:nvPicPr>
+        <p:blipFill rotWithShape="1">
+          <a:blip r:embed="rId2">
+            <a:alphaModFix amt="35000"/>
+          </a:blip>
+          <a:srcRect t="9021"/>
+          <a:stretch/>
+        </p:blipFill>
+        <p:spPr>
+          <a:xfrm>
+            <a:off x="20" y="10"/>
+            <a:ext cx="11292820" cy="6857990"/>
+          </a:xfrm>
+          <a:prstGeom prst="rect">
+            <a:avLst/>
+          </a:prstGeom>
+        </p:spPr>
+      </p:pic>
+      <p:sp>
+        <p:nvSpPr>
+          <p:cNvPr id="2" name="Titolo 1">
+            <a:extLst>
+              <a:ext uri="{FF2B5EF4-FFF2-40B4-BE49-F238E27FC236}">
+                <a16:creationId xmlns:a16="http://schemas.microsoft.com/office/drawing/2014/main" id="{53FD79FB-C723-4EE6-843C-33599473613F}"/>
+              </a:ext>
+            </a:extLst>
+          </p:cNvPr>
+          <p:cNvSpPr>
+            <a:spLocks noGrp="1"/>
+          </p:cNvSpPr>
+          <p:nvPr>
+            <p:ph type="title"/>
+          </p:nvPr>
+        </p:nvSpPr>
+        <p:spPr>
+          <a:xfrm>
+            <a:off x="1261872" y="365760"/>
+            <a:ext cx="9692640" cy="1325562"/>
+          </a:xfrm>
+        </p:spPr>
+        <p:txBody>
+          <a:bodyPr>
+            <a:normAutofit/>
+          </a:bodyPr>
+          <a:lstStyle/>
+          <a:p>
+            <a:r>
+              <a:rPr lang="it-IT">
+                <a:solidFill>
+                  <a:schemeClr val="bg1"/>
+                </a:solidFill>
+              </a:rPr>
+              <a:t>Interesting points</a:t>
+            </a:r>
+          </a:p>
+        </p:txBody>
+      </p:sp>
+      <p:sp>
+        <p:nvSpPr>
+          <p:cNvPr id="3" name="Segnaposto contenuto 2">
+            <a:extLst>
+              <a:ext uri="{FF2B5EF4-FFF2-40B4-BE49-F238E27FC236}">
+                <a16:creationId xmlns:a16="http://schemas.microsoft.com/office/drawing/2014/main" id="{7BF06AF6-F9B6-4411-9EF0-4EE6B29F9CBA}"/>
+              </a:ext>
+            </a:extLst>
+          </p:cNvPr>
+          <p:cNvSpPr>
+            <a:spLocks noGrp="1"/>
+          </p:cNvSpPr>
+          <p:nvPr>
+            <p:ph idx="1"/>
+          </p:nvPr>
+        </p:nvSpPr>
+        <p:spPr>
+          <a:xfrm>
+            <a:off x="1261872" y="2005739"/>
+            <a:ext cx="8595360" cy="4174398"/>
+          </a:xfrm>
+        </p:spPr>
+        <p:txBody>
+          <a:bodyPr>
+            <a:normAutofit/>
+          </a:bodyPr>
+          <a:lstStyle/>
+          <a:p>
+            <a:r>
+              <a:rPr lang="it-IT" sz="2000" dirty="0" err="1">
+                <a:solidFill>
+                  <a:schemeClr val="bg1"/>
+                </a:solidFill>
+              </a:rPr>
+              <a:t>Perhaps</a:t>
+            </a:r>
+            <a:r>
+              <a:rPr lang="it-IT" sz="2000" dirty="0">
+                <a:solidFill>
+                  <a:schemeClr val="bg1"/>
+                </a:solidFill>
+              </a:rPr>
+              <a:t> </a:t>
+            </a:r>
+            <a:r>
+              <a:rPr lang="it-IT" sz="2000" dirty="0" err="1">
+                <a:solidFill>
+                  <a:schemeClr val="bg1"/>
+                </a:solidFill>
+              </a:rPr>
+              <a:t>we</a:t>
+            </a:r>
+            <a:r>
+              <a:rPr lang="it-IT" sz="2000" dirty="0">
+                <a:solidFill>
+                  <a:schemeClr val="bg1"/>
+                </a:solidFill>
+              </a:rPr>
+              <a:t> are </a:t>
+            </a:r>
+            <a:r>
+              <a:rPr lang="it-IT" sz="2000" dirty="0" err="1">
+                <a:solidFill>
+                  <a:schemeClr val="bg1"/>
+                </a:solidFill>
+              </a:rPr>
+              <a:t>not</a:t>
+            </a:r>
+            <a:r>
+              <a:rPr lang="it-IT" sz="2000" dirty="0">
+                <a:solidFill>
+                  <a:schemeClr val="bg1"/>
+                </a:solidFill>
+              </a:rPr>
+              <a:t> </a:t>
+            </a:r>
+            <a:r>
+              <a:rPr lang="it-IT" sz="2000" dirty="0" err="1">
+                <a:solidFill>
+                  <a:schemeClr val="bg1"/>
+                </a:solidFill>
+              </a:rPr>
+              <a:t>using</a:t>
+            </a:r>
+            <a:r>
+              <a:rPr lang="it-IT" sz="2000" dirty="0">
+                <a:solidFill>
+                  <a:schemeClr val="bg1"/>
+                </a:solidFill>
+              </a:rPr>
+              <a:t> </a:t>
+            </a:r>
+            <a:r>
+              <a:rPr lang="it-IT" sz="2000" dirty="0" err="1">
+                <a:solidFill>
+                  <a:schemeClr val="bg1"/>
+                </a:solidFill>
+              </a:rPr>
+              <a:t>enough</a:t>
+            </a:r>
+            <a:r>
+              <a:rPr lang="it-IT" sz="2000" dirty="0">
+                <a:solidFill>
+                  <a:schemeClr val="bg1"/>
+                </a:solidFill>
+              </a:rPr>
+              <a:t> </a:t>
+            </a:r>
+            <a:r>
+              <a:rPr lang="it-IT" sz="2000" dirty="0" err="1">
+                <a:solidFill>
+                  <a:schemeClr val="bg1"/>
+                </a:solidFill>
+              </a:rPr>
+              <a:t>examples</a:t>
+            </a:r>
+            <a:r>
+              <a:rPr lang="it-IT" sz="2000" dirty="0">
+                <a:solidFill>
+                  <a:schemeClr val="bg1"/>
+                </a:solidFill>
+              </a:rPr>
+              <a:t>.</a:t>
+            </a:r>
+          </a:p>
+          <a:p>
+            <a:r>
+              <a:rPr lang="it-IT" sz="2000" dirty="0" err="1">
+                <a:solidFill>
+                  <a:schemeClr val="bg1"/>
+                </a:solidFill>
+              </a:rPr>
+              <a:t>But</a:t>
+            </a:r>
+            <a:r>
+              <a:rPr lang="it-IT" sz="2000" dirty="0">
+                <a:solidFill>
+                  <a:schemeClr val="bg1"/>
+                </a:solidFill>
+              </a:rPr>
+              <a:t> </a:t>
+            </a:r>
+            <a:r>
+              <a:rPr lang="it-IT" sz="2000" dirty="0" err="1">
+                <a:solidFill>
+                  <a:schemeClr val="bg1"/>
+                </a:solidFill>
+              </a:rPr>
+              <a:t>actually</a:t>
+            </a:r>
+            <a:r>
+              <a:rPr lang="it-IT" sz="2000" dirty="0">
+                <a:solidFill>
+                  <a:schemeClr val="bg1"/>
+                </a:solidFill>
+              </a:rPr>
+              <a:t>, </a:t>
+            </a:r>
+            <a:r>
+              <a:rPr lang="it-IT" sz="2000" dirty="0" err="1">
+                <a:solidFill>
+                  <a:schemeClr val="bg1"/>
+                </a:solidFill>
+              </a:rPr>
+              <a:t>we</a:t>
+            </a:r>
+            <a:r>
+              <a:rPr lang="it-IT" sz="2000" dirty="0">
+                <a:solidFill>
+                  <a:schemeClr val="bg1"/>
+                </a:solidFill>
+              </a:rPr>
+              <a:t> are </a:t>
+            </a:r>
+            <a:r>
+              <a:rPr lang="it-IT" sz="2000" dirty="0" err="1">
+                <a:solidFill>
+                  <a:schemeClr val="bg1"/>
+                </a:solidFill>
+              </a:rPr>
+              <a:t>using</a:t>
+            </a:r>
+            <a:r>
+              <a:rPr lang="it-IT" sz="2000" dirty="0">
+                <a:solidFill>
+                  <a:schemeClr val="bg1"/>
+                </a:solidFill>
+              </a:rPr>
+              <a:t> </a:t>
+            </a:r>
+            <a:r>
+              <a:rPr lang="it-IT" sz="2000" dirty="0" err="1">
+                <a:solidFill>
+                  <a:schemeClr val="bg1"/>
+                </a:solidFill>
+              </a:rPr>
+              <a:t>too</a:t>
+            </a:r>
+            <a:r>
+              <a:rPr lang="it-IT" sz="2000" dirty="0">
+                <a:solidFill>
+                  <a:schemeClr val="bg1"/>
+                </a:solidFill>
+              </a:rPr>
+              <a:t> </a:t>
+            </a:r>
+            <a:r>
+              <a:rPr lang="it-IT" sz="2000" dirty="0" err="1">
+                <a:solidFill>
+                  <a:schemeClr val="bg1"/>
+                </a:solidFill>
+              </a:rPr>
+              <a:t>many</a:t>
+            </a:r>
+            <a:r>
+              <a:rPr lang="it-IT" sz="2000" dirty="0">
+                <a:solidFill>
+                  <a:schemeClr val="bg1"/>
+                </a:solidFill>
+              </a:rPr>
+              <a:t>!</a:t>
+            </a:r>
+          </a:p>
+          <a:p>
+            <a:r>
+              <a:rPr lang="it-IT" sz="2000" dirty="0" err="1">
+                <a:solidFill>
+                  <a:schemeClr val="bg1"/>
+                </a:solidFill>
+              </a:rPr>
+              <a:t>Only</a:t>
+            </a:r>
+            <a:r>
+              <a:rPr lang="it-IT" sz="2000" dirty="0">
+                <a:solidFill>
+                  <a:schemeClr val="bg1"/>
+                </a:solidFill>
+              </a:rPr>
+              <a:t> </a:t>
+            </a:r>
+            <a:r>
+              <a:rPr lang="it-IT" sz="2000" dirty="0" err="1">
+                <a:solidFill>
+                  <a:schemeClr val="bg1"/>
+                </a:solidFill>
+              </a:rPr>
+              <a:t>using</a:t>
+            </a:r>
+            <a:r>
+              <a:rPr lang="it-IT" sz="2000" dirty="0">
+                <a:solidFill>
+                  <a:schemeClr val="bg1"/>
+                </a:solidFill>
+              </a:rPr>
+              <a:t> </a:t>
+            </a:r>
+            <a:r>
+              <a:rPr lang="en-US" sz="2000" dirty="0">
+                <a:solidFill>
+                  <a:schemeClr val="bg1"/>
+                </a:solidFill>
+                <a:latin typeface="Courier New" panose="02070309020205020404" pitchFamily="49" charset="0"/>
+                <a:cs typeface="Courier New" panose="02070309020205020404" pitchFamily="49" charset="0"/>
+              </a:rPr>
+              <a:t>reach((1,1), (2,5)). </a:t>
+            </a:r>
+            <a:r>
+              <a:rPr lang="en-US" sz="2000" dirty="0">
+                <a:solidFill>
+                  <a:schemeClr val="bg1"/>
+                </a:solidFill>
+                <a:cs typeface="Courier New" panose="02070309020205020404" pitchFamily="49" charset="0"/>
+              </a:rPr>
+              <a:t>leads to the same result!</a:t>
+            </a:r>
+          </a:p>
+          <a:p>
+            <a:r>
+              <a:rPr lang="en-US" sz="2000" dirty="0">
+                <a:solidFill>
+                  <a:schemeClr val="bg1"/>
+                </a:solidFill>
+                <a:cs typeface="Courier New" panose="02070309020205020404" pitchFamily="49" charset="0"/>
+              </a:rPr>
+              <a:t>This is possible thanks to how metarules reduce the domain, hence our search space.</a:t>
+            </a:r>
+          </a:p>
+          <a:p>
+            <a:endParaRPr lang="en-US" sz="1800" dirty="0">
+              <a:solidFill>
+                <a:schemeClr val="bg1"/>
+              </a:solidFill>
+              <a:latin typeface="Courier New" panose="02070309020205020404" pitchFamily="49" charset="0"/>
+              <a:cs typeface="Courier New" panose="02070309020205020404" pitchFamily="49" charset="0"/>
+            </a:endParaRPr>
+          </a:p>
+          <a:p>
+            <a:endParaRPr lang="it-IT" dirty="0">
+              <a:solidFill>
+                <a:schemeClr val="bg1"/>
+              </a:solidFill>
+            </a:endParaRPr>
+          </a:p>
+          <a:p>
+            <a:endParaRPr lang="it-IT" dirty="0">
+              <a:solidFill>
+                <a:schemeClr val="bg1"/>
+              </a:solidFill>
+            </a:endParaRPr>
+          </a:p>
+        </p:txBody>
+      </p:sp>
+    </p:spTree>
+    <p:extLst>
+      <p:ext uri="{BB962C8B-B14F-4D97-AF65-F5344CB8AC3E}">
+        <p14:creationId xmlns:p14="http://schemas.microsoft.com/office/powerpoint/2010/main" val="1716667692"/>
+      </p:ext>
+    </p:extLst>
+  </p:cSld>
+  <p:clrMapOvr>
+    <a:masterClrMapping/>
+  </p:clrMapOvr>
+</p:sld>
+</file>
+
+<file path=ppt/slides/slide11.xml><?xml version="1.0" encoding="utf-8"?>
+<p:sld xmlns:a="http://schemas.openxmlformats.org/drawingml/2006/main" xmlns:r="http://schemas.openxmlformats.org/officeDocument/2006/relationships" xmlns:p="http://schemas.openxmlformats.org/presentationml/2006/main">
+  <p:cSld>
+    <p:bg>
+      <p:bgPr>
+        <a:solidFill>
+          <a:schemeClr val="bg1"/>
+        </a:solidFill>
+        <a:effectLst/>
+      </p:bgPr>
+    </p:bg>
+    <p:spTree>
+      <p:nvGrpSpPr>
+        <p:cNvPr id="1" name=""/>
+        <p:cNvGrpSpPr/>
+        <p:nvPr/>
+      </p:nvGrpSpPr>
+      <p:grpSpPr>
+        <a:xfrm>
+          <a:off x="0" y="0"/>
+          <a:ext cx="0" cy="0"/>
+          <a:chOff x="0" y="0"/>
+          <a:chExt cx="0" cy="0"/>
+        </a:xfrm>
+      </p:grpSpPr>
+      <p:sp>
+        <p:nvSpPr>
+          <p:cNvPr id="9" name="Rectangle 8">
+            <a:extLst>
+              <a:ext uri="{FF2B5EF4-FFF2-40B4-BE49-F238E27FC236}">
+                <a16:creationId xmlns:a16="http://schemas.microsoft.com/office/drawing/2014/main" id="{989683EB-D202-4B4D-B1BD-8BA6965FBEF5}"/>
+              </a:ext>
+              <a:ext uri="{C183D7F6-B498-43B3-948B-1728B52AA6E4}">
+                <adec:decorative xmlns:adec="http://schemas.microsoft.com/office/drawing/2017/decorative" val="1"/>
+              </a:ext>
+            </a:extLst>
+          </p:cNvPr>
+          <p:cNvSpPr>
+            <a:spLocks noGrp="1" noRot="1" noChangeAspect="1" noMove="1" noResize="1" noEditPoints="1" noAdjustHandles="1" noChangeArrowheads="1" noChangeShapeType="1" noTextEdit="1"/>
+          </p:cNvSpPr>
+          <p:nvPr>
+            <p:extLst>
+              <p:ext uri="{386F3935-93C4-4BCD-93E2-E3B085C9AB24}">
+                <p16:designElem xmlns:p16="http://schemas.microsoft.com/office/powerpoint/2015/main" val="1"/>
+              </p:ext>
+            </p:extLst>
+          </p:nvPr>
+        </p:nvSpPr>
+        <p:spPr>
+          <a:xfrm>
+            <a:off x="0" y="-1"/>
+            <a:ext cx="11292840" cy="6858001"/>
+          </a:xfrm>
+          <a:prstGeom prst="rect">
+            <a:avLst/>
+          </a:prstGeom>
+          <a:solidFill>
+            <a:schemeClr val="tx1"/>
+          </a:solidFill>
+          <a:ln>
+            <a:noFill/>
+          </a:ln>
+        </p:spPr>
+        <p:style>
+          <a:lnRef idx="2">
+            <a:schemeClr val="accent1">
+              <a:shade val="50000"/>
+            </a:schemeClr>
+          </a:lnRef>
+          <a:fillRef idx="1">
+            <a:schemeClr val="accent1"/>
+          </a:fillRef>
+          <a:effectRef idx="0">
+            <a:schemeClr val="accent1"/>
+          </a:effectRef>
+          <a:fontRef idx="minor">
+            <a:schemeClr val="lt1"/>
+          </a:fontRef>
+        </p:style>
+        <p:txBody>
+          <a:bodyPr rtlCol="0" anchor="ctr"/>
+          <a:lstStyle/>
+          <a:p>
+            <a:pPr algn="ctr"/>
+            <a:endParaRPr lang="en-US"/>
+          </a:p>
+        </p:txBody>
+      </p:sp>
+      <p:pic>
+        <p:nvPicPr>
+          <p:cNvPr id="4" name="Picture 4" descr="Maze">
+            <a:extLst>
+              <a:ext uri="{FF2B5EF4-FFF2-40B4-BE49-F238E27FC236}">
+                <a16:creationId xmlns:a16="http://schemas.microsoft.com/office/drawing/2014/main" id="{E450A686-C174-48D8-AD85-3F16996FCDBB}"/>
+              </a:ext>
+            </a:extLst>
+          </p:cNvPr>
+          <p:cNvPicPr>
+            <a:picLocks noChangeAspect="1"/>
+          </p:cNvPicPr>
+          <p:nvPr/>
+        </p:nvPicPr>
+        <p:blipFill rotWithShape="1">
+          <a:blip r:embed="rId2">
+            <a:alphaModFix amt="35000"/>
+          </a:blip>
+          <a:srcRect t="9021"/>
+          <a:stretch/>
+        </p:blipFill>
+        <p:spPr>
+          <a:xfrm>
+            <a:off x="20" y="10"/>
+            <a:ext cx="11292820" cy="6857990"/>
+          </a:xfrm>
+          <a:prstGeom prst="rect">
+            <a:avLst/>
+          </a:prstGeom>
+        </p:spPr>
+      </p:pic>
+      <p:sp>
+        <p:nvSpPr>
+          <p:cNvPr id="2" name="Titolo 1">
+            <a:extLst>
+              <a:ext uri="{FF2B5EF4-FFF2-40B4-BE49-F238E27FC236}">
+                <a16:creationId xmlns:a16="http://schemas.microsoft.com/office/drawing/2014/main" id="{D4B244B0-14BC-4D2F-B5AF-483644B6F9C8}"/>
+              </a:ext>
+            </a:extLst>
+          </p:cNvPr>
+          <p:cNvSpPr>
+            <a:spLocks noGrp="1"/>
+          </p:cNvSpPr>
+          <p:nvPr>
+            <p:ph type="title"/>
+          </p:nvPr>
+        </p:nvSpPr>
+        <p:spPr>
+          <a:xfrm>
+            <a:off x="1261872" y="365760"/>
+            <a:ext cx="9692640" cy="1325562"/>
+          </a:xfrm>
+        </p:spPr>
+        <p:txBody>
+          <a:bodyPr>
+            <a:normAutofit/>
+          </a:bodyPr>
+          <a:lstStyle/>
+          <a:p>
+            <a:r>
+              <a:rPr lang="it-IT" dirty="0" err="1">
+                <a:solidFill>
+                  <a:schemeClr val="bg1"/>
+                </a:solidFill>
+              </a:rPr>
+              <a:t>Other</a:t>
+            </a:r>
+            <a:r>
+              <a:rPr lang="it-IT" dirty="0">
+                <a:solidFill>
+                  <a:schemeClr val="bg1"/>
+                </a:solidFill>
+              </a:rPr>
+              <a:t> tasks</a:t>
+            </a:r>
+          </a:p>
+        </p:txBody>
+      </p:sp>
+      <p:sp>
+        <p:nvSpPr>
+          <p:cNvPr id="3" name="Segnaposto contenuto 2">
+            <a:extLst>
+              <a:ext uri="{FF2B5EF4-FFF2-40B4-BE49-F238E27FC236}">
+                <a16:creationId xmlns:a16="http://schemas.microsoft.com/office/drawing/2014/main" id="{5A1B9CF7-7836-45FA-8266-852C7D3D1E59}"/>
+              </a:ext>
+            </a:extLst>
+          </p:cNvPr>
+          <p:cNvSpPr>
+            <a:spLocks noGrp="1"/>
+          </p:cNvSpPr>
+          <p:nvPr>
+            <p:ph idx="1"/>
+          </p:nvPr>
+        </p:nvSpPr>
+        <p:spPr>
+          <a:xfrm>
+            <a:off x="1261872" y="2005739"/>
+            <a:ext cx="8595360" cy="4174398"/>
+          </a:xfrm>
+        </p:spPr>
+        <p:txBody>
+          <a:bodyPr>
+            <a:normAutofit/>
+          </a:bodyPr>
+          <a:lstStyle/>
+          <a:p>
+            <a:r>
+              <a:rPr lang="it-IT" dirty="0">
+                <a:solidFill>
+                  <a:schemeClr val="bg1"/>
+                </a:solidFill>
+                <a:latin typeface="Courier New" panose="02070309020205020404" pitchFamily="49" charset="0"/>
+                <a:cs typeface="Courier New" panose="02070309020205020404" pitchFamily="49" charset="0"/>
+              </a:rPr>
+              <a:t>learning_to_travel_memory.pl: </a:t>
+            </a:r>
+            <a:r>
+              <a:rPr lang="it-IT" dirty="0" err="1">
+                <a:solidFill>
+                  <a:schemeClr val="bg1"/>
+                </a:solidFill>
+                <a:cs typeface="Courier New" panose="02070309020205020404" pitchFamily="49" charset="0"/>
+              </a:rPr>
+              <a:t>Same</a:t>
+            </a:r>
+            <a:r>
+              <a:rPr lang="it-IT" dirty="0">
+                <a:solidFill>
+                  <a:schemeClr val="bg1"/>
+                </a:solidFill>
+                <a:cs typeface="Courier New" panose="02070309020205020404" pitchFamily="49" charset="0"/>
+              </a:rPr>
+              <a:t> </a:t>
+            </a:r>
+            <a:r>
+              <a:rPr lang="it-IT" dirty="0" err="1">
+                <a:solidFill>
+                  <a:schemeClr val="bg1"/>
+                </a:solidFill>
+                <a:cs typeface="Courier New" panose="02070309020205020404" pitchFamily="49" charset="0"/>
+              </a:rPr>
+              <a:t>as</a:t>
+            </a:r>
+            <a:r>
+              <a:rPr lang="it-IT" dirty="0">
+                <a:solidFill>
+                  <a:schemeClr val="bg1"/>
+                </a:solidFill>
+                <a:cs typeface="Courier New" panose="02070309020205020404" pitchFamily="49" charset="0"/>
+              </a:rPr>
+              <a:t> </a:t>
+            </a:r>
+            <a:r>
+              <a:rPr lang="it-IT" i="1" dirty="0">
+                <a:solidFill>
+                  <a:schemeClr val="bg1"/>
+                </a:solidFill>
+                <a:cs typeface="Courier New" panose="02070309020205020404" pitchFamily="49" charset="0"/>
+              </a:rPr>
+              <a:t>«learning to travel» </a:t>
+            </a:r>
+            <a:r>
+              <a:rPr lang="it-IT" dirty="0" err="1">
+                <a:solidFill>
+                  <a:schemeClr val="bg1"/>
+                </a:solidFill>
+                <a:cs typeface="Courier New" panose="02070309020205020404" pitchFamily="49" charset="0"/>
+              </a:rPr>
+              <a:t>but</a:t>
+            </a:r>
+            <a:r>
+              <a:rPr lang="it-IT" dirty="0">
+                <a:solidFill>
+                  <a:schemeClr val="bg1"/>
+                </a:solidFill>
+                <a:cs typeface="Courier New" panose="02070309020205020404" pitchFamily="49" charset="0"/>
+              </a:rPr>
+              <a:t> </a:t>
+            </a:r>
+            <a:r>
+              <a:rPr lang="it-IT" dirty="0" err="1">
+                <a:solidFill>
+                  <a:schemeClr val="bg1"/>
+                </a:solidFill>
+                <a:cs typeface="Courier New" panose="02070309020205020404" pitchFamily="49" charset="0"/>
+              </a:rPr>
+              <a:t>also</a:t>
+            </a:r>
+            <a:r>
+              <a:rPr lang="it-IT" dirty="0">
+                <a:solidFill>
+                  <a:schemeClr val="bg1"/>
+                </a:solidFill>
+                <a:cs typeface="Courier New" panose="02070309020205020404" pitchFamily="49" charset="0"/>
+              </a:rPr>
+              <a:t> </a:t>
+            </a:r>
+            <a:r>
+              <a:rPr lang="it-IT" dirty="0" err="1">
+                <a:solidFill>
+                  <a:schemeClr val="bg1"/>
+                </a:solidFill>
+                <a:cs typeface="Courier New" panose="02070309020205020404" pitchFamily="49" charset="0"/>
+              </a:rPr>
+              <a:t>keeps</a:t>
+            </a:r>
+            <a:r>
+              <a:rPr lang="it-IT" dirty="0">
+                <a:solidFill>
+                  <a:schemeClr val="bg1"/>
+                </a:solidFill>
+                <a:cs typeface="Courier New" panose="02070309020205020404" pitchFamily="49" charset="0"/>
+              </a:rPr>
+              <a:t> track of the </a:t>
+            </a:r>
+            <a:r>
+              <a:rPr lang="it-IT" dirty="0" err="1">
+                <a:solidFill>
+                  <a:schemeClr val="bg1"/>
+                </a:solidFill>
+                <a:cs typeface="Courier New" panose="02070309020205020404" pitchFamily="49" charset="0"/>
+              </a:rPr>
+              <a:t>path</a:t>
+            </a:r>
+            <a:r>
+              <a:rPr lang="it-IT" dirty="0">
+                <a:solidFill>
+                  <a:schemeClr val="bg1"/>
+                </a:solidFill>
+                <a:cs typeface="Courier New" panose="02070309020205020404" pitchFamily="49" charset="0"/>
+              </a:rPr>
+              <a:t> in a list.</a:t>
+            </a:r>
+          </a:p>
+          <a:p>
+            <a:r>
+              <a:rPr lang="it-IT" dirty="0">
+                <a:solidFill>
+                  <a:schemeClr val="bg1"/>
+                </a:solidFill>
+                <a:latin typeface="Courier New" panose="02070309020205020404" pitchFamily="49" charset="0"/>
+                <a:cs typeface="Courier New" panose="02070309020205020404" pitchFamily="49" charset="0"/>
+              </a:rPr>
+              <a:t>learn_to_win.pl: </a:t>
+            </a:r>
+            <a:r>
+              <a:rPr lang="it-IT" dirty="0">
+                <a:solidFill>
+                  <a:schemeClr val="bg1"/>
+                </a:solidFill>
+                <a:cs typeface="Courier New" panose="02070309020205020404" pitchFamily="49" charset="0"/>
+              </a:rPr>
+              <a:t>Solving the </a:t>
+            </a:r>
+            <a:r>
+              <a:rPr lang="it-IT" dirty="0" err="1">
+                <a:solidFill>
+                  <a:schemeClr val="bg1"/>
+                </a:solidFill>
+                <a:cs typeface="Courier New" panose="02070309020205020404" pitchFamily="49" charset="0"/>
+              </a:rPr>
+              <a:t>Maze</a:t>
+            </a:r>
+            <a:r>
+              <a:rPr lang="it-IT" dirty="0">
+                <a:solidFill>
+                  <a:schemeClr val="bg1"/>
+                </a:solidFill>
+                <a:cs typeface="Courier New" panose="02070309020205020404" pitchFamily="49" charset="0"/>
+              </a:rPr>
+              <a:t> </a:t>
+            </a:r>
+            <a:r>
+              <a:rPr lang="it-IT" dirty="0" err="1">
+                <a:solidFill>
+                  <a:schemeClr val="bg1"/>
+                </a:solidFill>
+                <a:cs typeface="Courier New" panose="02070309020205020404" pitchFamily="49" charset="0"/>
+              </a:rPr>
+              <a:t>problem</a:t>
+            </a:r>
+            <a:r>
+              <a:rPr lang="it-IT" dirty="0">
+                <a:solidFill>
+                  <a:schemeClr val="bg1"/>
+                </a:solidFill>
+                <a:cs typeface="Courier New" panose="02070309020205020404" pitchFamily="49" charset="0"/>
+              </a:rPr>
+              <a:t> </a:t>
+            </a:r>
+            <a:r>
+              <a:rPr lang="it-IT" dirty="0" err="1">
+                <a:solidFill>
+                  <a:schemeClr val="bg1"/>
+                </a:solidFill>
+                <a:cs typeface="Courier New" panose="02070309020205020404" pitchFamily="49" charset="0"/>
+              </a:rPr>
+              <a:t>directly</a:t>
+            </a:r>
+            <a:r>
+              <a:rPr lang="it-IT" dirty="0">
+                <a:solidFill>
+                  <a:schemeClr val="bg1"/>
+                </a:solidFill>
+                <a:cs typeface="Courier New" panose="02070309020205020404" pitchFamily="49" charset="0"/>
+              </a:rPr>
+              <a:t> </a:t>
+            </a:r>
+            <a:r>
+              <a:rPr lang="it-IT" dirty="0" err="1">
+                <a:solidFill>
+                  <a:schemeClr val="bg1"/>
+                </a:solidFill>
+                <a:cs typeface="Courier New" panose="02070309020205020404" pitchFamily="49" charset="0"/>
+              </a:rPr>
+              <a:t>through</a:t>
+            </a:r>
+            <a:r>
+              <a:rPr lang="it-IT" dirty="0">
+                <a:solidFill>
+                  <a:schemeClr val="bg1"/>
+                </a:solidFill>
+                <a:cs typeface="Courier New" panose="02070309020205020404" pitchFamily="49" charset="0"/>
+              </a:rPr>
+              <a:t> ILP. </a:t>
+            </a:r>
+            <a:r>
+              <a:rPr lang="it-IT" dirty="0" err="1">
+                <a:solidFill>
+                  <a:schemeClr val="bg1"/>
+                </a:solidFill>
+                <a:cs typeface="Courier New" panose="02070309020205020404" pitchFamily="49" charset="0"/>
+              </a:rPr>
+              <a:t>Gives</a:t>
+            </a:r>
+            <a:r>
+              <a:rPr lang="it-IT" dirty="0">
+                <a:solidFill>
+                  <a:schemeClr val="bg1"/>
+                </a:solidFill>
+                <a:cs typeface="Courier New" panose="02070309020205020404" pitchFamily="49" charset="0"/>
+              </a:rPr>
+              <a:t> a </a:t>
+            </a:r>
+            <a:r>
+              <a:rPr lang="it-IT" i="1" dirty="0">
+                <a:solidFill>
+                  <a:schemeClr val="bg1"/>
+                </a:solidFill>
+                <a:cs typeface="Courier New" panose="02070309020205020404" pitchFamily="49" charset="0"/>
+              </a:rPr>
+              <a:t>«</a:t>
+            </a:r>
+            <a:r>
+              <a:rPr lang="it-IT" i="1" dirty="0" err="1">
+                <a:solidFill>
+                  <a:schemeClr val="bg1"/>
+                </a:solidFill>
+                <a:cs typeface="Courier New" panose="02070309020205020404" pitchFamily="49" charset="0"/>
+              </a:rPr>
+              <a:t>sequence</a:t>
+            </a:r>
+            <a:r>
+              <a:rPr lang="it-IT" i="1" dirty="0">
+                <a:solidFill>
+                  <a:schemeClr val="bg1"/>
+                </a:solidFill>
+                <a:cs typeface="Courier New" panose="02070309020205020404" pitchFamily="49" charset="0"/>
+              </a:rPr>
+              <a:t> of </a:t>
+            </a:r>
+            <a:r>
+              <a:rPr lang="it-IT" i="1" dirty="0" err="1">
+                <a:solidFill>
+                  <a:schemeClr val="bg1"/>
+                </a:solidFill>
+                <a:cs typeface="Courier New" panose="02070309020205020404" pitchFamily="49" charset="0"/>
+              </a:rPr>
+              <a:t>predicates</a:t>
+            </a:r>
+            <a:r>
+              <a:rPr lang="it-IT" i="1" dirty="0">
+                <a:solidFill>
+                  <a:schemeClr val="bg1"/>
+                </a:solidFill>
+                <a:cs typeface="Courier New" panose="02070309020205020404" pitchFamily="49" charset="0"/>
+              </a:rPr>
+              <a:t>» </a:t>
+            </a:r>
+            <a:r>
+              <a:rPr lang="it-IT" dirty="0">
+                <a:solidFill>
+                  <a:schemeClr val="bg1"/>
+                </a:solidFill>
+                <a:cs typeface="Courier New" panose="02070309020205020404" pitchFamily="49" charset="0"/>
+              </a:rPr>
+              <a:t>to </a:t>
+            </a:r>
+            <a:r>
+              <a:rPr lang="it-IT" dirty="0" err="1">
+                <a:solidFill>
+                  <a:schemeClr val="bg1"/>
+                </a:solidFill>
+                <a:cs typeface="Courier New" panose="02070309020205020404" pitchFamily="49" charset="0"/>
+              </a:rPr>
+              <a:t>reach</a:t>
+            </a:r>
+            <a:r>
+              <a:rPr lang="it-IT" dirty="0">
+                <a:solidFill>
+                  <a:schemeClr val="bg1"/>
+                </a:solidFill>
+                <a:cs typeface="Courier New" panose="02070309020205020404" pitchFamily="49" charset="0"/>
+              </a:rPr>
+              <a:t> the goal </a:t>
+            </a:r>
+            <a:r>
+              <a:rPr lang="it-IT" dirty="0" err="1">
+                <a:solidFill>
+                  <a:schemeClr val="bg1"/>
+                </a:solidFill>
+                <a:cs typeface="Courier New" panose="02070309020205020404" pitchFamily="49" charset="0"/>
+              </a:rPr>
+              <a:t>cell</a:t>
+            </a:r>
+            <a:r>
+              <a:rPr lang="it-IT" dirty="0">
+                <a:solidFill>
+                  <a:schemeClr val="bg1"/>
+                </a:solidFill>
+                <a:cs typeface="Courier New" panose="02070309020205020404" pitchFamily="49" charset="0"/>
+              </a:rPr>
+              <a:t> from the start </a:t>
+            </a:r>
+            <a:r>
+              <a:rPr lang="it-IT" dirty="0" err="1">
+                <a:solidFill>
+                  <a:schemeClr val="bg1"/>
+                </a:solidFill>
+                <a:cs typeface="Courier New" panose="02070309020205020404" pitchFamily="49" charset="0"/>
+              </a:rPr>
+              <a:t>cell</a:t>
+            </a:r>
+            <a:r>
+              <a:rPr lang="it-IT" dirty="0">
+                <a:solidFill>
+                  <a:schemeClr val="bg1"/>
+                </a:solidFill>
+                <a:cs typeface="Courier New" panose="02070309020205020404" pitchFamily="49" charset="0"/>
+              </a:rPr>
+              <a:t>.</a:t>
+            </a:r>
+            <a:endParaRPr lang="it-IT" dirty="0">
+              <a:solidFill>
+                <a:schemeClr val="bg1"/>
+              </a:solidFill>
+              <a:latin typeface="Courier New" panose="02070309020205020404" pitchFamily="49" charset="0"/>
+              <a:cs typeface="Courier New" panose="02070309020205020404" pitchFamily="49" charset="0"/>
+            </a:endParaRPr>
+          </a:p>
+          <a:p>
+            <a:r>
+              <a:rPr lang="it-IT" dirty="0">
+                <a:solidFill>
+                  <a:schemeClr val="bg1"/>
+                </a:solidFill>
+                <a:latin typeface="Courier New" panose="02070309020205020404" pitchFamily="49" charset="0"/>
+                <a:cs typeface="Courier New" panose="02070309020205020404" pitchFamily="49" charset="0"/>
+              </a:rPr>
+              <a:t>reach_from_scratch.pl: </a:t>
+            </a:r>
+            <a:r>
+              <a:rPr lang="it-IT" dirty="0" err="1">
+                <a:solidFill>
+                  <a:schemeClr val="bg1"/>
+                </a:solidFill>
+                <a:cs typeface="Courier New" panose="02070309020205020404" pitchFamily="49" charset="0"/>
+              </a:rPr>
+              <a:t>Learns</a:t>
+            </a:r>
+            <a:r>
+              <a:rPr lang="it-IT" dirty="0">
+                <a:solidFill>
+                  <a:schemeClr val="bg1"/>
+                </a:solidFill>
+                <a:cs typeface="Courier New" panose="02070309020205020404" pitchFamily="49" charset="0"/>
+              </a:rPr>
+              <a:t> to </a:t>
+            </a:r>
+            <a:r>
+              <a:rPr lang="it-IT" dirty="0" err="1">
+                <a:solidFill>
+                  <a:schemeClr val="bg1"/>
+                </a:solidFill>
+                <a:cs typeface="Courier New" panose="02070309020205020404" pitchFamily="49" charset="0"/>
+              </a:rPr>
+              <a:t>move</a:t>
+            </a:r>
+            <a:r>
+              <a:rPr lang="it-IT" dirty="0">
+                <a:solidFill>
+                  <a:schemeClr val="bg1"/>
+                </a:solidFill>
+                <a:cs typeface="Courier New" panose="02070309020205020404" pitchFamily="49" charset="0"/>
+              </a:rPr>
+              <a:t> </a:t>
+            </a:r>
+            <a:r>
+              <a:rPr lang="it-IT" dirty="0" err="1">
+                <a:solidFill>
+                  <a:schemeClr val="bg1"/>
+                </a:solidFill>
+                <a:cs typeface="Courier New" panose="02070309020205020404" pitchFamily="49" charset="0"/>
+              </a:rPr>
+              <a:t>between</a:t>
+            </a:r>
+            <a:r>
+              <a:rPr lang="it-IT" dirty="0">
+                <a:solidFill>
+                  <a:schemeClr val="bg1"/>
+                </a:solidFill>
+                <a:cs typeface="Courier New" panose="02070309020205020404" pitchFamily="49" charset="0"/>
+              </a:rPr>
+              <a:t> </a:t>
+            </a:r>
+            <a:r>
+              <a:rPr lang="it-IT" dirty="0" err="1">
+                <a:solidFill>
+                  <a:schemeClr val="bg1"/>
+                </a:solidFill>
+                <a:cs typeface="Courier New" panose="02070309020205020404" pitchFamily="49" charset="0"/>
+              </a:rPr>
+              <a:t>distant</a:t>
+            </a:r>
+            <a:r>
+              <a:rPr lang="it-IT" dirty="0">
+                <a:solidFill>
+                  <a:schemeClr val="bg1"/>
+                </a:solidFill>
+                <a:cs typeface="Courier New" panose="02070309020205020404" pitchFamily="49" charset="0"/>
+              </a:rPr>
+              <a:t> </a:t>
+            </a:r>
+            <a:r>
+              <a:rPr lang="it-IT" dirty="0" err="1">
+                <a:solidFill>
+                  <a:schemeClr val="bg1"/>
+                </a:solidFill>
+                <a:cs typeface="Courier New" panose="02070309020205020404" pitchFamily="49" charset="0"/>
+              </a:rPr>
+              <a:t>cells</a:t>
+            </a:r>
+            <a:r>
+              <a:rPr lang="it-IT" dirty="0">
+                <a:solidFill>
+                  <a:schemeClr val="bg1"/>
+                </a:solidFill>
+                <a:cs typeface="Courier New" panose="02070309020205020404" pitchFamily="49" charset="0"/>
+              </a:rPr>
+              <a:t> </a:t>
+            </a:r>
+            <a:r>
+              <a:rPr lang="it-IT" dirty="0" err="1">
+                <a:solidFill>
+                  <a:schemeClr val="bg1"/>
+                </a:solidFill>
+                <a:cs typeface="Courier New" panose="02070309020205020404" pitchFamily="49" charset="0"/>
+              </a:rPr>
+              <a:t>but</a:t>
+            </a:r>
+            <a:r>
+              <a:rPr lang="it-IT" dirty="0">
+                <a:solidFill>
+                  <a:schemeClr val="bg1"/>
+                </a:solidFill>
+                <a:cs typeface="Courier New" panose="02070309020205020404" pitchFamily="49" charset="0"/>
+              </a:rPr>
+              <a:t> </a:t>
+            </a:r>
+            <a:r>
+              <a:rPr lang="it-IT" dirty="0" err="1">
+                <a:solidFill>
+                  <a:schemeClr val="bg1"/>
+                </a:solidFill>
+                <a:cs typeface="Courier New" panose="02070309020205020404" pitchFamily="49" charset="0"/>
+              </a:rPr>
+              <a:t>without</a:t>
+            </a:r>
+            <a:r>
+              <a:rPr lang="it-IT" dirty="0">
+                <a:solidFill>
+                  <a:schemeClr val="bg1"/>
+                </a:solidFill>
+                <a:cs typeface="Courier New" panose="02070309020205020404" pitchFamily="49" charset="0"/>
+              </a:rPr>
+              <a:t> </a:t>
+            </a:r>
+            <a:r>
+              <a:rPr lang="it-IT" dirty="0" err="1">
+                <a:solidFill>
+                  <a:schemeClr val="bg1"/>
+                </a:solidFill>
+                <a:cs typeface="Courier New" panose="02070309020205020404" pitchFamily="49" charset="0"/>
+              </a:rPr>
+              <a:t>knowing</a:t>
+            </a:r>
+            <a:r>
+              <a:rPr lang="it-IT" dirty="0">
+                <a:solidFill>
+                  <a:schemeClr val="bg1"/>
+                </a:solidFill>
+                <a:cs typeface="Courier New" panose="02070309020205020404" pitchFamily="49" charset="0"/>
+              </a:rPr>
+              <a:t> </a:t>
+            </a:r>
+            <a:r>
+              <a:rPr lang="it-IT" dirty="0" err="1">
+                <a:solidFill>
+                  <a:schemeClr val="bg1"/>
+                </a:solidFill>
+                <a:cs typeface="Courier New" panose="02070309020205020404" pitchFamily="49" charset="0"/>
+              </a:rPr>
+              <a:t>how</a:t>
+            </a:r>
+            <a:r>
+              <a:rPr lang="it-IT" dirty="0">
+                <a:solidFill>
+                  <a:schemeClr val="bg1"/>
+                </a:solidFill>
+                <a:cs typeface="Courier New" panose="02070309020205020404" pitchFamily="49" charset="0"/>
+              </a:rPr>
+              <a:t> to </a:t>
+            </a:r>
+            <a:r>
+              <a:rPr lang="it-IT" dirty="0" err="1">
+                <a:solidFill>
+                  <a:schemeClr val="bg1"/>
+                </a:solidFill>
+                <a:cs typeface="Courier New" panose="02070309020205020404" pitchFamily="49" charset="0"/>
+              </a:rPr>
+              <a:t>move</a:t>
+            </a:r>
+            <a:r>
+              <a:rPr lang="it-IT" dirty="0">
+                <a:solidFill>
+                  <a:schemeClr val="bg1"/>
+                </a:solidFill>
+                <a:cs typeface="Courier New" panose="02070309020205020404" pitchFamily="49" charset="0"/>
+              </a:rPr>
+              <a:t> </a:t>
+            </a:r>
+            <a:r>
+              <a:rPr lang="it-IT" dirty="0" err="1">
+                <a:solidFill>
+                  <a:schemeClr val="bg1"/>
+                </a:solidFill>
+                <a:cs typeface="Courier New" panose="02070309020205020404" pitchFamily="49" charset="0"/>
+              </a:rPr>
+              <a:t>between</a:t>
+            </a:r>
+            <a:r>
+              <a:rPr lang="it-IT" dirty="0">
+                <a:solidFill>
+                  <a:schemeClr val="bg1"/>
+                </a:solidFill>
+                <a:cs typeface="Courier New" panose="02070309020205020404" pitchFamily="49" charset="0"/>
+              </a:rPr>
+              <a:t> </a:t>
+            </a:r>
+            <a:r>
+              <a:rPr lang="it-IT" dirty="0" err="1">
+                <a:solidFill>
+                  <a:schemeClr val="bg1"/>
+                </a:solidFill>
+                <a:cs typeface="Courier New" panose="02070309020205020404" pitchFamily="49" charset="0"/>
+              </a:rPr>
+              <a:t>adjacent</a:t>
+            </a:r>
+            <a:r>
+              <a:rPr lang="it-IT" dirty="0">
+                <a:solidFill>
+                  <a:schemeClr val="bg1"/>
+                </a:solidFill>
+                <a:cs typeface="Courier New" panose="02070309020205020404" pitchFamily="49" charset="0"/>
+              </a:rPr>
+              <a:t>, </a:t>
+            </a:r>
+            <a:r>
+              <a:rPr lang="it-IT" dirty="0" err="1">
+                <a:solidFill>
+                  <a:schemeClr val="bg1"/>
+                </a:solidFill>
+                <a:cs typeface="Courier New" panose="02070309020205020404" pitchFamily="49" charset="0"/>
+              </a:rPr>
+              <a:t>legal</a:t>
+            </a:r>
+            <a:r>
+              <a:rPr lang="it-IT" dirty="0">
+                <a:solidFill>
+                  <a:schemeClr val="bg1"/>
+                </a:solidFill>
+                <a:cs typeface="Courier New" panose="02070309020205020404" pitchFamily="49" charset="0"/>
+              </a:rPr>
+              <a:t> </a:t>
+            </a:r>
+            <a:r>
+              <a:rPr lang="it-IT" dirty="0" err="1">
+                <a:solidFill>
+                  <a:schemeClr val="bg1"/>
+                </a:solidFill>
+                <a:cs typeface="Courier New" panose="02070309020205020404" pitchFamily="49" charset="0"/>
+              </a:rPr>
+              <a:t>cells</a:t>
+            </a:r>
+            <a:r>
+              <a:rPr lang="it-IT" dirty="0">
+                <a:solidFill>
+                  <a:schemeClr val="bg1"/>
+                </a:solidFill>
+                <a:cs typeface="Courier New" panose="02070309020205020404" pitchFamily="49" charset="0"/>
+              </a:rPr>
+              <a:t>. </a:t>
+            </a:r>
+            <a:r>
+              <a:rPr lang="it-IT" dirty="0" err="1">
+                <a:solidFill>
+                  <a:schemeClr val="bg1"/>
+                </a:solidFill>
+                <a:cs typeface="Courier New" panose="02070309020205020404" pitchFamily="49" charset="0"/>
+              </a:rPr>
+              <a:t>Examples</a:t>
+            </a:r>
+            <a:r>
+              <a:rPr lang="it-IT" dirty="0">
+                <a:solidFill>
+                  <a:schemeClr val="bg1"/>
+                </a:solidFill>
+                <a:cs typeface="Courier New" panose="02070309020205020404" pitchFamily="49" charset="0"/>
+              </a:rPr>
+              <a:t> are key.</a:t>
+            </a:r>
+          </a:p>
+          <a:p>
+            <a:endParaRPr lang="it-IT" dirty="0">
+              <a:solidFill>
+                <a:schemeClr val="bg1"/>
+              </a:solidFill>
+              <a:latin typeface="Courier New" panose="02070309020205020404" pitchFamily="49" charset="0"/>
+              <a:cs typeface="Courier New" panose="02070309020205020404" pitchFamily="49" charset="0"/>
+            </a:endParaRPr>
+          </a:p>
+        </p:txBody>
+      </p:sp>
+    </p:spTree>
+    <p:extLst>
+      <p:ext uri="{BB962C8B-B14F-4D97-AF65-F5344CB8AC3E}">
+        <p14:creationId xmlns:p14="http://schemas.microsoft.com/office/powerpoint/2010/main" val="2386237977"/>
+      </p:ext>
+    </p:extLst>
+  </p:cSld>
+  <p:clrMapOvr>
+    <a:masterClrMapping/>
+  </p:clrMapOvr>
+</p:sld>
+</file>
+
 <file path=ppt/slides/slide2.xml><?xml version="1.0" encoding="utf-8"?>
 <p:sld xmlns:a="http://schemas.openxmlformats.org/drawingml/2006/main" xmlns:r="http://schemas.openxmlformats.org/officeDocument/2006/relationships" xmlns:p="http://schemas.openxmlformats.org/presentationml/2006/main">
   <p:cSld>
@@ -7485,6 +9118,2228 @@
     <p:extLst>
       <p:ext uri="{BB962C8B-B14F-4D97-AF65-F5344CB8AC3E}">
         <p14:creationId xmlns:p14="http://schemas.microsoft.com/office/powerpoint/2010/main" val="2146634249"/>
+      </p:ext>
+    </p:extLst>
+  </p:cSld>
+  <p:clrMapOvr>
+    <a:masterClrMapping/>
+  </p:clrMapOvr>
+</p:sld>
+</file>
+
+<file path=ppt/slides/slide5.xml><?xml version="1.0" encoding="utf-8"?>
+<p:sld xmlns:a="http://schemas.openxmlformats.org/drawingml/2006/main" xmlns:r="http://schemas.openxmlformats.org/officeDocument/2006/relationships" xmlns:p="http://schemas.openxmlformats.org/presentationml/2006/main">
+  <p:cSld>
+    <p:spTree>
+      <p:nvGrpSpPr>
+        <p:cNvPr id="1" name=""/>
+        <p:cNvGrpSpPr/>
+        <p:nvPr/>
+      </p:nvGrpSpPr>
+      <p:grpSpPr>
+        <a:xfrm>
+          <a:off x="0" y="0"/>
+          <a:ext cx="0" cy="0"/>
+          <a:chOff x="0" y="0"/>
+          <a:chExt cx="0" cy="0"/>
+        </a:xfrm>
+      </p:grpSpPr>
+      <p:sp>
+        <p:nvSpPr>
+          <p:cNvPr id="4" name="Titolo 3">
+            <a:extLst>
+              <a:ext uri="{FF2B5EF4-FFF2-40B4-BE49-F238E27FC236}">
+                <a16:creationId xmlns:a16="http://schemas.microsoft.com/office/drawing/2014/main" id="{C219A1C0-0B46-405B-A2A6-78424FE9EE86}"/>
+              </a:ext>
+            </a:extLst>
+          </p:cNvPr>
+          <p:cNvSpPr>
+            <a:spLocks noGrp="1"/>
+          </p:cNvSpPr>
+          <p:nvPr>
+            <p:ph type="ctrTitle"/>
+          </p:nvPr>
+        </p:nvSpPr>
+        <p:spPr/>
+        <p:txBody>
+          <a:bodyPr/>
+          <a:lstStyle/>
+          <a:p>
+            <a:r>
+              <a:rPr lang="it-IT" sz="6600" dirty="0" err="1"/>
+              <a:t>Metagol</a:t>
+            </a:r>
+            <a:endParaRPr lang="it-IT" dirty="0"/>
+          </a:p>
+        </p:txBody>
+      </p:sp>
+      <p:sp>
+        <p:nvSpPr>
+          <p:cNvPr id="5" name="Sottotitolo 4">
+            <a:extLst>
+              <a:ext uri="{FF2B5EF4-FFF2-40B4-BE49-F238E27FC236}">
+                <a16:creationId xmlns:a16="http://schemas.microsoft.com/office/drawing/2014/main" id="{1B09F84D-3E3B-4CFC-B045-25FEB4890D73}"/>
+              </a:ext>
+            </a:extLst>
+          </p:cNvPr>
+          <p:cNvSpPr>
+            <a:spLocks noGrp="1"/>
+          </p:cNvSpPr>
+          <p:nvPr>
+            <p:ph type="subTitle" idx="1"/>
+          </p:nvPr>
+        </p:nvSpPr>
+        <p:spPr/>
+        <p:txBody>
+          <a:bodyPr/>
+          <a:lstStyle/>
+          <a:p>
+            <a:endParaRPr lang="it-IT" dirty="0"/>
+          </a:p>
+        </p:txBody>
+      </p:sp>
+    </p:spTree>
+    <p:extLst>
+      <p:ext uri="{BB962C8B-B14F-4D97-AF65-F5344CB8AC3E}">
+        <p14:creationId xmlns:p14="http://schemas.microsoft.com/office/powerpoint/2010/main" val="2213073460"/>
+      </p:ext>
+    </p:extLst>
+  </p:cSld>
+  <p:clrMapOvr>
+    <a:masterClrMapping/>
+  </p:clrMapOvr>
+</p:sld>
+</file>
+
+<file path=ppt/slides/slide6.xml><?xml version="1.0" encoding="utf-8"?>
+<p:sld xmlns:a="http://schemas.openxmlformats.org/drawingml/2006/main" xmlns:r="http://schemas.openxmlformats.org/officeDocument/2006/relationships" xmlns:p="http://schemas.openxmlformats.org/presentationml/2006/main">
+  <p:cSld>
+    <p:bg>
+      <p:bgPr>
+        <a:solidFill>
+          <a:schemeClr val="bg1"/>
+        </a:solidFill>
+        <a:effectLst/>
+      </p:bgPr>
+    </p:bg>
+    <p:spTree>
+      <p:nvGrpSpPr>
+        <p:cNvPr id="1" name=""/>
+        <p:cNvGrpSpPr/>
+        <p:nvPr/>
+      </p:nvGrpSpPr>
+      <p:grpSpPr>
+        <a:xfrm>
+          <a:off x="0" y="0"/>
+          <a:ext cx="0" cy="0"/>
+          <a:chOff x="0" y="0"/>
+          <a:chExt cx="0" cy="0"/>
+        </a:xfrm>
+      </p:grpSpPr>
+      <p:sp>
+        <p:nvSpPr>
+          <p:cNvPr id="2" name="Titolo 1">
+            <a:extLst>
+              <a:ext uri="{FF2B5EF4-FFF2-40B4-BE49-F238E27FC236}">
+                <a16:creationId xmlns:a16="http://schemas.microsoft.com/office/drawing/2014/main" id="{961205A0-A20A-460D-BF41-0547177EC004}"/>
+              </a:ext>
+            </a:extLst>
+          </p:cNvPr>
+          <p:cNvSpPr>
+            <a:spLocks noGrp="1"/>
+          </p:cNvSpPr>
+          <p:nvPr>
+            <p:ph type="title"/>
+          </p:nvPr>
+        </p:nvSpPr>
+        <p:spPr>
+          <a:xfrm>
+            <a:off x="4965290" y="365760"/>
+            <a:ext cx="5997678" cy="1325562"/>
+          </a:xfrm>
+        </p:spPr>
+        <p:txBody>
+          <a:bodyPr>
+            <a:normAutofit/>
+          </a:bodyPr>
+          <a:lstStyle/>
+          <a:p>
+            <a:r>
+              <a:rPr lang="it-IT" dirty="0"/>
+              <a:t>Brief </a:t>
+            </a:r>
+            <a:r>
+              <a:rPr lang="it-IT" dirty="0" err="1"/>
+              <a:t>recap</a:t>
+            </a:r>
+            <a:endParaRPr lang="it-IT" dirty="0"/>
+          </a:p>
+        </p:txBody>
+      </p:sp>
+      <p:pic>
+        <p:nvPicPr>
+          <p:cNvPr id="4" name="Picture 4" descr="Maze">
+            <a:extLst>
+              <a:ext uri="{FF2B5EF4-FFF2-40B4-BE49-F238E27FC236}">
+                <a16:creationId xmlns:a16="http://schemas.microsoft.com/office/drawing/2014/main" id="{F5C4AB35-6373-45C6-8803-7349E7B6A6A9}"/>
+              </a:ext>
+            </a:extLst>
+          </p:cNvPr>
+          <p:cNvPicPr>
+            <a:picLocks noChangeAspect="1"/>
+          </p:cNvPicPr>
+          <p:nvPr/>
+        </p:nvPicPr>
+        <p:blipFill rotWithShape="1">
+          <a:blip r:embed="rId2"/>
+          <a:srcRect l="27355" r="27353" b="-1"/>
+          <a:stretch/>
+        </p:blipFill>
+        <p:spPr>
+          <a:xfrm>
+            <a:off x="20" y="10"/>
+            <a:ext cx="4653291" cy="6857990"/>
+          </a:xfrm>
+          <a:prstGeom prst="rect">
+            <a:avLst/>
+          </a:prstGeom>
+        </p:spPr>
+      </p:pic>
+      <p:sp>
+        <p:nvSpPr>
+          <p:cNvPr id="3" name="Segnaposto contenuto 2">
+            <a:extLst>
+              <a:ext uri="{FF2B5EF4-FFF2-40B4-BE49-F238E27FC236}">
+                <a16:creationId xmlns:a16="http://schemas.microsoft.com/office/drawing/2014/main" id="{BCDD5A86-9E2C-47B9-9ED6-667DF1173A9E}"/>
+              </a:ext>
+            </a:extLst>
+          </p:cNvPr>
+          <p:cNvSpPr>
+            <a:spLocks noGrp="1"/>
+          </p:cNvSpPr>
+          <p:nvPr>
+            <p:ph idx="1"/>
+          </p:nvPr>
+        </p:nvSpPr>
+        <p:spPr>
+          <a:xfrm>
+            <a:off x="4965290" y="2005739"/>
+            <a:ext cx="6015571" cy="4174398"/>
+          </a:xfrm>
+        </p:spPr>
+        <p:txBody>
+          <a:bodyPr>
+            <a:normAutofit/>
+          </a:bodyPr>
+          <a:lstStyle/>
+          <a:p>
+            <a:r>
+              <a:rPr lang="it-IT" dirty="0" err="1"/>
+              <a:t>Four</a:t>
+            </a:r>
+            <a:r>
+              <a:rPr lang="it-IT" dirty="0"/>
+              <a:t> key </a:t>
+            </a:r>
+            <a:r>
+              <a:rPr lang="it-IT" dirty="0" err="1"/>
+              <a:t>components</a:t>
+            </a:r>
+            <a:r>
+              <a:rPr lang="it-IT" dirty="0"/>
+              <a:t>:</a:t>
+            </a:r>
+          </a:p>
+          <a:p>
+            <a:pPr lvl="1"/>
+            <a:r>
+              <a:rPr lang="it-IT" b="1" dirty="0" err="1"/>
+              <a:t>Metarules</a:t>
+            </a:r>
+            <a:r>
+              <a:rPr lang="it-IT" b="1" dirty="0"/>
+              <a:t>.</a:t>
+            </a:r>
+            <a:r>
+              <a:rPr lang="it-IT" dirty="0"/>
+              <a:t> (Language </a:t>
+            </a:r>
+            <a:r>
+              <a:rPr lang="it-IT" dirty="0" err="1"/>
+              <a:t>Bias</a:t>
+            </a:r>
+            <a:r>
+              <a:rPr lang="it-IT" dirty="0"/>
+              <a:t>)</a:t>
+            </a:r>
+          </a:p>
+          <a:p>
+            <a:pPr lvl="1"/>
+            <a:r>
+              <a:rPr lang="it-IT" b="1" dirty="0"/>
+              <a:t>Background Knowledge.</a:t>
+            </a:r>
+          </a:p>
+          <a:p>
+            <a:pPr lvl="1"/>
+            <a:r>
+              <a:rPr lang="it-IT" b="1" dirty="0"/>
+              <a:t>Positive </a:t>
+            </a:r>
+            <a:r>
+              <a:rPr lang="it-IT" b="1" dirty="0" err="1"/>
+              <a:t>examples</a:t>
+            </a:r>
+            <a:r>
+              <a:rPr lang="it-IT" b="1" dirty="0"/>
+              <a:t>.</a:t>
+            </a:r>
+          </a:p>
+          <a:p>
+            <a:pPr lvl="1"/>
+            <a:r>
+              <a:rPr lang="it-IT" b="1" dirty="0"/>
+              <a:t>Negative </a:t>
+            </a:r>
+            <a:r>
+              <a:rPr lang="it-IT" b="1" dirty="0" err="1"/>
+              <a:t>examples</a:t>
+            </a:r>
+            <a:r>
+              <a:rPr lang="it-IT" b="1" dirty="0"/>
+              <a:t>.</a:t>
+            </a:r>
+          </a:p>
+          <a:p>
+            <a:r>
+              <a:rPr lang="it-IT" dirty="0"/>
+              <a:t>Learning procedure:</a:t>
+            </a:r>
+          </a:p>
+          <a:p>
+            <a:pPr marL="617220" lvl="1" indent="-342900">
+              <a:buFont typeface="+mj-lt"/>
+              <a:buAutoNum type="arabicPeriod"/>
+            </a:pPr>
+            <a:r>
+              <a:rPr lang="it-IT" dirty="0"/>
+              <a:t>Select a positive </a:t>
+            </a:r>
+            <a:r>
+              <a:rPr lang="it-IT" dirty="0" err="1"/>
+              <a:t>example</a:t>
+            </a:r>
+            <a:r>
+              <a:rPr lang="it-IT" dirty="0"/>
+              <a:t> to be </a:t>
+            </a:r>
+            <a:r>
+              <a:rPr lang="it-IT" dirty="0" err="1"/>
+              <a:t>proven</a:t>
+            </a:r>
+            <a:r>
+              <a:rPr lang="it-IT" dirty="0"/>
+              <a:t>.</a:t>
+            </a:r>
+          </a:p>
+          <a:p>
+            <a:pPr marL="617220" lvl="1" indent="-342900">
+              <a:buFont typeface="+mj-lt"/>
+              <a:buAutoNum type="arabicPeriod"/>
+            </a:pPr>
+            <a:r>
+              <a:rPr lang="it-IT" dirty="0"/>
+              <a:t>Prove </a:t>
+            </a:r>
+            <a:r>
+              <a:rPr lang="it-IT" dirty="0" err="1"/>
+              <a:t>it</a:t>
+            </a:r>
+            <a:r>
+              <a:rPr lang="it-IT" dirty="0"/>
+              <a:t> </a:t>
+            </a:r>
+            <a:r>
+              <a:rPr lang="it-IT" dirty="0" err="1"/>
+              <a:t>through</a:t>
+            </a:r>
+            <a:r>
+              <a:rPr lang="it-IT" dirty="0"/>
+              <a:t> </a:t>
+            </a:r>
+            <a:r>
+              <a:rPr lang="it-IT" dirty="0" err="1"/>
+              <a:t>either</a:t>
+            </a:r>
+            <a:r>
+              <a:rPr lang="it-IT" dirty="0"/>
+              <a:t> the </a:t>
+            </a:r>
+            <a:r>
+              <a:rPr lang="it-IT" dirty="0" err="1"/>
+              <a:t>existing</a:t>
+            </a:r>
+            <a:r>
+              <a:rPr lang="it-IT" dirty="0"/>
+              <a:t> background knowledge or </a:t>
+            </a:r>
+            <a:r>
+              <a:rPr lang="it-IT" dirty="0" err="1"/>
+              <a:t>clauses</a:t>
+            </a:r>
+            <a:r>
+              <a:rPr lang="it-IT" dirty="0"/>
+              <a:t> </a:t>
+            </a:r>
+            <a:r>
+              <a:rPr lang="it-IT" dirty="0" err="1"/>
+              <a:t>previously</a:t>
+            </a:r>
+            <a:r>
+              <a:rPr lang="it-IT" dirty="0"/>
+              <a:t> </a:t>
+            </a:r>
+            <a:r>
+              <a:rPr lang="it-IT" dirty="0" err="1"/>
+              <a:t>induced</a:t>
+            </a:r>
+            <a:r>
+              <a:rPr lang="it-IT" dirty="0"/>
+              <a:t>.</a:t>
+            </a:r>
+          </a:p>
+          <a:p>
+            <a:pPr marL="617220" lvl="1" indent="-342900">
+              <a:buFont typeface="+mj-lt"/>
+              <a:buAutoNum type="arabicPeriod"/>
+            </a:pPr>
+            <a:r>
+              <a:rPr lang="it-IT" dirty="0"/>
+              <a:t>(</a:t>
+            </a:r>
+            <a:r>
+              <a:rPr lang="it-IT" dirty="0" err="1"/>
+              <a:t>If</a:t>
+            </a:r>
+            <a:r>
+              <a:rPr lang="it-IT" dirty="0"/>
+              <a:t> step 2 </a:t>
+            </a:r>
+            <a:r>
+              <a:rPr lang="it-IT" dirty="0" err="1"/>
+              <a:t>did</a:t>
+            </a:r>
+            <a:r>
+              <a:rPr lang="it-IT" dirty="0"/>
+              <a:t> </a:t>
+            </a:r>
+            <a:r>
+              <a:rPr lang="it-IT" dirty="0" err="1"/>
+              <a:t>not</a:t>
+            </a:r>
+            <a:r>
+              <a:rPr lang="it-IT" dirty="0"/>
+              <a:t> work) </a:t>
+            </a:r>
+            <a:r>
+              <a:rPr lang="it-IT" dirty="0" err="1"/>
+              <a:t>Unify</a:t>
+            </a:r>
+            <a:r>
+              <a:rPr lang="it-IT" dirty="0"/>
+              <a:t> the </a:t>
+            </a:r>
+            <a:r>
+              <a:rPr lang="it-IT" dirty="0" err="1"/>
+              <a:t>example</a:t>
+            </a:r>
+            <a:r>
+              <a:rPr lang="it-IT" dirty="0"/>
+              <a:t> with the head of a </a:t>
+            </a:r>
+            <a:r>
+              <a:rPr lang="it-IT" dirty="0" err="1"/>
+              <a:t>metarule</a:t>
+            </a:r>
+            <a:r>
+              <a:rPr lang="it-IT" dirty="0"/>
+              <a:t> and </a:t>
+            </a:r>
+            <a:r>
+              <a:rPr lang="it-IT" dirty="0" err="1"/>
+              <a:t>repeat</a:t>
+            </a:r>
+            <a:r>
+              <a:rPr lang="it-IT" dirty="0"/>
+              <a:t> the </a:t>
+            </a:r>
+            <a:r>
+              <a:rPr lang="it-IT" dirty="0" err="1"/>
+              <a:t>process</a:t>
+            </a:r>
+            <a:r>
+              <a:rPr lang="it-IT" dirty="0"/>
+              <a:t> for </a:t>
+            </a:r>
+            <a:r>
+              <a:rPr lang="it-IT" dirty="0" err="1"/>
+              <a:t>each</a:t>
+            </a:r>
+            <a:r>
+              <a:rPr lang="it-IT" dirty="0"/>
+              <a:t> of the </a:t>
+            </a:r>
+            <a:r>
+              <a:rPr lang="it-IT" dirty="0" err="1"/>
+              <a:t>atoms</a:t>
+            </a:r>
+            <a:r>
+              <a:rPr lang="it-IT" dirty="0"/>
+              <a:t> in the body.</a:t>
+            </a:r>
+          </a:p>
+          <a:p>
+            <a:pPr marL="617220" lvl="1" indent="-342900">
+              <a:buFont typeface="+mj-lt"/>
+              <a:buAutoNum type="arabicPeriod"/>
+            </a:pPr>
+            <a:r>
+              <a:rPr lang="it-IT" dirty="0"/>
+              <a:t>Once the </a:t>
+            </a:r>
+            <a:r>
+              <a:rPr lang="it-IT" dirty="0" err="1"/>
+              <a:t>hypothesis</a:t>
+            </a:r>
+            <a:r>
+              <a:rPr lang="it-IT" dirty="0"/>
+              <a:t> </a:t>
+            </a:r>
+            <a:r>
+              <a:rPr lang="it-IT" dirty="0" err="1"/>
+              <a:t>is</a:t>
+            </a:r>
+            <a:r>
+              <a:rPr lang="it-IT" dirty="0"/>
+              <a:t> complete, check </a:t>
+            </a:r>
+            <a:r>
+              <a:rPr lang="it-IT" dirty="0" err="1"/>
+              <a:t>its</a:t>
+            </a:r>
+            <a:r>
+              <a:rPr lang="it-IT" dirty="0"/>
+              <a:t> </a:t>
+            </a:r>
+            <a:r>
+              <a:rPr lang="it-IT" dirty="0" err="1"/>
+              <a:t>consistency</a:t>
+            </a:r>
+            <a:r>
+              <a:rPr lang="it-IT" dirty="0"/>
+              <a:t>. </a:t>
+            </a:r>
+            <a:r>
+              <a:rPr lang="it-IT" dirty="0" err="1"/>
+              <a:t>If</a:t>
+            </a:r>
+            <a:r>
+              <a:rPr lang="it-IT" dirty="0"/>
+              <a:t> negative </a:t>
+            </a:r>
+            <a:r>
+              <a:rPr lang="it-IT" dirty="0" err="1"/>
+              <a:t>examples</a:t>
+            </a:r>
+            <a:r>
+              <a:rPr lang="it-IT" dirty="0"/>
+              <a:t> are </a:t>
+            </a:r>
+            <a:r>
+              <a:rPr lang="it-IT" dirty="0" err="1"/>
+              <a:t>covered</a:t>
+            </a:r>
+            <a:r>
+              <a:rPr lang="it-IT" dirty="0"/>
+              <a:t> </a:t>
+            </a:r>
+            <a:r>
+              <a:rPr lang="it-IT" dirty="0" err="1"/>
+              <a:t>then</a:t>
+            </a:r>
+            <a:r>
+              <a:rPr lang="it-IT" dirty="0"/>
+              <a:t> </a:t>
+            </a:r>
+            <a:r>
+              <a:rPr lang="it-IT" dirty="0" err="1"/>
+              <a:t>backtrack</a:t>
+            </a:r>
+            <a:r>
+              <a:rPr lang="it-IT" dirty="0"/>
+              <a:t>.</a:t>
+            </a:r>
+          </a:p>
+        </p:txBody>
+      </p:sp>
+    </p:spTree>
+    <p:extLst>
+      <p:ext uri="{BB962C8B-B14F-4D97-AF65-F5344CB8AC3E}">
+        <p14:creationId xmlns:p14="http://schemas.microsoft.com/office/powerpoint/2010/main" val="2664905817"/>
+      </p:ext>
+    </p:extLst>
+  </p:cSld>
+  <p:clrMapOvr>
+    <a:masterClrMapping/>
+  </p:clrMapOvr>
+</p:sld>
+</file>
+
+<file path=ppt/slides/slide7.xml><?xml version="1.0" encoding="utf-8"?>
+<p:sld xmlns:a="http://schemas.openxmlformats.org/drawingml/2006/main" xmlns:r="http://schemas.openxmlformats.org/officeDocument/2006/relationships" xmlns:p="http://schemas.openxmlformats.org/presentationml/2006/main">
+  <p:cSld>
+    <p:bg>
+      <p:bgPr>
+        <a:solidFill>
+          <a:schemeClr val="bg1"/>
+        </a:solidFill>
+        <a:effectLst/>
+      </p:bgPr>
+    </p:bg>
+    <p:spTree>
+      <p:nvGrpSpPr>
+        <p:cNvPr id="1" name=""/>
+        <p:cNvGrpSpPr/>
+        <p:nvPr/>
+      </p:nvGrpSpPr>
+      <p:grpSpPr>
+        <a:xfrm>
+          <a:off x="0" y="0"/>
+          <a:ext cx="0" cy="0"/>
+          <a:chOff x="0" y="0"/>
+          <a:chExt cx="0" cy="0"/>
+        </a:xfrm>
+      </p:grpSpPr>
+      <p:sp>
+        <p:nvSpPr>
+          <p:cNvPr id="9" name="Rectangle 8">
+            <a:extLst>
+              <a:ext uri="{FF2B5EF4-FFF2-40B4-BE49-F238E27FC236}">
+                <a16:creationId xmlns:a16="http://schemas.microsoft.com/office/drawing/2014/main" id="{989683EB-D202-4B4D-B1BD-8BA6965FBEF5}"/>
+              </a:ext>
+              <a:ext uri="{C183D7F6-B498-43B3-948B-1728B52AA6E4}">
+                <adec:decorative xmlns:adec="http://schemas.microsoft.com/office/drawing/2017/decorative" val="1"/>
+              </a:ext>
+            </a:extLst>
+          </p:cNvPr>
+          <p:cNvSpPr>
+            <a:spLocks noGrp="1" noRot="1" noChangeAspect="1" noMove="1" noResize="1" noEditPoints="1" noAdjustHandles="1" noChangeArrowheads="1" noChangeShapeType="1" noTextEdit="1"/>
+          </p:cNvSpPr>
+          <p:nvPr>
+            <p:extLst>
+              <p:ext uri="{386F3935-93C4-4BCD-93E2-E3B085C9AB24}">
+                <p16:designElem xmlns:p16="http://schemas.microsoft.com/office/powerpoint/2015/main" val="1"/>
+              </p:ext>
+            </p:extLst>
+          </p:nvPr>
+        </p:nvSpPr>
+        <p:spPr>
+          <a:xfrm>
+            <a:off x="0" y="-1"/>
+            <a:ext cx="11292840" cy="6858001"/>
+          </a:xfrm>
+          <a:prstGeom prst="rect">
+            <a:avLst/>
+          </a:prstGeom>
+          <a:solidFill>
+            <a:schemeClr val="tx1"/>
+          </a:solidFill>
+          <a:ln>
+            <a:noFill/>
+          </a:ln>
+        </p:spPr>
+        <p:style>
+          <a:lnRef idx="2">
+            <a:schemeClr val="accent1">
+              <a:shade val="50000"/>
+            </a:schemeClr>
+          </a:lnRef>
+          <a:fillRef idx="1">
+            <a:schemeClr val="accent1"/>
+          </a:fillRef>
+          <a:effectRef idx="0">
+            <a:schemeClr val="accent1"/>
+          </a:effectRef>
+          <a:fontRef idx="minor">
+            <a:schemeClr val="lt1"/>
+          </a:fontRef>
+        </p:style>
+        <p:txBody>
+          <a:bodyPr rtlCol="0" anchor="ctr"/>
+          <a:lstStyle/>
+          <a:p>
+            <a:pPr algn="ctr"/>
+            <a:endParaRPr lang="en-US"/>
+          </a:p>
+        </p:txBody>
+      </p:sp>
+      <p:pic>
+        <p:nvPicPr>
+          <p:cNvPr id="4" name="Picture 4" descr="Maze">
+            <a:extLst>
+              <a:ext uri="{FF2B5EF4-FFF2-40B4-BE49-F238E27FC236}">
+                <a16:creationId xmlns:a16="http://schemas.microsoft.com/office/drawing/2014/main" id="{15FFD1B1-AEEE-4EE4-9047-6C67FEA2BDA9}"/>
+              </a:ext>
+            </a:extLst>
+          </p:cNvPr>
+          <p:cNvPicPr>
+            <a:picLocks noChangeAspect="1"/>
+          </p:cNvPicPr>
+          <p:nvPr/>
+        </p:nvPicPr>
+        <p:blipFill rotWithShape="1">
+          <a:blip r:embed="rId2">
+            <a:alphaModFix amt="35000"/>
+          </a:blip>
+          <a:srcRect t="9021"/>
+          <a:stretch/>
+        </p:blipFill>
+        <p:spPr>
+          <a:xfrm>
+            <a:off x="20" y="10"/>
+            <a:ext cx="11292820" cy="6857990"/>
+          </a:xfrm>
+          <a:prstGeom prst="rect">
+            <a:avLst/>
+          </a:prstGeom>
+        </p:spPr>
+      </p:pic>
+      <p:sp>
+        <p:nvSpPr>
+          <p:cNvPr id="2" name="Titolo 1">
+            <a:extLst>
+              <a:ext uri="{FF2B5EF4-FFF2-40B4-BE49-F238E27FC236}">
+                <a16:creationId xmlns:a16="http://schemas.microsoft.com/office/drawing/2014/main" id="{0A12707C-3206-4993-9DBE-17D9EACB1C00}"/>
+              </a:ext>
+            </a:extLst>
+          </p:cNvPr>
+          <p:cNvSpPr>
+            <a:spLocks noGrp="1"/>
+          </p:cNvSpPr>
+          <p:nvPr>
+            <p:ph type="title"/>
+          </p:nvPr>
+        </p:nvSpPr>
+        <p:spPr>
+          <a:xfrm>
+            <a:off x="1261872" y="365760"/>
+            <a:ext cx="9692640" cy="1325562"/>
+          </a:xfrm>
+        </p:spPr>
+        <p:txBody>
+          <a:bodyPr>
+            <a:normAutofit/>
+          </a:bodyPr>
+          <a:lstStyle/>
+          <a:p>
+            <a:r>
+              <a:rPr lang="it-IT">
+                <a:solidFill>
+                  <a:schemeClr val="bg1"/>
+                </a:solidFill>
+              </a:rPr>
+              <a:t>Learning to walk</a:t>
+            </a:r>
+          </a:p>
+        </p:txBody>
+      </p:sp>
+      <p:sp>
+        <p:nvSpPr>
+          <p:cNvPr id="3" name="Segnaposto contenuto 2">
+            <a:extLst>
+              <a:ext uri="{FF2B5EF4-FFF2-40B4-BE49-F238E27FC236}">
+                <a16:creationId xmlns:a16="http://schemas.microsoft.com/office/drawing/2014/main" id="{D879B614-B7EF-4C41-B525-645B6994B712}"/>
+              </a:ext>
+            </a:extLst>
+          </p:cNvPr>
+          <p:cNvSpPr>
+            <a:spLocks noGrp="1"/>
+          </p:cNvSpPr>
+          <p:nvPr>
+            <p:ph idx="1"/>
+          </p:nvPr>
+        </p:nvSpPr>
+        <p:spPr>
+          <a:xfrm>
+            <a:off x="1261872" y="2005739"/>
+            <a:ext cx="8595360" cy="4174398"/>
+          </a:xfrm>
+        </p:spPr>
+        <p:txBody>
+          <a:bodyPr>
+            <a:normAutofit fontScale="92500"/>
+          </a:bodyPr>
+          <a:lstStyle/>
+          <a:p>
+            <a:r>
+              <a:rPr lang="it-IT" sz="1700" b="1">
+                <a:solidFill>
+                  <a:schemeClr val="bg1"/>
+                </a:solidFill>
+              </a:rPr>
+              <a:t>Goal: </a:t>
+            </a:r>
+            <a:r>
+              <a:rPr lang="it-IT" sz="1700">
+                <a:solidFill>
+                  <a:schemeClr val="bg1"/>
+                </a:solidFill>
+              </a:rPr>
+              <a:t>Learn to move to an </a:t>
+            </a:r>
+            <a:r>
+              <a:rPr lang="it-IT" sz="1700" b="1">
+                <a:solidFill>
+                  <a:schemeClr val="bg1"/>
+                </a:solidFill>
+              </a:rPr>
+              <a:t>adjacent</a:t>
+            </a:r>
+            <a:r>
+              <a:rPr lang="it-IT" sz="1700">
+                <a:solidFill>
+                  <a:schemeClr val="bg1"/>
+                </a:solidFill>
+              </a:rPr>
+              <a:t>, legal cell. (Predicate </a:t>
+            </a:r>
+            <a:r>
+              <a:rPr lang="it-IT" sz="1700">
+                <a:solidFill>
+                  <a:schemeClr val="bg1"/>
+                </a:solidFill>
+                <a:latin typeface="Courier New" panose="02070309020205020404" pitchFamily="49" charset="0"/>
+                <a:cs typeface="Courier New" panose="02070309020205020404" pitchFamily="49" charset="0"/>
+              </a:rPr>
+              <a:t>move/2</a:t>
+            </a:r>
+            <a:r>
+              <a:rPr lang="it-IT" sz="1700">
+                <a:solidFill>
+                  <a:schemeClr val="bg1"/>
+                </a:solidFill>
+              </a:rPr>
+              <a:t>).</a:t>
+            </a:r>
+            <a:endParaRPr lang="it-IT" sz="1700" b="1">
+              <a:solidFill>
+                <a:schemeClr val="bg1"/>
+              </a:solidFill>
+            </a:endParaRPr>
+          </a:p>
+          <a:p>
+            <a:r>
+              <a:rPr lang="it-IT" sz="1700" b="1">
+                <a:solidFill>
+                  <a:schemeClr val="bg1"/>
+                </a:solidFill>
+              </a:rPr>
+              <a:t>Background Knowledge:</a:t>
+            </a:r>
+          </a:p>
+          <a:p>
+            <a:pPr lvl="1"/>
+            <a:r>
+              <a:rPr lang="it-IT" sz="1700">
+                <a:solidFill>
+                  <a:schemeClr val="bg1"/>
+                </a:solidFill>
+                <a:latin typeface="Courier New" panose="02070309020205020404" pitchFamily="49" charset="0"/>
+                <a:cs typeface="Courier New" panose="02070309020205020404" pitchFamily="49" charset="0"/>
+              </a:rPr>
+              <a:t>inc_x/2; dec_x/2; inc_y/2; dec_y/2;</a:t>
+            </a:r>
+          </a:p>
+          <a:p>
+            <a:pPr lvl="1"/>
+            <a:r>
+              <a:rPr lang="it-IT" sz="1700">
+                <a:solidFill>
+                  <a:schemeClr val="bg1"/>
+                </a:solidFill>
+                <a:latin typeface="Courier New" panose="02070309020205020404" pitchFamily="49" charset="0"/>
+                <a:cs typeface="Courier New" panose="02070309020205020404" pitchFamily="49" charset="0"/>
+              </a:rPr>
+              <a:t>Legal_position/1: </a:t>
+            </a:r>
+            <a:r>
+              <a:rPr lang="it-IT" sz="1700">
+                <a:solidFill>
+                  <a:schemeClr val="bg1"/>
+                </a:solidFill>
+                <a:cs typeface="Courier New" panose="02070309020205020404" pitchFamily="49" charset="0"/>
+              </a:rPr>
+              <a:t>Checks whether a cell is in bounds and free from obstacles.</a:t>
+            </a:r>
+            <a:endParaRPr lang="it-IT" sz="1700">
+              <a:solidFill>
+                <a:schemeClr val="bg1"/>
+              </a:solidFill>
+              <a:latin typeface="Courier New" panose="02070309020205020404" pitchFamily="49" charset="0"/>
+              <a:cs typeface="Courier New" panose="02070309020205020404" pitchFamily="49" charset="0"/>
+            </a:endParaRPr>
+          </a:p>
+          <a:p>
+            <a:r>
+              <a:rPr lang="it-IT" sz="1700" b="1">
+                <a:solidFill>
+                  <a:schemeClr val="bg1"/>
+                </a:solidFill>
+                <a:cs typeface="Courier New" panose="02070309020205020404" pitchFamily="49" charset="0"/>
+              </a:rPr>
+              <a:t>Metarules:</a:t>
+            </a:r>
+          </a:p>
+          <a:p>
+            <a:pPr lvl="1"/>
+            <a:r>
+              <a:rPr lang="it-IT" sz="1700">
+                <a:solidFill>
+                  <a:schemeClr val="bg1"/>
+                </a:solidFill>
+                <a:latin typeface="Courier New" panose="02070309020205020404" pitchFamily="49" charset="0"/>
+                <a:cs typeface="Courier New" panose="02070309020205020404" pitchFamily="49" charset="0"/>
+              </a:rPr>
+              <a:t>metarule(ident,[P,Q],[P,A,B],[[Q,A,B]]).</a:t>
+            </a:r>
+          </a:p>
+          <a:p>
+            <a:pPr lvl="1"/>
+            <a:r>
+              <a:rPr lang="it-IT" sz="1700">
+                <a:solidFill>
+                  <a:schemeClr val="bg1"/>
+                </a:solidFill>
+                <a:latin typeface="Courier New" panose="02070309020205020404" pitchFamily="49" charset="0"/>
+                <a:cs typeface="Courier New" panose="02070309020205020404" pitchFamily="49" charset="0"/>
+              </a:rPr>
+              <a:t>metarule(postcon,[P,Q,R],[P,A,B],[[Q,A,B],[R,B]]).</a:t>
+            </a:r>
+          </a:p>
+          <a:p>
+            <a:pPr lvl="1"/>
+            <a:r>
+              <a:rPr lang="it-IT" sz="1700">
+                <a:solidFill>
+                  <a:schemeClr val="bg1"/>
+                </a:solidFill>
+                <a:latin typeface="Courier New" panose="02070309020205020404" pitchFamily="49" charset="0"/>
+                <a:cs typeface="Courier New" panose="02070309020205020404" pitchFamily="49" charset="0"/>
+              </a:rPr>
+              <a:t>metarule(i_postcon,[P,Q,R],[P,A,B],[[R,B],[Q,A,B]]).</a:t>
+            </a:r>
+          </a:p>
+          <a:p>
+            <a:r>
+              <a:rPr lang="it-IT" sz="1700" b="1">
+                <a:solidFill>
+                  <a:schemeClr val="bg1"/>
+                </a:solidFill>
+                <a:cs typeface="Courier New" panose="02070309020205020404" pitchFamily="49" charset="0"/>
+              </a:rPr>
+              <a:t>Positive examples:</a:t>
+            </a:r>
+          </a:p>
+          <a:p>
+            <a:pPr lvl="1"/>
+            <a:r>
+              <a:rPr lang="it-IT" sz="1700">
+                <a:solidFill>
+                  <a:schemeClr val="bg1"/>
+                </a:solidFill>
+                <a:cs typeface="Courier New" panose="02070309020205020404" pitchFamily="49" charset="0"/>
+              </a:rPr>
+              <a:t>One legal move for each direction (up, down, left, right).</a:t>
+            </a:r>
+          </a:p>
+          <a:p>
+            <a:r>
+              <a:rPr lang="it-IT" sz="1700" b="1">
+                <a:solidFill>
+                  <a:schemeClr val="bg1"/>
+                </a:solidFill>
+                <a:cs typeface="Courier New" panose="02070309020205020404" pitchFamily="49" charset="0"/>
+              </a:rPr>
+              <a:t>Negative examples:</a:t>
+            </a:r>
+          </a:p>
+          <a:p>
+            <a:pPr lvl="1"/>
+            <a:r>
+              <a:rPr lang="it-IT" sz="1700">
+                <a:solidFill>
+                  <a:schemeClr val="bg1"/>
+                </a:solidFill>
+                <a:cs typeface="Courier New" panose="02070309020205020404" pitchFamily="49" charset="0"/>
+              </a:rPr>
+              <a:t>One illegal move for each direction.</a:t>
+            </a:r>
+          </a:p>
+        </p:txBody>
+      </p:sp>
+    </p:spTree>
+    <p:extLst>
+      <p:ext uri="{BB962C8B-B14F-4D97-AF65-F5344CB8AC3E}">
+        <p14:creationId xmlns:p14="http://schemas.microsoft.com/office/powerpoint/2010/main" val="4194125777"/>
+      </p:ext>
+    </p:extLst>
+  </p:cSld>
+  <p:clrMapOvr>
+    <a:masterClrMapping/>
+  </p:clrMapOvr>
+</p:sld>
+</file>
+
+<file path=ppt/slides/slide8.xml><?xml version="1.0" encoding="utf-8"?>
+<p:sld xmlns:a="http://schemas.openxmlformats.org/drawingml/2006/main" xmlns:r="http://schemas.openxmlformats.org/officeDocument/2006/relationships" xmlns:p="http://schemas.openxmlformats.org/presentationml/2006/main">
+  <p:cSld>
+    <p:bg>
+      <p:bgPr>
+        <a:solidFill>
+          <a:schemeClr val="bg1"/>
+        </a:solidFill>
+        <a:effectLst/>
+      </p:bgPr>
+    </p:bg>
+    <p:spTree>
+      <p:nvGrpSpPr>
+        <p:cNvPr id="1" name=""/>
+        <p:cNvGrpSpPr/>
+        <p:nvPr/>
+      </p:nvGrpSpPr>
+      <p:grpSpPr>
+        <a:xfrm>
+          <a:off x="0" y="0"/>
+          <a:ext cx="0" cy="0"/>
+          <a:chOff x="0" y="0"/>
+          <a:chExt cx="0" cy="0"/>
+        </a:xfrm>
+      </p:grpSpPr>
+      <p:sp>
+        <p:nvSpPr>
+          <p:cNvPr id="9" name="Rectangle 8">
+            <a:extLst>
+              <a:ext uri="{FF2B5EF4-FFF2-40B4-BE49-F238E27FC236}">
+                <a16:creationId xmlns:a16="http://schemas.microsoft.com/office/drawing/2014/main" id="{989683EB-D202-4B4D-B1BD-8BA6965FBEF5}"/>
+              </a:ext>
+              <a:ext uri="{C183D7F6-B498-43B3-948B-1728B52AA6E4}">
+                <adec:decorative xmlns:adec="http://schemas.microsoft.com/office/drawing/2017/decorative" val="1"/>
+              </a:ext>
+            </a:extLst>
+          </p:cNvPr>
+          <p:cNvSpPr>
+            <a:spLocks noGrp="1" noRot="1" noChangeAspect="1" noMove="1" noResize="1" noEditPoints="1" noAdjustHandles="1" noChangeArrowheads="1" noChangeShapeType="1" noTextEdit="1"/>
+          </p:cNvSpPr>
+          <p:nvPr>
+            <p:extLst>
+              <p:ext uri="{386F3935-93C4-4BCD-93E2-E3B085C9AB24}">
+                <p16:designElem xmlns:p16="http://schemas.microsoft.com/office/powerpoint/2015/main" val="1"/>
+              </p:ext>
+            </p:extLst>
+          </p:nvPr>
+        </p:nvSpPr>
+        <p:spPr>
+          <a:xfrm>
+            <a:off x="0" y="-1"/>
+            <a:ext cx="11292840" cy="6858001"/>
+          </a:xfrm>
+          <a:prstGeom prst="rect">
+            <a:avLst/>
+          </a:prstGeom>
+          <a:solidFill>
+            <a:schemeClr val="tx1"/>
+          </a:solidFill>
+          <a:ln>
+            <a:noFill/>
+          </a:ln>
+        </p:spPr>
+        <p:style>
+          <a:lnRef idx="2">
+            <a:schemeClr val="accent1">
+              <a:shade val="50000"/>
+            </a:schemeClr>
+          </a:lnRef>
+          <a:fillRef idx="1">
+            <a:schemeClr val="accent1"/>
+          </a:fillRef>
+          <a:effectRef idx="0">
+            <a:schemeClr val="accent1"/>
+          </a:effectRef>
+          <a:fontRef idx="minor">
+            <a:schemeClr val="lt1"/>
+          </a:fontRef>
+        </p:style>
+        <p:txBody>
+          <a:bodyPr rtlCol="0" anchor="ctr"/>
+          <a:lstStyle/>
+          <a:p>
+            <a:pPr algn="ctr"/>
+            <a:endParaRPr lang="en-US"/>
+          </a:p>
+        </p:txBody>
+      </p:sp>
+      <p:pic>
+        <p:nvPicPr>
+          <p:cNvPr id="4" name="Picture 4" descr="Maze">
+            <a:extLst>
+              <a:ext uri="{FF2B5EF4-FFF2-40B4-BE49-F238E27FC236}">
+                <a16:creationId xmlns:a16="http://schemas.microsoft.com/office/drawing/2014/main" id="{5511DBA9-FF92-407F-A794-61FC31C5161F}"/>
+              </a:ext>
+            </a:extLst>
+          </p:cNvPr>
+          <p:cNvPicPr>
+            <a:picLocks noChangeAspect="1"/>
+          </p:cNvPicPr>
+          <p:nvPr/>
+        </p:nvPicPr>
+        <p:blipFill rotWithShape="1">
+          <a:blip r:embed="rId2">
+            <a:alphaModFix amt="35000"/>
+          </a:blip>
+          <a:srcRect t="9021"/>
+          <a:stretch/>
+        </p:blipFill>
+        <p:spPr>
+          <a:xfrm>
+            <a:off x="20" y="10"/>
+            <a:ext cx="11292820" cy="6857990"/>
+          </a:xfrm>
+          <a:prstGeom prst="rect">
+            <a:avLst/>
+          </a:prstGeom>
+        </p:spPr>
+      </p:pic>
+      <p:sp>
+        <p:nvSpPr>
+          <p:cNvPr id="2" name="Titolo 1">
+            <a:extLst>
+              <a:ext uri="{FF2B5EF4-FFF2-40B4-BE49-F238E27FC236}">
+                <a16:creationId xmlns:a16="http://schemas.microsoft.com/office/drawing/2014/main" id="{77994A76-64F1-4AEE-BC4F-FB664D9A36F7}"/>
+              </a:ext>
+            </a:extLst>
+          </p:cNvPr>
+          <p:cNvSpPr>
+            <a:spLocks noGrp="1"/>
+          </p:cNvSpPr>
+          <p:nvPr>
+            <p:ph type="title"/>
+          </p:nvPr>
+        </p:nvSpPr>
+        <p:spPr>
+          <a:xfrm>
+            <a:off x="1261872" y="365760"/>
+            <a:ext cx="9692640" cy="1325562"/>
+          </a:xfrm>
+        </p:spPr>
+        <p:txBody>
+          <a:bodyPr>
+            <a:normAutofit/>
+          </a:bodyPr>
+          <a:lstStyle/>
+          <a:p>
+            <a:r>
+              <a:rPr lang="it-IT">
+                <a:solidFill>
+                  <a:schemeClr val="bg1"/>
+                </a:solidFill>
+              </a:rPr>
+              <a:t>Interesting points</a:t>
+            </a:r>
+          </a:p>
+        </p:txBody>
+      </p:sp>
+      <p:sp>
+        <p:nvSpPr>
+          <p:cNvPr id="3" name="Segnaposto contenuto 2">
+            <a:extLst>
+              <a:ext uri="{FF2B5EF4-FFF2-40B4-BE49-F238E27FC236}">
+                <a16:creationId xmlns:a16="http://schemas.microsoft.com/office/drawing/2014/main" id="{C7D1522B-DD16-4ED0-B890-B3427CE8EB23}"/>
+              </a:ext>
+            </a:extLst>
+          </p:cNvPr>
+          <p:cNvSpPr>
+            <a:spLocks noGrp="1"/>
+          </p:cNvSpPr>
+          <p:nvPr>
+            <p:ph idx="1"/>
+          </p:nvPr>
+        </p:nvSpPr>
+        <p:spPr>
+          <a:xfrm>
+            <a:off x="1261872" y="2005739"/>
+            <a:ext cx="8595360" cy="4174398"/>
+          </a:xfrm>
+        </p:spPr>
+        <p:txBody>
+          <a:bodyPr>
+            <a:normAutofit/>
+          </a:bodyPr>
+          <a:lstStyle/>
+          <a:p>
+            <a:r>
+              <a:rPr lang="it-IT">
+                <a:solidFill>
+                  <a:schemeClr val="bg1"/>
+                </a:solidFill>
+              </a:rPr>
+              <a:t>The power of metarules:</a:t>
+            </a:r>
+          </a:p>
+          <a:p>
+            <a:pPr lvl="1"/>
+            <a:r>
+              <a:rPr lang="it-IT">
+                <a:solidFill>
+                  <a:schemeClr val="bg1"/>
+                </a:solidFill>
+              </a:rPr>
+              <a:t>Using </a:t>
+            </a:r>
+            <a:r>
+              <a:rPr lang="it-IT">
+                <a:solidFill>
+                  <a:schemeClr val="bg1"/>
+                </a:solidFill>
+                <a:latin typeface="Courier New" panose="02070309020205020404" pitchFamily="49" charset="0"/>
+                <a:cs typeface="Courier New" panose="02070309020205020404" pitchFamily="49" charset="0"/>
+              </a:rPr>
+              <a:t>postcon</a:t>
+            </a:r>
+            <a:r>
+              <a:rPr lang="it-IT">
+                <a:solidFill>
+                  <a:schemeClr val="bg1"/>
+                </a:solidFill>
+              </a:rPr>
+              <a:t>:</a:t>
+            </a:r>
+          </a:p>
+          <a:p>
+            <a:pPr marL="548640" lvl="2" indent="0">
+              <a:buNone/>
+            </a:pPr>
+            <a:r>
+              <a:rPr lang="en-US">
+                <a:solidFill>
+                  <a:schemeClr val="bg1"/>
+                </a:solidFill>
+                <a:latin typeface="Courier New" panose="02070309020205020404" pitchFamily="49" charset="0"/>
+                <a:cs typeface="Courier New" panose="02070309020205020404" pitchFamily="49" charset="0"/>
+              </a:rPr>
+              <a:t>move(A,B):-inc_x(A,B),legal_position(B).</a:t>
+            </a:r>
+          </a:p>
+          <a:p>
+            <a:pPr marL="548640" lvl="2" indent="0">
+              <a:buNone/>
+            </a:pPr>
+            <a:r>
+              <a:rPr lang="en-US">
+                <a:solidFill>
+                  <a:schemeClr val="bg1"/>
+                </a:solidFill>
+                <a:latin typeface="Courier New" panose="02070309020205020404" pitchFamily="49" charset="0"/>
+                <a:cs typeface="Courier New" panose="02070309020205020404" pitchFamily="49" charset="0"/>
+              </a:rPr>
+              <a:t>move(A,B):-inc_y(A,B),legal_position(B).</a:t>
+            </a:r>
+          </a:p>
+          <a:p>
+            <a:pPr marL="548640" lvl="2" indent="0">
+              <a:buNone/>
+            </a:pPr>
+            <a:r>
+              <a:rPr lang="en-US">
+                <a:solidFill>
+                  <a:schemeClr val="bg1"/>
+                </a:solidFill>
+                <a:latin typeface="Courier New" panose="02070309020205020404" pitchFamily="49" charset="0"/>
+                <a:cs typeface="Courier New" panose="02070309020205020404" pitchFamily="49" charset="0"/>
+              </a:rPr>
+              <a:t>move(A,B):-dec_x(A,B),legal_position(B).</a:t>
+            </a:r>
+          </a:p>
+          <a:p>
+            <a:pPr marL="548640" lvl="2" indent="0">
+              <a:buNone/>
+            </a:pPr>
+            <a:r>
+              <a:rPr lang="en-US">
+                <a:solidFill>
+                  <a:schemeClr val="bg1"/>
+                </a:solidFill>
+                <a:latin typeface="Courier New" panose="02070309020205020404" pitchFamily="49" charset="0"/>
+                <a:cs typeface="Courier New" panose="02070309020205020404" pitchFamily="49" charset="0"/>
+              </a:rPr>
+              <a:t>move(A,B):-dec_y(A,B),legal_position(B).</a:t>
+            </a:r>
+          </a:p>
+          <a:p>
+            <a:pPr lvl="1"/>
+            <a:r>
+              <a:rPr lang="en-US">
+                <a:solidFill>
+                  <a:schemeClr val="bg1"/>
+                </a:solidFill>
+                <a:cs typeface="Courier New" panose="02070309020205020404" pitchFamily="49" charset="0"/>
+              </a:rPr>
+              <a:t>Using </a:t>
+            </a:r>
+            <a:r>
+              <a:rPr lang="en-US">
+                <a:solidFill>
+                  <a:schemeClr val="bg1"/>
+                </a:solidFill>
+                <a:latin typeface="Courier New" panose="02070309020205020404" pitchFamily="49" charset="0"/>
+                <a:cs typeface="Courier New" panose="02070309020205020404" pitchFamily="49" charset="0"/>
+              </a:rPr>
+              <a:t>i_postcon:</a:t>
+            </a:r>
+          </a:p>
+          <a:p>
+            <a:pPr marL="548640" lvl="2" indent="0">
+              <a:buNone/>
+            </a:pPr>
+            <a:r>
+              <a:rPr lang="en-US">
+                <a:solidFill>
+                  <a:schemeClr val="bg1"/>
+                </a:solidFill>
+                <a:latin typeface="Courier New" panose="02070309020205020404" pitchFamily="49" charset="0"/>
+                <a:cs typeface="Courier New" panose="02070309020205020404" pitchFamily="49" charset="0"/>
+              </a:rPr>
+              <a:t>move(A,B):-legal_position(B),move_1(A,B).</a:t>
+            </a:r>
+          </a:p>
+          <a:p>
+            <a:pPr marL="548640" lvl="2" indent="0">
+              <a:buNone/>
+            </a:pPr>
+            <a:r>
+              <a:rPr lang="en-US">
+                <a:solidFill>
+                  <a:schemeClr val="bg1"/>
+                </a:solidFill>
+                <a:latin typeface="Courier New" panose="02070309020205020404" pitchFamily="49" charset="0"/>
+                <a:cs typeface="Courier New" panose="02070309020205020404" pitchFamily="49" charset="0"/>
+              </a:rPr>
+              <a:t>move_1(A,B):-inc_x(A,B).</a:t>
+            </a:r>
+          </a:p>
+          <a:p>
+            <a:pPr marL="548640" lvl="2" indent="0">
+              <a:buNone/>
+            </a:pPr>
+            <a:r>
+              <a:rPr lang="en-US">
+                <a:solidFill>
+                  <a:schemeClr val="bg1"/>
+                </a:solidFill>
+                <a:latin typeface="Courier New" panose="02070309020205020404" pitchFamily="49" charset="0"/>
+                <a:cs typeface="Courier New" panose="02070309020205020404" pitchFamily="49" charset="0"/>
+              </a:rPr>
+              <a:t>move_1(A,B):-inc_y(A,B).</a:t>
+            </a:r>
+          </a:p>
+          <a:p>
+            <a:pPr marL="548640" lvl="2" indent="0">
+              <a:buNone/>
+            </a:pPr>
+            <a:r>
+              <a:rPr lang="en-US">
+                <a:solidFill>
+                  <a:schemeClr val="bg1"/>
+                </a:solidFill>
+                <a:latin typeface="Courier New" panose="02070309020205020404" pitchFamily="49" charset="0"/>
+                <a:cs typeface="Courier New" panose="02070309020205020404" pitchFamily="49" charset="0"/>
+              </a:rPr>
+              <a:t>move_1(A,B):-dec_x(A,B).</a:t>
+            </a:r>
+          </a:p>
+          <a:p>
+            <a:pPr marL="548640" lvl="2" indent="0">
+              <a:buNone/>
+            </a:pPr>
+            <a:r>
+              <a:rPr lang="en-US">
+                <a:solidFill>
+                  <a:schemeClr val="bg1"/>
+                </a:solidFill>
+                <a:latin typeface="Courier New" panose="02070309020205020404" pitchFamily="49" charset="0"/>
+                <a:cs typeface="Courier New" panose="02070309020205020404" pitchFamily="49" charset="0"/>
+              </a:rPr>
+              <a:t>move_1(A,B):-dec_y(A,B).</a:t>
+            </a:r>
+            <a:endParaRPr lang="it-IT">
+              <a:solidFill>
+                <a:schemeClr val="bg1"/>
+              </a:solidFill>
+              <a:latin typeface="Courier New" panose="02070309020205020404" pitchFamily="49" charset="0"/>
+              <a:cs typeface="Courier New" panose="02070309020205020404" pitchFamily="49" charset="0"/>
+            </a:endParaRPr>
+          </a:p>
+          <a:p>
+            <a:r>
+              <a:rPr lang="it-IT">
+                <a:solidFill>
+                  <a:schemeClr val="bg1"/>
+                </a:solidFill>
+                <a:latin typeface="Courier New" panose="02070309020205020404" pitchFamily="49" charset="0"/>
+                <a:cs typeface="Courier New" panose="02070309020205020404" pitchFamily="49" charset="0"/>
+              </a:rPr>
+              <a:t>i_postcon </a:t>
+            </a:r>
+            <a:r>
+              <a:rPr lang="it-IT">
+                <a:solidFill>
+                  <a:schemeClr val="bg1"/>
+                </a:solidFill>
+                <a:cs typeface="Courier New" panose="02070309020205020404" pitchFamily="49" charset="0"/>
+              </a:rPr>
+              <a:t>is able to «</a:t>
+            </a:r>
+            <a:r>
+              <a:rPr lang="it-IT" b="1">
+                <a:solidFill>
+                  <a:schemeClr val="bg1"/>
+                </a:solidFill>
+                <a:cs typeface="Courier New" panose="02070309020205020404" pitchFamily="49" charset="0"/>
+              </a:rPr>
+              <a:t>invent</a:t>
+            </a:r>
+            <a:r>
+              <a:rPr lang="it-IT">
+                <a:solidFill>
+                  <a:schemeClr val="bg1"/>
+                </a:solidFill>
+                <a:cs typeface="Courier New" panose="02070309020205020404" pitchFamily="49" charset="0"/>
+              </a:rPr>
+              <a:t>» the predicate </a:t>
+            </a:r>
+            <a:r>
+              <a:rPr lang="it-IT">
+                <a:solidFill>
+                  <a:schemeClr val="bg1"/>
+                </a:solidFill>
+                <a:latin typeface="Courier New" panose="02070309020205020404" pitchFamily="49" charset="0"/>
+                <a:cs typeface="Courier New" panose="02070309020205020404" pitchFamily="49" charset="0"/>
+              </a:rPr>
+              <a:t>adjacent/2.</a:t>
+            </a:r>
+            <a:endParaRPr lang="en-US">
+              <a:solidFill>
+                <a:schemeClr val="bg1"/>
+              </a:solidFill>
+              <a:latin typeface="Courier New" panose="02070309020205020404" pitchFamily="49" charset="0"/>
+              <a:cs typeface="Courier New" panose="02070309020205020404" pitchFamily="49" charset="0"/>
+            </a:endParaRPr>
+          </a:p>
+        </p:txBody>
+      </p:sp>
+    </p:spTree>
+    <p:extLst>
+      <p:ext uri="{BB962C8B-B14F-4D97-AF65-F5344CB8AC3E}">
+        <p14:creationId xmlns:p14="http://schemas.microsoft.com/office/powerpoint/2010/main" val="986449292"/>
+      </p:ext>
+    </p:extLst>
+  </p:cSld>
+  <p:clrMapOvr>
+    <a:masterClrMapping/>
+  </p:clrMapOvr>
+</p:sld>
+</file>
+
+<file path=ppt/slides/slide9.xml><?xml version="1.0" encoding="utf-8"?>
+<p:sld xmlns:a="http://schemas.openxmlformats.org/drawingml/2006/main" xmlns:r="http://schemas.openxmlformats.org/officeDocument/2006/relationships" xmlns:p="http://schemas.openxmlformats.org/presentationml/2006/main">
+  <p:cSld>
+    <p:bg>
+      <p:bgPr>
+        <a:solidFill>
+          <a:schemeClr val="bg1"/>
+        </a:solidFill>
+        <a:effectLst/>
+      </p:bgPr>
+    </p:bg>
+    <p:spTree>
+      <p:nvGrpSpPr>
+        <p:cNvPr id="1" name=""/>
+        <p:cNvGrpSpPr/>
+        <p:nvPr/>
+      </p:nvGrpSpPr>
+      <p:grpSpPr>
+        <a:xfrm>
+          <a:off x="0" y="0"/>
+          <a:ext cx="0" cy="0"/>
+          <a:chOff x="0" y="0"/>
+          <a:chExt cx="0" cy="0"/>
+        </a:xfrm>
+      </p:grpSpPr>
+      <p:sp>
+        <p:nvSpPr>
+          <p:cNvPr id="9" name="Rectangle 8">
+            <a:extLst>
+              <a:ext uri="{FF2B5EF4-FFF2-40B4-BE49-F238E27FC236}">
+                <a16:creationId xmlns:a16="http://schemas.microsoft.com/office/drawing/2014/main" id="{989683EB-D202-4B4D-B1BD-8BA6965FBEF5}"/>
+              </a:ext>
+              <a:ext uri="{C183D7F6-B498-43B3-948B-1728B52AA6E4}">
+                <adec:decorative xmlns:adec="http://schemas.microsoft.com/office/drawing/2017/decorative" val="1"/>
+              </a:ext>
+            </a:extLst>
+          </p:cNvPr>
+          <p:cNvSpPr>
+            <a:spLocks noGrp="1" noRot="1" noChangeAspect="1" noMove="1" noResize="1" noEditPoints="1" noAdjustHandles="1" noChangeArrowheads="1" noChangeShapeType="1" noTextEdit="1"/>
+          </p:cNvSpPr>
+          <p:nvPr>
+            <p:extLst>
+              <p:ext uri="{386F3935-93C4-4BCD-93E2-E3B085C9AB24}">
+                <p16:designElem xmlns:p16="http://schemas.microsoft.com/office/powerpoint/2015/main" val="1"/>
+              </p:ext>
+            </p:extLst>
+          </p:nvPr>
+        </p:nvSpPr>
+        <p:spPr>
+          <a:xfrm>
+            <a:off x="0" y="-1"/>
+            <a:ext cx="11292840" cy="6858001"/>
+          </a:xfrm>
+          <a:prstGeom prst="rect">
+            <a:avLst/>
+          </a:prstGeom>
+          <a:solidFill>
+            <a:schemeClr val="tx1"/>
+          </a:solidFill>
+          <a:ln>
+            <a:noFill/>
+          </a:ln>
+        </p:spPr>
+        <p:style>
+          <a:lnRef idx="2">
+            <a:schemeClr val="accent1">
+              <a:shade val="50000"/>
+            </a:schemeClr>
+          </a:lnRef>
+          <a:fillRef idx="1">
+            <a:schemeClr val="accent1"/>
+          </a:fillRef>
+          <a:effectRef idx="0">
+            <a:schemeClr val="accent1"/>
+          </a:effectRef>
+          <a:fontRef idx="minor">
+            <a:schemeClr val="lt1"/>
+          </a:fontRef>
+        </p:style>
+        <p:txBody>
+          <a:bodyPr rtlCol="0" anchor="ctr"/>
+          <a:lstStyle/>
+          <a:p>
+            <a:pPr algn="ctr"/>
+            <a:endParaRPr lang="en-US"/>
+          </a:p>
+        </p:txBody>
+      </p:sp>
+      <p:pic>
+        <p:nvPicPr>
+          <p:cNvPr id="4" name="Picture 4" descr="Maze">
+            <a:extLst>
+              <a:ext uri="{FF2B5EF4-FFF2-40B4-BE49-F238E27FC236}">
+                <a16:creationId xmlns:a16="http://schemas.microsoft.com/office/drawing/2014/main" id="{C8005455-DE52-4166-891D-E22990B7B159}"/>
+              </a:ext>
+            </a:extLst>
+          </p:cNvPr>
+          <p:cNvPicPr>
+            <a:picLocks noChangeAspect="1"/>
+          </p:cNvPicPr>
+          <p:nvPr/>
+        </p:nvPicPr>
+        <p:blipFill rotWithShape="1">
+          <a:blip r:embed="rId2">
+            <a:alphaModFix amt="35000"/>
+          </a:blip>
+          <a:srcRect t="9021"/>
+          <a:stretch/>
+        </p:blipFill>
+        <p:spPr>
+          <a:xfrm>
+            <a:off x="20" y="10"/>
+            <a:ext cx="11292820" cy="6857990"/>
+          </a:xfrm>
+          <a:prstGeom prst="rect">
+            <a:avLst/>
+          </a:prstGeom>
+        </p:spPr>
+      </p:pic>
+      <p:sp>
+        <p:nvSpPr>
+          <p:cNvPr id="2" name="Titolo 1">
+            <a:extLst>
+              <a:ext uri="{FF2B5EF4-FFF2-40B4-BE49-F238E27FC236}">
+                <a16:creationId xmlns:a16="http://schemas.microsoft.com/office/drawing/2014/main" id="{D02D210C-DC25-442C-A0DC-2021B3ABC932}"/>
+              </a:ext>
+            </a:extLst>
+          </p:cNvPr>
+          <p:cNvSpPr>
+            <a:spLocks noGrp="1"/>
+          </p:cNvSpPr>
+          <p:nvPr>
+            <p:ph type="title"/>
+          </p:nvPr>
+        </p:nvSpPr>
+        <p:spPr>
+          <a:xfrm>
+            <a:off x="1261872" y="365760"/>
+            <a:ext cx="9692640" cy="1325562"/>
+          </a:xfrm>
+        </p:spPr>
+        <p:txBody>
+          <a:bodyPr>
+            <a:normAutofit/>
+          </a:bodyPr>
+          <a:lstStyle/>
+          <a:p>
+            <a:r>
+              <a:rPr lang="it-IT">
+                <a:solidFill>
+                  <a:schemeClr val="bg1"/>
+                </a:solidFill>
+              </a:rPr>
+              <a:t>Learning to travel</a:t>
+            </a:r>
+          </a:p>
+        </p:txBody>
+      </p:sp>
+      <p:sp>
+        <p:nvSpPr>
+          <p:cNvPr id="3" name="Segnaposto contenuto 2">
+            <a:extLst>
+              <a:ext uri="{FF2B5EF4-FFF2-40B4-BE49-F238E27FC236}">
+                <a16:creationId xmlns:a16="http://schemas.microsoft.com/office/drawing/2014/main" id="{C6D47933-B121-49D1-9D84-21CF203209CD}"/>
+              </a:ext>
+            </a:extLst>
+          </p:cNvPr>
+          <p:cNvSpPr>
+            <a:spLocks noGrp="1"/>
+          </p:cNvSpPr>
+          <p:nvPr>
+            <p:ph idx="1"/>
+          </p:nvPr>
+        </p:nvSpPr>
+        <p:spPr>
+          <a:xfrm>
+            <a:off x="1261872" y="2005739"/>
+            <a:ext cx="8595360" cy="4174398"/>
+          </a:xfrm>
+        </p:spPr>
+        <p:txBody>
+          <a:bodyPr>
+            <a:normAutofit lnSpcReduction="10000"/>
+          </a:bodyPr>
+          <a:lstStyle/>
+          <a:p>
+            <a:r>
+              <a:rPr lang="it-IT" sz="1700" b="1" dirty="0">
+                <a:solidFill>
+                  <a:schemeClr val="bg1"/>
+                </a:solidFill>
+              </a:rPr>
+              <a:t>Goal: </a:t>
+            </a:r>
+            <a:r>
+              <a:rPr lang="it-IT" sz="1700" dirty="0" err="1">
+                <a:solidFill>
+                  <a:schemeClr val="bg1"/>
+                </a:solidFill>
+              </a:rPr>
+              <a:t>Learn</a:t>
+            </a:r>
+            <a:r>
+              <a:rPr lang="it-IT" sz="1700" dirty="0">
+                <a:solidFill>
+                  <a:schemeClr val="bg1"/>
+                </a:solidFill>
+              </a:rPr>
+              <a:t> to </a:t>
+            </a:r>
+            <a:r>
+              <a:rPr lang="it-IT" sz="1700" dirty="0" err="1">
+                <a:solidFill>
+                  <a:schemeClr val="bg1"/>
+                </a:solidFill>
+              </a:rPr>
+              <a:t>move</a:t>
+            </a:r>
+            <a:r>
+              <a:rPr lang="it-IT" sz="1700" dirty="0">
+                <a:solidFill>
+                  <a:schemeClr val="bg1"/>
+                </a:solidFill>
+              </a:rPr>
+              <a:t> from </a:t>
+            </a:r>
+            <a:r>
+              <a:rPr lang="it-IT" sz="1700" dirty="0" err="1">
+                <a:solidFill>
+                  <a:schemeClr val="bg1"/>
+                </a:solidFill>
+              </a:rPr>
+              <a:t>two</a:t>
+            </a:r>
+            <a:r>
+              <a:rPr lang="it-IT" sz="1700" dirty="0">
+                <a:solidFill>
+                  <a:schemeClr val="bg1"/>
+                </a:solidFill>
+              </a:rPr>
+              <a:t> </a:t>
+            </a:r>
+            <a:r>
+              <a:rPr lang="it-IT" sz="1700" dirty="0" err="1">
+                <a:solidFill>
+                  <a:schemeClr val="bg1"/>
+                </a:solidFill>
+              </a:rPr>
+              <a:t>distant</a:t>
+            </a:r>
+            <a:r>
+              <a:rPr lang="it-IT" sz="1700" dirty="0">
+                <a:solidFill>
+                  <a:schemeClr val="bg1"/>
+                </a:solidFill>
+              </a:rPr>
+              <a:t> </a:t>
+            </a:r>
+            <a:r>
+              <a:rPr lang="it-IT" sz="1700" dirty="0" err="1">
+                <a:solidFill>
+                  <a:schemeClr val="bg1"/>
+                </a:solidFill>
+              </a:rPr>
+              <a:t>cells</a:t>
+            </a:r>
+            <a:r>
+              <a:rPr lang="it-IT" sz="1700" dirty="0">
+                <a:solidFill>
+                  <a:schemeClr val="bg1"/>
+                </a:solidFill>
+              </a:rPr>
+              <a:t> in the </a:t>
+            </a:r>
+            <a:r>
+              <a:rPr lang="it-IT" sz="1700" dirty="0" err="1">
+                <a:solidFill>
+                  <a:schemeClr val="bg1"/>
+                </a:solidFill>
+              </a:rPr>
+              <a:t>Maze</a:t>
+            </a:r>
+            <a:r>
+              <a:rPr lang="it-IT" sz="1700" dirty="0">
+                <a:solidFill>
+                  <a:schemeClr val="bg1"/>
+                </a:solidFill>
+              </a:rPr>
+              <a:t> </a:t>
+            </a:r>
+            <a:r>
+              <a:rPr lang="it-IT" sz="1700" dirty="0" err="1">
+                <a:solidFill>
+                  <a:schemeClr val="bg1"/>
+                </a:solidFill>
+              </a:rPr>
+              <a:t>without</a:t>
+            </a:r>
+            <a:r>
+              <a:rPr lang="it-IT" sz="1700" dirty="0">
+                <a:solidFill>
+                  <a:schemeClr val="bg1"/>
+                </a:solidFill>
+              </a:rPr>
+              <a:t> </a:t>
+            </a:r>
+            <a:r>
+              <a:rPr lang="it-IT" sz="1700" dirty="0" err="1">
+                <a:solidFill>
+                  <a:schemeClr val="bg1"/>
+                </a:solidFill>
+              </a:rPr>
+              <a:t>going</a:t>
+            </a:r>
+            <a:r>
+              <a:rPr lang="it-IT" sz="1700" dirty="0">
+                <a:solidFill>
+                  <a:schemeClr val="bg1"/>
+                </a:solidFill>
+              </a:rPr>
+              <a:t> </a:t>
+            </a:r>
+            <a:r>
+              <a:rPr lang="it-IT" sz="1700" dirty="0" err="1">
+                <a:solidFill>
+                  <a:schemeClr val="bg1"/>
+                </a:solidFill>
+              </a:rPr>
+              <a:t>through</a:t>
+            </a:r>
+            <a:r>
+              <a:rPr lang="it-IT" sz="1700" dirty="0">
+                <a:solidFill>
+                  <a:schemeClr val="bg1"/>
+                </a:solidFill>
+              </a:rPr>
+              <a:t> </a:t>
+            </a:r>
+            <a:r>
+              <a:rPr lang="it-IT" sz="1700" dirty="0" err="1">
+                <a:solidFill>
+                  <a:schemeClr val="bg1"/>
+                </a:solidFill>
+              </a:rPr>
+              <a:t>illegal</a:t>
+            </a:r>
+            <a:r>
+              <a:rPr lang="it-IT" sz="1700" dirty="0">
+                <a:solidFill>
+                  <a:schemeClr val="bg1"/>
+                </a:solidFill>
+              </a:rPr>
+              <a:t> </a:t>
+            </a:r>
+            <a:r>
+              <a:rPr lang="it-IT" sz="1700" dirty="0" err="1">
+                <a:solidFill>
+                  <a:schemeClr val="bg1"/>
+                </a:solidFill>
+              </a:rPr>
+              <a:t>cells</a:t>
+            </a:r>
+            <a:r>
+              <a:rPr lang="it-IT" sz="1700" dirty="0">
+                <a:solidFill>
+                  <a:schemeClr val="bg1"/>
+                </a:solidFill>
+              </a:rPr>
+              <a:t>. (Predicate </a:t>
+            </a:r>
+            <a:r>
+              <a:rPr lang="it-IT" sz="1700" dirty="0" err="1">
+                <a:solidFill>
+                  <a:schemeClr val="bg1"/>
+                </a:solidFill>
+                <a:latin typeface="Courier New" panose="02070309020205020404" pitchFamily="49" charset="0"/>
+                <a:cs typeface="Courier New" panose="02070309020205020404" pitchFamily="49" charset="0"/>
+              </a:rPr>
+              <a:t>reach</a:t>
+            </a:r>
+            <a:r>
+              <a:rPr lang="it-IT" sz="1700" dirty="0">
+                <a:solidFill>
+                  <a:schemeClr val="bg1"/>
+                </a:solidFill>
+                <a:latin typeface="Courier New" panose="02070309020205020404" pitchFamily="49" charset="0"/>
+                <a:cs typeface="Courier New" panose="02070309020205020404" pitchFamily="49" charset="0"/>
+              </a:rPr>
+              <a:t>/2</a:t>
+            </a:r>
+            <a:r>
+              <a:rPr lang="it-IT" sz="1700" dirty="0">
+                <a:solidFill>
+                  <a:schemeClr val="bg1"/>
+                </a:solidFill>
+              </a:rPr>
+              <a:t>).</a:t>
+            </a:r>
+          </a:p>
+          <a:p>
+            <a:r>
+              <a:rPr lang="it-IT" sz="1700" b="1" dirty="0">
+                <a:solidFill>
+                  <a:schemeClr val="bg1"/>
+                </a:solidFill>
+              </a:rPr>
+              <a:t>Background Knowledge:</a:t>
+            </a:r>
+          </a:p>
+          <a:p>
+            <a:pPr lvl="1"/>
+            <a:r>
+              <a:rPr lang="it-IT" sz="1700" dirty="0" err="1">
+                <a:solidFill>
+                  <a:schemeClr val="bg1"/>
+                </a:solidFill>
+                <a:latin typeface="Courier New" panose="02070309020205020404" pitchFamily="49" charset="0"/>
+                <a:cs typeface="Courier New" panose="02070309020205020404" pitchFamily="49" charset="0"/>
+              </a:rPr>
+              <a:t>move</a:t>
+            </a:r>
+            <a:r>
+              <a:rPr lang="it-IT" sz="1700" dirty="0">
+                <a:solidFill>
+                  <a:schemeClr val="bg1"/>
+                </a:solidFill>
+                <a:latin typeface="Courier New" panose="02070309020205020404" pitchFamily="49" charset="0"/>
+                <a:cs typeface="Courier New" panose="02070309020205020404" pitchFamily="49" charset="0"/>
+              </a:rPr>
+              <a:t>/2 </a:t>
+            </a:r>
+            <a:r>
+              <a:rPr lang="it-IT" sz="1700" dirty="0">
+                <a:solidFill>
+                  <a:schemeClr val="bg1"/>
+                </a:solidFill>
+                <a:cs typeface="Courier New" panose="02070309020205020404" pitchFamily="49" charset="0"/>
+              </a:rPr>
+              <a:t>(</a:t>
+            </a:r>
+            <a:r>
+              <a:rPr lang="it-IT" sz="1700" dirty="0" err="1">
+                <a:solidFill>
+                  <a:schemeClr val="bg1"/>
+                </a:solidFill>
+                <a:cs typeface="Courier New" panose="02070309020205020404" pitchFamily="49" charset="0"/>
+              </a:rPr>
+              <a:t>Learned</a:t>
+            </a:r>
+            <a:r>
+              <a:rPr lang="it-IT" sz="1700" dirty="0">
+                <a:solidFill>
+                  <a:schemeClr val="bg1"/>
+                </a:solidFill>
+                <a:cs typeface="Courier New" panose="02070309020205020404" pitchFamily="49" charset="0"/>
+              </a:rPr>
+              <a:t> from </a:t>
+            </a:r>
+            <a:r>
+              <a:rPr lang="it-IT" sz="1700" i="1" dirty="0">
+                <a:solidFill>
+                  <a:schemeClr val="bg1"/>
+                </a:solidFill>
+                <a:cs typeface="Courier New" panose="02070309020205020404" pitchFamily="49" charset="0"/>
+              </a:rPr>
+              <a:t>«</a:t>
+            </a:r>
+            <a:r>
+              <a:rPr lang="it-IT" sz="1700" i="1" dirty="0" err="1">
+                <a:solidFill>
+                  <a:schemeClr val="bg1"/>
+                </a:solidFill>
+                <a:cs typeface="Courier New" panose="02070309020205020404" pitchFamily="49" charset="0"/>
+              </a:rPr>
+              <a:t>learning_to_walk</a:t>
+            </a:r>
+            <a:r>
+              <a:rPr lang="it-IT" sz="1700" i="1" dirty="0">
+                <a:solidFill>
+                  <a:schemeClr val="bg1"/>
+                </a:solidFill>
+                <a:cs typeface="Courier New" panose="02070309020205020404" pitchFamily="49" charset="0"/>
+              </a:rPr>
+              <a:t>»).</a:t>
+            </a:r>
+          </a:p>
+          <a:p>
+            <a:r>
+              <a:rPr lang="it-IT" sz="1700" b="1" dirty="0" err="1">
+                <a:solidFill>
+                  <a:schemeClr val="bg1"/>
+                </a:solidFill>
+                <a:cs typeface="Courier New" panose="02070309020205020404" pitchFamily="49" charset="0"/>
+              </a:rPr>
+              <a:t>Metarules</a:t>
+            </a:r>
+            <a:r>
+              <a:rPr lang="it-IT" sz="1700" b="1" dirty="0">
+                <a:solidFill>
+                  <a:schemeClr val="bg1"/>
+                </a:solidFill>
+                <a:cs typeface="Courier New" panose="02070309020205020404" pitchFamily="49" charset="0"/>
+              </a:rPr>
+              <a:t>:</a:t>
+            </a:r>
+          </a:p>
+          <a:p>
+            <a:pPr lvl="1"/>
+            <a:r>
+              <a:rPr lang="it-IT" sz="1700" dirty="0" err="1">
+                <a:solidFill>
+                  <a:schemeClr val="bg1"/>
+                </a:solidFill>
+                <a:latin typeface="Courier New" panose="02070309020205020404" pitchFamily="49" charset="0"/>
+                <a:cs typeface="Courier New" panose="02070309020205020404" pitchFamily="49" charset="0"/>
+              </a:rPr>
+              <a:t>metarule</a:t>
+            </a:r>
+            <a:r>
+              <a:rPr lang="it-IT" sz="1700" dirty="0">
+                <a:solidFill>
+                  <a:schemeClr val="bg1"/>
+                </a:solidFill>
+                <a:latin typeface="Courier New" panose="02070309020205020404" pitchFamily="49" charset="0"/>
+                <a:cs typeface="Courier New" panose="02070309020205020404" pitchFamily="49" charset="0"/>
+              </a:rPr>
+              <a:t>(</a:t>
+            </a:r>
+            <a:r>
+              <a:rPr lang="it-IT" sz="1700" dirty="0" err="1">
+                <a:solidFill>
+                  <a:schemeClr val="bg1"/>
+                </a:solidFill>
+                <a:latin typeface="Courier New" panose="02070309020205020404" pitchFamily="49" charset="0"/>
+                <a:cs typeface="Courier New" panose="02070309020205020404" pitchFamily="49" charset="0"/>
+              </a:rPr>
+              <a:t>recursion</a:t>
+            </a:r>
+            <a:r>
+              <a:rPr lang="it-IT" sz="1700" dirty="0">
+                <a:solidFill>
+                  <a:schemeClr val="bg1"/>
+                </a:solidFill>
+                <a:latin typeface="Courier New" panose="02070309020205020404" pitchFamily="49" charset="0"/>
+                <a:cs typeface="Courier New" panose="02070309020205020404" pitchFamily="49" charset="0"/>
+              </a:rPr>
+              <a:t>, [P,Q], [P,A,B], [[Q,A,C], [P,C,B]]).</a:t>
+            </a:r>
+          </a:p>
+          <a:p>
+            <a:pPr lvl="1"/>
+            <a:r>
+              <a:rPr lang="it-IT" sz="1700" dirty="0" err="1">
+                <a:solidFill>
+                  <a:schemeClr val="bg1"/>
+                </a:solidFill>
+                <a:latin typeface="Courier New" panose="02070309020205020404" pitchFamily="49" charset="0"/>
+                <a:cs typeface="Courier New" panose="02070309020205020404" pitchFamily="49" charset="0"/>
+              </a:rPr>
+              <a:t>metarule</a:t>
+            </a:r>
+            <a:r>
+              <a:rPr lang="it-IT" sz="1700" dirty="0">
+                <a:solidFill>
+                  <a:schemeClr val="bg1"/>
+                </a:solidFill>
+                <a:latin typeface="Courier New" panose="02070309020205020404" pitchFamily="49" charset="0"/>
+                <a:cs typeface="Courier New" panose="02070309020205020404" pitchFamily="49" charset="0"/>
+              </a:rPr>
+              <a:t>(</a:t>
+            </a:r>
+            <a:r>
+              <a:rPr lang="it-IT" sz="1700" dirty="0" err="1">
+                <a:solidFill>
+                  <a:schemeClr val="bg1"/>
+                </a:solidFill>
+                <a:latin typeface="Courier New" panose="02070309020205020404" pitchFamily="49" charset="0"/>
+                <a:cs typeface="Courier New" panose="02070309020205020404" pitchFamily="49" charset="0"/>
+              </a:rPr>
+              <a:t>ident</a:t>
+            </a:r>
+            <a:r>
+              <a:rPr lang="it-IT" sz="1700" dirty="0">
+                <a:solidFill>
+                  <a:schemeClr val="bg1"/>
+                </a:solidFill>
+                <a:latin typeface="Courier New" panose="02070309020205020404" pitchFamily="49" charset="0"/>
+                <a:cs typeface="Courier New" panose="02070309020205020404" pitchFamily="49" charset="0"/>
+              </a:rPr>
+              <a:t>, [P,Q], [P,A,B], [[Q,A,B]]).</a:t>
+            </a:r>
+          </a:p>
+          <a:p>
+            <a:r>
+              <a:rPr lang="it-IT" sz="1700" b="1" dirty="0">
+                <a:solidFill>
+                  <a:schemeClr val="bg1"/>
+                </a:solidFill>
+                <a:cs typeface="Courier New" panose="02070309020205020404" pitchFamily="49" charset="0"/>
+              </a:rPr>
+              <a:t>Positive </a:t>
+            </a:r>
+            <a:r>
+              <a:rPr lang="it-IT" sz="1700" b="1" dirty="0" err="1">
+                <a:solidFill>
+                  <a:schemeClr val="bg1"/>
+                </a:solidFill>
+                <a:cs typeface="Courier New" panose="02070309020205020404" pitchFamily="49" charset="0"/>
+              </a:rPr>
+              <a:t>examples</a:t>
+            </a:r>
+            <a:r>
+              <a:rPr lang="it-IT" sz="1700" b="1" dirty="0">
+                <a:solidFill>
+                  <a:schemeClr val="bg1"/>
+                </a:solidFill>
+                <a:cs typeface="Courier New" panose="02070309020205020404" pitchFamily="49" charset="0"/>
+              </a:rPr>
+              <a:t>:</a:t>
+            </a:r>
+          </a:p>
+          <a:p>
+            <a:pPr lvl="1"/>
+            <a:r>
+              <a:rPr lang="en-US" sz="1700" dirty="0">
+                <a:solidFill>
+                  <a:schemeClr val="bg1"/>
+                </a:solidFill>
+                <a:latin typeface="Courier New" panose="02070309020205020404" pitchFamily="49" charset="0"/>
+                <a:cs typeface="Courier New" panose="02070309020205020404" pitchFamily="49" charset="0"/>
+              </a:rPr>
+              <a:t>reach((1,1), (2,1)).</a:t>
+            </a:r>
+          </a:p>
+          <a:p>
+            <a:pPr lvl="1"/>
+            <a:r>
+              <a:rPr lang="en-US" sz="1700" dirty="0">
+                <a:solidFill>
+                  <a:schemeClr val="bg1"/>
+                </a:solidFill>
+                <a:latin typeface="Courier New" panose="02070309020205020404" pitchFamily="49" charset="0"/>
+                <a:cs typeface="Courier New" panose="02070309020205020404" pitchFamily="49" charset="0"/>
+              </a:rPr>
+              <a:t>reach((1,1), (2,5)).</a:t>
+            </a:r>
+          </a:p>
+          <a:p>
+            <a:r>
+              <a:rPr lang="en-US" sz="1700" b="1" dirty="0">
+                <a:solidFill>
+                  <a:schemeClr val="bg1"/>
+                </a:solidFill>
+                <a:cs typeface="Courier New" panose="02070309020205020404" pitchFamily="49" charset="0"/>
+              </a:rPr>
+              <a:t>Negative examples:</a:t>
+            </a:r>
+          </a:p>
+          <a:p>
+            <a:pPr lvl="1"/>
+            <a:r>
+              <a:rPr lang="it-IT" sz="1700" u="sng" dirty="0">
+                <a:solidFill>
+                  <a:schemeClr val="bg1"/>
+                </a:solidFill>
+                <a:effectLst/>
+              </a:rPr>
+              <a:t>NONE</a:t>
+            </a:r>
+            <a:r>
+              <a:rPr lang="it-IT" sz="1700" dirty="0">
+                <a:solidFill>
+                  <a:schemeClr val="bg1"/>
+                </a:solidFill>
+                <a:effectLst/>
+              </a:rPr>
+              <a:t>: </a:t>
+            </a:r>
+            <a:r>
+              <a:rPr lang="it-IT" sz="1700" dirty="0" err="1">
+                <a:solidFill>
+                  <a:schemeClr val="bg1"/>
+                </a:solidFill>
+                <a:effectLst/>
+              </a:rPr>
+              <a:t>Illegal</a:t>
+            </a:r>
+            <a:r>
+              <a:rPr lang="it-IT" sz="1700" dirty="0">
+                <a:solidFill>
+                  <a:schemeClr val="bg1"/>
+                </a:solidFill>
+                <a:effectLst/>
+              </a:rPr>
+              <a:t> </a:t>
+            </a:r>
+            <a:r>
+              <a:rPr lang="it-IT" sz="1700" dirty="0" err="1">
+                <a:solidFill>
+                  <a:schemeClr val="bg1"/>
+                </a:solidFill>
+                <a:effectLst/>
+              </a:rPr>
+              <a:t>behaviour</a:t>
+            </a:r>
+            <a:r>
+              <a:rPr lang="it-IT" sz="1700" dirty="0">
+                <a:solidFill>
+                  <a:schemeClr val="bg1"/>
+                </a:solidFill>
+                <a:effectLst/>
+              </a:rPr>
+              <a:t> </a:t>
+            </a:r>
+            <a:r>
+              <a:rPr lang="it-IT" sz="1700" dirty="0" err="1">
+                <a:solidFill>
+                  <a:schemeClr val="bg1"/>
+                </a:solidFill>
+                <a:effectLst/>
+              </a:rPr>
+              <a:t>is</a:t>
+            </a:r>
+            <a:r>
+              <a:rPr lang="it-IT" sz="1700" dirty="0">
+                <a:solidFill>
+                  <a:schemeClr val="bg1"/>
+                </a:solidFill>
+                <a:effectLst/>
+              </a:rPr>
+              <a:t> </a:t>
+            </a:r>
+            <a:r>
+              <a:rPr lang="it-IT" sz="1700" dirty="0" err="1">
+                <a:solidFill>
+                  <a:schemeClr val="bg1"/>
+                </a:solidFill>
+                <a:effectLst/>
+              </a:rPr>
+              <a:t>already</a:t>
+            </a:r>
+            <a:r>
+              <a:rPr lang="it-IT" sz="1700" dirty="0">
+                <a:solidFill>
+                  <a:schemeClr val="bg1"/>
+                </a:solidFill>
+                <a:effectLst/>
+              </a:rPr>
+              <a:t> </a:t>
+            </a:r>
+            <a:r>
+              <a:rPr lang="it-IT" sz="1700" dirty="0" err="1">
+                <a:solidFill>
+                  <a:schemeClr val="bg1"/>
+                </a:solidFill>
+                <a:effectLst/>
+              </a:rPr>
+              <a:t>forbidden</a:t>
+            </a:r>
+            <a:r>
+              <a:rPr lang="it-IT" sz="1700" dirty="0">
+                <a:solidFill>
+                  <a:schemeClr val="bg1"/>
+                </a:solidFill>
+                <a:effectLst/>
+              </a:rPr>
+              <a:t> by the background knowledge.</a:t>
+            </a:r>
+            <a:endParaRPr lang="it-IT" sz="1700" b="1" u="sng" dirty="0">
+              <a:solidFill>
+                <a:schemeClr val="bg1"/>
+              </a:solidFill>
+              <a:cs typeface="Courier New" panose="02070309020205020404" pitchFamily="49" charset="0"/>
+            </a:endParaRPr>
+          </a:p>
+        </p:txBody>
+      </p:sp>
+    </p:spTree>
+    <p:extLst>
+      <p:ext uri="{BB962C8B-B14F-4D97-AF65-F5344CB8AC3E}">
+        <p14:creationId xmlns:p14="http://schemas.microsoft.com/office/powerpoint/2010/main" val="257936271"/>
       </p:ext>
     </p:extLst>
   </p:cSld>

--- a/ATAI_Presentation.pptx
+++ b/ATAI_Presentation.pptx
@@ -13,9 +13,10 @@
     <p:sldId id="262" r:id="rId7"/>
     <p:sldId id="263" r:id="rId8"/>
     <p:sldId id="264" r:id="rId9"/>
-    <p:sldId id="265" r:id="rId10"/>
-    <p:sldId id="266" r:id="rId11"/>
-    <p:sldId id="267" r:id="rId12"/>
+    <p:sldId id="269" r:id="rId10"/>
+    <p:sldId id="265" r:id="rId11"/>
+    <p:sldId id="266" r:id="rId12"/>
+    <p:sldId id="267" r:id="rId13"/>
   </p:sldIdLst>
   <p:sldSz cx="12192000" cy="6858000"/>
   <p:notesSz cx="6858000" cy="9144000"/>
@@ -125,6 +126,7 @@
 <file path=ppt/revisionInfo.xml><?xml version="1.0" encoding="utf-8"?>
 <p1510:revInfo xmlns:a="http://schemas.openxmlformats.org/drawingml/2006/main" xmlns:r="http://schemas.openxmlformats.org/officeDocument/2006/relationships" xmlns:p1510="http://schemas.microsoft.com/office/powerpoint/2015/10/main">
   <p1510:revLst>
+    <p1510:client id="{82F5C372-4CFF-44C5-9E84-8FD24BAA211C}" v="7" dt="2021-07-03T12:25:34.649"/>
     <p1510:client id="{AB8C1610-9B0F-4A3A-96F9-A0FB1F9855A7}" v="156" dt="2021-07-02T15:39:33.245"/>
   </p1510:revLst>
 </p1510:revInfo>
@@ -892,6 +894,461 @@
           </pc:sldLayoutMkLst>
         </pc:sldLayoutChg>
       </pc:sldMasterChg>
+    </pc:docChg>
+  </pc:docChgLst>
+  <pc:docChgLst>
+    <pc:chgData name="Al ex" userId="1d73023b5acb93cf" providerId="LiveId" clId="{82F5C372-4CFF-44C5-9E84-8FD24BAA211C}"/>
+    <pc:docChg chg="undo custSel addSld delSld modSld">
+      <pc:chgData name="Al ex" userId="1d73023b5acb93cf" providerId="LiveId" clId="{82F5C372-4CFF-44C5-9E84-8FD24BAA211C}" dt="2021-07-03T12:48:55.627" v="818" actId="20577"/>
+      <pc:docMkLst>
+        <pc:docMk/>
+      </pc:docMkLst>
+      <pc:sldChg chg="addSp modSp mod setBg addAnim">
+        <pc:chgData name="Al ex" userId="1d73023b5acb93cf" providerId="LiveId" clId="{82F5C372-4CFF-44C5-9E84-8FD24BAA211C}" dt="2021-07-03T08:41:07.600" v="3"/>
+        <pc:sldMkLst>
+          <pc:docMk/>
+          <pc:sldMk cId="1537395873" sldId="256"/>
+        </pc:sldMkLst>
+        <pc:spChg chg="mod">
+          <ac:chgData name="Al ex" userId="1d73023b5acb93cf" providerId="LiveId" clId="{82F5C372-4CFF-44C5-9E84-8FD24BAA211C}" dt="2021-07-03T08:41:07.588" v="1" actId="26606"/>
+          <ac:spMkLst>
+            <pc:docMk/>
+            <pc:sldMk cId="1537395873" sldId="256"/>
+            <ac:spMk id="2" creationId="{3895AA09-F766-4DFE-BD20-655A07ECC827}"/>
+          </ac:spMkLst>
+        </pc:spChg>
+        <pc:spChg chg="mod">
+          <ac:chgData name="Al ex" userId="1d73023b5acb93cf" providerId="LiveId" clId="{82F5C372-4CFF-44C5-9E84-8FD24BAA211C}" dt="2021-07-03T08:41:07.588" v="1" actId="26606"/>
+          <ac:spMkLst>
+            <pc:docMk/>
+            <pc:sldMk cId="1537395873" sldId="256"/>
+            <ac:spMk id="3" creationId="{4E9D54B6-B566-4C61-8E4E-7CE07AC7324F}"/>
+          </ac:spMkLst>
+        </pc:spChg>
+        <pc:spChg chg="add">
+          <ac:chgData name="Al ex" userId="1d73023b5acb93cf" providerId="LiveId" clId="{82F5C372-4CFF-44C5-9E84-8FD24BAA211C}" dt="2021-07-03T08:41:07.588" v="1" actId="26606"/>
+          <ac:spMkLst>
+            <pc:docMk/>
+            <pc:sldMk cId="1537395873" sldId="256"/>
+            <ac:spMk id="6" creationId="{EFB0C39A-F8CA-4A79-AFFC-E9780FB1991A}"/>
+          </ac:spMkLst>
+        </pc:spChg>
+        <pc:picChg chg="add">
+          <ac:chgData name="Al ex" userId="1d73023b5acb93cf" providerId="LiveId" clId="{82F5C372-4CFF-44C5-9E84-8FD24BAA211C}" dt="2021-07-03T08:41:07.588" v="1" actId="26606"/>
+          <ac:picMkLst>
+            <pc:docMk/>
+            <pc:sldMk cId="1537395873" sldId="256"/>
+            <ac:picMk id="5" creationId="{3AF82119-A12D-46B6-A779-2A08D1B924D6}"/>
+          </ac:picMkLst>
+        </pc:picChg>
+      </pc:sldChg>
+      <pc:sldChg chg="addSp modSp mod setBg addAnim">
+        <pc:chgData name="Al ex" userId="1d73023b5acb93cf" providerId="LiveId" clId="{82F5C372-4CFF-44C5-9E84-8FD24BAA211C}" dt="2021-07-03T12:25:39.253" v="640"/>
+        <pc:sldMkLst>
+          <pc:docMk/>
+          <pc:sldMk cId="2213073460" sldId="261"/>
+        </pc:sldMkLst>
+        <pc:spChg chg="mod">
+          <ac:chgData name="Al ex" userId="1d73023b5acb93cf" providerId="LiveId" clId="{82F5C372-4CFF-44C5-9E84-8FD24BAA211C}" dt="2021-07-03T12:25:39.252" v="639" actId="26606"/>
+          <ac:spMkLst>
+            <pc:docMk/>
+            <pc:sldMk cId="2213073460" sldId="261"/>
+            <ac:spMk id="4" creationId="{C219A1C0-0B46-405B-A2A6-78424FE9EE86}"/>
+          </ac:spMkLst>
+        </pc:spChg>
+        <pc:spChg chg="mod">
+          <ac:chgData name="Al ex" userId="1d73023b5acb93cf" providerId="LiveId" clId="{82F5C372-4CFF-44C5-9E84-8FD24BAA211C}" dt="2021-07-03T12:25:39.252" v="639" actId="26606"/>
+          <ac:spMkLst>
+            <pc:docMk/>
+            <pc:sldMk cId="2213073460" sldId="261"/>
+            <ac:spMk id="5" creationId="{1B09F84D-3E3B-4CFC-B045-25FEB4890D73}"/>
+          </ac:spMkLst>
+        </pc:spChg>
+        <pc:spChg chg="add">
+          <ac:chgData name="Al ex" userId="1d73023b5acb93cf" providerId="LiveId" clId="{82F5C372-4CFF-44C5-9E84-8FD24BAA211C}" dt="2021-07-03T12:25:39.252" v="639" actId="26606"/>
+          <ac:spMkLst>
+            <pc:docMk/>
+            <pc:sldMk cId="2213073460" sldId="261"/>
+            <ac:spMk id="11" creationId="{EFB0C39A-F8CA-4A79-AFFC-E9780FB1991A}"/>
+          </ac:spMkLst>
+        </pc:spChg>
+        <pc:picChg chg="add mod ord">
+          <ac:chgData name="Al ex" userId="1d73023b5acb93cf" providerId="LiveId" clId="{82F5C372-4CFF-44C5-9E84-8FD24BAA211C}" dt="2021-07-03T12:25:39.252" v="639" actId="26606"/>
+          <ac:picMkLst>
+            <pc:docMk/>
+            <pc:sldMk cId="2213073460" sldId="261"/>
+            <ac:picMk id="6" creationId="{00B765B8-CA0E-4C93-B142-9CF3FF5465A4}"/>
+          </ac:picMkLst>
+        </pc:picChg>
+      </pc:sldChg>
+      <pc:sldChg chg="addSp modSp mod">
+        <pc:chgData name="Al ex" userId="1d73023b5acb93cf" providerId="LiveId" clId="{82F5C372-4CFF-44C5-9E84-8FD24BAA211C}" dt="2021-07-03T12:21:54.013" v="612" actId="27636"/>
+        <pc:sldMkLst>
+          <pc:docMk/>
+          <pc:sldMk cId="2664905817" sldId="262"/>
+        </pc:sldMkLst>
+        <pc:spChg chg="mod ord">
+          <ac:chgData name="Al ex" userId="1d73023b5acb93cf" providerId="LiveId" clId="{82F5C372-4CFF-44C5-9E84-8FD24BAA211C}" dt="2021-07-03T12:21:53.977" v="611" actId="26606"/>
+          <ac:spMkLst>
+            <pc:docMk/>
+            <pc:sldMk cId="2664905817" sldId="262"/>
+            <ac:spMk id="2" creationId="{961205A0-A20A-460D-BF41-0547177EC004}"/>
+          </ac:spMkLst>
+        </pc:spChg>
+        <pc:spChg chg="mod">
+          <ac:chgData name="Al ex" userId="1d73023b5acb93cf" providerId="LiveId" clId="{82F5C372-4CFF-44C5-9E84-8FD24BAA211C}" dt="2021-07-03T12:21:54.013" v="612" actId="27636"/>
+          <ac:spMkLst>
+            <pc:docMk/>
+            <pc:sldMk cId="2664905817" sldId="262"/>
+            <ac:spMk id="3" creationId="{BCDD5A86-9E2C-47B9-9ED6-667DF1173A9E}"/>
+          </ac:spMkLst>
+        </pc:spChg>
+        <pc:spChg chg="add">
+          <ac:chgData name="Al ex" userId="1d73023b5acb93cf" providerId="LiveId" clId="{82F5C372-4CFF-44C5-9E84-8FD24BAA211C}" dt="2021-07-03T12:21:53.977" v="611" actId="26606"/>
+          <ac:spMkLst>
+            <pc:docMk/>
+            <pc:sldMk cId="2664905817" sldId="262"/>
+            <ac:spMk id="6" creationId="{9163A971-857A-4D4D-B458-BADAF926FFCC}"/>
+          </ac:spMkLst>
+        </pc:spChg>
+        <pc:picChg chg="mod">
+          <ac:chgData name="Al ex" userId="1d73023b5acb93cf" providerId="LiveId" clId="{82F5C372-4CFF-44C5-9E84-8FD24BAA211C}" dt="2021-07-03T12:21:53.977" v="611" actId="26606"/>
+          <ac:picMkLst>
+            <pc:docMk/>
+            <pc:sldMk cId="2664905817" sldId="262"/>
+            <ac:picMk id="4" creationId="{F5C4AB35-6373-45C6-8803-7349E7B6A6A9}"/>
+          </ac:picMkLst>
+        </pc:picChg>
+      </pc:sldChg>
+      <pc:sldChg chg="addSp delSp modSp mod">
+        <pc:chgData name="Al ex" userId="1d73023b5acb93cf" providerId="LiveId" clId="{82F5C372-4CFF-44C5-9E84-8FD24BAA211C}" dt="2021-07-03T12:26:47.203" v="645" actId="20577"/>
+        <pc:sldMkLst>
+          <pc:docMk/>
+          <pc:sldMk cId="4194125777" sldId="263"/>
+        </pc:sldMkLst>
+        <pc:spChg chg="mod">
+          <ac:chgData name="Al ex" userId="1d73023b5acb93cf" providerId="LiveId" clId="{82F5C372-4CFF-44C5-9E84-8FD24BAA211C}" dt="2021-07-03T12:21:59.774" v="613" actId="26606"/>
+          <ac:spMkLst>
+            <pc:docMk/>
+            <pc:sldMk cId="4194125777" sldId="263"/>
+            <ac:spMk id="2" creationId="{0A12707C-3206-4993-9DBE-17D9EACB1C00}"/>
+          </ac:spMkLst>
+        </pc:spChg>
+        <pc:spChg chg="mod">
+          <ac:chgData name="Al ex" userId="1d73023b5acb93cf" providerId="LiveId" clId="{82F5C372-4CFF-44C5-9E84-8FD24BAA211C}" dt="2021-07-03T12:26:47.203" v="645" actId="20577"/>
+          <ac:spMkLst>
+            <pc:docMk/>
+            <pc:sldMk cId="4194125777" sldId="263"/>
+            <ac:spMk id="3" creationId="{D879B614-B7EF-4C41-B525-645B6994B712}"/>
+          </ac:spMkLst>
+        </pc:spChg>
+        <pc:spChg chg="add">
+          <ac:chgData name="Al ex" userId="1d73023b5acb93cf" providerId="LiveId" clId="{82F5C372-4CFF-44C5-9E84-8FD24BAA211C}" dt="2021-07-03T12:21:59.774" v="613" actId="26606"/>
+          <ac:spMkLst>
+            <pc:docMk/>
+            <pc:sldMk cId="4194125777" sldId="263"/>
+            <ac:spMk id="6" creationId="{9163A971-857A-4D4D-B458-BADAF926FFCC}"/>
+          </ac:spMkLst>
+        </pc:spChg>
+        <pc:spChg chg="add del">
+          <ac:chgData name="Al ex" userId="1d73023b5acb93cf" providerId="LiveId" clId="{82F5C372-4CFF-44C5-9E84-8FD24BAA211C}" dt="2021-07-03T12:21:31.119" v="608" actId="26606"/>
+          <ac:spMkLst>
+            <pc:docMk/>
+            <pc:sldMk cId="4194125777" sldId="263"/>
+            <ac:spMk id="9" creationId="{989683EB-D202-4B4D-B1BD-8BA6965FBEF5}"/>
+          </ac:spMkLst>
+        </pc:spChg>
+        <pc:spChg chg="add del">
+          <ac:chgData name="Al ex" userId="1d73023b5acb93cf" providerId="LiveId" clId="{82F5C372-4CFF-44C5-9E84-8FD24BAA211C}" dt="2021-07-03T12:21:31.088" v="607" actId="26606"/>
+          <ac:spMkLst>
+            <pc:docMk/>
+            <pc:sldMk cId="4194125777" sldId="263"/>
+            <ac:spMk id="14" creationId="{60C2BF78-EE5B-49C7-ADD9-58CDBD13E3AA}"/>
+          </ac:spMkLst>
+        </pc:spChg>
+        <pc:picChg chg="mod ord">
+          <ac:chgData name="Al ex" userId="1d73023b5acb93cf" providerId="LiveId" clId="{82F5C372-4CFF-44C5-9E84-8FD24BAA211C}" dt="2021-07-03T12:21:59.774" v="613" actId="26606"/>
+          <ac:picMkLst>
+            <pc:docMk/>
+            <pc:sldMk cId="4194125777" sldId="263"/>
+            <ac:picMk id="4" creationId="{15FFD1B1-AEEE-4EE4-9047-6C67FEA2BDA9}"/>
+          </ac:picMkLst>
+        </pc:picChg>
+      </pc:sldChg>
+      <pc:sldChg chg="addSp delSp modSp mod">
+        <pc:chgData name="Al ex" userId="1d73023b5acb93cf" providerId="LiveId" clId="{82F5C372-4CFF-44C5-9E84-8FD24BAA211C}" dt="2021-07-03T12:22:05.542" v="616" actId="27636"/>
+        <pc:sldMkLst>
+          <pc:docMk/>
+          <pc:sldMk cId="986449292" sldId="264"/>
+        </pc:sldMkLst>
+        <pc:spChg chg="mod">
+          <ac:chgData name="Al ex" userId="1d73023b5acb93cf" providerId="LiveId" clId="{82F5C372-4CFF-44C5-9E84-8FD24BAA211C}" dt="2021-07-03T12:22:05.515" v="615" actId="26606"/>
+          <ac:spMkLst>
+            <pc:docMk/>
+            <pc:sldMk cId="986449292" sldId="264"/>
+            <ac:spMk id="2" creationId="{77994A76-64F1-4AEE-BC4F-FB664D9A36F7}"/>
+          </ac:spMkLst>
+        </pc:spChg>
+        <pc:spChg chg="mod">
+          <ac:chgData name="Al ex" userId="1d73023b5acb93cf" providerId="LiveId" clId="{82F5C372-4CFF-44C5-9E84-8FD24BAA211C}" dt="2021-07-03T12:22:05.542" v="616" actId="27636"/>
+          <ac:spMkLst>
+            <pc:docMk/>
+            <pc:sldMk cId="986449292" sldId="264"/>
+            <ac:spMk id="3" creationId="{C7D1522B-DD16-4ED0-B890-B3427CE8EB23}"/>
+          </ac:spMkLst>
+        </pc:spChg>
+        <pc:spChg chg="del">
+          <ac:chgData name="Al ex" userId="1d73023b5acb93cf" providerId="LiveId" clId="{82F5C372-4CFF-44C5-9E84-8FD24BAA211C}" dt="2021-07-03T12:22:05.515" v="615" actId="26606"/>
+          <ac:spMkLst>
+            <pc:docMk/>
+            <pc:sldMk cId="986449292" sldId="264"/>
+            <ac:spMk id="9" creationId="{989683EB-D202-4B4D-B1BD-8BA6965FBEF5}"/>
+          </ac:spMkLst>
+        </pc:spChg>
+        <pc:spChg chg="add">
+          <ac:chgData name="Al ex" userId="1d73023b5acb93cf" providerId="LiveId" clId="{82F5C372-4CFF-44C5-9E84-8FD24BAA211C}" dt="2021-07-03T12:22:05.515" v="615" actId="26606"/>
+          <ac:spMkLst>
+            <pc:docMk/>
+            <pc:sldMk cId="986449292" sldId="264"/>
+            <ac:spMk id="14" creationId="{9163A971-857A-4D4D-B458-BADAF926FFCC}"/>
+          </ac:spMkLst>
+        </pc:spChg>
+        <pc:picChg chg="mod">
+          <ac:chgData name="Al ex" userId="1d73023b5acb93cf" providerId="LiveId" clId="{82F5C372-4CFF-44C5-9E84-8FD24BAA211C}" dt="2021-07-03T12:22:05.515" v="615" actId="26606"/>
+          <ac:picMkLst>
+            <pc:docMk/>
+            <pc:sldMk cId="986449292" sldId="264"/>
+            <ac:picMk id="4" creationId="{5511DBA9-FF92-407F-A794-61FC31C5161F}"/>
+          </ac:picMkLst>
+        </pc:picChg>
+      </pc:sldChg>
+      <pc:sldChg chg="addSp delSp modSp mod">
+        <pc:chgData name="Al ex" userId="1d73023b5acb93cf" providerId="LiveId" clId="{82F5C372-4CFF-44C5-9E84-8FD24BAA211C}" dt="2021-07-03T12:48:42.906" v="812" actId="20577"/>
+        <pc:sldMkLst>
+          <pc:docMk/>
+          <pc:sldMk cId="257936271" sldId="265"/>
+        </pc:sldMkLst>
+        <pc:spChg chg="mod">
+          <ac:chgData name="Al ex" userId="1d73023b5acb93cf" providerId="LiveId" clId="{82F5C372-4CFF-44C5-9E84-8FD24BAA211C}" dt="2021-07-03T12:24:49.304" v="634" actId="26606"/>
+          <ac:spMkLst>
+            <pc:docMk/>
+            <pc:sldMk cId="257936271" sldId="265"/>
+            <ac:spMk id="2" creationId="{D02D210C-DC25-442C-A0DC-2021B3ABC932}"/>
+          </ac:spMkLst>
+        </pc:spChg>
+        <pc:spChg chg="mod">
+          <ac:chgData name="Al ex" userId="1d73023b5acb93cf" providerId="LiveId" clId="{82F5C372-4CFF-44C5-9E84-8FD24BAA211C}" dt="2021-07-03T12:48:42.906" v="812" actId="20577"/>
+          <ac:spMkLst>
+            <pc:docMk/>
+            <pc:sldMk cId="257936271" sldId="265"/>
+            <ac:spMk id="3" creationId="{C6D47933-B121-49D1-9D84-21CF203209CD}"/>
+          </ac:spMkLst>
+        </pc:spChg>
+        <pc:spChg chg="del">
+          <ac:chgData name="Al ex" userId="1d73023b5acb93cf" providerId="LiveId" clId="{82F5C372-4CFF-44C5-9E84-8FD24BAA211C}" dt="2021-07-03T12:24:49.304" v="634" actId="26606"/>
+          <ac:spMkLst>
+            <pc:docMk/>
+            <pc:sldMk cId="257936271" sldId="265"/>
+            <ac:spMk id="9" creationId="{989683EB-D202-4B4D-B1BD-8BA6965FBEF5}"/>
+          </ac:spMkLst>
+        </pc:spChg>
+        <pc:spChg chg="add">
+          <ac:chgData name="Al ex" userId="1d73023b5acb93cf" providerId="LiveId" clId="{82F5C372-4CFF-44C5-9E84-8FD24BAA211C}" dt="2021-07-03T12:24:49.304" v="634" actId="26606"/>
+          <ac:spMkLst>
+            <pc:docMk/>
+            <pc:sldMk cId="257936271" sldId="265"/>
+            <ac:spMk id="11" creationId="{9163A971-857A-4D4D-B458-BADAF926FFCC}"/>
+          </ac:spMkLst>
+        </pc:spChg>
+        <pc:picChg chg="mod">
+          <ac:chgData name="Al ex" userId="1d73023b5acb93cf" providerId="LiveId" clId="{82F5C372-4CFF-44C5-9E84-8FD24BAA211C}" dt="2021-07-03T12:24:49.304" v="634" actId="26606"/>
+          <ac:picMkLst>
+            <pc:docMk/>
+            <pc:sldMk cId="257936271" sldId="265"/>
+            <ac:picMk id="4" creationId="{C8005455-DE52-4166-891D-E22990B7B159}"/>
+          </ac:picMkLst>
+        </pc:picChg>
+      </pc:sldChg>
+      <pc:sldChg chg="addSp delSp modSp mod">
+        <pc:chgData name="Al ex" userId="1d73023b5acb93cf" providerId="LiveId" clId="{82F5C372-4CFF-44C5-9E84-8FD24BAA211C}" dt="2021-07-03T12:48:55.627" v="818" actId="20577"/>
+        <pc:sldMkLst>
+          <pc:docMk/>
+          <pc:sldMk cId="1716667692" sldId="266"/>
+        </pc:sldMkLst>
+        <pc:spChg chg="mod">
+          <ac:chgData name="Al ex" userId="1d73023b5acb93cf" providerId="LiveId" clId="{82F5C372-4CFF-44C5-9E84-8FD24BAA211C}" dt="2021-07-03T12:24:53.004" v="636" actId="26606"/>
+          <ac:spMkLst>
+            <pc:docMk/>
+            <pc:sldMk cId="1716667692" sldId="266"/>
+            <ac:spMk id="2" creationId="{53FD79FB-C723-4EE6-843C-33599473613F}"/>
+          </ac:spMkLst>
+        </pc:spChg>
+        <pc:spChg chg="mod">
+          <ac:chgData name="Al ex" userId="1d73023b5acb93cf" providerId="LiveId" clId="{82F5C372-4CFF-44C5-9E84-8FD24BAA211C}" dt="2021-07-03T12:48:55.627" v="818" actId="20577"/>
+          <ac:spMkLst>
+            <pc:docMk/>
+            <pc:sldMk cId="1716667692" sldId="266"/>
+            <ac:spMk id="3" creationId="{7BF06AF6-F9B6-4411-9EF0-4EE6B29F9CBA}"/>
+          </ac:spMkLst>
+        </pc:spChg>
+        <pc:spChg chg="del">
+          <ac:chgData name="Al ex" userId="1d73023b5acb93cf" providerId="LiveId" clId="{82F5C372-4CFF-44C5-9E84-8FD24BAA211C}" dt="2021-07-03T12:24:53.004" v="636" actId="26606"/>
+          <ac:spMkLst>
+            <pc:docMk/>
+            <pc:sldMk cId="1716667692" sldId="266"/>
+            <ac:spMk id="10" creationId="{989683EB-D202-4B4D-B1BD-8BA6965FBEF5}"/>
+          </ac:spMkLst>
+        </pc:spChg>
+        <pc:spChg chg="add">
+          <ac:chgData name="Al ex" userId="1d73023b5acb93cf" providerId="LiveId" clId="{82F5C372-4CFF-44C5-9E84-8FD24BAA211C}" dt="2021-07-03T12:24:53.004" v="636" actId="26606"/>
+          <ac:spMkLst>
+            <pc:docMk/>
+            <pc:sldMk cId="1716667692" sldId="266"/>
+            <ac:spMk id="15" creationId="{9163A971-857A-4D4D-B458-BADAF926FFCC}"/>
+          </ac:spMkLst>
+        </pc:spChg>
+        <pc:picChg chg="mod">
+          <ac:chgData name="Al ex" userId="1d73023b5acb93cf" providerId="LiveId" clId="{82F5C372-4CFF-44C5-9E84-8FD24BAA211C}" dt="2021-07-03T12:24:53.004" v="636" actId="26606"/>
+          <ac:picMkLst>
+            <pc:docMk/>
+            <pc:sldMk cId="1716667692" sldId="266"/>
+            <ac:picMk id="5" creationId="{8CBB88FA-6CC5-4058-B997-6B93B0B98EB6}"/>
+          </ac:picMkLst>
+        </pc:picChg>
+      </pc:sldChg>
+      <pc:sldChg chg="addSp delSp modSp mod">
+        <pc:chgData name="Al ex" userId="1d73023b5acb93cf" providerId="LiveId" clId="{82F5C372-4CFF-44C5-9E84-8FD24BAA211C}" dt="2021-07-03T12:24:57.468" v="637" actId="26606"/>
+        <pc:sldMkLst>
+          <pc:docMk/>
+          <pc:sldMk cId="2386237977" sldId="267"/>
+        </pc:sldMkLst>
+        <pc:spChg chg="mod">
+          <ac:chgData name="Al ex" userId="1d73023b5acb93cf" providerId="LiveId" clId="{82F5C372-4CFF-44C5-9E84-8FD24BAA211C}" dt="2021-07-03T12:24:57.468" v="637" actId="26606"/>
+          <ac:spMkLst>
+            <pc:docMk/>
+            <pc:sldMk cId="2386237977" sldId="267"/>
+            <ac:spMk id="2" creationId="{D4B244B0-14BC-4D2F-B5AF-483644B6F9C8}"/>
+          </ac:spMkLst>
+        </pc:spChg>
+        <pc:spChg chg="mod">
+          <ac:chgData name="Al ex" userId="1d73023b5acb93cf" providerId="LiveId" clId="{82F5C372-4CFF-44C5-9E84-8FD24BAA211C}" dt="2021-07-03T12:24:57.468" v="637" actId="26606"/>
+          <ac:spMkLst>
+            <pc:docMk/>
+            <pc:sldMk cId="2386237977" sldId="267"/>
+            <ac:spMk id="3" creationId="{5A1B9CF7-7836-45FA-8266-852C7D3D1E59}"/>
+          </ac:spMkLst>
+        </pc:spChg>
+        <pc:spChg chg="del">
+          <ac:chgData name="Al ex" userId="1d73023b5acb93cf" providerId="LiveId" clId="{82F5C372-4CFF-44C5-9E84-8FD24BAA211C}" dt="2021-07-03T12:24:57.468" v="637" actId="26606"/>
+          <ac:spMkLst>
+            <pc:docMk/>
+            <pc:sldMk cId="2386237977" sldId="267"/>
+            <ac:spMk id="9" creationId="{989683EB-D202-4B4D-B1BD-8BA6965FBEF5}"/>
+          </ac:spMkLst>
+        </pc:spChg>
+        <pc:spChg chg="add">
+          <ac:chgData name="Al ex" userId="1d73023b5acb93cf" providerId="LiveId" clId="{82F5C372-4CFF-44C5-9E84-8FD24BAA211C}" dt="2021-07-03T12:24:57.468" v="637" actId="26606"/>
+          <ac:spMkLst>
+            <pc:docMk/>
+            <pc:sldMk cId="2386237977" sldId="267"/>
+            <ac:spMk id="14" creationId="{9163A971-857A-4D4D-B458-BADAF926FFCC}"/>
+          </ac:spMkLst>
+        </pc:spChg>
+        <pc:picChg chg="mod">
+          <ac:chgData name="Al ex" userId="1d73023b5acb93cf" providerId="LiveId" clId="{82F5C372-4CFF-44C5-9E84-8FD24BAA211C}" dt="2021-07-03T12:24:57.468" v="637" actId="26606"/>
+          <ac:picMkLst>
+            <pc:docMk/>
+            <pc:sldMk cId="2386237977" sldId="267"/>
+            <ac:picMk id="4" creationId="{E450A686-C174-48D8-AD85-3F16996FCDBB}"/>
+          </ac:picMkLst>
+        </pc:picChg>
+      </pc:sldChg>
+      <pc:sldChg chg="addSp delSp modSp new del mod modClrScheme chgLayout">
+        <pc:chgData name="Al ex" userId="1d73023b5acb93cf" providerId="LiveId" clId="{82F5C372-4CFF-44C5-9E84-8FD24BAA211C}" dt="2021-07-03T12:24:40.254" v="633" actId="2696"/>
+        <pc:sldMkLst>
+          <pc:docMk/>
+          <pc:sldMk cId="2628023951" sldId="268"/>
+        </pc:sldMkLst>
+        <pc:spChg chg="mod ord">
+          <ac:chgData name="Al ex" userId="1d73023b5acb93cf" providerId="LiveId" clId="{82F5C372-4CFF-44C5-9E84-8FD24BAA211C}" dt="2021-07-03T12:17:37.655" v="201" actId="700"/>
+          <ac:spMkLst>
+            <pc:docMk/>
+            <pc:sldMk cId="2628023951" sldId="268"/>
+            <ac:spMk id="2" creationId="{DB266A5B-0123-4E60-9337-E8CF790C9DF1}"/>
+          </ac:spMkLst>
+        </pc:spChg>
+        <pc:spChg chg="del">
+          <ac:chgData name="Al ex" userId="1d73023b5acb93cf" providerId="LiveId" clId="{82F5C372-4CFF-44C5-9E84-8FD24BAA211C}" dt="2021-07-03T12:12:19.520" v="81" actId="3680"/>
+          <ac:spMkLst>
+            <pc:docMk/>
+            <pc:sldMk cId="2628023951" sldId="268"/>
+            <ac:spMk id="3" creationId="{5D6A76F5-4D1C-4F4F-A18E-0C0259D26F00}"/>
+          </ac:spMkLst>
+        </pc:spChg>
+        <pc:spChg chg="add mod ord">
+          <ac:chgData name="Al ex" userId="1d73023b5acb93cf" providerId="LiveId" clId="{82F5C372-4CFF-44C5-9E84-8FD24BAA211C}" dt="2021-07-03T12:21:01.535" v="601" actId="404"/>
+          <ac:spMkLst>
+            <pc:docMk/>
+            <pc:sldMk cId="2628023951" sldId="268"/>
+            <ac:spMk id="5" creationId="{1D0BE00E-EBD3-46C6-B461-0D3A24B56ACB}"/>
+          </ac:spMkLst>
+        </pc:spChg>
+        <pc:spChg chg="add del mod ord">
+          <ac:chgData name="Al ex" userId="1d73023b5acb93cf" providerId="LiveId" clId="{82F5C372-4CFF-44C5-9E84-8FD24BAA211C}" dt="2021-07-03T12:17:37.655" v="201" actId="700"/>
+          <ac:spMkLst>
+            <pc:docMk/>
+            <pc:sldMk cId="2628023951" sldId="268"/>
+            <ac:spMk id="6" creationId="{F313159D-03F5-49B8-97BF-6204FDDCC507}"/>
+          </ac:spMkLst>
+        </pc:spChg>
+        <pc:spChg chg="add del mod ord">
+          <ac:chgData name="Al ex" userId="1d73023b5acb93cf" providerId="LiveId" clId="{82F5C372-4CFF-44C5-9E84-8FD24BAA211C}" dt="2021-07-03T12:17:37.655" v="201" actId="700"/>
+          <ac:spMkLst>
+            <pc:docMk/>
+            <pc:sldMk cId="2628023951" sldId="268"/>
+            <ac:spMk id="7" creationId="{E2A837A4-A3A4-442E-81BD-85550C9CC70A}"/>
+          </ac:spMkLst>
+        </pc:spChg>
+        <pc:graphicFrameChg chg="add mod ord modGraphic">
+          <ac:chgData name="Al ex" userId="1d73023b5acb93cf" providerId="LiveId" clId="{82F5C372-4CFF-44C5-9E84-8FD24BAA211C}" dt="2021-07-03T12:18:11.447" v="205" actId="122"/>
+          <ac:graphicFrameMkLst>
+            <pc:docMk/>
+            <pc:sldMk cId="2628023951" sldId="268"/>
+            <ac:graphicFrameMk id="4" creationId="{0D22E5B9-0E99-48B8-8B5D-0E7DD1E887EF}"/>
+          </ac:graphicFrameMkLst>
+        </pc:graphicFrameChg>
+        <pc:picChg chg="add del mod ord">
+          <ac:chgData name="Al ex" userId="1d73023b5acb93cf" providerId="LiveId" clId="{82F5C372-4CFF-44C5-9E84-8FD24BAA211C}" dt="2021-07-03T12:22:48.452" v="619" actId="478"/>
+          <ac:picMkLst>
+            <pc:docMk/>
+            <pc:sldMk cId="2628023951" sldId="268"/>
+            <ac:picMk id="8" creationId="{23B77CB1-93A8-4A9D-A2D1-7324F224A64D}"/>
+          </ac:picMkLst>
+        </pc:picChg>
+      </pc:sldChg>
+      <pc:sldChg chg="addSp modSp add mod">
+        <pc:chgData name="Al ex" userId="1d73023b5acb93cf" providerId="LiveId" clId="{82F5C372-4CFF-44C5-9E84-8FD24BAA211C}" dt="2021-07-03T12:48:20.302" v="803" actId="20577"/>
+        <pc:sldMkLst>
+          <pc:docMk/>
+          <pc:sldMk cId="1509270444" sldId="269"/>
+        </pc:sldMkLst>
+        <pc:spChg chg="mod">
+          <ac:chgData name="Al ex" userId="1d73023b5acb93cf" providerId="LiveId" clId="{82F5C372-4CFF-44C5-9E84-8FD24BAA211C}" dt="2021-07-03T12:48:20.302" v="803" actId="20577"/>
+          <ac:spMkLst>
+            <pc:docMk/>
+            <pc:sldMk cId="1509270444" sldId="269"/>
+            <ac:spMk id="3" creationId="{C7D1522B-DD16-4ED0-B890-B3427CE8EB23}"/>
+          </ac:spMkLst>
+        </pc:spChg>
+        <pc:graphicFrameChg chg="add mod modGraphic">
+          <ac:chgData name="Al ex" userId="1d73023b5acb93cf" providerId="LiveId" clId="{82F5C372-4CFF-44C5-9E84-8FD24BAA211C}" dt="2021-07-03T12:46:14.531" v="685" actId="20577"/>
+          <ac:graphicFrameMkLst>
+            <pc:docMk/>
+            <pc:sldMk cId="1509270444" sldId="269"/>
+            <ac:graphicFrameMk id="6" creationId="{231DC50B-A6C9-4779-ADC1-E2083AECF97E}"/>
+          </ac:graphicFrameMkLst>
+        </pc:graphicFrameChg>
+      </pc:sldChg>
     </pc:docChg>
   </pc:docChgLst>
 </pc:chgInfo>
@@ -3739,7 +4196,7 @@
           <a:p>
             <a:fld id="{0FB1A7F6-0812-4A46-B0B3-17E31A6CF280}" type="datetimeFigureOut">
               <a:rPr lang="it-IT" smtClean="0"/>
-              <a:t>02/07/2021</a:t>
+              <a:t>03/07/2021</a:t>
             </a:fld>
             <a:endParaRPr lang="it-IT"/>
           </a:p>
@@ -3967,7 +4424,7 @@
           <a:p>
             <a:fld id="{0FB1A7F6-0812-4A46-B0B3-17E31A6CF280}" type="datetimeFigureOut">
               <a:rPr lang="it-IT" smtClean="0"/>
-              <a:t>02/07/2021</a:t>
+              <a:t>03/07/2021</a:t>
             </a:fld>
             <a:endParaRPr lang="it-IT"/>
           </a:p>
@@ -4147,7 +4604,7 @@
           <a:p>
             <a:fld id="{0FB1A7F6-0812-4A46-B0B3-17E31A6CF280}" type="datetimeFigureOut">
               <a:rPr lang="it-IT" smtClean="0"/>
-              <a:t>02/07/2021</a:t>
+              <a:t>03/07/2021</a:t>
             </a:fld>
             <a:endParaRPr lang="it-IT"/>
           </a:p>
@@ -4317,7 +4774,7 @@
           <a:p>
             <a:fld id="{0FB1A7F6-0812-4A46-B0B3-17E31A6CF280}" type="datetimeFigureOut">
               <a:rPr lang="it-IT" smtClean="0"/>
-              <a:t>02/07/2021</a:t>
+              <a:t>03/07/2021</a:t>
             </a:fld>
             <a:endParaRPr lang="it-IT"/>
           </a:p>
@@ -4571,7 +5028,7 @@
           <a:p>
             <a:fld id="{0FB1A7F6-0812-4A46-B0B3-17E31A6CF280}" type="datetimeFigureOut">
               <a:rPr lang="it-IT" smtClean="0"/>
-              <a:t>02/07/2021</a:t>
+              <a:t>03/07/2021</a:t>
             </a:fld>
             <a:endParaRPr lang="it-IT"/>
           </a:p>
@@ -4897,7 +5354,7 @@
           <a:p>
             <a:fld id="{0FB1A7F6-0812-4A46-B0B3-17E31A6CF280}" type="datetimeFigureOut">
               <a:rPr lang="it-IT" smtClean="0"/>
-              <a:t>02/07/2021</a:t>
+              <a:t>03/07/2021</a:t>
             </a:fld>
             <a:endParaRPr lang="it-IT"/>
           </a:p>
@@ -5348,7 +5805,7 @@
           <a:p>
             <a:fld id="{0FB1A7F6-0812-4A46-B0B3-17E31A6CF280}" type="datetimeFigureOut">
               <a:rPr lang="it-IT" smtClean="0"/>
-              <a:t>02/07/2021</a:t>
+              <a:t>03/07/2021</a:t>
             </a:fld>
             <a:endParaRPr lang="it-IT"/>
           </a:p>
@@ -5466,7 +5923,7 @@
           <a:p>
             <a:fld id="{0FB1A7F6-0812-4A46-B0B3-17E31A6CF280}" type="datetimeFigureOut">
               <a:rPr lang="it-IT" smtClean="0"/>
-              <a:t>02/07/2021</a:t>
+              <a:t>03/07/2021</a:t>
             </a:fld>
             <a:endParaRPr lang="it-IT"/>
           </a:p>
@@ -5561,7 +6018,7 @@
           <a:p>
             <a:fld id="{0FB1A7F6-0812-4A46-B0B3-17E31A6CF280}" type="datetimeFigureOut">
               <a:rPr lang="it-IT" smtClean="0"/>
-              <a:t>02/07/2021</a:t>
+              <a:t>03/07/2021</a:t>
             </a:fld>
             <a:endParaRPr lang="it-IT"/>
           </a:p>
@@ -5848,7 +6305,7 @@
           <a:p>
             <a:fld id="{0FB1A7F6-0812-4A46-B0B3-17E31A6CF280}" type="datetimeFigureOut">
               <a:rPr lang="it-IT" smtClean="0"/>
-              <a:t>02/07/2021</a:t>
+              <a:t>03/07/2021</a:t>
             </a:fld>
             <a:endParaRPr lang="it-IT"/>
           </a:p>
@@ -6170,7 +6627,7 @@
           <a:p>
             <a:fld id="{0FB1A7F6-0812-4A46-B0B3-17E31A6CF280}" type="datetimeFigureOut">
               <a:rPr lang="it-IT" smtClean="0"/>
-              <a:t>02/07/2021</a:t>
+              <a:t>03/07/2021</a:t>
             </a:fld>
             <a:endParaRPr lang="it-IT"/>
           </a:p>
@@ -6424,7 +6881,7 @@
           <a:p>
             <a:fld id="{0FB1A7F6-0812-4A46-B0B3-17E31A6CF280}" type="datetimeFigureOut">
               <a:rPr lang="it-IT" smtClean="0"/>
-              <a:t>02/07/2021</a:t>
+              <a:t>03/07/2021</a:t>
             </a:fld>
             <a:endParaRPr lang="it-IT"/>
           </a:p>
@@ -6898,6 +7355,14 @@
 <file path=ppt/slides/slide1.xml><?xml version="1.0" encoding="utf-8"?>
 <p:sld xmlns:a="http://schemas.openxmlformats.org/drawingml/2006/main" xmlns:r="http://schemas.openxmlformats.org/officeDocument/2006/relationships" xmlns:p="http://schemas.openxmlformats.org/presentationml/2006/main">
   <p:cSld>
+    <p:bg>
+      <p:bgPr>
+        <a:solidFill>
+          <a:schemeClr val="bg1"/>
+        </a:solidFill>
+        <a:effectLst/>
+      </p:bgPr>
+    </p:bg>
     <p:spTree>
       <p:nvGrpSpPr>
         <p:cNvPr id="1" name=""/>
@@ -6912,6 +7377,97 @@
           <a:chExt cx="0" cy="0"/>
         </a:xfrm>
       </p:grpSpPr>
+      <p:sp useBgFill="1">
+        <p:nvSpPr>
+          <p:cNvPr id="6" name="Rectangle 8">
+            <a:extLst>
+              <a:ext uri="{FF2B5EF4-FFF2-40B4-BE49-F238E27FC236}">
+                <a16:creationId xmlns:a16="http://schemas.microsoft.com/office/drawing/2014/main" id="{EFB0C39A-F8CA-4A79-AFFC-E9780FB1991A}"/>
+              </a:ext>
+              <a:ext uri="{C183D7F6-B498-43B3-948B-1728B52AA6E4}">
+                <adec:decorative xmlns:adec="http://schemas.microsoft.com/office/drawing/2017/decorative" val="1"/>
+              </a:ext>
+            </a:extLst>
+          </p:cNvPr>
+          <p:cNvSpPr>
+            <a:spLocks noGrp="1" noRot="1" noChangeAspect="1" noMove="1" noResize="1" noEditPoints="1" noAdjustHandles="1" noChangeArrowheads="1" noChangeShapeType="1" noTextEdit="1"/>
+          </p:cNvSpPr>
+          <p:nvPr>
+            <p:extLst>
+              <p:ext uri="{386F3935-93C4-4BCD-93E2-E3B085C9AB24}">
+                <p16:designElem xmlns:p16="http://schemas.microsoft.com/office/powerpoint/2015/main" val="1"/>
+              </p:ext>
+            </p:extLst>
+          </p:nvPr>
+        </p:nvSpPr>
+        <p:spPr>
+          <a:xfrm>
+            <a:off x="0" y="-1"/>
+            <a:ext cx="12192000" cy="6858001"/>
+          </a:xfrm>
+          <a:prstGeom prst="rect">
+            <a:avLst/>
+          </a:prstGeom>
+          <a:ln>
+            <a:noFill/>
+          </a:ln>
+        </p:spPr>
+        <p:style>
+          <a:lnRef idx="2">
+            <a:schemeClr val="accent1">
+              <a:shade val="50000"/>
+            </a:schemeClr>
+          </a:lnRef>
+          <a:fillRef idx="1">
+            <a:schemeClr val="accent1"/>
+          </a:fillRef>
+          <a:effectRef idx="0">
+            <a:schemeClr val="accent1"/>
+          </a:effectRef>
+          <a:fontRef idx="minor">
+            <a:schemeClr val="lt1"/>
+          </a:fontRef>
+        </p:style>
+        <p:txBody>
+          <a:bodyPr rtlCol="0" anchor="ctr"/>
+          <a:lstStyle/>
+          <a:p>
+            <a:pPr algn="ctr"/>
+            <a:endParaRPr lang="en-US"/>
+          </a:p>
+        </p:txBody>
+      </p:sp>
+      <p:pic>
+        <p:nvPicPr>
+          <p:cNvPr id="5" name="Picture 4" descr="Maze">
+            <a:extLst>
+              <a:ext uri="{FF2B5EF4-FFF2-40B4-BE49-F238E27FC236}">
+                <a16:creationId xmlns:a16="http://schemas.microsoft.com/office/drawing/2014/main" id="{3AF82119-A12D-46B6-A779-2A08D1B924D6}"/>
+              </a:ext>
+            </a:extLst>
+          </p:cNvPr>
+          <p:cNvPicPr>
+            <a:picLocks noChangeAspect="1"/>
+          </p:cNvPicPr>
+          <p:nvPr/>
+        </p:nvPicPr>
+        <p:blipFill rotWithShape="1">
+          <a:blip r:embed="rId2">
+            <a:alphaModFix amt="40000"/>
+          </a:blip>
+          <a:srcRect t="15730"/>
+          <a:stretch/>
+        </p:blipFill>
+        <p:spPr>
+          <a:xfrm>
+            <a:off x="20" y="-2"/>
+            <a:ext cx="12191980" cy="6858000"/>
+          </a:xfrm>
+          <a:prstGeom prst="rect">
+            <a:avLst/>
+          </a:prstGeom>
+        </p:spPr>
+      </p:pic>
       <p:sp>
         <p:nvSpPr>
           <p:cNvPr id="2" name="Titolo 1">
@@ -6928,9 +7484,16 @@
             <p:ph type="ctrTitle"/>
           </p:nvPr>
         </p:nvSpPr>
-        <p:spPr/>
+        <p:spPr>
+          <a:xfrm>
+            <a:off x="1261872" y="758952"/>
+            <a:ext cx="9418320" cy="4041648"/>
+          </a:xfrm>
+        </p:spPr>
         <p:txBody>
-          <a:bodyPr/>
+          <a:bodyPr>
+            <a:normAutofit/>
+          </a:bodyPr>
           <a:lstStyle/>
           <a:p>
             <a:r>
@@ -6972,20 +7535,26 @@
             <p:ph type="subTitle" idx="1"/>
           </p:nvPr>
         </p:nvSpPr>
-        <p:spPr/>
+        <p:spPr>
+          <a:xfrm>
+            <a:off x="1261872" y="4800600"/>
+            <a:ext cx="9418320" cy="1691640"/>
+          </a:xfrm>
+        </p:spPr>
         <p:txBody>
-          <a:bodyPr/>
+          <a:bodyPr>
+            <a:normAutofit/>
+          </a:bodyPr>
           <a:lstStyle/>
           <a:p>
             <a:r>
-              <a:rPr lang="it-IT" dirty="0"/>
-              <a:t>Angelo Andreussi, Alex Della Schiava, Claudia </a:t>
-            </a:r>
-            <a:r>
-              <a:rPr lang="it-IT" dirty="0" err="1"/>
-              <a:t>Maußner</a:t>
-            </a:r>
-            <a:endParaRPr lang="it-IT" dirty="0"/>
+              <a:rPr lang="it-IT">
+                <a:solidFill>
+                  <a:schemeClr val="tx1"/>
+                </a:solidFill>
+              </a:rPr>
+              <a:t>Angelo Andreussi, Alex Della Schiava, Claudia Maußner</a:t>
+            </a:r>
           </a:p>
         </p:txBody>
       </p:sp>
@@ -6999,6 +7568,145 @@
   <p:clrMapOvr>
     <a:masterClrMapping/>
   </p:clrMapOvr>
+  <p:timing>
+    <p:tnLst>
+      <p:par>
+        <p:cTn id="1" dur="indefinite" restart="never" nodeType="tmRoot">
+          <p:childTnLst>
+            <p:seq concurrent="1" nextAc="seek">
+              <p:cTn id="2" dur="indefinite" nodeType="mainSeq">
+                <p:childTnLst>
+                  <p:par>
+                    <p:cTn id="3" fill="hold">
+                      <p:stCondLst>
+                        <p:cond delay="indefinite"/>
+                        <p:cond evt="onBegin" delay="0">
+                          <p:tn val="2"/>
+                        </p:cond>
+                      </p:stCondLst>
+                      <p:childTnLst>
+                        <p:par>
+                          <p:cTn id="4" fill="hold">
+                            <p:stCondLst>
+                              <p:cond delay="0"/>
+                            </p:stCondLst>
+                            <p:childTnLst>
+                              <p:par>
+                                <p:cTn id="5" presetID="10" presetClass="entr" presetSubtype="0" fill="hold" grpId="0" nodeType="withEffect">
+                                  <p:stCondLst>
+                                    <p:cond delay="1500"/>
+                                  </p:stCondLst>
+                                  <p:iterate>
+                                    <p:tmPct val="10000"/>
+                                  </p:iterate>
+                                  <p:childTnLst>
+                                    <p:set>
+                                      <p:cBhvr>
+                                        <p:cTn id="6" dur="1" fill="hold">
+                                          <p:stCondLst>
+                                            <p:cond delay="0"/>
+                                          </p:stCondLst>
+                                        </p:cTn>
+                                        <p:tgtEl>
+                                          <p:spTgt spid="3">
+                                            <p:txEl>
+                                              <p:pRg st="0" end="0"/>
+                                            </p:txEl>
+                                          </p:spTgt>
+                                        </p:tgtEl>
+                                        <p:attrNameLst>
+                                          <p:attrName>style.visibility</p:attrName>
+                                        </p:attrNameLst>
+                                      </p:cBhvr>
+                                      <p:to>
+                                        <p:strVal val="visible"/>
+                                      </p:to>
+                                    </p:set>
+                                    <p:animEffect transition="in" filter="fade">
+                                      <p:cBhvr>
+                                        <p:cTn id="7" dur="700"/>
+                                        <p:tgtEl>
+                                          <p:spTgt spid="3">
+                                            <p:txEl>
+                                              <p:pRg st="0" end="0"/>
+                                            </p:txEl>
+                                          </p:spTgt>
+                                        </p:tgtEl>
+                                      </p:cBhvr>
+                                    </p:animEffect>
+                                  </p:childTnLst>
+                                </p:cTn>
+                              </p:par>
+                              <p:par>
+                                <p:cTn id="8" presetID="10" presetClass="entr" presetSubtype="0" fill="hold" grpId="0" nodeType="withEffect">
+                                  <p:stCondLst>
+                                    <p:cond delay="1000"/>
+                                  </p:stCondLst>
+                                  <p:iterate>
+                                    <p:tmPct val="10000"/>
+                                  </p:iterate>
+                                  <p:childTnLst>
+                                    <p:set>
+                                      <p:cBhvr>
+                                        <p:cTn id="9" dur="1" fill="hold">
+                                          <p:stCondLst>
+                                            <p:cond delay="0"/>
+                                          </p:stCondLst>
+                                        </p:cTn>
+                                        <p:tgtEl>
+                                          <p:spTgt spid="2"/>
+                                        </p:tgtEl>
+                                        <p:attrNameLst>
+                                          <p:attrName>style.visibility</p:attrName>
+                                        </p:attrNameLst>
+                                      </p:cBhvr>
+                                      <p:to>
+                                        <p:strVal val="visible"/>
+                                      </p:to>
+                                    </p:set>
+                                    <p:animEffect transition="in" filter="fade">
+                                      <p:cBhvr>
+                                        <p:cTn id="10" dur="700"/>
+                                        <p:tgtEl>
+                                          <p:spTgt spid="2"/>
+                                        </p:tgtEl>
+                                      </p:cBhvr>
+                                    </p:animEffect>
+                                  </p:childTnLst>
+                                </p:cTn>
+                              </p:par>
+                            </p:childTnLst>
+                          </p:cTn>
+                        </p:par>
+                      </p:childTnLst>
+                    </p:cTn>
+                  </p:par>
+                </p:childTnLst>
+              </p:cTn>
+              <p:prevCondLst>
+                <p:cond evt="onPrev" delay="0">
+                  <p:tgtEl>
+                    <p:sldTgt/>
+                  </p:tgtEl>
+                </p:cond>
+              </p:prevCondLst>
+              <p:nextCondLst>
+                <p:cond evt="onNext" delay="0">
+                  <p:tgtEl>
+                    <p:sldTgt/>
+                  </p:tgtEl>
+                </p:cond>
+              </p:nextCondLst>
+            </p:seq>
+          </p:childTnLst>
+        </p:cTn>
+      </p:par>
+    </p:tnLst>
+    <p:bldLst>
+      <p:bldP spid="2" grpId="0"/>
+      <p:bldP spid="3" grpId="0" build="p"/>
+    </p:bldLst>
+  </p:timing>
 </p:sld>
 </file>
 
@@ -7027,12 +7735,41 @@
           <a:chExt cx="0" cy="0"/>
         </a:xfrm>
       </p:grpSpPr>
+      <p:pic>
+        <p:nvPicPr>
+          <p:cNvPr id="4" name="Picture 4" descr="Maze">
+            <a:extLst>
+              <a:ext uri="{FF2B5EF4-FFF2-40B4-BE49-F238E27FC236}">
+                <a16:creationId xmlns:a16="http://schemas.microsoft.com/office/drawing/2014/main" id="{C8005455-DE52-4166-891D-E22990B7B159}"/>
+              </a:ext>
+            </a:extLst>
+          </p:cNvPr>
+          <p:cNvPicPr>
+            <a:picLocks noChangeAspect="1"/>
+          </p:cNvPicPr>
+          <p:nvPr/>
+        </p:nvPicPr>
+        <p:blipFill rotWithShape="1">
+          <a:blip r:embed="rId2"/>
+          <a:srcRect t="9021"/>
+          <a:stretch/>
+        </p:blipFill>
+        <p:spPr>
+          <a:xfrm>
+            <a:off x="20" y="10"/>
+            <a:ext cx="11292820" cy="6857990"/>
+          </a:xfrm>
+          <a:prstGeom prst="rect">
+            <a:avLst/>
+          </a:prstGeom>
+        </p:spPr>
+      </p:pic>
       <p:sp>
         <p:nvSpPr>
-          <p:cNvPr id="10" name="Rectangle 9">
+          <p:cNvPr id="11" name="Rectangle 13">
             <a:extLst>
               <a:ext uri="{FF2B5EF4-FFF2-40B4-BE49-F238E27FC236}">
-                <a16:creationId xmlns:a16="http://schemas.microsoft.com/office/drawing/2014/main" id="{989683EB-D202-4B4D-B1BD-8BA6965FBEF5}"/>
+                <a16:creationId xmlns:a16="http://schemas.microsoft.com/office/drawing/2014/main" id="{9163A971-857A-4D4D-B458-BADAF926FFCC}"/>
               </a:ext>
               <a:ext uri="{C183D7F6-B498-43B3-948B-1728B52AA6E4}">
                 <adec:decorative xmlns:adec="http://schemas.microsoft.com/office/drawing/2017/decorative" val="1"/>
@@ -7052,14 +7789,16 @@
         </p:nvSpPr>
         <p:spPr>
           <a:xfrm>
-            <a:off x="0" y="-1"/>
-            <a:ext cx="11292840" cy="6858001"/>
+            <a:off x="3559481" y="0"/>
+            <a:ext cx="7737169" cy="6858000"/>
           </a:xfrm>
           <a:prstGeom prst="rect">
             <a:avLst/>
           </a:prstGeom>
           <a:solidFill>
-            <a:schemeClr val="tx1"/>
+            <a:schemeClr val="bg1">
+              <a:alpha val="91000"/>
+            </a:schemeClr>
           </a:solidFill>
           <a:ln>
             <a:noFill/>
@@ -7085,48 +7824,46 @@
           <a:bodyPr rtlCol="0" anchor="ctr"/>
           <a:lstStyle/>
           <a:p>
-            <a:pPr algn="ctr"/>
-            <a:endParaRPr lang="en-US"/>
+            <a:pPr marL="0" marR="0" lvl="0" indent="0" algn="ctr" defTabSz="914400" rtl="0" eaLnBrk="1" fontAlgn="auto" latinLnBrk="0" hangingPunct="1">
+              <a:lnSpc>
+                <a:spcPct val="100000"/>
+              </a:lnSpc>
+              <a:spcBef>
+                <a:spcPts val="0"/>
+              </a:spcBef>
+              <a:spcAft>
+                <a:spcPts val="0"/>
+              </a:spcAft>
+              <a:buClrTx/>
+              <a:buSzTx/>
+              <a:buFontTx/>
+              <a:buNone/>
+              <a:tabLst/>
+              <a:defRPr/>
+            </a:pPr>
+            <a:endParaRPr kumimoji="0" lang="en-US" sz="1800" b="0" i="0" u="none" strike="noStrike" kern="1200" cap="none" spc="0" normalizeH="0" baseline="0" noProof="0">
+              <a:ln>
+                <a:noFill/>
+              </a:ln>
+              <a:solidFill>
+                <a:srgbClr val="FFFFFF"/>
+              </a:solidFill>
+              <a:effectLst/>
+              <a:uLnTx/>
+              <a:uFillTx/>
+              <a:latin typeface="Century Schoolbook" panose="02040604050505020304"/>
+              <a:ea typeface="+mn-ea"/>
+              <a:cs typeface="+mn-cs"/>
+            </a:endParaRPr>
           </a:p>
         </p:txBody>
       </p:sp>
-      <p:pic>
-        <p:nvPicPr>
-          <p:cNvPr id="5" name="Picture 4" descr="Maze">
-            <a:extLst>
-              <a:ext uri="{FF2B5EF4-FFF2-40B4-BE49-F238E27FC236}">
-                <a16:creationId xmlns:a16="http://schemas.microsoft.com/office/drawing/2014/main" id="{8CBB88FA-6CC5-4058-B997-6B93B0B98EB6}"/>
-              </a:ext>
-            </a:extLst>
-          </p:cNvPr>
-          <p:cNvPicPr>
-            <a:picLocks noChangeAspect="1"/>
-          </p:cNvPicPr>
-          <p:nvPr/>
-        </p:nvPicPr>
-        <p:blipFill rotWithShape="1">
-          <a:blip r:embed="rId2">
-            <a:alphaModFix amt="35000"/>
-          </a:blip>
-          <a:srcRect t="9021"/>
-          <a:stretch/>
-        </p:blipFill>
-        <p:spPr>
-          <a:xfrm>
-            <a:off x="20" y="10"/>
-            <a:ext cx="11292820" cy="6857990"/>
-          </a:xfrm>
-          <a:prstGeom prst="rect">
-            <a:avLst/>
-          </a:prstGeom>
-        </p:spPr>
-      </p:pic>
       <p:sp>
         <p:nvSpPr>
           <p:cNvPr id="2" name="Titolo 1">
             <a:extLst>
               <a:ext uri="{FF2B5EF4-FFF2-40B4-BE49-F238E27FC236}">
-                <a16:creationId xmlns:a16="http://schemas.microsoft.com/office/drawing/2014/main" id="{53FD79FB-C723-4EE6-843C-33599473613F}"/>
+                <a16:creationId xmlns:a16="http://schemas.microsoft.com/office/drawing/2014/main" id="{D02D210C-DC25-442C-A0DC-2021B3ABC932}"/>
               </a:ext>
             </a:extLst>
           </p:cNvPr>
@@ -7139,8 +7876,8 @@
         </p:nvSpPr>
         <p:spPr>
           <a:xfrm>
-            <a:off x="1261872" y="365760"/>
-            <a:ext cx="9692640" cy="1325562"/>
+            <a:off x="4050889" y="365758"/>
+            <a:ext cx="6784259" cy="1828800"/>
           </a:xfrm>
         </p:spPr>
         <p:txBody>
@@ -7150,12 +7887,8 @@
           <a:lstStyle/>
           <a:p>
             <a:r>
-              <a:rPr lang="it-IT">
-                <a:solidFill>
-                  <a:schemeClr val="bg1"/>
-                </a:solidFill>
-              </a:rPr>
-              <a:t>Interesting points</a:t>
+              <a:rPr lang="it-IT"/>
+              <a:t>Learning to travel</a:t>
             </a:r>
           </a:p>
         </p:txBody>
@@ -7165,7 +7898,7 @@
           <p:cNvPr id="3" name="Segnaposto contenuto 2">
             <a:extLst>
               <a:ext uri="{FF2B5EF4-FFF2-40B4-BE49-F238E27FC236}">
-                <a16:creationId xmlns:a16="http://schemas.microsoft.com/office/drawing/2014/main" id="{7BF06AF6-F9B6-4411-9EF0-4EE6B29F9CBA}"/>
+                <a16:creationId xmlns:a16="http://schemas.microsoft.com/office/drawing/2014/main" id="{C6D47933-B121-49D1-9D84-21CF203209CD}"/>
               </a:ext>
             </a:extLst>
           </p:cNvPr>
@@ -7178,296 +7911,386 @@
         </p:nvSpPr>
         <p:spPr>
           <a:xfrm>
-            <a:off x="1261872" y="2005739"/>
-            <a:ext cx="8595360" cy="4174398"/>
+            <a:off x="4050889" y="2516291"/>
+            <a:ext cx="6784259" cy="3682896"/>
           </a:xfrm>
         </p:spPr>
         <p:txBody>
           <a:bodyPr>
-            <a:normAutofit/>
+            <a:normAutofit lnSpcReduction="10000"/>
           </a:bodyPr>
           <a:lstStyle/>
           <a:p>
             <a:r>
-              <a:rPr lang="it-IT" sz="2000" dirty="0" err="1">
-                <a:solidFill>
-                  <a:schemeClr val="bg1"/>
-                </a:solidFill>
-              </a:rPr>
-              <a:t>Perhaps</a:t>
-            </a:r>
-            <a:r>
-              <a:rPr lang="it-IT" sz="2000" dirty="0">
-                <a:solidFill>
-                  <a:schemeClr val="bg1"/>
-                </a:solidFill>
-              </a:rPr>
+              <a:rPr lang="it-IT" sz="1400" b="1" dirty="0"/>
+              <a:t>Goal: </a:t>
+            </a:r>
+            <a:r>
+              <a:rPr lang="it-IT" sz="1400" dirty="0" err="1"/>
+              <a:t>Learn</a:t>
+            </a:r>
+            <a:r>
+              <a:rPr lang="it-IT" sz="1400" dirty="0"/>
+              <a:t> to </a:t>
+            </a:r>
+            <a:r>
+              <a:rPr lang="it-IT" sz="1400" dirty="0" err="1"/>
+              <a:t>move</a:t>
+            </a:r>
+            <a:r>
+              <a:rPr lang="it-IT" sz="1400" dirty="0"/>
+              <a:t> from </a:t>
+            </a:r>
+            <a:r>
+              <a:rPr lang="it-IT" sz="1400" dirty="0" err="1"/>
+              <a:t>two</a:t>
+            </a:r>
+            <a:r>
+              <a:rPr lang="it-IT" sz="1400" dirty="0"/>
               <a:t> </a:t>
             </a:r>
             <a:r>
-              <a:rPr lang="it-IT" sz="2000" dirty="0" err="1">
-                <a:solidFill>
-                  <a:schemeClr val="bg1"/>
-                </a:solidFill>
-              </a:rPr>
-              <a:t>we</a:t>
-            </a:r>
-            <a:r>
-              <a:rPr lang="it-IT" sz="2000" dirty="0">
-                <a:solidFill>
-                  <a:schemeClr val="bg1"/>
-                </a:solidFill>
-              </a:rPr>
-              <a:t> are </a:t>
-            </a:r>
-            <a:r>
-              <a:rPr lang="it-IT" sz="2000" dirty="0" err="1">
-                <a:solidFill>
-                  <a:schemeClr val="bg1"/>
-                </a:solidFill>
-              </a:rPr>
-              <a:t>not</a:t>
-            </a:r>
-            <a:r>
-              <a:rPr lang="it-IT" sz="2000" dirty="0">
-                <a:solidFill>
-                  <a:schemeClr val="bg1"/>
-                </a:solidFill>
-              </a:rPr>
+              <a:rPr lang="it-IT" sz="1400" dirty="0" err="1"/>
+              <a:t>distant</a:t>
+            </a:r>
+            <a:r>
+              <a:rPr lang="it-IT" sz="1400" dirty="0"/>
               <a:t> </a:t>
             </a:r>
             <a:r>
-              <a:rPr lang="it-IT" sz="2000" dirty="0" err="1">
-                <a:solidFill>
-                  <a:schemeClr val="bg1"/>
-                </a:solidFill>
-              </a:rPr>
-              <a:t>using</a:t>
-            </a:r>
-            <a:r>
-              <a:rPr lang="it-IT" sz="2000" dirty="0">
-                <a:solidFill>
-                  <a:schemeClr val="bg1"/>
-                </a:solidFill>
-              </a:rPr>
+              <a:rPr lang="it-IT" sz="1400" dirty="0" err="1"/>
+              <a:t>cells</a:t>
+            </a:r>
+            <a:r>
+              <a:rPr lang="it-IT" sz="1400" dirty="0"/>
+              <a:t> in the </a:t>
+            </a:r>
+            <a:r>
+              <a:rPr lang="it-IT" sz="1400" dirty="0" err="1"/>
+              <a:t>Maze</a:t>
+            </a:r>
+            <a:r>
+              <a:rPr lang="it-IT" sz="1400" dirty="0"/>
               <a:t> </a:t>
             </a:r>
             <a:r>
-              <a:rPr lang="it-IT" sz="2000" dirty="0" err="1">
-                <a:solidFill>
-                  <a:schemeClr val="bg1"/>
-                </a:solidFill>
-              </a:rPr>
-              <a:t>enough</a:t>
-            </a:r>
-            <a:r>
-              <a:rPr lang="it-IT" sz="2000" dirty="0">
-                <a:solidFill>
-                  <a:schemeClr val="bg1"/>
-                </a:solidFill>
-              </a:rPr>
+              <a:rPr lang="it-IT" sz="1400" dirty="0" err="1"/>
+              <a:t>without</a:t>
+            </a:r>
+            <a:r>
+              <a:rPr lang="it-IT" sz="1400" dirty="0"/>
               <a:t> </a:t>
             </a:r>
             <a:r>
-              <a:rPr lang="it-IT" sz="2000" dirty="0" err="1">
-                <a:solidFill>
-                  <a:schemeClr val="bg1"/>
-                </a:solidFill>
+              <a:rPr lang="it-IT" sz="1400" dirty="0" err="1"/>
+              <a:t>going</a:t>
+            </a:r>
+            <a:r>
+              <a:rPr lang="it-IT" sz="1400" dirty="0"/>
+              <a:t> </a:t>
+            </a:r>
+            <a:r>
+              <a:rPr lang="it-IT" sz="1400" dirty="0" err="1"/>
+              <a:t>through</a:t>
+            </a:r>
+            <a:r>
+              <a:rPr lang="it-IT" sz="1400" dirty="0"/>
+              <a:t> </a:t>
+            </a:r>
+            <a:r>
+              <a:rPr lang="it-IT" sz="1400" dirty="0" err="1"/>
+              <a:t>illegal</a:t>
+            </a:r>
+            <a:r>
+              <a:rPr lang="it-IT" sz="1400" dirty="0"/>
+              <a:t> </a:t>
+            </a:r>
+            <a:r>
+              <a:rPr lang="it-IT" sz="1400" dirty="0" err="1"/>
+              <a:t>cells</a:t>
+            </a:r>
+            <a:r>
+              <a:rPr lang="it-IT" sz="1400" dirty="0"/>
+              <a:t>. (Predicate </a:t>
+            </a:r>
+            <a:r>
+              <a:rPr lang="it-IT" sz="1400" dirty="0" err="1">
+                <a:latin typeface="Courier New" panose="02070309020205020404" pitchFamily="49" charset="0"/>
+                <a:cs typeface="Courier New" panose="02070309020205020404" pitchFamily="49" charset="0"/>
+              </a:rPr>
+              <a:t>reach</a:t>
+            </a:r>
+            <a:r>
+              <a:rPr lang="it-IT" sz="1400" dirty="0">
+                <a:latin typeface="Courier New" panose="02070309020205020404" pitchFamily="49" charset="0"/>
+                <a:cs typeface="Courier New" panose="02070309020205020404" pitchFamily="49" charset="0"/>
+              </a:rPr>
+              <a:t>/2</a:t>
+            </a:r>
+            <a:r>
+              <a:rPr lang="it-IT" sz="1400" dirty="0"/>
+              <a:t>).</a:t>
+            </a:r>
+          </a:p>
+          <a:p>
+            <a:r>
+              <a:rPr lang="it-IT" sz="1400" b="1" dirty="0"/>
+              <a:t>Background Knowledge:</a:t>
+            </a:r>
+          </a:p>
+          <a:p>
+            <a:pPr lvl="1"/>
+            <a:r>
+              <a:rPr lang="it-IT" sz="1400" dirty="0" err="1">
+                <a:latin typeface="Courier New" panose="02070309020205020404" pitchFamily="49" charset="0"/>
+                <a:cs typeface="Courier New" panose="02070309020205020404" pitchFamily="49" charset="0"/>
+              </a:rPr>
+              <a:t>move</a:t>
+            </a:r>
+            <a:r>
+              <a:rPr lang="it-IT" sz="1400" dirty="0">
+                <a:latin typeface="Courier New" panose="02070309020205020404" pitchFamily="49" charset="0"/>
+                <a:cs typeface="Courier New" panose="02070309020205020404" pitchFamily="49" charset="0"/>
+              </a:rPr>
+              <a:t>/2 </a:t>
+            </a:r>
+            <a:r>
+              <a:rPr lang="it-IT" sz="1400" dirty="0">
+                <a:cs typeface="Courier New" panose="02070309020205020404" pitchFamily="49" charset="0"/>
+              </a:rPr>
+              <a:t>(</a:t>
+            </a:r>
+            <a:r>
+              <a:rPr lang="it-IT" sz="1400" dirty="0" err="1">
+                <a:cs typeface="Courier New" panose="02070309020205020404" pitchFamily="49" charset="0"/>
+              </a:rPr>
+              <a:t>Learned</a:t>
+            </a:r>
+            <a:r>
+              <a:rPr lang="it-IT" sz="1400" dirty="0">
+                <a:cs typeface="Courier New" panose="02070309020205020404" pitchFamily="49" charset="0"/>
+              </a:rPr>
+              <a:t> from </a:t>
+            </a:r>
+            <a:r>
+              <a:rPr lang="it-IT" sz="1400" i="1" dirty="0">
+                <a:cs typeface="Courier New" panose="02070309020205020404" pitchFamily="49" charset="0"/>
+              </a:rPr>
+              <a:t>«</a:t>
+            </a:r>
+            <a:r>
+              <a:rPr lang="it-IT" sz="1400" i="1" dirty="0" err="1">
+                <a:cs typeface="Courier New" panose="02070309020205020404" pitchFamily="49" charset="0"/>
+              </a:rPr>
+              <a:t>learning_to_walk</a:t>
+            </a:r>
+            <a:r>
+              <a:rPr lang="it-IT" sz="1400" i="1" dirty="0">
+                <a:cs typeface="Courier New" panose="02070309020205020404" pitchFamily="49" charset="0"/>
+              </a:rPr>
+              <a:t>»).</a:t>
+            </a:r>
+          </a:p>
+          <a:p>
+            <a:r>
+              <a:rPr lang="it-IT" sz="1400" b="1" dirty="0" err="1">
+                <a:cs typeface="Courier New" panose="02070309020205020404" pitchFamily="49" charset="0"/>
+              </a:rPr>
+              <a:t>Metarules</a:t>
+            </a:r>
+            <a:r>
+              <a:rPr lang="it-IT" sz="1400" b="1" dirty="0">
+                <a:cs typeface="Courier New" panose="02070309020205020404" pitchFamily="49" charset="0"/>
+              </a:rPr>
+              <a:t>:</a:t>
+            </a:r>
+          </a:p>
+          <a:p>
+            <a:pPr lvl="1"/>
+            <a:r>
+              <a:rPr lang="it-IT" sz="1400" dirty="0" err="1">
+                <a:latin typeface="Courier New" panose="02070309020205020404" pitchFamily="49" charset="0"/>
+                <a:cs typeface="Courier New" panose="02070309020205020404" pitchFamily="49" charset="0"/>
+              </a:rPr>
+              <a:t>metarule</a:t>
+            </a:r>
+            <a:r>
+              <a:rPr lang="it-IT" sz="1400" dirty="0">
+                <a:latin typeface="Courier New" panose="02070309020205020404" pitchFamily="49" charset="0"/>
+                <a:cs typeface="Courier New" panose="02070309020205020404" pitchFamily="49" charset="0"/>
+              </a:rPr>
+              <a:t>(</a:t>
+            </a:r>
+            <a:r>
+              <a:rPr lang="it-IT" sz="1400" dirty="0" err="1">
+                <a:latin typeface="Courier New" panose="02070309020205020404" pitchFamily="49" charset="0"/>
+                <a:cs typeface="Courier New" panose="02070309020205020404" pitchFamily="49" charset="0"/>
+              </a:rPr>
+              <a:t>recursion</a:t>
+            </a:r>
+            <a:r>
+              <a:rPr lang="it-IT" sz="1400" dirty="0">
+                <a:latin typeface="Courier New" panose="02070309020205020404" pitchFamily="49" charset="0"/>
+                <a:cs typeface="Courier New" panose="02070309020205020404" pitchFamily="49" charset="0"/>
+              </a:rPr>
+              <a:t>,[P,Q],[P,A,B],[[Q,A,C],[P,C,B]]).</a:t>
+            </a:r>
+          </a:p>
+          <a:p>
+            <a:pPr lvl="1"/>
+            <a:r>
+              <a:rPr lang="it-IT" sz="1400" dirty="0" err="1">
+                <a:latin typeface="Courier New" panose="02070309020205020404" pitchFamily="49" charset="0"/>
+                <a:cs typeface="Courier New" panose="02070309020205020404" pitchFamily="49" charset="0"/>
+              </a:rPr>
+              <a:t>metarule</a:t>
+            </a:r>
+            <a:r>
+              <a:rPr lang="it-IT" sz="1400" dirty="0">
+                <a:latin typeface="Courier New" panose="02070309020205020404" pitchFamily="49" charset="0"/>
+                <a:cs typeface="Courier New" panose="02070309020205020404" pitchFamily="49" charset="0"/>
+              </a:rPr>
+              <a:t>(</a:t>
+            </a:r>
+            <a:r>
+              <a:rPr lang="it-IT" sz="1400" dirty="0" err="1">
+                <a:latin typeface="Courier New" panose="02070309020205020404" pitchFamily="49" charset="0"/>
+                <a:cs typeface="Courier New" panose="02070309020205020404" pitchFamily="49" charset="0"/>
+              </a:rPr>
+              <a:t>ident</a:t>
+            </a:r>
+            <a:r>
+              <a:rPr lang="it-IT" sz="1400" dirty="0">
+                <a:latin typeface="Courier New" panose="02070309020205020404" pitchFamily="49" charset="0"/>
+                <a:cs typeface="Courier New" panose="02070309020205020404" pitchFamily="49" charset="0"/>
+              </a:rPr>
+              <a:t>,[P,Q],[P,A,B],[[Q,A,B]]).</a:t>
+            </a:r>
+          </a:p>
+          <a:p>
+            <a:r>
+              <a:rPr lang="it-IT" sz="1400" b="1" dirty="0">
+                <a:cs typeface="Courier New" panose="02070309020205020404" pitchFamily="49" charset="0"/>
+              </a:rPr>
+              <a:t>Positive </a:t>
+            </a:r>
+            <a:r>
+              <a:rPr lang="it-IT" sz="1400" b="1" dirty="0" err="1">
+                <a:cs typeface="Courier New" panose="02070309020205020404" pitchFamily="49" charset="0"/>
               </a:rPr>
               <a:t>examples</a:t>
             </a:r>
             <a:r>
-              <a:rPr lang="it-IT" sz="2000" dirty="0">
-                <a:solidFill>
-                  <a:schemeClr val="bg1"/>
-                </a:solidFill>
-              </a:rPr>
-              <a:t>.</a:t>
-            </a:r>
-          </a:p>
-          <a:p>
-            <a:r>
-              <a:rPr lang="it-IT" sz="2000" dirty="0" err="1">
-                <a:solidFill>
-                  <a:schemeClr val="bg1"/>
-                </a:solidFill>
-              </a:rPr>
-              <a:t>But</a:t>
-            </a:r>
-            <a:r>
-              <a:rPr lang="it-IT" sz="2000" dirty="0">
-                <a:solidFill>
-                  <a:schemeClr val="bg1"/>
-                </a:solidFill>
+              <a:rPr lang="it-IT" sz="1400" b="1" dirty="0">
+                <a:cs typeface="Courier New" panose="02070309020205020404" pitchFamily="49" charset="0"/>
+              </a:rPr>
+              <a:t>:</a:t>
+            </a:r>
+          </a:p>
+          <a:p>
+            <a:pPr lvl="1"/>
+            <a:r>
+              <a:rPr lang="en-US" sz="1400" dirty="0">
+                <a:latin typeface="Courier New" panose="02070309020205020404" pitchFamily="49" charset="0"/>
+                <a:cs typeface="Courier New" panose="02070309020205020404" pitchFamily="49" charset="0"/>
+              </a:rPr>
+              <a:t>reach((1,1), (2,1)).</a:t>
+            </a:r>
+          </a:p>
+          <a:p>
+            <a:pPr lvl="1"/>
+            <a:r>
+              <a:rPr lang="en-US" sz="1400" dirty="0">
+                <a:latin typeface="Courier New" panose="02070309020205020404" pitchFamily="49" charset="0"/>
+                <a:cs typeface="Courier New" panose="02070309020205020404" pitchFamily="49" charset="0"/>
+              </a:rPr>
+              <a:t>reach((1,1), (2,5)).</a:t>
+            </a:r>
+          </a:p>
+          <a:p>
+            <a:r>
+              <a:rPr lang="en-US" sz="1400" b="1" dirty="0">
+                <a:cs typeface="Courier New" panose="02070309020205020404" pitchFamily="49" charset="0"/>
+              </a:rPr>
+              <a:t>Negative examples:</a:t>
+            </a:r>
+          </a:p>
+          <a:p>
+            <a:pPr lvl="1"/>
+            <a:r>
+              <a:rPr lang="it-IT" sz="1400" u="sng" dirty="0">
+                <a:effectLst/>
+              </a:rPr>
+              <a:t>NONE</a:t>
+            </a:r>
+            <a:r>
+              <a:rPr lang="it-IT" sz="1400" dirty="0">
+                <a:effectLst/>
+              </a:rPr>
+              <a:t>: </a:t>
+            </a:r>
+            <a:r>
+              <a:rPr lang="it-IT" sz="1400" dirty="0" err="1">
+                <a:effectLst/>
+              </a:rPr>
+              <a:t>Illegal</a:t>
+            </a:r>
+            <a:r>
+              <a:rPr lang="it-IT" sz="1400" dirty="0">
+                <a:effectLst/>
               </a:rPr>
               <a:t> </a:t>
             </a:r>
             <a:r>
-              <a:rPr lang="it-IT" sz="2000" dirty="0" err="1">
-                <a:solidFill>
-                  <a:schemeClr val="bg1"/>
-                </a:solidFill>
-              </a:rPr>
-              <a:t>actually</a:t>
-            </a:r>
-            <a:r>
-              <a:rPr lang="it-IT" sz="2000" dirty="0">
-                <a:solidFill>
-                  <a:schemeClr val="bg1"/>
-                </a:solidFill>
-              </a:rPr>
-              <a:t>, </a:t>
-            </a:r>
-            <a:r>
-              <a:rPr lang="it-IT" sz="2000" dirty="0" err="1">
-                <a:solidFill>
-                  <a:schemeClr val="bg1"/>
-                </a:solidFill>
-              </a:rPr>
-              <a:t>we</a:t>
-            </a:r>
-            <a:r>
-              <a:rPr lang="it-IT" sz="2000" dirty="0">
-                <a:solidFill>
-                  <a:schemeClr val="bg1"/>
-                </a:solidFill>
-              </a:rPr>
-              <a:t> are </a:t>
-            </a:r>
-            <a:r>
-              <a:rPr lang="it-IT" sz="2000" dirty="0" err="1">
-                <a:solidFill>
-                  <a:schemeClr val="bg1"/>
-                </a:solidFill>
-              </a:rPr>
-              <a:t>using</a:t>
-            </a:r>
-            <a:r>
-              <a:rPr lang="it-IT" sz="2000" dirty="0">
-                <a:solidFill>
-                  <a:schemeClr val="bg1"/>
-                </a:solidFill>
+              <a:rPr lang="it-IT" sz="1400" dirty="0" err="1">
+                <a:effectLst/>
+              </a:rPr>
+              <a:t>behaviour</a:t>
+            </a:r>
+            <a:r>
+              <a:rPr lang="it-IT" sz="1400" dirty="0">
+                <a:effectLst/>
               </a:rPr>
               <a:t> </a:t>
             </a:r>
             <a:r>
-              <a:rPr lang="it-IT" sz="2000" dirty="0" err="1">
-                <a:solidFill>
-                  <a:schemeClr val="bg1"/>
-                </a:solidFill>
-              </a:rPr>
-              <a:t>too</a:t>
-            </a:r>
-            <a:r>
-              <a:rPr lang="it-IT" sz="2000" dirty="0">
-                <a:solidFill>
-                  <a:schemeClr val="bg1"/>
-                </a:solidFill>
+              <a:rPr lang="it-IT" sz="1400" dirty="0" err="1">
+                <a:effectLst/>
+              </a:rPr>
+              <a:t>is</a:t>
+            </a:r>
+            <a:r>
+              <a:rPr lang="it-IT" sz="1400" dirty="0">
+                <a:effectLst/>
               </a:rPr>
               <a:t> </a:t>
             </a:r>
             <a:r>
-              <a:rPr lang="it-IT" sz="2000" dirty="0" err="1">
-                <a:solidFill>
-                  <a:schemeClr val="bg1"/>
-                </a:solidFill>
-              </a:rPr>
-              <a:t>many</a:t>
-            </a:r>
-            <a:r>
-              <a:rPr lang="it-IT" sz="2000" dirty="0">
-                <a:solidFill>
-                  <a:schemeClr val="bg1"/>
-                </a:solidFill>
-              </a:rPr>
-              <a:t>!</a:t>
-            </a:r>
-          </a:p>
-          <a:p>
-            <a:r>
-              <a:rPr lang="it-IT" sz="2000" dirty="0" err="1">
-                <a:solidFill>
-                  <a:schemeClr val="bg1"/>
-                </a:solidFill>
-              </a:rPr>
-              <a:t>Only</a:t>
-            </a:r>
-            <a:r>
-              <a:rPr lang="it-IT" sz="2000" dirty="0">
-                <a:solidFill>
-                  <a:schemeClr val="bg1"/>
-                </a:solidFill>
+              <a:rPr lang="it-IT" sz="1400" dirty="0" err="1">
+                <a:effectLst/>
+              </a:rPr>
+              <a:t>already</a:t>
+            </a:r>
+            <a:r>
+              <a:rPr lang="it-IT" sz="1400" dirty="0">
+                <a:effectLst/>
               </a:rPr>
               <a:t> </a:t>
             </a:r>
             <a:r>
-              <a:rPr lang="it-IT" sz="2000" dirty="0" err="1">
-                <a:solidFill>
-                  <a:schemeClr val="bg1"/>
-                </a:solidFill>
-              </a:rPr>
-              <a:t>using</a:t>
-            </a:r>
-            <a:r>
-              <a:rPr lang="it-IT" sz="2000" dirty="0">
-                <a:solidFill>
-                  <a:schemeClr val="bg1"/>
-                </a:solidFill>
-              </a:rPr>
-              <a:t> </a:t>
-            </a:r>
-            <a:r>
-              <a:rPr lang="en-US" sz="2000" dirty="0">
-                <a:solidFill>
-                  <a:schemeClr val="bg1"/>
-                </a:solidFill>
-                <a:latin typeface="Courier New" panose="02070309020205020404" pitchFamily="49" charset="0"/>
-                <a:cs typeface="Courier New" panose="02070309020205020404" pitchFamily="49" charset="0"/>
-              </a:rPr>
-              <a:t>reach((1,1), (2,5)). </a:t>
-            </a:r>
-            <a:r>
-              <a:rPr lang="en-US" sz="2000" dirty="0">
-                <a:solidFill>
-                  <a:schemeClr val="bg1"/>
-                </a:solidFill>
-                <a:cs typeface="Courier New" panose="02070309020205020404" pitchFamily="49" charset="0"/>
-              </a:rPr>
-              <a:t>leads to the same result!</a:t>
-            </a:r>
-          </a:p>
-          <a:p>
-            <a:r>
-              <a:rPr lang="en-US" sz="2000" dirty="0">
-                <a:solidFill>
-                  <a:schemeClr val="bg1"/>
-                </a:solidFill>
-                <a:cs typeface="Courier New" panose="02070309020205020404" pitchFamily="49" charset="0"/>
-              </a:rPr>
-              <a:t>This is possible thanks to how metarules reduce the domain, hence our search space.</a:t>
-            </a:r>
-          </a:p>
-          <a:p>
-            <a:endParaRPr lang="en-US" sz="1800" dirty="0">
-              <a:solidFill>
-                <a:schemeClr val="bg1"/>
-              </a:solidFill>
-              <a:latin typeface="Courier New" panose="02070309020205020404" pitchFamily="49" charset="0"/>
+              <a:rPr lang="it-IT" sz="1400" dirty="0" err="1">
+                <a:effectLst/>
+              </a:rPr>
+              <a:t>forbidden</a:t>
+            </a:r>
+            <a:r>
+              <a:rPr lang="it-IT" sz="1400" dirty="0">
+                <a:effectLst/>
+              </a:rPr>
+              <a:t> by the background knowledge.</a:t>
+            </a:r>
+            <a:endParaRPr lang="it-IT" sz="1400" b="1" u="sng" dirty="0">
               <a:cs typeface="Courier New" panose="02070309020205020404" pitchFamily="49" charset="0"/>
-            </a:endParaRPr>
-          </a:p>
-          <a:p>
-            <a:endParaRPr lang="it-IT" dirty="0">
-              <a:solidFill>
-                <a:schemeClr val="bg1"/>
-              </a:solidFill>
-            </a:endParaRPr>
-          </a:p>
-          <a:p>
-            <a:endParaRPr lang="it-IT" dirty="0">
-              <a:solidFill>
-                <a:schemeClr val="bg1"/>
-              </a:solidFill>
             </a:endParaRPr>
           </a:p>
         </p:txBody>
@@ -7475,7 +8298,7 @@
     </p:spTree>
     <p:extLst>
       <p:ext uri="{BB962C8B-B14F-4D97-AF65-F5344CB8AC3E}">
-        <p14:creationId xmlns:p14="http://schemas.microsoft.com/office/powerpoint/2010/main" val="1716667692"/>
+        <p14:creationId xmlns:p14="http://schemas.microsoft.com/office/powerpoint/2010/main" val="257936271"/>
       </p:ext>
     </p:extLst>
   </p:cSld>
@@ -7510,12 +8333,41 @@
           <a:chExt cx="0" cy="0"/>
         </a:xfrm>
       </p:grpSpPr>
+      <p:pic>
+        <p:nvPicPr>
+          <p:cNvPr id="5" name="Picture 4" descr="Maze">
+            <a:extLst>
+              <a:ext uri="{FF2B5EF4-FFF2-40B4-BE49-F238E27FC236}">
+                <a16:creationId xmlns:a16="http://schemas.microsoft.com/office/drawing/2014/main" id="{8CBB88FA-6CC5-4058-B997-6B93B0B98EB6}"/>
+              </a:ext>
+            </a:extLst>
+          </p:cNvPr>
+          <p:cNvPicPr>
+            <a:picLocks noChangeAspect="1"/>
+          </p:cNvPicPr>
+          <p:nvPr/>
+        </p:nvPicPr>
+        <p:blipFill rotWithShape="1">
+          <a:blip r:embed="rId2"/>
+          <a:srcRect t="9021"/>
+          <a:stretch/>
+        </p:blipFill>
+        <p:spPr>
+          <a:xfrm>
+            <a:off x="20" y="10"/>
+            <a:ext cx="11292820" cy="6857990"/>
+          </a:xfrm>
+          <a:prstGeom prst="rect">
+            <a:avLst/>
+          </a:prstGeom>
+        </p:spPr>
+      </p:pic>
       <p:sp>
         <p:nvSpPr>
-          <p:cNvPr id="9" name="Rectangle 8">
+          <p:cNvPr id="15" name="Rectangle 14">
             <a:extLst>
               <a:ext uri="{FF2B5EF4-FFF2-40B4-BE49-F238E27FC236}">
-                <a16:creationId xmlns:a16="http://schemas.microsoft.com/office/drawing/2014/main" id="{989683EB-D202-4B4D-B1BD-8BA6965FBEF5}"/>
+                <a16:creationId xmlns:a16="http://schemas.microsoft.com/office/drawing/2014/main" id="{9163A971-857A-4D4D-B458-BADAF926FFCC}"/>
               </a:ext>
               <a:ext uri="{C183D7F6-B498-43B3-948B-1728B52AA6E4}">
                 <adec:decorative xmlns:adec="http://schemas.microsoft.com/office/drawing/2017/decorative" val="1"/>
@@ -7535,14 +8387,16 @@
         </p:nvSpPr>
         <p:spPr>
           <a:xfrm>
-            <a:off x="0" y="-1"/>
-            <a:ext cx="11292840" cy="6858001"/>
+            <a:off x="3559481" y="0"/>
+            <a:ext cx="7737169" cy="6858000"/>
           </a:xfrm>
           <a:prstGeom prst="rect">
             <a:avLst/>
           </a:prstGeom>
           <a:solidFill>
-            <a:schemeClr val="tx1"/>
+            <a:schemeClr val="bg1">
+              <a:alpha val="91000"/>
+            </a:schemeClr>
           </a:solidFill>
           <a:ln>
             <a:noFill/>
@@ -7568,11 +8422,285 @@
           <a:bodyPr rtlCol="0" anchor="ctr"/>
           <a:lstStyle/>
           <a:p>
-            <a:pPr algn="ctr"/>
-            <a:endParaRPr lang="en-US"/>
+            <a:pPr marL="0" marR="0" lvl="0" indent="0" algn="ctr" defTabSz="914400" rtl="0" eaLnBrk="1" fontAlgn="auto" latinLnBrk="0" hangingPunct="1">
+              <a:lnSpc>
+                <a:spcPct val="100000"/>
+              </a:lnSpc>
+              <a:spcBef>
+                <a:spcPts val="0"/>
+              </a:spcBef>
+              <a:spcAft>
+                <a:spcPts val="0"/>
+              </a:spcAft>
+              <a:buClrTx/>
+              <a:buSzTx/>
+              <a:buFontTx/>
+              <a:buNone/>
+              <a:tabLst/>
+              <a:defRPr/>
+            </a:pPr>
+            <a:endParaRPr kumimoji="0" lang="en-US" sz="1800" b="0" i="0" u="none" strike="noStrike" kern="1200" cap="none" spc="0" normalizeH="0" baseline="0" noProof="0">
+              <a:ln>
+                <a:noFill/>
+              </a:ln>
+              <a:solidFill>
+                <a:srgbClr val="FFFFFF"/>
+              </a:solidFill>
+              <a:effectLst/>
+              <a:uLnTx/>
+              <a:uFillTx/>
+              <a:latin typeface="Century Schoolbook" panose="02040604050505020304"/>
+              <a:ea typeface="+mn-ea"/>
+              <a:cs typeface="+mn-cs"/>
+            </a:endParaRPr>
           </a:p>
         </p:txBody>
       </p:sp>
+      <p:sp>
+        <p:nvSpPr>
+          <p:cNvPr id="2" name="Titolo 1">
+            <a:extLst>
+              <a:ext uri="{FF2B5EF4-FFF2-40B4-BE49-F238E27FC236}">
+                <a16:creationId xmlns:a16="http://schemas.microsoft.com/office/drawing/2014/main" id="{53FD79FB-C723-4EE6-843C-33599473613F}"/>
+              </a:ext>
+            </a:extLst>
+          </p:cNvPr>
+          <p:cNvSpPr>
+            <a:spLocks noGrp="1"/>
+          </p:cNvSpPr>
+          <p:nvPr>
+            <p:ph type="title"/>
+          </p:nvPr>
+        </p:nvSpPr>
+        <p:spPr>
+          <a:xfrm>
+            <a:off x="4050889" y="365758"/>
+            <a:ext cx="6784259" cy="1828800"/>
+          </a:xfrm>
+        </p:spPr>
+        <p:txBody>
+          <a:bodyPr>
+            <a:normAutofit/>
+          </a:bodyPr>
+          <a:lstStyle/>
+          <a:p>
+            <a:r>
+              <a:rPr lang="it-IT"/>
+              <a:t>Interesting points</a:t>
+            </a:r>
+          </a:p>
+        </p:txBody>
+      </p:sp>
+      <p:sp>
+        <p:nvSpPr>
+          <p:cNvPr id="3" name="Segnaposto contenuto 2">
+            <a:extLst>
+              <a:ext uri="{FF2B5EF4-FFF2-40B4-BE49-F238E27FC236}">
+                <a16:creationId xmlns:a16="http://schemas.microsoft.com/office/drawing/2014/main" id="{7BF06AF6-F9B6-4411-9EF0-4EE6B29F9CBA}"/>
+              </a:ext>
+            </a:extLst>
+          </p:cNvPr>
+          <p:cNvSpPr>
+            <a:spLocks noGrp="1"/>
+          </p:cNvSpPr>
+          <p:nvPr>
+            <p:ph idx="1"/>
+          </p:nvPr>
+        </p:nvSpPr>
+        <p:spPr>
+          <a:xfrm>
+            <a:off x="4050889" y="2516291"/>
+            <a:ext cx="6784259" cy="3682896"/>
+          </a:xfrm>
+        </p:spPr>
+        <p:txBody>
+          <a:bodyPr>
+            <a:normAutofit/>
+          </a:bodyPr>
+          <a:lstStyle/>
+          <a:p>
+            <a:r>
+              <a:rPr lang="it-IT" dirty="0" err="1"/>
+              <a:t>Perhaps</a:t>
+            </a:r>
+            <a:r>
+              <a:rPr lang="it-IT" dirty="0"/>
+              <a:t> </a:t>
+            </a:r>
+            <a:r>
+              <a:rPr lang="it-IT" dirty="0" err="1"/>
+              <a:t>we</a:t>
+            </a:r>
+            <a:r>
+              <a:rPr lang="it-IT" dirty="0"/>
+              <a:t> are </a:t>
+            </a:r>
+            <a:r>
+              <a:rPr lang="it-IT" dirty="0" err="1"/>
+              <a:t>not</a:t>
+            </a:r>
+            <a:r>
+              <a:rPr lang="it-IT" dirty="0"/>
+              <a:t> </a:t>
+            </a:r>
+            <a:r>
+              <a:rPr lang="it-IT" dirty="0" err="1"/>
+              <a:t>using</a:t>
+            </a:r>
+            <a:r>
+              <a:rPr lang="it-IT" dirty="0"/>
+              <a:t> </a:t>
+            </a:r>
+            <a:r>
+              <a:rPr lang="it-IT" dirty="0" err="1"/>
+              <a:t>enough</a:t>
+            </a:r>
+            <a:r>
+              <a:rPr lang="it-IT" dirty="0"/>
+              <a:t> </a:t>
+            </a:r>
+            <a:r>
+              <a:rPr lang="it-IT" dirty="0" err="1"/>
+              <a:t>examples</a:t>
+            </a:r>
+            <a:r>
+              <a:rPr lang="it-IT" dirty="0"/>
+              <a:t>.</a:t>
+            </a:r>
+          </a:p>
+          <a:p>
+            <a:r>
+              <a:rPr lang="it-IT" dirty="0" err="1"/>
+              <a:t>Actually</a:t>
+            </a:r>
+            <a:r>
+              <a:rPr lang="it-IT" dirty="0"/>
+              <a:t>, </a:t>
+            </a:r>
+            <a:r>
+              <a:rPr lang="it-IT" dirty="0" err="1"/>
+              <a:t>we</a:t>
+            </a:r>
+            <a:r>
+              <a:rPr lang="it-IT" dirty="0"/>
+              <a:t> are </a:t>
+            </a:r>
+            <a:r>
+              <a:rPr lang="it-IT" dirty="0" err="1"/>
+              <a:t>using</a:t>
+            </a:r>
+            <a:r>
+              <a:rPr lang="it-IT" dirty="0"/>
+              <a:t> </a:t>
+            </a:r>
+            <a:r>
+              <a:rPr lang="it-IT" dirty="0" err="1"/>
+              <a:t>too</a:t>
+            </a:r>
+            <a:r>
+              <a:rPr lang="it-IT" dirty="0"/>
+              <a:t> </a:t>
+            </a:r>
+            <a:r>
+              <a:rPr lang="it-IT" dirty="0" err="1"/>
+              <a:t>many</a:t>
+            </a:r>
+            <a:r>
+              <a:rPr lang="it-IT" dirty="0"/>
+              <a:t>!</a:t>
+            </a:r>
+          </a:p>
+          <a:p>
+            <a:r>
+              <a:rPr lang="it-IT" dirty="0" err="1"/>
+              <a:t>Only</a:t>
+            </a:r>
+            <a:r>
+              <a:rPr lang="it-IT" dirty="0"/>
+              <a:t> </a:t>
+            </a:r>
+            <a:r>
+              <a:rPr lang="it-IT" dirty="0" err="1"/>
+              <a:t>using</a:t>
+            </a:r>
+            <a:r>
+              <a:rPr lang="it-IT" dirty="0"/>
+              <a:t> </a:t>
+            </a:r>
+            <a:r>
+              <a:rPr lang="en-US" dirty="0">
+                <a:latin typeface="Courier New" panose="02070309020205020404" pitchFamily="49" charset="0"/>
+                <a:cs typeface="Courier New" panose="02070309020205020404" pitchFamily="49" charset="0"/>
+              </a:rPr>
+              <a:t>reach((1,1), (2,5)). </a:t>
+            </a:r>
+            <a:r>
+              <a:rPr lang="en-US" dirty="0">
+                <a:cs typeface="Courier New" panose="02070309020205020404" pitchFamily="49" charset="0"/>
+              </a:rPr>
+              <a:t>leads to the same result!</a:t>
+            </a:r>
+          </a:p>
+          <a:p>
+            <a:r>
+              <a:rPr lang="en-US" dirty="0">
+                <a:cs typeface="Courier New" panose="02070309020205020404" pitchFamily="49" charset="0"/>
+              </a:rPr>
+              <a:t>This is possible thanks to how metarules reduce the domain, hence our search space.</a:t>
+            </a:r>
+          </a:p>
+          <a:p>
+            <a:endParaRPr lang="en-US" dirty="0">
+              <a:latin typeface="Courier New" panose="02070309020205020404" pitchFamily="49" charset="0"/>
+              <a:cs typeface="Courier New" panose="02070309020205020404" pitchFamily="49" charset="0"/>
+            </a:endParaRPr>
+          </a:p>
+          <a:p>
+            <a:endParaRPr lang="it-IT" dirty="0"/>
+          </a:p>
+          <a:p>
+            <a:endParaRPr lang="it-IT" dirty="0"/>
+          </a:p>
+        </p:txBody>
+      </p:sp>
+    </p:spTree>
+    <p:extLst>
+      <p:ext uri="{BB962C8B-B14F-4D97-AF65-F5344CB8AC3E}">
+        <p14:creationId xmlns:p14="http://schemas.microsoft.com/office/powerpoint/2010/main" val="1716667692"/>
+      </p:ext>
+    </p:extLst>
+  </p:cSld>
+  <p:clrMapOvr>
+    <a:masterClrMapping/>
+  </p:clrMapOvr>
+</p:sld>
+</file>
+
+<file path=ppt/slides/slide12.xml><?xml version="1.0" encoding="utf-8"?>
+<p:sld xmlns:a="http://schemas.openxmlformats.org/drawingml/2006/main" xmlns:r="http://schemas.openxmlformats.org/officeDocument/2006/relationships" xmlns:p="http://schemas.openxmlformats.org/presentationml/2006/main">
+  <p:cSld>
+    <p:bg>
+      <p:bgPr>
+        <a:solidFill>
+          <a:schemeClr val="bg1"/>
+        </a:solidFill>
+        <a:effectLst/>
+      </p:bgPr>
+    </p:bg>
+    <p:spTree>
+      <p:nvGrpSpPr>
+        <p:cNvPr id="1" name=""/>
+        <p:cNvGrpSpPr/>
+        <p:nvPr/>
+      </p:nvGrpSpPr>
+      <p:grpSpPr>
+        <a:xfrm>
+          <a:off x="0" y="0"/>
+          <a:ext cx="0" cy="0"/>
+          <a:chOff x="0" y="0"/>
+          <a:chExt cx="0" cy="0"/>
+        </a:xfrm>
+      </p:grpSpPr>
       <p:pic>
         <p:nvPicPr>
           <p:cNvPr id="4" name="Picture 4" descr="Maze">
@@ -7588,9 +8716,7 @@
           <p:nvPr/>
         </p:nvPicPr>
         <p:blipFill rotWithShape="1">
-          <a:blip r:embed="rId2">
-            <a:alphaModFix amt="35000"/>
-          </a:blip>
+          <a:blip r:embed="rId2"/>
           <a:srcRect t="9021"/>
           <a:stretch/>
         </p:blipFill>
@@ -7604,6 +8730,100 @@
           </a:prstGeom>
         </p:spPr>
       </p:pic>
+      <p:sp>
+        <p:nvSpPr>
+          <p:cNvPr id="14" name="Rectangle 13">
+            <a:extLst>
+              <a:ext uri="{FF2B5EF4-FFF2-40B4-BE49-F238E27FC236}">
+                <a16:creationId xmlns:a16="http://schemas.microsoft.com/office/drawing/2014/main" id="{9163A971-857A-4D4D-B458-BADAF926FFCC}"/>
+              </a:ext>
+              <a:ext uri="{C183D7F6-B498-43B3-948B-1728B52AA6E4}">
+                <adec:decorative xmlns:adec="http://schemas.microsoft.com/office/drawing/2017/decorative" val="1"/>
+              </a:ext>
+            </a:extLst>
+          </p:cNvPr>
+          <p:cNvSpPr>
+            <a:spLocks noGrp="1" noRot="1" noChangeAspect="1" noMove="1" noResize="1" noEditPoints="1" noAdjustHandles="1" noChangeArrowheads="1" noChangeShapeType="1" noTextEdit="1"/>
+          </p:cNvSpPr>
+          <p:nvPr>
+            <p:extLst>
+              <p:ext uri="{386F3935-93C4-4BCD-93E2-E3B085C9AB24}">
+                <p16:designElem xmlns:p16="http://schemas.microsoft.com/office/powerpoint/2015/main" val="1"/>
+              </p:ext>
+            </p:extLst>
+          </p:nvPr>
+        </p:nvSpPr>
+        <p:spPr>
+          <a:xfrm>
+            <a:off x="3559481" y="0"/>
+            <a:ext cx="7737169" cy="6858000"/>
+          </a:xfrm>
+          <a:prstGeom prst="rect">
+            <a:avLst/>
+          </a:prstGeom>
+          <a:solidFill>
+            <a:schemeClr val="bg1">
+              <a:alpha val="91000"/>
+            </a:schemeClr>
+          </a:solidFill>
+          <a:ln>
+            <a:noFill/>
+          </a:ln>
+        </p:spPr>
+        <p:style>
+          <a:lnRef idx="2">
+            <a:schemeClr val="accent1">
+              <a:shade val="50000"/>
+            </a:schemeClr>
+          </a:lnRef>
+          <a:fillRef idx="1">
+            <a:schemeClr val="accent1"/>
+          </a:fillRef>
+          <a:effectRef idx="0">
+            <a:schemeClr val="accent1"/>
+          </a:effectRef>
+          <a:fontRef idx="minor">
+            <a:schemeClr val="lt1"/>
+          </a:fontRef>
+        </p:style>
+        <p:txBody>
+          <a:bodyPr rtlCol="0" anchor="ctr"/>
+          <a:lstStyle/>
+          <a:p>
+            <a:pPr marL="0" marR="0" lvl="0" indent="0" algn="ctr" defTabSz="914400" rtl="0" eaLnBrk="1" fontAlgn="auto" latinLnBrk="0" hangingPunct="1">
+              <a:lnSpc>
+                <a:spcPct val="100000"/>
+              </a:lnSpc>
+              <a:spcBef>
+                <a:spcPts val="0"/>
+              </a:spcBef>
+              <a:spcAft>
+                <a:spcPts val="0"/>
+              </a:spcAft>
+              <a:buClrTx/>
+              <a:buSzTx/>
+              <a:buFontTx/>
+              <a:buNone/>
+              <a:tabLst/>
+              <a:defRPr/>
+            </a:pPr>
+            <a:endParaRPr kumimoji="0" lang="en-US" sz="1800" b="0" i="0" u="none" strike="noStrike" kern="1200" cap="none" spc="0" normalizeH="0" baseline="0" noProof="0">
+              <a:ln>
+                <a:noFill/>
+              </a:ln>
+              <a:solidFill>
+                <a:srgbClr val="FFFFFF"/>
+              </a:solidFill>
+              <a:effectLst/>
+              <a:uLnTx/>
+              <a:uFillTx/>
+              <a:latin typeface="Century Schoolbook" panose="02040604050505020304"/>
+              <a:ea typeface="+mn-ea"/>
+              <a:cs typeface="+mn-cs"/>
+            </a:endParaRPr>
+          </a:p>
+        </p:txBody>
+      </p:sp>
       <p:sp>
         <p:nvSpPr>
           <p:cNvPr id="2" name="Titolo 1">
@@ -7622,8 +8842,8 @@
         </p:nvSpPr>
         <p:spPr>
           <a:xfrm>
-            <a:off x="1261872" y="365760"/>
-            <a:ext cx="9692640" cy="1325562"/>
+            <a:off x="4050889" y="365758"/>
+            <a:ext cx="6784259" cy="1828800"/>
           </a:xfrm>
         </p:spPr>
         <p:txBody>
@@ -7633,19 +8853,11 @@
           <a:lstStyle/>
           <a:p>
             <a:r>
-              <a:rPr lang="it-IT" dirty="0" err="1">
-                <a:solidFill>
-                  <a:schemeClr val="bg1"/>
-                </a:solidFill>
-              </a:rPr>
+              <a:rPr lang="it-IT" err="1"/>
               <a:t>Other</a:t>
             </a:r>
             <a:r>
-              <a:rPr lang="it-IT" dirty="0">
-                <a:solidFill>
-                  <a:schemeClr val="bg1"/>
-                </a:solidFill>
-              </a:rPr>
+              <a:rPr lang="it-IT"/>
               <a:t> tasks</a:t>
             </a:r>
           </a:p>
@@ -7669,8 +8881,8 @@
         </p:nvSpPr>
         <p:spPr>
           <a:xfrm>
-            <a:off x="1261872" y="2005739"/>
-            <a:ext cx="8595360" cy="4174398"/>
+            <a:off x="4050889" y="2516291"/>
+            <a:ext cx="6784259" cy="3682896"/>
           </a:xfrm>
         </p:spPr>
         <p:txBody>
@@ -7680,128 +8892,86 @@
           <a:lstStyle/>
           <a:p>
             <a:r>
-              <a:rPr lang="it-IT" dirty="0">
-                <a:solidFill>
-                  <a:schemeClr val="bg1"/>
-                </a:solidFill>
+              <a:rPr lang="it-IT">
                 <a:latin typeface="Courier New" panose="02070309020205020404" pitchFamily="49" charset="0"/>
                 <a:cs typeface="Courier New" panose="02070309020205020404" pitchFamily="49" charset="0"/>
               </a:rPr>
               <a:t>learning_to_travel_memory.pl: </a:t>
             </a:r>
             <a:r>
-              <a:rPr lang="it-IT" dirty="0" err="1">
-                <a:solidFill>
-                  <a:schemeClr val="bg1"/>
-                </a:solidFill>
+              <a:rPr lang="it-IT" err="1">
                 <a:cs typeface="Courier New" panose="02070309020205020404" pitchFamily="49" charset="0"/>
               </a:rPr>
               <a:t>Same</a:t>
             </a:r>
             <a:r>
-              <a:rPr lang="it-IT" dirty="0">
-                <a:solidFill>
-                  <a:schemeClr val="bg1"/>
-                </a:solidFill>
+              <a:rPr lang="it-IT">
                 <a:cs typeface="Courier New" panose="02070309020205020404" pitchFamily="49" charset="0"/>
               </a:rPr>
               <a:t> </a:t>
             </a:r>
             <a:r>
-              <a:rPr lang="it-IT" dirty="0" err="1">
-                <a:solidFill>
-                  <a:schemeClr val="bg1"/>
-                </a:solidFill>
+              <a:rPr lang="it-IT" err="1">
                 <a:cs typeface="Courier New" panose="02070309020205020404" pitchFamily="49" charset="0"/>
               </a:rPr>
               <a:t>as</a:t>
             </a:r>
             <a:r>
-              <a:rPr lang="it-IT" dirty="0">
-                <a:solidFill>
-                  <a:schemeClr val="bg1"/>
-                </a:solidFill>
+              <a:rPr lang="it-IT">
                 <a:cs typeface="Courier New" panose="02070309020205020404" pitchFamily="49" charset="0"/>
               </a:rPr>
               <a:t> </a:t>
             </a:r>
             <a:r>
-              <a:rPr lang="it-IT" i="1" dirty="0">
-                <a:solidFill>
-                  <a:schemeClr val="bg1"/>
-                </a:solidFill>
+              <a:rPr lang="it-IT" i="1">
                 <a:cs typeface="Courier New" panose="02070309020205020404" pitchFamily="49" charset="0"/>
               </a:rPr>
               <a:t>«learning to travel» </a:t>
             </a:r>
             <a:r>
-              <a:rPr lang="it-IT" dirty="0" err="1">
-                <a:solidFill>
-                  <a:schemeClr val="bg1"/>
-                </a:solidFill>
+              <a:rPr lang="it-IT" err="1">
                 <a:cs typeface="Courier New" panose="02070309020205020404" pitchFamily="49" charset="0"/>
               </a:rPr>
               <a:t>but</a:t>
             </a:r>
             <a:r>
-              <a:rPr lang="it-IT" dirty="0">
-                <a:solidFill>
-                  <a:schemeClr val="bg1"/>
-                </a:solidFill>
+              <a:rPr lang="it-IT">
                 <a:cs typeface="Courier New" panose="02070309020205020404" pitchFamily="49" charset="0"/>
               </a:rPr>
               <a:t> </a:t>
             </a:r>
             <a:r>
-              <a:rPr lang="it-IT" dirty="0" err="1">
-                <a:solidFill>
-                  <a:schemeClr val="bg1"/>
-                </a:solidFill>
+              <a:rPr lang="it-IT" err="1">
                 <a:cs typeface="Courier New" panose="02070309020205020404" pitchFamily="49" charset="0"/>
               </a:rPr>
               <a:t>also</a:t>
             </a:r>
             <a:r>
-              <a:rPr lang="it-IT" dirty="0">
-                <a:solidFill>
-                  <a:schemeClr val="bg1"/>
-                </a:solidFill>
+              <a:rPr lang="it-IT">
                 <a:cs typeface="Courier New" panose="02070309020205020404" pitchFamily="49" charset="0"/>
               </a:rPr>
               <a:t> </a:t>
             </a:r>
             <a:r>
-              <a:rPr lang="it-IT" dirty="0" err="1">
-                <a:solidFill>
-                  <a:schemeClr val="bg1"/>
-                </a:solidFill>
+              <a:rPr lang="it-IT" err="1">
                 <a:cs typeface="Courier New" panose="02070309020205020404" pitchFamily="49" charset="0"/>
               </a:rPr>
               <a:t>keeps</a:t>
             </a:r>
             <a:r>
-              <a:rPr lang="it-IT" dirty="0">
-                <a:solidFill>
-                  <a:schemeClr val="bg1"/>
-                </a:solidFill>
+              <a:rPr lang="it-IT">
                 <a:cs typeface="Courier New" panose="02070309020205020404" pitchFamily="49" charset="0"/>
               </a:rPr>
               <a:t> track of the </a:t>
             </a:r>
             <a:r>
-              <a:rPr lang="it-IT" dirty="0" err="1">
-                <a:solidFill>
-                  <a:schemeClr val="bg1"/>
-                </a:solidFill>
+              <a:rPr lang="it-IT" err="1">
                 <a:cs typeface="Courier New" panose="02070309020205020404" pitchFamily="49" charset="0"/>
               </a:rPr>
               <a:t>path</a:t>
             </a:r>
             <a:r>
-              <a:rPr lang="it-IT" dirty="0">
-                <a:solidFill>
-                  <a:schemeClr val="bg1"/>
-                </a:solidFill>
+              <a:rPr lang="it-IT">
                 <a:cs typeface="Courier New" panose="02070309020205020404" pitchFamily="49" charset="0"/>
               </a:rPr>
               <a:t> in a list.</a:t>
@@ -7809,517 +8979,346 @@
           </a:p>
           <a:p>
             <a:r>
-              <a:rPr lang="it-IT" dirty="0">
-                <a:solidFill>
-                  <a:schemeClr val="bg1"/>
-                </a:solidFill>
+              <a:rPr lang="it-IT">
                 <a:latin typeface="Courier New" panose="02070309020205020404" pitchFamily="49" charset="0"/>
                 <a:cs typeface="Courier New" panose="02070309020205020404" pitchFamily="49" charset="0"/>
               </a:rPr>
               <a:t>learn_to_win.pl: </a:t>
             </a:r>
             <a:r>
-              <a:rPr lang="it-IT" dirty="0">
-                <a:solidFill>
-                  <a:schemeClr val="bg1"/>
-                </a:solidFill>
+              <a:rPr lang="it-IT">
                 <a:cs typeface="Courier New" panose="02070309020205020404" pitchFamily="49" charset="0"/>
               </a:rPr>
               <a:t>Solving the </a:t>
             </a:r>
             <a:r>
-              <a:rPr lang="it-IT" dirty="0" err="1">
-                <a:solidFill>
-                  <a:schemeClr val="bg1"/>
-                </a:solidFill>
+              <a:rPr lang="it-IT" err="1">
                 <a:cs typeface="Courier New" panose="02070309020205020404" pitchFamily="49" charset="0"/>
               </a:rPr>
               <a:t>Maze</a:t>
             </a:r>
             <a:r>
-              <a:rPr lang="it-IT" dirty="0">
-                <a:solidFill>
-                  <a:schemeClr val="bg1"/>
-                </a:solidFill>
+              <a:rPr lang="it-IT">
                 <a:cs typeface="Courier New" panose="02070309020205020404" pitchFamily="49" charset="0"/>
               </a:rPr>
               <a:t> </a:t>
             </a:r>
             <a:r>
-              <a:rPr lang="it-IT" dirty="0" err="1">
-                <a:solidFill>
-                  <a:schemeClr val="bg1"/>
-                </a:solidFill>
+              <a:rPr lang="it-IT" err="1">
                 <a:cs typeface="Courier New" panose="02070309020205020404" pitchFamily="49" charset="0"/>
               </a:rPr>
               <a:t>problem</a:t>
             </a:r>
             <a:r>
-              <a:rPr lang="it-IT" dirty="0">
-                <a:solidFill>
-                  <a:schemeClr val="bg1"/>
-                </a:solidFill>
+              <a:rPr lang="it-IT">
                 <a:cs typeface="Courier New" panose="02070309020205020404" pitchFamily="49" charset="0"/>
               </a:rPr>
               <a:t> </a:t>
             </a:r>
             <a:r>
-              <a:rPr lang="it-IT" dirty="0" err="1">
-                <a:solidFill>
-                  <a:schemeClr val="bg1"/>
-                </a:solidFill>
+              <a:rPr lang="it-IT" err="1">
                 <a:cs typeface="Courier New" panose="02070309020205020404" pitchFamily="49" charset="0"/>
               </a:rPr>
               <a:t>directly</a:t>
             </a:r>
             <a:r>
-              <a:rPr lang="it-IT" dirty="0">
-                <a:solidFill>
-                  <a:schemeClr val="bg1"/>
-                </a:solidFill>
+              <a:rPr lang="it-IT">
                 <a:cs typeface="Courier New" panose="02070309020205020404" pitchFamily="49" charset="0"/>
               </a:rPr>
               <a:t> </a:t>
             </a:r>
             <a:r>
-              <a:rPr lang="it-IT" dirty="0" err="1">
-                <a:solidFill>
-                  <a:schemeClr val="bg1"/>
-                </a:solidFill>
+              <a:rPr lang="it-IT" err="1">
                 <a:cs typeface="Courier New" panose="02070309020205020404" pitchFamily="49" charset="0"/>
               </a:rPr>
               <a:t>through</a:t>
             </a:r>
             <a:r>
-              <a:rPr lang="it-IT" dirty="0">
-                <a:solidFill>
-                  <a:schemeClr val="bg1"/>
-                </a:solidFill>
+              <a:rPr lang="it-IT">
                 <a:cs typeface="Courier New" panose="02070309020205020404" pitchFamily="49" charset="0"/>
               </a:rPr>
               <a:t> ILP. </a:t>
             </a:r>
             <a:r>
-              <a:rPr lang="it-IT" dirty="0" err="1">
-                <a:solidFill>
-                  <a:schemeClr val="bg1"/>
-                </a:solidFill>
+              <a:rPr lang="it-IT" err="1">
                 <a:cs typeface="Courier New" panose="02070309020205020404" pitchFamily="49" charset="0"/>
               </a:rPr>
               <a:t>Gives</a:t>
             </a:r>
             <a:r>
-              <a:rPr lang="it-IT" dirty="0">
-                <a:solidFill>
-                  <a:schemeClr val="bg1"/>
-                </a:solidFill>
+              <a:rPr lang="it-IT">
                 <a:cs typeface="Courier New" panose="02070309020205020404" pitchFamily="49" charset="0"/>
               </a:rPr>
               <a:t> a </a:t>
             </a:r>
             <a:r>
-              <a:rPr lang="it-IT" i="1" dirty="0">
-                <a:solidFill>
-                  <a:schemeClr val="bg1"/>
-                </a:solidFill>
+              <a:rPr lang="it-IT" i="1">
                 <a:cs typeface="Courier New" panose="02070309020205020404" pitchFamily="49" charset="0"/>
               </a:rPr>
               <a:t>«</a:t>
             </a:r>
             <a:r>
-              <a:rPr lang="it-IT" i="1" dirty="0" err="1">
-                <a:solidFill>
-                  <a:schemeClr val="bg1"/>
-                </a:solidFill>
+              <a:rPr lang="it-IT" i="1" err="1">
                 <a:cs typeface="Courier New" panose="02070309020205020404" pitchFamily="49" charset="0"/>
               </a:rPr>
               <a:t>sequence</a:t>
             </a:r>
             <a:r>
-              <a:rPr lang="it-IT" i="1" dirty="0">
-                <a:solidFill>
-                  <a:schemeClr val="bg1"/>
-                </a:solidFill>
+              <a:rPr lang="it-IT" i="1">
                 <a:cs typeface="Courier New" panose="02070309020205020404" pitchFamily="49" charset="0"/>
               </a:rPr>
               <a:t> of </a:t>
             </a:r>
             <a:r>
-              <a:rPr lang="it-IT" i="1" dirty="0" err="1">
-                <a:solidFill>
-                  <a:schemeClr val="bg1"/>
-                </a:solidFill>
+              <a:rPr lang="it-IT" i="1" err="1">
                 <a:cs typeface="Courier New" panose="02070309020205020404" pitchFamily="49" charset="0"/>
               </a:rPr>
               <a:t>predicates</a:t>
             </a:r>
             <a:r>
-              <a:rPr lang="it-IT" i="1" dirty="0">
-                <a:solidFill>
-                  <a:schemeClr val="bg1"/>
-                </a:solidFill>
+              <a:rPr lang="it-IT" i="1">
                 <a:cs typeface="Courier New" panose="02070309020205020404" pitchFamily="49" charset="0"/>
               </a:rPr>
               <a:t>» </a:t>
             </a:r>
             <a:r>
-              <a:rPr lang="it-IT" dirty="0">
-                <a:solidFill>
-                  <a:schemeClr val="bg1"/>
-                </a:solidFill>
+              <a:rPr lang="it-IT">
                 <a:cs typeface="Courier New" panose="02070309020205020404" pitchFamily="49" charset="0"/>
               </a:rPr>
               <a:t>to </a:t>
             </a:r>
             <a:r>
-              <a:rPr lang="it-IT" dirty="0" err="1">
-                <a:solidFill>
-                  <a:schemeClr val="bg1"/>
-                </a:solidFill>
+              <a:rPr lang="it-IT" err="1">
                 <a:cs typeface="Courier New" panose="02070309020205020404" pitchFamily="49" charset="0"/>
               </a:rPr>
               <a:t>reach</a:t>
             </a:r>
             <a:r>
-              <a:rPr lang="it-IT" dirty="0">
-                <a:solidFill>
-                  <a:schemeClr val="bg1"/>
-                </a:solidFill>
+              <a:rPr lang="it-IT">
                 <a:cs typeface="Courier New" panose="02070309020205020404" pitchFamily="49" charset="0"/>
               </a:rPr>
               <a:t> the goal </a:t>
             </a:r>
             <a:r>
-              <a:rPr lang="it-IT" dirty="0" err="1">
-                <a:solidFill>
-                  <a:schemeClr val="bg1"/>
-                </a:solidFill>
+              <a:rPr lang="it-IT" err="1">
                 <a:cs typeface="Courier New" panose="02070309020205020404" pitchFamily="49" charset="0"/>
               </a:rPr>
               <a:t>cell</a:t>
             </a:r>
             <a:r>
-              <a:rPr lang="it-IT" dirty="0">
-                <a:solidFill>
-                  <a:schemeClr val="bg1"/>
-                </a:solidFill>
+              <a:rPr lang="it-IT">
                 <a:cs typeface="Courier New" panose="02070309020205020404" pitchFamily="49" charset="0"/>
               </a:rPr>
               <a:t> from the start </a:t>
             </a:r>
             <a:r>
-              <a:rPr lang="it-IT" dirty="0" err="1">
-                <a:solidFill>
-                  <a:schemeClr val="bg1"/>
-                </a:solidFill>
+              <a:rPr lang="it-IT" err="1">
                 <a:cs typeface="Courier New" panose="02070309020205020404" pitchFamily="49" charset="0"/>
               </a:rPr>
               <a:t>cell</a:t>
             </a:r>
             <a:r>
-              <a:rPr lang="it-IT" dirty="0">
-                <a:solidFill>
-                  <a:schemeClr val="bg1"/>
-                </a:solidFill>
+              <a:rPr lang="it-IT">
                 <a:cs typeface="Courier New" panose="02070309020205020404" pitchFamily="49" charset="0"/>
               </a:rPr>
               <a:t>.</a:t>
             </a:r>
-            <a:endParaRPr lang="it-IT" dirty="0">
-              <a:solidFill>
-                <a:schemeClr val="bg1"/>
-              </a:solidFill>
+            <a:endParaRPr lang="it-IT">
               <a:latin typeface="Courier New" panose="02070309020205020404" pitchFamily="49" charset="0"/>
               <a:cs typeface="Courier New" panose="02070309020205020404" pitchFamily="49" charset="0"/>
             </a:endParaRPr>
           </a:p>
           <a:p>
             <a:r>
-              <a:rPr lang="it-IT" dirty="0">
-                <a:solidFill>
-                  <a:schemeClr val="bg1"/>
-                </a:solidFill>
+              <a:rPr lang="it-IT">
                 <a:latin typeface="Courier New" panose="02070309020205020404" pitchFamily="49" charset="0"/>
                 <a:cs typeface="Courier New" panose="02070309020205020404" pitchFamily="49" charset="0"/>
               </a:rPr>
               <a:t>reach_from_scratch.pl: </a:t>
             </a:r>
             <a:r>
-              <a:rPr lang="it-IT" dirty="0" err="1">
-                <a:solidFill>
-                  <a:schemeClr val="bg1"/>
-                </a:solidFill>
+              <a:rPr lang="it-IT" err="1">
                 <a:cs typeface="Courier New" panose="02070309020205020404" pitchFamily="49" charset="0"/>
               </a:rPr>
               <a:t>Learns</a:t>
             </a:r>
             <a:r>
-              <a:rPr lang="it-IT" dirty="0">
-                <a:solidFill>
-                  <a:schemeClr val="bg1"/>
-                </a:solidFill>
+              <a:rPr lang="it-IT">
                 <a:cs typeface="Courier New" panose="02070309020205020404" pitchFamily="49" charset="0"/>
               </a:rPr>
               <a:t> to </a:t>
             </a:r>
             <a:r>
-              <a:rPr lang="it-IT" dirty="0" err="1">
-                <a:solidFill>
-                  <a:schemeClr val="bg1"/>
-                </a:solidFill>
+              <a:rPr lang="it-IT" err="1">
                 <a:cs typeface="Courier New" panose="02070309020205020404" pitchFamily="49" charset="0"/>
               </a:rPr>
               <a:t>move</a:t>
             </a:r>
             <a:r>
-              <a:rPr lang="it-IT" dirty="0">
-                <a:solidFill>
-                  <a:schemeClr val="bg1"/>
-                </a:solidFill>
+              <a:rPr lang="it-IT">
                 <a:cs typeface="Courier New" panose="02070309020205020404" pitchFamily="49" charset="0"/>
               </a:rPr>
               <a:t> </a:t>
             </a:r>
             <a:r>
-              <a:rPr lang="it-IT" dirty="0" err="1">
-                <a:solidFill>
-                  <a:schemeClr val="bg1"/>
-                </a:solidFill>
+              <a:rPr lang="it-IT" err="1">
                 <a:cs typeface="Courier New" panose="02070309020205020404" pitchFamily="49" charset="0"/>
               </a:rPr>
               <a:t>between</a:t>
             </a:r>
             <a:r>
-              <a:rPr lang="it-IT" dirty="0">
-                <a:solidFill>
-                  <a:schemeClr val="bg1"/>
-                </a:solidFill>
+              <a:rPr lang="it-IT">
                 <a:cs typeface="Courier New" panose="02070309020205020404" pitchFamily="49" charset="0"/>
               </a:rPr>
               <a:t> </a:t>
             </a:r>
             <a:r>
-              <a:rPr lang="it-IT" dirty="0" err="1">
-                <a:solidFill>
-                  <a:schemeClr val="bg1"/>
-                </a:solidFill>
+              <a:rPr lang="it-IT" err="1">
                 <a:cs typeface="Courier New" panose="02070309020205020404" pitchFamily="49" charset="0"/>
               </a:rPr>
               <a:t>distant</a:t>
             </a:r>
             <a:r>
-              <a:rPr lang="it-IT" dirty="0">
-                <a:solidFill>
-                  <a:schemeClr val="bg1"/>
-                </a:solidFill>
+              <a:rPr lang="it-IT">
                 <a:cs typeface="Courier New" panose="02070309020205020404" pitchFamily="49" charset="0"/>
               </a:rPr>
               <a:t> </a:t>
             </a:r>
             <a:r>
-              <a:rPr lang="it-IT" dirty="0" err="1">
-                <a:solidFill>
-                  <a:schemeClr val="bg1"/>
-                </a:solidFill>
+              <a:rPr lang="it-IT" err="1">
                 <a:cs typeface="Courier New" panose="02070309020205020404" pitchFamily="49" charset="0"/>
               </a:rPr>
               <a:t>cells</a:t>
             </a:r>
             <a:r>
-              <a:rPr lang="it-IT" dirty="0">
-                <a:solidFill>
-                  <a:schemeClr val="bg1"/>
-                </a:solidFill>
+              <a:rPr lang="it-IT">
                 <a:cs typeface="Courier New" panose="02070309020205020404" pitchFamily="49" charset="0"/>
               </a:rPr>
               <a:t> </a:t>
             </a:r>
             <a:r>
-              <a:rPr lang="it-IT" dirty="0" err="1">
-                <a:solidFill>
-                  <a:schemeClr val="bg1"/>
-                </a:solidFill>
+              <a:rPr lang="it-IT" err="1">
                 <a:cs typeface="Courier New" panose="02070309020205020404" pitchFamily="49" charset="0"/>
               </a:rPr>
               <a:t>but</a:t>
             </a:r>
             <a:r>
-              <a:rPr lang="it-IT" dirty="0">
-                <a:solidFill>
-                  <a:schemeClr val="bg1"/>
-                </a:solidFill>
+              <a:rPr lang="it-IT">
                 <a:cs typeface="Courier New" panose="02070309020205020404" pitchFamily="49" charset="0"/>
               </a:rPr>
               <a:t> </a:t>
             </a:r>
             <a:r>
-              <a:rPr lang="it-IT" dirty="0" err="1">
-                <a:solidFill>
-                  <a:schemeClr val="bg1"/>
-                </a:solidFill>
+              <a:rPr lang="it-IT" err="1">
                 <a:cs typeface="Courier New" panose="02070309020205020404" pitchFamily="49" charset="0"/>
               </a:rPr>
               <a:t>without</a:t>
             </a:r>
             <a:r>
-              <a:rPr lang="it-IT" dirty="0">
-                <a:solidFill>
-                  <a:schemeClr val="bg1"/>
-                </a:solidFill>
+              <a:rPr lang="it-IT">
                 <a:cs typeface="Courier New" panose="02070309020205020404" pitchFamily="49" charset="0"/>
               </a:rPr>
               <a:t> </a:t>
             </a:r>
             <a:r>
-              <a:rPr lang="it-IT" dirty="0" err="1">
-                <a:solidFill>
-                  <a:schemeClr val="bg1"/>
-                </a:solidFill>
+              <a:rPr lang="it-IT" err="1">
                 <a:cs typeface="Courier New" panose="02070309020205020404" pitchFamily="49" charset="0"/>
               </a:rPr>
               <a:t>knowing</a:t>
             </a:r>
             <a:r>
-              <a:rPr lang="it-IT" dirty="0">
-                <a:solidFill>
-                  <a:schemeClr val="bg1"/>
-                </a:solidFill>
+              <a:rPr lang="it-IT">
                 <a:cs typeface="Courier New" panose="02070309020205020404" pitchFamily="49" charset="0"/>
               </a:rPr>
               <a:t> </a:t>
             </a:r>
             <a:r>
-              <a:rPr lang="it-IT" dirty="0" err="1">
-                <a:solidFill>
-                  <a:schemeClr val="bg1"/>
-                </a:solidFill>
+              <a:rPr lang="it-IT" err="1">
                 <a:cs typeface="Courier New" panose="02070309020205020404" pitchFamily="49" charset="0"/>
               </a:rPr>
               <a:t>how</a:t>
             </a:r>
             <a:r>
-              <a:rPr lang="it-IT" dirty="0">
-                <a:solidFill>
-                  <a:schemeClr val="bg1"/>
-                </a:solidFill>
+              <a:rPr lang="it-IT">
                 <a:cs typeface="Courier New" panose="02070309020205020404" pitchFamily="49" charset="0"/>
               </a:rPr>
               <a:t> to </a:t>
             </a:r>
             <a:r>
-              <a:rPr lang="it-IT" dirty="0" err="1">
-                <a:solidFill>
-                  <a:schemeClr val="bg1"/>
-                </a:solidFill>
+              <a:rPr lang="it-IT" err="1">
                 <a:cs typeface="Courier New" panose="02070309020205020404" pitchFamily="49" charset="0"/>
               </a:rPr>
               <a:t>move</a:t>
             </a:r>
             <a:r>
-              <a:rPr lang="it-IT" dirty="0">
-                <a:solidFill>
-                  <a:schemeClr val="bg1"/>
-                </a:solidFill>
+              <a:rPr lang="it-IT">
                 <a:cs typeface="Courier New" panose="02070309020205020404" pitchFamily="49" charset="0"/>
               </a:rPr>
               <a:t> </a:t>
             </a:r>
             <a:r>
-              <a:rPr lang="it-IT" dirty="0" err="1">
-                <a:solidFill>
-                  <a:schemeClr val="bg1"/>
-                </a:solidFill>
+              <a:rPr lang="it-IT" err="1">
                 <a:cs typeface="Courier New" panose="02070309020205020404" pitchFamily="49" charset="0"/>
               </a:rPr>
               <a:t>between</a:t>
             </a:r>
             <a:r>
-              <a:rPr lang="it-IT" dirty="0">
-                <a:solidFill>
-                  <a:schemeClr val="bg1"/>
-                </a:solidFill>
+              <a:rPr lang="it-IT">
                 <a:cs typeface="Courier New" panose="02070309020205020404" pitchFamily="49" charset="0"/>
               </a:rPr>
               <a:t> </a:t>
             </a:r>
             <a:r>
-              <a:rPr lang="it-IT" dirty="0" err="1">
-                <a:solidFill>
-                  <a:schemeClr val="bg1"/>
-                </a:solidFill>
+              <a:rPr lang="it-IT" err="1">
                 <a:cs typeface="Courier New" panose="02070309020205020404" pitchFamily="49" charset="0"/>
               </a:rPr>
               <a:t>adjacent</a:t>
             </a:r>
             <a:r>
-              <a:rPr lang="it-IT" dirty="0">
-                <a:solidFill>
-                  <a:schemeClr val="bg1"/>
-                </a:solidFill>
+              <a:rPr lang="it-IT">
                 <a:cs typeface="Courier New" panose="02070309020205020404" pitchFamily="49" charset="0"/>
               </a:rPr>
               <a:t>, </a:t>
             </a:r>
             <a:r>
-              <a:rPr lang="it-IT" dirty="0" err="1">
-                <a:solidFill>
-                  <a:schemeClr val="bg1"/>
-                </a:solidFill>
+              <a:rPr lang="it-IT" err="1">
                 <a:cs typeface="Courier New" panose="02070309020205020404" pitchFamily="49" charset="0"/>
               </a:rPr>
               <a:t>legal</a:t>
             </a:r>
             <a:r>
-              <a:rPr lang="it-IT" dirty="0">
-                <a:solidFill>
-                  <a:schemeClr val="bg1"/>
-                </a:solidFill>
+              <a:rPr lang="it-IT">
                 <a:cs typeface="Courier New" panose="02070309020205020404" pitchFamily="49" charset="0"/>
               </a:rPr>
               <a:t> </a:t>
             </a:r>
             <a:r>
-              <a:rPr lang="it-IT" dirty="0" err="1">
-                <a:solidFill>
-                  <a:schemeClr val="bg1"/>
-                </a:solidFill>
+              <a:rPr lang="it-IT" err="1">
                 <a:cs typeface="Courier New" panose="02070309020205020404" pitchFamily="49" charset="0"/>
               </a:rPr>
               <a:t>cells</a:t>
             </a:r>
             <a:r>
-              <a:rPr lang="it-IT" dirty="0">
-                <a:solidFill>
-                  <a:schemeClr val="bg1"/>
-                </a:solidFill>
+              <a:rPr lang="it-IT">
                 <a:cs typeface="Courier New" panose="02070309020205020404" pitchFamily="49" charset="0"/>
               </a:rPr>
               <a:t>. </a:t>
             </a:r>
             <a:r>
-              <a:rPr lang="it-IT" dirty="0" err="1">
-                <a:solidFill>
-                  <a:schemeClr val="bg1"/>
-                </a:solidFill>
+              <a:rPr lang="it-IT" err="1">
                 <a:cs typeface="Courier New" panose="02070309020205020404" pitchFamily="49" charset="0"/>
               </a:rPr>
               <a:t>Examples</a:t>
             </a:r>
             <a:r>
-              <a:rPr lang="it-IT" dirty="0">
-                <a:solidFill>
-                  <a:schemeClr val="bg1"/>
-                </a:solidFill>
+              <a:rPr lang="it-IT">
                 <a:cs typeface="Courier New" panose="02070309020205020404" pitchFamily="49" charset="0"/>
               </a:rPr>
               <a:t> are key.</a:t>
             </a:r>
           </a:p>
           <a:p>
-            <a:endParaRPr lang="it-IT" dirty="0">
-              <a:solidFill>
-                <a:schemeClr val="bg1"/>
-              </a:solidFill>
+            <a:endParaRPr lang="it-IT">
               <a:latin typeface="Courier New" panose="02070309020205020404" pitchFamily="49" charset="0"/>
               <a:cs typeface="Courier New" panose="02070309020205020404" pitchFamily="49" charset="0"/>
             </a:endParaRPr>
@@ -9130,6 +10129,14 @@
 <file path=ppt/slides/slide5.xml><?xml version="1.0" encoding="utf-8"?>
 <p:sld xmlns:a="http://schemas.openxmlformats.org/drawingml/2006/main" xmlns:r="http://schemas.openxmlformats.org/officeDocument/2006/relationships" xmlns:p="http://schemas.openxmlformats.org/presentationml/2006/main">
   <p:cSld>
+    <p:bg>
+      <p:bgPr>
+        <a:solidFill>
+          <a:schemeClr val="bg1"/>
+        </a:solidFill>
+        <a:effectLst/>
+      </p:bgPr>
+    </p:bg>
     <p:spTree>
       <p:nvGrpSpPr>
         <p:cNvPr id="1" name=""/>
@@ -9144,6 +10151,97 @@
           <a:chExt cx="0" cy="0"/>
         </a:xfrm>
       </p:grpSpPr>
+      <p:sp useBgFill="1">
+        <p:nvSpPr>
+          <p:cNvPr id="11" name="Rectangle 10">
+            <a:extLst>
+              <a:ext uri="{FF2B5EF4-FFF2-40B4-BE49-F238E27FC236}">
+                <a16:creationId xmlns:a16="http://schemas.microsoft.com/office/drawing/2014/main" id="{EFB0C39A-F8CA-4A79-AFFC-E9780FB1991A}"/>
+              </a:ext>
+              <a:ext uri="{C183D7F6-B498-43B3-948B-1728B52AA6E4}">
+                <adec:decorative xmlns:adec="http://schemas.microsoft.com/office/drawing/2017/decorative" val="1"/>
+              </a:ext>
+            </a:extLst>
+          </p:cNvPr>
+          <p:cNvSpPr>
+            <a:spLocks noGrp="1" noRot="1" noChangeAspect="1" noMove="1" noResize="1" noEditPoints="1" noAdjustHandles="1" noChangeArrowheads="1" noChangeShapeType="1" noTextEdit="1"/>
+          </p:cNvSpPr>
+          <p:nvPr>
+            <p:extLst>
+              <p:ext uri="{386F3935-93C4-4BCD-93E2-E3B085C9AB24}">
+                <p16:designElem xmlns:p16="http://schemas.microsoft.com/office/powerpoint/2015/main" val="1"/>
+              </p:ext>
+            </p:extLst>
+          </p:nvPr>
+        </p:nvSpPr>
+        <p:spPr>
+          <a:xfrm>
+            <a:off x="0" y="-1"/>
+            <a:ext cx="12192000" cy="6858001"/>
+          </a:xfrm>
+          <a:prstGeom prst="rect">
+            <a:avLst/>
+          </a:prstGeom>
+          <a:ln>
+            <a:noFill/>
+          </a:ln>
+        </p:spPr>
+        <p:style>
+          <a:lnRef idx="2">
+            <a:schemeClr val="accent1">
+              <a:shade val="50000"/>
+            </a:schemeClr>
+          </a:lnRef>
+          <a:fillRef idx="1">
+            <a:schemeClr val="accent1"/>
+          </a:fillRef>
+          <a:effectRef idx="0">
+            <a:schemeClr val="accent1"/>
+          </a:effectRef>
+          <a:fontRef idx="minor">
+            <a:schemeClr val="lt1"/>
+          </a:fontRef>
+        </p:style>
+        <p:txBody>
+          <a:bodyPr rtlCol="0" anchor="ctr"/>
+          <a:lstStyle/>
+          <a:p>
+            <a:pPr algn="ctr"/>
+            <a:endParaRPr lang="en-US"/>
+          </a:p>
+        </p:txBody>
+      </p:sp>
+      <p:pic>
+        <p:nvPicPr>
+          <p:cNvPr id="6" name="Picture 4" descr="Maze">
+            <a:extLst>
+              <a:ext uri="{FF2B5EF4-FFF2-40B4-BE49-F238E27FC236}">
+                <a16:creationId xmlns:a16="http://schemas.microsoft.com/office/drawing/2014/main" id="{00B765B8-CA0E-4C93-B142-9CF3FF5465A4}"/>
+              </a:ext>
+            </a:extLst>
+          </p:cNvPr>
+          <p:cNvPicPr>
+            <a:picLocks noChangeAspect="1"/>
+          </p:cNvPicPr>
+          <p:nvPr/>
+        </p:nvPicPr>
+        <p:blipFill rotWithShape="1">
+          <a:blip r:embed="rId2">
+            <a:alphaModFix amt="40000"/>
+          </a:blip>
+          <a:srcRect t="15730"/>
+          <a:stretch/>
+        </p:blipFill>
+        <p:spPr>
+          <a:xfrm>
+            <a:off x="20" y="-2"/>
+            <a:ext cx="12191980" cy="6858000"/>
+          </a:xfrm>
+          <a:prstGeom prst="rect">
+            <a:avLst/>
+          </a:prstGeom>
+        </p:spPr>
+      </p:pic>
       <p:sp>
         <p:nvSpPr>
           <p:cNvPr id="4" name="Titolo 3">
@@ -9160,13 +10258,20 @@
             <p:ph type="ctrTitle"/>
           </p:nvPr>
         </p:nvSpPr>
-        <p:spPr/>
+        <p:spPr>
+          <a:xfrm>
+            <a:off x="1261872" y="758952"/>
+            <a:ext cx="9418320" cy="4041648"/>
+          </a:xfrm>
+        </p:spPr>
         <p:txBody>
-          <a:bodyPr/>
+          <a:bodyPr>
+            <a:normAutofit/>
+          </a:bodyPr>
           <a:lstStyle/>
           <a:p>
             <a:r>
-              <a:rPr lang="it-IT" sz="6600" dirty="0" err="1"/>
+              <a:rPr lang="it-IT" err="1"/>
               <a:t>Metagol</a:t>
             </a:r>
             <a:endParaRPr lang="it-IT" dirty="0"/>
@@ -9189,12 +10294,23 @@
             <p:ph type="subTitle" idx="1"/>
           </p:nvPr>
         </p:nvSpPr>
-        <p:spPr/>
+        <p:spPr>
+          <a:xfrm>
+            <a:off x="1261872" y="4800600"/>
+            <a:ext cx="9418320" cy="1691640"/>
+          </a:xfrm>
+        </p:spPr>
         <p:txBody>
-          <a:bodyPr/>
+          <a:bodyPr>
+            <a:normAutofit/>
+          </a:bodyPr>
           <a:lstStyle/>
           <a:p>
-            <a:endParaRPr lang="it-IT" dirty="0"/>
+            <a:endParaRPr lang="it-IT">
+              <a:solidFill>
+                <a:schemeClr val="tx1"/>
+              </a:solidFill>
+            </a:endParaRPr>
           </a:p>
         </p:txBody>
       </p:sp>
@@ -9208,6 +10324,98 @@
   <p:clrMapOvr>
     <a:masterClrMapping/>
   </p:clrMapOvr>
+  <p:timing>
+    <p:tnLst>
+      <p:par>
+        <p:cTn id="1" dur="indefinite" restart="never" nodeType="tmRoot">
+          <p:childTnLst>
+            <p:seq concurrent="1" nextAc="seek">
+              <p:cTn id="2" dur="indefinite" nodeType="mainSeq">
+                <p:childTnLst>
+                  <p:par>
+                    <p:cTn id="3" fill="hold">
+                      <p:stCondLst>
+                        <p:cond delay="indefinite"/>
+                        <p:cond evt="onBegin" delay="0">
+                          <p:tn val="2"/>
+                        </p:cond>
+                      </p:stCondLst>
+                      <p:childTnLst>
+                        <p:par>
+                          <p:cTn id="4" fill="hold">
+                            <p:stCondLst>
+                              <p:cond delay="0"/>
+                            </p:stCondLst>
+                            <p:childTnLst>
+                              <p:par>
+                                <p:cTn id="5" presetID="10" presetClass="entr" presetSubtype="0" fill="hold" grpId="0" nodeType="withEffect">
+                                  <p:stCondLst>
+                                    <p:cond delay="1000"/>
+                                  </p:stCondLst>
+                                  <p:iterate type="lt">
+                                    <p:tmPct val="10000"/>
+                                  </p:iterate>
+                                  <p:childTnLst>
+                                    <p:set>
+                                      <p:cBhvr>
+                                        <p:cTn id="6" dur="1" fill="hold">
+                                          <p:stCondLst>
+                                            <p:cond delay="0"/>
+                                          </p:stCondLst>
+                                        </p:cTn>
+                                        <p:tgtEl>
+                                          <p:spTgt spid="4"/>
+                                        </p:tgtEl>
+                                        <p:attrNameLst>
+                                          <p:attrName>style.visibility</p:attrName>
+                                        </p:attrNameLst>
+                                      </p:cBhvr>
+                                      <p:to>
+                                        <p:strVal val="visible"/>
+                                      </p:to>
+                                    </p:set>
+                                    <p:animEffect transition="in" filter="fade">
+                                      <p:cBhvr>
+                                        <p:cTn id="7" dur="400"/>
+                                        <p:tgtEl>
+                                          <p:spTgt spid="4"/>
+                                        </p:tgtEl>
+                                      </p:cBhvr>
+                                    </p:animEffect>
+                                  </p:childTnLst>
+                                </p:cTn>
+                              </p:par>
+                            </p:childTnLst>
+                          </p:cTn>
+                        </p:par>
+                      </p:childTnLst>
+                    </p:cTn>
+                  </p:par>
+                </p:childTnLst>
+              </p:cTn>
+              <p:prevCondLst>
+                <p:cond evt="onPrev" delay="0">
+                  <p:tgtEl>
+                    <p:sldTgt/>
+                  </p:tgtEl>
+                </p:cond>
+              </p:prevCondLst>
+              <p:nextCondLst>
+                <p:cond evt="onNext" delay="0">
+                  <p:tgtEl>
+                    <p:sldTgt/>
+                  </p:tgtEl>
+                </p:cond>
+              </p:nextCondLst>
+            </p:seq>
+          </p:childTnLst>
+        </p:cTn>
+      </p:par>
+    </p:tnLst>
+    <p:bldLst>
+      <p:bldP spid="4" grpId="0"/>
+    </p:bldLst>
+  </p:timing>
 </p:sld>
 </file>
 
@@ -9236,6 +10444,129 @@
           <a:chExt cx="0" cy="0"/>
         </a:xfrm>
       </p:grpSpPr>
+      <p:pic>
+        <p:nvPicPr>
+          <p:cNvPr id="4" name="Picture 4" descr="Maze">
+            <a:extLst>
+              <a:ext uri="{FF2B5EF4-FFF2-40B4-BE49-F238E27FC236}">
+                <a16:creationId xmlns:a16="http://schemas.microsoft.com/office/drawing/2014/main" id="{F5C4AB35-6373-45C6-8803-7349E7B6A6A9}"/>
+              </a:ext>
+            </a:extLst>
+          </p:cNvPr>
+          <p:cNvPicPr>
+            <a:picLocks noChangeAspect="1"/>
+          </p:cNvPicPr>
+          <p:nvPr/>
+        </p:nvPicPr>
+        <p:blipFill rotWithShape="1">
+          <a:blip r:embed="rId2"/>
+          <a:srcRect t="9021"/>
+          <a:stretch/>
+        </p:blipFill>
+        <p:spPr>
+          <a:xfrm>
+            <a:off x="20" y="10"/>
+            <a:ext cx="11292820" cy="6857990"/>
+          </a:xfrm>
+          <a:prstGeom prst="rect">
+            <a:avLst/>
+          </a:prstGeom>
+        </p:spPr>
+      </p:pic>
+      <p:sp>
+        <p:nvSpPr>
+          <p:cNvPr id="6" name="Rectangle 8">
+            <a:extLst>
+              <a:ext uri="{FF2B5EF4-FFF2-40B4-BE49-F238E27FC236}">
+                <a16:creationId xmlns:a16="http://schemas.microsoft.com/office/drawing/2014/main" id="{9163A971-857A-4D4D-B458-BADAF926FFCC}"/>
+              </a:ext>
+              <a:ext uri="{C183D7F6-B498-43B3-948B-1728B52AA6E4}">
+                <adec:decorative xmlns:adec="http://schemas.microsoft.com/office/drawing/2017/decorative" val="1"/>
+              </a:ext>
+            </a:extLst>
+          </p:cNvPr>
+          <p:cNvSpPr>
+            <a:spLocks noGrp="1" noRot="1" noChangeAspect="1" noMove="1" noResize="1" noEditPoints="1" noAdjustHandles="1" noChangeArrowheads="1" noChangeShapeType="1" noTextEdit="1"/>
+          </p:cNvSpPr>
+          <p:nvPr>
+            <p:extLst>
+              <p:ext uri="{386F3935-93C4-4BCD-93E2-E3B085C9AB24}">
+                <p16:designElem xmlns:p16="http://schemas.microsoft.com/office/powerpoint/2015/main" val="1"/>
+              </p:ext>
+            </p:extLst>
+          </p:nvPr>
+        </p:nvSpPr>
+        <p:spPr>
+          <a:xfrm>
+            <a:off x="3559481" y="0"/>
+            <a:ext cx="7737169" cy="6858000"/>
+          </a:xfrm>
+          <a:prstGeom prst="rect">
+            <a:avLst/>
+          </a:prstGeom>
+          <a:solidFill>
+            <a:schemeClr val="bg1">
+              <a:alpha val="91000"/>
+            </a:schemeClr>
+          </a:solidFill>
+          <a:ln>
+            <a:noFill/>
+          </a:ln>
+        </p:spPr>
+        <p:style>
+          <a:lnRef idx="2">
+            <a:schemeClr val="accent1">
+              <a:shade val="50000"/>
+            </a:schemeClr>
+          </a:lnRef>
+          <a:fillRef idx="1">
+            <a:schemeClr val="accent1"/>
+          </a:fillRef>
+          <a:effectRef idx="0">
+            <a:schemeClr val="accent1"/>
+          </a:effectRef>
+          <a:fontRef idx="minor">
+            <a:schemeClr val="lt1"/>
+          </a:fontRef>
+        </p:style>
+        <p:txBody>
+          <a:bodyPr rtlCol="0" anchor="ctr"/>
+          <a:lstStyle/>
+          <a:p>
+            <a:pPr marL="0" marR="0" lvl="0" indent="0" algn="ctr" defTabSz="914400" rtl="0" eaLnBrk="1" fontAlgn="auto" latinLnBrk="0" hangingPunct="1">
+              <a:lnSpc>
+                <a:spcPct val="100000"/>
+              </a:lnSpc>
+              <a:spcBef>
+                <a:spcPts val="0"/>
+              </a:spcBef>
+              <a:spcAft>
+                <a:spcPts val="0"/>
+              </a:spcAft>
+              <a:buClrTx/>
+              <a:buSzTx/>
+              <a:buFontTx/>
+              <a:buNone/>
+              <a:tabLst/>
+              <a:defRPr/>
+            </a:pPr>
+            <a:endParaRPr kumimoji="0" lang="en-US" sz="1800" b="0" i="0" u="none" strike="noStrike" kern="1200" cap="none" spc="0" normalizeH="0" baseline="0" noProof="0">
+              <a:ln>
+                <a:noFill/>
+              </a:ln>
+              <a:solidFill>
+                <a:srgbClr val="FFFFFF"/>
+              </a:solidFill>
+              <a:effectLst/>
+              <a:uLnTx/>
+              <a:uFillTx/>
+              <a:latin typeface="Century Schoolbook" panose="02040604050505020304"/>
+              <a:ea typeface="+mn-ea"/>
+              <a:cs typeface="+mn-cs"/>
+            </a:endParaRPr>
+          </a:p>
+        </p:txBody>
+      </p:sp>
       <p:sp>
         <p:nvSpPr>
           <p:cNvPr id="2" name="Titolo 1">
@@ -9254,8 +10585,8 @@
         </p:nvSpPr>
         <p:spPr>
           <a:xfrm>
-            <a:off x="4965290" y="365760"/>
-            <a:ext cx="5997678" cy="1325562"/>
+            <a:off x="4050889" y="365758"/>
+            <a:ext cx="6784259" cy="1828800"/>
           </a:xfrm>
         </p:spPr>
         <p:txBody>
@@ -9276,35 +10607,6 @@
           </a:p>
         </p:txBody>
       </p:sp>
-      <p:pic>
-        <p:nvPicPr>
-          <p:cNvPr id="4" name="Picture 4" descr="Maze">
-            <a:extLst>
-              <a:ext uri="{FF2B5EF4-FFF2-40B4-BE49-F238E27FC236}">
-                <a16:creationId xmlns:a16="http://schemas.microsoft.com/office/drawing/2014/main" id="{F5C4AB35-6373-45C6-8803-7349E7B6A6A9}"/>
-              </a:ext>
-            </a:extLst>
-          </p:cNvPr>
-          <p:cNvPicPr>
-            <a:picLocks noChangeAspect="1"/>
-          </p:cNvPicPr>
-          <p:nvPr/>
-        </p:nvPicPr>
-        <p:blipFill rotWithShape="1">
-          <a:blip r:embed="rId2"/>
-          <a:srcRect l="27355" r="27353" b="-1"/>
-          <a:stretch/>
-        </p:blipFill>
-        <p:spPr>
-          <a:xfrm>
-            <a:off x="20" y="10"/>
-            <a:ext cx="4653291" cy="6857990"/>
-          </a:xfrm>
-          <a:prstGeom prst="rect">
-            <a:avLst/>
-          </a:prstGeom>
-        </p:spPr>
-      </p:pic>
       <p:sp>
         <p:nvSpPr>
           <p:cNvPr id="3" name="Segnaposto contenuto 2">
@@ -9323,96 +10625,96 @@
         </p:nvSpPr>
         <p:spPr>
           <a:xfrm>
-            <a:off x="4965290" y="2005739"/>
-            <a:ext cx="6015571" cy="4174398"/>
+            <a:off x="4050889" y="2516291"/>
+            <a:ext cx="6784259" cy="3682896"/>
           </a:xfrm>
         </p:spPr>
         <p:txBody>
           <a:bodyPr>
-            <a:normAutofit/>
+            <a:normAutofit fontScale="92500" lnSpcReduction="10000"/>
           </a:bodyPr>
           <a:lstStyle/>
           <a:p>
             <a:r>
-              <a:rPr lang="it-IT" dirty="0" err="1"/>
+              <a:rPr lang="it-IT" sz="1700" err="1"/>
               <a:t>Four</a:t>
             </a:r>
             <a:r>
-              <a:rPr lang="it-IT" dirty="0"/>
+              <a:rPr lang="it-IT" sz="1700"/>
               <a:t> key </a:t>
             </a:r>
             <a:r>
-              <a:rPr lang="it-IT" dirty="0" err="1"/>
+              <a:rPr lang="it-IT" sz="1700" err="1"/>
               <a:t>components</a:t>
             </a:r>
             <a:r>
-              <a:rPr lang="it-IT" dirty="0"/>
+              <a:rPr lang="it-IT" sz="1700"/>
               <a:t>:</a:t>
             </a:r>
           </a:p>
           <a:p>
             <a:pPr lvl="1"/>
             <a:r>
-              <a:rPr lang="it-IT" b="1" dirty="0" err="1"/>
+              <a:rPr lang="it-IT" sz="1700" b="1" err="1"/>
               <a:t>Metarules</a:t>
             </a:r>
             <a:r>
-              <a:rPr lang="it-IT" b="1" dirty="0"/>
+              <a:rPr lang="it-IT" sz="1700" b="1"/>
               <a:t>.</a:t>
             </a:r>
             <a:r>
-              <a:rPr lang="it-IT" dirty="0"/>
+              <a:rPr lang="it-IT" sz="1700"/>
               <a:t> (Language </a:t>
             </a:r>
             <a:r>
-              <a:rPr lang="it-IT" dirty="0" err="1"/>
+              <a:rPr lang="it-IT" sz="1700" err="1"/>
               <a:t>Bias</a:t>
             </a:r>
             <a:r>
-              <a:rPr lang="it-IT" dirty="0"/>
+              <a:rPr lang="it-IT" sz="1700"/>
               <a:t>)</a:t>
             </a:r>
           </a:p>
           <a:p>
             <a:pPr lvl="1"/>
             <a:r>
-              <a:rPr lang="it-IT" b="1" dirty="0"/>
+              <a:rPr lang="it-IT" sz="1700" b="1"/>
               <a:t>Background Knowledge.</a:t>
             </a:r>
           </a:p>
           <a:p>
             <a:pPr lvl="1"/>
             <a:r>
-              <a:rPr lang="it-IT" b="1" dirty="0"/>
+              <a:rPr lang="it-IT" sz="1700" b="1"/>
               <a:t>Positive </a:t>
             </a:r>
             <a:r>
-              <a:rPr lang="it-IT" b="1" dirty="0" err="1"/>
+              <a:rPr lang="it-IT" sz="1700" b="1" err="1"/>
               <a:t>examples</a:t>
             </a:r>
             <a:r>
-              <a:rPr lang="it-IT" b="1" dirty="0"/>
+              <a:rPr lang="it-IT" sz="1700" b="1"/>
               <a:t>.</a:t>
             </a:r>
           </a:p>
           <a:p>
             <a:pPr lvl="1"/>
             <a:r>
-              <a:rPr lang="it-IT" b="1" dirty="0"/>
+              <a:rPr lang="it-IT" sz="1700" b="1"/>
               <a:t>Negative </a:t>
             </a:r>
             <a:r>
-              <a:rPr lang="it-IT" b="1" dirty="0" err="1"/>
+              <a:rPr lang="it-IT" sz="1700" b="1" err="1"/>
               <a:t>examples</a:t>
             </a:r>
             <a:r>
-              <a:rPr lang="it-IT" b="1" dirty="0"/>
+              <a:rPr lang="it-IT" sz="1700" b="1"/>
               <a:t>.</a:t>
             </a:r>
           </a:p>
           <a:p>
             <a:r>
-              <a:rPr lang="it-IT" dirty="0"/>
+              <a:rPr lang="it-IT" sz="1700"/>
               <a:t>Learning procedure:</a:t>
             </a:r>
           </a:p>
@@ -9422,23 +10724,23 @@
               <a:buAutoNum type="arabicPeriod"/>
             </a:pPr>
             <a:r>
-              <a:rPr lang="it-IT" dirty="0"/>
+              <a:rPr lang="it-IT" sz="1700"/>
               <a:t>Select a positive </a:t>
             </a:r>
             <a:r>
-              <a:rPr lang="it-IT" dirty="0" err="1"/>
+              <a:rPr lang="it-IT" sz="1700" err="1"/>
               <a:t>example</a:t>
             </a:r>
             <a:r>
-              <a:rPr lang="it-IT" dirty="0"/>
+              <a:rPr lang="it-IT" sz="1700"/>
               <a:t> to be </a:t>
             </a:r>
             <a:r>
-              <a:rPr lang="it-IT" dirty="0" err="1"/>
+              <a:rPr lang="it-IT" sz="1700" err="1"/>
               <a:t>proven</a:t>
             </a:r>
             <a:r>
-              <a:rPr lang="it-IT" dirty="0"/>
+              <a:rPr lang="it-IT" sz="1700"/>
               <a:t>.</a:t>
             </a:r>
           </a:p>
@@ -9448,63 +10750,63 @@
               <a:buAutoNum type="arabicPeriod"/>
             </a:pPr>
             <a:r>
-              <a:rPr lang="it-IT" dirty="0"/>
+              <a:rPr lang="it-IT" sz="1700"/>
               <a:t>Prove </a:t>
             </a:r>
             <a:r>
-              <a:rPr lang="it-IT" dirty="0" err="1"/>
+              <a:rPr lang="it-IT" sz="1700" err="1"/>
               <a:t>it</a:t>
             </a:r>
             <a:r>
-              <a:rPr lang="it-IT" dirty="0"/>
+              <a:rPr lang="it-IT" sz="1700"/>
               <a:t> </a:t>
             </a:r>
             <a:r>
-              <a:rPr lang="it-IT" dirty="0" err="1"/>
+              <a:rPr lang="it-IT" sz="1700" err="1"/>
               <a:t>through</a:t>
             </a:r>
             <a:r>
-              <a:rPr lang="it-IT" dirty="0"/>
+              <a:rPr lang="it-IT" sz="1700"/>
               <a:t> </a:t>
             </a:r>
             <a:r>
-              <a:rPr lang="it-IT" dirty="0" err="1"/>
+              <a:rPr lang="it-IT" sz="1700" err="1"/>
               <a:t>either</a:t>
             </a:r>
             <a:r>
-              <a:rPr lang="it-IT" dirty="0"/>
+              <a:rPr lang="it-IT" sz="1700"/>
               <a:t> the </a:t>
             </a:r>
             <a:r>
-              <a:rPr lang="it-IT" dirty="0" err="1"/>
+              <a:rPr lang="it-IT" sz="1700" err="1"/>
               <a:t>existing</a:t>
             </a:r>
             <a:r>
-              <a:rPr lang="it-IT" dirty="0"/>
+              <a:rPr lang="it-IT" sz="1700"/>
               <a:t> background knowledge or </a:t>
             </a:r>
             <a:r>
-              <a:rPr lang="it-IT" dirty="0" err="1"/>
+              <a:rPr lang="it-IT" sz="1700" err="1"/>
               <a:t>clauses</a:t>
             </a:r>
             <a:r>
-              <a:rPr lang="it-IT" dirty="0"/>
+              <a:rPr lang="it-IT" sz="1700"/>
               <a:t> </a:t>
             </a:r>
             <a:r>
-              <a:rPr lang="it-IT" dirty="0" err="1"/>
+              <a:rPr lang="it-IT" sz="1700" err="1"/>
               <a:t>previously</a:t>
             </a:r>
             <a:r>
-              <a:rPr lang="it-IT" dirty="0"/>
+              <a:rPr lang="it-IT" sz="1700"/>
               <a:t> </a:t>
             </a:r>
             <a:r>
-              <a:rPr lang="it-IT" dirty="0" err="1"/>
+              <a:rPr lang="it-IT" sz="1700" err="1"/>
               <a:t>induced</a:t>
             </a:r>
             <a:r>
-              <a:rPr lang="it-IT" dirty="0"/>
+              <a:rPr lang="it-IT" sz="1700"/>
               <a:t>.</a:t>
             </a:r>
           </a:p>
@@ -9514,87 +10816,87 @@
               <a:buAutoNum type="arabicPeriod"/>
             </a:pPr>
             <a:r>
-              <a:rPr lang="it-IT" dirty="0"/>
+              <a:rPr lang="it-IT" sz="1700"/>
               <a:t>(</a:t>
             </a:r>
             <a:r>
-              <a:rPr lang="it-IT" dirty="0" err="1"/>
+              <a:rPr lang="it-IT" sz="1700" err="1"/>
               <a:t>If</a:t>
             </a:r>
             <a:r>
-              <a:rPr lang="it-IT" dirty="0"/>
+              <a:rPr lang="it-IT" sz="1700"/>
               <a:t> step 2 </a:t>
             </a:r>
             <a:r>
-              <a:rPr lang="it-IT" dirty="0" err="1"/>
+              <a:rPr lang="it-IT" sz="1700" err="1"/>
               <a:t>did</a:t>
             </a:r>
             <a:r>
-              <a:rPr lang="it-IT" dirty="0"/>
+              <a:rPr lang="it-IT" sz="1700"/>
               <a:t> </a:t>
             </a:r>
             <a:r>
-              <a:rPr lang="it-IT" dirty="0" err="1"/>
+              <a:rPr lang="it-IT" sz="1700" err="1"/>
               <a:t>not</a:t>
             </a:r>
             <a:r>
-              <a:rPr lang="it-IT" dirty="0"/>
+              <a:rPr lang="it-IT" sz="1700"/>
               <a:t> work) </a:t>
             </a:r>
             <a:r>
-              <a:rPr lang="it-IT" dirty="0" err="1"/>
+              <a:rPr lang="it-IT" sz="1700" err="1"/>
               <a:t>Unify</a:t>
             </a:r>
             <a:r>
-              <a:rPr lang="it-IT" dirty="0"/>
+              <a:rPr lang="it-IT" sz="1700"/>
               <a:t> the </a:t>
             </a:r>
             <a:r>
-              <a:rPr lang="it-IT" dirty="0" err="1"/>
+              <a:rPr lang="it-IT" sz="1700" err="1"/>
               <a:t>example</a:t>
             </a:r>
             <a:r>
-              <a:rPr lang="it-IT" dirty="0"/>
+              <a:rPr lang="it-IT" sz="1700"/>
               <a:t> with the head of a </a:t>
             </a:r>
             <a:r>
-              <a:rPr lang="it-IT" dirty="0" err="1"/>
+              <a:rPr lang="it-IT" sz="1700" err="1"/>
               <a:t>metarule</a:t>
             </a:r>
             <a:r>
-              <a:rPr lang="it-IT" dirty="0"/>
+              <a:rPr lang="it-IT" sz="1700"/>
               <a:t> and </a:t>
             </a:r>
             <a:r>
-              <a:rPr lang="it-IT" dirty="0" err="1"/>
+              <a:rPr lang="it-IT" sz="1700" err="1"/>
               <a:t>repeat</a:t>
             </a:r>
             <a:r>
-              <a:rPr lang="it-IT" dirty="0"/>
+              <a:rPr lang="it-IT" sz="1700"/>
               <a:t> the </a:t>
             </a:r>
             <a:r>
-              <a:rPr lang="it-IT" dirty="0" err="1"/>
+              <a:rPr lang="it-IT" sz="1700" err="1"/>
               <a:t>process</a:t>
             </a:r>
             <a:r>
-              <a:rPr lang="it-IT" dirty="0"/>
+              <a:rPr lang="it-IT" sz="1700"/>
               <a:t> for </a:t>
             </a:r>
             <a:r>
-              <a:rPr lang="it-IT" dirty="0" err="1"/>
+              <a:rPr lang="it-IT" sz="1700" err="1"/>
               <a:t>each</a:t>
             </a:r>
             <a:r>
-              <a:rPr lang="it-IT" dirty="0"/>
+              <a:rPr lang="it-IT" sz="1700"/>
               <a:t> of the </a:t>
             </a:r>
             <a:r>
-              <a:rPr lang="it-IT" dirty="0" err="1"/>
+              <a:rPr lang="it-IT" sz="1700" err="1"/>
               <a:t>atoms</a:t>
             </a:r>
             <a:r>
-              <a:rPr lang="it-IT" dirty="0"/>
+              <a:rPr lang="it-IT" sz="1700"/>
               <a:t> in the body.</a:t>
             </a:r>
           </a:p>
@@ -9604,79 +10906,79 @@
               <a:buAutoNum type="arabicPeriod"/>
             </a:pPr>
             <a:r>
-              <a:rPr lang="it-IT" dirty="0"/>
+              <a:rPr lang="it-IT" sz="1700"/>
               <a:t>Once the </a:t>
             </a:r>
             <a:r>
-              <a:rPr lang="it-IT" dirty="0" err="1"/>
+              <a:rPr lang="it-IT" sz="1700" err="1"/>
               <a:t>hypothesis</a:t>
             </a:r>
             <a:r>
-              <a:rPr lang="it-IT" dirty="0"/>
+              <a:rPr lang="it-IT" sz="1700"/>
               <a:t> </a:t>
             </a:r>
             <a:r>
-              <a:rPr lang="it-IT" dirty="0" err="1"/>
+              <a:rPr lang="it-IT" sz="1700" err="1"/>
               <a:t>is</a:t>
             </a:r>
             <a:r>
-              <a:rPr lang="it-IT" dirty="0"/>
+              <a:rPr lang="it-IT" sz="1700"/>
               <a:t> complete, check </a:t>
             </a:r>
             <a:r>
-              <a:rPr lang="it-IT" dirty="0" err="1"/>
+              <a:rPr lang="it-IT" sz="1700" err="1"/>
               <a:t>its</a:t>
             </a:r>
             <a:r>
-              <a:rPr lang="it-IT" dirty="0"/>
+              <a:rPr lang="it-IT" sz="1700"/>
               <a:t> </a:t>
             </a:r>
             <a:r>
-              <a:rPr lang="it-IT" dirty="0" err="1"/>
+              <a:rPr lang="it-IT" sz="1700" err="1"/>
               <a:t>consistency</a:t>
             </a:r>
             <a:r>
-              <a:rPr lang="it-IT" dirty="0"/>
+              <a:rPr lang="it-IT" sz="1700"/>
               <a:t>. </a:t>
             </a:r>
             <a:r>
-              <a:rPr lang="it-IT" dirty="0" err="1"/>
+              <a:rPr lang="it-IT" sz="1700" err="1"/>
               <a:t>If</a:t>
             </a:r>
             <a:r>
-              <a:rPr lang="it-IT" dirty="0"/>
+              <a:rPr lang="it-IT" sz="1700"/>
               <a:t> negative </a:t>
             </a:r>
             <a:r>
-              <a:rPr lang="it-IT" dirty="0" err="1"/>
+              <a:rPr lang="it-IT" sz="1700" err="1"/>
               <a:t>examples</a:t>
             </a:r>
             <a:r>
-              <a:rPr lang="it-IT" dirty="0"/>
+              <a:rPr lang="it-IT" sz="1700"/>
               <a:t> are </a:t>
             </a:r>
             <a:r>
-              <a:rPr lang="it-IT" dirty="0" err="1"/>
+              <a:rPr lang="it-IT" sz="1700" err="1"/>
               <a:t>covered</a:t>
             </a:r>
             <a:r>
-              <a:rPr lang="it-IT" dirty="0"/>
+              <a:rPr lang="it-IT" sz="1700"/>
               <a:t> </a:t>
             </a:r>
             <a:r>
-              <a:rPr lang="it-IT" dirty="0" err="1"/>
+              <a:rPr lang="it-IT" sz="1700" err="1"/>
               <a:t>then</a:t>
             </a:r>
             <a:r>
-              <a:rPr lang="it-IT" dirty="0"/>
+              <a:rPr lang="it-IT" sz="1700"/>
               <a:t> </a:t>
             </a:r>
             <a:r>
-              <a:rPr lang="it-IT" dirty="0" err="1"/>
+              <a:rPr lang="it-IT" sz="1700" err="1"/>
               <a:t>backtrack</a:t>
             </a:r>
             <a:r>
-              <a:rPr lang="it-IT" dirty="0"/>
+              <a:rPr lang="it-IT" sz="1700"/>
               <a:t>.</a:t>
             </a:r>
           </a:p>
@@ -9720,12 +11022,41 @@
           <a:chExt cx="0" cy="0"/>
         </a:xfrm>
       </p:grpSpPr>
+      <p:pic>
+        <p:nvPicPr>
+          <p:cNvPr id="4" name="Picture 4" descr="Maze">
+            <a:extLst>
+              <a:ext uri="{FF2B5EF4-FFF2-40B4-BE49-F238E27FC236}">
+                <a16:creationId xmlns:a16="http://schemas.microsoft.com/office/drawing/2014/main" id="{15FFD1B1-AEEE-4EE4-9047-6C67FEA2BDA9}"/>
+              </a:ext>
+            </a:extLst>
+          </p:cNvPr>
+          <p:cNvPicPr>
+            <a:picLocks noChangeAspect="1"/>
+          </p:cNvPicPr>
+          <p:nvPr/>
+        </p:nvPicPr>
+        <p:blipFill rotWithShape="1">
+          <a:blip r:embed="rId2"/>
+          <a:srcRect t="9021"/>
+          <a:stretch/>
+        </p:blipFill>
+        <p:spPr>
+          <a:xfrm>
+            <a:off x="20" y="10"/>
+            <a:ext cx="11292820" cy="6857990"/>
+          </a:xfrm>
+          <a:prstGeom prst="rect">
+            <a:avLst/>
+          </a:prstGeom>
+        </p:spPr>
+      </p:pic>
       <p:sp>
         <p:nvSpPr>
-          <p:cNvPr id="9" name="Rectangle 8">
+          <p:cNvPr id="6" name="Rectangle 8">
             <a:extLst>
               <a:ext uri="{FF2B5EF4-FFF2-40B4-BE49-F238E27FC236}">
-                <a16:creationId xmlns:a16="http://schemas.microsoft.com/office/drawing/2014/main" id="{989683EB-D202-4B4D-B1BD-8BA6965FBEF5}"/>
+                <a16:creationId xmlns:a16="http://schemas.microsoft.com/office/drawing/2014/main" id="{9163A971-857A-4D4D-B458-BADAF926FFCC}"/>
               </a:ext>
               <a:ext uri="{C183D7F6-B498-43B3-948B-1728B52AA6E4}">
                 <adec:decorative xmlns:adec="http://schemas.microsoft.com/office/drawing/2017/decorative" val="1"/>
@@ -9745,14 +11076,16 @@
         </p:nvSpPr>
         <p:spPr>
           <a:xfrm>
-            <a:off x="0" y="-1"/>
-            <a:ext cx="11292840" cy="6858001"/>
+            <a:off x="3559481" y="0"/>
+            <a:ext cx="7737169" cy="6858000"/>
           </a:xfrm>
           <a:prstGeom prst="rect">
             <a:avLst/>
           </a:prstGeom>
           <a:solidFill>
-            <a:schemeClr val="tx1"/>
+            <a:schemeClr val="bg1">
+              <a:alpha val="91000"/>
+            </a:schemeClr>
           </a:solidFill>
           <a:ln>
             <a:noFill/>
@@ -9778,42 +11111,40 @@
           <a:bodyPr rtlCol="0" anchor="ctr"/>
           <a:lstStyle/>
           <a:p>
-            <a:pPr algn="ctr"/>
-            <a:endParaRPr lang="en-US"/>
+            <a:pPr marL="0" marR="0" lvl="0" indent="0" algn="ctr" defTabSz="914400" rtl="0" eaLnBrk="1" fontAlgn="auto" latinLnBrk="0" hangingPunct="1">
+              <a:lnSpc>
+                <a:spcPct val="100000"/>
+              </a:lnSpc>
+              <a:spcBef>
+                <a:spcPts val="0"/>
+              </a:spcBef>
+              <a:spcAft>
+                <a:spcPts val="0"/>
+              </a:spcAft>
+              <a:buClrTx/>
+              <a:buSzTx/>
+              <a:buFontTx/>
+              <a:buNone/>
+              <a:tabLst/>
+              <a:defRPr/>
+            </a:pPr>
+            <a:endParaRPr kumimoji="0" lang="en-US" sz="1800" b="0" i="0" u="none" strike="noStrike" kern="1200" cap="none" spc="0" normalizeH="0" baseline="0" noProof="0">
+              <a:ln>
+                <a:noFill/>
+              </a:ln>
+              <a:solidFill>
+                <a:srgbClr val="FFFFFF"/>
+              </a:solidFill>
+              <a:effectLst/>
+              <a:uLnTx/>
+              <a:uFillTx/>
+              <a:latin typeface="Century Schoolbook" panose="02040604050505020304"/>
+              <a:ea typeface="+mn-ea"/>
+              <a:cs typeface="+mn-cs"/>
+            </a:endParaRPr>
           </a:p>
         </p:txBody>
       </p:sp>
-      <p:pic>
-        <p:nvPicPr>
-          <p:cNvPr id="4" name="Picture 4" descr="Maze">
-            <a:extLst>
-              <a:ext uri="{FF2B5EF4-FFF2-40B4-BE49-F238E27FC236}">
-                <a16:creationId xmlns:a16="http://schemas.microsoft.com/office/drawing/2014/main" id="{15FFD1B1-AEEE-4EE4-9047-6C67FEA2BDA9}"/>
-              </a:ext>
-            </a:extLst>
-          </p:cNvPr>
-          <p:cNvPicPr>
-            <a:picLocks noChangeAspect="1"/>
-          </p:cNvPicPr>
-          <p:nvPr/>
-        </p:nvPicPr>
-        <p:blipFill rotWithShape="1">
-          <a:blip r:embed="rId2">
-            <a:alphaModFix amt="35000"/>
-          </a:blip>
-          <a:srcRect t="9021"/>
-          <a:stretch/>
-        </p:blipFill>
-        <p:spPr>
-          <a:xfrm>
-            <a:off x="20" y="10"/>
-            <a:ext cx="11292820" cy="6857990"/>
-          </a:xfrm>
-          <a:prstGeom prst="rect">
-            <a:avLst/>
-          </a:prstGeom>
-        </p:spPr>
-      </p:pic>
       <p:sp>
         <p:nvSpPr>
           <p:cNvPr id="2" name="Titolo 1">
@@ -9832,8 +11163,8 @@
         </p:nvSpPr>
         <p:spPr>
           <a:xfrm>
-            <a:off x="1261872" y="365760"/>
-            <a:ext cx="9692640" cy="1325562"/>
+            <a:off x="4050889" y="365758"/>
+            <a:ext cx="6784259" cy="1828800"/>
           </a:xfrm>
         </p:spPr>
         <p:txBody>
@@ -9843,13 +11174,14 @@
           <a:lstStyle/>
           <a:p>
             <a:r>
-              <a:rPr lang="it-IT">
-                <a:solidFill>
-                  <a:schemeClr val="bg1"/>
-                </a:solidFill>
-              </a:rPr>
-              <a:t>Learning to walk</a:t>
-            </a:r>
+              <a:rPr lang="it-IT" dirty="0"/>
+              <a:t>Learning to </a:t>
+            </a:r>
+            <a:r>
+              <a:rPr lang="it-IT" dirty="0" err="1"/>
+              <a:t>walk</a:t>
+            </a:r>
+            <a:endParaRPr lang="it-IT" dirty="0"/>
           </a:p>
         </p:txBody>
       </p:sp>
@@ -9871,218 +11203,503 @@
         </p:nvSpPr>
         <p:spPr>
           <a:xfrm>
-            <a:off x="1261872" y="2005739"/>
-            <a:ext cx="8595360" cy="4174398"/>
+            <a:off x="4050889" y="2516291"/>
+            <a:ext cx="6784259" cy="3682896"/>
           </a:xfrm>
         </p:spPr>
         <p:txBody>
           <a:bodyPr>
-            <a:normAutofit fontScale="92500"/>
+            <a:noAutofit/>
           </a:bodyPr>
           <a:lstStyle/>
           <a:p>
             <a:r>
-              <a:rPr lang="it-IT" sz="1700" b="1">
-                <a:solidFill>
-                  <a:schemeClr val="bg1"/>
-                </a:solidFill>
-              </a:rPr>
+              <a:rPr lang="it-IT" sz="1400" b="1" dirty="0"/>
               <a:t>Goal: </a:t>
             </a:r>
             <a:r>
-              <a:rPr lang="it-IT" sz="1700">
-                <a:solidFill>
-                  <a:schemeClr val="bg1"/>
-                </a:solidFill>
-              </a:rPr>
-              <a:t>Learn to move to an </a:t>
-            </a:r>
-            <a:r>
-              <a:rPr lang="it-IT" sz="1700" b="1">
-                <a:solidFill>
-                  <a:schemeClr val="bg1"/>
-                </a:solidFill>
-              </a:rPr>
+              <a:rPr lang="it-IT" sz="1400" dirty="0" err="1"/>
+              <a:t>Learn</a:t>
+            </a:r>
+            <a:r>
+              <a:rPr lang="it-IT" sz="1400" dirty="0"/>
+              <a:t> to </a:t>
+            </a:r>
+            <a:r>
+              <a:rPr lang="it-IT" sz="1400" dirty="0" err="1"/>
+              <a:t>move</a:t>
+            </a:r>
+            <a:r>
+              <a:rPr lang="it-IT" sz="1400" dirty="0"/>
+              <a:t> to an </a:t>
+            </a:r>
+            <a:r>
+              <a:rPr lang="it-IT" sz="1400" b="1" dirty="0" err="1"/>
               <a:t>adjacent</a:t>
             </a:r>
             <a:r>
-              <a:rPr lang="it-IT" sz="1700">
-                <a:solidFill>
-                  <a:schemeClr val="bg1"/>
-                </a:solidFill>
-              </a:rPr>
-              <a:t>, legal cell. (Predicate </a:t>
-            </a:r>
-            <a:r>
-              <a:rPr lang="it-IT" sz="1700">
-                <a:solidFill>
-                  <a:schemeClr val="bg1"/>
-                </a:solidFill>
+              <a:rPr lang="it-IT" sz="1400" dirty="0"/>
+              <a:t>, </a:t>
+            </a:r>
+            <a:r>
+              <a:rPr lang="it-IT" sz="1400" dirty="0" err="1"/>
+              <a:t>legal</a:t>
+            </a:r>
+            <a:r>
+              <a:rPr lang="it-IT" sz="1400" dirty="0"/>
+              <a:t> </a:t>
+            </a:r>
+            <a:r>
+              <a:rPr lang="it-IT" sz="1400" dirty="0" err="1"/>
+              <a:t>cell</a:t>
+            </a:r>
+            <a:r>
+              <a:rPr lang="it-IT" sz="1400" dirty="0"/>
+              <a:t>. (Predicate </a:t>
+            </a:r>
+            <a:r>
+              <a:rPr lang="it-IT" sz="1400" dirty="0" err="1">
                 <a:latin typeface="Courier New" panose="02070309020205020404" pitchFamily="49" charset="0"/>
                 <a:cs typeface="Courier New" panose="02070309020205020404" pitchFamily="49" charset="0"/>
               </a:rPr>
-              <a:t>move/2</a:t>
-            </a:r>
-            <a:r>
-              <a:rPr lang="it-IT" sz="1700">
-                <a:solidFill>
-                  <a:schemeClr val="bg1"/>
-                </a:solidFill>
-              </a:rPr>
+              <a:t>move</a:t>
+            </a:r>
+            <a:r>
+              <a:rPr lang="it-IT" sz="1400" dirty="0">
+                <a:latin typeface="Courier New" panose="02070309020205020404" pitchFamily="49" charset="0"/>
+                <a:cs typeface="Courier New" panose="02070309020205020404" pitchFamily="49" charset="0"/>
+              </a:rPr>
+              <a:t>/2</a:t>
+            </a:r>
+            <a:r>
+              <a:rPr lang="it-IT" sz="1400" dirty="0"/>
               <a:t>).</a:t>
             </a:r>
-            <a:endParaRPr lang="it-IT" sz="1700" b="1">
-              <a:solidFill>
-                <a:schemeClr val="bg1"/>
-              </a:solidFill>
-            </a:endParaRPr>
-          </a:p>
-          <a:p>
-            <a:r>
-              <a:rPr lang="it-IT" sz="1700" b="1">
-                <a:solidFill>
-                  <a:schemeClr val="bg1"/>
-                </a:solidFill>
-              </a:rPr>
+            <a:endParaRPr lang="it-IT" sz="1400" b="1" dirty="0"/>
+          </a:p>
+          <a:p>
+            <a:r>
+              <a:rPr lang="it-IT" sz="1400" b="1" dirty="0"/>
               <a:t>Background Knowledge:</a:t>
             </a:r>
           </a:p>
           <a:p>
             <a:pPr lvl="1"/>
             <a:r>
-              <a:rPr lang="it-IT" sz="1700">
-                <a:solidFill>
-                  <a:schemeClr val="bg1"/>
-                </a:solidFill>
+              <a:rPr lang="it-IT" sz="1400" dirty="0" err="1">
                 <a:latin typeface="Courier New" panose="02070309020205020404" pitchFamily="49" charset="0"/>
                 <a:cs typeface="Courier New" panose="02070309020205020404" pitchFamily="49" charset="0"/>
               </a:rPr>
-              <a:t>inc_x/2; dec_x/2; inc_y/2; dec_y/2;</a:t>
+              <a:t>inc_x</a:t>
+            </a:r>
+            <a:r>
+              <a:rPr lang="it-IT" sz="1400" dirty="0">
+                <a:latin typeface="Courier New" panose="02070309020205020404" pitchFamily="49" charset="0"/>
+                <a:cs typeface="Courier New" panose="02070309020205020404" pitchFamily="49" charset="0"/>
+              </a:rPr>
+              <a:t>/2; </a:t>
+            </a:r>
+            <a:r>
+              <a:rPr lang="it-IT" sz="1400" dirty="0" err="1">
+                <a:latin typeface="Courier New" panose="02070309020205020404" pitchFamily="49" charset="0"/>
+                <a:cs typeface="Courier New" panose="02070309020205020404" pitchFamily="49" charset="0"/>
+              </a:rPr>
+              <a:t>dec_x</a:t>
+            </a:r>
+            <a:r>
+              <a:rPr lang="it-IT" sz="1400" dirty="0">
+                <a:latin typeface="Courier New" panose="02070309020205020404" pitchFamily="49" charset="0"/>
+                <a:cs typeface="Courier New" panose="02070309020205020404" pitchFamily="49" charset="0"/>
+              </a:rPr>
+              <a:t>/2; </a:t>
+            </a:r>
+            <a:r>
+              <a:rPr lang="it-IT" sz="1400" dirty="0" err="1">
+                <a:latin typeface="Courier New" panose="02070309020205020404" pitchFamily="49" charset="0"/>
+                <a:cs typeface="Courier New" panose="02070309020205020404" pitchFamily="49" charset="0"/>
+              </a:rPr>
+              <a:t>inc_y</a:t>
+            </a:r>
+            <a:r>
+              <a:rPr lang="it-IT" sz="1400" dirty="0">
+                <a:latin typeface="Courier New" panose="02070309020205020404" pitchFamily="49" charset="0"/>
+                <a:cs typeface="Courier New" panose="02070309020205020404" pitchFamily="49" charset="0"/>
+              </a:rPr>
+              <a:t>/2; </a:t>
+            </a:r>
+            <a:r>
+              <a:rPr lang="it-IT" sz="1400" dirty="0" err="1">
+                <a:latin typeface="Courier New" panose="02070309020205020404" pitchFamily="49" charset="0"/>
+                <a:cs typeface="Courier New" panose="02070309020205020404" pitchFamily="49" charset="0"/>
+              </a:rPr>
+              <a:t>dec_y</a:t>
+            </a:r>
+            <a:r>
+              <a:rPr lang="it-IT" sz="1400" dirty="0">
+                <a:latin typeface="Courier New" panose="02070309020205020404" pitchFamily="49" charset="0"/>
+                <a:cs typeface="Courier New" panose="02070309020205020404" pitchFamily="49" charset="0"/>
+              </a:rPr>
+              <a:t>/2;</a:t>
             </a:r>
           </a:p>
           <a:p>
             <a:pPr lvl="1"/>
             <a:r>
-              <a:rPr lang="it-IT" sz="1700">
-                <a:solidFill>
-                  <a:schemeClr val="bg1"/>
-                </a:solidFill>
+              <a:rPr lang="it-IT" sz="1400" dirty="0" err="1">
                 <a:latin typeface="Courier New" panose="02070309020205020404" pitchFamily="49" charset="0"/>
                 <a:cs typeface="Courier New" panose="02070309020205020404" pitchFamily="49" charset="0"/>
               </a:rPr>
-              <a:t>Legal_position/1: </a:t>
-            </a:r>
-            <a:r>
-              <a:rPr lang="it-IT" sz="1700">
-                <a:solidFill>
-                  <a:schemeClr val="bg1"/>
-                </a:solidFill>
-                <a:cs typeface="Courier New" panose="02070309020205020404" pitchFamily="49" charset="0"/>
-              </a:rPr>
-              <a:t>Checks whether a cell is in bounds and free from obstacles.</a:t>
-            </a:r>
-            <a:endParaRPr lang="it-IT" sz="1700">
-              <a:solidFill>
-                <a:schemeClr val="bg1"/>
-              </a:solidFill>
+              <a:t>legal_position</a:t>
+            </a:r>
+            <a:r>
+              <a:rPr lang="it-IT" sz="1400" dirty="0">
+                <a:latin typeface="Courier New" panose="02070309020205020404" pitchFamily="49" charset="0"/>
+                <a:cs typeface="Courier New" panose="02070309020205020404" pitchFamily="49" charset="0"/>
+              </a:rPr>
+              <a:t>/1: </a:t>
+            </a:r>
+            <a:r>
+              <a:rPr lang="it-IT" sz="1400" dirty="0">
+                <a:cs typeface="Courier New" panose="02070309020205020404" pitchFamily="49" charset="0"/>
+              </a:rPr>
+              <a:t>Checks </a:t>
+            </a:r>
+            <a:r>
+              <a:rPr lang="it-IT" sz="1400" dirty="0" err="1">
+                <a:cs typeface="Courier New" panose="02070309020205020404" pitchFamily="49" charset="0"/>
+              </a:rPr>
+              <a:t>whether</a:t>
+            </a:r>
+            <a:r>
+              <a:rPr lang="it-IT" sz="1400" dirty="0">
+                <a:cs typeface="Courier New" panose="02070309020205020404" pitchFamily="49" charset="0"/>
+              </a:rPr>
+              <a:t> a </a:t>
+            </a:r>
+            <a:r>
+              <a:rPr lang="it-IT" sz="1400" dirty="0" err="1">
+                <a:cs typeface="Courier New" panose="02070309020205020404" pitchFamily="49" charset="0"/>
+              </a:rPr>
+              <a:t>cell</a:t>
+            </a:r>
+            <a:r>
+              <a:rPr lang="it-IT" sz="1400" dirty="0">
+                <a:cs typeface="Courier New" panose="02070309020205020404" pitchFamily="49" charset="0"/>
+              </a:rPr>
+              <a:t> </a:t>
+            </a:r>
+            <a:r>
+              <a:rPr lang="it-IT" sz="1400" dirty="0" err="1">
+                <a:cs typeface="Courier New" panose="02070309020205020404" pitchFamily="49" charset="0"/>
+              </a:rPr>
+              <a:t>is</a:t>
+            </a:r>
+            <a:r>
+              <a:rPr lang="it-IT" sz="1400" dirty="0">
+                <a:cs typeface="Courier New" panose="02070309020205020404" pitchFamily="49" charset="0"/>
+              </a:rPr>
+              <a:t> in bounds and free from </a:t>
+            </a:r>
+            <a:r>
+              <a:rPr lang="it-IT" sz="1400" dirty="0" err="1">
+                <a:cs typeface="Courier New" panose="02070309020205020404" pitchFamily="49" charset="0"/>
+              </a:rPr>
+              <a:t>obstacles</a:t>
+            </a:r>
+            <a:r>
+              <a:rPr lang="it-IT" sz="1400" dirty="0">
+                <a:cs typeface="Courier New" panose="02070309020205020404" pitchFamily="49" charset="0"/>
+              </a:rPr>
+              <a:t>.</a:t>
+            </a:r>
+            <a:endParaRPr lang="it-IT" sz="1400" dirty="0">
               <a:latin typeface="Courier New" panose="02070309020205020404" pitchFamily="49" charset="0"/>
               <a:cs typeface="Courier New" panose="02070309020205020404" pitchFamily="49" charset="0"/>
             </a:endParaRPr>
           </a:p>
           <a:p>
             <a:r>
-              <a:rPr lang="it-IT" sz="1700" b="1">
-                <a:solidFill>
-                  <a:schemeClr val="bg1"/>
-                </a:solidFill>
-                <a:cs typeface="Courier New" panose="02070309020205020404" pitchFamily="49" charset="0"/>
-              </a:rPr>
-              <a:t>Metarules:</a:t>
+              <a:rPr lang="it-IT" sz="1400" b="1" dirty="0" err="1">
+                <a:cs typeface="Courier New" panose="02070309020205020404" pitchFamily="49" charset="0"/>
+              </a:rPr>
+              <a:t>Metarules</a:t>
+            </a:r>
+            <a:r>
+              <a:rPr lang="it-IT" sz="1400" b="1" dirty="0">
+                <a:cs typeface="Courier New" panose="02070309020205020404" pitchFamily="49" charset="0"/>
+              </a:rPr>
+              <a:t>:</a:t>
             </a:r>
           </a:p>
           <a:p>
             <a:pPr lvl="1"/>
             <a:r>
-              <a:rPr lang="it-IT" sz="1700">
-                <a:solidFill>
-                  <a:schemeClr val="bg1"/>
-                </a:solidFill>
+              <a:rPr lang="it-IT" sz="1400" dirty="0" err="1">
                 <a:latin typeface="Courier New" panose="02070309020205020404" pitchFamily="49" charset="0"/>
                 <a:cs typeface="Courier New" panose="02070309020205020404" pitchFamily="49" charset="0"/>
               </a:rPr>
-              <a:t>metarule(ident,[P,Q],[P,A,B],[[Q,A,B]]).</a:t>
+              <a:t>metarule</a:t>
+            </a:r>
+            <a:r>
+              <a:rPr lang="it-IT" sz="1400" dirty="0">
+                <a:latin typeface="Courier New" panose="02070309020205020404" pitchFamily="49" charset="0"/>
+                <a:cs typeface="Courier New" panose="02070309020205020404" pitchFamily="49" charset="0"/>
+              </a:rPr>
+              <a:t>(</a:t>
+            </a:r>
+            <a:r>
+              <a:rPr lang="it-IT" sz="1400" dirty="0" err="1">
+                <a:latin typeface="Courier New" panose="02070309020205020404" pitchFamily="49" charset="0"/>
+                <a:cs typeface="Courier New" panose="02070309020205020404" pitchFamily="49" charset="0"/>
+              </a:rPr>
+              <a:t>ident</a:t>
+            </a:r>
+            <a:r>
+              <a:rPr lang="it-IT" sz="1400" dirty="0">
+                <a:latin typeface="Courier New" panose="02070309020205020404" pitchFamily="49" charset="0"/>
+                <a:cs typeface="Courier New" panose="02070309020205020404" pitchFamily="49" charset="0"/>
+              </a:rPr>
+              <a:t>,[P,Q],[P,A,B],[[Q,A,B]]).</a:t>
             </a:r>
           </a:p>
           <a:p>
             <a:pPr lvl="1"/>
             <a:r>
-              <a:rPr lang="it-IT" sz="1700">
-                <a:solidFill>
-                  <a:schemeClr val="bg1"/>
-                </a:solidFill>
+              <a:rPr lang="it-IT" sz="1400" dirty="0" err="1">
                 <a:latin typeface="Courier New" panose="02070309020205020404" pitchFamily="49" charset="0"/>
                 <a:cs typeface="Courier New" panose="02070309020205020404" pitchFamily="49" charset="0"/>
               </a:rPr>
-              <a:t>metarule(postcon,[P,Q,R],[P,A,B],[[Q,A,B],[R,B]]).</a:t>
+              <a:t>metarule</a:t>
+            </a:r>
+            <a:r>
+              <a:rPr lang="it-IT" sz="1400" dirty="0">
+                <a:latin typeface="Courier New" panose="02070309020205020404" pitchFamily="49" charset="0"/>
+                <a:cs typeface="Courier New" panose="02070309020205020404" pitchFamily="49" charset="0"/>
+              </a:rPr>
+              <a:t>(</a:t>
+            </a:r>
+            <a:r>
+              <a:rPr lang="it-IT" sz="1400" dirty="0" err="1">
+                <a:latin typeface="Courier New" panose="02070309020205020404" pitchFamily="49" charset="0"/>
+                <a:cs typeface="Courier New" panose="02070309020205020404" pitchFamily="49" charset="0"/>
+              </a:rPr>
+              <a:t>postcon</a:t>
+            </a:r>
+            <a:r>
+              <a:rPr lang="it-IT" sz="1400" dirty="0">
+                <a:latin typeface="Courier New" panose="02070309020205020404" pitchFamily="49" charset="0"/>
+                <a:cs typeface="Courier New" panose="02070309020205020404" pitchFamily="49" charset="0"/>
+              </a:rPr>
+              <a:t>,[P,Q,R],[P,A,B],[[Q,A,B],[R,B]]).</a:t>
             </a:r>
           </a:p>
           <a:p>
             <a:pPr lvl="1"/>
             <a:r>
-              <a:rPr lang="it-IT" sz="1700">
-                <a:solidFill>
-                  <a:schemeClr val="bg1"/>
-                </a:solidFill>
+              <a:rPr lang="it-IT" sz="1400" dirty="0" err="1">
                 <a:latin typeface="Courier New" panose="02070309020205020404" pitchFamily="49" charset="0"/>
                 <a:cs typeface="Courier New" panose="02070309020205020404" pitchFamily="49" charset="0"/>
               </a:rPr>
-              <a:t>metarule(i_postcon,[P,Q,R],[P,A,B],[[R,B],[Q,A,B]]).</a:t>
-            </a:r>
-          </a:p>
-          <a:p>
-            <a:r>
-              <a:rPr lang="it-IT" sz="1700" b="1">
-                <a:solidFill>
-                  <a:schemeClr val="bg1"/>
-                </a:solidFill>
-                <a:cs typeface="Courier New" panose="02070309020205020404" pitchFamily="49" charset="0"/>
-              </a:rPr>
-              <a:t>Positive examples:</a:t>
+              <a:t>metarule</a:t>
+            </a:r>
+            <a:r>
+              <a:rPr lang="it-IT" sz="1400" dirty="0">
+                <a:latin typeface="Courier New" panose="02070309020205020404" pitchFamily="49" charset="0"/>
+                <a:cs typeface="Courier New" panose="02070309020205020404" pitchFamily="49" charset="0"/>
+              </a:rPr>
+              <a:t>(</a:t>
+            </a:r>
+            <a:r>
+              <a:rPr lang="it-IT" sz="1400" dirty="0" err="1">
+                <a:latin typeface="Courier New" panose="02070309020205020404" pitchFamily="49" charset="0"/>
+                <a:cs typeface="Courier New" panose="02070309020205020404" pitchFamily="49" charset="0"/>
+              </a:rPr>
+              <a:t>i_postcon</a:t>
+            </a:r>
+            <a:r>
+              <a:rPr lang="it-IT" sz="1400" dirty="0">
+                <a:latin typeface="Courier New" panose="02070309020205020404" pitchFamily="49" charset="0"/>
+                <a:cs typeface="Courier New" panose="02070309020205020404" pitchFamily="49" charset="0"/>
+              </a:rPr>
+              <a:t>,[P,Q,R],[P,A,B],[[R,B],[Q,A,B]]).</a:t>
+            </a:r>
+          </a:p>
+          <a:p>
+            <a:r>
+              <a:rPr lang="it-IT" sz="1400" b="1" dirty="0">
+                <a:cs typeface="Courier New" panose="02070309020205020404" pitchFamily="49" charset="0"/>
+              </a:rPr>
+              <a:t>Positive </a:t>
+            </a:r>
+            <a:r>
+              <a:rPr lang="it-IT" sz="1400" b="1" dirty="0" err="1">
+                <a:cs typeface="Courier New" panose="02070309020205020404" pitchFamily="49" charset="0"/>
+              </a:rPr>
+              <a:t>examples</a:t>
+            </a:r>
+            <a:r>
+              <a:rPr lang="it-IT" sz="1400" b="1" dirty="0">
+                <a:cs typeface="Courier New" panose="02070309020205020404" pitchFamily="49" charset="0"/>
+              </a:rPr>
+              <a:t>:</a:t>
             </a:r>
           </a:p>
           <a:p>
             <a:pPr lvl="1"/>
             <a:r>
-              <a:rPr lang="it-IT" sz="1700">
-                <a:solidFill>
-                  <a:schemeClr val="bg1"/>
-                </a:solidFill>
-                <a:cs typeface="Courier New" panose="02070309020205020404" pitchFamily="49" charset="0"/>
-              </a:rPr>
-              <a:t>One legal move for each direction (up, down, left, right).</a:t>
-            </a:r>
-          </a:p>
-          <a:p>
-            <a:r>
-              <a:rPr lang="it-IT" sz="1700" b="1">
-                <a:solidFill>
-                  <a:schemeClr val="bg1"/>
-                </a:solidFill>
-                <a:cs typeface="Courier New" panose="02070309020205020404" pitchFamily="49" charset="0"/>
-              </a:rPr>
-              <a:t>Negative examples:</a:t>
+              <a:rPr lang="it-IT" sz="1400" dirty="0">
+                <a:cs typeface="Courier New" panose="02070309020205020404" pitchFamily="49" charset="0"/>
+              </a:rPr>
+              <a:t>One </a:t>
+            </a:r>
+            <a:r>
+              <a:rPr lang="it-IT" sz="1400" dirty="0" err="1">
+                <a:cs typeface="Courier New" panose="02070309020205020404" pitchFamily="49" charset="0"/>
+              </a:rPr>
+              <a:t>legal</a:t>
+            </a:r>
+            <a:r>
+              <a:rPr lang="it-IT" sz="1400" dirty="0">
+                <a:cs typeface="Courier New" panose="02070309020205020404" pitchFamily="49" charset="0"/>
+              </a:rPr>
+              <a:t> </a:t>
+            </a:r>
+            <a:r>
+              <a:rPr lang="it-IT" sz="1400" dirty="0" err="1">
+                <a:cs typeface="Courier New" panose="02070309020205020404" pitchFamily="49" charset="0"/>
+              </a:rPr>
+              <a:t>move</a:t>
+            </a:r>
+            <a:r>
+              <a:rPr lang="it-IT" sz="1400" dirty="0">
+                <a:cs typeface="Courier New" panose="02070309020205020404" pitchFamily="49" charset="0"/>
+              </a:rPr>
+              <a:t> for </a:t>
+            </a:r>
+            <a:r>
+              <a:rPr lang="it-IT" sz="1400" dirty="0" err="1">
+                <a:cs typeface="Courier New" panose="02070309020205020404" pitchFamily="49" charset="0"/>
+              </a:rPr>
+              <a:t>each</a:t>
+            </a:r>
+            <a:r>
+              <a:rPr lang="it-IT" sz="1400" dirty="0">
+                <a:cs typeface="Courier New" panose="02070309020205020404" pitchFamily="49" charset="0"/>
+              </a:rPr>
+              <a:t> </a:t>
+            </a:r>
+            <a:r>
+              <a:rPr lang="it-IT" sz="1400" dirty="0" err="1">
+                <a:cs typeface="Courier New" panose="02070309020205020404" pitchFamily="49" charset="0"/>
+              </a:rPr>
+              <a:t>direction</a:t>
+            </a:r>
+            <a:r>
+              <a:rPr lang="it-IT" sz="1400" dirty="0">
+                <a:cs typeface="Courier New" panose="02070309020205020404" pitchFamily="49" charset="0"/>
+              </a:rPr>
+              <a:t> (up, down, </a:t>
+            </a:r>
+            <a:r>
+              <a:rPr lang="it-IT" sz="1400" dirty="0" err="1">
+                <a:cs typeface="Courier New" panose="02070309020205020404" pitchFamily="49" charset="0"/>
+              </a:rPr>
+              <a:t>left</a:t>
+            </a:r>
+            <a:r>
+              <a:rPr lang="it-IT" sz="1400" dirty="0">
+                <a:cs typeface="Courier New" panose="02070309020205020404" pitchFamily="49" charset="0"/>
+              </a:rPr>
+              <a:t>, </a:t>
+            </a:r>
+            <a:r>
+              <a:rPr lang="it-IT" sz="1400" dirty="0" err="1">
+                <a:cs typeface="Courier New" panose="02070309020205020404" pitchFamily="49" charset="0"/>
+              </a:rPr>
+              <a:t>right</a:t>
+            </a:r>
+            <a:r>
+              <a:rPr lang="it-IT" sz="1400" dirty="0">
+                <a:cs typeface="Courier New" panose="02070309020205020404" pitchFamily="49" charset="0"/>
+              </a:rPr>
+              <a:t>).</a:t>
+            </a:r>
+          </a:p>
+          <a:p>
+            <a:r>
+              <a:rPr lang="it-IT" sz="1400" b="1" dirty="0">
+                <a:cs typeface="Courier New" panose="02070309020205020404" pitchFamily="49" charset="0"/>
+              </a:rPr>
+              <a:t>Negative </a:t>
+            </a:r>
+            <a:r>
+              <a:rPr lang="it-IT" sz="1400" b="1" dirty="0" err="1">
+                <a:cs typeface="Courier New" panose="02070309020205020404" pitchFamily="49" charset="0"/>
+              </a:rPr>
+              <a:t>examples</a:t>
+            </a:r>
+            <a:r>
+              <a:rPr lang="it-IT" sz="1400" b="1" dirty="0">
+                <a:cs typeface="Courier New" panose="02070309020205020404" pitchFamily="49" charset="0"/>
+              </a:rPr>
+              <a:t>:</a:t>
             </a:r>
           </a:p>
           <a:p>
             <a:pPr lvl="1"/>
             <a:r>
-              <a:rPr lang="it-IT" sz="1700">
-                <a:solidFill>
-                  <a:schemeClr val="bg1"/>
-                </a:solidFill>
-                <a:cs typeface="Courier New" panose="02070309020205020404" pitchFamily="49" charset="0"/>
-              </a:rPr>
-              <a:t>One illegal move for each direction.</a:t>
+              <a:rPr lang="it-IT" sz="1400" dirty="0">
+                <a:cs typeface="Courier New" panose="02070309020205020404" pitchFamily="49" charset="0"/>
+              </a:rPr>
+              <a:t>One </a:t>
+            </a:r>
+            <a:r>
+              <a:rPr lang="it-IT" sz="1400" dirty="0" err="1">
+                <a:cs typeface="Courier New" panose="02070309020205020404" pitchFamily="49" charset="0"/>
+              </a:rPr>
+              <a:t>illegal</a:t>
+            </a:r>
+            <a:r>
+              <a:rPr lang="it-IT" sz="1400" dirty="0">
+                <a:cs typeface="Courier New" panose="02070309020205020404" pitchFamily="49" charset="0"/>
+              </a:rPr>
+              <a:t> </a:t>
+            </a:r>
+            <a:r>
+              <a:rPr lang="it-IT" sz="1400" dirty="0" err="1">
+                <a:cs typeface="Courier New" panose="02070309020205020404" pitchFamily="49" charset="0"/>
+              </a:rPr>
+              <a:t>move</a:t>
+            </a:r>
+            <a:r>
+              <a:rPr lang="it-IT" sz="1400" dirty="0">
+                <a:cs typeface="Courier New" panose="02070309020205020404" pitchFamily="49" charset="0"/>
+              </a:rPr>
+              <a:t> for </a:t>
+            </a:r>
+            <a:r>
+              <a:rPr lang="it-IT" sz="1400" dirty="0" err="1">
+                <a:cs typeface="Courier New" panose="02070309020205020404" pitchFamily="49" charset="0"/>
+              </a:rPr>
+              <a:t>each</a:t>
+            </a:r>
+            <a:r>
+              <a:rPr lang="it-IT" sz="1400" dirty="0">
+                <a:cs typeface="Courier New" panose="02070309020205020404" pitchFamily="49" charset="0"/>
+              </a:rPr>
+              <a:t> </a:t>
+            </a:r>
+            <a:r>
+              <a:rPr lang="it-IT" sz="1400" dirty="0" err="1">
+                <a:cs typeface="Courier New" panose="02070309020205020404" pitchFamily="49" charset="0"/>
+              </a:rPr>
+              <a:t>direction</a:t>
+            </a:r>
+            <a:r>
+              <a:rPr lang="it-IT" sz="1400" dirty="0">
+                <a:cs typeface="Courier New" panose="02070309020205020404" pitchFamily="49" charset="0"/>
+              </a:rPr>
+              <a:t>.</a:t>
             </a:r>
           </a:p>
         </p:txBody>
@@ -10125,12 +11742,41 @@
           <a:chExt cx="0" cy="0"/>
         </a:xfrm>
       </p:grpSpPr>
+      <p:pic>
+        <p:nvPicPr>
+          <p:cNvPr id="4" name="Picture 4" descr="Maze">
+            <a:extLst>
+              <a:ext uri="{FF2B5EF4-FFF2-40B4-BE49-F238E27FC236}">
+                <a16:creationId xmlns:a16="http://schemas.microsoft.com/office/drawing/2014/main" id="{5511DBA9-FF92-407F-A794-61FC31C5161F}"/>
+              </a:ext>
+            </a:extLst>
+          </p:cNvPr>
+          <p:cNvPicPr>
+            <a:picLocks noChangeAspect="1"/>
+          </p:cNvPicPr>
+          <p:nvPr/>
+        </p:nvPicPr>
+        <p:blipFill rotWithShape="1">
+          <a:blip r:embed="rId2"/>
+          <a:srcRect t="9021"/>
+          <a:stretch/>
+        </p:blipFill>
+        <p:spPr>
+          <a:xfrm>
+            <a:off x="20" y="10"/>
+            <a:ext cx="11292820" cy="6857990"/>
+          </a:xfrm>
+          <a:prstGeom prst="rect">
+            <a:avLst/>
+          </a:prstGeom>
+        </p:spPr>
+      </p:pic>
       <p:sp>
         <p:nvSpPr>
-          <p:cNvPr id="9" name="Rectangle 8">
+          <p:cNvPr id="14" name="Rectangle 13">
             <a:extLst>
               <a:ext uri="{FF2B5EF4-FFF2-40B4-BE49-F238E27FC236}">
-                <a16:creationId xmlns:a16="http://schemas.microsoft.com/office/drawing/2014/main" id="{989683EB-D202-4B4D-B1BD-8BA6965FBEF5}"/>
+                <a16:creationId xmlns:a16="http://schemas.microsoft.com/office/drawing/2014/main" id="{9163A971-857A-4D4D-B458-BADAF926FFCC}"/>
               </a:ext>
               <a:ext uri="{C183D7F6-B498-43B3-948B-1728B52AA6E4}">
                 <adec:decorative xmlns:adec="http://schemas.microsoft.com/office/drawing/2017/decorative" val="1"/>
@@ -10150,14 +11796,16 @@
         </p:nvSpPr>
         <p:spPr>
           <a:xfrm>
-            <a:off x="0" y="-1"/>
-            <a:ext cx="11292840" cy="6858001"/>
+            <a:off x="3559481" y="0"/>
+            <a:ext cx="7737169" cy="6858000"/>
           </a:xfrm>
           <a:prstGeom prst="rect">
             <a:avLst/>
           </a:prstGeom>
           <a:solidFill>
-            <a:schemeClr val="tx1"/>
+            <a:schemeClr val="bg1">
+              <a:alpha val="91000"/>
+            </a:schemeClr>
           </a:solidFill>
           <a:ln>
             <a:noFill/>
@@ -10183,42 +11831,40 @@
           <a:bodyPr rtlCol="0" anchor="ctr"/>
           <a:lstStyle/>
           <a:p>
-            <a:pPr algn="ctr"/>
-            <a:endParaRPr lang="en-US"/>
+            <a:pPr marL="0" marR="0" lvl="0" indent="0" algn="ctr" defTabSz="914400" rtl="0" eaLnBrk="1" fontAlgn="auto" latinLnBrk="0" hangingPunct="1">
+              <a:lnSpc>
+                <a:spcPct val="100000"/>
+              </a:lnSpc>
+              <a:spcBef>
+                <a:spcPts val="0"/>
+              </a:spcBef>
+              <a:spcAft>
+                <a:spcPts val="0"/>
+              </a:spcAft>
+              <a:buClrTx/>
+              <a:buSzTx/>
+              <a:buFontTx/>
+              <a:buNone/>
+              <a:tabLst/>
+              <a:defRPr/>
+            </a:pPr>
+            <a:endParaRPr kumimoji="0" lang="en-US" sz="1800" b="0" i="0" u="none" strike="noStrike" kern="1200" cap="none" spc="0" normalizeH="0" baseline="0" noProof="0">
+              <a:ln>
+                <a:noFill/>
+              </a:ln>
+              <a:solidFill>
+                <a:srgbClr val="FFFFFF"/>
+              </a:solidFill>
+              <a:effectLst/>
+              <a:uLnTx/>
+              <a:uFillTx/>
+              <a:latin typeface="Century Schoolbook" panose="02040604050505020304"/>
+              <a:ea typeface="+mn-ea"/>
+              <a:cs typeface="+mn-cs"/>
+            </a:endParaRPr>
           </a:p>
         </p:txBody>
       </p:sp>
-      <p:pic>
-        <p:nvPicPr>
-          <p:cNvPr id="4" name="Picture 4" descr="Maze">
-            <a:extLst>
-              <a:ext uri="{FF2B5EF4-FFF2-40B4-BE49-F238E27FC236}">
-                <a16:creationId xmlns:a16="http://schemas.microsoft.com/office/drawing/2014/main" id="{5511DBA9-FF92-407F-A794-61FC31C5161F}"/>
-              </a:ext>
-            </a:extLst>
-          </p:cNvPr>
-          <p:cNvPicPr>
-            <a:picLocks noChangeAspect="1"/>
-          </p:cNvPicPr>
-          <p:nvPr/>
-        </p:nvPicPr>
-        <p:blipFill rotWithShape="1">
-          <a:blip r:embed="rId2">
-            <a:alphaModFix amt="35000"/>
-          </a:blip>
-          <a:srcRect t="9021"/>
-          <a:stretch/>
-        </p:blipFill>
-        <p:spPr>
-          <a:xfrm>
-            <a:off x="20" y="10"/>
-            <a:ext cx="11292820" cy="6857990"/>
-          </a:xfrm>
-          <a:prstGeom prst="rect">
-            <a:avLst/>
-          </a:prstGeom>
-        </p:spPr>
-      </p:pic>
       <p:sp>
         <p:nvSpPr>
           <p:cNvPr id="2" name="Titolo 1">
@@ -10237,8 +11883,8 @@
         </p:nvSpPr>
         <p:spPr>
           <a:xfrm>
-            <a:off x="1261872" y="365760"/>
-            <a:ext cx="9692640" cy="1325562"/>
+            <a:off x="4050889" y="365758"/>
+            <a:ext cx="6784259" cy="1828800"/>
           </a:xfrm>
         </p:spPr>
         <p:txBody>
@@ -10248,13 +11894,14 @@
           <a:lstStyle/>
           <a:p>
             <a:r>
-              <a:rPr lang="it-IT">
-                <a:solidFill>
-                  <a:schemeClr val="bg1"/>
-                </a:solidFill>
-              </a:rPr>
-              <a:t>Interesting points</a:t>
-            </a:r>
+              <a:rPr lang="it-IT"/>
+              <a:t>The power of </a:t>
+            </a:r>
+            <a:r>
+              <a:rPr lang="it-IT" err="1"/>
+              <a:t>metarules</a:t>
+            </a:r>
+            <a:endParaRPr lang="it-IT"/>
           </a:p>
         </p:txBody>
       </p:sp>
@@ -10276,270 +11923,414 @@
         </p:nvSpPr>
         <p:spPr>
           <a:xfrm>
-            <a:off x="1261872" y="2005739"/>
-            <a:ext cx="8595360" cy="4174398"/>
+            <a:off x="4050889" y="2516291"/>
+            <a:ext cx="6784259" cy="3682896"/>
           </a:xfrm>
         </p:spPr>
         <p:txBody>
           <a:bodyPr>
-            <a:normAutofit/>
+            <a:normAutofit lnSpcReduction="10000"/>
           </a:bodyPr>
           <a:lstStyle/>
           <a:p>
             <a:r>
-              <a:rPr lang="it-IT">
-                <a:solidFill>
-                  <a:schemeClr val="bg1"/>
-                </a:solidFill>
-              </a:rPr>
-              <a:t>The power of metarules:</a:t>
-            </a:r>
-          </a:p>
-          <a:p>
-            <a:pPr lvl="1"/>
-            <a:r>
-              <a:rPr lang="it-IT">
-                <a:solidFill>
-                  <a:schemeClr val="bg1"/>
-                </a:solidFill>
-              </a:rPr>
+              <a:rPr lang="it-IT" sz="1500"/>
               <a:t>Using </a:t>
             </a:r>
             <a:r>
-              <a:rPr lang="it-IT">
-                <a:solidFill>
-                  <a:schemeClr val="bg1"/>
-                </a:solidFill>
+              <a:rPr lang="it-IT" sz="1500" err="1">
                 <a:latin typeface="Courier New" panose="02070309020205020404" pitchFamily="49" charset="0"/>
                 <a:cs typeface="Courier New" panose="02070309020205020404" pitchFamily="49" charset="0"/>
               </a:rPr>
               <a:t>postcon</a:t>
             </a:r>
             <a:r>
-              <a:rPr lang="it-IT">
-                <a:solidFill>
-                  <a:schemeClr val="bg1"/>
-                </a:solidFill>
-              </a:rPr>
+              <a:rPr lang="it-IT" sz="1500"/>
               <a:t>:</a:t>
             </a:r>
           </a:p>
           <a:p>
-            <a:pPr marL="548640" lvl="2" indent="0">
+            <a:pPr marL="274320" lvl="1" indent="0">
               <a:buNone/>
             </a:pPr>
             <a:r>
-              <a:rPr lang="en-US">
-                <a:solidFill>
-                  <a:schemeClr val="bg1"/>
-                </a:solidFill>
+              <a:rPr lang="en-US" sz="1500">
                 <a:latin typeface="Courier New" panose="02070309020205020404" pitchFamily="49" charset="0"/>
                 <a:cs typeface="Courier New" panose="02070309020205020404" pitchFamily="49" charset="0"/>
               </a:rPr>
-              <a:t>move(A,B):-inc_x(A,B),legal_position(B).</a:t>
-            </a:r>
-          </a:p>
-          <a:p>
-            <a:pPr marL="548640" lvl="2" indent="0">
+              <a:t>move(A,B):-</a:t>
+            </a:r>
+            <a:r>
+              <a:rPr lang="en-US" sz="1500" err="1">
+                <a:latin typeface="Courier New" panose="02070309020205020404" pitchFamily="49" charset="0"/>
+                <a:cs typeface="Courier New" panose="02070309020205020404" pitchFamily="49" charset="0"/>
+              </a:rPr>
+              <a:t>inc_x</a:t>
+            </a:r>
+            <a:r>
+              <a:rPr lang="en-US" sz="1500">
+                <a:latin typeface="Courier New" panose="02070309020205020404" pitchFamily="49" charset="0"/>
+                <a:cs typeface="Courier New" panose="02070309020205020404" pitchFamily="49" charset="0"/>
+              </a:rPr>
+              <a:t>(A,B),</a:t>
+            </a:r>
+            <a:r>
+              <a:rPr lang="en-US" sz="1500" err="1">
+                <a:latin typeface="Courier New" panose="02070309020205020404" pitchFamily="49" charset="0"/>
+                <a:cs typeface="Courier New" panose="02070309020205020404" pitchFamily="49" charset="0"/>
+              </a:rPr>
+              <a:t>legal_position</a:t>
+            </a:r>
+            <a:r>
+              <a:rPr lang="en-US" sz="1500">
+                <a:latin typeface="Courier New" panose="02070309020205020404" pitchFamily="49" charset="0"/>
+                <a:cs typeface="Courier New" panose="02070309020205020404" pitchFamily="49" charset="0"/>
+              </a:rPr>
+              <a:t>(B).</a:t>
+            </a:r>
+          </a:p>
+          <a:p>
+            <a:pPr marL="274320" lvl="1" indent="0">
               <a:buNone/>
             </a:pPr>
             <a:r>
-              <a:rPr lang="en-US">
-                <a:solidFill>
-                  <a:schemeClr val="bg1"/>
-                </a:solidFill>
+              <a:rPr lang="en-US" sz="1500">
                 <a:latin typeface="Courier New" panose="02070309020205020404" pitchFamily="49" charset="0"/>
                 <a:cs typeface="Courier New" panose="02070309020205020404" pitchFamily="49" charset="0"/>
               </a:rPr>
-              <a:t>move(A,B):-inc_y(A,B),legal_position(B).</a:t>
-            </a:r>
-          </a:p>
-          <a:p>
-            <a:pPr marL="548640" lvl="2" indent="0">
+              <a:t>move(A,B):-</a:t>
+            </a:r>
+            <a:r>
+              <a:rPr lang="en-US" sz="1500" err="1">
+                <a:latin typeface="Courier New" panose="02070309020205020404" pitchFamily="49" charset="0"/>
+                <a:cs typeface="Courier New" panose="02070309020205020404" pitchFamily="49" charset="0"/>
+              </a:rPr>
+              <a:t>inc_y</a:t>
+            </a:r>
+            <a:r>
+              <a:rPr lang="en-US" sz="1500">
+                <a:latin typeface="Courier New" panose="02070309020205020404" pitchFamily="49" charset="0"/>
+                <a:cs typeface="Courier New" panose="02070309020205020404" pitchFamily="49" charset="0"/>
+              </a:rPr>
+              <a:t>(A,B),</a:t>
+            </a:r>
+            <a:r>
+              <a:rPr lang="en-US" sz="1500" err="1">
+                <a:latin typeface="Courier New" panose="02070309020205020404" pitchFamily="49" charset="0"/>
+                <a:cs typeface="Courier New" panose="02070309020205020404" pitchFamily="49" charset="0"/>
+              </a:rPr>
+              <a:t>legal_position</a:t>
+            </a:r>
+            <a:r>
+              <a:rPr lang="en-US" sz="1500">
+                <a:latin typeface="Courier New" panose="02070309020205020404" pitchFamily="49" charset="0"/>
+                <a:cs typeface="Courier New" panose="02070309020205020404" pitchFamily="49" charset="0"/>
+              </a:rPr>
+              <a:t>(B).</a:t>
+            </a:r>
+          </a:p>
+          <a:p>
+            <a:pPr marL="274320" lvl="1" indent="0">
               <a:buNone/>
             </a:pPr>
             <a:r>
-              <a:rPr lang="en-US">
-                <a:solidFill>
-                  <a:schemeClr val="bg1"/>
-                </a:solidFill>
+              <a:rPr lang="en-US" sz="1500">
                 <a:latin typeface="Courier New" panose="02070309020205020404" pitchFamily="49" charset="0"/>
                 <a:cs typeface="Courier New" panose="02070309020205020404" pitchFamily="49" charset="0"/>
               </a:rPr>
-              <a:t>move(A,B):-dec_x(A,B),legal_position(B).</a:t>
-            </a:r>
-          </a:p>
-          <a:p>
-            <a:pPr marL="548640" lvl="2" indent="0">
+              <a:t>move(A,B):-</a:t>
+            </a:r>
+            <a:r>
+              <a:rPr lang="en-US" sz="1500" err="1">
+                <a:latin typeface="Courier New" panose="02070309020205020404" pitchFamily="49" charset="0"/>
+                <a:cs typeface="Courier New" panose="02070309020205020404" pitchFamily="49" charset="0"/>
+              </a:rPr>
+              <a:t>dec_x</a:t>
+            </a:r>
+            <a:r>
+              <a:rPr lang="en-US" sz="1500">
+                <a:latin typeface="Courier New" panose="02070309020205020404" pitchFamily="49" charset="0"/>
+                <a:cs typeface="Courier New" panose="02070309020205020404" pitchFamily="49" charset="0"/>
+              </a:rPr>
+              <a:t>(A,B),</a:t>
+            </a:r>
+            <a:r>
+              <a:rPr lang="en-US" sz="1500" err="1">
+                <a:latin typeface="Courier New" panose="02070309020205020404" pitchFamily="49" charset="0"/>
+                <a:cs typeface="Courier New" panose="02070309020205020404" pitchFamily="49" charset="0"/>
+              </a:rPr>
+              <a:t>legal_position</a:t>
+            </a:r>
+            <a:r>
+              <a:rPr lang="en-US" sz="1500">
+                <a:latin typeface="Courier New" panose="02070309020205020404" pitchFamily="49" charset="0"/>
+                <a:cs typeface="Courier New" panose="02070309020205020404" pitchFamily="49" charset="0"/>
+              </a:rPr>
+              <a:t>(B).</a:t>
+            </a:r>
+          </a:p>
+          <a:p>
+            <a:pPr marL="274320" lvl="1" indent="0">
               <a:buNone/>
             </a:pPr>
             <a:r>
-              <a:rPr lang="en-US">
-                <a:solidFill>
-                  <a:schemeClr val="bg1"/>
-                </a:solidFill>
+              <a:rPr lang="en-US" sz="1500">
                 <a:latin typeface="Courier New" panose="02070309020205020404" pitchFamily="49" charset="0"/>
                 <a:cs typeface="Courier New" panose="02070309020205020404" pitchFamily="49" charset="0"/>
               </a:rPr>
-              <a:t>move(A,B):-dec_y(A,B),legal_position(B).</a:t>
-            </a:r>
-          </a:p>
-          <a:p>
-            <a:pPr lvl="1"/>
-            <a:r>
-              <a:rPr lang="en-US">
-                <a:solidFill>
-                  <a:schemeClr val="bg1"/>
-                </a:solidFill>
+              <a:t>move(A,B):-</a:t>
+            </a:r>
+            <a:r>
+              <a:rPr lang="en-US" sz="1500" err="1">
+                <a:latin typeface="Courier New" panose="02070309020205020404" pitchFamily="49" charset="0"/>
+                <a:cs typeface="Courier New" panose="02070309020205020404" pitchFamily="49" charset="0"/>
+              </a:rPr>
+              <a:t>dec_y</a:t>
+            </a:r>
+            <a:r>
+              <a:rPr lang="en-US" sz="1500">
+                <a:latin typeface="Courier New" panose="02070309020205020404" pitchFamily="49" charset="0"/>
+                <a:cs typeface="Courier New" panose="02070309020205020404" pitchFamily="49" charset="0"/>
+              </a:rPr>
+              <a:t>(A,B),</a:t>
+            </a:r>
+            <a:r>
+              <a:rPr lang="en-US" sz="1500" err="1">
+                <a:latin typeface="Courier New" panose="02070309020205020404" pitchFamily="49" charset="0"/>
+                <a:cs typeface="Courier New" panose="02070309020205020404" pitchFamily="49" charset="0"/>
+              </a:rPr>
+              <a:t>legal_position</a:t>
+            </a:r>
+            <a:r>
+              <a:rPr lang="en-US" sz="1500">
+                <a:latin typeface="Courier New" panose="02070309020205020404" pitchFamily="49" charset="0"/>
+                <a:cs typeface="Courier New" panose="02070309020205020404" pitchFamily="49" charset="0"/>
+              </a:rPr>
+              <a:t>(B).</a:t>
+            </a:r>
+          </a:p>
+          <a:p>
+            <a:r>
+              <a:rPr lang="en-US" sz="1500">
                 <a:cs typeface="Courier New" panose="02070309020205020404" pitchFamily="49" charset="0"/>
               </a:rPr>
               <a:t>Using </a:t>
             </a:r>
             <a:r>
-              <a:rPr lang="en-US">
-                <a:solidFill>
-                  <a:schemeClr val="bg1"/>
-                </a:solidFill>
+              <a:rPr lang="en-US" sz="1500" err="1">
                 <a:latin typeface="Courier New" panose="02070309020205020404" pitchFamily="49" charset="0"/>
                 <a:cs typeface="Courier New" panose="02070309020205020404" pitchFamily="49" charset="0"/>
               </a:rPr>
-              <a:t>i_postcon:</a:t>
-            </a:r>
-          </a:p>
-          <a:p>
-            <a:pPr marL="548640" lvl="2" indent="0">
+              <a:t>i_postcon</a:t>
+            </a:r>
+            <a:r>
+              <a:rPr lang="en-US" sz="1500">
+                <a:latin typeface="Courier New" panose="02070309020205020404" pitchFamily="49" charset="0"/>
+                <a:cs typeface="Courier New" panose="02070309020205020404" pitchFamily="49" charset="0"/>
+              </a:rPr>
+              <a:t>:</a:t>
+            </a:r>
+          </a:p>
+          <a:p>
+            <a:pPr marL="274320" lvl="1" indent="0">
               <a:buNone/>
             </a:pPr>
             <a:r>
-              <a:rPr lang="en-US">
-                <a:solidFill>
-                  <a:schemeClr val="bg1"/>
-                </a:solidFill>
+              <a:rPr lang="en-US" sz="1500">
                 <a:latin typeface="Courier New" panose="02070309020205020404" pitchFamily="49" charset="0"/>
                 <a:cs typeface="Courier New" panose="02070309020205020404" pitchFamily="49" charset="0"/>
               </a:rPr>
-              <a:t>move(A,B):-legal_position(B),move_1(A,B).</a:t>
-            </a:r>
-          </a:p>
-          <a:p>
-            <a:pPr marL="548640" lvl="2" indent="0">
+              <a:t>move(A,B):-</a:t>
+            </a:r>
+            <a:r>
+              <a:rPr lang="en-US" sz="1500" err="1">
+                <a:latin typeface="Courier New" panose="02070309020205020404" pitchFamily="49" charset="0"/>
+                <a:cs typeface="Courier New" panose="02070309020205020404" pitchFamily="49" charset="0"/>
+              </a:rPr>
+              <a:t>legal_position</a:t>
+            </a:r>
+            <a:r>
+              <a:rPr lang="en-US" sz="1500">
+                <a:latin typeface="Courier New" panose="02070309020205020404" pitchFamily="49" charset="0"/>
+                <a:cs typeface="Courier New" panose="02070309020205020404" pitchFamily="49" charset="0"/>
+              </a:rPr>
+              <a:t>(B),move_1(A,B).</a:t>
+            </a:r>
+          </a:p>
+          <a:p>
+            <a:pPr marL="274320" lvl="1" indent="0">
               <a:buNone/>
             </a:pPr>
             <a:r>
-              <a:rPr lang="en-US">
-                <a:solidFill>
-                  <a:schemeClr val="bg1"/>
-                </a:solidFill>
+              <a:rPr lang="en-US" sz="1500">
                 <a:latin typeface="Courier New" panose="02070309020205020404" pitchFamily="49" charset="0"/>
                 <a:cs typeface="Courier New" panose="02070309020205020404" pitchFamily="49" charset="0"/>
               </a:rPr>
-              <a:t>move_1(A,B):-inc_x(A,B).</a:t>
-            </a:r>
-          </a:p>
-          <a:p>
-            <a:pPr marL="548640" lvl="2" indent="0">
+              <a:t>move_1(A,B):-</a:t>
+            </a:r>
+            <a:r>
+              <a:rPr lang="en-US" sz="1500" err="1">
+                <a:latin typeface="Courier New" panose="02070309020205020404" pitchFamily="49" charset="0"/>
+                <a:cs typeface="Courier New" panose="02070309020205020404" pitchFamily="49" charset="0"/>
+              </a:rPr>
+              <a:t>inc_x</a:t>
+            </a:r>
+            <a:r>
+              <a:rPr lang="en-US" sz="1500">
+                <a:latin typeface="Courier New" panose="02070309020205020404" pitchFamily="49" charset="0"/>
+                <a:cs typeface="Courier New" panose="02070309020205020404" pitchFamily="49" charset="0"/>
+              </a:rPr>
+              <a:t>(A,B).</a:t>
+            </a:r>
+          </a:p>
+          <a:p>
+            <a:pPr marL="274320" lvl="1" indent="0">
               <a:buNone/>
             </a:pPr>
             <a:r>
-              <a:rPr lang="en-US">
-                <a:solidFill>
-                  <a:schemeClr val="bg1"/>
-                </a:solidFill>
+              <a:rPr lang="en-US" sz="1500">
                 <a:latin typeface="Courier New" panose="02070309020205020404" pitchFamily="49" charset="0"/>
                 <a:cs typeface="Courier New" panose="02070309020205020404" pitchFamily="49" charset="0"/>
               </a:rPr>
-              <a:t>move_1(A,B):-inc_y(A,B).</a:t>
-            </a:r>
-          </a:p>
-          <a:p>
-            <a:pPr marL="548640" lvl="2" indent="0">
+              <a:t>move_1(A,B):-</a:t>
+            </a:r>
+            <a:r>
+              <a:rPr lang="en-US" sz="1500" err="1">
+                <a:latin typeface="Courier New" panose="02070309020205020404" pitchFamily="49" charset="0"/>
+                <a:cs typeface="Courier New" panose="02070309020205020404" pitchFamily="49" charset="0"/>
+              </a:rPr>
+              <a:t>inc_y</a:t>
+            </a:r>
+            <a:r>
+              <a:rPr lang="en-US" sz="1500">
+                <a:latin typeface="Courier New" panose="02070309020205020404" pitchFamily="49" charset="0"/>
+                <a:cs typeface="Courier New" panose="02070309020205020404" pitchFamily="49" charset="0"/>
+              </a:rPr>
+              <a:t>(A,B).</a:t>
+            </a:r>
+          </a:p>
+          <a:p>
+            <a:pPr marL="274320" lvl="1" indent="0">
               <a:buNone/>
             </a:pPr>
             <a:r>
-              <a:rPr lang="en-US">
-                <a:solidFill>
-                  <a:schemeClr val="bg1"/>
-                </a:solidFill>
+              <a:rPr lang="en-US" sz="1500">
                 <a:latin typeface="Courier New" panose="02070309020205020404" pitchFamily="49" charset="0"/>
                 <a:cs typeface="Courier New" panose="02070309020205020404" pitchFamily="49" charset="0"/>
               </a:rPr>
-              <a:t>move_1(A,B):-dec_x(A,B).</a:t>
-            </a:r>
-          </a:p>
-          <a:p>
-            <a:pPr marL="548640" lvl="2" indent="0">
+              <a:t>move_1(A,B):-</a:t>
+            </a:r>
+            <a:r>
+              <a:rPr lang="en-US" sz="1500" err="1">
+                <a:latin typeface="Courier New" panose="02070309020205020404" pitchFamily="49" charset="0"/>
+                <a:cs typeface="Courier New" panose="02070309020205020404" pitchFamily="49" charset="0"/>
+              </a:rPr>
+              <a:t>dec_x</a:t>
+            </a:r>
+            <a:r>
+              <a:rPr lang="en-US" sz="1500">
+                <a:latin typeface="Courier New" panose="02070309020205020404" pitchFamily="49" charset="0"/>
+                <a:cs typeface="Courier New" panose="02070309020205020404" pitchFamily="49" charset="0"/>
+              </a:rPr>
+              <a:t>(A,B).</a:t>
+            </a:r>
+          </a:p>
+          <a:p>
+            <a:pPr marL="274320" lvl="1" indent="0">
               <a:buNone/>
             </a:pPr>
             <a:r>
-              <a:rPr lang="en-US">
-                <a:solidFill>
-                  <a:schemeClr val="bg1"/>
-                </a:solidFill>
+              <a:rPr lang="en-US" sz="1500">
                 <a:latin typeface="Courier New" panose="02070309020205020404" pitchFamily="49" charset="0"/>
                 <a:cs typeface="Courier New" panose="02070309020205020404" pitchFamily="49" charset="0"/>
               </a:rPr>
-              <a:t>move_1(A,B):-dec_y(A,B).</a:t>
-            </a:r>
-            <a:endParaRPr lang="it-IT">
-              <a:solidFill>
-                <a:schemeClr val="bg1"/>
-              </a:solidFill>
+              <a:t>move_1(A,B):-</a:t>
+            </a:r>
+            <a:r>
+              <a:rPr lang="en-US" sz="1500" err="1">
+                <a:latin typeface="Courier New" panose="02070309020205020404" pitchFamily="49" charset="0"/>
+                <a:cs typeface="Courier New" panose="02070309020205020404" pitchFamily="49" charset="0"/>
+              </a:rPr>
+              <a:t>dec_y</a:t>
+            </a:r>
+            <a:r>
+              <a:rPr lang="en-US" sz="1500">
+                <a:latin typeface="Courier New" panose="02070309020205020404" pitchFamily="49" charset="0"/>
+                <a:cs typeface="Courier New" panose="02070309020205020404" pitchFamily="49" charset="0"/>
+              </a:rPr>
+              <a:t>(A,B).</a:t>
+            </a:r>
+            <a:endParaRPr lang="it-IT" sz="1500">
               <a:latin typeface="Courier New" panose="02070309020205020404" pitchFamily="49" charset="0"/>
               <a:cs typeface="Courier New" panose="02070309020205020404" pitchFamily="49" charset="0"/>
             </a:endParaRPr>
           </a:p>
           <a:p>
             <a:r>
-              <a:rPr lang="it-IT">
-                <a:solidFill>
-                  <a:schemeClr val="bg1"/>
-                </a:solidFill>
+              <a:rPr lang="it-IT" sz="1500" err="1">
                 <a:latin typeface="Courier New" panose="02070309020205020404" pitchFamily="49" charset="0"/>
                 <a:cs typeface="Courier New" panose="02070309020205020404" pitchFamily="49" charset="0"/>
               </a:rPr>
-              <a:t>i_postcon </a:t>
-            </a:r>
-            <a:r>
-              <a:rPr lang="it-IT">
-                <a:solidFill>
-                  <a:schemeClr val="bg1"/>
-                </a:solidFill>
-                <a:cs typeface="Courier New" panose="02070309020205020404" pitchFamily="49" charset="0"/>
-              </a:rPr>
-              <a:t>is able to «</a:t>
-            </a:r>
-            <a:r>
-              <a:rPr lang="it-IT" b="1">
-                <a:solidFill>
-                  <a:schemeClr val="bg1"/>
-                </a:solidFill>
+              <a:t>i_postcon</a:t>
+            </a:r>
+            <a:r>
+              <a:rPr lang="it-IT" sz="1500">
+                <a:latin typeface="Courier New" panose="02070309020205020404" pitchFamily="49" charset="0"/>
+                <a:cs typeface="Courier New" panose="02070309020205020404" pitchFamily="49" charset="0"/>
+              </a:rPr>
+              <a:t> </a:t>
+            </a:r>
+            <a:r>
+              <a:rPr lang="it-IT" sz="1500" err="1">
+                <a:cs typeface="Courier New" panose="02070309020205020404" pitchFamily="49" charset="0"/>
+              </a:rPr>
+              <a:t>is</a:t>
+            </a:r>
+            <a:r>
+              <a:rPr lang="it-IT" sz="1500">
+                <a:cs typeface="Courier New" panose="02070309020205020404" pitchFamily="49" charset="0"/>
+              </a:rPr>
+              <a:t> </a:t>
+            </a:r>
+            <a:r>
+              <a:rPr lang="it-IT" sz="1500" err="1">
+                <a:cs typeface="Courier New" panose="02070309020205020404" pitchFamily="49" charset="0"/>
+              </a:rPr>
+              <a:t>able</a:t>
+            </a:r>
+            <a:r>
+              <a:rPr lang="it-IT" sz="1500">
+                <a:cs typeface="Courier New" panose="02070309020205020404" pitchFamily="49" charset="0"/>
+              </a:rPr>
+              <a:t> to «</a:t>
+            </a:r>
+            <a:r>
+              <a:rPr lang="it-IT" sz="1500" b="1" err="1">
                 <a:cs typeface="Courier New" panose="02070309020205020404" pitchFamily="49" charset="0"/>
               </a:rPr>
               <a:t>invent</a:t>
             </a:r>
             <a:r>
-              <a:rPr lang="it-IT">
-                <a:solidFill>
-                  <a:schemeClr val="bg1"/>
-                </a:solidFill>
+              <a:rPr lang="it-IT" sz="1500">
                 <a:cs typeface="Courier New" panose="02070309020205020404" pitchFamily="49" charset="0"/>
               </a:rPr>
               <a:t>» the predicate </a:t>
             </a:r>
             <a:r>
-              <a:rPr lang="it-IT">
-                <a:solidFill>
-                  <a:schemeClr val="bg1"/>
-                </a:solidFill>
+              <a:rPr lang="it-IT" sz="1500" err="1">
                 <a:latin typeface="Courier New" panose="02070309020205020404" pitchFamily="49" charset="0"/>
                 <a:cs typeface="Courier New" panose="02070309020205020404" pitchFamily="49" charset="0"/>
               </a:rPr>
-              <a:t>adjacent/2.</a:t>
-            </a:r>
-            <a:endParaRPr lang="en-US">
-              <a:solidFill>
-                <a:schemeClr val="bg1"/>
-              </a:solidFill>
+              <a:t>adjacent</a:t>
+            </a:r>
+            <a:r>
+              <a:rPr lang="it-IT" sz="1500">
+                <a:latin typeface="Courier New" panose="02070309020205020404" pitchFamily="49" charset="0"/>
+                <a:cs typeface="Courier New" panose="02070309020205020404" pitchFamily="49" charset="0"/>
+              </a:rPr>
+              <a:t>/2.</a:t>
+            </a:r>
+            <a:endParaRPr lang="en-US" sz="1500">
               <a:latin typeface="Courier New" panose="02070309020205020404" pitchFamily="49" charset="0"/>
               <a:cs typeface="Courier New" panose="02070309020205020404" pitchFamily="49" charset="0"/>
             </a:endParaRPr>
@@ -10584,12 +12375,41 @@
           <a:chExt cx="0" cy="0"/>
         </a:xfrm>
       </p:grpSpPr>
+      <p:pic>
+        <p:nvPicPr>
+          <p:cNvPr id="4" name="Picture 4" descr="Maze">
+            <a:extLst>
+              <a:ext uri="{FF2B5EF4-FFF2-40B4-BE49-F238E27FC236}">
+                <a16:creationId xmlns:a16="http://schemas.microsoft.com/office/drawing/2014/main" id="{5511DBA9-FF92-407F-A794-61FC31C5161F}"/>
+              </a:ext>
+            </a:extLst>
+          </p:cNvPr>
+          <p:cNvPicPr>
+            <a:picLocks noChangeAspect="1"/>
+          </p:cNvPicPr>
+          <p:nvPr/>
+        </p:nvPicPr>
+        <p:blipFill rotWithShape="1">
+          <a:blip r:embed="rId2"/>
+          <a:srcRect t="9021"/>
+          <a:stretch/>
+        </p:blipFill>
+        <p:spPr>
+          <a:xfrm>
+            <a:off x="20" y="10"/>
+            <a:ext cx="11292820" cy="6857990"/>
+          </a:xfrm>
+          <a:prstGeom prst="rect">
+            <a:avLst/>
+          </a:prstGeom>
+        </p:spPr>
+      </p:pic>
       <p:sp>
         <p:nvSpPr>
-          <p:cNvPr id="9" name="Rectangle 8">
+          <p:cNvPr id="14" name="Rectangle 13">
             <a:extLst>
               <a:ext uri="{FF2B5EF4-FFF2-40B4-BE49-F238E27FC236}">
-                <a16:creationId xmlns:a16="http://schemas.microsoft.com/office/drawing/2014/main" id="{989683EB-D202-4B4D-B1BD-8BA6965FBEF5}"/>
+                <a16:creationId xmlns:a16="http://schemas.microsoft.com/office/drawing/2014/main" id="{9163A971-857A-4D4D-B458-BADAF926FFCC}"/>
               </a:ext>
               <a:ext uri="{C183D7F6-B498-43B3-948B-1728B52AA6E4}">
                 <adec:decorative xmlns:adec="http://schemas.microsoft.com/office/drawing/2017/decorative" val="1"/>
@@ -10609,14 +12429,16 @@
         </p:nvSpPr>
         <p:spPr>
           <a:xfrm>
-            <a:off x="0" y="-1"/>
-            <a:ext cx="11292840" cy="6858001"/>
+            <a:off x="3559481" y="0"/>
+            <a:ext cx="7737169" cy="6858000"/>
           </a:xfrm>
           <a:prstGeom prst="rect">
             <a:avLst/>
           </a:prstGeom>
           <a:solidFill>
-            <a:schemeClr val="tx1"/>
+            <a:schemeClr val="bg1">
+              <a:alpha val="91000"/>
+            </a:schemeClr>
           </a:solidFill>
           <a:ln>
             <a:noFill/>
@@ -10642,48 +12464,46 @@
           <a:bodyPr rtlCol="0" anchor="ctr"/>
           <a:lstStyle/>
           <a:p>
-            <a:pPr algn="ctr"/>
-            <a:endParaRPr lang="en-US"/>
+            <a:pPr marL="0" marR="0" lvl="0" indent="0" algn="ctr" defTabSz="914400" rtl="0" eaLnBrk="1" fontAlgn="auto" latinLnBrk="0" hangingPunct="1">
+              <a:lnSpc>
+                <a:spcPct val="100000"/>
+              </a:lnSpc>
+              <a:spcBef>
+                <a:spcPts val="0"/>
+              </a:spcBef>
+              <a:spcAft>
+                <a:spcPts val="0"/>
+              </a:spcAft>
+              <a:buClrTx/>
+              <a:buSzTx/>
+              <a:buFontTx/>
+              <a:buNone/>
+              <a:tabLst/>
+              <a:defRPr/>
+            </a:pPr>
+            <a:endParaRPr kumimoji="0" lang="en-US" sz="1800" b="0" i="0" u="none" strike="noStrike" kern="1200" cap="none" spc="0" normalizeH="0" baseline="0" noProof="0">
+              <a:ln>
+                <a:noFill/>
+              </a:ln>
+              <a:solidFill>
+                <a:srgbClr val="FFFFFF"/>
+              </a:solidFill>
+              <a:effectLst/>
+              <a:uLnTx/>
+              <a:uFillTx/>
+              <a:latin typeface="Century Schoolbook" panose="02040604050505020304"/>
+              <a:ea typeface="+mn-ea"/>
+              <a:cs typeface="+mn-cs"/>
+            </a:endParaRPr>
           </a:p>
         </p:txBody>
       </p:sp>
-      <p:pic>
-        <p:nvPicPr>
-          <p:cNvPr id="4" name="Picture 4" descr="Maze">
-            <a:extLst>
-              <a:ext uri="{FF2B5EF4-FFF2-40B4-BE49-F238E27FC236}">
-                <a16:creationId xmlns:a16="http://schemas.microsoft.com/office/drawing/2014/main" id="{C8005455-DE52-4166-891D-E22990B7B159}"/>
-              </a:ext>
-            </a:extLst>
-          </p:cNvPr>
-          <p:cNvPicPr>
-            <a:picLocks noChangeAspect="1"/>
-          </p:cNvPicPr>
-          <p:nvPr/>
-        </p:nvPicPr>
-        <p:blipFill rotWithShape="1">
-          <a:blip r:embed="rId2">
-            <a:alphaModFix amt="35000"/>
-          </a:blip>
-          <a:srcRect t="9021"/>
-          <a:stretch/>
-        </p:blipFill>
-        <p:spPr>
-          <a:xfrm>
-            <a:off x="20" y="10"/>
-            <a:ext cx="11292820" cy="6857990"/>
-          </a:xfrm>
-          <a:prstGeom prst="rect">
-            <a:avLst/>
-          </a:prstGeom>
-        </p:spPr>
-      </p:pic>
       <p:sp>
         <p:nvSpPr>
           <p:cNvPr id="2" name="Titolo 1">
             <a:extLst>
               <a:ext uri="{FF2B5EF4-FFF2-40B4-BE49-F238E27FC236}">
-                <a16:creationId xmlns:a16="http://schemas.microsoft.com/office/drawing/2014/main" id="{D02D210C-DC25-442C-A0DC-2021B3ABC932}"/>
+                <a16:creationId xmlns:a16="http://schemas.microsoft.com/office/drawing/2014/main" id="{77994A76-64F1-4AEE-BC4F-FB664D9A36F7}"/>
               </a:ext>
             </a:extLst>
           </p:cNvPr>
@@ -10696,8 +12516,8 @@
         </p:nvSpPr>
         <p:spPr>
           <a:xfrm>
-            <a:off x="1261872" y="365760"/>
-            <a:ext cx="9692640" cy="1325562"/>
+            <a:off x="4050889" y="365758"/>
+            <a:ext cx="6784259" cy="1828800"/>
           </a:xfrm>
         </p:spPr>
         <p:txBody>
@@ -10707,13 +12527,14 @@
           <a:lstStyle/>
           <a:p>
             <a:r>
-              <a:rPr lang="it-IT">
-                <a:solidFill>
-                  <a:schemeClr val="bg1"/>
-                </a:solidFill>
-              </a:rPr>
-              <a:t>Learning to travel</a:t>
-            </a:r>
+              <a:rPr lang="it-IT" dirty="0"/>
+              <a:t>The power of </a:t>
+            </a:r>
+            <a:r>
+              <a:rPr lang="it-IT" dirty="0" err="1"/>
+              <a:t>metarules</a:t>
+            </a:r>
+            <a:endParaRPr lang="it-IT" dirty="0"/>
           </a:p>
         </p:txBody>
       </p:sp>
@@ -10722,7 +12543,7 @@
           <p:cNvPr id="3" name="Segnaposto contenuto 2">
             <a:extLst>
               <a:ext uri="{FF2B5EF4-FFF2-40B4-BE49-F238E27FC236}">
-                <a16:creationId xmlns:a16="http://schemas.microsoft.com/office/drawing/2014/main" id="{C6D47933-B121-49D1-9D84-21CF203209CD}"/>
+                <a16:creationId xmlns:a16="http://schemas.microsoft.com/office/drawing/2014/main" id="{C7D1522B-DD16-4ED0-B890-B3427CE8EB23}"/>
               </a:ext>
             </a:extLst>
           </p:cNvPr>
@@ -10735,611 +12556,304 @@
         </p:nvSpPr>
         <p:spPr>
           <a:xfrm>
-            <a:off x="1261872" y="2005739"/>
-            <a:ext cx="8595360" cy="4174398"/>
+            <a:off x="4050889" y="4031487"/>
+            <a:ext cx="6784259" cy="2167700"/>
           </a:xfrm>
         </p:spPr>
         <p:txBody>
           <a:bodyPr>
-            <a:normAutofit lnSpcReduction="10000"/>
+            <a:normAutofit/>
           </a:bodyPr>
           <a:lstStyle/>
           <a:p>
             <a:r>
-              <a:rPr lang="it-IT" sz="1700" b="1" dirty="0">
-                <a:solidFill>
-                  <a:schemeClr val="bg1"/>
-                </a:solidFill>
-              </a:rPr>
-              <a:t>Goal: </a:t>
-            </a:r>
-            <a:r>
-              <a:rPr lang="it-IT" sz="1700" dirty="0" err="1">
-                <a:solidFill>
-                  <a:schemeClr val="bg1"/>
-                </a:solidFill>
-              </a:rPr>
-              <a:t>Learn</a:t>
-            </a:r>
-            <a:r>
-              <a:rPr lang="it-IT" sz="1700" dirty="0">
-                <a:solidFill>
-                  <a:schemeClr val="bg1"/>
-                </a:solidFill>
-              </a:rPr>
-              <a:t> to </a:t>
-            </a:r>
-            <a:r>
-              <a:rPr lang="it-IT" sz="1700" dirty="0" err="1">
-                <a:solidFill>
-                  <a:schemeClr val="bg1"/>
-                </a:solidFill>
-              </a:rPr>
-              <a:t>move</a:t>
-            </a:r>
-            <a:r>
-              <a:rPr lang="it-IT" sz="1700" dirty="0">
-                <a:solidFill>
-                  <a:schemeClr val="bg1"/>
-                </a:solidFill>
-              </a:rPr>
-              <a:t> from </a:t>
-            </a:r>
-            <a:r>
-              <a:rPr lang="it-IT" sz="1700" dirty="0" err="1">
-                <a:solidFill>
-                  <a:schemeClr val="bg1"/>
-                </a:solidFill>
-              </a:rPr>
-              <a:t>two</a:t>
-            </a:r>
-            <a:r>
-              <a:rPr lang="it-IT" sz="1700" dirty="0">
-                <a:solidFill>
-                  <a:schemeClr val="bg1"/>
-                </a:solidFill>
-              </a:rPr>
+              <a:rPr lang="it-IT" sz="1600" dirty="0" err="1"/>
+              <a:t>This</a:t>
+            </a:r>
+            <a:r>
+              <a:rPr lang="it-IT" sz="1600" dirty="0"/>
               <a:t> </a:t>
             </a:r>
             <a:r>
-              <a:rPr lang="it-IT" sz="1700" dirty="0" err="1">
-                <a:solidFill>
-                  <a:schemeClr val="bg1"/>
-                </a:solidFill>
-              </a:rPr>
-              <a:t>distant</a:t>
-            </a:r>
-            <a:r>
-              <a:rPr lang="it-IT" sz="1700" dirty="0">
-                <a:solidFill>
-                  <a:schemeClr val="bg1"/>
-                </a:solidFill>
-              </a:rPr>
+              <a:rPr lang="it-IT" sz="1600" dirty="0" err="1"/>
+              <a:t>comparison</a:t>
+            </a:r>
+            <a:r>
+              <a:rPr lang="it-IT" sz="1600" dirty="0"/>
+              <a:t> highlights the impact </a:t>
+            </a:r>
+            <a:r>
+              <a:rPr lang="it-IT" sz="1600" dirty="0" err="1"/>
+              <a:t>that</a:t>
+            </a:r>
+            <a:r>
+              <a:rPr lang="it-IT" sz="1600" dirty="0"/>
+              <a:t> one more </a:t>
+            </a:r>
+            <a:r>
+              <a:rPr lang="it-IT" sz="1600" dirty="0" err="1"/>
+              <a:t>clause</a:t>
+            </a:r>
+            <a:r>
+              <a:rPr lang="it-IT" sz="1600" dirty="0"/>
+              <a:t> can </a:t>
+            </a:r>
+            <a:r>
+              <a:rPr lang="it-IT" sz="1600" dirty="0" err="1"/>
+              <a:t>have</a:t>
+            </a:r>
+            <a:r>
+              <a:rPr lang="it-IT" sz="1600" dirty="0"/>
+              <a:t> one performance.</a:t>
+            </a:r>
+          </a:p>
+          <a:p>
+            <a:r>
+              <a:rPr lang="it-IT" sz="1600" b="1" dirty="0" err="1"/>
+              <a:t>Tradeoff</a:t>
+            </a:r>
+            <a:r>
+              <a:rPr lang="it-IT" sz="1600" b="1" dirty="0"/>
+              <a:t>: </a:t>
+            </a:r>
+            <a:r>
+              <a:rPr lang="it-IT" sz="1600" dirty="0"/>
+              <a:t>More </a:t>
+            </a:r>
+            <a:r>
+              <a:rPr lang="it-IT" sz="1600" dirty="0" err="1"/>
+              <a:t>expressive</a:t>
+            </a:r>
+            <a:r>
+              <a:rPr lang="it-IT" sz="1600" dirty="0"/>
               <a:t> </a:t>
             </a:r>
             <a:r>
-              <a:rPr lang="it-IT" sz="1700" dirty="0" err="1">
-                <a:solidFill>
-                  <a:schemeClr val="bg1"/>
-                </a:solidFill>
-              </a:rPr>
-              <a:t>cells</a:t>
-            </a:r>
-            <a:r>
-              <a:rPr lang="it-IT" sz="1700" dirty="0">
-                <a:solidFill>
-                  <a:schemeClr val="bg1"/>
-                </a:solidFill>
-              </a:rPr>
-              <a:t> in the </a:t>
-            </a:r>
-            <a:r>
-              <a:rPr lang="it-IT" sz="1700" dirty="0" err="1">
-                <a:solidFill>
-                  <a:schemeClr val="bg1"/>
-                </a:solidFill>
-              </a:rPr>
-              <a:t>Maze</a:t>
-            </a:r>
-            <a:r>
-              <a:rPr lang="it-IT" sz="1700" dirty="0">
-                <a:solidFill>
-                  <a:schemeClr val="bg1"/>
-                </a:solidFill>
-              </a:rPr>
+              <a:rPr lang="it-IT" sz="1600" dirty="0" err="1"/>
+              <a:t>solutions</a:t>
+            </a:r>
+            <a:r>
+              <a:rPr lang="it-IT" sz="1600" dirty="0"/>
               <a:t> </a:t>
             </a:r>
             <a:r>
-              <a:rPr lang="it-IT" sz="1700" dirty="0" err="1">
-                <a:solidFill>
-                  <a:schemeClr val="bg1"/>
-                </a:solidFill>
-              </a:rPr>
-              <a:t>without</a:t>
-            </a:r>
-            <a:r>
-              <a:rPr lang="it-IT" sz="1700" dirty="0">
-                <a:solidFill>
-                  <a:schemeClr val="bg1"/>
-                </a:solidFill>
-              </a:rPr>
+              <a:rPr lang="it-IT" sz="1600" dirty="0" err="1"/>
+              <a:t>require</a:t>
+            </a:r>
+            <a:r>
+              <a:rPr lang="it-IT" sz="1600" dirty="0"/>
+              <a:t> a </a:t>
+            </a:r>
+            <a:r>
+              <a:rPr lang="it-IT" sz="1600" dirty="0" err="1"/>
+              <a:t>larger</a:t>
+            </a:r>
+            <a:r>
+              <a:rPr lang="it-IT" sz="1600" dirty="0"/>
               <a:t> </a:t>
             </a:r>
             <a:r>
-              <a:rPr lang="it-IT" sz="1700" dirty="0" err="1">
-                <a:solidFill>
-                  <a:schemeClr val="bg1"/>
-                </a:solidFill>
-              </a:rPr>
-              <a:t>going</a:t>
-            </a:r>
-            <a:r>
-              <a:rPr lang="it-IT" sz="1700" dirty="0">
-                <a:solidFill>
-                  <a:schemeClr val="bg1"/>
-                </a:solidFill>
-              </a:rPr>
+              <a:rPr lang="it-IT" sz="1600" dirty="0" err="1"/>
+              <a:t>search</a:t>
+            </a:r>
+            <a:r>
+              <a:rPr lang="it-IT" sz="1600" dirty="0"/>
               <a:t> </a:t>
             </a:r>
             <a:r>
-              <a:rPr lang="it-IT" sz="1700" dirty="0" err="1">
-                <a:solidFill>
-                  <a:schemeClr val="bg1"/>
-                </a:solidFill>
-              </a:rPr>
-              <a:t>through</a:t>
-            </a:r>
-            <a:r>
-              <a:rPr lang="it-IT" sz="1700" dirty="0">
-                <a:solidFill>
-                  <a:schemeClr val="bg1"/>
-                </a:solidFill>
-              </a:rPr>
+              <a:rPr lang="it-IT" sz="1600" dirty="0" err="1"/>
+              <a:t>space</a:t>
+            </a:r>
+            <a:r>
+              <a:rPr lang="it-IT" sz="1600" dirty="0"/>
+              <a:t>.</a:t>
+            </a:r>
+          </a:p>
+          <a:p>
+            <a:r>
+              <a:rPr lang="it-IT" sz="1400" dirty="0"/>
+              <a:t>(</a:t>
+            </a:r>
+            <a:r>
+              <a:rPr lang="it-IT" sz="1400" dirty="0" err="1"/>
+              <a:t>Timings</a:t>
+            </a:r>
+            <a:r>
+              <a:rPr lang="it-IT" sz="1400" dirty="0"/>
+              <a:t> are </a:t>
+            </a:r>
+            <a:r>
+              <a:rPr lang="it-IT" sz="1400" dirty="0" err="1"/>
+              <a:t>mean</a:t>
+            </a:r>
+            <a:r>
+              <a:rPr lang="it-IT" sz="1400" dirty="0"/>
               <a:t> </a:t>
             </a:r>
             <a:r>
-              <a:rPr lang="it-IT" sz="1700" dirty="0" err="1">
-                <a:solidFill>
-                  <a:schemeClr val="bg1"/>
-                </a:solidFill>
-              </a:rPr>
-              <a:t>illegal</a:t>
-            </a:r>
-            <a:r>
-              <a:rPr lang="it-IT" sz="1700" dirty="0">
-                <a:solidFill>
-                  <a:schemeClr val="bg1"/>
-                </a:solidFill>
-              </a:rPr>
-              <a:t> </a:t>
-            </a:r>
-            <a:r>
-              <a:rPr lang="it-IT" sz="1700" dirty="0" err="1">
-                <a:solidFill>
-                  <a:schemeClr val="bg1"/>
-                </a:solidFill>
-              </a:rPr>
-              <a:t>cells</a:t>
-            </a:r>
-            <a:r>
-              <a:rPr lang="it-IT" sz="1700" dirty="0">
-                <a:solidFill>
-                  <a:schemeClr val="bg1"/>
-                </a:solidFill>
-              </a:rPr>
-              <a:t>. (Predicate </a:t>
-            </a:r>
-            <a:r>
-              <a:rPr lang="it-IT" sz="1700" dirty="0" err="1">
-                <a:solidFill>
-                  <a:schemeClr val="bg1"/>
-                </a:solidFill>
-                <a:latin typeface="Courier New" panose="02070309020205020404" pitchFamily="49" charset="0"/>
-                <a:cs typeface="Courier New" panose="02070309020205020404" pitchFamily="49" charset="0"/>
-              </a:rPr>
-              <a:t>reach</a:t>
-            </a:r>
-            <a:r>
-              <a:rPr lang="it-IT" sz="1700" dirty="0">
-                <a:solidFill>
-                  <a:schemeClr val="bg1"/>
-                </a:solidFill>
-                <a:latin typeface="Courier New" panose="02070309020205020404" pitchFamily="49" charset="0"/>
-                <a:cs typeface="Courier New" panose="02070309020205020404" pitchFamily="49" charset="0"/>
-              </a:rPr>
-              <a:t>/2</a:t>
-            </a:r>
-            <a:r>
-              <a:rPr lang="it-IT" sz="1700" dirty="0">
-                <a:solidFill>
-                  <a:schemeClr val="bg1"/>
-                </a:solidFill>
-              </a:rPr>
+              <a:rPr lang="it-IT" sz="1400" dirty="0" err="1"/>
+              <a:t>values</a:t>
+            </a:r>
+            <a:r>
+              <a:rPr lang="it-IT" sz="1400" dirty="0"/>
+              <a:t> from 10 </a:t>
+            </a:r>
+            <a:r>
+              <a:rPr lang="it-IT" sz="1400" dirty="0" err="1"/>
+              <a:t>runs</a:t>
+            </a:r>
+            <a:r>
+              <a:rPr lang="it-IT" sz="1400" dirty="0"/>
               <a:t>).</a:t>
             </a:r>
-          </a:p>
-          <a:p>
-            <a:r>
-              <a:rPr lang="it-IT" sz="1700" b="1" dirty="0">
-                <a:solidFill>
-                  <a:schemeClr val="bg1"/>
-                </a:solidFill>
-              </a:rPr>
-              <a:t>Background Knowledge:</a:t>
-            </a:r>
-          </a:p>
-          <a:p>
-            <a:pPr lvl="1"/>
-            <a:r>
-              <a:rPr lang="it-IT" sz="1700" dirty="0" err="1">
-                <a:solidFill>
-                  <a:schemeClr val="bg1"/>
-                </a:solidFill>
-                <a:latin typeface="Courier New" panose="02070309020205020404" pitchFamily="49" charset="0"/>
-                <a:cs typeface="Courier New" panose="02070309020205020404" pitchFamily="49" charset="0"/>
-              </a:rPr>
-              <a:t>move</a:t>
-            </a:r>
-            <a:r>
-              <a:rPr lang="it-IT" sz="1700" dirty="0">
-                <a:solidFill>
-                  <a:schemeClr val="bg1"/>
-                </a:solidFill>
-                <a:latin typeface="Courier New" panose="02070309020205020404" pitchFamily="49" charset="0"/>
-                <a:cs typeface="Courier New" panose="02070309020205020404" pitchFamily="49" charset="0"/>
-              </a:rPr>
-              <a:t>/2 </a:t>
-            </a:r>
-            <a:r>
-              <a:rPr lang="it-IT" sz="1700" dirty="0">
-                <a:solidFill>
-                  <a:schemeClr val="bg1"/>
-                </a:solidFill>
-                <a:cs typeface="Courier New" panose="02070309020205020404" pitchFamily="49" charset="0"/>
-              </a:rPr>
-              <a:t>(</a:t>
-            </a:r>
-            <a:r>
-              <a:rPr lang="it-IT" sz="1700" dirty="0" err="1">
-                <a:solidFill>
-                  <a:schemeClr val="bg1"/>
-                </a:solidFill>
-                <a:cs typeface="Courier New" panose="02070309020205020404" pitchFamily="49" charset="0"/>
-              </a:rPr>
-              <a:t>Learned</a:t>
-            </a:r>
-            <a:r>
-              <a:rPr lang="it-IT" sz="1700" dirty="0">
-                <a:solidFill>
-                  <a:schemeClr val="bg1"/>
-                </a:solidFill>
-                <a:cs typeface="Courier New" panose="02070309020205020404" pitchFamily="49" charset="0"/>
-              </a:rPr>
-              <a:t> from </a:t>
-            </a:r>
-            <a:r>
-              <a:rPr lang="it-IT" sz="1700" i="1" dirty="0">
-                <a:solidFill>
-                  <a:schemeClr val="bg1"/>
-                </a:solidFill>
-                <a:cs typeface="Courier New" panose="02070309020205020404" pitchFamily="49" charset="0"/>
-              </a:rPr>
-              <a:t>«</a:t>
-            </a:r>
-            <a:r>
-              <a:rPr lang="it-IT" sz="1700" i="1" dirty="0" err="1">
-                <a:solidFill>
-                  <a:schemeClr val="bg1"/>
-                </a:solidFill>
-                <a:cs typeface="Courier New" panose="02070309020205020404" pitchFamily="49" charset="0"/>
-              </a:rPr>
-              <a:t>learning_to_walk</a:t>
-            </a:r>
-            <a:r>
-              <a:rPr lang="it-IT" sz="1700" i="1" dirty="0">
-                <a:solidFill>
-                  <a:schemeClr val="bg1"/>
-                </a:solidFill>
-                <a:cs typeface="Courier New" panose="02070309020205020404" pitchFamily="49" charset="0"/>
-              </a:rPr>
-              <a:t>»).</a:t>
-            </a:r>
-          </a:p>
-          <a:p>
-            <a:r>
-              <a:rPr lang="it-IT" sz="1700" b="1" dirty="0" err="1">
-                <a:solidFill>
-                  <a:schemeClr val="bg1"/>
-                </a:solidFill>
-                <a:cs typeface="Courier New" panose="02070309020205020404" pitchFamily="49" charset="0"/>
-              </a:rPr>
-              <a:t>Metarules</a:t>
-            </a:r>
-            <a:r>
-              <a:rPr lang="it-IT" sz="1700" b="1" dirty="0">
-                <a:solidFill>
-                  <a:schemeClr val="bg1"/>
-                </a:solidFill>
-                <a:cs typeface="Courier New" panose="02070309020205020404" pitchFamily="49" charset="0"/>
-              </a:rPr>
-              <a:t>:</a:t>
-            </a:r>
-          </a:p>
-          <a:p>
-            <a:pPr lvl="1"/>
-            <a:r>
-              <a:rPr lang="it-IT" sz="1700" dirty="0" err="1">
-                <a:solidFill>
-                  <a:schemeClr val="bg1"/>
-                </a:solidFill>
-                <a:latin typeface="Courier New" panose="02070309020205020404" pitchFamily="49" charset="0"/>
-                <a:cs typeface="Courier New" panose="02070309020205020404" pitchFamily="49" charset="0"/>
-              </a:rPr>
-              <a:t>metarule</a:t>
-            </a:r>
-            <a:r>
-              <a:rPr lang="it-IT" sz="1700" dirty="0">
-                <a:solidFill>
-                  <a:schemeClr val="bg1"/>
-                </a:solidFill>
-                <a:latin typeface="Courier New" panose="02070309020205020404" pitchFamily="49" charset="0"/>
-                <a:cs typeface="Courier New" panose="02070309020205020404" pitchFamily="49" charset="0"/>
-              </a:rPr>
-              <a:t>(</a:t>
-            </a:r>
-            <a:r>
-              <a:rPr lang="it-IT" sz="1700" dirty="0" err="1">
-                <a:solidFill>
-                  <a:schemeClr val="bg1"/>
-                </a:solidFill>
-                <a:latin typeface="Courier New" panose="02070309020205020404" pitchFamily="49" charset="0"/>
-                <a:cs typeface="Courier New" panose="02070309020205020404" pitchFamily="49" charset="0"/>
-              </a:rPr>
-              <a:t>recursion</a:t>
-            </a:r>
-            <a:r>
-              <a:rPr lang="it-IT" sz="1700" dirty="0">
-                <a:solidFill>
-                  <a:schemeClr val="bg1"/>
-                </a:solidFill>
-                <a:latin typeface="Courier New" panose="02070309020205020404" pitchFamily="49" charset="0"/>
-                <a:cs typeface="Courier New" panose="02070309020205020404" pitchFamily="49" charset="0"/>
-              </a:rPr>
-              <a:t>, [P,Q], [P,A,B], [[Q,A,C], [P,C,B]]).</a:t>
-            </a:r>
-          </a:p>
-          <a:p>
-            <a:pPr lvl="1"/>
-            <a:r>
-              <a:rPr lang="it-IT" sz="1700" dirty="0" err="1">
-                <a:solidFill>
-                  <a:schemeClr val="bg1"/>
-                </a:solidFill>
-                <a:latin typeface="Courier New" panose="02070309020205020404" pitchFamily="49" charset="0"/>
-                <a:cs typeface="Courier New" panose="02070309020205020404" pitchFamily="49" charset="0"/>
-              </a:rPr>
-              <a:t>metarule</a:t>
-            </a:r>
-            <a:r>
-              <a:rPr lang="it-IT" sz="1700" dirty="0">
-                <a:solidFill>
-                  <a:schemeClr val="bg1"/>
-                </a:solidFill>
-                <a:latin typeface="Courier New" panose="02070309020205020404" pitchFamily="49" charset="0"/>
-                <a:cs typeface="Courier New" panose="02070309020205020404" pitchFamily="49" charset="0"/>
-              </a:rPr>
-              <a:t>(</a:t>
-            </a:r>
-            <a:r>
-              <a:rPr lang="it-IT" sz="1700" dirty="0" err="1">
-                <a:solidFill>
-                  <a:schemeClr val="bg1"/>
-                </a:solidFill>
-                <a:latin typeface="Courier New" panose="02070309020205020404" pitchFamily="49" charset="0"/>
-                <a:cs typeface="Courier New" panose="02070309020205020404" pitchFamily="49" charset="0"/>
-              </a:rPr>
-              <a:t>ident</a:t>
-            </a:r>
-            <a:r>
-              <a:rPr lang="it-IT" sz="1700" dirty="0">
-                <a:solidFill>
-                  <a:schemeClr val="bg1"/>
-                </a:solidFill>
-                <a:latin typeface="Courier New" panose="02070309020205020404" pitchFamily="49" charset="0"/>
-                <a:cs typeface="Courier New" panose="02070309020205020404" pitchFamily="49" charset="0"/>
-              </a:rPr>
-              <a:t>, [P,Q], [P,A,B], [[Q,A,B]]).</a:t>
-            </a:r>
-          </a:p>
-          <a:p>
-            <a:r>
-              <a:rPr lang="it-IT" sz="1700" b="1" dirty="0">
-                <a:solidFill>
-                  <a:schemeClr val="bg1"/>
-                </a:solidFill>
-                <a:cs typeface="Courier New" panose="02070309020205020404" pitchFamily="49" charset="0"/>
-              </a:rPr>
-              <a:t>Positive </a:t>
-            </a:r>
-            <a:r>
-              <a:rPr lang="it-IT" sz="1700" b="1" dirty="0" err="1">
-                <a:solidFill>
-                  <a:schemeClr val="bg1"/>
-                </a:solidFill>
-                <a:cs typeface="Courier New" panose="02070309020205020404" pitchFamily="49" charset="0"/>
-              </a:rPr>
-              <a:t>examples</a:t>
-            </a:r>
-            <a:r>
-              <a:rPr lang="it-IT" sz="1700" b="1" dirty="0">
-                <a:solidFill>
-                  <a:schemeClr val="bg1"/>
-                </a:solidFill>
-                <a:cs typeface="Courier New" panose="02070309020205020404" pitchFamily="49" charset="0"/>
-              </a:rPr>
-              <a:t>:</a:t>
-            </a:r>
-          </a:p>
-          <a:p>
-            <a:pPr lvl="1"/>
-            <a:r>
-              <a:rPr lang="en-US" sz="1700" dirty="0">
-                <a:solidFill>
-                  <a:schemeClr val="bg1"/>
-                </a:solidFill>
-                <a:latin typeface="Courier New" panose="02070309020205020404" pitchFamily="49" charset="0"/>
-                <a:cs typeface="Courier New" panose="02070309020205020404" pitchFamily="49" charset="0"/>
-              </a:rPr>
-              <a:t>reach((1,1), (2,1)).</a:t>
-            </a:r>
-          </a:p>
-          <a:p>
-            <a:pPr lvl="1"/>
-            <a:r>
-              <a:rPr lang="en-US" sz="1700" dirty="0">
-                <a:solidFill>
-                  <a:schemeClr val="bg1"/>
-                </a:solidFill>
-                <a:latin typeface="Courier New" panose="02070309020205020404" pitchFamily="49" charset="0"/>
-                <a:cs typeface="Courier New" panose="02070309020205020404" pitchFamily="49" charset="0"/>
-              </a:rPr>
-              <a:t>reach((1,1), (2,5)).</a:t>
-            </a:r>
-          </a:p>
-          <a:p>
-            <a:r>
-              <a:rPr lang="en-US" sz="1700" b="1" dirty="0">
-                <a:solidFill>
-                  <a:schemeClr val="bg1"/>
-                </a:solidFill>
-                <a:cs typeface="Courier New" panose="02070309020205020404" pitchFamily="49" charset="0"/>
-              </a:rPr>
-              <a:t>Negative examples:</a:t>
-            </a:r>
-          </a:p>
-          <a:p>
-            <a:pPr lvl="1"/>
-            <a:r>
-              <a:rPr lang="it-IT" sz="1700" u="sng" dirty="0">
-                <a:solidFill>
-                  <a:schemeClr val="bg1"/>
-                </a:solidFill>
-                <a:effectLst/>
-              </a:rPr>
-              <a:t>NONE</a:t>
-            </a:r>
-            <a:r>
-              <a:rPr lang="it-IT" sz="1700" dirty="0">
-                <a:solidFill>
-                  <a:schemeClr val="bg1"/>
-                </a:solidFill>
-                <a:effectLst/>
-              </a:rPr>
-              <a:t>: </a:t>
-            </a:r>
-            <a:r>
-              <a:rPr lang="it-IT" sz="1700" dirty="0" err="1">
-                <a:solidFill>
-                  <a:schemeClr val="bg1"/>
-                </a:solidFill>
-                <a:effectLst/>
-              </a:rPr>
-              <a:t>Illegal</a:t>
-            </a:r>
-            <a:r>
-              <a:rPr lang="it-IT" sz="1700" dirty="0">
-                <a:solidFill>
-                  <a:schemeClr val="bg1"/>
-                </a:solidFill>
-                <a:effectLst/>
-              </a:rPr>
-              <a:t> </a:t>
-            </a:r>
-            <a:r>
-              <a:rPr lang="it-IT" sz="1700" dirty="0" err="1">
-                <a:solidFill>
-                  <a:schemeClr val="bg1"/>
-                </a:solidFill>
-                <a:effectLst/>
-              </a:rPr>
-              <a:t>behaviour</a:t>
-            </a:r>
-            <a:r>
-              <a:rPr lang="it-IT" sz="1700" dirty="0">
-                <a:solidFill>
-                  <a:schemeClr val="bg1"/>
-                </a:solidFill>
-                <a:effectLst/>
-              </a:rPr>
-              <a:t> </a:t>
-            </a:r>
-            <a:r>
-              <a:rPr lang="it-IT" sz="1700" dirty="0" err="1">
-                <a:solidFill>
-                  <a:schemeClr val="bg1"/>
-                </a:solidFill>
-                <a:effectLst/>
-              </a:rPr>
-              <a:t>is</a:t>
-            </a:r>
-            <a:r>
-              <a:rPr lang="it-IT" sz="1700" dirty="0">
-                <a:solidFill>
-                  <a:schemeClr val="bg1"/>
-                </a:solidFill>
-                <a:effectLst/>
-              </a:rPr>
-              <a:t> </a:t>
-            </a:r>
-            <a:r>
-              <a:rPr lang="it-IT" sz="1700" dirty="0" err="1">
-                <a:solidFill>
-                  <a:schemeClr val="bg1"/>
-                </a:solidFill>
-                <a:effectLst/>
-              </a:rPr>
-              <a:t>already</a:t>
-            </a:r>
-            <a:r>
-              <a:rPr lang="it-IT" sz="1700" dirty="0">
-                <a:solidFill>
-                  <a:schemeClr val="bg1"/>
-                </a:solidFill>
-                <a:effectLst/>
-              </a:rPr>
-              <a:t> </a:t>
-            </a:r>
-            <a:r>
-              <a:rPr lang="it-IT" sz="1700" dirty="0" err="1">
-                <a:solidFill>
-                  <a:schemeClr val="bg1"/>
-                </a:solidFill>
-                <a:effectLst/>
-              </a:rPr>
-              <a:t>forbidden</a:t>
-            </a:r>
-            <a:r>
-              <a:rPr lang="it-IT" sz="1700" dirty="0">
-                <a:solidFill>
-                  <a:schemeClr val="bg1"/>
-                </a:solidFill>
-                <a:effectLst/>
-              </a:rPr>
-              <a:t> by the background knowledge.</a:t>
-            </a:r>
-            <a:endParaRPr lang="it-IT" sz="1700" b="1" u="sng" dirty="0">
-              <a:solidFill>
-                <a:schemeClr val="bg1"/>
-              </a:solidFill>
+            <a:endParaRPr lang="it-IT" sz="1600" dirty="0"/>
+          </a:p>
+          <a:p>
+            <a:endParaRPr lang="en-US" sz="1500" dirty="0">
+              <a:latin typeface="Courier New" panose="02070309020205020404" pitchFamily="49" charset="0"/>
               <a:cs typeface="Courier New" panose="02070309020205020404" pitchFamily="49" charset="0"/>
             </a:endParaRPr>
           </a:p>
         </p:txBody>
       </p:sp>
+      <p:graphicFrame>
+        <p:nvGraphicFramePr>
+          <p:cNvPr id="6" name="Tabella 4">
+            <a:extLst>
+              <a:ext uri="{FF2B5EF4-FFF2-40B4-BE49-F238E27FC236}">
+                <a16:creationId xmlns:a16="http://schemas.microsoft.com/office/drawing/2014/main" id="{231DC50B-A6C9-4779-ADC1-E2083AECF97E}"/>
+              </a:ext>
+            </a:extLst>
+          </p:cNvPr>
+          <p:cNvGraphicFramePr>
+            <a:graphicFrameLocks/>
+          </p:cNvGraphicFramePr>
+          <p:nvPr>
+            <p:extLst>
+              <p:ext uri="{D42A27DB-BD31-4B8C-83A1-F6EECF244321}">
+                <p14:modId xmlns:p14="http://schemas.microsoft.com/office/powerpoint/2010/main" val="1302154612"/>
+              </p:ext>
+            </p:extLst>
+          </p:nvPr>
+        </p:nvGraphicFramePr>
+        <p:xfrm>
+          <a:off x="4050888" y="2742182"/>
+          <a:ext cx="6784260" cy="741680"/>
+        </p:xfrm>
+        <a:graphic>
+          <a:graphicData uri="http://schemas.openxmlformats.org/drawingml/2006/table">
+            <a:tbl>
+              <a:tblPr firstRow="1" bandRow="1">
+                <a:tableStyleId>{B301B821-A1FF-4177-AEE7-76D212191A09}</a:tableStyleId>
+              </a:tblPr>
+              <a:tblGrid>
+                <a:gridCol w="3392130">
+                  <a:extLst>
+                    <a:ext uri="{9D8B030D-6E8A-4147-A177-3AD203B41FA5}">
+                      <a16:colId xmlns:a16="http://schemas.microsoft.com/office/drawing/2014/main" val="4102688643"/>
+                    </a:ext>
+                  </a:extLst>
+                </a:gridCol>
+                <a:gridCol w="3392130">
+                  <a:extLst>
+                    <a:ext uri="{9D8B030D-6E8A-4147-A177-3AD203B41FA5}">
+                      <a16:colId xmlns:a16="http://schemas.microsoft.com/office/drawing/2014/main" val="2324199053"/>
+                    </a:ext>
+                  </a:extLst>
+                </a:gridCol>
+              </a:tblGrid>
+              <a:tr h="370840">
+                <a:tc>
+                  <a:txBody>
+                    <a:bodyPr/>
+                    <a:lstStyle/>
+                    <a:p>
+                      <a:pPr algn="ctr"/>
+                      <a:r>
+                        <a:rPr lang="it-IT" dirty="0" err="1">
+                          <a:latin typeface="Courier New" panose="02070309020205020404" pitchFamily="49" charset="0"/>
+                          <a:cs typeface="Courier New" panose="02070309020205020404" pitchFamily="49" charset="0"/>
+                        </a:rPr>
+                        <a:t>postcon</a:t>
+                      </a:r>
+                      <a:endParaRPr lang="it-IT" dirty="0">
+                        <a:latin typeface="Courier New" panose="02070309020205020404" pitchFamily="49" charset="0"/>
+                        <a:cs typeface="Courier New" panose="02070309020205020404" pitchFamily="49" charset="0"/>
+                      </a:endParaRPr>
+                    </a:p>
+                  </a:txBody>
+                  <a:tcPr/>
+                </a:tc>
+                <a:tc>
+                  <a:txBody>
+                    <a:bodyPr/>
+                    <a:lstStyle/>
+                    <a:p>
+                      <a:pPr algn="ctr"/>
+                      <a:r>
+                        <a:rPr lang="it-IT" dirty="0" err="1">
+                          <a:latin typeface="Courier New" panose="02070309020205020404" pitchFamily="49" charset="0"/>
+                          <a:cs typeface="Courier New" panose="02070309020205020404" pitchFamily="49" charset="0"/>
+                        </a:rPr>
+                        <a:t>i_postcon</a:t>
+                      </a:r>
+                      <a:endParaRPr lang="it-IT" dirty="0">
+                        <a:latin typeface="Courier New" panose="02070309020205020404" pitchFamily="49" charset="0"/>
+                        <a:cs typeface="Courier New" panose="02070309020205020404" pitchFamily="49" charset="0"/>
+                      </a:endParaRPr>
+                    </a:p>
+                  </a:txBody>
+                  <a:tcPr/>
+                </a:tc>
+                <a:extLst>
+                  <a:ext uri="{0D108BD9-81ED-4DB2-BD59-A6C34878D82A}">
+                    <a16:rowId xmlns:a16="http://schemas.microsoft.com/office/drawing/2014/main" val="333357347"/>
+                  </a:ext>
+                </a:extLst>
+              </a:tr>
+              <a:tr h="370840">
+                <a:tc>
+                  <a:txBody>
+                    <a:bodyPr/>
+                    <a:lstStyle/>
+                    <a:p>
+                      <a:pPr algn="ctr"/>
+                      <a:r>
+                        <a:rPr lang="it-IT" dirty="0"/>
+                        <a:t>0.047 seconds</a:t>
+                      </a:r>
+                    </a:p>
+                  </a:txBody>
+                  <a:tcPr/>
+                </a:tc>
+                <a:tc>
+                  <a:txBody>
+                    <a:bodyPr/>
+                    <a:lstStyle/>
+                    <a:p>
+                      <a:pPr algn="ctr"/>
+                      <a:r>
+                        <a:rPr lang="it-IT" dirty="0"/>
+                        <a:t>0.121 seconds</a:t>
+                      </a:r>
+                    </a:p>
+                  </a:txBody>
+                  <a:tcPr/>
+                </a:tc>
+                <a:extLst>
+                  <a:ext uri="{0D108BD9-81ED-4DB2-BD59-A6C34878D82A}">
+                    <a16:rowId xmlns:a16="http://schemas.microsoft.com/office/drawing/2014/main" val="2202454185"/>
+                  </a:ext>
+                </a:extLst>
+              </a:tr>
+            </a:tbl>
+          </a:graphicData>
+        </a:graphic>
+      </p:graphicFrame>
     </p:spTree>
     <p:extLst>
       <p:ext uri="{BB962C8B-B14F-4D97-AF65-F5344CB8AC3E}">
-        <p14:creationId xmlns:p14="http://schemas.microsoft.com/office/powerpoint/2010/main" val="257936271"/>
+        <p14:creationId xmlns:p14="http://schemas.microsoft.com/office/powerpoint/2010/main" val="1509270444"/>
       </p:ext>
     </p:extLst>
   </p:cSld>

--- a/ATAI_Presentation.pptx
+++ b/ATAI_Presentation.pptx
@@ -4,6 +4,9 @@
   <p:sldMasterIdLst>
     <p:sldMasterId id="2147483660" r:id="rId1"/>
   </p:sldMasterIdLst>
+  <p:notesMasterIdLst>
+    <p:notesMasterId r:id="rId15"/>
+  </p:notesMasterIdLst>
   <p:sldIdLst>
     <p:sldId id="256" r:id="rId2"/>
     <p:sldId id="260" r:id="rId3"/>
@@ -15,8 +18,9 @@
     <p:sldId id="264" r:id="rId9"/>
     <p:sldId id="269" r:id="rId10"/>
     <p:sldId id="265" r:id="rId11"/>
-    <p:sldId id="266" r:id="rId12"/>
-    <p:sldId id="267" r:id="rId13"/>
+    <p:sldId id="270" r:id="rId12"/>
+    <p:sldId id="266" r:id="rId13"/>
+    <p:sldId id="267" r:id="rId14"/>
   </p:sldIdLst>
   <p:sldSz cx="12192000" cy="6858000"/>
   <p:notesSz cx="6858000" cy="9144000"/>
@@ -126,7 +130,7 @@
 <file path=ppt/revisionInfo.xml><?xml version="1.0" encoding="utf-8"?>
 <p1510:revInfo xmlns:a="http://schemas.openxmlformats.org/drawingml/2006/main" xmlns:r="http://schemas.openxmlformats.org/officeDocument/2006/relationships" xmlns:p1510="http://schemas.microsoft.com/office/powerpoint/2015/10/main">
   <p1510:revLst>
-    <p1510:client id="{82F5C372-4CFF-44C5-9E84-8FD24BAA211C}" v="7" dt="2021-07-03T12:25:34.649"/>
+    <p1510:client id="{82F5C372-4CFF-44C5-9E84-8FD24BAA211C}" v="34" dt="2021-07-03T14:49:35.928"/>
     <p1510:client id="{AB8C1610-9B0F-4A3A-96F9-A0FB1F9855A7}" v="156" dt="2021-07-02T15:39:33.245"/>
   </p1510:revLst>
 </p1510:revInfo>
@@ -898,19 +902,19 @@
   </pc:docChgLst>
   <pc:docChgLst>
     <pc:chgData name="Al ex" userId="1d73023b5acb93cf" providerId="LiveId" clId="{82F5C372-4CFF-44C5-9E84-8FD24BAA211C}"/>
-    <pc:docChg chg="undo custSel addSld delSld modSld">
-      <pc:chgData name="Al ex" userId="1d73023b5acb93cf" providerId="LiveId" clId="{82F5C372-4CFF-44C5-9E84-8FD24BAA211C}" dt="2021-07-03T12:48:55.627" v="818" actId="20577"/>
+    <pc:docChg chg="undo redo custSel addSld delSld modSld">
+      <pc:chgData name="Al ex" userId="1d73023b5acb93cf" providerId="LiveId" clId="{82F5C372-4CFF-44C5-9E84-8FD24BAA211C}" dt="2021-07-03T14:56:22.497" v="1589" actId="20577"/>
       <pc:docMkLst>
         <pc:docMk/>
       </pc:docMkLst>
       <pc:sldChg chg="addSp modSp mod setBg addAnim">
-        <pc:chgData name="Al ex" userId="1d73023b5acb93cf" providerId="LiveId" clId="{82F5C372-4CFF-44C5-9E84-8FD24BAA211C}" dt="2021-07-03T08:41:07.600" v="3"/>
+        <pc:chgData name="Al ex" userId="1d73023b5acb93cf" providerId="LiveId" clId="{82F5C372-4CFF-44C5-9E84-8FD24BAA211C}" dt="2021-07-03T14:44:40.474" v="1323" actId="404"/>
         <pc:sldMkLst>
           <pc:docMk/>
           <pc:sldMk cId="1537395873" sldId="256"/>
         </pc:sldMkLst>
         <pc:spChg chg="mod">
-          <ac:chgData name="Al ex" userId="1d73023b5acb93cf" providerId="LiveId" clId="{82F5C372-4CFF-44C5-9E84-8FD24BAA211C}" dt="2021-07-03T08:41:07.588" v="1" actId="26606"/>
+          <ac:chgData name="Al ex" userId="1d73023b5acb93cf" providerId="LiveId" clId="{82F5C372-4CFF-44C5-9E84-8FD24BAA211C}" dt="2021-07-03T14:44:40.474" v="1323" actId="404"/>
           <ac:spMkLst>
             <pc:docMk/>
             <pc:sldMk cId="1537395873" sldId="256"/>
@@ -1122,8 +1126,8 @@
           </ac:picMkLst>
         </pc:picChg>
       </pc:sldChg>
-      <pc:sldChg chg="addSp delSp modSp mod">
-        <pc:chgData name="Al ex" userId="1d73023b5acb93cf" providerId="LiveId" clId="{82F5C372-4CFF-44C5-9E84-8FD24BAA211C}" dt="2021-07-03T12:48:42.906" v="812" actId="20577"/>
+      <pc:sldChg chg="addSp delSp modSp mod modAnim">
+        <pc:chgData name="Al ex" userId="1d73023b5acb93cf" providerId="LiveId" clId="{82F5C372-4CFF-44C5-9E84-8FD24BAA211C}" dt="2021-07-03T14:49:45.551" v="1407" actId="1036"/>
         <pc:sldMkLst>
           <pc:docMk/>
           <pc:sldMk cId="257936271" sldId="265"/>
@@ -1137,11 +1141,19 @@
           </ac:spMkLst>
         </pc:spChg>
         <pc:spChg chg="mod">
-          <ac:chgData name="Al ex" userId="1d73023b5acb93cf" providerId="LiveId" clId="{82F5C372-4CFF-44C5-9E84-8FD24BAA211C}" dt="2021-07-03T12:48:42.906" v="812" actId="20577"/>
+          <ac:chgData name="Al ex" userId="1d73023b5acb93cf" providerId="LiveId" clId="{82F5C372-4CFF-44C5-9E84-8FD24BAA211C}" dt="2021-07-03T14:47:49.194" v="1359" actId="20577"/>
           <ac:spMkLst>
             <pc:docMk/>
             <pc:sldMk cId="257936271" sldId="265"/>
             <ac:spMk id="3" creationId="{C6D47933-B121-49D1-9D84-21CF203209CD}"/>
+          </ac:spMkLst>
+        </pc:spChg>
+        <pc:spChg chg="add mod">
+          <ac:chgData name="Al ex" userId="1d73023b5acb93cf" providerId="LiveId" clId="{82F5C372-4CFF-44C5-9E84-8FD24BAA211C}" dt="2021-07-03T14:49:45.551" v="1407" actId="1036"/>
+          <ac:spMkLst>
+            <pc:docMk/>
+            <pc:sldMk cId="257936271" sldId="265"/>
+            <ac:spMk id="5" creationId="{01B90FCF-2DEC-4277-A69C-67F0AD636F3E}"/>
           </ac:spMkLst>
         </pc:spChg>
         <pc:spChg chg="del">
@@ -1170,13 +1182,13 @@
         </pc:picChg>
       </pc:sldChg>
       <pc:sldChg chg="addSp delSp modSp mod">
-        <pc:chgData name="Al ex" userId="1d73023b5acb93cf" providerId="LiveId" clId="{82F5C372-4CFF-44C5-9E84-8FD24BAA211C}" dt="2021-07-03T12:48:55.627" v="818" actId="20577"/>
+        <pc:chgData name="Al ex" userId="1d73023b5acb93cf" providerId="LiveId" clId="{82F5C372-4CFF-44C5-9E84-8FD24BAA211C}" dt="2021-07-03T14:56:22.497" v="1589" actId="20577"/>
         <pc:sldMkLst>
           <pc:docMk/>
           <pc:sldMk cId="1716667692" sldId="266"/>
         </pc:sldMkLst>
         <pc:spChg chg="mod">
-          <ac:chgData name="Al ex" userId="1d73023b5acb93cf" providerId="LiveId" clId="{82F5C372-4CFF-44C5-9E84-8FD24BAA211C}" dt="2021-07-03T12:24:53.004" v="636" actId="26606"/>
+          <ac:chgData name="Al ex" userId="1d73023b5acb93cf" providerId="LiveId" clId="{82F5C372-4CFF-44C5-9E84-8FD24BAA211C}" dt="2021-07-03T14:51:11.386" v="1419" actId="20577"/>
           <ac:spMkLst>
             <pc:docMk/>
             <pc:sldMk cId="1716667692" sldId="266"/>
@@ -1184,7 +1196,7 @@
           </ac:spMkLst>
         </pc:spChg>
         <pc:spChg chg="mod">
-          <ac:chgData name="Al ex" userId="1d73023b5acb93cf" providerId="LiveId" clId="{82F5C372-4CFF-44C5-9E84-8FD24BAA211C}" dt="2021-07-03T12:48:55.627" v="818" actId="20577"/>
+          <ac:chgData name="Al ex" userId="1d73023b5acb93cf" providerId="LiveId" clId="{82F5C372-4CFF-44C5-9E84-8FD24BAA211C}" dt="2021-07-03T14:56:22.497" v="1589" actId="20577"/>
           <ac:spMkLst>
             <pc:docMk/>
             <pc:sldMk cId="1716667692" sldId="266"/>
@@ -1217,7 +1229,7 @@
         </pc:picChg>
       </pc:sldChg>
       <pc:sldChg chg="addSp delSp modSp mod">
-        <pc:chgData name="Al ex" userId="1d73023b5acb93cf" providerId="LiveId" clId="{82F5C372-4CFF-44C5-9E84-8FD24BAA211C}" dt="2021-07-03T12:24:57.468" v="637" actId="26606"/>
+        <pc:chgData name="Al ex" userId="1d73023b5acb93cf" providerId="LiveId" clId="{82F5C372-4CFF-44C5-9E84-8FD24BAA211C}" dt="2021-07-03T14:42:31.908" v="1318" actId="20577"/>
         <pc:sldMkLst>
           <pc:docMk/>
           <pc:sldMk cId="2386237977" sldId="267"/>
@@ -1231,7 +1243,7 @@
           </ac:spMkLst>
         </pc:spChg>
         <pc:spChg chg="mod">
-          <ac:chgData name="Al ex" userId="1d73023b5acb93cf" providerId="LiveId" clId="{82F5C372-4CFF-44C5-9E84-8FD24BAA211C}" dt="2021-07-03T12:24:57.468" v="637" actId="26606"/>
+          <ac:chgData name="Al ex" userId="1d73023b5acb93cf" providerId="LiveId" clId="{82F5C372-4CFF-44C5-9E84-8FD24BAA211C}" dt="2021-07-03T14:42:31.908" v="1318" actId="20577"/>
           <ac:spMkLst>
             <pc:docMk/>
             <pc:sldMk cId="2386237977" sldId="267"/>
@@ -1327,13 +1339,13 @@
         </pc:picChg>
       </pc:sldChg>
       <pc:sldChg chg="addSp modSp add mod">
-        <pc:chgData name="Al ex" userId="1d73023b5acb93cf" providerId="LiveId" clId="{82F5C372-4CFF-44C5-9E84-8FD24BAA211C}" dt="2021-07-03T12:48:20.302" v="803" actId="20577"/>
+        <pc:chgData name="Al ex" userId="1d73023b5acb93cf" providerId="LiveId" clId="{82F5C372-4CFF-44C5-9E84-8FD24BAA211C}" dt="2021-07-03T14:42:03.015" v="1315" actId="20577"/>
         <pc:sldMkLst>
           <pc:docMk/>
           <pc:sldMk cId="1509270444" sldId="269"/>
         </pc:sldMkLst>
         <pc:spChg chg="mod">
-          <ac:chgData name="Al ex" userId="1d73023b5acb93cf" providerId="LiveId" clId="{82F5C372-4CFF-44C5-9E84-8FD24BAA211C}" dt="2021-07-03T12:48:20.302" v="803" actId="20577"/>
+          <ac:chgData name="Al ex" userId="1d73023b5acb93cf" providerId="LiveId" clId="{82F5C372-4CFF-44C5-9E84-8FD24BAA211C}" dt="2021-07-03T14:42:03.015" v="1315" actId="20577"/>
           <ac:spMkLst>
             <pc:docMk/>
             <pc:sldMk cId="1509270444" sldId="269"/>
@@ -1348,6 +1360,100 @@
             <ac:graphicFrameMk id="6" creationId="{231DC50B-A6C9-4779-ADC1-E2083AECF97E}"/>
           </ac:graphicFrameMkLst>
         </pc:graphicFrameChg>
+      </pc:sldChg>
+      <pc:sldChg chg="addSp delSp modSp new del mod setBg">
+        <pc:chgData name="Al ex" userId="1d73023b5acb93cf" providerId="LiveId" clId="{82F5C372-4CFF-44C5-9E84-8FD24BAA211C}" dt="2021-07-03T14:34:50.099" v="887" actId="680"/>
+        <pc:sldMkLst>
+          <pc:docMk/>
+          <pc:sldMk cId="2712231547" sldId="270"/>
+        </pc:sldMkLst>
+        <pc:spChg chg="mod">
+          <ac:chgData name="Al ex" userId="1d73023b5acb93cf" providerId="LiveId" clId="{82F5C372-4CFF-44C5-9E84-8FD24BAA211C}" dt="2021-07-03T14:34:49.028" v="885" actId="26606"/>
+          <ac:spMkLst>
+            <pc:docMk/>
+            <pc:sldMk cId="2712231547" sldId="270"/>
+            <ac:spMk id="2" creationId="{4542AD98-D468-4714-9C1C-D0CC5409C674}"/>
+          </ac:spMkLst>
+        </pc:spChg>
+        <pc:spChg chg="mod">
+          <ac:chgData name="Al ex" userId="1d73023b5acb93cf" providerId="LiveId" clId="{82F5C372-4CFF-44C5-9E84-8FD24BAA211C}" dt="2021-07-03T14:34:49.028" v="885" actId="26606"/>
+          <ac:spMkLst>
+            <pc:docMk/>
+            <pc:sldMk cId="2712231547" sldId="270"/>
+            <ac:spMk id="3" creationId="{C38D16AF-AB03-4353-B0C5-F91A47FF4745}"/>
+          </ac:spMkLst>
+        </pc:spChg>
+        <pc:spChg chg="add del">
+          <ac:chgData name="Al ex" userId="1d73023b5acb93cf" providerId="LiveId" clId="{82F5C372-4CFF-44C5-9E84-8FD24BAA211C}" dt="2021-07-03T14:32:50.939" v="833" actId="26606"/>
+          <ac:spMkLst>
+            <pc:docMk/>
+            <pc:sldMk cId="2712231547" sldId="270"/>
+            <ac:spMk id="9" creationId="{9163A971-857A-4D4D-B458-BADAF926FFCC}"/>
+          </ac:spMkLst>
+        </pc:spChg>
+        <pc:spChg chg="add del">
+          <ac:chgData name="Al ex" userId="1d73023b5acb93cf" providerId="LiveId" clId="{82F5C372-4CFF-44C5-9E84-8FD24BAA211C}" dt="2021-07-03T14:34:49.028" v="885" actId="26606"/>
+          <ac:spMkLst>
+            <pc:docMk/>
+            <pc:sldMk cId="2712231547" sldId="270"/>
+            <ac:spMk id="11" creationId="{AB1CEEAD-825F-41AD-B0DB-77CE90932D00}"/>
+          </ac:spMkLst>
+        </pc:spChg>
+        <pc:spChg chg="add del">
+          <ac:chgData name="Al ex" userId="1d73023b5acb93cf" providerId="LiveId" clId="{82F5C372-4CFF-44C5-9E84-8FD24BAA211C}" dt="2021-07-03T14:34:48.891" v="884" actId="26606"/>
+          <ac:spMkLst>
+            <pc:docMk/>
+            <pc:sldMk cId="2712231547" sldId="270"/>
+            <ac:spMk id="16" creationId="{9163A971-857A-4D4D-B458-BADAF926FFCC}"/>
+          </ac:spMkLst>
+        </pc:spChg>
+        <pc:picChg chg="add del mod ord">
+          <ac:chgData name="Al ex" userId="1d73023b5acb93cf" providerId="LiveId" clId="{82F5C372-4CFF-44C5-9E84-8FD24BAA211C}" dt="2021-07-03T14:34:49.666" v="886"/>
+          <ac:picMkLst>
+            <pc:docMk/>
+            <pc:sldMk cId="2712231547" sldId="270"/>
+            <ac:picMk id="4" creationId="{8E49CB68-25EE-4DAC-A023-CBC229051A7E}"/>
+          </ac:picMkLst>
+        </pc:picChg>
+      </pc:sldChg>
+      <pc:sldChg chg="addSp modSp new mod setBg">
+        <pc:chgData name="Al ex" userId="1d73023b5acb93cf" providerId="LiveId" clId="{82F5C372-4CFF-44C5-9E84-8FD24BAA211C}" dt="2021-07-03T14:40:48.382" v="1294" actId="20577"/>
+        <pc:sldMkLst>
+          <pc:docMk/>
+          <pc:sldMk cId="2777569243" sldId="270"/>
+        </pc:sldMkLst>
+        <pc:spChg chg="mod">
+          <ac:chgData name="Al ex" userId="1d73023b5acb93cf" providerId="LiveId" clId="{82F5C372-4CFF-44C5-9E84-8FD24BAA211C}" dt="2021-07-03T14:35:27.311" v="955" actId="20577"/>
+          <ac:spMkLst>
+            <pc:docMk/>
+            <pc:sldMk cId="2777569243" sldId="270"/>
+            <ac:spMk id="2" creationId="{58E0E44F-EF9E-40B5-9B76-DF4FED4F2B4C}"/>
+          </ac:spMkLst>
+        </pc:spChg>
+        <pc:spChg chg="mod">
+          <ac:chgData name="Al ex" userId="1d73023b5acb93cf" providerId="LiveId" clId="{82F5C372-4CFF-44C5-9E84-8FD24BAA211C}" dt="2021-07-03T14:40:48.382" v="1294" actId="20577"/>
+          <ac:spMkLst>
+            <pc:docMk/>
+            <pc:sldMk cId="2777569243" sldId="270"/>
+            <ac:spMk id="3" creationId="{17B7C98C-91C5-42A6-AE60-10548043DE9E}"/>
+          </ac:spMkLst>
+        </pc:spChg>
+        <pc:spChg chg="add">
+          <ac:chgData name="Al ex" userId="1d73023b5acb93cf" providerId="LiveId" clId="{82F5C372-4CFF-44C5-9E84-8FD24BAA211C}" dt="2021-07-03T14:35:16.078" v="922" actId="26606"/>
+          <ac:spMkLst>
+            <pc:docMk/>
+            <pc:sldMk cId="2777569243" sldId="270"/>
+            <ac:spMk id="9" creationId="{9163A971-857A-4D4D-B458-BADAF926FFCC}"/>
+          </ac:spMkLst>
+        </pc:spChg>
+        <pc:picChg chg="add mod ord">
+          <ac:chgData name="Al ex" userId="1d73023b5acb93cf" providerId="LiveId" clId="{82F5C372-4CFF-44C5-9E84-8FD24BAA211C}" dt="2021-07-03T14:35:16.078" v="922" actId="26606"/>
+          <ac:picMkLst>
+            <pc:docMk/>
+            <pc:sldMk cId="2777569243" sldId="270"/>
+            <ac:picMk id="4" creationId="{D809EADF-C4D7-4EB7-AD80-F9F543370A6C}"/>
+          </ac:picMkLst>
+        </pc:picChg>
       </pc:sldChg>
     </pc:docChg>
   </pc:docChgLst>
@@ -4028,6 +4134,439 @@
 </dgm:styleDef>
 </file>
 
+<file path=ppt/notesMasters/notesMaster1.xml><?xml version="1.0" encoding="utf-8"?>
+<p:notesMaster xmlns:a="http://schemas.openxmlformats.org/drawingml/2006/main" xmlns:r="http://schemas.openxmlformats.org/officeDocument/2006/relationships" xmlns:p="http://schemas.openxmlformats.org/presentationml/2006/main">
+  <p:cSld>
+    <p:bg>
+      <p:bgRef idx="1001">
+        <a:schemeClr val="bg1"/>
+      </p:bgRef>
+    </p:bg>
+    <p:spTree>
+      <p:nvGrpSpPr>
+        <p:cNvPr id="1" name=""/>
+        <p:cNvGrpSpPr/>
+        <p:nvPr/>
+      </p:nvGrpSpPr>
+      <p:grpSpPr>
+        <a:xfrm>
+          <a:off x="0" y="0"/>
+          <a:ext cx="0" cy="0"/>
+          <a:chOff x="0" y="0"/>
+          <a:chExt cx="0" cy="0"/>
+        </a:xfrm>
+      </p:grpSpPr>
+      <p:sp>
+        <p:nvSpPr>
+          <p:cNvPr id="2" name="Segnaposto intestazione 1"/>
+          <p:cNvSpPr>
+            <a:spLocks noGrp="1"/>
+          </p:cNvSpPr>
+          <p:nvPr>
+            <p:ph type="hdr" sz="quarter"/>
+          </p:nvPr>
+        </p:nvSpPr>
+        <p:spPr>
+          <a:xfrm>
+            <a:off x="0" y="0"/>
+            <a:ext cx="2971800" cy="458788"/>
+          </a:xfrm>
+          <a:prstGeom prst="rect">
+            <a:avLst/>
+          </a:prstGeom>
+        </p:spPr>
+        <p:txBody>
+          <a:bodyPr vert="horz" lIns="91440" tIns="45720" rIns="91440" bIns="45720" rtlCol="0"/>
+          <a:lstStyle>
+            <a:lvl1pPr algn="l">
+              <a:defRPr sz="1200"/>
+            </a:lvl1pPr>
+          </a:lstStyle>
+          <a:p>
+            <a:endParaRPr lang="it-IT"/>
+          </a:p>
+        </p:txBody>
+      </p:sp>
+      <p:sp>
+        <p:nvSpPr>
+          <p:cNvPr id="3" name="Segnaposto data 2"/>
+          <p:cNvSpPr>
+            <a:spLocks noGrp="1"/>
+          </p:cNvSpPr>
+          <p:nvPr>
+            <p:ph type="dt" idx="1"/>
+          </p:nvPr>
+        </p:nvSpPr>
+        <p:spPr>
+          <a:xfrm>
+            <a:off x="3884613" y="0"/>
+            <a:ext cx="2971800" cy="458788"/>
+          </a:xfrm>
+          <a:prstGeom prst="rect">
+            <a:avLst/>
+          </a:prstGeom>
+        </p:spPr>
+        <p:txBody>
+          <a:bodyPr vert="horz" lIns="91440" tIns="45720" rIns="91440" bIns="45720" rtlCol="0"/>
+          <a:lstStyle>
+            <a:lvl1pPr algn="r">
+              <a:defRPr sz="1200"/>
+            </a:lvl1pPr>
+          </a:lstStyle>
+          <a:p>
+            <a:fld id="{37F5DA0F-3F27-463C-BADD-4A602C312453}" type="datetimeFigureOut">
+              <a:rPr lang="it-IT" smtClean="0"/>
+              <a:t>03/07/2021</a:t>
+            </a:fld>
+            <a:endParaRPr lang="it-IT"/>
+          </a:p>
+        </p:txBody>
+      </p:sp>
+      <p:sp>
+        <p:nvSpPr>
+          <p:cNvPr id="4" name="Segnaposto immagine diapositiva 3"/>
+          <p:cNvSpPr>
+            <a:spLocks noGrp="1" noRot="1" noChangeAspect="1"/>
+          </p:cNvSpPr>
+          <p:nvPr>
+            <p:ph type="sldImg" idx="2"/>
+          </p:nvPr>
+        </p:nvSpPr>
+        <p:spPr>
+          <a:xfrm>
+            <a:off x="685800" y="1143000"/>
+            <a:ext cx="5486400" cy="3086100"/>
+          </a:xfrm>
+          <a:prstGeom prst="rect">
+            <a:avLst/>
+          </a:prstGeom>
+          <a:noFill/>
+          <a:ln w="12700">
+            <a:solidFill>
+              <a:prstClr val="black"/>
+            </a:solidFill>
+          </a:ln>
+        </p:spPr>
+        <p:txBody>
+          <a:bodyPr vert="horz" lIns="91440" tIns="45720" rIns="91440" bIns="45720" rtlCol="0" anchor="ctr"/>
+          <a:lstStyle/>
+          <a:p>
+            <a:endParaRPr lang="it-IT"/>
+          </a:p>
+        </p:txBody>
+      </p:sp>
+      <p:sp>
+        <p:nvSpPr>
+          <p:cNvPr id="5" name="Segnaposto note 4"/>
+          <p:cNvSpPr>
+            <a:spLocks noGrp="1"/>
+          </p:cNvSpPr>
+          <p:nvPr>
+            <p:ph type="body" sz="quarter" idx="3"/>
+          </p:nvPr>
+        </p:nvSpPr>
+        <p:spPr>
+          <a:xfrm>
+            <a:off x="685800" y="4400550"/>
+            <a:ext cx="5486400" cy="3600450"/>
+          </a:xfrm>
+          <a:prstGeom prst="rect">
+            <a:avLst/>
+          </a:prstGeom>
+        </p:spPr>
+        <p:txBody>
+          <a:bodyPr vert="horz" lIns="91440" tIns="45720" rIns="91440" bIns="45720" rtlCol="0"/>
+          <a:lstStyle/>
+          <a:p>
+            <a:pPr lvl="0"/>
+            <a:r>
+              <a:rPr lang="it-IT"/>
+              <a:t>Fare clic per modificare gli stili del testo dello schema</a:t>
+            </a:r>
+          </a:p>
+          <a:p>
+            <a:pPr lvl="1"/>
+            <a:r>
+              <a:rPr lang="it-IT"/>
+              <a:t>Secondo livello</a:t>
+            </a:r>
+          </a:p>
+          <a:p>
+            <a:pPr lvl="2"/>
+            <a:r>
+              <a:rPr lang="it-IT"/>
+              <a:t>Terzo livello</a:t>
+            </a:r>
+          </a:p>
+          <a:p>
+            <a:pPr lvl="3"/>
+            <a:r>
+              <a:rPr lang="it-IT"/>
+              <a:t>Quarto livello</a:t>
+            </a:r>
+          </a:p>
+          <a:p>
+            <a:pPr lvl="4"/>
+            <a:r>
+              <a:rPr lang="it-IT"/>
+              <a:t>Quinto livello</a:t>
+            </a:r>
+          </a:p>
+        </p:txBody>
+      </p:sp>
+      <p:sp>
+        <p:nvSpPr>
+          <p:cNvPr id="6" name="Segnaposto piè di pagina 5"/>
+          <p:cNvSpPr>
+            <a:spLocks noGrp="1"/>
+          </p:cNvSpPr>
+          <p:nvPr>
+            <p:ph type="ftr" sz="quarter" idx="4"/>
+          </p:nvPr>
+        </p:nvSpPr>
+        <p:spPr>
+          <a:xfrm>
+            <a:off x="0" y="8685213"/>
+            <a:ext cx="2971800" cy="458787"/>
+          </a:xfrm>
+          <a:prstGeom prst="rect">
+            <a:avLst/>
+          </a:prstGeom>
+        </p:spPr>
+        <p:txBody>
+          <a:bodyPr vert="horz" lIns="91440" tIns="45720" rIns="91440" bIns="45720" rtlCol="0" anchor="b"/>
+          <a:lstStyle>
+            <a:lvl1pPr algn="l">
+              <a:defRPr sz="1200"/>
+            </a:lvl1pPr>
+          </a:lstStyle>
+          <a:p>
+            <a:endParaRPr lang="it-IT"/>
+          </a:p>
+        </p:txBody>
+      </p:sp>
+      <p:sp>
+        <p:nvSpPr>
+          <p:cNvPr id="7" name="Segnaposto numero diapositiva 6"/>
+          <p:cNvSpPr>
+            <a:spLocks noGrp="1"/>
+          </p:cNvSpPr>
+          <p:nvPr>
+            <p:ph type="sldNum" sz="quarter" idx="5"/>
+          </p:nvPr>
+        </p:nvSpPr>
+        <p:spPr>
+          <a:xfrm>
+            <a:off x="3884613" y="8685213"/>
+            <a:ext cx="2971800" cy="458787"/>
+          </a:xfrm>
+          <a:prstGeom prst="rect">
+            <a:avLst/>
+          </a:prstGeom>
+        </p:spPr>
+        <p:txBody>
+          <a:bodyPr vert="horz" lIns="91440" tIns="45720" rIns="91440" bIns="45720" rtlCol="0" anchor="b"/>
+          <a:lstStyle>
+            <a:lvl1pPr algn="r">
+              <a:defRPr sz="1200"/>
+            </a:lvl1pPr>
+          </a:lstStyle>
+          <a:p>
+            <a:fld id="{E1391FC2-2B4E-4A7E-8BBB-15E72A9EB064}" type="slidenum">
+              <a:rPr lang="it-IT" smtClean="0"/>
+              <a:t>‹N›</a:t>
+            </a:fld>
+            <a:endParaRPr lang="it-IT"/>
+          </a:p>
+        </p:txBody>
+      </p:sp>
+    </p:spTree>
+    <p:extLst>
+      <p:ext uri="{BB962C8B-B14F-4D97-AF65-F5344CB8AC3E}">
+        <p14:creationId xmlns:p14="http://schemas.microsoft.com/office/powerpoint/2010/main" val="707127740"/>
+      </p:ext>
+    </p:extLst>
+  </p:cSld>
+  <p:clrMap bg1="lt1" tx1="dk1" bg2="lt2" tx2="dk2" accent1="accent1" accent2="accent2" accent3="accent3" accent4="accent4" accent5="accent5" accent6="accent6" hlink="hlink" folHlink="folHlink"/>
+  <p:notesStyle>
+    <a:lvl1pPr marL="0" algn="l" defTabSz="914400" rtl="0" eaLnBrk="1" latinLnBrk="0" hangingPunct="1">
+      <a:defRPr sz="1200" kern="1200">
+        <a:solidFill>
+          <a:schemeClr val="tx1"/>
+        </a:solidFill>
+        <a:latin typeface="+mn-lt"/>
+        <a:ea typeface="+mn-ea"/>
+        <a:cs typeface="+mn-cs"/>
+      </a:defRPr>
+    </a:lvl1pPr>
+    <a:lvl2pPr marL="457200" algn="l" defTabSz="914400" rtl="0" eaLnBrk="1" latinLnBrk="0" hangingPunct="1">
+      <a:defRPr sz="1200" kern="1200">
+        <a:solidFill>
+          <a:schemeClr val="tx1"/>
+        </a:solidFill>
+        <a:latin typeface="+mn-lt"/>
+        <a:ea typeface="+mn-ea"/>
+        <a:cs typeface="+mn-cs"/>
+      </a:defRPr>
+    </a:lvl2pPr>
+    <a:lvl3pPr marL="914400" algn="l" defTabSz="914400" rtl="0" eaLnBrk="1" latinLnBrk="0" hangingPunct="1">
+      <a:defRPr sz="1200" kern="1200">
+        <a:solidFill>
+          <a:schemeClr val="tx1"/>
+        </a:solidFill>
+        <a:latin typeface="+mn-lt"/>
+        <a:ea typeface="+mn-ea"/>
+        <a:cs typeface="+mn-cs"/>
+      </a:defRPr>
+    </a:lvl3pPr>
+    <a:lvl4pPr marL="1371600" algn="l" defTabSz="914400" rtl="0" eaLnBrk="1" latinLnBrk="0" hangingPunct="1">
+      <a:defRPr sz="1200" kern="1200">
+        <a:solidFill>
+          <a:schemeClr val="tx1"/>
+        </a:solidFill>
+        <a:latin typeface="+mn-lt"/>
+        <a:ea typeface="+mn-ea"/>
+        <a:cs typeface="+mn-cs"/>
+      </a:defRPr>
+    </a:lvl4pPr>
+    <a:lvl5pPr marL="1828800" algn="l" defTabSz="914400" rtl="0" eaLnBrk="1" latinLnBrk="0" hangingPunct="1">
+      <a:defRPr sz="1200" kern="1200">
+        <a:solidFill>
+          <a:schemeClr val="tx1"/>
+        </a:solidFill>
+        <a:latin typeface="+mn-lt"/>
+        <a:ea typeface="+mn-ea"/>
+        <a:cs typeface="+mn-cs"/>
+      </a:defRPr>
+    </a:lvl5pPr>
+    <a:lvl6pPr marL="2286000" algn="l" defTabSz="914400" rtl="0" eaLnBrk="1" latinLnBrk="0" hangingPunct="1">
+      <a:defRPr sz="1200" kern="1200">
+        <a:solidFill>
+          <a:schemeClr val="tx1"/>
+        </a:solidFill>
+        <a:latin typeface="+mn-lt"/>
+        <a:ea typeface="+mn-ea"/>
+        <a:cs typeface="+mn-cs"/>
+      </a:defRPr>
+    </a:lvl6pPr>
+    <a:lvl7pPr marL="2743200" algn="l" defTabSz="914400" rtl="0" eaLnBrk="1" latinLnBrk="0" hangingPunct="1">
+      <a:defRPr sz="1200" kern="1200">
+        <a:solidFill>
+          <a:schemeClr val="tx1"/>
+        </a:solidFill>
+        <a:latin typeface="+mn-lt"/>
+        <a:ea typeface="+mn-ea"/>
+        <a:cs typeface="+mn-cs"/>
+      </a:defRPr>
+    </a:lvl7pPr>
+    <a:lvl8pPr marL="3200400" algn="l" defTabSz="914400" rtl="0" eaLnBrk="1" latinLnBrk="0" hangingPunct="1">
+      <a:defRPr sz="1200" kern="1200">
+        <a:solidFill>
+          <a:schemeClr val="tx1"/>
+        </a:solidFill>
+        <a:latin typeface="+mn-lt"/>
+        <a:ea typeface="+mn-ea"/>
+        <a:cs typeface="+mn-cs"/>
+      </a:defRPr>
+    </a:lvl8pPr>
+    <a:lvl9pPr marL="3657600" algn="l" defTabSz="914400" rtl="0" eaLnBrk="1" latinLnBrk="0" hangingPunct="1">
+      <a:defRPr sz="1200" kern="1200">
+        <a:solidFill>
+          <a:schemeClr val="tx1"/>
+        </a:solidFill>
+        <a:latin typeface="+mn-lt"/>
+        <a:ea typeface="+mn-ea"/>
+        <a:cs typeface="+mn-cs"/>
+      </a:defRPr>
+    </a:lvl9pPr>
+  </p:notesStyle>
+</p:notesMaster>
+</file>
+
+<file path=ppt/notesSlides/notesSlide1.xml><?xml version="1.0" encoding="utf-8"?>
+<p:notes xmlns:a="http://schemas.openxmlformats.org/drawingml/2006/main" xmlns:r="http://schemas.openxmlformats.org/officeDocument/2006/relationships" xmlns:p="http://schemas.openxmlformats.org/presentationml/2006/main">
+  <p:cSld>
+    <p:spTree>
+      <p:nvGrpSpPr>
+        <p:cNvPr id="1" name=""/>
+        <p:cNvGrpSpPr/>
+        <p:nvPr/>
+      </p:nvGrpSpPr>
+      <p:grpSpPr>
+        <a:xfrm>
+          <a:off x="0" y="0"/>
+          <a:ext cx="0" cy="0"/>
+          <a:chOff x="0" y="0"/>
+          <a:chExt cx="0" cy="0"/>
+        </a:xfrm>
+      </p:grpSpPr>
+      <p:sp>
+        <p:nvSpPr>
+          <p:cNvPr id="2" name="Segnaposto immagine diapositiva 1"/>
+          <p:cNvSpPr>
+            <a:spLocks noGrp="1" noRot="1" noChangeAspect="1"/>
+          </p:cNvSpPr>
+          <p:nvPr>
+            <p:ph type="sldImg"/>
+          </p:nvPr>
+        </p:nvSpPr>
+        <p:spPr/>
+      </p:sp>
+      <p:sp>
+        <p:nvSpPr>
+          <p:cNvPr id="3" name="Segnaposto note 2"/>
+          <p:cNvSpPr>
+            <a:spLocks noGrp="1"/>
+          </p:cNvSpPr>
+          <p:nvPr>
+            <p:ph type="body" idx="1"/>
+          </p:nvPr>
+        </p:nvSpPr>
+        <p:spPr/>
+        <p:txBody>
+          <a:bodyPr/>
+          <a:lstStyle/>
+          <a:p>
+            <a:endParaRPr lang="it-IT" dirty="0"/>
+          </a:p>
+        </p:txBody>
+      </p:sp>
+      <p:sp>
+        <p:nvSpPr>
+          <p:cNvPr id="4" name="Segnaposto numero diapositiva 3"/>
+          <p:cNvSpPr>
+            <a:spLocks noGrp="1"/>
+          </p:cNvSpPr>
+          <p:nvPr>
+            <p:ph type="sldNum" sz="quarter" idx="5"/>
+          </p:nvPr>
+        </p:nvSpPr>
+        <p:spPr/>
+        <p:txBody>
+          <a:bodyPr/>
+          <a:lstStyle/>
+          <a:p>
+            <a:fld id="{E1391FC2-2B4E-4A7E-8BBB-15E72A9EB064}" type="slidenum">
+              <a:rPr lang="it-IT" smtClean="0"/>
+              <a:t>12</a:t>
+            </a:fld>
+            <a:endParaRPr lang="it-IT"/>
+          </a:p>
+        </p:txBody>
+      </p:sp>
+    </p:spTree>
+    <p:extLst>
+      <p:ext uri="{BB962C8B-B14F-4D97-AF65-F5344CB8AC3E}">
+        <p14:creationId xmlns:p14="http://schemas.microsoft.com/office/powerpoint/2010/main" val="3501957516"/>
+      </p:ext>
+    </p:extLst>
+  </p:cSld>
+  <p:clrMapOvr>
+    <a:masterClrMapping/>
+  </p:clrMapOvr>
+</p:notes>
+</file>
+
 <file path=ppt/slideLayouts/slideLayout1.xml><?xml version="1.0" encoding="utf-8"?>
 <p:sldLayout xmlns:a="http://schemas.openxmlformats.org/drawingml/2006/main" xmlns:r="http://schemas.openxmlformats.org/officeDocument/2006/relationships" xmlns:p="http://schemas.openxmlformats.org/presentationml/2006/main" showMasterSp="0" type="title" preserve="1">
   <p:cSld name="Diapositiva titolo">
@@ -7497,23 +8036,23 @@
           <a:lstStyle/>
           <a:p>
             <a:r>
-              <a:rPr lang="it-IT" dirty="0"/>
+              <a:rPr lang="it-IT" sz="4400" dirty="0"/>
               <a:t>Solving the </a:t>
             </a:r>
             <a:r>
-              <a:rPr lang="it-IT" dirty="0" err="1"/>
+              <a:rPr lang="it-IT" sz="4400" dirty="0" err="1"/>
               <a:t>Maze</a:t>
             </a:r>
             <a:r>
-              <a:rPr lang="it-IT" dirty="0"/>
+              <a:rPr lang="it-IT" sz="4400" dirty="0"/>
               <a:t> </a:t>
             </a:r>
             <a:r>
-              <a:rPr lang="it-IT" dirty="0" err="1"/>
+              <a:rPr lang="it-IT" sz="4400" dirty="0" err="1"/>
               <a:t>problem</a:t>
             </a:r>
             <a:r>
-              <a:rPr lang="it-IT" dirty="0"/>
+              <a:rPr lang="it-IT" sz="4400" dirty="0"/>
               <a:t> with ILP</a:t>
             </a:r>
           </a:p>
@@ -7887,7 +8426,7 @@
           <a:lstStyle/>
           <a:p>
             <a:r>
-              <a:rPr lang="it-IT"/>
+              <a:rPr lang="it-IT" dirty="0"/>
               <a:t>Learning to travel</a:t>
             </a:r>
           </a:p>
@@ -8194,7 +8733,7 @@
                 <a:latin typeface="Courier New" panose="02070309020205020404" pitchFamily="49" charset="0"/>
                 <a:cs typeface="Courier New" panose="02070309020205020404" pitchFamily="49" charset="0"/>
               </a:rPr>
-              <a:t>reach((1,1), (2,1)).</a:t>
+              <a:t>reach((1,1), (2,1)). </a:t>
             </a:r>
           </a:p>
           <a:p>
@@ -8292,6 +8831,77 @@
             <a:endParaRPr lang="it-IT" sz="1400" b="1" u="sng" dirty="0">
               <a:cs typeface="Courier New" panose="02070309020205020404" pitchFamily="49" charset="0"/>
             </a:endParaRPr>
+          </a:p>
+        </p:txBody>
+      </p:sp>
+      <p:sp>
+        <p:nvSpPr>
+          <p:cNvPr id="5" name="CasellaDiTesto 4">
+            <a:extLst>
+              <a:ext uri="{FF2B5EF4-FFF2-40B4-BE49-F238E27FC236}">
+                <a16:creationId xmlns:a16="http://schemas.microsoft.com/office/drawing/2014/main" id="{01B90FCF-2DEC-4277-A69C-67F0AD636F3E}"/>
+              </a:ext>
+            </a:extLst>
+          </p:cNvPr>
+          <p:cNvSpPr txBox="1"/>
+          <p:nvPr/>
+        </p:nvSpPr>
+        <p:spPr>
+          <a:xfrm>
+            <a:off x="6874563" y="4810400"/>
+            <a:ext cx="2628901" cy="276999"/>
+          </a:xfrm>
+          <a:prstGeom prst="rect">
+            <a:avLst/>
+          </a:prstGeom>
+          <a:noFill/>
+        </p:spPr>
+        <p:txBody>
+          <a:bodyPr wrap="square" rtlCol="0">
+            <a:spAutoFit/>
+          </a:bodyPr>
+          <a:lstStyle/>
+          <a:p>
+            <a:r>
+              <a:rPr lang="it-IT" sz="1200" dirty="0" err="1"/>
+              <a:t>What</a:t>
+            </a:r>
+            <a:r>
+              <a:rPr lang="it-IT" sz="1200" dirty="0"/>
+              <a:t> </a:t>
+            </a:r>
+            <a:r>
+              <a:rPr lang="it-IT" sz="1200" dirty="0" err="1"/>
+              <a:t>if</a:t>
+            </a:r>
+            <a:r>
+              <a:rPr lang="it-IT" sz="1200" dirty="0"/>
+              <a:t> </a:t>
+            </a:r>
+            <a:r>
+              <a:rPr lang="it-IT" sz="1200" dirty="0" err="1"/>
+              <a:t>we</a:t>
+            </a:r>
+            <a:r>
+              <a:rPr lang="it-IT" sz="1200" dirty="0"/>
+              <a:t> </a:t>
+            </a:r>
+            <a:r>
+              <a:rPr lang="it-IT" sz="1200" dirty="0" err="1"/>
+              <a:t>remove</a:t>
+            </a:r>
+            <a:r>
+              <a:rPr lang="it-IT" sz="1200" dirty="0"/>
+              <a:t> </a:t>
+            </a:r>
+            <a:r>
+              <a:rPr lang="it-IT" sz="1200" dirty="0" err="1"/>
+              <a:t>this</a:t>
+            </a:r>
+            <a:r>
+              <a:rPr lang="it-IT" sz="1200" dirty="0"/>
+              <a:t>?</a:t>
+            </a:r>
           </a:p>
         </p:txBody>
       </p:sp>
@@ -8305,10 +8915,882 @@
   <p:clrMapOvr>
     <a:masterClrMapping/>
   </p:clrMapOvr>
+  <p:timing>
+    <p:tnLst>
+      <p:par>
+        <p:cTn id="1" dur="indefinite" restart="never" nodeType="tmRoot">
+          <p:childTnLst>
+            <p:seq concurrent="1" nextAc="seek">
+              <p:cTn id="2" dur="indefinite" nodeType="mainSeq">
+                <p:childTnLst>
+                  <p:par>
+                    <p:cTn id="3" fill="hold">
+                      <p:stCondLst>
+                        <p:cond delay="indefinite"/>
+                      </p:stCondLst>
+                      <p:childTnLst>
+                        <p:par>
+                          <p:cTn id="4" fill="hold">
+                            <p:stCondLst>
+                              <p:cond delay="0"/>
+                            </p:stCondLst>
+                            <p:childTnLst>
+                              <p:par>
+                                <p:cTn id="5" presetID="10" presetClass="entr" presetSubtype="0" fill="hold" grpId="0" nodeType="clickEffect">
+                                  <p:stCondLst>
+                                    <p:cond delay="0"/>
+                                  </p:stCondLst>
+                                  <p:childTnLst>
+                                    <p:set>
+                                      <p:cBhvr>
+                                        <p:cTn id="6" dur="1" fill="hold">
+                                          <p:stCondLst>
+                                            <p:cond delay="0"/>
+                                          </p:stCondLst>
+                                        </p:cTn>
+                                        <p:tgtEl>
+                                          <p:spTgt spid="5"/>
+                                        </p:tgtEl>
+                                        <p:attrNameLst>
+                                          <p:attrName>style.visibility</p:attrName>
+                                        </p:attrNameLst>
+                                      </p:cBhvr>
+                                      <p:to>
+                                        <p:strVal val="visible"/>
+                                      </p:to>
+                                    </p:set>
+                                    <p:animEffect transition="in" filter="fade">
+                                      <p:cBhvr>
+                                        <p:cTn id="7" dur="500"/>
+                                        <p:tgtEl>
+                                          <p:spTgt spid="5"/>
+                                        </p:tgtEl>
+                                      </p:cBhvr>
+                                    </p:animEffect>
+                                  </p:childTnLst>
+                                </p:cTn>
+                              </p:par>
+                            </p:childTnLst>
+                          </p:cTn>
+                        </p:par>
+                      </p:childTnLst>
+                    </p:cTn>
+                  </p:par>
+                </p:childTnLst>
+              </p:cTn>
+              <p:prevCondLst>
+                <p:cond evt="onPrev" delay="0">
+                  <p:tgtEl>
+                    <p:sldTgt/>
+                  </p:tgtEl>
+                </p:cond>
+              </p:prevCondLst>
+              <p:nextCondLst>
+                <p:cond evt="onNext" delay="0">
+                  <p:tgtEl>
+                    <p:sldTgt/>
+                  </p:tgtEl>
+                </p:cond>
+              </p:nextCondLst>
+            </p:seq>
+          </p:childTnLst>
+        </p:cTn>
+      </p:par>
+    </p:tnLst>
+    <p:bldLst>
+      <p:bldP spid="5" grpId="0"/>
+    </p:bldLst>
+  </p:timing>
 </p:sld>
 </file>
 
 <file path=ppt/slides/slide11.xml><?xml version="1.0" encoding="utf-8"?>
+<p:sld xmlns:a="http://schemas.openxmlformats.org/drawingml/2006/main" xmlns:r="http://schemas.openxmlformats.org/officeDocument/2006/relationships" xmlns:p="http://schemas.openxmlformats.org/presentationml/2006/main">
+  <p:cSld>
+    <p:bg>
+      <p:bgPr>
+        <a:solidFill>
+          <a:schemeClr val="bg1"/>
+        </a:solidFill>
+        <a:effectLst/>
+      </p:bgPr>
+    </p:bg>
+    <p:spTree>
+      <p:nvGrpSpPr>
+        <p:cNvPr id="1" name=""/>
+        <p:cNvGrpSpPr/>
+        <p:nvPr/>
+      </p:nvGrpSpPr>
+      <p:grpSpPr>
+        <a:xfrm>
+          <a:off x="0" y="0"/>
+          <a:ext cx="0" cy="0"/>
+          <a:chOff x="0" y="0"/>
+          <a:chExt cx="0" cy="0"/>
+        </a:xfrm>
+      </p:grpSpPr>
+      <p:pic>
+        <p:nvPicPr>
+          <p:cNvPr id="4" name="Picture 4" descr="Maze">
+            <a:extLst>
+              <a:ext uri="{FF2B5EF4-FFF2-40B4-BE49-F238E27FC236}">
+                <a16:creationId xmlns:a16="http://schemas.microsoft.com/office/drawing/2014/main" id="{D809EADF-C4D7-4EB7-AD80-F9F543370A6C}"/>
+              </a:ext>
+            </a:extLst>
+          </p:cNvPr>
+          <p:cNvPicPr>
+            <a:picLocks noChangeAspect="1"/>
+          </p:cNvPicPr>
+          <p:nvPr/>
+        </p:nvPicPr>
+        <p:blipFill rotWithShape="1">
+          <a:blip r:embed="rId2"/>
+          <a:srcRect t="9021"/>
+          <a:stretch/>
+        </p:blipFill>
+        <p:spPr>
+          <a:xfrm>
+            <a:off x="20" y="10"/>
+            <a:ext cx="11292820" cy="6857990"/>
+          </a:xfrm>
+          <a:prstGeom prst="rect">
+            <a:avLst/>
+          </a:prstGeom>
+        </p:spPr>
+      </p:pic>
+      <p:sp>
+        <p:nvSpPr>
+          <p:cNvPr id="9" name="Rectangle 8">
+            <a:extLst>
+              <a:ext uri="{FF2B5EF4-FFF2-40B4-BE49-F238E27FC236}">
+                <a16:creationId xmlns:a16="http://schemas.microsoft.com/office/drawing/2014/main" id="{9163A971-857A-4D4D-B458-BADAF926FFCC}"/>
+              </a:ext>
+              <a:ext uri="{C183D7F6-B498-43B3-948B-1728B52AA6E4}">
+                <adec:decorative xmlns:adec="http://schemas.microsoft.com/office/drawing/2017/decorative" val="1"/>
+              </a:ext>
+            </a:extLst>
+          </p:cNvPr>
+          <p:cNvSpPr>
+            <a:spLocks noGrp="1" noRot="1" noChangeAspect="1" noMove="1" noResize="1" noEditPoints="1" noAdjustHandles="1" noChangeArrowheads="1" noChangeShapeType="1" noTextEdit="1"/>
+          </p:cNvSpPr>
+          <p:nvPr>
+            <p:extLst>
+              <p:ext uri="{386F3935-93C4-4BCD-93E2-E3B085C9AB24}">
+                <p16:designElem xmlns:p16="http://schemas.microsoft.com/office/powerpoint/2015/main" val="1"/>
+              </p:ext>
+            </p:extLst>
+          </p:nvPr>
+        </p:nvSpPr>
+        <p:spPr>
+          <a:xfrm>
+            <a:off x="3559481" y="0"/>
+            <a:ext cx="7737169" cy="6858000"/>
+          </a:xfrm>
+          <a:prstGeom prst="rect">
+            <a:avLst/>
+          </a:prstGeom>
+          <a:solidFill>
+            <a:schemeClr val="bg1">
+              <a:alpha val="91000"/>
+            </a:schemeClr>
+          </a:solidFill>
+          <a:ln>
+            <a:noFill/>
+          </a:ln>
+        </p:spPr>
+        <p:style>
+          <a:lnRef idx="2">
+            <a:schemeClr val="accent1">
+              <a:shade val="50000"/>
+            </a:schemeClr>
+          </a:lnRef>
+          <a:fillRef idx="1">
+            <a:schemeClr val="accent1"/>
+          </a:fillRef>
+          <a:effectRef idx="0">
+            <a:schemeClr val="accent1"/>
+          </a:effectRef>
+          <a:fontRef idx="minor">
+            <a:schemeClr val="lt1"/>
+          </a:fontRef>
+        </p:style>
+        <p:txBody>
+          <a:bodyPr rtlCol="0" anchor="ctr"/>
+          <a:lstStyle/>
+          <a:p>
+            <a:pPr marL="0" marR="0" lvl="0" indent="0" algn="ctr" defTabSz="914400" rtl="0" eaLnBrk="1" fontAlgn="auto" latinLnBrk="0" hangingPunct="1">
+              <a:lnSpc>
+                <a:spcPct val="100000"/>
+              </a:lnSpc>
+              <a:spcBef>
+                <a:spcPts val="0"/>
+              </a:spcBef>
+              <a:spcAft>
+                <a:spcPts val="0"/>
+              </a:spcAft>
+              <a:buClrTx/>
+              <a:buSzTx/>
+              <a:buFontTx/>
+              <a:buNone/>
+              <a:tabLst/>
+              <a:defRPr/>
+            </a:pPr>
+            <a:endParaRPr kumimoji="0" lang="en-US" sz="1800" b="0" i="0" u="none" strike="noStrike" kern="1200" cap="none" spc="0" normalizeH="0" baseline="0" noProof="0">
+              <a:ln>
+                <a:noFill/>
+              </a:ln>
+              <a:solidFill>
+                <a:srgbClr val="FFFFFF"/>
+              </a:solidFill>
+              <a:effectLst/>
+              <a:uLnTx/>
+              <a:uFillTx/>
+              <a:latin typeface="Century Schoolbook" panose="02040604050505020304"/>
+              <a:ea typeface="+mn-ea"/>
+              <a:cs typeface="+mn-cs"/>
+            </a:endParaRPr>
+          </a:p>
+        </p:txBody>
+      </p:sp>
+      <p:sp>
+        <p:nvSpPr>
+          <p:cNvPr id="2" name="Titolo 1">
+            <a:extLst>
+              <a:ext uri="{FF2B5EF4-FFF2-40B4-BE49-F238E27FC236}">
+                <a16:creationId xmlns:a16="http://schemas.microsoft.com/office/drawing/2014/main" id="{58E0E44F-EF9E-40B5-9B76-DF4FED4F2B4C}"/>
+              </a:ext>
+            </a:extLst>
+          </p:cNvPr>
+          <p:cNvSpPr>
+            <a:spLocks noGrp="1"/>
+          </p:cNvSpPr>
+          <p:nvPr>
+            <p:ph type="title"/>
+          </p:nvPr>
+        </p:nvSpPr>
+        <p:spPr>
+          <a:xfrm>
+            <a:off x="4050889" y="365758"/>
+            <a:ext cx="6784259" cy="1828800"/>
+          </a:xfrm>
+        </p:spPr>
+        <p:txBody>
+          <a:bodyPr>
+            <a:normAutofit/>
+          </a:bodyPr>
+          <a:lstStyle/>
+          <a:p>
+            <a:r>
+              <a:rPr lang="it-IT" dirty="0"/>
+              <a:t>Learning to travel (from scratch)</a:t>
+            </a:r>
+          </a:p>
+        </p:txBody>
+      </p:sp>
+      <p:sp>
+        <p:nvSpPr>
+          <p:cNvPr id="3" name="Segnaposto contenuto 2">
+            <a:extLst>
+              <a:ext uri="{FF2B5EF4-FFF2-40B4-BE49-F238E27FC236}">
+                <a16:creationId xmlns:a16="http://schemas.microsoft.com/office/drawing/2014/main" id="{17B7C98C-91C5-42A6-AE60-10548043DE9E}"/>
+              </a:ext>
+            </a:extLst>
+          </p:cNvPr>
+          <p:cNvSpPr>
+            <a:spLocks noGrp="1"/>
+          </p:cNvSpPr>
+          <p:nvPr>
+            <p:ph idx="1"/>
+          </p:nvPr>
+        </p:nvSpPr>
+        <p:spPr>
+          <a:xfrm>
+            <a:off x="4050889" y="2516291"/>
+            <a:ext cx="6784259" cy="3682896"/>
+          </a:xfrm>
+        </p:spPr>
+        <p:txBody>
+          <a:bodyPr>
+            <a:normAutofit fontScale="92500" lnSpcReduction="20000"/>
+          </a:bodyPr>
+          <a:lstStyle/>
+          <a:p>
+            <a:r>
+              <a:rPr lang="it-IT" sz="1400" b="1" dirty="0"/>
+              <a:t>Goal: </a:t>
+            </a:r>
+            <a:r>
+              <a:rPr lang="it-IT" sz="1400" dirty="0" err="1"/>
+              <a:t>Learn</a:t>
+            </a:r>
+            <a:r>
+              <a:rPr lang="it-IT" sz="1400" dirty="0"/>
+              <a:t> to </a:t>
+            </a:r>
+            <a:r>
+              <a:rPr lang="it-IT" sz="1400" dirty="0" err="1"/>
+              <a:t>move</a:t>
+            </a:r>
+            <a:r>
+              <a:rPr lang="it-IT" sz="1400" dirty="0"/>
+              <a:t> from </a:t>
+            </a:r>
+            <a:r>
+              <a:rPr lang="it-IT" sz="1400" dirty="0" err="1"/>
+              <a:t>two</a:t>
+            </a:r>
+            <a:r>
+              <a:rPr lang="it-IT" sz="1400" dirty="0"/>
+              <a:t> </a:t>
+            </a:r>
+            <a:r>
+              <a:rPr lang="it-IT" sz="1400" dirty="0" err="1"/>
+              <a:t>distant</a:t>
+            </a:r>
+            <a:r>
+              <a:rPr lang="it-IT" sz="1400" dirty="0"/>
+              <a:t> </a:t>
+            </a:r>
+            <a:r>
+              <a:rPr lang="it-IT" sz="1400" dirty="0" err="1"/>
+              <a:t>cells</a:t>
+            </a:r>
+            <a:r>
+              <a:rPr lang="it-IT" sz="1400" dirty="0"/>
+              <a:t> in the </a:t>
+            </a:r>
+            <a:r>
+              <a:rPr lang="it-IT" sz="1400" dirty="0" err="1"/>
+              <a:t>Maze</a:t>
+            </a:r>
+            <a:r>
+              <a:rPr lang="it-IT" sz="1400" dirty="0"/>
+              <a:t> </a:t>
+            </a:r>
+            <a:r>
+              <a:rPr lang="it-IT" sz="1400" dirty="0" err="1"/>
+              <a:t>without</a:t>
+            </a:r>
+            <a:r>
+              <a:rPr lang="it-IT" sz="1400" dirty="0"/>
+              <a:t> </a:t>
+            </a:r>
+            <a:r>
+              <a:rPr lang="it-IT" sz="1400" dirty="0" err="1"/>
+              <a:t>going</a:t>
+            </a:r>
+            <a:r>
+              <a:rPr lang="it-IT" sz="1400" dirty="0"/>
+              <a:t> </a:t>
+            </a:r>
+            <a:r>
+              <a:rPr lang="it-IT" sz="1400" dirty="0" err="1"/>
+              <a:t>through</a:t>
+            </a:r>
+            <a:r>
+              <a:rPr lang="it-IT" sz="1400" dirty="0"/>
+              <a:t> </a:t>
+            </a:r>
+            <a:r>
+              <a:rPr lang="it-IT" sz="1400" dirty="0" err="1"/>
+              <a:t>illegal</a:t>
+            </a:r>
+            <a:r>
+              <a:rPr lang="it-IT" sz="1400" dirty="0"/>
+              <a:t> </a:t>
+            </a:r>
+            <a:r>
+              <a:rPr lang="it-IT" sz="1400" dirty="0" err="1"/>
+              <a:t>cells</a:t>
+            </a:r>
+            <a:r>
+              <a:rPr lang="it-IT" sz="1400" dirty="0"/>
+              <a:t>. (Predicate </a:t>
+            </a:r>
+            <a:r>
+              <a:rPr lang="it-IT" sz="1400" dirty="0" err="1">
+                <a:latin typeface="Courier New" panose="02070309020205020404" pitchFamily="49" charset="0"/>
+                <a:cs typeface="Courier New" panose="02070309020205020404" pitchFamily="49" charset="0"/>
+              </a:rPr>
+              <a:t>reach</a:t>
+            </a:r>
+            <a:r>
+              <a:rPr lang="it-IT" sz="1400" dirty="0">
+                <a:latin typeface="Courier New" panose="02070309020205020404" pitchFamily="49" charset="0"/>
+                <a:cs typeface="Courier New" panose="02070309020205020404" pitchFamily="49" charset="0"/>
+              </a:rPr>
+              <a:t>/2</a:t>
+            </a:r>
+            <a:r>
+              <a:rPr lang="it-IT" sz="1400" dirty="0"/>
+              <a:t>).</a:t>
+            </a:r>
+          </a:p>
+          <a:p>
+            <a:r>
+              <a:rPr lang="it-IT" sz="1400" b="1" dirty="0"/>
+              <a:t>Background Knowledge:</a:t>
+            </a:r>
+          </a:p>
+          <a:p>
+            <a:pPr lvl="1"/>
+            <a:r>
+              <a:rPr lang="it-IT" sz="1400" dirty="0" err="1">
+                <a:latin typeface="Courier New" panose="02070309020205020404" pitchFamily="49" charset="0"/>
+                <a:cs typeface="Courier New" panose="02070309020205020404" pitchFamily="49" charset="0"/>
+              </a:rPr>
+              <a:t>inc_x</a:t>
+            </a:r>
+            <a:r>
+              <a:rPr lang="it-IT" sz="1400" dirty="0">
+                <a:latin typeface="Courier New" panose="02070309020205020404" pitchFamily="49" charset="0"/>
+                <a:cs typeface="Courier New" panose="02070309020205020404" pitchFamily="49" charset="0"/>
+              </a:rPr>
+              <a:t>/2; </a:t>
+            </a:r>
+            <a:r>
+              <a:rPr lang="it-IT" sz="1400" dirty="0" err="1">
+                <a:latin typeface="Courier New" panose="02070309020205020404" pitchFamily="49" charset="0"/>
+                <a:cs typeface="Courier New" panose="02070309020205020404" pitchFamily="49" charset="0"/>
+              </a:rPr>
+              <a:t>dec_x</a:t>
+            </a:r>
+            <a:r>
+              <a:rPr lang="it-IT" sz="1400" dirty="0">
+                <a:latin typeface="Courier New" panose="02070309020205020404" pitchFamily="49" charset="0"/>
+                <a:cs typeface="Courier New" panose="02070309020205020404" pitchFamily="49" charset="0"/>
+              </a:rPr>
+              <a:t>/2; </a:t>
+            </a:r>
+            <a:r>
+              <a:rPr lang="it-IT" sz="1400" dirty="0" err="1">
+                <a:latin typeface="Courier New" panose="02070309020205020404" pitchFamily="49" charset="0"/>
+                <a:cs typeface="Courier New" panose="02070309020205020404" pitchFamily="49" charset="0"/>
+              </a:rPr>
+              <a:t>inc_y</a:t>
+            </a:r>
+            <a:r>
+              <a:rPr lang="it-IT" sz="1400" dirty="0">
+                <a:latin typeface="Courier New" panose="02070309020205020404" pitchFamily="49" charset="0"/>
+                <a:cs typeface="Courier New" panose="02070309020205020404" pitchFamily="49" charset="0"/>
+              </a:rPr>
+              <a:t>/2; </a:t>
+            </a:r>
+            <a:r>
+              <a:rPr lang="it-IT" sz="1400" dirty="0" err="1">
+                <a:latin typeface="Courier New" panose="02070309020205020404" pitchFamily="49" charset="0"/>
+                <a:cs typeface="Courier New" panose="02070309020205020404" pitchFamily="49" charset="0"/>
+              </a:rPr>
+              <a:t>dec_y</a:t>
+            </a:r>
+            <a:r>
+              <a:rPr lang="it-IT" sz="1400" dirty="0">
+                <a:latin typeface="Courier New" panose="02070309020205020404" pitchFamily="49" charset="0"/>
+                <a:cs typeface="Courier New" panose="02070309020205020404" pitchFamily="49" charset="0"/>
+              </a:rPr>
+              <a:t>/2;</a:t>
+            </a:r>
+          </a:p>
+          <a:p>
+            <a:pPr lvl="1"/>
+            <a:r>
+              <a:rPr lang="it-IT" sz="1400" dirty="0" err="1">
+                <a:latin typeface="Courier New" panose="02070309020205020404" pitchFamily="49" charset="0"/>
+                <a:cs typeface="Courier New" panose="02070309020205020404" pitchFamily="49" charset="0"/>
+              </a:rPr>
+              <a:t>legal_position</a:t>
+            </a:r>
+            <a:r>
+              <a:rPr lang="it-IT" sz="1400" dirty="0">
+                <a:latin typeface="Courier New" panose="02070309020205020404" pitchFamily="49" charset="0"/>
+                <a:cs typeface="Courier New" panose="02070309020205020404" pitchFamily="49" charset="0"/>
+              </a:rPr>
+              <a:t>/1.</a:t>
+            </a:r>
+          </a:p>
+          <a:p>
+            <a:r>
+              <a:rPr lang="it-IT" sz="1600" b="1" dirty="0" err="1">
+                <a:cs typeface="Courier New" panose="02070309020205020404" pitchFamily="49" charset="0"/>
+              </a:rPr>
+              <a:t>Metarules</a:t>
+            </a:r>
+            <a:r>
+              <a:rPr lang="it-IT" sz="1600" b="1" dirty="0">
+                <a:cs typeface="Courier New" panose="02070309020205020404" pitchFamily="49" charset="0"/>
+              </a:rPr>
+              <a:t>:</a:t>
+            </a:r>
+          </a:p>
+          <a:p>
+            <a:pPr lvl="1"/>
+            <a:r>
+              <a:rPr lang="it-IT" sz="1400" dirty="0" err="1">
+                <a:latin typeface="Courier New" panose="02070309020205020404" pitchFamily="49" charset="0"/>
+                <a:cs typeface="Courier New" panose="02070309020205020404" pitchFamily="49" charset="0"/>
+              </a:rPr>
+              <a:t>metarule</a:t>
+            </a:r>
+            <a:r>
+              <a:rPr lang="it-IT" sz="1400" dirty="0">
+                <a:latin typeface="Courier New" panose="02070309020205020404" pitchFamily="49" charset="0"/>
+                <a:cs typeface="Courier New" panose="02070309020205020404" pitchFamily="49" charset="0"/>
+              </a:rPr>
+              <a:t>(</a:t>
+            </a:r>
+            <a:r>
+              <a:rPr lang="it-IT" sz="1400" dirty="0" err="1">
+                <a:latin typeface="Courier New" panose="02070309020205020404" pitchFamily="49" charset="0"/>
+                <a:cs typeface="Courier New" panose="02070309020205020404" pitchFamily="49" charset="0"/>
+              </a:rPr>
+              <a:t>recursion</a:t>
+            </a:r>
+            <a:r>
+              <a:rPr lang="it-IT" sz="1400" dirty="0">
+                <a:latin typeface="Courier New" panose="02070309020205020404" pitchFamily="49" charset="0"/>
+                <a:cs typeface="Courier New" panose="02070309020205020404" pitchFamily="49" charset="0"/>
+              </a:rPr>
+              <a:t>,[P,Q],[P,A,B],[[Q,A,C],[P,C,B]]).</a:t>
+            </a:r>
+          </a:p>
+          <a:p>
+            <a:pPr lvl="1"/>
+            <a:r>
+              <a:rPr lang="it-IT" sz="1400" dirty="0" err="1">
+                <a:latin typeface="Courier New" panose="02070309020205020404" pitchFamily="49" charset="0"/>
+                <a:cs typeface="Courier New" panose="02070309020205020404" pitchFamily="49" charset="0"/>
+              </a:rPr>
+              <a:t>metarule</a:t>
+            </a:r>
+            <a:r>
+              <a:rPr lang="it-IT" sz="1400" dirty="0">
+                <a:latin typeface="Courier New" panose="02070309020205020404" pitchFamily="49" charset="0"/>
+                <a:cs typeface="Courier New" panose="02070309020205020404" pitchFamily="49" charset="0"/>
+              </a:rPr>
+              <a:t>(</a:t>
+            </a:r>
+            <a:r>
+              <a:rPr lang="it-IT" sz="1400" dirty="0" err="1">
+                <a:latin typeface="Courier New" panose="02070309020205020404" pitchFamily="49" charset="0"/>
+                <a:cs typeface="Courier New" panose="02070309020205020404" pitchFamily="49" charset="0"/>
+              </a:rPr>
+              <a:t>ident</a:t>
+            </a:r>
+            <a:r>
+              <a:rPr lang="it-IT" sz="1400" dirty="0">
+                <a:latin typeface="Courier New" panose="02070309020205020404" pitchFamily="49" charset="0"/>
+                <a:cs typeface="Courier New" panose="02070309020205020404" pitchFamily="49" charset="0"/>
+              </a:rPr>
+              <a:t>,[P,Q],[P,A,B],[[Q,A,B]]).</a:t>
+            </a:r>
+          </a:p>
+          <a:p>
+            <a:r>
+              <a:rPr lang="it-IT" sz="1400" b="1" dirty="0">
+                <a:cs typeface="Courier New" panose="02070309020205020404" pitchFamily="49" charset="0"/>
+              </a:rPr>
+              <a:t>Positive </a:t>
+            </a:r>
+            <a:r>
+              <a:rPr lang="it-IT" sz="1400" b="1" dirty="0" err="1">
+                <a:cs typeface="Courier New" panose="02070309020205020404" pitchFamily="49" charset="0"/>
+              </a:rPr>
+              <a:t>examples</a:t>
+            </a:r>
+            <a:r>
+              <a:rPr lang="it-IT" sz="1400" b="1" dirty="0">
+                <a:cs typeface="Courier New" panose="02070309020205020404" pitchFamily="49" charset="0"/>
+              </a:rPr>
+              <a:t>:</a:t>
+            </a:r>
+          </a:p>
+          <a:p>
+            <a:pPr lvl="1"/>
+            <a:r>
+              <a:rPr lang="it-IT" sz="1200" dirty="0">
+                <a:cs typeface="Courier New" panose="02070309020205020404" pitchFamily="49" charset="0"/>
+              </a:rPr>
+              <a:t>4 </a:t>
+            </a:r>
+            <a:r>
+              <a:rPr lang="it-IT" sz="1200" dirty="0" err="1">
+                <a:cs typeface="Courier New" panose="02070309020205020404" pitchFamily="49" charset="0"/>
+              </a:rPr>
+              <a:t>examples</a:t>
+            </a:r>
+            <a:r>
+              <a:rPr lang="it-IT" sz="1200" dirty="0">
+                <a:cs typeface="Courier New" panose="02070309020205020404" pitchFamily="49" charset="0"/>
+              </a:rPr>
+              <a:t> </a:t>
+            </a:r>
+            <a:r>
+              <a:rPr lang="it-IT" sz="1200" dirty="0" err="1">
+                <a:cs typeface="Courier New" panose="02070309020205020404" pitchFamily="49" charset="0"/>
+              </a:rPr>
+              <a:t>representing</a:t>
+            </a:r>
+            <a:r>
+              <a:rPr lang="it-IT" sz="1200" dirty="0">
+                <a:cs typeface="Courier New" panose="02070309020205020404" pitchFamily="49" charset="0"/>
+              </a:rPr>
+              <a:t> a single step (one for </a:t>
+            </a:r>
+            <a:r>
+              <a:rPr lang="it-IT" sz="1200" dirty="0" err="1">
+                <a:cs typeface="Courier New" panose="02070309020205020404" pitchFamily="49" charset="0"/>
+              </a:rPr>
+              <a:t>each</a:t>
+            </a:r>
+            <a:r>
+              <a:rPr lang="it-IT" sz="1200" dirty="0">
+                <a:cs typeface="Courier New" panose="02070309020205020404" pitchFamily="49" charset="0"/>
+              </a:rPr>
+              <a:t> </a:t>
+            </a:r>
+            <a:r>
+              <a:rPr lang="it-IT" sz="1200" dirty="0" err="1">
+                <a:cs typeface="Courier New" panose="02070309020205020404" pitchFamily="49" charset="0"/>
+              </a:rPr>
+              <a:t>direction</a:t>
+            </a:r>
+            <a:r>
+              <a:rPr lang="it-IT" sz="1200" dirty="0">
+                <a:cs typeface="Courier New" panose="02070309020205020404" pitchFamily="49" charset="0"/>
+              </a:rPr>
+              <a:t>).</a:t>
+            </a:r>
+          </a:p>
+          <a:p>
+            <a:pPr lvl="1"/>
+            <a:r>
+              <a:rPr lang="it-IT" sz="1200" dirty="0">
+                <a:cs typeface="Courier New" panose="02070309020205020404" pitchFamily="49" charset="0"/>
+              </a:rPr>
+              <a:t>1 </a:t>
+            </a:r>
+            <a:r>
+              <a:rPr lang="it-IT" sz="1200" dirty="0" err="1">
+                <a:cs typeface="Courier New" panose="02070309020205020404" pitchFamily="49" charset="0"/>
+              </a:rPr>
+              <a:t>example</a:t>
+            </a:r>
+            <a:r>
+              <a:rPr lang="it-IT" sz="1200" dirty="0">
+                <a:cs typeface="Courier New" panose="02070309020205020404" pitchFamily="49" charset="0"/>
+              </a:rPr>
+              <a:t> </a:t>
+            </a:r>
+            <a:r>
+              <a:rPr lang="it-IT" sz="1200" dirty="0" err="1">
+                <a:cs typeface="Courier New" panose="02070309020205020404" pitchFamily="49" charset="0"/>
+              </a:rPr>
+              <a:t>representing</a:t>
+            </a:r>
+            <a:r>
+              <a:rPr lang="it-IT" sz="1200" dirty="0">
+                <a:cs typeface="Courier New" panose="02070309020205020404" pitchFamily="49" charset="0"/>
+              </a:rPr>
+              <a:t> a </a:t>
+            </a:r>
+            <a:r>
+              <a:rPr lang="it-IT" sz="1200" dirty="0" err="1">
+                <a:cs typeface="Courier New" panose="02070309020205020404" pitchFamily="49" charset="0"/>
+              </a:rPr>
+              <a:t>path</a:t>
+            </a:r>
+            <a:r>
+              <a:rPr lang="it-IT" sz="1200" dirty="0">
+                <a:cs typeface="Courier New" panose="02070309020205020404" pitchFamily="49" charset="0"/>
+              </a:rPr>
+              <a:t> </a:t>
+            </a:r>
+            <a:r>
+              <a:rPr lang="it-IT" sz="1200" dirty="0" err="1">
+                <a:cs typeface="Courier New" panose="02070309020205020404" pitchFamily="49" charset="0"/>
+              </a:rPr>
+              <a:t>which</a:t>
+            </a:r>
+            <a:r>
+              <a:rPr lang="it-IT" sz="1200" dirty="0">
+                <a:cs typeface="Courier New" panose="02070309020205020404" pitchFamily="49" charset="0"/>
+              </a:rPr>
+              <a:t> </a:t>
+            </a:r>
+            <a:r>
+              <a:rPr lang="it-IT" sz="1200" dirty="0" err="1">
+                <a:cs typeface="Courier New" panose="02070309020205020404" pitchFamily="49" charset="0"/>
+              </a:rPr>
+              <a:t>uses</a:t>
+            </a:r>
+            <a:r>
+              <a:rPr lang="it-IT" sz="1200" dirty="0">
+                <a:cs typeface="Courier New" panose="02070309020205020404" pitchFamily="49" charset="0"/>
+              </a:rPr>
+              <a:t> </a:t>
+            </a:r>
+            <a:r>
+              <a:rPr lang="it-IT" sz="1200" dirty="0" err="1">
+                <a:cs typeface="Courier New" panose="02070309020205020404" pitchFamily="49" charset="0"/>
+              </a:rPr>
+              <a:t>all</a:t>
+            </a:r>
+            <a:r>
+              <a:rPr lang="it-IT" sz="1200" dirty="0">
+                <a:cs typeface="Courier New" panose="02070309020205020404" pitchFamily="49" charset="0"/>
+              </a:rPr>
+              <a:t> 4 </a:t>
+            </a:r>
+            <a:r>
+              <a:rPr lang="it-IT" sz="1200" dirty="0" err="1">
+                <a:cs typeface="Courier New" panose="02070309020205020404" pitchFamily="49" charset="0"/>
+              </a:rPr>
+              <a:t>moves</a:t>
+            </a:r>
+            <a:r>
+              <a:rPr lang="it-IT" sz="1200" dirty="0">
+                <a:cs typeface="Courier New" panose="02070309020205020404" pitchFamily="49" charset="0"/>
+              </a:rPr>
+              <a:t> (</a:t>
+            </a:r>
+            <a:r>
+              <a:rPr lang="it-IT" sz="1200" dirty="0" err="1">
+                <a:latin typeface="Courier New" panose="02070309020205020404" pitchFamily="49" charset="0"/>
+                <a:cs typeface="Courier New" panose="02070309020205020404" pitchFamily="49" charset="0"/>
+              </a:rPr>
+              <a:t>reach</a:t>
+            </a:r>
+            <a:r>
+              <a:rPr lang="it-IT" sz="1200" dirty="0">
+                <a:latin typeface="Courier New" panose="02070309020205020404" pitchFamily="49" charset="0"/>
+                <a:cs typeface="Courier New" panose="02070309020205020404" pitchFamily="49" charset="0"/>
+              </a:rPr>
+              <a:t>((3,1),(4,5))</a:t>
+            </a:r>
+            <a:r>
+              <a:rPr lang="it-IT" sz="1200" dirty="0">
+                <a:cs typeface="Courier New" panose="02070309020205020404" pitchFamily="49" charset="0"/>
+              </a:rPr>
+              <a:t>)</a:t>
+            </a:r>
+          </a:p>
+          <a:p>
+            <a:r>
+              <a:rPr lang="en-US" sz="1600" b="1" dirty="0">
+                <a:cs typeface="Courier New" panose="02070309020205020404" pitchFamily="49" charset="0"/>
+              </a:rPr>
+              <a:t>Negative examples:</a:t>
+            </a:r>
+          </a:p>
+          <a:p>
+            <a:pPr lvl="1"/>
+            <a:r>
+              <a:rPr lang="it-IT" sz="1400" dirty="0">
+                <a:cs typeface="Courier New" panose="02070309020205020404" pitchFamily="49" charset="0"/>
+              </a:rPr>
+              <a:t>4 </a:t>
+            </a:r>
+            <a:r>
+              <a:rPr lang="it-IT" sz="1400" dirty="0" err="1">
+                <a:cs typeface="Courier New" panose="02070309020205020404" pitchFamily="49" charset="0"/>
+              </a:rPr>
+              <a:t>examples</a:t>
+            </a:r>
+            <a:r>
+              <a:rPr lang="it-IT" sz="1400" dirty="0">
+                <a:cs typeface="Courier New" panose="02070309020205020404" pitchFamily="49" charset="0"/>
+              </a:rPr>
+              <a:t> of single steps </a:t>
+            </a:r>
+            <a:r>
+              <a:rPr lang="it-IT" sz="1400" dirty="0" err="1">
+                <a:cs typeface="Courier New" panose="02070309020205020404" pitchFamily="49" charset="0"/>
+              </a:rPr>
+              <a:t>going</a:t>
+            </a:r>
+            <a:r>
+              <a:rPr lang="it-IT" sz="1400" dirty="0">
+                <a:cs typeface="Courier New" panose="02070309020205020404" pitchFamily="49" charset="0"/>
+              </a:rPr>
+              <a:t> out of bounds.</a:t>
+            </a:r>
+          </a:p>
+          <a:p>
+            <a:pPr lvl="1"/>
+            <a:r>
+              <a:rPr lang="it-IT" sz="1400" dirty="0">
+                <a:cs typeface="Courier New" panose="02070309020205020404" pitchFamily="49" charset="0"/>
+              </a:rPr>
+              <a:t>4 </a:t>
+            </a:r>
+            <a:r>
+              <a:rPr lang="it-IT" sz="1400" dirty="0" err="1">
+                <a:cs typeface="Courier New" panose="02070309020205020404" pitchFamily="49" charset="0"/>
+              </a:rPr>
+              <a:t>examples</a:t>
+            </a:r>
+            <a:r>
+              <a:rPr lang="it-IT" sz="1400" dirty="0">
+                <a:cs typeface="Courier New" panose="02070309020205020404" pitchFamily="49" charset="0"/>
+              </a:rPr>
+              <a:t> of single steps </a:t>
+            </a:r>
+            <a:r>
+              <a:rPr lang="it-IT" sz="1400" dirty="0" err="1">
+                <a:cs typeface="Courier New" panose="02070309020205020404" pitchFamily="49" charset="0"/>
+              </a:rPr>
+              <a:t>going</a:t>
+            </a:r>
+            <a:r>
+              <a:rPr lang="it-IT" sz="1400" dirty="0">
+                <a:cs typeface="Courier New" panose="02070309020205020404" pitchFamily="49" charset="0"/>
+              </a:rPr>
+              <a:t> </a:t>
+            </a:r>
+            <a:r>
+              <a:rPr lang="it-IT" sz="1400" dirty="0" err="1">
+                <a:cs typeface="Courier New" panose="02070309020205020404" pitchFamily="49" charset="0"/>
+              </a:rPr>
+              <a:t>into</a:t>
+            </a:r>
+            <a:r>
+              <a:rPr lang="it-IT" sz="1400" dirty="0">
+                <a:cs typeface="Courier New" panose="02070309020205020404" pitchFamily="49" charset="0"/>
+              </a:rPr>
+              <a:t> </a:t>
+            </a:r>
+            <a:r>
+              <a:rPr lang="it-IT" sz="1400" dirty="0" err="1">
+                <a:cs typeface="Courier New" panose="02070309020205020404" pitchFamily="49" charset="0"/>
+              </a:rPr>
+              <a:t>obstacles</a:t>
+            </a:r>
+            <a:r>
+              <a:rPr lang="it-IT" sz="1400" dirty="0">
+                <a:cs typeface="Courier New" panose="02070309020205020404" pitchFamily="49" charset="0"/>
+              </a:rPr>
+              <a:t>.</a:t>
+            </a:r>
+          </a:p>
+          <a:p>
+            <a:endParaRPr lang="it-IT" dirty="0"/>
+          </a:p>
+        </p:txBody>
+      </p:sp>
+    </p:spTree>
+    <p:extLst>
+      <p:ext uri="{BB962C8B-B14F-4D97-AF65-F5344CB8AC3E}">
+        <p14:creationId xmlns:p14="http://schemas.microsoft.com/office/powerpoint/2010/main" val="2777569243"/>
+      </p:ext>
+    </p:extLst>
+  </p:cSld>
+  <p:clrMapOvr>
+    <a:masterClrMapping/>
+  </p:clrMapOvr>
+</p:sld>
+</file>
+
+<file path=ppt/slides/slide12.xml><?xml version="1.0" encoding="utf-8"?>
 <p:sld xmlns:a="http://schemas.openxmlformats.org/drawingml/2006/main" xmlns:r="http://schemas.openxmlformats.org/officeDocument/2006/relationships" xmlns:p="http://schemas.openxmlformats.org/presentationml/2006/main">
   <p:cSld>
     <p:bg>
@@ -8348,7 +9830,7 @@
           <p:nvPr/>
         </p:nvPicPr>
         <p:blipFill rotWithShape="1">
-          <a:blip r:embed="rId2"/>
+          <a:blip r:embed="rId3"/>
           <a:srcRect t="9021"/>
           <a:stretch/>
         </p:blipFill>
@@ -8485,9 +9967,14 @@
           <a:lstStyle/>
           <a:p>
             <a:r>
-              <a:rPr lang="it-IT"/>
-              <a:t>Interesting points</a:t>
-            </a:r>
+              <a:rPr lang="it-IT" dirty="0"/>
+              <a:t>The </a:t>
+            </a:r>
+            <a:r>
+              <a:rPr lang="it-IT" dirty="0" err="1"/>
+              <a:t>result</a:t>
+            </a:r>
+            <a:endParaRPr lang="it-IT" dirty="0"/>
           </a:p>
         </p:txBody>
       </p:sp>
@@ -8519,147 +10006,226 @@
           </a:bodyPr>
           <a:lstStyle/>
           <a:p>
-            <a:r>
-              <a:rPr lang="it-IT" dirty="0" err="1"/>
-              <a:t>Perhaps</a:t>
-            </a:r>
-            <a:r>
-              <a:rPr lang="it-IT" dirty="0"/>
-              <a:t> </a:t>
-            </a:r>
-            <a:r>
-              <a:rPr lang="it-IT" dirty="0" err="1"/>
-              <a:t>we</a:t>
-            </a:r>
-            <a:r>
-              <a:rPr lang="it-IT" dirty="0"/>
-              <a:t> are </a:t>
-            </a:r>
-            <a:r>
-              <a:rPr lang="it-IT" dirty="0" err="1"/>
-              <a:t>not</a:t>
-            </a:r>
-            <a:r>
-              <a:rPr lang="it-IT" dirty="0"/>
-              <a:t> </a:t>
-            </a:r>
-            <a:r>
-              <a:rPr lang="it-IT" dirty="0" err="1"/>
-              <a:t>using</a:t>
-            </a:r>
-            <a:r>
-              <a:rPr lang="it-IT" dirty="0"/>
-              <a:t> </a:t>
-            </a:r>
-            <a:r>
-              <a:rPr lang="it-IT" dirty="0" err="1"/>
-              <a:t>enough</a:t>
-            </a:r>
-            <a:r>
-              <a:rPr lang="it-IT" dirty="0"/>
-              <a:t> </a:t>
-            </a:r>
-            <a:r>
-              <a:rPr lang="it-IT" dirty="0" err="1"/>
-              <a:t>examples</a:t>
-            </a:r>
-            <a:r>
-              <a:rPr lang="it-IT" dirty="0"/>
-              <a:t>.</a:t>
-            </a:r>
-          </a:p>
-          <a:p>
-            <a:r>
-              <a:rPr lang="it-IT" dirty="0" err="1"/>
-              <a:t>Actually</a:t>
-            </a:r>
-            <a:r>
-              <a:rPr lang="it-IT" dirty="0"/>
-              <a:t>, </a:t>
-            </a:r>
-            <a:r>
-              <a:rPr lang="it-IT" dirty="0" err="1"/>
-              <a:t>we</a:t>
-            </a:r>
-            <a:r>
-              <a:rPr lang="it-IT" dirty="0"/>
-              <a:t> are </a:t>
-            </a:r>
-            <a:r>
-              <a:rPr lang="it-IT" dirty="0" err="1"/>
-              <a:t>using</a:t>
-            </a:r>
-            <a:r>
-              <a:rPr lang="it-IT" dirty="0"/>
-              <a:t> </a:t>
-            </a:r>
-            <a:r>
-              <a:rPr lang="it-IT" dirty="0" err="1"/>
-              <a:t>too</a:t>
-            </a:r>
-            <a:r>
-              <a:rPr lang="it-IT" dirty="0"/>
-              <a:t> </a:t>
-            </a:r>
-            <a:r>
-              <a:rPr lang="it-IT" dirty="0" err="1"/>
-              <a:t>many</a:t>
-            </a:r>
-            <a:r>
-              <a:rPr lang="it-IT" dirty="0"/>
-              <a:t>!</a:t>
-            </a:r>
-          </a:p>
-          <a:p>
-            <a:r>
-              <a:rPr lang="it-IT" dirty="0" err="1"/>
-              <a:t>Only</a:t>
-            </a:r>
-            <a:r>
-              <a:rPr lang="it-IT" dirty="0"/>
-              <a:t> </a:t>
-            </a:r>
-            <a:r>
-              <a:rPr lang="it-IT" dirty="0" err="1"/>
-              <a:t>using</a:t>
-            </a:r>
-            <a:r>
-              <a:rPr lang="it-IT" dirty="0"/>
-              <a:t> </a:t>
-            </a:r>
+            <a:pPr marL="274320" lvl="1" indent="0">
+              <a:buNone/>
+            </a:pPr>
             <a:r>
               <a:rPr lang="en-US" dirty="0">
                 <a:latin typeface="Courier New" panose="02070309020205020404" pitchFamily="49" charset="0"/>
                 <a:cs typeface="Courier New" panose="02070309020205020404" pitchFamily="49" charset="0"/>
               </a:rPr>
-              <a:t>reach((1,1), (2,5)). </a:t>
+              <a:t>reach(A,B):-</a:t>
+            </a:r>
+            <a:r>
+              <a:rPr lang="en-US" dirty="0" err="1">
+                <a:latin typeface="Courier New" panose="02070309020205020404" pitchFamily="49" charset="0"/>
+                <a:cs typeface="Courier New" panose="02070309020205020404" pitchFamily="49" charset="0"/>
+              </a:rPr>
+              <a:t>legal_position</a:t>
             </a:r>
             <a:r>
               <a:rPr lang="en-US" dirty="0">
-                <a:cs typeface="Courier New" panose="02070309020205020404" pitchFamily="49" charset="0"/>
-              </a:rPr>
-              <a:t>leads to the same result!</a:t>
-            </a:r>
-          </a:p>
-          <a:p>
+                <a:latin typeface="Courier New" panose="02070309020205020404" pitchFamily="49" charset="0"/>
+                <a:cs typeface="Courier New" panose="02070309020205020404" pitchFamily="49" charset="0"/>
+              </a:rPr>
+              <a:t>(B),reach_1(A,B).</a:t>
+            </a:r>
+          </a:p>
+          <a:p>
+            <a:pPr marL="274320" lvl="1" indent="0">
+              <a:buNone/>
+            </a:pPr>
             <a:r>
               <a:rPr lang="en-US" dirty="0">
-                <a:cs typeface="Courier New" panose="02070309020205020404" pitchFamily="49" charset="0"/>
-              </a:rPr>
-              <a:t>This is possible thanks to how metarules reduce the domain, hence our search space.</a:t>
-            </a:r>
-          </a:p>
-          <a:p>
-            <a:endParaRPr lang="en-US" dirty="0">
+                <a:latin typeface="Courier New" panose="02070309020205020404" pitchFamily="49" charset="0"/>
+                <a:cs typeface="Courier New" panose="02070309020205020404" pitchFamily="49" charset="0"/>
+              </a:rPr>
+              <a:t>reach_1(A,B):-</a:t>
+            </a:r>
+            <a:r>
+              <a:rPr lang="en-US" dirty="0" err="1">
+                <a:latin typeface="Courier New" panose="02070309020205020404" pitchFamily="49" charset="0"/>
+                <a:cs typeface="Courier New" panose="02070309020205020404" pitchFamily="49" charset="0"/>
+              </a:rPr>
+              <a:t>inc_x</a:t>
+            </a:r>
+            <a:r>
+              <a:rPr lang="en-US" dirty="0">
+                <a:latin typeface="Courier New" panose="02070309020205020404" pitchFamily="49" charset="0"/>
+                <a:cs typeface="Courier New" panose="02070309020205020404" pitchFamily="49" charset="0"/>
+              </a:rPr>
+              <a:t>(A,B).</a:t>
+            </a:r>
+          </a:p>
+          <a:p>
+            <a:pPr marL="274320" lvl="1" indent="0">
+              <a:buNone/>
+            </a:pPr>
+            <a:r>
+              <a:rPr lang="en-US" dirty="0">
+                <a:latin typeface="Courier New" panose="02070309020205020404" pitchFamily="49" charset="0"/>
+                <a:cs typeface="Courier New" panose="02070309020205020404" pitchFamily="49" charset="0"/>
+              </a:rPr>
+              <a:t>reach_1(A,B):-</a:t>
+            </a:r>
+            <a:r>
+              <a:rPr lang="en-US" dirty="0" err="1">
+                <a:latin typeface="Courier New" panose="02070309020205020404" pitchFamily="49" charset="0"/>
+                <a:cs typeface="Courier New" panose="02070309020205020404" pitchFamily="49" charset="0"/>
+              </a:rPr>
+              <a:t>dec_y</a:t>
+            </a:r>
+            <a:r>
+              <a:rPr lang="en-US" dirty="0">
+                <a:latin typeface="Courier New" panose="02070309020205020404" pitchFamily="49" charset="0"/>
+                <a:cs typeface="Courier New" panose="02070309020205020404" pitchFamily="49" charset="0"/>
+              </a:rPr>
+              <a:t>(A,B).</a:t>
+            </a:r>
+          </a:p>
+          <a:p>
+            <a:pPr marL="274320" lvl="1" indent="0">
+              <a:buNone/>
+            </a:pPr>
+            <a:r>
+              <a:rPr lang="en-US" dirty="0">
+                <a:latin typeface="Courier New" panose="02070309020205020404" pitchFamily="49" charset="0"/>
+                <a:cs typeface="Courier New" panose="02070309020205020404" pitchFamily="49" charset="0"/>
+              </a:rPr>
+              <a:t>reach_1(A,B):-</a:t>
+            </a:r>
+            <a:r>
+              <a:rPr lang="en-US" dirty="0" err="1">
+                <a:latin typeface="Courier New" panose="02070309020205020404" pitchFamily="49" charset="0"/>
+                <a:cs typeface="Courier New" panose="02070309020205020404" pitchFamily="49" charset="0"/>
+              </a:rPr>
+              <a:t>inc_y</a:t>
+            </a:r>
+            <a:r>
+              <a:rPr lang="en-US" dirty="0">
+                <a:latin typeface="Courier New" panose="02070309020205020404" pitchFamily="49" charset="0"/>
+                <a:cs typeface="Courier New" panose="02070309020205020404" pitchFamily="49" charset="0"/>
+              </a:rPr>
+              <a:t>(A,B).</a:t>
+            </a:r>
+          </a:p>
+          <a:p>
+            <a:pPr marL="274320" lvl="1" indent="0">
+              <a:buNone/>
+            </a:pPr>
+            <a:r>
+              <a:rPr lang="en-US" dirty="0">
+                <a:latin typeface="Courier New" panose="02070309020205020404" pitchFamily="49" charset="0"/>
+                <a:cs typeface="Courier New" panose="02070309020205020404" pitchFamily="49" charset="0"/>
+              </a:rPr>
+              <a:t>reach_1(A,B):-</a:t>
+            </a:r>
+            <a:r>
+              <a:rPr lang="en-US" dirty="0" err="1">
+                <a:latin typeface="Courier New" panose="02070309020205020404" pitchFamily="49" charset="0"/>
+                <a:cs typeface="Courier New" panose="02070309020205020404" pitchFamily="49" charset="0"/>
+              </a:rPr>
+              <a:t>dec_x</a:t>
+            </a:r>
+            <a:r>
+              <a:rPr lang="en-US" dirty="0">
+                <a:latin typeface="Courier New" panose="02070309020205020404" pitchFamily="49" charset="0"/>
+                <a:cs typeface="Courier New" panose="02070309020205020404" pitchFamily="49" charset="0"/>
+              </a:rPr>
+              <a:t>(A,B).</a:t>
+            </a:r>
+          </a:p>
+          <a:p>
+            <a:pPr marL="274320" lvl="1" indent="0">
+              <a:buNone/>
+            </a:pPr>
+            <a:r>
+              <a:rPr lang="en-US" dirty="0">
+                <a:latin typeface="Courier New" panose="02070309020205020404" pitchFamily="49" charset="0"/>
+                <a:cs typeface="Courier New" panose="02070309020205020404" pitchFamily="49" charset="0"/>
+              </a:rPr>
+              <a:t>reach(A,B):-</a:t>
+            </a:r>
+            <a:r>
+              <a:rPr lang="en-US" dirty="0" err="1">
+                <a:latin typeface="Courier New" panose="02070309020205020404" pitchFamily="49" charset="0"/>
+                <a:cs typeface="Courier New" panose="02070309020205020404" pitchFamily="49" charset="0"/>
+              </a:rPr>
+              <a:t>legal_position</a:t>
+            </a:r>
+            <a:r>
+              <a:rPr lang="en-US" dirty="0">
+                <a:latin typeface="Courier New" panose="02070309020205020404" pitchFamily="49" charset="0"/>
+                <a:cs typeface="Courier New" panose="02070309020205020404" pitchFamily="49" charset="0"/>
+              </a:rPr>
+              <a:t>(B),reach_1(A,C),</a:t>
+            </a:r>
+            <a:r>
+              <a:rPr lang="en-US" dirty="0" err="1">
+                <a:latin typeface="Courier New" panose="02070309020205020404" pitchFamily="49" charset="0"/>
+                <a:cs typeface="Courier New" panose="02070309020205020404" pitchFamily="49" charset="0"/>
+              </a:rPr>
+              <a:t>legal_position</a:t>
+            </a:r>
+            <a:r>
+              <a:rPr lang="en-US" dirty="0">
+                <a:latin typeface="Courier New" panose="02070309020205020404" pitchFamily="49" charset="0"/>
+                <a:cs typeface="Courier New" panose="02070309020205020404" pitchFamily="49" charset="0"/>
+              </a:rPr>
+              <a:t>(C),reach(C,B).</a:t>
+            </a:r>
+            <a:endParaRPr lang="it-IT" dirty="0">
               <a:latin typeface="Courier New" panose="02070309020205020404" pitchFamily="49" charset="0"/>
               <a:cs typeface="Courier New" panose="02070309020205020404" pitchFamily="49" charset="0"/>
             </a:endParaRPr>
           </a:p>
           <a:p>
-            <a:endParaRPr lang="it-IT" dirty="0"/>
-          </a:p>
-          <a:p>
-            <a:endParaRPr lang="it-IT" dirty="0"/>
+            <a:r>
+              <a:rPr lang="it-IT" dirty="0" err="1"/>
+              <a:t>Through</a:t>
+            </a:r>
+            <a:r>
+              <a:rPr lang="it-IT" dirty="0"/>
+              <a:t> </a:t>
+            </a:r>
+            <a:r>
+              <a:rPr lang="it-IT" b="1" dirty="0"/>
+              <a:t>predicate </a:t>
+            </a:r>
+            <a:r>
+              <a:rPr lang="it-IT" b="1" dirty="0" err="1"/>
+              <a:t>invention</a:t>
+            </a:r>
+            <a:r>
+              <a:rPr lang="it-IT" dirty="0"/>
+              <a:t> </a:t>
+            </a:r>
+            <a:r>
+              <a:rPr lang="it-IT" dirty="0" err="1"/>
+              <a:t>we</a:t>
+            </a:r>
+            <a:r>
+              <a:rPr lang="it-IT" dirty="0"/>
+              <a:t> are learning </a:t>
+            </a:r>
+            <a:r>
+              <a:rPr lang="it-IT" dirty="0" err="1">
+                <a:latin typeface="Courier New" panose="02070309020205020404" pitchFamily="49" charset="0"/>
+                <a:cs typeface="Courier New" panose="02070309020205020404" pitchFamily="49" charset="0"/>
+              </a:rPr>
+              <a:t>move</a:t>
+            </a:r>
+            <a:r>
+              <a:rPr lang="it-IT">
+                <a:latin typeface="Courier New" panose="02070309020205020404" pitchFamily="49" charset="0"/>
+                <a:cs typeface="Courier New" panose="02070309020205020404" pitchFamily="49" charset="0"/>
+              </a:rPr>
+              <a:t>/2.</a:t>
+            </a:r>
+            <a:endParaRPr lang="it-IT" dirty="0">
+              <a:latin typeface="Courier New" panose="02070309020205020404" pitchFamily="49" charset="0"/>
+              <a:cs typeface="Courier New" panose="02070309020205020404" pitchFamily="49" charset="0"/>
+            </a:endParaRPr>
           </a:p>
         </p:txBody>
       </p:sp>
@@ -8676,7 +10242,7 @@
 </p:sld>
 </file>
 
-<file path=ppt/slides/slide12.xml><?xml version="1.0" encoding="utf-8"?>
+<file path=ppt/slides/slide13.xml><?xml version="1.0" encoding="utf-8"?>
 <p:sld xmlns:a="http://schemas.openxmlformats.org/drawingml/2006/main" xmlns:r="http://schemas.openxmlformats.org/officeDocument/2006/relationships" xmlns:p="http://schemas.openxmlformats.org/presentationml/2006/main">
   <p:cSld>
     <p:bg>
@@ -8853,11 +10419,11 @@
           <a:lstStyle/>
           <a:p>
             <a:r>
-              <a:rPr lang="it-IT" err="1"/>
+              <a:rPr lang="it-IT" dirty="0" err="1"/>
               <a:t>Other</a:t>
             </a:r>
             <a:r>
-              <a:rPr lang="it-IT"/>
+              <a:rPr lang="it-IT" dirty="0"/>
               <a:t> tasks</a:t>
             </a:r>
           </a:p>
@@ -8892,86 +10458,86 @@
           <a:lstStyle/>
           <a:p>
             <a:r>
-              <a:rPr lang="it-IT">
+              <a:rPr lang="it-IT" dirty="0">
                 <a:latin typeface="Courier New" panose="02070309020205020404" pitchFamily="49" charset="0"/>
                 <a:cs typeface="Courier New" panose="02070309020205020404" pitchFamily="49" charset="0"/>
               </a:rPr>
               <a:t>learning_to_travel_memory.pl: </a:t>
             </a:r>
             <a:r>
-              <a:rPr lang="it-IT" err="1">
+              <a:rPr lang="it-IT" dirty="0" err="1">
                 <a:cs typeface="Courier New" panose="02070309020205020404" pitchFamily="49" charset="0"/>
               </a:rPr>
               <a:t>Same</a:t>
             </a:r>
             <a:r>
-              <a:rPr lang="it-IT">
+              <a:rPr lang="it-IT" dirty="0">
                 <a:cs typeface="Courier New" panose="02070309020205020404" pitchFamily="49" charset="0"/>
               </a:rPr>
               <a:t> </a:t>
             </a:r>
             <a:r>
-              <a:rPr lang="it-IT" err="1">
+              <a:rPr lang="it-IT" dirty="0" err="1">
                 <a:cs typeface="Courier New" panose="02070309020205020404" pitchFamily="49" charset="0"/>
               </a:rPr>
               <a:t>as</a:t>
             </a:r>
             <a:r>
-              <a:rPr lang="it-IT">
+              <a:rPr lang="it-IT" dirty="0">
                 <a:cs typeface="Courier New" panose="02070309020205020404" pitchFamily="49" charset="0"/>
               </a:rPr>
               <a:t> </a:t>
             </a:r>
             <a:r>
-              <a:rPr lang="it-IT" i="1">
+              <a:rPr lang="it-IT" i="1" dirty="0">
                 <a:cs typeface="Courier New" panose="02070309020205020404" pitchFamily="49" charset="0"/>
               </a:rPr>
               <a:t>«learning to travel» </a:t>
             </a:r>
             <a:r>
-              <a:rPr lang="it-IT" err="1">
+              <a:rPr lang="it-IT" dirty="0" err="1">
                 <a:cs typeface="Courier New" panose="02070309020205020404" pitchFamily="49" charset="0"/>
               </a:rPr>
               <a:t>but</a:t>
             </a:r>
             <a:r>
-              <a:rPr lang="it-IT">
+              <a:rPr lang="it-IT" dirty="0">
                 <a:cs typeface="Courier New" panose="02070309020205020404" pitchFamily="49" charset="0"/>
               </a:rPr>
               <a:t> </a:t>
             </a:r>
             <a:r>
-              <a:rPr lang="it-IT" err="1">
+              <a:rPr lang="it-IT" dirty="0" err="1">
                 <a:cs typeface="Courier New" panose="02070309020205020404" pitchFamily="49" charset="0"/>
               </a:rPr>
               <a:t>also</a:t>
             </a:r>
             <a:r>
-              <a:rPr lang="it-IT">
+              <a:rPr lang="it-IT" dirty="0">
                 <a:cs typeface="Courier New" panose="02070309020205020404" pitchFamily="49" charset="0"/>
               </a:rPr>
               <a:t> </a:t>
             </a:r>
             <a:r>
-              <a:rPr lang="it-IT" err="1">
+              <a:rPr lang="it-IT" dirty="0" err="1">
                 <a:cs typeface="Courier New" panose="02070309020205020404" pitchFamily="49" charset="0"/>
               </a:rPr>
               <a:t>keeps</a:t>
             </a:r>
             <a:r>
-              <a:rPr lang="it-IT">
+              <a:rPr lang="it-IT" dirty="0">
                 <a:cs typeface="Courier New" panose="02070309020205020404" pitchFamily="49" charset="0"/>
               </a:rPr>
               <a:t> track of the </a:t>
             </a:r>
             <a:r>
-              <a:rPr lang="it-IT" err="1">
+              <a:rPr lang="it-IT" dirty="0" err="1">
                 <a:cs typeface="Courier New" panose="02070309020205020404" pitchFamily="49" charset="0"/>
               </a:rPr>
               <a:t>path</a:t>
             </a:r>
             <a:r>
-              <a:rPr lang="it-IT">
+              <a:rPr lang="it-IT" dirty="0">
                 <a:cs typeface="Courier New" panose="02070309020205020404" pitchFamily="49" charset="0"/>
               </a:rPr>
               <a:t> in a list.</a:t>
@@ -8979,346 +10545,151 @@
           </a:p>
           <a:p>
             <a:r>
-              <a:rPr lang="it-IT">
+              <a:rPr lang="it-IT" dirty="0">
                 <a:latin typeface="Courier New" panose="02070309020205020404" pitchFamily="49" charset="0"/>
                 <a:cs typeface="Courier New" panose="02070309020205020404" pitchFamily="49" charset="0"/>
               </a:rPr>
               <a:t>learn_to_win.pl: </a:t>
             </a:r>
             <a:r>
-              <a:rPr lang="it-IT">
+              <a:rPr lang="it-IT" dirty="0">
                 <a:cs typeface="Courier New" panose="02070309020205020404" pitchFamily="49" charset="0"/>
               </a:rPr>
               <a:t>Solving the </a:t>
             </a:r>
             <a:r>
-              <a:rPr lang="it-IT" err="1">
+              <a:rPr lang="it-IT" dirty="0" err="1">
                 <a:cs typeface="Courier New" panose="02070309020205020404" pitchFamily="49" charset="0"/>
               </a:rPr>
               <a:t>Maze</a:t>
             </a:r>
             <a:r>
-              <a:rPr lang="it-IT">
+              <a:rPr lang="it-IT" dirty="0">
                 <a:cs typeface="Courier New" panose="02070309020205020404" pitchFamily="49" charset="0"/>
               </a:rPr>
               <a:t> </a:t>
             </a:r>
             <a:r>
-              <a:rPr lang="it-IT" err="1">
+              <a:rPr lang="it-IT" dirty="0" err="1">
                 <a:cs typeface="Courier New" panose="02070309020205020404" pitchFamily="49" charset="0"/>
               </a:rPr>
               <a:t>problem</a:t>
             </a:r>
             <a:r>
-              <a:rPr lang="it-IT">
+              <a:rPr lang="it-IT" dirty="0">
                 <a:cs typeface="Courier New" panose="02070309020205020404" pitchFamily="49" charset="0"/>
               </a:rPr>
               <a:t> </a:t>
             </a:r>
             <a:r>
-              <a:rPr lang="it-IT" err="1">
+              <a:rPr lang="it-IT" dirty="0" err="1">
                 <a:cs typeface="Courier New" panose="02070309020205020404" pitchFamily="49" charset="0"/>
               </a:rPr>
               <a:t>directly</a:t>
             </a:r>
             <a:r>
-              <a:rPr lang="it-IT">
+              <a:rPr lang="it-IT" dirty="0">
                 <a:cs typeface="Courier New" panose="02070309020205020404" pitchFamily="49" charset="0"/>
               </a:rPr>
               <a:t> </a:t>
             </a:r>
             <a:r>
-              <a:rPr lang="it-IT" err="1">
+              <a:rPr lang="it-IT" dirty="0" err="1">
                 <a:cs typeface="Courier New" panose="02070309020205020404" pitchFamily="49" charset="0"/>
               </a:rPr>
               <a:t>through</a:t>
             </a:r>
             <a:r>
-              <a:rPr lang="it-IT">
+              <a:rPr lang="it-IT" dirty="0">
                 <a:cs typeface="Courier New" panose="02070309020205020404" pitchFamily="49" charset="0"/>
               </a:rPr>
               <a:t> ILP. </a:t>
             </a:r>
             <a:r>
-              <a:rPr lang="it-IT" err="1">
+              <a:rPr lang="it-IT" dirty="0" err="1">
                 <a:cs typeface="Courier New" panose="02070309020205020404" pitchFamily="49" charset="0"/>
               </a:rPr>
               <a:t>Gives</a:t>
             </a:r>
             <a:r>
-              <a:rPr lang="it-IT">
+              <a:rPr lang="it-IT" dirty="0">
                 <a:cs typeface="Courier New" panose="02070309020205020404" pitchFamily="49" charset="0"/>
               </a:rPr>
               <a:t> a </a:t>
             </a:r>
             <a:r>
-              <a:rPr lang="it-IT" i="1">
+              <a:rPr lang="it-IT" i="1" dirty="0">
                 <a:cs typeface="Courier New" panose="02070309020205020404" pitchFamily="49" charset="0"/>
               </a:rPr>
               <a:t>«</a:t>
             </a:r>
             <a:r>
-              <a:rPr lang="it-IT" i="1" err="1">
+              <a:rPr lang="it-IT" i="1" dirty="0" err="1">
                 <a:cs typeface="Courier New" panose="02070309020205020404" pitchFamily="49" charset="0"/>
               </a:rPr>
               <a:t>sequence</a:t>
             </a:r>
             <a:r>
-              <a:rPr lang="it-IT" i="1">
+              <a:rPr lang="it-IT" i="1" dirty="0">
                 <a:cs typeface="Courier New" panose="02070309020205020404" pitchFamily="49" charset="0"/>
               </a:rPr>
               <a:t> of </a:t>
             </a:r>
             <a:r>
-              <a:rPr lang="it-IT" i="1" err="1">
+              <a:rPr lang="it-IT" i="1" dirty="0" err="1">
                 <a:cs typeface="Courier New" panose="02070309020205020404" pitchFamily="49" charset="0"/>
               </a:rPr>
               <a:t>predicates</a:t>
             </a:r>
             <a:r>
-              <a:rPr lang="it-IT" i="1">
+              <a:rPr lang="it-IT" i="1" dirty="0">
                 <a:cs typeface="Courier New" panose="02070309020205020404" pitchFamily="49" charset="0"/>
               </a:rPr>
               <a:t>» </a:t>
             </a:r>
             <a:r>
-              <a:rPr lang="it-IT">
+              <a:rPr lang="it-IT" dirty="0">
                 <a:cs typeface="Courier New" panose="02070309020205020404" pitchFamily="49" charset="0"/>
               </a:rPr>
               <a:t>to </a:t>
             </a:r>
             <a:r>
-              <a:rPr lang="it-IT" err="1">
+              <a:rPr lang="it-IT" dirty="0" err="1">
                 <a:cs typeface="Courier New" panose="02070309020205020404" pitchFamily="49" charset="0"/>
               </a:rPr>
               <a:t>reach</a:t>
             </a:r>
             <a:r>
-              <a:rPr lang="it-IT">
+              <a:rPr lang="it-IT" dirty="0">
                 <a:cs typeface="Courier New" panose="02070309020205020404" pitchFamily="49" charset="0"/>
               </a:rPr>
               <a:t> the goal </a:t>
             </a:r>
             <a:r>
-              <a:rPr lang="it-IT" err="1">
+              <a:rPr lang="it-IT" dirty="0" err="1">
                 <a:cs typeface="Courier New" panose="02070309020205020404" pitchFamily="49" charset="0"/>
               </a:rPr>
               <a:t>cell</a:t>
             </a:r>
             <a:r>
-              <a:rPr lang="it-IT">
+              <a:rPr lang="it-IT" dirty="0">
                 <a:cs typeface="Courier New" panose="02070309020205020404" pitchFamily="49" charset="0"/>
               </a:rPr>
               <a:t> from the start </a:t>
             </a:r>
             <a:r>
-              <a:rPr lang="it-IT" err="1">
+              <a:rPr lang="it-IT" dirty="0" err="1">
                 <a:cs typeface="Courier New" panose="02070309020205020404" pitchFamily="49" charset="0"/>
               </a:rPr>
               <a:t>cell</a:t>
             </a:r>
             <a:r>
-              <a:rPr lang="it-IT">
+              <a:rPr lang="it-IT" dirty="0">
                 <a:cs typeface="Courier New" panose="02070309020205020404" pitchFamily="49" charset="0"/>
               </a:rPr>
               <a:t>.</a:t>
             </a:r>
-            <a:endParaRPr lang="it-IT">
-              <a:latin typeface="Courier New" panose="02070309020205020404" pitchFamily="49" charset="0"/>
-              <a:cs typeface="Courier New" panose="02070309020205020404" pitchFamily="49" charset="0"/>
-            </a:endParaRPr>
-          </a:p>
-          <a:p>
-            <a:r>
-              <a:rPr lang="it-IT">
-                <a:latin typeface="Courier New" panose="02070309020205020404" pitchFamily="49" charset="0"/>
-                <a:cs typeface="Courier New" panose="02070309020205020404" pitchFamily="49" charset="0"/>
-              </a:rPr>
-              <a:t>reach_from_scratch.pl: </a:t>
-            </a:r>
-            <a:r>
-              <a:rPr lang="it-IT" err="1">
-                <a:cs typeface="Courier New" panose="02070309020205020404" pitchFamily="49" charset="0"/>
-              </a:rPr>
-              <a:t>Learns</a:t>
-            </a:r>
-            <a:r>
-              <a:rPr lang="it-IT">
-                <a:cs typeface="Courier New" panose="02070309020205020404" pitchFamily="49" charset="0"/>
-              </a:rPr>
-              <a:t> to </a:t>
-            </a:r>
-            <a:r>
-              <a:rPr lang="it-IT" err="1">
-                <a:cs typeface="Courier New" panose="02070309020205020404" pitchFamily="49" charset="0"/>
-              </a:rPr>
-              <a:t>move</a:t>
-            </a:r>
-            <a:r>
-              <a:rPr lang="it-IT">
-                <a:cs typeface="Courier New" panose="02070309020205020404" pitchFamily="49" charset="0"/>
-              </a:rPr>
-              <a:t> </a:t>
-            </a:r>
-            <a:r>
-              <a:rPr lang="it-IT" err="1">
-                <a:cs typeface="Courier New" panose="02070309020205020404" pitchFamily="49" charset="0"/>
-              </a:rPr>
-              <a:t>between</a:t>
-            </a:r>
-            <a:r>
-              <a:rPr lang="it-IT">
-                <a:cs typeface="Courier New" panose="02070309020205020404" pitchFamily="49" charset="0"/>
-              </a:rPr>
-              <a:t> </a:t>
-            </a:r>
-            <a:r>
-              <a:rPr lang="it-IT" err="1">
-                <a:cs typeface="Courier New" panose="02070309020205020404" pitchFamily="49" charset="0"/>
-              </a:rPr>
-              <a:t>distant</a:t>
-            </a:r>
-            <a:r>
-              <a:rPr lang="it-IT">
-                <a:cs typeface="Courier New" panose="02070309020205020404" pitchFamily="49" charset="0"/>
-              </a:rPr>
-              <a:t> </a:t>
-            </a:r>
-            <a:r>
-              <a:rPr lang="it-IT" err="1">
-                <a:cs typeface="Courier New" panose="02070309020205020404" pitchFamily="49" charset="0"/>
-              </a:rPr>
-              <a:t>cells</a:t>
-            </a:r>
-            <a:r>
-              <a:rPr lang="it-IT">
-                <a:cs typeface="Courier New" panose="02070309020205020404" pitchFamily="49" charset="0"/>
-              </a:rPr>
-              <a:t> </a:t>
-            </a:r>
-            <a:r>
-              <a:rPr lang="it-IT" err="1">
-                <a:cs typeface="Courier New" panose="02070309020205020404" pitchFamily="49" charset="0"/>
-              </a:rPr>
-              <a:t>but</a:t>
-            </a:r>
-            <a:r>
-              <a:rPr lang="it-IT">
-                <a:cs typeface="Courier New" panose="02070309020205020404" pitchFamily="49" charset="0"/>
-              </a:rPr>
-              <a:t> </a:t>
-            </a:r>
-            <a:r>
-              <a:rPr lang="it-IT" err="1">
-                <a:cs typeface="Courier New" panose="02070309020205020404" pitchFamily="49" charset="0"/>
-              </a:rPr>
-              <a:t>without</a:t>
-            </a:r>
-            <a:r>
-              <a:rPr lang="it-IT">
-                <a:cs typeface="Courier New" panose="02070309020205020404" pitchFamily="49" charset="0"/>
-              </a:rPr>
-              <a:t> </a:t>
-            </a:r>
-            <a:r>
-              <a:rPr lang="it-IT" err="1">
-                <a:cs typeface="Courier New" panose="02070309020205020404" pitchFamily="49" charset="0"/>
-              </a:rPr>
-              <a:t>knowing</a:t>
-            </a:r>
-            <a:r>
-              <a:rPr lang="it-IT">
-                <a:cs typeface="Courier New" panose="02070309020205020404" pitchFamily="49" charset="0"/>
-              </a:rPr>
-              <a:t> </a:t>
-            </a:r>
-            <a:r>
-              <a:rPr lang="it-IT" err="1">
-                <a:cs typeface="Courier New" panose="02070309020205020404" pitchFamily="49" charset="0"/>
-              </a:rPr>
-              <a:t>how</a:t>
-            </a:r>
-            <a:r>
-              <a:rPr lang="it-IT">
-                <a:cs typeface="Courier New" panose="02070309020205020404" pitchFamily="49" charset="0"/>
-              </a:rPr>
-              <a:t> to </a:t>
-            </a:r>
-            <a:r>
-              <a:rPr lang="it-IT" err="1">
-                <a:cs typeface="Courier New" panose="02070309020205020404" pitchFamily="49" charset="0"/>
-              </a:rPr>
-              <a:t>move</a:t>
-            </a:r>
-            <a:r>
-              <a:rPr lang="it-IT">
-                <a:cs typeface="Courier New" panose="02070309020205020404" pitchFamily="49" charset="0"/>
-              </a:rPr>
-              <a:t> </a:t>
-            </a:r>
-            <a:r>
-              <a:rPr lang="it-IT" err="1">
-                <a:cs typeface="Courier New" panose="02070309020205020404" pitchFamily="49" charset="0"/>
-              </a:rPr>
-              <a:t>between</a:t>
-            </a:r>
-            <a:r>
-              <a:rPr lang="it-IT">
-                <a:cs typeface="Courier New" panose="02070309020205020404" pitchFamily="49" charset="0"/>
-              </a:rPr>
-              <a:t> </a:t>
-            </a:r>
-            <a:r>
-              <a:rPr lang="it-IT" err="1">
-                <a:cs typeface="Courier New" panose="02070309020205020404" pitchFamily="49" charset="0"/>
-              </a:rPr>
-              <a:t>adjacent</a:t>
-            </a:r>
-            <a:r>
-              <a:rPr lang="it-IT">
-                <a:cs typeface="Courier New" panose="02070309020205020404" pitchFamily="49" charset="0"/>
-              </a:rPr>
-              <a:t>, </a:t>
-            </a:r>
-            <a:r>
-              <a:rPr lang="it-IT" err="1">
-                <a:cs typeface="Courier New" panose="02070309020205020404" pitchFamily="49" charset="0"/>
-              </a:rPr>
-              <a:t>legal</a:t>
-            </a:r>
-            <a:r>
-              <a:rPr lang="it-IT">
-                <a:cs typeface="Courier New" panose="02070309020205020404" pitchFamily="49" charset="0"/>
-              </a:rPr>
-              <a:t> </a:t>
-            </a:r>
-            <a:r>
-              <a:rPr lang="it-IT" err="1">
-                <a:cs typeface="Courier New" panose="02070309020205020404" pitchFamily="49" charset="0"/>
-              </a:rPr>
-              <a:t>cells</a:t>
-            </a:r>
-            <a:r>
-              <a:rPr lang="it-IT">
-                <a:cs typeface="Courier New" panose="02070309020205020404" pitchFamily="49" charset="0"/>
-              </a:rPr>
-              <a:t>. </a:t>
-            </a:r>
-            <a:r>
-              <a:rPr lang="it-IT" err="1">
-                <a:cs typeface="Courier New" panose="02070309020205020404" pitchFamily="49" charset="0"/>
-              </a:rPr>
-              <a:t>Examples</a:t>
-            </a:r>
-            <a:r>
-              <a:rPr lang="it-IT">
-                <a:cs typeface="Courier New" panose="02070309020205020404" pitchFamily="49" charset="0"/>
-              </a:rPr>
-              <a:t> are key.</a:t>
-            </a:r>
-          </a:p>
-          <a:p>
-            <a:endParaRPr lang="it-IT">
+            <a:endParaRPr lang="it-IT" dirty="0">
               <a:latin typeface="Courier New" panose="02070309020205020404" pitchFamily="49" charset="0"/>
               <a:cs typeface="Courier New" panose="02070309020205020404" pitchFamily="49" charset="0"/>
             </a:endParaRPr>
@@ -10271,7 +11642,7 @@
           <a:lstStyle/>
           <a:p>
             <a:r>
-              <a:rPr lang="it-IT" err="1"/>
+              <a:rPr lang="it-IT" dirty="0" err="1"/>
               <a:t>Metagol</a:t>
             </a:r>
             <a:endParaRPr lang="it-IT" dirty="0"/>
@@ -12588,7 +13959,15 @@
             </a:r>
             <a:r>
               <a:rPr lang="it-IT" sz="1600" dirty="0"/>
-              <a:t> one more </a:t>
+              <a:t> one </a:t>
+            </a:r>
+            <a:r>
+              <a:rPr lang="it-IT" sz="1600" dirty="0" err="1"/>
+              <a:t>added</a:t>
+            </a:r>
+            <a:r>
+              <a:rPr lang="it-IT" sz="1600" dirty="0"/>
+              <a:t> </a:t>
             </a:r>
             <a:r>
               <a:rPr lang="it-IT" sz="1600" dirty="0" err="1"/>
@@ -12604,7 +13983,7 @@
             </a:r>
             <a:r>
               <a:rPr lang="it-IT" sz="1600" dirty="0"/>
-              <a:t> one performance.</a:t>
+              <a:t> on the performance.</a:t>
             </a:r>
           </a:p>
           <a:p>
@@ -13114,4 +14493,299 @@
     </a:ext>
   </a:extLst>
 </a:theme>
+</file>
+
+<file path=ppt/theme/theme2.xml><?xml version="1.0" encoding="utf-8"?>
+<a:theme xmlns:a="http://schemas.openxmlformats.org/drawingml/2006/main" name="Tema di Office">
+  <a:themeElements>
+    <a:clrScheme name="Office">
+      <a:dk1>
+        <a:sysClr val="windowText" lastClr="000000"/>
+      </a:dk1>
+      <a:lt1>
+        <a:sysClr val="window" lastClr="FFFFFF"/>
+      </a:lt1>
+      <a:dk2>
+        <a:srgbClr val="44546A"/>
+      </a:dk2>
+      <a:lt2>
+        <a:srgbClr val="E7E6E6"/>
+      </a:lt2>
+      <a:accent1>
+        <a:srgbClr val="4472C4"/>
+      </a:accent1>
+      <a:accent2>
+        <a:srgbClr val="ED7D31"/>
+      </a:accent2>
+      <a:accent3>
+        <a:srgbClr val="A5A5A5"/>
+      </a:accent3>
+      <a:accent4>
+        <a:srgbClr val="FFC000"/>
+      </a:accent4>
+      <a:accent5>
+        <a:srgbClr val="5B9BD5"/>
+      </a:accent5>
+      <a:accent6>
+        <a:srgbClr val="70AD47"/>
+      </a:accent6>
+      <a:hlink>
+        <a:srgbClr val="0563C1"/>
+      </a:hlink>
+      <a:folHlink>
+        <a:srgbClr val="954F72"/>
+      </a:folHlink>
+    </a:clrScheme>
+    <a:fontScheme name="Office">
+      <a:majorFont>
+        <a:latin typeface="Calibri Light" panose="020F0302020204030204"/>
+        <a:ea typeface=""/>
+        <a:cs typeface=""/>
+        <a:font script="Jpan" typeface="游ゴシック Light"/>
+        <a:font script="Hang" typeface="맑은 고딕"/>
+        <a:font script="Hans" typeface="等线 Light"/>
+        <a:font script="Hant" typeface="新細明體"/>
+        <a:font script="Arab" typeface="Times New Roman"/>
+        <a:font script="Hebr" typeface="Times New Roman"/>
+        <a:font script="Thai" typeface="Angsana New"/>
+        <a:font script="Ethi" typeface="Nyala"/>
+        <a:font script="Beng" typeface="Vrinda"/>
+        <a:font script="Gujr" typeface="Shruti"/>
+        <a:font script="Khmr" typeface="MoolBoran"/>
+        <a:font script="Knda" typeface="Tunga"/>
+        <a:font script="Guru" typeface="Raavi"/>
+        <a:font script="Cans" typeface="Euphemia"/>
+        <a:font script="Cher" typeface="Plantagenet Cherokee"/>
+        <a:font script="Yiii" typeface="Microsoft Yi Baiti"/>
+        <a:font script="Tibt" typeface="Microsoft Himalaya"/>
+        <a:font script="Thaa" typeface="MV Boli"/>
+        <a:font script="Deva" typeface="Mangal"/>
+        <a:font script="Telu" typeface="Gautami"/>
+        <a:font script="Taml" typeface="Latha"/>
+        <a:font script="Syrc" typeface="Estrangelo Edessa"/>
+        <a:font script="Orya" typeface="Kalinga"/>
+        <a:font script="Mlym" typeface="Kartika"/>
+        <a:font script="Laoo" typeface="DokChampa"/>
+        <a:font script="Sinh" typeface="Iskoola Pota"/>
+        <a:font script="Mong" typeface="Mongolian Baiti"/>
+        <a:font script="Viet" typeface="Times New Roman"/>
+        <a:font script="Uigh" typeface="Microsoft Uighur"/>
+        <a:font script="Geor" typeface="Sylfaen"/>
+        <a:font script="Armn" typeface="Arial"/>
+        <a:font script="Bugi" typeface="Leelawadee UI"/>
+        <a:font script="Bopo" typeface="Microsoft JhengHei"/>
+        <a:font script="Java" typeface="Javanese Text"/>
+        <a:font script="Lisu" typeface="Segoe UI"/>
+        <a:font script="Mymr" typeface="Myanmar Text"/>
+        <a:font script="Nkoo" typeface="Ebrima"/>
+        <a:font script="Olck" typeface="Nirmala UI"/>
+        <a:font script="Osma" typeface="Ebrima"/>
+        <a:font script="Phag" typeface="Phagspa"/>
+        <a:font script="Syrn" typeface="Estrangelo Edessa"/>
+        <a:font script="Syrj" typeface="Estrangelo Edessa"/>
+        <a:font script="Syre" typeface="Estrangelo Edessa"/>
+        <a:font script="Sora" typeface="Nirmala UI"/>
+        <a:font script="Tale" typeface="Microsoft Tai Le"/>
+        <a:font script="Talu" typeface="Microsoft New Tai Lue"/>
+        <a:font script="Tfng" typeface="Ebrima"/>
+      </a:majorFont>
+      <a:minorFont>
+        <a:latin typeface="Calibri" panose="020F0502020204030204"/>
+        <a:ea typeface=""/>
+        <a:cs typeface=""/>
+        <a:font script="Jpan" typeface="游ゴシック"/>
+        <a:font script="Hang" typeface="맑은 고딕"/>
+        <a:font script="Hans" typeface="等线"/>
+        <a:font script="Hant" typeface="新細明體"/>
+        <a:font script="Arab" typeface="Arial"/>
+        <a:font script="Hebr" typeface="Arial"/>
+        <a:font script="Thai" typeface="Cordia New"/>
+        <a:font script="Ethi" typeface="Nyala"/>
+        <a:font script="Beng" typeface="Vrinda"/>
+        <a:font script="Gujr" typeface="Shruti"/>
+        <a:font script="Khmr" typeface="DaunPenh"/>
+        <a:font script="Knda" typeface="Tunga"/>
+        <a:font script="Guru" typeface="Raavi"/>
+        <a:font script="Cans" typeface="Euphemia"/>
+        <a:font script="Cher" typeface="Plantagenet Cherokee"/>
+        <a:font script="Yiii" typeface="Microsoft Yi Baiti"/>
+        <a:font script="Tibt" typeface="Microsoft Himalaya"/>
+        <a:font script="Thaa" typeface="MV Boli"/>
+        <a:font script="Deva" typeface="Mangal"/>
+        <a:font script="Telu" typeface="Gautami"/>
+        <a:font script="Taml" typeface="Latha"/>
+        <a:font script="Syrc" typeface="Estrangelo Edessa"/>
+        <a:font script="Orya" typeface="Kalinga"/>
+        <a:font script="Mlym" typeface="Kartika"/>
+        <a:font script="Laoo" typeface="DokChampa"/>
+        <a:font script="Sinh" typeface="Iskoola Pota"/>
+        <a:font script="Mong" typeface="Mongolian Baiti"/>
+        <a:font script="Viet" typeface="Arial"/>
+        <a:font script="Uigh" typeface="Microsoft Uighur"/>
+        <a:font script="Geor" typeface="Sylfaen"/>
+        <a:font script="Armn" typeface="Arial"/>
+        <a:font script="Bugi" typeface="Leelawadee UI"/>
+        <a:font script="Bopo" typeface="Microsoft JhengHei"/>
+        <a:font script="Java" typeface="Javanese Text"/>
+        <a:font script="Lisu" typeface="Segoe UI"/>
+        <a:font script="Mymr" typeface="Myanmar Text"/>
+        <a:font script="Nkoo" typeface="Ebrima"/>
+        <a:font script="Olck" typeface="Nirmala UI"/>
+        <a:font script="Osma" typeface="Ebrima"/>
+        <a:font script="Phag" typeface="Phagspa"/>
+        <a:font script="Syrn" typeface="Estrangelo Edessa"/>
+        <a:font script="Syrj" typeface="Estrangelo Edessa"/>
+        <a:font script="Syre" typeface="Estrangelo Edessa"/>
+        <a:font script="Sora" typeface="Nirmala UI"/>
+        <a:font script="Tale" typeface="Microsoft Tai Le"/>
+        <a:font script="Talu" typeface="Microsoft New Tai Lue"/>
+        <a:font script="Tfng" typeface="Ebrima"/>
+      </a:minorFont>
+    </a:fontScheme>
+    <a:fmtScheme name="Office">
+      <a:fillStyleLst>
+        <a:solidFill>
+          <a:schemeClr val="phClr"/>
+        </a:solidFill>
+        <a:gradFill rotWithShape="1">
+          <a:gsLst>
+            <a:gs pos="0">
+              <a:schemeClr val="phClr">
+                <a:lumMod val="110000"/>
+                <a:satMod val="105000"/>
+                <a:tint val="67000"/>
+              </a:schemeClr>
+            </a:gs>
+            <a:gs pos="50000">
+              <a:schemeClr val="phClr">
+                <a:lumMod val="105000"/>
+                <a:satMod val="103000"/>
+                <a:tint val="73000"/>
+              </a:schemeClr>
+            </a:gs>
+            <a:gs pos="100000">
+              <a:schemeClr val="phClr">
+                <a:lumMod val="105000"/>
+                <a:satMod val="109000"/>
+                <a:tint val="81000"/>
+              </a:schemeClr>
+            </a:gs>
+          </a:gsLst>
+          <a:lin ang="5400000" scaled="0"/>
+        </a:gradFill>
+        <a:gradFill rotWithShape="1">
+          <a:gsLst>
+            <a:gs pos="0">
+              <a:schemeClr val="phClr">
+                <a:satMod val="103000"/>
+                <a:lumMod val="102000"/>
+                <a:tint val="94000"/>
+              </a:schemeClr>
+            </a:gs>
+            <a:gs pos="50000">
+              <a:schemeClr val="phClr">
+                <a:satMod val="110000"/>
+                <a:lumMod val="100000"/>
+                <a:shade val="100000"/>
+              </a:schemeClr>
+            </a:gs>
+            <a:gs pos="100000">
+              <a:schemeClr val="phClr">
+                <a:lumMod val="99000"/>
+                <a:satMod val="120000"/>
+                <a:shade val="78000"/>
+              </a:schemeClr>
+            </a:gs>
+          </a:gsLst>
+          <a:lin ang="5400000" scaled="0"/>
+        </a:gradFill>
+      </a:fillStyleLst>
+      <a:lnStyleLst>
+        <a:ln w="6350" cap="flat" cmpd="sng" algn="ctr">
+          <a:solidFill>
+            <a:schemeClr val="phClr"/>
+          </a:solidFill>
+          <a:prstDash val="solid"/>
+          <a:miter lim="800000"/>
+        </a:ln>
+        <a:ln w="12700" cap="flat" cmpd="sng" algn="ctr">
+          <a:solidFill>
+            <a:schemeClr val="phClr"/>
+          </a:solidFill>
+          <a:prstDash val="solid"/>
+          <a:miter lim="800000"/>
+        </a:ln>
+        <a:ln w="19050" cap="flat" cmpd="sng" algn="ctr">
+          <a:solidFill>
+            <a:schemeClr val="phClr"/>
+          </a:solidFill>
+          <a:prstDash val="solid"/>
+          <a:miter lim="800000"/>
+        </a:ln>
+      </a:lnStyleLst>
+      <a:effectStyleLst>
+        <a:effectStyle>
+          <a:effectLst/>
+        </a:effectStyle>
+        <a:effectStyle>
+          <a:effectLst/>
+        </a:effectStyle>
+        <a:effectStyle>
+          <a:effectLst>
+            <a:outerShdw blurRad="57150" dist="19050" dir="5400000" algn="ctr" rotWithShape="0">
+              <a:srgbClr val="000000">
+                <a:alpha val="63000"/>
+              </a:srgbClr>
+            </a:outerShdw>
+          </a:effectLst>
+        </a:effectStyle>
+      </a:effectStyleLst>
+      <a:bgFillStyleLst>
+        <a:solidFill>
+          <a:schemeClr val="phClr"/>
+        </a:solidFill>
+        <a:solidFill>
+          <a:schemeClr val="phClr">
+            <a:tint val="95000"/>
+            <a:satMod val="170000"/>
+          </a:schemeClr>
+        </a:solidFill>
+        <a:gradFill rotWithShape="1">
+          <a:gsLst>
+            <a:gs pos="0">
+              <a:schemeClr val="phClr">
+                <a:tint val="93000"/>
+                <a:satMod val="150000"/>
+                <a:shade val="98000"/>
+                <a:lumMod val="102000"/>
+              </a:schemeClr>
+            </a:gs>
+            <a:gs pos="50000">
+              <a:schemeClr val="phClr">
+                <a:tint val="98000"/>
+                <a:satMod val="130000"/>
+                <a:shade val="90000"/>
+                <a:lumMod val="103000"/>
+              </a:schemeClr>
+            </a:gs>
+            <a:gs pos="100000">
+              <a:schemeClr val="phClr">
+                <a:shade val="63000"/>
+                <a:satMod val="120000"/>
+              </a:schemeClr>
+            </a:gs>
+          </a:gsLst>
+          <a:lin ang="5400000" scaled="0"/>
+        </a:gradFill>
+      </a:bgFillStyleLst>
+    </a:fmtScheme>
+  </a:themeElements>
+  <a:objectDefaults/>
+  <a:extraClrSchemeLst/>
+  <a:extLst>
+    <a:ext uri="{05A4C25C-085E-4340-85A3-A5531E510DB2}">
+      <thm15:themeFamily xmlns:thm15="http://schemas.microsoft.com/office/thememl/2012/main" name="Office Theme" id="{62F939B6-93AF-4DB8-9C6B-D6C7DFDC589F}" vid="{4A3C46E8-61CC-4603-A589-7422A47A8E4A}"/>
+    </a:ext>
+  </a:extLst>
+</a:theme>
 </file>
--- a/ATAI_Presentation.pptx
+++ b/ATAI_Presentation.pptx
@@ -903,7 +903,7 @@
   <pc:docChgLst>
     <pc:chgData name="Al ex" userId="1d73023b5acb93cf" providerId="LiveId" clId="{82F5C372-4CFF-44C5-9E84-8FD24BAA211C}"/>
     <pc:docChg chg="undo redo custSel addSld delSld modSld">
-      <pc:chgData name="Al ex" userId="1d73023b5acb93cf" providerId="LiveId" clId="{82F5C372-4CFF-44C5-9E84-8FD24BAA211C}" dt="2021-07-03T14:56:22.497" v="1589" actId="20577"/>
+      <pc:chgData name="Al ex" userId="1d73023b5acb93cf" providerId="LiveId" clId="{82F5C372-4CFF-44C5-9E84-8FD24BAA211C}" dt="2021-07-03T15:27:54.893" v="1622" actId="14"/>
       <pc:docMkLst>
         <pc:docMk/>
       </pc:docMkLst>
@@ -1182,7 +1182,7 @@
         </pc:picChg>
       </pc:sldChg>
       <pc:sldChg chg="addSp delSp modSp mod">
-        <pc:chgData name="Al ex" userId="1d73023b5acb93cf" providerId="LiveId" clId="{82F5C372-4CFF-44C5-9E84-8FD24BAA211C}" dt="2021-07-03T14:56:22.497" v="1589" actId="20577"/>
+        <pc:chgData name="Al ex" userId="1d73023b5acb93cf" providerId="LiveId" clId="{82F5C372-4CFF-44C5-9E84-8FD24BAA211C}" dt="2021-07-03T15:27:54.893" v="1622" actId="14"/>
         <pc:sldMkLst>
           <pc:docMk/>
           <pc:sldMk cId="1716667692" sldId="266"/>
@@ -1196,7 +1196,7 @@
           </ac:spMkLst>
         </pc:spChg>
         <pc:spChg chg="mod">
-          <ac:chgData name="Al ex" userId="1d73023b5acb93cf" providerId="LiveId" clId="{82F5C372-4CFF-44C5-9E84-8FD24BAA211C}" dt="2021-07-03T14:56:22.497" v="1589" actId="20577"/>
+          <ac:chgData name="Al ex" userId="1d73023b5acb93cf" providerId="LiveId" clId="{82F5C372-4CFF-44C5-9E84-8FD24BAA211C}" dt="2021-07-03T15:27:54.893" v="1622" actId="14"/>
           <ac:spMkLst>
             <pc:docMk/>
             <pc:sldMk cId="1716667692" sldId="266"/>
@@ -1417,7 +1417,7 @@
         </pc:picChg>
       </pc:sldChg>
       <pc:sldChg chg="addSp modSp new mod setBg">
-        <pc:chgData name="Al ex" userId="1d73023b5acb93cf" providerId="LiveId" clId="{82F5C372-4CFF-44C5-9E84-8FD24BAA211C}" dt="2021-07-03T14:40:48.382" v="1294" actId="20577"/>
+        <pc:chgData name="Al ex" userId="1d73023b5acb93cf" providerId="LiveId" clId="{82F5C372-4CFF-44C5-9E84-8FD24BAA211C}" dt="2021-07-03T15:26:24.493" v="1616" actId="20577"/>
         <pc:sldMkLst>
           <pc:docMk/>
           <pc:sldMk cId="2777569243" sldId="270"/>
@@ -1431,7 +1431,7 @@
           </ac:spMkLst>
         </pc:spChg>
         <pc:spChg chg="mod">
-          <ac:chgData name="Al ex" userId="1d73023b5acb93cf" providerId="LiveId" clId="{82F5C372-4CFF-44C5-9E84-8FD24BAA211C}" dt="2021-07-03T14:40:48.382" v="1294" actId="20577"/>
+          <ac:chgData name="Al ex" userId="1d73023b5acb93cf" providerId="LiveId" clId="{82F5C372-4CFF-44C5-9E84-8FD24BAA211C}" dt="2021-07-03T15:26:24.493" v="1616" actId="20577"/>
           <ac:spMkLst>
             <pc:docMk/>
             <pc:sldMk cId="2777569243" sldId="270"/>
@@ -9211,7 +9211,7 @@
         </p:spPr>
         <p:txBody>
           <a:bodyPr>
-            <a:normAutofit fontScale="92500" lnSpcReduction="20000"/>
+            <a:normAutofit fontScale="70000" lnSpcReduction="20000"/>
           </a:bodyPr>
           <a:lstStyle/>
           <a:p>
@@ -9443,14 +9443,14 @@
                 <a:latin typeface="Courier New" panose="02070309020205020404" pitchFamily="49" charset="0"/>
                 <a:cs typeface="Courier New" panose="02070309020205020404" pitchFamily="49" charset="0"/>
               </a:rPr>
-              <a:t>recursion</a:t>
+              <a:t>ident</a:t>
             </a:r>
             <a:r>
               <a:rPr lang="it-IT" sz="1400" dirty="0">
                 <a:latin typeface="Courier New" panose="02070309020205020404" pitchFamily="49" charset="0"/>
                 <a:cs typeface="Courier New" panose="02070309020205020404" pitchFamily="49" charset="0"/>
               </a:rPr>
-              <a:t>,[P,Q],[P,A,B],[[Q,A,C],[P,C,B]]).</a:t>
+              <a:t>,[P,Q],[P,A,B],[[Q,A,B]]).</a:t>
             </a:r>
           </a:p>
           <a:p>
@@ -9467,38 +9467,86 @@
                 <a:latin typeface="Courier New" panose="02070309020205020404" pitchFamily="49" charset="0"/>
                 <a:cs typeface="Courier New" panose="02070309020205020404" pitchFamily="49" charset="0"/>
               </a:rPr>
-              <a:t>(</a:t>
-            </a:r>
+              <a:t>(ident2,[P,Q],[P,A,B,[A,B]],[[Q,A,B]]).</a:t>
+            </a:r>
+          </a:p>
+          <a:p>
+            <a:pPr lvl="1"/>
             <a:r>
               <a:rPr lang="it-IT" sz="1400" dirty="0" err="1">
                 <a:latin typeface="Courier New" panose="02070309020205020404" pitchFamily="49" charset="0"/>
                 <a:cs typeface="Courier New" panose="02070309020205020404" pitchFamily="49" charset="0"/>
               </a:rPr>
-              <a:t>ident</a:t>
+              <a:t>metarule</a:t>
             </a:r>
             <a:r>
               <a:rPr lang="it-IT" sz="1400" dirty="0">
                 <a:latin typeface="Courier New" panose="02070309020205020404" pitchFamily="49" charset="0"/>
                 <a:cs typeface="Courier New" panose="02070309020205020404" pitchFamily="49" charset="0"/>
               </a:rPr>
-              <a:t>,[P,Q],[P,A,B],[[Q,A,B]]).</a:t>
-            </a:r>
-          </a:p>
-          <a:p>
-            <a:r>
-              <a:rPr lang="it-IT" sz="1400" b="1" dirty="0">
+              <a:t>(</a:t>
+            </a:r>
+            <a:r>
+              <a:rPr lang="it-IT" sz="1400" dirty="0" err="1">
+                <a:latin typeface="Courier New" panose="02070309020205020404" pitchFamily="49" charset="0"/>
+                <a:cs typeface="Courier New" panose="02070309020205020404" pitchFamily="49" charset="0"/>
+              </a:rPr>
+              <a:t>prepostcon</a:t>
+            </a:r>
+            <a:r>
+              <a:rPr lang="it-IT" sz="1400" dirty="0">
+                <a:latin typeface="Courier New" panose="02070309020205020404" pitchFamily="49" charset="0"/>
+                <a:cs typeface="Courier New" panose="02070309020205020404" pitchFamily="49" charset="0"/>
+              </a:rPr>
+              <a:t>,[P,Q,R],[P,A,B],[[R,B],[Q,A,B]]).</a:t>
+            </a:r>
+          </a:p>
+          <a:p>
+            <a:pPr lvl="1"/>
+            <a:r>
+              <a:rPr lang="it-IT" sz="1400" dirty="0" err="1">
+                <a:latin typeface="Courier New" panose="02070309020205020404" pitchFamily="49" charset="0"/>
+                <a:cs typeface="Courier New" panose="02070309020205020404" pitchFamily="49" charset="0"/>
+              </a:rPr>
+              <a:t>metarule</a:t>
+            </a:r>
+            <a:r>
+              <a:rPr lang="it-IT" sz="1400" dirty="0">
+                <a:latin typeface="Courier New" panose="02070309020205020404" pitchFamily="49" charset="0"/>
+                <a:cs typeface="Courier New" panose="02070309020205020404" pitchFamily="49" charset="0"/>
+              </a:rPr>
+              <a:t>(</a:t>
+            </a:r>
+            <a:r>
+              <a:rPr lang="it-IT" sz="1400" dirty="0" err="1">
+                <a:latin typeface="Courier New" panose="02070309020205020404" pitchFamily="49" charset="0"/>
+                <a:cs typeface="Courier New" panose="02070309020205020404" pitchFamily="49" charset="0"/>
+              </a:rPr>
+              <a:t>recursion</a:t>
+            </a:r>
+            <a:r>
+              <a:rPr lang="it-IT" sz="1400" dirty="0">
+                <a:latin typeface="Courier New" panose="02070309020205020404" pitchFamily="49" charset="0"/>
+                <a:cs typeface="Courier New" panose="02070309020205020404" pitchFamily="49" charset="0"/>
+              </a:rPr>
+              <a:t>,[P,Q,R],[P,A,B,[A|L1]],[[R,B],[Q,A,C],[R,C],[P,C,B,L1]]).</a:t>
+            </a:r>
+          </a:p>
+          <a:p>
+            <a:r>
+              <a:rPr lang="it-IT" sz="1600" b="1" dirty="0">
                 <a:cs typeface="Courier New" panose="02070309020205020404" pitchFamily="49" charset="0"/>
               </a:rPr>
               <a:t>Positive </a:t>
             </a:r>
             <a:r>
-              <a:rPr lang="it-IT" sz="1400" b="1" dirty="0" err="1">
+              <a:rPr lang="it-IT" sz="1600" b="1" dirty="0" err="1">
                 <a:cs typeface="Courier New" panose="02070309020205020404" pitchFamily="49" charset="0"/>
               </a:rPr>
               <a:t>examples</a:t>
             </a:r>
             <a:r>
-              <a:rPr lang="it-IT" sz="1400" b="1" dirty="0">
+              <a:rPr lang="it-IT" sz="1600" b="1" dirty="0">
                 <a:cs typeface="Courier New" panose="02070309020205020404" pitchFamily="49" charset="0"/>
               </a:rPr>
               <a:t>:</a:t>
@@ -10010,25 +10058,11 @@
               <a:buNone/>
             </a:pPr>
             <a:r>
-              <a:rPr lang="en-US" dirty="0">
+              <a:rPr lang="en-US" sz="1200" dirty="0">
                 <a:latin typeface="Courier New" panose="02070309020205020404" pitchFamily="49" charset="0"/>
                 <a:cs typeface="Courier New" panose="02070309020205020404" pitchFamily="49" charset="0"/>
               </a:rPr>
-              <a:t>reach(A,B):-</a:t>
-            </a:r>
-            <a:r>
-              <a:rPr lang="en-US" dirty="0" err="1">
-                <a:latin typeface="Courier New" panose="02070309020205020404" pitchFamily="49" charset="0"/>
-                <a:cs typeface="Courier New" panose="02070309020205020404" pitchFamily="49" charset="0"/>
-              </a:rPr>
-              <a:t>legal_position</a:t>
-            </a:r>
-            <a:r>
-              <a:rPr lang="en-US" dirty="0">
-                <a:latin typeface="Courier New" panose="02070309020205020404" pitchFamily="49" charset="0"/>
-                <a:cs typeface="Courier New" panose="02070309020205020404" pitchFamily="49" charset="0"/>
-              </a:rPr>
-              <a:t>(B),reach_1(A,B).</a:t>
+              <a:t>reach(A,B,[A,B]):-reach_1(A,B).</a:t>
             </a:r>
           </a:p>
           <a:p>
@@ -10036,25 +10070,25 @@
               <a:buNone/>
             </a:pPr>
             <a:r>
-              <a:rPr lang="en-US" dirty="0">
+              <a:rPr lang="en-US" sz="1200" dirty="0">
                 <a:latin typeface="Courier New" panose="02070309020205020404" pitchFamily="49" charset="0"/>
                 <a:cs typeface="Courier New" panose="02070309020205020404" pitchFamily="49" charset="0"/>
               </a:rPr>
               <a:t>reach_1(A,B):-</a:t>
             </a:r>
             <a:r>
-              <a:rPr lang="en-US" dirty="0" err="1">
+              <a:rPr lang="en-US" sz="1200" dirty="0" err="1">
                 <a:latin typeface="Courier New" panose="02070309020205020404" pitchFamily="49" charset="0"/>
                 <a:cs typeface="Courier New" panose="02070309020205020404" pitchFamily="49" charset="0"/>
               </a:rPr>
-              <a:t>inc_x</a:t>
-            </a:r>
-            <a:r>
-              <a:rPr lang="en-US" dirty="0">
+              <a:t>legal_position</a:t>
+            </a:r>
+            <a:r>
+              <a:rPr lang="en-US" sz="1200" dirty="0">
                 <a:latin typeface="Courier New" panose="02070309020205020404" pitchFamily="49" charset="0"/>
                 <a:cs typeface="Courier New" panose="02070309020205020404" pitchFamily="49" charset="0"/>
               </a:rPr>
-              <a:t>(A,B).</a:t>
+              <a:t>(B),reach_2(A,B).</a:t>
             </a:r>
           </a:p>
           <a:p>
@@ -10062,21 +10096,21 @@
               <a:buNone/>
             </a:pPr>
             <a:r>
-              <a:rPr lang="en-US" dirty="0">
+              <a:rPr lang="en-US" sz="1200" dirty="0">
                 <a:latin typeface="Courier New" panose="02070309020205020404" pitchFamily="49" charset="0"/>
                 <a:cs typeface="Courier New" panose="02070309020205020404" pitchFamily="49" charset="0"/>
               </a:rPr>
-              <a:t>reach_1(A,B):-</a:t>
-            </a:r>
-            <a:r>
-              <a:rPr lang="en-US" dirty="0" err="1">
+              <a:t>reach_2(A,B):-</a:t>
+            </a:r>
+            <a:r>
+              <a:rPr lang="en-US" sz="1200" dirty="0" err="1">
                 <a:latin typeface="Courier New" panose="02070309020205020404" pitchFamily="49" charset="0"/>
                 <a:cs typeface="Courier New" panose="02070309020205020404" pitchFamily="49" charset="0"/>
               </a:rPr>
-              <a:t>dec_y</a:t>
-            </a:r>
-            <a:r>
-              <a:rPr lang="en-US" dirty="0">
+              <a:t>inc_x</a:t>
+            </a:r>
+            <a:r>
+              <a:rPr lang="en-US" sz="1200" dirty="0">
                 <a:latin typeface="Courier New" panose="02070309020205020404" pitchFamily="49" charset="0"/>
                 <a:cs typeface="Courier New" panose="02070309020205020404" pitchFamily="49" charset="0"/>
               </a:rPr>
@@ -10088,21 +10122,21 @@
               <a:buNone/>
             </a:pPr>
             <a:r>
-              <a:rPr lang="en-US" dirty="0">
+              <a:rPr lang="en-US" sz="1200" dirty="0">
                 <a:latin typeface="Courier New" panose="02070309020205020404" pitchFamily="49" charset="0"/>
                 <a:cs typeface="Courier New" panose="02070309020205020404" pitchFamily="49" charset="0"/>
               </a:rPr>
-              <a:t>reach_1(A,B):-</a:t>
-            </a:r>
-            <a:r>
-              <a:rPr lang="en-US" dirty="0" err="1">
+              <a:t>reach_2(A,B):-</a:t>
+            </a:r>
+            <a:r>
+              <a:rPr lang="en-US" sz="1200" dirty="0" err="1">
                 <a:latin typeface="Courier New" panose="02070309020205020404" pitchFamily="49" charset="0"/>
                 <a:cs typeface="Courier New" panose="02070309020205020404" pitchFamily="49" charset="0"/>
               </a:rPr>
-              <a:t>inc_y</a:t>
-            </a:r>
-            <a:r>
-              <a:rPr lang="en-US" dirty="0">
+              <a:t>dec_y</a:t>
+            </a:r>
+            <a:r>
+              <a:rPr lang="en-US" sz="1200" dirty="0">
                 <a:latin typeface="Courier New" panose="02070309020205020404" pitchFamily="49" charset="0"/>
                 <a:cs typeface="Courier New" panose="02070309020205020404" pitchFamily="49" charset="0"/>
               </a:rPr>
@@ -10114,21 +10148,21 @@
               <a:buNone/>
             </a:pPr>
             <a:r>
-              <a:rPr lang="en-US" dirty="0">
+              <a:rPr lang="en-US" sz="1200" dirty="0">
                 <a:latin typeface="Courier New" panose="02070309020205020404" pitchFamily="49" charset="0"/>
                 <a:cs typeface="Courier New" panose="02070309020205020404" pitchFamily="49" charset="0"/>
               </a:rPr>
-              <a:t>reach_1(A,B):-</a:t>
-            </a:r>
-            <a:r>
-              <a:rPr lang="en-US" dirty="0" err="1">
+              <a:t>reach_2(A,B):-</a:t>
+            </a:r>
+            <a:r>
+              <a:rPr lang="en-US" sz="1200" dirty="0" err="1">
                 <a:latin typeface="Courier New" panose="02070309020205020404" pitchFamily="49" charset="0"/>
                 <a:cs typeface="Courier New" panose="02070309020205020404" pitchFamily="49" charset="0"/>
               </a:rPr>
-              <a:t>dec_x</a:t>
-            </a:r>
-            <a:r>
-              <a:rPr lang="en-US" dirty="0">
+              <a:t>inc_y</a:t>
+            </a:r>
+            <a:r>
+              <a:rPr lang="en-US" sz="1200" dirty="0">
                 <a:latin typeface="Courier New" panose="02070309020205020404" pitchFamily="49" charset="0"/>
                 <a:cs typeface="Courier New" panose="02070309020205020404" pitchFamily="49" charset="0"/>
               </a:rPr>
@@ -10140,44 +10174,66 @@
               <a:buNone/>
             </a:pPr>
             <a:r>
-              <a:rPr lang="en-US" dirty="0">
+              <a:rPr lang="en-US" sz="1200" dirty="0">
                 <a:latin typeface="Courier New" panose="02070309020205020404" pitchFamily="49" charset="0"/>
                 <a:cs typeface="Courier New" panose="02070309020205020404" pitchFamily="49" charset="0"/>
               </a:rPr>
-              <a:t>reach(A,B):-</a:t>
-            </a:r>
-            <a:r>
-              <a:rPr lang="en-US" dirty="0" err="1">
+              <a:t>reach_2(A,B):-</a:t>
+            </a:r>
+            <a:r>
+              <a:rPr lang="en-US" sz="1200" dirty="0" err="1">
                 <a:latin typeface="Courier New" panose="02070309020205020404" pitchFamily="49" charset="0"/>
                 <a:cs typeface="Courier New" panose="02070309020205020404" pitchFamily="49" charset="0"/>
               </a:rPr>
+              <a:t>dec_x</a:t>
+            </a:r>
+            <a:r>
+              <a:rPr lang="en-US" sz="1200" dirty="0">
+                <a:latin typeface="Courier New" panose="02070309020205020404" pitchFamily="49" charset="0"/>
+                <a:cs typeface="Courier New" panose="02070309020205020404" pitchFamily="49" charset="0"/>
+              </a:rPr>
+              <a:t>(A,B).</a:t>
+            </a:r>
+          </a:p>
+          <a:p>
+            <a:pPr marL="274320" lvl="1" indent="0">
+              <a:buNone/>
+            </a:pPr>
+            <a:r>
+              <a:rPr lang="en-US" sz="1200" dirty="0">
+                <a:latin typeface="Courier New" panose="02070309020205020404" pitchFamily="49" charset="0"/>
+                <a:cs typeface="Courier New" panose="02070309020205020404" pitchFamily="49" charset="0"/>
+              </a:rPr>
+              <a:t>reach(A,B,[A|C]):-</a:t>
+            </a:r>
+            <a:r>
+              <a:rPr lang="en-US" sz="1200" dirty="0" err="1">
+                <a:latin typeface="Courier New" panose="02070309020205020404" pitchFamily="49" charset="0"/>
+                <a:cs typeface="Courier New" panose="02070309020205020404" pitchFamily="49" charset="0"/>
+              </a:rPr>
               <a:t>legal_position</a:t>
             </a:r>
             <a:r>
-              <a:rPr lang="en-US" dirty="0">
+              <a:rPr lang="en-US" sz="1200" dirty="0">
                 <a:latin typeface="Courier New" panose="02070309020205020404" pitchFamily="49" charset="0"/>
                 <a:cs typeface="Courier New" panose="02070309020205020404" pitchFamily="49" charset="0"/>
               </a:rPr>
-              <a:t>(B),reach_1(A,C),</a:t>
-            </a:r>
-            <a:r>
-              <a:rPr lang="en-US" dirty="0" err="1">
+              <a:t>(B),reach_2(A,D),</a:t>
+            </a:r>
+            <a:r>
+              <a:rPr lang="en-US" sz="1200" dirty="0" err="1">
                 <a:latin typeface="Courier New" panose="02070309020205020404" pitchFamily="49" charset="0"/>
                 <a:cs typeface="Courier New" panose="02070309020205020404" pitchFamily="49" charset="0"/>
               </a:rPr>
               <a:t>legal_position</a:t>
             </a:r>
             <a:r>
-              <a:rPr lang="en-US" dirty="0">
+              <a:rPr lang="en-US" sz="1200" dirty="0">
                 <a:latin typeface="Courier New" panose="02070309020205020404" pitchFamily="49" charset="0"/>
                 <a:cs typeface="Courier New" panose="02070309020205020404" pitchFamily="49" charset="0"/>
               </a:rPr>
-              <a:t>(C),reach(C,B).</a:t>
-            </a:r>
-            <a:endParaRPr lang="it-IT" dirty="0">
-              <a:latin typeface="Courier New" panose="02070309020205020404" pitchFamily="49" charset="0"/>
-              <a:cs typeface="Courier New" panose="02070309020205020404" pitchFamily="49" charset="0"/>
-            </a:endParaRPr>
+              <a:t>(D),reach(D,B,C).</a:t>
+            </a:r>
           </a:p>
           <a:p>
             <a:r>
@@ -10216,16 +10272,12 @@
               <a:t>move</a:t>
             </a:r>
             <a:r>
-              <a:rPr lang="it-IT">
+              <a:rPr lang="it-IT" dirty="0">
                 <a:latin typeface="Courier New" panose="02070309020205020404" pitchFamily="49" charset="0"/>
                 <a:cs typeface="Courier New" panose="02070309020205020404" pitchFamily="49" charset="0"/>
               </a:rPr>
               <a:t>/2.</a:t>
             </a:r>
-            <a:endParaRPr lang="it-IT" dirty="0">
-              <a:latin typeface="Courier New" panose="02070309020205020404" pitchFamily="49" charset="0"/>
-              <a:cs typeface="Courier New" panose="02070309020205020404" pitchFamily="49" charset="0"/>
-            </a:endParaRPr>
           </a:p>
         </p:txBody>
       </p:sp>

--- a/ATAI_Presentation.pptx
+++ b/ATAI_Presentation.pptx
@@ -5,7 +5,7 @@
     <p:sldMasterId id="2147483660" r:id="rId1"/>
   </p:sldMasterIdLst>
   <p:notesMasterIdLst>
-    <p:notesMasterId r:id="rId28"/>
+    <p:notesMasterId r:id="rId29"/>
   </p:notesMasterIdLst>
   <p:sldIdLst>
     <p:sldId id="256" r:id="rId2"/>
@@ -19,21 +19,22 @@
     <p:sldId id="281" r:id="rId10"/>
     <p:sldId id="282" r:id="rId11"/>
     <p:sldId id="283" r:id="rId12"/>
-    <p:sldId id="284" r:id="rId13"/>
-    <p:sldId id="261" r:id="rId14"/>
-    <p:sldId id="262" r:id="rId15"/>
-    <p:sldId id="263" r:id="rId16"/>
-    <p:sldId id="264" r:id="rId17"/>
-    <p:sldId id="279" r:id="rId18"/>
-    <p:sldId id="265" r:id="rId19"/>
-    <p:sldId id="270" r:id="rId20"/>
-    <p:sldId id="266" r:id="rId21"/>
-    <p:sldId id="267" r:id="rId22"/>
-    <p:sldId id="285" r:id="rId23"/>
-    <p:sldId id="286" r:id="rId24"/>
-    <p:sldId id="287" r:id="rId25"/>
-    <p:sldId id="288" r:id="rId26"/>
-    <p:sldId id="292" r:id="rId27"/>
+    <p:sldId id="293" r:id="rId13"/>
+    <p:sldId id="284" r:id="rId14"/>
+    <p:sldId id="261" r:id="rId15"/>
+    <p:sldId id="262" r:id="rId16"/>
+    <p:sldId id="263" r:id="rId17"/>
+    <p:sldId id="264" r:id="rId18"/>
+    <p:sldId id="279" r:id="rId19"/>
+    <p:sldId id="265" r:id="rId20"/>
+    <p:sldId id="270" r:id="rId21"/>
+    <p:sldId id="266" r:id="rId22"/>
+    <p:sldId id="267" r:id="rId23"/>
+    <p:sldId id="285" r:id="rId24"/>
+    <p:sldId id="286" r:id="rId25"/>
+    <p:sldId id="287" r:id="rId26"/>
+    <p:sldId id="288" r:id="rId27"/>
+    <p:sldId id="292" r:id="rId28"/>
   </p:sldIdLst>
   <p:sldSz cx="12192000" cy="6858000"/>
   <p:notesSz cx="6858000" cy="9144000"/>
@@ -144,7 +145,7 @@
 <p1510:revInfo xmlns:a="http://schemas.openxmlformats.org/drawingml/2006/main" xmlns:r="http://schemas.openxmlformats.org/officeDocument/2006/relationships" xmlns:p1510="http://schemas.microsoft.com/office/powerpoint/2015/10/main">
   <p1510:revLst>
     <p1510:client id="{82F5C372-4CFF-44C5-9E84-8FD24BAA211C}" v="34" dt="2021-07-03T14:49:35.928"/>
-    <p1510:client id="{A99E2092-6289-4F05-ABB0-BFCB1DB98601}" v="56" dt="2021-07-04T09:26:26.599"/>
+    <p1510:client id="{A99E2092-6289-4F05-ABB0-BFCB1DB98601}" v="57" dt="2021-07-04T12:16:00.813"/>
   </p1510:revLst>
 </p1510:revInfo>
 </file>
@@ -154,7 +155,7 @@
   <pc:docChgLst>
     <pc:chgData name="Al ex" userId="1d73023b5acb93cf" providerId="LiveId" clId="{A99E2092-6289-4F05-ABB0-BFCB1DB98601}"/>
     <pc:docChg chg="undo redo custSel addSld delSld modSld">
-      <pc:chgData name="Al ex" userId="1d73023b5acb93cf" providerId="LiveId" clId="{A99E2092-6289-4F05-ABB0-BFCB1DB98601}" dt="2021-07-04T09:28:02.559" v="1011" actId="1035"/>
+      <pc:chgData name="Al ex" userId="1d73023b5acb93cf" providerId="LiveId" clId="{A99E2092-6289-4F05-ABB0-BFCB1DB98601}" dt="2021-07-04T12:40:16.328" v="1252" actId="20577"/>
       <pc:docMkLst>
         <pc:docMk/>
       </pc:docMkLst>
@@ -253,7 +254,7 @@
         </pc:picChg>
       </pc:sldChg>
       <pc:sldChg chg="addSp delSp modSp mod">
-        <pc:chgData name="Al ex" userId="1d73023b5acb93cf" providerId="LiveId" clId="{A99E2092-6289-4F05-ABB0-BFCB1DB98601}" dt="2021-07-04T08:38:55.769" v="121" actId="26606"/>
+        <pc:chgData name="Al ex" userId="1d73023b5acb93cf" providerId="LiveId" clId="{A99E2092-6289-4F05-ABB0-BFCB1DB98601}" dt="2021-07-04T12:30:58.365" v="1209" actId="20577"/>
         <pc:sldMkLst>
           <pc:docMk/>
           <pc:sldMk cId="986449292" sldId="264"/>
@@ -267,7 +268,7 @@
           </ac:spMkLst>
         </pc:spChg>
         <pc:spChg chg="mod">
-          <ac:chgData name="Al ex" userId="1d73023b5acb93cf" providerId="LiveId" clId="{A99E2092-6289-4F05-ABB0-BFCB1DB98601}" dt="2021-07-04T08:38:55.769" v="121" actId="26606"/>
+          <ac:chgData name="Al ex" userId="1d73023b5acb93cf" providerId="LiveId" clId="{A99E2092-6289-4F05-ABB0-BFCB1DB98601}" dt="2021-07-04T12:30:58.365" v="1209" actId="20577"/>
           <ac:spMkLst>
             <pc:docMk/>
             <pc:sldMk cId="986449292" sldId="264"/>
@@ -355,7 +356,7 @@
         </pc:picChg>
       </pc:sldChg>
       <pc:sldChg chg="addSp delSp modSp mod">
-        <pc:chgData name="Al ex" userId="1d73023b5acb93cf" providerId="LiveId" clId="{A99E2092-6289-4F05-ABB0-BFCB1DB98601}" dt="2021-07-04T08:45:05.390" v="210" actId="20577"/>
+        <pc:chgData name="Al ex" userId="1d73023b5acb93cf" providerId="LiveId" clId="{A99E2092-6289-4F05-ABB0-BFCB1DB98601}" dt="2021-07-04T12:40:16.328" v="1252" actId="20577"/>
         <pc:sldMkLst>
           <pc:docMk/>
           <pc:sldMk cId="1716667692" sldId="266"/>
@@ -369,7 +370,7 @@
           </ac:spMkLst>
         </pc:spChg>
         <pc:spChg chg="mod">
-          <ac:chgData name="Al ex" userId="1d73023b5acb93cf" providerId="LiveId" clId="{A99E2092-6289-4F05-ABB0-BFCB1DB98601}" dt="2021-07-04T08:45:05.390" v="210" actId="20577"/>
+          <ac:chgData name="Al ex" userId="1d73023b5acb93cf" providerId="LiveId" clId="{A99E2092-6289-4F05-ABB0-BFCB1DB98601}" dt="2021-07-04T12:40:16.328" v="1252" actId="20577"/>
           <ac:spMkLst>
             <pc:docMk/>
             <pc:sldMk cId="1716667692" sldId="266"/>
@@ -1435,6 +1436,20 @@
             <ac:spMk id="18" creationId="{435050B1-74E1-4A81-923D-0F5971A3BC01}"/>
           </ac:spMkLst>
         </pc:spChg>
+      </pc:sldChg>
+      <pc:sldChg chg="add">
+        <pc:chgData name="Al ex" userId="1d73023b5acb93cf" providerId="LiveId" clId="{A99E2092-6289-4F05-ABB0-BFCB1DB98601}" dt="2021-07-04T12:16:00.808" v="1012"/>
+        <pc:sldMkLst>
+          <pc:docMk/>
+          <pc:sldMk cId="3444319090" sldId="293"/>
+        </pc:sldMkLst>
+      </pc:sldChg>
+      <pc:sldChg chg="new del">
+        <pc:chgData name="Al ex" userId="1d73023b5acb93cf" providerId="LiveId" clId="{A99E2092-6289-4F05-ABB0-BFCB1DB98601}" dt="2021-07-04T12:37:12.937" v="1211" actId="2696"/>
+        <pc:sldMkLst>
+          <pc:docMk/>
+          <pc:sldMk cId="994004367" sldId="294"/>
+        </pc:sldMkLst>
       </pc:sldChg>
     </pc:docChg>
   </pc:docChgLst>
@@ -8717,7 +8732,7 @@
           <a:p>
             <a:fld id="{E1391FC2-2B4E-4A7E-8BBB-15E72A9EB064}" type="slidenum">
               <a:rPr lang="it-IT" smtClean="0"/>
-              <a:t>20</a:t>
+              <a:t>21</a:t>
             </a:fld>
             <a:endParaRPr lang="it-IT"/>
           </a:p>
@@ -13549,6 +13564,218 @@
 <file path=ppt/slides/slide12.xml><?xml version="1.0" encoding="utf-8"?>
 <p:sld xmlns:a="http://schemas.openxmlformats.org/drawingml/2006/main" xmlns:r="http://schemas.openxmlformats.org/officeDocument/2006/relationships" xmlns:p="http://schemas.openxmlformats.org/presentationml/2006/main">
   <p:cSld>
+    <p:spTree>
+      <p:nvGrpSpPr>
+        <p:cNvPr id="1" name=""/>
+        <p:cNvGrpSpPr/>
+        <p:nvPr/>
+      </p:nvGrpSpPr>
+      <p:grpSpPr>
+        <a:xfrm>
+          <a:off x="0" y="0"/>
+          <a:ext cx="0" cy="0"/>
+          <a:chOff x="0" y="0"/>
+          <a:chExt cx="0" cy="0"/>
+        </a:xfrm>
+      </p:grpSpPr>
+      <p:pic>
+        <p:nvPicPr>
+          <p:cNvPr id="4" name="Picture 4" descr="Maze">
+            <a:extLst>
+              <a:ext uri="{FF2B5EF4-FFF2-40B4-BE49-F238E27FC236}">
+                <a16:creationId xmlns:a16="http://schemas.microsoft.com/office/drawing/2014/main" id="{15FFD1B1-AEEE-4EE4-9047-6C67FEA2BDA9}"/>
+              </a:ext>
+            </a:extLst>
+          </p:cNvPr>
+          <p:cNvPicPr>
+            <a:picLocks noChangeAspect="1"/>
+          </p:cNvPicPr>
+          <p:nvPr/>
+        </p:nvPicPr>
+        <p:blipFill rotWithShape="1">
+          <a:blip r:embed="rId2">
+            <a:duotone>
+              <a:schemeClr val="bg2">
+                <a:shade val="45000"/>
+                <a:satMod val="135000"/>
+              </a:schemeClr>
+              <a:prstClr val="white"/>
+            </a:duotone>
+            <a:alphaModFix amt="25000"/>
+          </a:blip>
+          <a:srcRect t="9021"/>
+          <a:stretch/>
+        </p:blipFill>
+        <p:spPr>
+          <a:xfrm>
+            <a:off x="20" y="10"/>
+            <a:ext cx="11292820" cy="6857990"/>
+          </a:xfrm>
+          <a:prstGeom prst="rect">
+            <a:avLst/>
+          </a:prstGeom>
+        </p:spPr>
+      </p:pic>
+      <p:sp>
+        <p:nvSpPr>
+          <p:cNvPr id="2" name="Titolo 1">
+            <a:extLst>
+              <a:ext uri="{FF2B5EF4-FFF2-40B4-BE49-F238E27FC236}">
+                <a16:creationId xmlns:a16="http://schemas.microsoft.com/office/drawing/2014/main" id="{0A12707C-3206-4993-9DBE-17D9EACB1C00}"/>
+              </a:ext>
+            </a:extLst>
+          </p:cNvPr>
+          <p:cNvSpPr>
+            <a:spLocks noGrp="1"/>
+          </p:cNvSpPr>
+          <p:nvPr>
+            <p:ph type="title"/>
+          </p:nvPr>
+        </p:nvSpPr>
+        <p:spPr>
+          <a:xfrm>
+            <a:off x="1261872" y="365760"/>
+            <a:ext cx="9692640" cy="1325562"/>
+          </a:xfrm>
+        </p:spPr>
+        <p:txBody>
+          <a:bodyPr>
+            <a:normAutofit/>
+          </a:bodyPr>
+          <a:lstStyle/>
+          <a:p>
+            <a:r>
+              <a:rPr lang="it-IT" dirty="0"/>
+              <a:t>Performance of </a:t>
+            </a:r>
+            <a:r>
+              <a:rPr lang="it-IT" dirty="0" err="1"/>
+              <a:t>Hyper</a:t>
+            </a:r>
+            <a:endParaRPr lang="it-IT" dirty="0"/>
+          </a:p>
+        </p:txBody>
+      </p:sp>
+      <p:pic>
+        <p:nvPicPr>
+          <p:cNvPr id="8" name="Inhaltsplatzhalter 7">
+            <a:extLst>
+              <a:ext uri="{FF2B5EF4-FFF2-40B4-BE49-F238E27FC236}">
+                <a16:creationId xmlns:a16="http://schemas.microsoft.com/office/drawing/2014/main" id="{8D8AB3A2-B7D4-41CB-88F9-2C2058601A0B}"/>
+              </a:ext>
+            </a:extLst>
+          </p:cNvPr>
+          <p:cNvPicPr>
+            <a:picLocks noGrp="1" noChangeAspect="1"/>
+          </p:cNvPicPr>
+          <p:nvPr>
+            <p:ph idx="1"/>
+          </p:nvPr>
+        </p:nvPicPr>
+        <p:blipFill>
+          <a:blip r:embed="rId3"/>
+          <a:stretch>
+            <a:fillRect/>
+          </a:stretch>
+        </p:blipFill>
+        <p:spPr>
+          <a:xfrm>
+            <a:off x="1093387" y="2378578"/>
+            <a:ext cx="8594725" cy="2239727"/>
+          </a:xfrm>
+        </p:spPr>
+      </p:pic>
+      <p:sp>
+        <p:nvSpPr>
+          <p:cNvPr id="10" name="Textfeld 9">
+            <a:extLst>
+              <a:ext uri="{FF2B5EF4-FFF2-40B4-BE49-F238E27FC236}">
+                <a16:creationId xmlns:a16="http://schemas.microsoft.com/office/drawing/2014/main" id="{6B02B7EA-0BE8-4968-927F-794850437706}"/>
+              </a:ext>
+            </a:extLst>
+          </p:cNvPr>
+          <p:cNvSpPr txBox="1"/>
+          <p:nvPr/>
+        </p:nvSpPr>
+        <p:spPr>
+          <a:xfrm>
+            <a:off x="1261872" y="5166804"/>
+            <a:ext cx="4402080" cy="646331"/>
+          </a:xfrm>
+          <a:prstGeom prst="rect">
+            <a:avLst/>
+          </a:prstGeom>
+          <a:noFill/>
+        </p:spPr>
+        <p:txBody>
+          <a:bodyPr wrap="square" rtlCol="0">
+            <a:spAutoFit/>
+          </a:bodyPr>
+          <a:lstStyle/>
+          <a:p>
+            <a:r>
+              <a:rPr lang="de-DE" dirty="0"/>
+              <a:t>(*)  Mean </a:t>
+            </a:r>
+            <a:r>
+              <a:rPr lang="de-DE" dirty="0" err="1"/>
+              <a:t>values</a:t>
+            </a:r>
+            <a:r>
+              <a:rPr lang="de-DE" dirty="0"/>
+              <a:t> </a:t>
+            </a:r>
+            <a:r>
+              <a:rPr lang="de-DE" dirty="0" err="1"/>
+              <a:t>from</a:t>
+            </a:r>
+            <a:r>
+              <a:rPr lang="de-DE" dirty="0"/>
+              <a:t> 10 </a:t>
+            </a:r>
+            <a:r>
+              <a:rPr lang="de-DE" dirty="0" err="1"/>
+              <a:t>runs</a:t>
+            </a:r>
+            <a:endParaRPr lang="de-DE" dirty="0"/>
+          </a:p>
+          <a:p>
+            <a:r>
+              <a:rPr lang="de-DE" dirty="0"/>
+              <a:t>(**) Independent </a:t>
+            </a:r>
+            <a:r>
+              <a:rPr lang="de-DE" dirty="0" err="1"/>
+              <a:t>of</a:t>
+            </a:r>
+            <a:r>
+              <a:rPr lang="de-DE" dirty="0"/>
+              <a:t> </a:t>
+            </a:r>
+            <a:r>
+              <a:rPr lang="de-DE" dirty="0" err="1"/>
+              <a:t>grid</a:t>
+            </a:r>
+            <a:endParaRPr lang="de-AT" dirty="0"/>
+          </a:p>
+        </p:txBody>
+      </p:sp>
+    </p:spTree>
+    <p:extLst>
+      <p:ext uri="{BB962C8B-B14F-4D97-AF65-F5344CB8AC3E}">
+        <p14:creationId xmlns:p14="http://schemas.microsoft.com/office/powerpoint/2010/main" val="3444319090"/>
+      </p:ext>
+    </p:extLst>
+  </p:cSld>
+  <p:clrMapOvr>
+    <a:masterClrMapping/>
+  </p:clrMapOvr>
+</p:sld>
+</file>
+
+<file path=ppt/slides/slide13.xml><?xml version="1.0" encoding="utf-8"?>
+<p:sld xmlns:a="http://schemas.openxmlformats.org/drawingml/2006/main" xmlns:r="http://schemas.openxmlformats.org/officeDocument/2006/relationships" xmlns:p="http://schemas.openxmlformats.org/presentationml/2006/main">
+  <p:cSld>
     <p:bg>
       <p:bgPr>
         <a:solidFill>
@@ -13920,7 +14147,7 @@
 </p:sld>
 </file>
 
-<file path=ppt/slides/slide13.xml><?xml version="1.0" encoding="utf-8"?>
+<file path=ppt/slides/slide14.xml><?xml version="1.0" encoding="utf-8"?>
 <p:sld xmlns:a="http://schemas.openxmlformats.org/drawingml/2006/main" xmlns:r="http://schemas.openxmlformats.org/officeDocument/2006/relationships" xmlns:p="http://schemas.openxmlformats.org/presentationml/2006/main">
   <p:cSld>
     <p:bg>
@@ -14213,7 +14440,7 @@
 </p:sld>
 </file>
 
-<file path=ppt/slides/slide14.xml><?xml version="1.0" encoding="utf-8"?>
+<file path=ppt/slides/slide15.xml><?xml version="1.0" encoding="utf-8"?>
 <p:sld xmlns:a="http://schemas.openxmlformats.org/drawingml/2006/main" xmlns:r="http://schemas.openxmlformats.org/officeDocument/2006/relationships" xmlns:p="http://schemas.openxmlformats.org/presentationml/2006/main">
   <p:cSld>
     <p:bg>
@@ -14786,7 +15013,7 @@
 </p:sld>
 </file>
 
-<file path=ppt/slides/slide15.xml><?xml version="1.0" encoding="utf-8"?>
+<file path=ppt/slides/slide16.xml><?xml version="1.0" encoding="utf-8"?>
 <p:sld xmlns:a="http://schemas.openxmlformats.org/drawingml/2006/main" xmlns:r="http://schemas.openxmlformats.org/officeDocument/2006/relationships" xmlns:p="http://schemas.openxmlformats.org/presentationml/2006/main">
   <p:cSld>
     <p:bg>
@@ -15484,7 +15711,7 @@
 </p:sld>
 </file>
 
-<file path=ppt/slides/slide16.xml><?xml version="1.0" encoding="utf-8"?>
+<file path=ppt/slides/slide17.xml><?xml version="1.0" encoding="utf-8"?>
 <p:sld xmlns:a="http://schemas.openxmlformats.org/drawingml/2006/main" xmlns:r="http://schemas.openxmlformats.org/officeDocument/2006/relationships" xmlns:p="http://schemas.openxmlformats.org/presentationml/2006/main">
   <p:cSld>
     <p:bg>
@@ -15674,7 +15901,7 @@
         </p:spPr>
         <p:txBody>
           <a:bodyPr>
-            <a:normAutofit/>
+            <a:normAutofit fontScale="92500" lnSpcReduction="10000"/>
           </a:bodyPr>
           <a:lstStyle/>
           <a:p>
@@ -16013,72 +16240,131 @@
           <a:p>
             <a:r>
               <a:rPr lang="it-IT" dirty="0" err="1">
+                <a:cs typeface="Courier New" panose="02070309020205020404" pitchFamily="49" charset="0"/>
+              </a:rPr>
+              <a:t>Both</a:t>
+            </a:r>
+            <a:r>
+              <a:rPr lang="it-IT" dirty="0">
+                <a:cs typeface="Courier New" panose="02070309020205020404" pitchFamily="49" charset="0"/>
+              </a:rPr>
+              <a:t> </a:t>
+            </a:r>
+            <a:r>
+              <a:rPr lang="it-IT" dirty="0" err="1">
+                <a:cs typeface="Courier New" panose="02070309020205020404" pitchFamily="49" charset="0"/>
+              </a:rPr>
+              <a:t>metarules</a:t>
+            </a:r>
+            <a:r>
+              <a:rPr lang="it-IT" dirty="0">
+                <a:cs typeface="Courier New" panose="02070309020205020404" pitchFamily="49" charset="0"/>
+              </a:rPr>
+              <a:t> are </a:t>
+            </a:r>
+            <a:r>
+              <a:rPr lang="it-IT" dirty="0" err="1">
+                <a:cs typeface="Courier New" panose="02070309020205020404" pitchFamily="49" charset="0"/>
+              </a:rPr>
+              <a:t>able</a:t>
+            </a:r>
+            <a:r>
+              <a:rPr lang="it-IT" dirty="0">
+                <a:cs typeface="Courier New" panose="02070309020205020404" pitchFamily="49" charset="0"/>
+              </a:rPr>
+              <a:t> to </a:t>
+            </a:r>
+            <a:r>
+              <a:rPr lang="it-IT" dirty="0" err="1">
+                <a:cs typeface="Courier New" panose="02070309020205020404" pitchFamily="49" charset="0"/>
+              </a:rPr>
+              <a:t>learn</a:t>
+            </a:r>
+            <a:r>
+              <a:rPr lang="it-IT" dirty="0">
+                <a:cs typeface="Courier New" panose="02070309020205020404" pitchFamily="49" charset="0"/>
+              </a:rPr>
+              <a:t> the predicate </a:t>
+            </a:r>
+            <a:r>
+              <a:rPr lang="it-IT" dirty="0" err="1">
                 <a:latin typeface="Courier New" panose="02070309020205020404" pitchFamily="49" charset="0"/>
                 <a:cs typeface="Courier New" panose="02070309020205020404" pitchFamily="49" charset="0"/>
               </a:rPr>
-              <a:t>i_postcon</a:t>
+              <a:t>adjacent</a:t>
             </a:r>
             <a:r>
               <a:rPr lang="it-IT" dirty="0">
                 <a:latin typeface="Courier New" panose="02070309020205020404" pitchFamily="49" charset="0"/>
                 <a:cs typeface="Courier New" panose="02070309020205020404" pitchFamily="49" charset="0"/>
               </a:rPr>
+              <a:t>/2 </a:t>
+            </a:r>
+            <a:r>
+              <a:rPr lang="it-IT" dirty="0" err="1">
+                <a:cs typeface="Courier New" panose="02070309020205020404" pitchFamily="49" charset="0"/>
+              </a:rPr>
+              <a:t>through</a:t>
+            </a:r>
+            <a:r>
+              <a:rPr lang="it-IT" dirty="0">
+                <a:cs typeface="Courier New" panose="02070309020205020404" pitchFamily="49" charset="0"/>
+              </a:rPr>
               <a:t> </a:t>
             </a:r>
             <a:r>
-              <a:rPr lang="it-IT" dirty="0" err="1">
-                <a:cs typeface="Courier New" panose="02070309020205020404" pitchFamily="49" charset="0"/>
-              </a:rPr>
-              <a:t>is</a:t>
+              <a:rPr lang="it-IT" b="1" dirty="0">
+                <a:cs typeface="Courier New" panose="02070309020205020404" pitchFamily="49" charset="0"/>
+              </a:rPr>
+              <a:t>predicate </a:t>
+            </a:r>
+            <a:r>
+              <a:rPr lang="it-IT" b="1" dirty="0" err="1">
+                <a:cs typeface="Courier New" panose="02070309020205020404" pitchFamily="49" charset="0"/>
+              </a:rPr>
+              <a:t>invention</a:t>
             </a:r>
             <a:r>
               <a:rPr lang="it-IT" dirty="0">
                 <a:cs typeface="Courier New" panose="02070309020205020404" pitchFamily="49" charset="0"/>
               </a:rPr>
+              <a:t>.</a:t>
+            </a:r>
+          </a:p>
+          <a:p>
+            <a:r>
+              <a:rPr lang="en-US" dirty="0">
+                <a:cs typeface="Courier New" panose="02070309020205020404" pitchFamily="49" charset="0"/>
+              </a:rPr>
+              <a:t>Although </a:t>
+            </a:r>
+            <a:r>
+              <a:rPr lang="en-US" dirty="0" err="1">
+                <a:latin typeface="Courier New" panose="02070309020205020404" pitchFamily="49" charset="0"/>
+                <a:cs typeface="Courier New" panose="02070309020205020404" pitchFamily="49" charset="0"/>
+              </a:rPr>
+              <a:t>postcon</a:t>
+            </a:r>
+            <a:r>
+              <a:rPr lang="en-US" dirty="0">
+                <a:latin typeface="Courier New" panose="02070309020205020404" pitchFamily="49" charset="0"/>
+                <a:cs typeface="Courier New" panose="02070309020205020404" pitchFamily="49" charset="0"/>
+              </a:rPr>
               <a:t> </a:t>
             </a:r>
             <a:r>
-              <a:rPr lang="it-IT" dirty="0" err="1">
-                <a:cs typeface="Courier New" panose="02070309020205020404" pitchFamily="49" charset="0"/>
-              </a:rPr>
-              <a:t>able</a:t>
-            </a:r>
-            <a:r>
-              <a:rPr lang="it-IT" dirty="0">
-                <a:cs typeface="Courier New" panose="02070309020205020404" pitchFamily="49" charset="0"/>
-              </a:rPr>
-              <a:t> to «</a:t>
-            </a:r>
-            <a:r>
-              <a:rPr lang="it-IT" b="1" dirty="0" err="1">
-                <a:cs typeface="Courier New" panose="02070309020205020404" pitchFamily="49" charset="0"/>
-              </a:rPr>
-              <a:t>invent</a:t>
-            </a:r>
-            <a:r>
-              <a:rPr lang="it-IT" dirty="0">
-                <a:cs typeface="Courier New" panose="02070309020205020404" pitchFamily="49" charset="0"/>
-              </a:rPr>
-              <a:t>» the predicate </a:t>
-            </a:r>
-            <a:r>
-              <a:rPr lang="it-IT" dirty="0" err="1">
+              <a:rPr lang="en-US" dirty="0">
+                <a:cs typeface="Courier New" panose="02070309020205020404" pitchFamily="49" charset="0"/>
+              </a:rPr>
+              <a:t>is also able to offer a 4 clause solution.</a:t>
+            </a:r>
+            <a:r>
+              <a:rPr lang="en-US" dirty="0">
                 <a:latin typeface="Courier New" panose="02070309020205020404" pitchFamily="49" charset="0"/>
                 <a:cs typeface="Courier New" panose="02070309020205020404" pitchFamily="49" charset="0"/>
               </a:rPr>
-              <a:t>adjacent</a:t>
-            </a:r>
-            <a:r>
-              <a:rPr lang="it-IT" dirty="0">
-                <a:latin typeface="Courier New" panose="02070309020205020404" pitchFamily="49" charset="0"/>
-                <a:cs typeface="Courier New" panose="02070309020205020404" pitchFamily="49" charset="0"/>
-              </a:rPr>
-              <a:t>/2.</a:t>
-            </a:r>
-            <a:endParaRPr lang="en-US" dirty="0">
-              <a:latin typeface="Courier New" panose="02070309020205020404" pitchFamily="49" charset="0"/>
-              <a:cs typeface="Courier New" panose="02070309020205020404" pitchFamily="49" charset="0"/>
-            </a:endParaRPr>
+              <a:t>  </a:t>
+            </a:r>
           </a:p>
         </p:txBody>
       </p:sp>
@@ -16095,7 +16381,7 @@
 </p:sld>
 </file>
 
-<file path=ppt/slides/slide17.xml><?xml version="1.0" encoding="utf-8"?>
+<file path=ppt/slides/slide18.xml><?xml version="1.0" encoding="utf-8"?>
 <p:sld xmlns:a="http://schemas.openxmlformats.org/drawingml/2006/main" xmlns:r="http://schemas.openxmlformats.org/officeDocument/2006/relationships" xmlns:p="http://schemas.openxmlformats.org/presentationml/2006/main">
   <p:cSld>
     <p:spTree>
@@ -16517,7 +16803,7 @@
 </p:sld>
 </file>
 
-<file path=ppt/slides/slide18.xml><?xml version="1.0" encoding="utf-8"?>
+<file path=ppt/slides/slide19.xml><?xml version="1.0" encoding="utf-8"?>
 <p:sld xmlns:a="http://schemas.openxmlformats.org/drawingml/2006/main" xmlns:r="http://schemas.openxmlformats.org/officeDocument/2006/relationships" xmlns:p="http://schemas.openxmlformats.org/presentationml/2006/main">
   <p:cSld>
     <p:bg>
@@ -17252,818 +17538,6 @@
       <p:bldP spid="5" grpId="0"/>
     </p:bldLst>
   </p:timing>
-</p:sld>
-</file>
-
-<file path=ppt/slides/slide19.xml><?xml version="1.0" encoding="utf-8"?>
-<p:sld xmlns:a="http://schemas.openxmlformats.org/drawingml/2006/main" xmlns:r="http://schemas.openxmlformats.org/officeDocument/2006/relationships" xmlns:p="http://schemas.openxmlformats.org/presentationml/2006/main">
-  <p:cSld>
-    <p:bg>
-      <p:bgPr>
-        <a:solidFill>
-          <a:schemeClr val="bg1"/>
-        </a:solidFill>
-        <a:effectLst/>
-      </p:bgPr>
-    </p:bg>
-    <p:spTree>
-      <p:nvGrpSpPr>
-        <p:cNvPr id="1" name=""/>
-        <p:cNvGrpSpPr/>
-        <p:nvPr/>
-      </p:nvGrpSpPr>
-      <p:grpSpPr>
-        <a:xfrm>
-          <a:off x="0" y="0"/>
-          <a:ext cx="0" cy="0"/>
-          <a:chOff x="0" y="0"/>
-          <a:chExt cx="0" cy="0"/>
-        </a:xfrm>
-      </p:grpSpPr>
-      <p:sp>
-        <p:nvSpPr>
-          <p:cNvPr id="14" name="Rectangle 13">
-            <a:extLst>
-              <a:ext uri="{FF2B5EF4-FFF2-40B4-BE49-F238E27FC236}">
-                <a16:creationId xmlns:a16="http://schemas.microsoft.com/office/drawing/2014/main" id="{AB1CEEAD-825F-41AD-B0DB-77CE90932D00}"/>
-              </a:ext>
-              <a:ext uri="{C183D7F6-B498-43B3-948B-1728B52AA6E4}">
-                <adec:decorative xmlns:adec="http://schemas.microsoft.com/office/drawing/2017/decorative" val="1"/>
-              </a:ext>
-            </a:extLst>
-          </p:cNvPr>
-          <p:cNvSpPr>
-            <a:spLocks noGrp="1" noRot="1" noChangeAspect="1" noMove="1" noResize="1" noEditPoints="1" noAdjustHandles="1" noChangeArrowheads="1" noChangeShapeType="1" noTextEdit="1"/>
-          </p:cNvSpPr>
-          <p:nvPr>
-            <p:extLst>
-              <p:ext uri="{386F3935-93C4-4BCD-93E2-E3B085C9AB24}">
-                <p16:designElem xmlns:p16="http://schemas.microsoft.com/office/powerpoint/2015/main" val="1"/>
-              </p:ext>
-            </p:extLst>
-          </p:nvPr>
-        </p:nvSpPr>
-        <p:spPr>
-          <a:xfrm>
-            <a:off x="0" y="-1"/>
-            <a:ext cx="11292840" cy="6858001"/>
-          </a:xfrm>
-          <a:prstGeom prst="rect">
-            <a:avLst/>
-          </a:prstGeom>
-          <a:solidFill>
-            <a:schemeClr val="bg1"/>
-          </a:solidFill>
-          <a:ln>
-            <a:noFill/>
-          </a:ln>
-        </p:spPr>
-        <p:style>
-          <a:lnRef idx="2">
-            <a:schemeClr val="accent1">
-              <a:shade val="50000"/>
-            </a:schemeClr>
-          </a:lnRef>
-          <a:fillRef idx="1">
-            <a:schemeClr val="accent1"/>
-          </a:fillRef>
-          <a:effectRef idx="0">
-            <a:schemeClr val="accent1"/>
-          </a:effectRef>
-          <a:fontRef idx="minor">
-            <a:schemeClr val="lt1"/>
-          </a:fontRef>
-        </p:style>
-        <p:txBody>
-          <a:bodyPr rtlCol="0" anchor="ctr"/>
-          <a:lstStyle/>
-          <a:p>
-            <a:pPr algn="ctr"/>
-            <a:endParaRPr lang="en-US"/>
-          </a:p>
-        </p:txBody>
-      </p:sp>
-      <p:pic>
-        <p:nvPicPr>
-          <p:cNvPr id="4" name="Picture 4" descr="Maze">
-            <a:extLst>
-              <a:ext uri="{FF2B5EF4-FFF2-40B4-BE49-F238E27FC236}">
-                <a16:creationId xmlns:a16="http://schemas.microsoft.com/office/drawing/2014/main" id="{D809EADF-C4D7-4EB7-AD80-F9F543370A6C}"/>
-              </a:ext>
-            </a:extLst>
-          </p:cNvPr>
-          <p:cNvPicPr>
-            <a:picLocks noChangeAspect="1"/>
-          </p:cNvPicPr>
-          <p:nvPr/>
-        </p:nvPicPr>
-        <p:blipFill rotWithShape="1">
-          <a:blip r:embed="rId2">
-            <a:duotone>
-              <a:schemeClr val="bg2">
-                <a:shade val="45000"/>
-                <a:satMod val="135000"/>
-              </a:schemeClr>
-              <a:prstClr val="white"/>
-            </a:duotone>
-            <a:alphaModFix amt="25000"/>
-          </a:blip>
-          <a:srcRect t="9021"/>
-          <a:stretch/>
-        </p:blipFill>
-        <p:spPr>
-          <a:xfrm>
-            <a:off x="20" y="10"/>
-            <a:ext cx="11292820" cy="6857990"/>
-          </a:xfrm>
-          <a:prstGeom prst="rect">
-            <a:avLst/>
-          </a:prstGeom>
-        </p:spPr>
-      </p:pic>
-      <p:sp>
-        <p:nvSpPr>
-          <p:cNvPr id="2" name="Titolo 1">
-            <a:extLst>
-              <a:ext uri="{FF2B5EF4-FFF2-40B4-BE49-F238E27FC236}">
-                <a16:creationId xmlns:a16="http://schemas.microsoft.com/office/drawing/2014/main" id="{58E0E44F-EF9E-40B5-9B76-DF4FED4F2B4C}"/>
-              </a:ext>
-            </a:extLst>
-          </p:cNvPr>
-          <p:cNvSpPr>
-            <a:spLocks noGrp="1"/>
-          </p:cNvSpPr>
-          <p:nvPr>
-            <p:ph type="title"/>
-          </p:nvPr>
-        </p:nvSpPr>
-        <p:spPr>
-          <a:xfrm>
-            <a:off x="1261872" y="365760"/>
-            <a:ext cx="9692640" cy="1325562"/>
-          </a:xfrm>
-        </p:spPr>
-        <p:txBody>
-          <a:bodyPr>
-            <a:normAutofit/>
-          </a:bodyPr>
-          <a:lstStyle/>
-          <a:p>
-            <a:r>
-              <a:rPr lang="it-IT" dirty="0"/>
-              <a:t>Learning to travel (from scratch)</a:t>
-            </a:r>
-          </a:p>
-        </p:txBody>
-      </p:sp>
-      <p:sp>
-        <p:nvSpPr>
-          <p:cNvPr id="3" name="Segnaposto contenuto 2">
-            <a:extLst>
-              <a:ext uri="{FF2B5EF4-FFF2-40B4-BE49-F238E27FC236}">
-                <a16:creationId xmlns:a16="http://schemas.microsoft.com/office/drawing/2014/main" id="{17B7C98C-91C5-42A6-AE60-10548043DE9E}"/>
-              </a:ext>
-            </a:extLst>
-          </p:cNvPr>
-          <p:cNvSpPr>
-            <a:spLocks noGrp="1"/>
-          </p:cNvSpPr>
-          <p:nvPr>
-            <p:ph idx="1"/>
-          </p:nvPr>
-        </p:nvSpPr>
-        <p:spPr>
-          <a:xfrm>
-            <a:off x="1261872" y="2013055"/>
-            <a:ext cx="8595360" cy="4167082"/>
-          </a:xfrm>
-        </p:spPr>
-        <p:txBody>
-          <a:bodyPr>
-            <a:normAutofit fontScale="85000" lnSpcReduction="20000"/>
-          </a:bodyPr>
-          <a:lstStyle/>
-          <a:p>
-            <a:r>
-              <a:rPr lang="it-IT" sz="1900" b="1" dirty="0"/>
-              <a:t>Goal: </a:t>
-            </a:r>
-            <a:r>
-              <a:rPr lang="it-IT" sz="1900" dirty="0" err="1"/>
-              <a:t>Learn</a:t>
-            </a:r>
-            <a:r>
-              <a:rPr lang="it-IT" sz="1900" dirty="0"/>
-              <a:t> to </a:t>
-            </a:r>
-            <a:r>
-              <a:rPr lang="it-IT" sz="1900" dirty="0" err="1"/>
-              <a:t>move</a:t>
-            </a:r>
-            <a:r>
-              <a:rPr lang="it-IT" sz="1900" dirty="0"/>
-              <a:t> from </a:t>
-            </a:r>
-            <a:r>
-              <a:rPr lang="it-IT" sz="1900" dirty="0" err="1"/>
-              <a:t>two</a:t>
-            </a:r>
-            <a:r>
-              <a:rPr lang="it-IT" sz="1900" dirty="0"/>
-              <a:t> </a:t>
-            </a:r>
-            <a:r>
-              <a:rPr lang="it-IT" sz="1900" dirty="0" err="1"/>
-              <a:t>distant</a:t>
-            </a:r>
-            <a:r>
-              <a:rPr lang="it-IT" sz="1900" dirty="0"/>
-              <a:t> </a:t>
-            </a:r>
-            <a:r>
-              <a:rPr lang="it-IT" sz="1900" dirty="0" err="1"/>
-              <a:t>cells</a:t>
-            </a:r>
-            <a:r>
-              <a:rPr lang="it-IT" sz="1900" dirty="0"/>
-              <a:t> in the </a:t>
-            </a:r>
-            <a:r>
-              <a:rPr lang="it-IT" sz="1900" dirty="0" err="1"/>
-              <a:t>Maze</a:t>
-            </a:r>
-            <a:r>
-              <a:rPr lang="it-IT" sz="1900" dirty="0"/>
-              <a:t> </a:t>
-            </a:r>
-            <a:r>
-              <a:rPr lang="it-IT" sz="1900" dirty="0" err="1"/>
-              <a:t>without</a:t>
-            </a:r>
-            <a:r>
-              <a:rPr lang="it-IT" sz="1900" dirty="0"/>
-              <a:t> </a:t>
-            </a:r>
-            <a:r>
-              <a:rPr lang="it-IT" sz="1900" dirty="0" err="1"/>
-              <a:t>going</a:t>
-            </a:r>
-            <a:r>
-              <a:rPr lang="it-IT" sz="1900" dirty="0"/>
-              <a:t> </a:t>
-            </a:r>
-            <a:r>
-              <a:rPr lang="it-IT" sz="1900" dirty="0" err="1"/>
-              <a:t>through</a:t>
-            </a:r>
-            <a:r>
-              <a:rPr lang="it-IT" sz="1900" dirty="0"/>
-              <a:t> </a:t>
-            </a:r>
-            <a:r>
-              <a:rPr lang="it-IT" sz="1900" dirty="0" err="1"/>
-              <a:t>illegal</a:t>
-            </a:r>
-            <a:r>
-              <a:rPr lang="it-IT" sz="1900" dirty="0"/>
-              <a:t> </a:t>
-            </a:r>
-            <a:r>
-              <a:rPr lang="it-IT" sz="1900" dirty="0" err="1"/>
-              <a:t>cells</a:t>
-            </a:r>
-            <a:r>
-              <a:rPr lang="it-IT" sz="1900" dirty="0"/>
-              <a:t>. (Predicate </a:t>
-            </a:r>
-            <a:r>
-              <a:rPr lang="it-IT" sz="1900" dirty="0" err="1">
-                <a:latin typeface="Courier New" panose="02070309020205020404" pitchFamily="49" charset="0"/>
-                <a:cs typeface="Courier New" panose="02070309020205020404" pitchFamily="49" charset="0"/>
-              </a:rPr>
-              <a:t>reach</a:t>
-            </a:r>
-            <a:r>
-              <a:rPr lang="it-IT" sz="1900" dirty="0">
-                <a:latin typeface="Courier New" panose="02070309020205020404" pitchFamily="49" charset="0"/>
-                <a:cs typeface="Courier New" panose="02070309020205020404" pitchFamily="49" charset="0"/>
-              </a:rPr>
-              <a:t>/2</a:t>
-            </a:r>
-            <a:r>
-              <a:rPr lang="it-IT" sz="1900" dirty="0"/>
-              <a:t>).</a:t>
-            </a:r>
-          </a:p>
-          <a:p>
-            <a:r>
-              <a:rPr lang="it-IT" sz="1900" b="1" dirty="0"/>
-              <a:t>Background Knowledge:</a:t>
-            </a:r>
-          </a:p>
-          <a:p>
-            <a:pPr lvl="1"/>
-            <a:r>
-              <a:rPr lang="it-IT" sz="1500" dirty="0" err="1">
-                <a:latin typeface="Courier New" panose="02070309020205020404" pitchFamily="49" charset="0"/>
-                <a:cs typeface="Courier New" panose="02070309020205020404" pitchFamily="49" charset="0"/>
-              </a:rPr>
-              <a:t>inc_x</a:t>
-            </a:r>
-            <a:r>
-              <a:rPr lang="it-IT" sz="1500" dirty="0">
-                <a:latin typeface="Courier New" panose="02070309020205020404" pitchFamily="49" charset="0"/>
-                <a:cs typeface="Courier New" panose="02070309020205020404" pitchFamily="49" charset="0"/>
-              </a:rPr>
-              <a:t>/2; </a:t>
-            </a:r>
-            <a:r>
-              <a:rPr lang="it-IT" sz="1500" dirty="0" err="1">
-                <a:latin typeface="Courier New" panose="02070309020205020404" pitchFamily="49" charset="0"/>
-                <a:cs typeface="Courier New" panose="02070309020205020404" pitchFamily="49" charset="0"/>
-              </a:rPr>
-              <a:t>dec_x</a:t>
-            </a:r>
-            <a:r>
-              <a:rPr lang="it-IT" sz="1500" dirty="0">
-                <a:latin typeface="Courier New" panose="02070309020205020404" pitchFamily="49" charset="0"/>
-                <a:cs typeface="Courier New" panose="02070309020205020404" pitchFamily="49" charset="0"/>
-              </a:rPr>
-              <a:t>/2; </a:t>
-            </a:r>
-            <a:r>
-              <a:rPr lang="it-IT" sz="1500" dirty="0" err="1">
-                <a:latin typeface="Courier New" panose="02070309020205020404" pitchFamily="49" charset="0"/>
-                <a:cs typeface="Courier New" panose="02070309020205020404" pitchFamily="49" charset="0"/>
-              </a:rPr>
-              <a:t>inc_y</a:t>
-            </a:r>
-            <a:r>
-              <a:rPr lang="it-IT" sz="1500" dirty="0">
-                <a:latin typeface="Courier New" panose="02070309020205020404" pitchFamily="49" charset="0"/>
-                <a:cs typeface="Courier New" panose="02070309020205020404" pitchFamily="49" charset="0"/>
-              </a:rPr>
-              <a:t>/2; </a:t>
-            </a:r>
-            <a:r>
-              <a:rPr lang="it-IT" sz="1500" dirty="0" err="1">
-                <a:latin typeface="Courier New" panose="02070309020205020404" pitchFamily="49" charset="0"/>
-                <a:cs typeface="Courier New" panose="02070309020205020404" pitchFamily="49" charset="0"/>
-              </a:rPr>
-              <a:t>dec_y</a:t>
-            </a:r>
-            <a:r>
-              <a:rPr lang="it-IT" sz="1500" dirty="0">
-                <a:latin typeface="Courier New" panose="02070309020205020404" pitchFamily="49" charset="0"/>
-                <a:cs typeface="Courier New" panose="02070309020205020404" pitchFamily="49" charset="0"/>
-              </a:rPr>
-              <a:t>/2;</a:t>
-            </a:r>
-          </a:p>
-          <a:p>
-            <a:pPr lvl="1"/>
-            <a:r>
-              <a:rPr lang="it-IT" sz="1500" dirty="0" err="1">
-                <a:latin typeface="Courier New" panose="02070309020205020404" pitchFamily="49" charset="0"/>
-                <a:cs typeface="Courier New" panose="02070309020205020404" pitchFamily="49" charset="0"/>
-              </a:rPr>
-              <a:t>legal_position</a:t>
-            </a:r>
-            <a:r>
-              <a:rPr lang="it-IT" sz="1500" dirty="0">
-                <a:latin typeface="Courier New" panose="02070309020205020404" pitchFamily="49" charset="0"/>
-                <a:cs typeface="Courier New" panose="02070309020205020404" pitchFamily="49" charset="0"/>
-              </a:rPr>
-              <a:t>/1.</a:t>
-            </a:r>
-          </a:p>
-          <a:p>
-            <a:r>
-              <a:rPr lang="it-IT" sz="1900" b="1" dirty="0" err="1">
-                <a:cs typeface="Courier New" panose="02070309020205020404" pitchFamily="49" charset="0"/>
-              </a:rPr>
-              <a:t>Metarules</a:t>
-            </a:r>
-            <a:r>
-              <a:rPr lang="it-IT" sz="1900" b="1" dirty="0">
-                <a:cs typeface="Courier New" panose="02070309020205020404" pitchFamily="49" charset="0"/>
-              </a:rPr>
-              <a:t>:</a:t>
-            </a:r>
-          </a:p>
-          <a:p>
-            <a:pPr lvl="1"/>
-            <a:r>
-              <a:rPr lang="it-IT" sz="1400" dirty="0" err="1">
-                <a:latin typeface="Courier New" panose="02070309020205020404" pitchFamily="49" charset="0"/>
-                <a:cs typeface="Courier New" panose="02070309020205020404" pitchFamily="49" charset="0"/>
-              </a:rPr>
-              <a:t>metarule</a:t>
-            </a:r>
-            <a:r>
-              <a:rPr lang="it-IT" sz="1400" dirty="0">
-                <a:latin typeface="Courier New" panose="02070309020205020404" pitchFamily="49" charset="0"/>
-                <a:cs typeface="Courier New" panose="02070309020205020404" pitchFamily="49" charset="0"/>
-              </a:rPr>
-              <a:t>(</a:t>
-            </a:r>
-            <a:r>
-              <a:rPr lang="it-IT" sz="1400" dirty="0" err="1">
-                <a:latin typeface="Courier New" panose="02070309020205020404" pitchFamily="49" charset="0"/>
-                <a:cs typeface="Courier New" panose="02070309020205020404" pitchFamily="49" charset="0"/>
-              </a:rPr>
-              <a:t>ident</a:t>
-            </a:r>
-            <a:r>
-              <a:rPr lang="it-IT" sz="1400" dirty="0">
-                <a:latin typeface="Courier New" panose="02070309020205020404" pitchFamily="49" charset="0"/>
-                <a:cs typeface="Courier New" panose="02070309020205020404" pitchFamily="49" charset="0"/>
-              </a:rPr>
-              <a:t>,[P,Q],[P,A,B],[[Q,A,B]]).</a:t>
-            </a:r>
-          </a:p>
-          <a:p>
-            <a:pPr lvl="1"/>
-            <a:r>
-              <a:rPr lang="it-IT" sz="1400" dirty="0" err="1">
-                <a:latin typeface="Courier New" panose="02070309020205020404" pitchFamily="49" charset="0"/>
-                <a:cs typeface="Courier New" panose="02070309020205020404" pitchFamily="49" charset="0"/>
-              </a:rPr>
-              <a:t>metarule</a:t>
-            </a:r>
-            <a:r>
-              <a:rPr lang="it-IT" sz="1400" dirty="0">
-                <a:latin typeface="Courier New" panose="02070309020205020404" pitchFamily="49" charset="0"/>
-                <a:cs typeface="Courier New" panose="02070309020205020404" pitchFamily="49" charset="0"/>
-              </a:rPr>
-              <a:t>(ident2,[P,Q],[P,A,B,[A,B]],[[Q,A,B]]).</a:t>
-            </a:r>
-          </a:p>
-          <a:p>
-            <a:pPr lvl="1"/>
-            <a:r>
-              <a:rPr lang="it-IT" sz="1400" dirty="0" err="1">
-                <a:latin typeface="Courier New" panose="02070309020205020404" pitchFamily="49" charset="0"/>
-                <a:cs typeface="Courier New" panose="02070309020205020404" pitchFamily="49" charset="0"/>
-              </a:rPr>
-              <a:t>metarule</a:t>
-            </a:r>
-            <a:r>
-              <a:rPr lang="it-IT" sz="1400" dirty="0">
-                <a:latin typeface="Courier New" panose="02070309020205020404" pitchFamily="49" charset="0"/>
-                <a:cs typeface="Courier New" panose="02070309020205020404" pitchFamily="49" charset="0"/>
-              </a:rPr>
-              <a:t>(</a:t>
-            </a:r>
-            <a:r>
-              <a:rPr lang="it-IT" sz="1400" dirty="0" err="1">
-                <a:latin typeface="Courier New" panose="02070309020205020404" pitchFamily="49" charset="0"/>
-                <a:cs typeface="Courier New" panose="02070309020205020404" pitchFamily="49" charset="0"/>
-              </a:rPr>
-              <a:t>prepostcon</a:t>
-            </a:r>
-            <a:r>
-              <a:rPr lang="it-IT" sz="1400" dirty="0">
-                <a:latin typeface="Courier New" panose="02070309020205020404" pitchFamily="49" charset="0"/>
-                <a:cs typeface="Courier New" panose="02070309020205020404" pitchFamily="49" charset="0"/>
-              </a:rPr>
-              <a:t>,[P,Q,R],[P,A,B],[[R,B],[Q,A,B]]).</a:t>
-            </a:r>
-          </a:p>
-          <a:p>
-            <a:pPr lvl="1"/>
-            <a:r>
-              <a:rPr lang="it-IT" sz="1400" dirty="0" err="1">
-                <a:latin typeface="Courier New" panose="02070309020205020404" pitchFamily="49" charset="0"/>
-                <a:cs typeface="Courier New" panose="02070309020205020404" pitchFamily="49" charset="0"/>
-              </a:rPr>
-              <a:t>metarule</a:t>
-            </a:r>
-            <a:r>
-              <a:rPr lang="it-IT" sz="1400" dirty="0">
-                <a:latin typeface="Courier New" panose="02070309020205020404" pitchFamily="49" charset="0"/>
-                <a:cs typeface="Courier New" panose="02070309020205020404" pitchFamily="49" charset="0"/>
-              </a:rPr>
-              <a:t>(</a:t>
-            </a:r>
-            <a:r>
-              <a:rPr lang="it-IT" sz="1400" dirty="0" err="1">
-                <a:latin typeface="Courier New" panose="02070309020205020404" pitchFamily="49" charset="0"/>
-                <a:cs typeface="Courier New" panose="02070309020205020404" pitchFamily="49" charset="0"/>
-              </a:rPr>
-              <a:t>recursion</a:t>
-            </a:r>
-            <a:r>
-              <a:rPr lang="it-IT" sz="1400" dirty="0">
-                <a:latin typeface="Courier New" panose="02070309020205020404" pitchFamily="49" charset="0"/>
-                <a:cs typeface="Courier New" panose="02070309020205020404" pitchFamily="49" charset="0"/>
-              </a:rPr>
-              <a:t>,[P,Q,R],[P,A,B,[A|L1]],[[R,B],[Q,A,C],[R,C],[P,C,B,L1]]).</a:t>
-            </a:r>
-          </a:p>
-          <a:p>
-            <a:r>
-              <a:rPr lang="it-IT" sz="1900" b="1" dirty="0">
-                <a:cs typeface="Courier New" panose="02070309020205020404" pitchFamily="49" charset="0"/>
-              </a:rPr>
-              <a:t>Positive </a:t>
-            </a:r>
-            <a:r>
-              <a:rPr lang="it-IT" sz="1900" b="1" dirty="0" err="1">
-                <a:cs typeface="Courier New" panose="02070309020205020404" pitchFamily="49" charset="0"/>
-              </a:rPr>
-              <a:t>examples</a:t>
-            </a:r>
-            <a:r>
-              <a:rPr lang="it-IT" sz="1900" b="1" dirty="0">
-                <a:cs typeface="Courier New" panose="02070309020205020404" pitchFamily="49" charset="0"/>
-              </a:rPr>
-              <a:t>:</a:t>
-            </a:r>
-          </a:p>
-          <a:p>
-            <a:pPr lvl="1"/>
-            <a:r>
-              <a:rPr lang="it-IT" sz="1500" dirty="0">
-                <a:cs typeface="Courier New" panose="02070309020205020404" pitchFamily="49" charset="0"/>
-              </a:rPr>
-              <a:t>4 </a:t>
-            </a:r>
-            <a:r>
-              <a:rPr lang="it-IT" sz="1500" dirty="0" err="1">
-                <a:cs typeface="Courier New" panose="02070309020205020404" pitchFamily="49" charset="0"/>
-              </a:rPr>
-              <a:t>examples</a:t>
-            </a:r>
-            <a:r>
-              <a:rPr lang="it-IT" sz="1500" dirty="0">
-                <a:cs typeface="Courier New" panose="02070309020205020404" pitchFamily="49" charset="0"/>
-              </a:rPr>
-              <a:t> </a:t>
-            </a:r>
-            <a:r>
-              <a:rPr lang="it-IT" sz="1500" dirty="0" err="1">
-                <a:cs typeface="Courier New" panose="02070309020205020404" pitchFamily="49" charset="0"/>
-              </a:rPr>
-              <a:t>representing</a:t>
-            </a:r>
-            <a:r>
-              <a:rPr lang="it-IT" sz="1500" dirty="0">
-                <a:cs typeface="Courier New" panose="02070309020205020404" pitchFamily="49" charset="0"/>
-              </a:rPr>
-              <a:t> a single step (one for </a:t>
-            </a:r>
-            <a:r>
-              <a:rPr lang="it-IT" sz="1500" dirty="0" err="1">
-                <a:cs typeface="Courier New" panose="02070309020205020404" pitchFamily="49" charset="0"/>
-              </a:rPr>
-              <a:t>each</a:t>
-            </a:r>
-            <a:r>
-              <a:rPr lang="it-IT" sz="1500" dirty="0">
-                <a:cs typeface="Courier New" panose="02070309020205020404" pitchFamily="49" charset="0"/>
-              </a:rPr>
-              <a:t> </a:t>
-            </a:r>
-            <a:r>
-              <a:rPr lang="it-IT" sz="1500" dirty="0" err="1">
-                <a:cs typeface="Courier New" panose="02070309020205020404" pitchFamily="49" charset="0"/>
-              </a:rPr>
-              <a:t>direction</a:t>
-            </a:r>
-            <a:r>
-              <a:rPr lang="it-IT" sz="1500" dirty="0">
-                <a:cs typeface="Courier New" panose="02070309020205020404" pitchFamily="49" charset="0"/>
-              </a:rPr>
-              <a:t>).</a:t>
-            </a:r>
-          </a:p>
-          <a:p>
-            <a:pPr lvl="1"/>
-            <a:r>
-              <a:rPr lang="it-IT" sz="1500" dirty="0">
-                <a:cs typeface="Courier New" panose="02070309020205020404" pitchFamily="49" charset="0"/>
-              </a:rPr>
-              <a:t>1 </a:t>
-            </a:r>
-            <a:r>
-              <a:rPr lang="it-IT" sz="1500" dirty="0" err="1">
-                <a:cs typeface="Courier New" panose="02070309020205020404" pitchFamily="49" charset="0"/>
-              </a:rPr>
-              <a:t>example</a:t>
-            </a:r>
-            <a:r>
-              <a:rPr lang="it-IT" sz="1500" dirty="0">
-                <a:cs typeface="Courier New" panose="02070309020205020404" pitchFamily="49" charset="0"/>
-              </a:rPr>
-              <a:t> </a:t>
-            </a:r>
-            <a:r>
-              <a:rPr lang="it-IT" sz="1500" dirty="0" err="1">
-                <a:cs typeface="Courier New" panose="02070309020205020404" pitchFamily="49" charset="0"/>
-              </a:rPr>
-              <a:t>representing</a:t>
-            </a:r>
-            <a:r>
-              <a:rPr lang="it-IT" sz="1500" dirty="0">
-                <a:cs typeface="Courier New" panose="02070309020205020404" pitchFamily="49" charset="0"/>
-              </a:rPr>
-              <a:t> a </a:t>
-            </a:r>
-            <a:r>
-              <a:rPr lang="it-IT" sz="1500" dirty="0" err="1">
-                <a:cs typeface="Courier New" panose="02070309020205020404" pitchFamily="49" charset="0"/>
-              </a:rPr>
-              <a:t>path</a:t>
-            </a:r>
-            <a:r>
-              <a:rPr lang="it-IT" sz="1500" dirty="0">
-                <a:cs typeface="Courier New" panose="02070309020205020404" pitchFamily="49" charset="0"/>
-              </a:rPr>
-              <a:t> </a:t>
-            </a:r>
-            <a:r>
-              <a:rPr lang="it-IT" sz="1500" dirty="0" err="1">
-                <a:cs typeface="Courier New" panose="02070309020205020404" pitchFamily="49" charset="0"/>
-              </a:rPr>
-              <a:t>which</a:t>
-            </a:r>
-            <a:r>
-              <a:rPr lang="it-IT" sz="1500" dirty="0">
-                <a:cs typeface="Courier New" panose="02070309020205020404" pitchFamily="49" charset="0"/>
-              </a:rPr>
-              <a:t> </a:t>
-            </a:r>
-            <a:r>
-              <a:rPr lang="it-IT" sz="1500" dirty="0" err="1">
-                <a:cs typeface="Courier New" panose="02070309020205020404" pitchFamily="49" charset="0"/>
-              </a:rPr>
-              <a:t>uses</a:t>
-            </a:r>
-            <a:r>
-              <a:rPr lang="it-IT" sz="1500" dirty="0">
-                <a:cs typeface="Courier New" panose="02070309020205020404" pitchFamily="49" charset="0"/>
-              </a:rPr>
-              <a:t> </a:t>
-            </a:r>
-            <a:r>
-              <a:rPr lang="it-IT" sz="1500" dirty="0" err="1">
-                <a:cs typeface="Courier New" panose="02070309020205020404" pitchFamily="49" charset="0"/>
-              </a:rPr>
-              <a:t>all</a:t>
-            </a:r>
-            <a:r>
-              <a:rPr lang="it-IT" sz="1500" dirty="0">
-                <a:cs typeface="Courier New" panose="02070309020205020404" pitchFamily="49" charset="0"/>
-              </a:rPr>
-              <a:t> 4 </a:t>
-            </a:r>
-            <a:r>
-              <a:rPr lang="it-IT" sz="1500" dirty="0" err="1">
-                <a:cs typeface="Courier New" panose="02070309020205020404" pitchFamily="49" charset="0"/>
-              </a:rPr>
-              <a:t>moves</a:t>
-            </a:r>
-            <a:r>
-              <a:rPr lang="it-IT" sz="1500" dirty="0">
-                <a:cs typeface="Courier New" panose="02070309020205020404" pitchFamily="49" charset="0"/>
-              </a:rPr>
-              <a:t> (</a:t>
-            </a:r>
-            <a:r>
-              <a:rPr lang="it-IT" sz="1500" dirty="0" err="1">
-                <a:latin typeface="Courier New" panose="02070309020205020404" pitchFamily="49" charset="0"/>
-                <a:cs typeface="Courier New" panose="02070309020205020404" pitchFamily="49" charset="0"/>
-              </a:rPr>
-              <a:t>reach</a:t>
-            </a:r>
-            <a:r>
-              <a:rPr lang="it-IT" sz="1500" dirty="0">
-                <a:latin typeface="Courier New" panose="02070309020205020404" pitchFamily="49" charset="0"/>
-                <a:cs typeface="Courier New" panose="02070309020205020404" pitchFamily="49" charset="0"/>
-              </a:rPr>
-              <a:t>((3,1),(4,5))</a:t>
-            </a:r>
-            <a:r>
-              <a:rPr lang="it-IT" sz="1500" dirty="0">
-                <a:cs typeface="Courier New" panose="02070309020205020404" pitchFamily="49" charset="0"/>
-              </a:rPr>
-              <a:t>)</a:t>
-            </a:r>
-          </a:p>
-          <a:p>
-            <a:r>
-              <a:rPr lang="en-US" sz="1900" b="1" dirty="0">
-                <a:cs typeface="Courier New" panose="02070309020205020404" pitchFamily="49" charset="0"/>
-              </a:rPr>
-              <a:t>Negative examples:</a:t>
-            </a:r>
-          </a:p>
-          <a:p>
-            <a:pPr lvl="1"/>
-            <a:r>
-              <a:rPr lang="it-IT" dirty="0">
-                <a:cs typeface="Courier New" panose="02070309020205020404" pitchFamily="49" charset="0"/>
-              </a:rPr>
-              <a:t>4 </a:t>
-            </a:r>
-            <a:r>
-              <a:rPr lang="it-IT" dirty="0" err="1">
-                <a:cs typeface="Courier New" panose="02070309020205020404" pitchFamily="49" charset="0"/>
-              </a:rPr>
-              <a:t>examples</a:t>
-            </a:r>
-            <a:r>
-              <a:rPr lang="it-IT" dirty="0">
-                <a:cs typeface="Courier New" panose="02070309020205020404" pitchFamily="49" charset="0"/>
-              </a:rPr>
-              <a:t> of single steps </a:t>
-            </a:r>
-            <a:r>
-              <a:rPr lang="it-IT" dirty="0" err="1">
-                <a:cs typeface="Courier New" panose="02070309020205020404" pitchFamily="49" charset="0"/>
-              </a:rPr>
-              <a:t>going</a:t>
-            </a:r>
-            <a:r>
-              <a:rPr lang="it-IT" dirty="0">
-                <a:cs typeface="Courier New" panose="02070309020205020404" pitchFamily="49" charset="0"/>
-              </a:rPr>
-              <a:t> out of bounds.</a:t>
-            </a:r>
-          </a:p>
-          <a:p>
-            <a:pPr lvl="1"/>
-            <a:r>
-              <a:rPr lang="it-IT" dirty="0">
-                <a:cs typeface="Courier New" panose="02070309020205020404" pitchFamily="49" charset="0"/>
-              </a:rPr>
-              <a:t>4 </a:t>
-            </a:r>
-            <a:r>
-              <a:rPr lang="it-IT" dirty="0" err="1">
-                <a:cs typeface="Courier New" panose="02070309020205020404" pitchFamily="49" charset="0"/>
-              </a:rPr>
-              <a:t>examples</a:t>
-            </a:r>
-            <a:r>
-              <a:rPr lang="it-IT" dirty="0">
-                <a:cs typeface="Courier New" panose="02070309020205020404" pitchFamily="49" charset="0"/>
-              </a:rPr>
-              <a:t> of single steps </a:t>
-            </a:r>
-            <a:r>
-              <a:rPr lang="it-IT" dirty="0" err="1">
-                <a:cs typeface="Courier New" panose="02070309020205020404" pitchFamily="49" charset="0"/>
-              </a:rPr>
-              <a:t>going</a:t>
-            </a:r>
-            <a:r>
-              <a:rPr lang="it-IT" dirty="0">
-                <a:cs typeface="Courier New" panose="02070309020205020404" pitchFamily="49" charset="0"/>
-              </a:rPr>
-              <a:t> </a:t>
-            </a:r>
-            <a:r>
-              <a:rPr lang="it-IT" dirty="0" err="1">
-                <a:cs typeface="Courier New" panose="02070309020205020404" pitchFamily="49" charset="0"/>
-              </a:rPr>
-              <a:t>into</a:t>
-            </a:r>
-            <a:r>
-              <a:rPr lang="it-IT" dirty="0">
-                <a:cs typeface="Courier New" panose="02070309020205020404" pitchFamily="49" charset="0"/>
-              </a:rPr>
-              <a:t> </a:t>
-            </a:r>
-            <a:r>
-              <a:rPr lang="it-IT" dirty="0" err="1">
-                <a:cs typeface="Courier New" panose="02070309020205020404" pitchFamily="49" charset="0"/>
-              </a:rPr>
-              <a:t>obstacles</a:t>
-            </a:r>
-            <a:r>
-              <a:rPr lang="it-IT" dirty="0">
-                <a:cs typeface="Courier New" panose="02070309020205020404" pitchFamily="49" charset="0"/>
-              </a:rPr>
-              <a:t>.</a:t>
-            </a:r>
-          </a:p>
-          <a:p>
-            <a:endParaRPr lang="it-IT" sz="1100" dirty="0"/>
-          </a:p>
-        </p:txBody>
-      </p:sp>
-    </p:spTree>
-    <p:extLst>
-      <p:ext uri="{BB962C8B-B14F-4D97-AF65-F5344CB8AC3E}">
-        <p14:creationId xmlns:p14="http://schemas.microsoft.com/office/powerpoint/2010/main" val="2777569243"/>
-      </p:ext>
-    </p:extLst>
-  </p:cSld>
-  <p:clrMapOvr>
-    <a:masterClrMapping/>
-  </p:clrMapOvr>
 </p:sld>
 </file>
 
@@ -18345,6 +17819,818 @@
       </p:grpSpPr>
       <p:sp>
         <p:nvSpPr>
+          <p:cNvPr id="14" name="Rectangle 13">
+            <a:extLst>
+              <a:ext uri="{FF2B5EF4-FFF2-40B4-BE49-F238E27FC236}">
+                <a16:creationId xmlns:a16="http://schemas.microsoft.com/office/drawing/2014/main" id="{AB1CEEAD-825F-41AD-B0DB-77CE90932D00}"/>
+              </a:ext>
+              <a:ext uri="{C183D7F6-B498-43B3-948B-1728B52AA6E4}">
+                <adec:decorative xmlns:adec="http://schemas.microsoft.com/office/drawing/2017/decorative" val="1"/>
+              </a:ext>
+            </a:extLst>
+          </p:cNvPr>
+          <p:cNvSpPr>
+            <a:spLocks noGrp="1" noRot="1" noChangeAspect="1" noMove="1" noResize="1" noEditPoints="1" noAdjustHandles="1" noChangeArrowheads="1" noChangeShapeType="1" noTextEdit="1"/>
+          </p:cNvSpPr>
+          <p:nvPr>
+            <p:extLst>
+              <p:ext uri="{386F3935-93C4-4BCD-93E2-E3B085C9AB24}">
+                <p16:designElem xmlns:p16="http://schemas.microsoft.com/office/powerpoint/2015/main" val="1"/>
+              </p:ext>
+            </p:extLst>
+          </p:nvPr>
+        </p:nvSpPr>
+        <p:spPr>
+          <a:xfrm>
+            <a:off x="0" y="-1"/>
+            <a:ext cx="11292840" cy="6858001"/>
+          </a:xfrm>
+          <a:prstGeom prst="rect">
+            <a:avLst/>
+          </a:prstGeom>
+          <a:solidFill>
+            <a:schemeClr val="bg1"/>
+          </a:solidFill>
+          <a:ln>
+            <a:noFill/>
+          </a:ln>
+        </p:spPr>
+        <p:style>
+          <a:lnRef idx="2">
+            <a:schemeClr val="accent1">
+              <a:shade val="50000"/>
+            </a:schemeClr>
+          </a:lnRef>
+          <a:fillRef idx="1">
+            <a:schemeClr val="accent1"/>
+          </a:fillRef>
+          <a:effectRef idx="0">
+            <a:schemeClr val="accent1"/>
+          </a:effectRef>
+          <a:fontRef idx="minor">
+            <a:schemeClr val="lt1"/>
+          </a:fontRef>
+        </p:style>
+        <p:txBody>
+          <a:bodyPr rtlCol="0" anchor="ctr"/>
+          <a:lstStyle/>
+          <a:p>
+            <a:pPr algn="ctr"/>
+            <a:endParaRPr lang="en-US"/>
+          </a:p>
+        </p:txBody>
+      </p:sp>
+      <p:pic>
+        <p:nvPicPr>
+          <p:cNvPr id="4" name="Picture 4" descr="Maze">
+            <a:extLst>
+              <a:ext uri="{FF2B5EF4-FFF2-40B4-BE49-F238E27FC236}">
+                <a16:creationId xmlns:a16="http://schemas.microsoft.com/office/drawing/2014/main" id="{D809EADF-C4D7-4EB7-AD80-F9F543370A6C}"/>
+              </a:ext>
+            </a:extLst>
+          </p:cNvPr>
+          <p:cNvPicPr>
+            <a:picLocks noChangeAspect="1"/>
+          </p:cNvPicPr>
+          <p:nvPr/>
+        </p:nvPicPr>
+        <p:blipFill rotWithShape="1">
+          <a:blip r:embed="rId2">
+            <a:duotone>
+              <a:schemeClr val="bg2">
+                <a:shade val="45000"/>
+                <a:satMod val="135000"/>
+              </a:schemeClr>
+              <a:prstClr val="white"/>
+            </a:duotone>
+            <a:alphaModFix amt="25000"/>
+          </a:blip>
+          <a:srcRect t="9021"/>
+          <a:stretch/>
+        </p:blipFill>
+        <p:spPr>
+          <a:xfrm>
+            <a:off x="20" y="10"/>
+            <a:ext cx="11292820" cy="6857990"/>
+          </a:xfrm>
+          <a:prstGeom prst="rect">
+            <a:avLst/>
+          </a:prstGeom>
+        </p:spPr>
+      </p:pic>
+      <p:sp>
+        <p:nvSpPr>
+          <p:cNvPr id="2" name="Titolo 1">
+            <a:extLst>
+              <a:ext uri="{FF2B5EF4-FFF2-40B4-BE49-F238E27FC236}">
+                <a16:creationId xmlns:a16="http://schemas.microsoft.com/office/drawing/2014/main" id="{58E0E44F-EF9E-40B5-9B76-DF4FED4F2B4C}"/>
+              </a:ext>
+            </a:extLst>
+          </p:cNvPr>
+          <p:cNvSpPr>
+            <a:spLocks noGrp="1"/>
+          </p:cNvSpPr>
+          <p:nvPr>
+            <p:ph type="title"/>
+          </p:nvPr>
+        </p:nvSpPr>
+        <p:spPr>
+          <a:xfrm>
+            <a:off x="1261872" y="365760"/>
+            <a:ext cx="9692640" cy="1325562"/>
+          </a:xfrm>
+        </p:spPr>
+        <p:txBody>
+          <a:bodyPr>
+            <a:normAutofit/>
+          </a:bodyPr>
+          <a:lstStyle/>
+          <a:p>
+            <a:r>
+              <a:rPr lang="it-IT" dirty="0"/>
+              <a:t>Learning to travel (from scratch)</a:t>
+            </a:r>
+          </a:p>
+        </p:txBody>
+      </p:sp>
+      <p:sp>
+        <p:nvSpPr>
+          <p:cNvPr id="3" name="Segnaposto contenuto 2">
+            <a:extLst>
+              <a:ext uri="{FF2B5EF4-FFF2-40B4-BE49-F238E27FC236}">
+                <a16:creationId xmlns:a16="http://schemas.microsoft.com/office/drawing/2014/main" id="{17B7C98C-91C5-42A6-AE60-10548043DE9E}"/>
+              </a:ext>
+            </a:extLst>
+          </p:cNvPr>
+          <p:cNvSpPr>
+            <a:spLocks noGrp="1"/>
+          </p:cNvSpPr>
+          <p:nvPr>
+            <p:ph idx="1"/>
+          </p:nvPr>
+        </p:nvSpPr>
+        <p:spPr>
+          <a:xfrm>
+            <a:off x="1261872" y="2013055"/>
+            <a:ext cx="8595360" cy="4167082"/>
+          </a:xfrm>
+        </p:spPr>
+        <p:txBody>
+          <a:bodyPr>
+            <a:normAutofit fontScale="85000" lnSpcReduction="20000"/>
+          </a:bodyPr>
+          <a:lstStyle/>
+          <a:p>
+            <a:r>
+              <a:rPr lang="it-IT" sz="1900" b="1" dirty="0"/>
+              <a:t>Goal: </a:t>
+            </a:r>
+            <a:r>
+              <a:rPr lang="it-IT" sz="1900" dirty="0" err="1"/>
+              <a:t>Learn</a:t>
+            </a:r>
+            <a:r>
+              <a:rPr lang="it-IT" sz="1900" dirty="0"/>
+              <a:t> to </a:t>
+            </a:r>
+            <a:r>
+              <a:rPr lang="it-IT" sz="1900" dirty="0" err="1"/>
+              <a:t>move</a:t>
+            </a:r>
+            <a:r>
+              <a:rPr lang="it-IT" sz="1900" dirty="0"/>
+              <a:t> from </a:t>
+            </a:r>
+            <a:r>
+              <a:rPr lang="it-IT" sz="1900" dirty="0" err="1"/>
+              <a:t>two</a:t>
+            </a:r>
+            <a:r>
+              <a:rPr lang="it-IT" sz="1900" dirty="0"/>
+              <a:t> </a:t>
+            </a:r>
+            <a:r>
+              <a:rPr lang="it-IT" sz="1900" dirty="0" err="1"/>
+              <a:t>distant</a:t>
+            </a:r>
+            <a:r>
+              <a:rPr lang="it-IT" sz="1900" dirty="0"/>
+              <a:t> </a:t>
+            </a:r>
+            <a:r>
+              <a:rPr lang="it-IT" sz="1900" dirty="0" err="1"/>
+              <a:t>cells</a:t>
+            </a:r>
+            <a:r>
+              <a:rPr lang="it-IT" sz="1900" dirty="0"/>
+              <a:t> in the </a:t>
+            </a:r>
+            <a:r>
+              <a:rPr lang="it-IT" sz="1900" dirty="0" err="1"/>
+              <a:t>Maze</a:t>
+            </a:r>
+            <a:r>
+              <a:rPr lang="it-IT" sz="1900" dirty="0"/>
+              <a:t> </a:t>
+            </a:r>
+            <a:r>
+              <a:rPr lang="it-IT" sz="1900" dirty="0" err="1"/>
+              <a:t>without</a:t>
+            </a:r>
+            <a:r>
+              <a:rPr lang="it-IT" sz="1900" dirty="0"/>
+              <a:t> </a:t>
+            </a:r>
+            <a:r>
+              <a:rPr lang="it-IT" sz="1900" dirty="0" err="1"/>
+              <a:t>going</a:t>
+            </a:r>
+            <a:r>
+              <a:rPr lang="it-IT" sz="1900" dirty="0"/>
+              <a:t> </a:t>
+            </a:r>
+            <a:r>
+              <a:rPr lang="it-IT" sz="1900" dirty="0" err="1"/>
+              <a:t>through</a:t>
+            </a:r>
+            <a:r>
+              <a:rPr lang="it-IT" sz="1900" dirty="0"/>
+              <a:t> </a:t>
+            </a:r>
+            <a:r>
+              <a:rPr lang="it-IT" sz="1900" dirty="0" err="1"/>
+              <a:t>illegal</a:t>
+            </a:r>
+            <a:r>
+              <a:rPr lang="it-IT" sz="1900" dirty="0"/>
+              <a:t> </a:t>
+            </a:r>
+            <a:r>
+              <a:rPr lang="it-IT" sz="1900" dirty="0" err="1"/>
+              <a:t>cells</a:t>
+            </a:r>
+            <a:r>
+              <a:rPr lang="it-IT" sz="1900" dirty="0"/>
+              <a:t>. (Predicate </a:t>
+            </a:r>
+            <a:r>
+              <a:rPr lang="it-IT" sz="1900" dirty="0" err="1">
+                <a:latin typeface="Courier New" panose="02070309020205020404" pitchFamily="49" charset="0"/>
+                <a:cs typeface="Courier New" panose="02070309020205020404" pitchFamily="49" charset="0"/>
+              </a:rPr>
+              <a:t>reach</a:t>
+            </a:r>
+            <a:r>
+              <a:rPr lang="it-IT" sz="1900" dirty="0">
+                <a:latin typeface="Courier New" panose="02070309020205020404" pitchFamily="49" charset="0"/>
+                <a:cs typeface="Courier New" panose="02070309020205020404" pitchFamily="49" charset="0"/>
+              </a:rPr>
+              <a:t>/2</a:t>
+            </a:r>
+            <a:r>
+              <a:rPr lang="it-IT" sz="1900" dirty="0"/>
+              <a:t>).</a:t>
+            </a:r>
+          </a:p>
+          <a:p>
+            <a:r>
+              <a:rPr lang="it-IT" sz="1900" b="1" dirty="0"/>
+              <a:t>Background Knowledge:</a:t>
+            </a:r>
+          </a:p>
+          <a:p>
+            <a:pPr lvl="1"/>
+            <a:r>
+              <a:rPr lang="it-IT" sz="1500" dirty="0" err="1">
+                <a:latin typeface="Courier New" panose="02070309020205020404" pitchFamily="49" charset="0"/>
+                <a:cs typeface="Courier New" panose="02070309020205020404" pitchFamily="49" charset="0"/>
+              </a:rPr>
+              <a:t>inc_x</a:t>
+            </a:r>
+            <a:r>
+              <a:rPr lang="it-IT" sz="1500" dirty="0">
+                <a:latin typeface="Courier New" panose="02070309020205020404" pitchFamily="49" charset="0"/>
+                <a:cs typeface="Courier New" panose="02070309020205020404" pitchFamily="49" charset="0"/>
+              </a:rPr>
+              <a:t>/2; </a:t>
+            </a:r>
+            <a:r>
+              <a:rPr lang="it-IT" sz="1500" dirty="0" err="1">
+                <a:latin typeface="Courier New" panose="02070309020205020404" pitchFamily="49" charset="0"/>
+                <a:cs typeface="Courier New" panose="02070309020205020404" pitchFamily="49" charset="0"/>
+              </a:rPr>
+              <a:t>dec_x</a:t>
+            </a:r>
+            <a:r>
+              <a:rPr lang="it-IT" sz="1500" dirty="0">
+                <a:latin typeface="Courier New" panose="02070309020205020404" pitchFamily="49" charset="0"/>
+                <a:cs typeface="Courier New" panose="02070309020205020404" pitchFamily="49" charset="0"/>
+              </a:rPr>
+              <a:t>/2; </a:t>
+            </a:r>
+            <a:r>
+              <a:rPr lang="it-IT" sz="1500" dirty="0" err="1">
+                <a:latin typeface="Courier New" panose="02070309020205020404" pitchFamily="49" charset="0"/>
+                <a:cs typeface="Courier New" panose="02070309020205020404" pitchFamily="49" charset="0"/>
+              </a:rPr>
+              <a:t>inc_y</a:t>
+            </a:r>
+            <a:r>
+              <a:rPr lang="it-IT" sz="1500" dirty="0">
+                <a:latin typeface="Courier New" panose="02070309020205020404" pitchFamily="49" charset="0"/>
+                <a:cs typeface="Courier New" panose="02070309020205020404" pitchFamily="49" charset="0"/>
+              </a:rPr>
+              <a:t>/2; </a:t>
+            </a:r>
+            <a:r>
+              <a:rPr lang="it-IT" sz="1500" dirty="0" err="1">
+                <a:latin typeface="Courier New" panose="02070309020205020404" pitchFamily="49" charset="0"/>
+                <a:cs typeface="Courier New" panose="02070309020205020404" pitchFamily="49" charset="0"/>
+              </a:rPr>
+              <a:t>dec_y</a:t>
+            </a:r>
+            <a:r>
+              <a:rPr lang="it-IT" sz="1500" dirty="0">
+                <a:latin typeface="Courier New" panose="02070309020205020404" pitchFamily="49" charset="0"/>
+                <a:cs typeface="Courier New" panose="02070309020205020404" pitchFamily="49" charset="0"/>
+              </a:rPr>
+              <a:t>/2;</a:t>
+            </a:r>
+          </a:p>
+          <a:p>
+            <a:pPr lvl="1"/>
+            <a:r>
+              <a:rPr lang="it-IT" sz="1500" dirty="0" err="1">
+                <a:latin typeface="Courier New" panose="02070309020205020404" pitchFamily="49" charset="0"/>
+                <a:cs typeface="Courier New" panose="02070309020205020404" pitchFamily="49" charset="0"/>
+              </a:rPr>
+              <a:t>legal_position</a:t>
+            </a:r>
+            <a:r>
+              <a:rPr lang="it-IT" sz="1500" dirty="0">
+                <a:latin typeface="Courier New" panose="02070309020205020404" pitchFamily="49" charset="0"/>
+                <a:cs typeface="Courier New" panose="02070309020205020404" pitchFamily="49" charset="0"/>
+              </a:rPr>
+              <a:t>/1.</a:t>
+            </a:r>
+          </a:p>
+          <a:p>
+            <a:r>
+              <a:rPr lang="it-IT" sz="1900" b="1" dirty="0" err="1">
+                <a:cs typeface="Courier New" panose="02070309020205020404" pitchFamily="49" charset="0"/>
+              </a:rPr>
+              <a:t>Metarules</a:t>
+            </a:r>
+            <a:r>
+              <a:rPr lang="it-IT" sz="1900" b="1" dirty="0">
+                <a:cs typeface="Courier New" panose="02070309020205020404" pitchFamily="49" charset="0"/>
+              </a:rPr>
+              <a:t>:</a:t>
+            </a:r>
+          </a:p>
+          <a:p>
+            <a:pPr lvl="1"/>
+            <a:r>
+              <a:rPr lang="it-IT" sz="1400" dirty="0" err="1">
+                <a:latin typeface="Courier New" panose="02070309020205020404" pitchFamily="49" charset="0"/>
+                <a:cs typeface="Courier New" panose="02070309020205020404" pitchFamily="49" charset="0"/>
+              </a:rPr>
+              <a:t>metarule</a:t>
+            </a:r>
+            <a:r>
+              <a:rPr lang="it-IT" sz="1400" dirty="0">
+                <a:latin typeface="Courier New" panose="02070309020205020404" pitchFamily="49" charset="0"/>
+                <a:cs typeface="Courier New" panose="02070309020205020404" pitchFamily="49" charset="0"/>
+              </a:rPr>
+              <a:t>(</a:t>
+            </a:r>
+            <a:r>
+              <a:rPr lang="it-IT" sz="1400" dirty="0" err="1">
+                <a:latin typeface="Courier New" panose="02070309020205020404" pitchFamily="49" charset="0"/>
+                <a:cs typeface="Courier New" panose="02070309020205020404" pitchFamily="49" charset="0"/>
+              </a:rPr>
+              <a:t>ident</a:t>
+            </a:r>
+            <a:r>
+              <a:rPr lang="it-IT" sz="1400" dirty="0">
+                <a:latin typeface="Courier New" panose="02070309020205020404" pitchFamily="49" charset="0"/>
+                <a:cs typeface="Courier New" panose="02070309020205020404" pitchFamily="49" charset="0"/>
+              </a:rPr>
+              <a:t>,[P,Q],[P,A,B],[[Q,A,B]]).</a:t>
+            </a:r>
+          </a:p>
+          <a:p>
+            <a:pPr lvl="1"/>
+            <a:r>
+              <a:rPr lang="it-IT" sz="1400" dirty="0" err="1">
+                <a:latin typeface="Courier New" panose="02070309020205020404" pitchFamily="49" charset="0"/>
+                <a:cs typeface="Courier New" panose="02070309020205020404" pitchFamily="49" charset="0"/>
+              </a:rPr>
+              <a:t>metarule</a:t>
+            </a:r>
+            <a:r>
+              <a:rPr lang="it-IT" sz="1400" dirty="0">
+                <a:latin typeface="Courier New" panose="02070309020205020404" pitchFamily="49" charset="0"/>
+                <a:cs typeface="Courier New" panose="02070309020205020404" pitchFamily="49" charset="0"/>
+              </a:rPr>
+              <a:t>(ident2,[P,Q],[P,A,B,[A,B]],[[Q,A,B]]).</a:t>
+            </a:r>
+          </a:p>
+          <a:p>
+            <a:pPr lvl="1"/>
+            <a:r>
+              <a:rPr lang="it-IT" sz="1400" dirty="0" err="1">
+                <a:latin typeface="Courier New" panose="02070309020205020404" pitchFamily="49" charset="0"/>
+                <a:cs typeface="Courier New" panose="02070309020205020404" pitchFamily="49" charset="0"/>
+              </a:rPr>
+              <a:t>metarule</a:t>
+            </a:r>
+            <a:r>
+              <a:rPr lang="it-IT" sz="1400" dirty="0">
+                <a:latin typeface="Courier New" panose="02070309020205020404" pitchFamily="49" charset="0"/>
+                <a:cs typeface="Courier New" panose="02070309020205020404" pitchFamily="49" charset="0"/>
+              </a:rPr>
+              <a:t>(</a:t>
+            </a:r>
+            <a:r>
+              <a:rPr lang="it-IT" sz="1400" dirty="0" err="1">
+                <a:latin typeface="Courier New" panose="02070309020205020404" pitchFamily="49" charset="0"/>
+                <a:cs typeface="Courier New" panose="02070309020205020404" pitchFamily="49" charset="0"/>
+              </a:rPr>
+              <a:t>prepostcon</a:t>
+            </a:r>
+            <a:r>
+              <a:rPr lang="it-IT" sz="1400" dirty="0">
+                <a:latin typeface="Courier New" panose="02070309020205020404" pitchFamily="49" charset="0"/>
+                <a:cs typeface="Courier New" panose="02070309020205020404" pitchFamily="49" charset="0"/>
+              </a:rPr>
+              <a:t>,[P,Q,R],[P,A,B],[[R,B],[Q,A,B]]).</a:t>
+            </a:r>
+          </a:p>
+          <a:p>
+            <a:pPr lvl="1"/>
+            <a:r>
+              <a:rPr lang="it-IT" sz="1400" dirty="0" err="1">
+                <a:latin typeface="Courier New" panose="02070309020205020404" pitchFamily="49" charset="0"/>
+                <a:cs typeface="Courier New" panose="02070309020205020404" pitchFamily="49" charset="0"/>
+              </a:rPr>
+              <a:t>metarule</a:t>
+            </a:r>
+            <a:r>
+              <a:rPr lang="it-IT" sz="1400" dirty="0">
+                <a:latin typeface="Courier New" panose="02070309020205020404" pitchFamily="49" charset="0"/>
+                <a:cs typeface="Courier New" panose="02070309020205020404" pitchFamily="49" charset="0"/>
+              </a:rPr>
+              <a:t>(</a:t>
+            </a:r>
+            <a:r>
+              <a:rPr lang="it-IT" sz="1400" dirty="0" err="1">
+                <a:latin typeface="Courier New" panose="02070309020205020404" pitchFamily="49" charset="0"/>
+                <a:cs typeface="Courier New" panose="02070309020205020404" pitchFamily="49" charset="0"/>
+              </a:rPr>
+              <a:t>recursion</a:t>
+            </a:r>
+            <a:r>
+              <a:rPr lang="it-IT" sz="1400" dirty="0">
+                <a:latin typeface="Courier New" panose="02070309020205020404" pitchFamily="49" charset="0"/>
+                <a:cs typeface="Courier New" panose="02070309020205020404" pitchFamily="49" charset="0"/>
+              </a:rPr>
+              <a:t>,[P,Q,R],[P,A,B,[A|L1]],[[R,B],[Q,A,C],[R,C],[P,C,B,L1]]).</a:t>
+            </a:r>
+          </a:p>
+          <a:p>
+            <a:r>
+              <a:rPr lang="it-IT" sz="1900" b="1" dirty="0">
+                <a:cs typeface="Courier New" panose="02070309020205020404" pitchFamily="49" charset="0"/>
+              </a:rPr>
+              <a:t>Positive </a:t>
+            </a:r>
+            <a:r>
+              <a:rPr lang="it-IT" sz="1900" b="1" dirty="0" err="1">
+                <a:cs typeface="Courier New" panose="02070309020205020404" pitchFamily="49" charset="0"/>
+              </a:rPr>
+              <a:t>examples</a:t>
+            </a:r>
+            <a:r>
+              <a:rPr lang="it-IT" sz="1900" b="1" dirty="0">
+                <a:cs typeface="Courier New" panose="02070309020205020404" pitchFamily="49" charset="0"/>
+              </a:rPr>
+              <a:t>:</a:t>
+            </a:r>
+          </a:p>
+          <a:p>
+            <a:pPr lvl="1"/>
+            <a:r>
+              <a:rPr lang="it-IT" sz="1500" dirty="0">
+                <a:cs typeface="Courier New" panose="02070309020205020404" pitchFamily="49" charset="0"/>
+              </a:rPr>
+              <a:t>4 </a:t>
+            </a:r>
+            <a:r>
+              <a:rPr lang="it-IT" sz="1500" dirty="0" err="1">
+                <a:cs typeface="Courier New" panose="02070309020205020404" pitchFamily="49" charset="0"/>
+              </a:rPr>
+              <a:t>examples</a:t>
+            </a:r>
+            <a:r>
+              <a:rPr lang="it-IT" sz="1500" dirty="0">
+                <a:cs typeface="Courier New" panose="02070309020205020404" pitchFamily="49" charset="0"/>
+              </a:rPr>
+              <a:t> </a:t>
+            </a:r>
+            <a:r>
+              <a:rPr lang="it-IT" sz="1500" dirty="0" err="1">
+                <a:cs typeface="Courier New" panose="02070309020205020404" pitchFamily="49" charset="0"/>
+              </a:rPr>
+              <a:t>representing</a:t>
+            </a:r>
+            <a:r>
+              <a:rPr lang="it-IT" sz="1500" dirty="0">
+                <a:cs typeface="Courier New" panose="02070309020205020404" pitchFamily="49" charset="0"/>
+              </a:rPr>
+              <a:t> a single step (one for </a:t>
+            </a:r>
+            <a:r>
+              <a:rPr lang="it-IT" sz="1500" dirty="0" err="1">
+                <a:cs typeface="Courier New" panose="02070309020205020404" pitchFamily="49" charset="0"/>
+              </a:rPr>
+              <a:t>each</a:t>
+            </a:r>
+            <a:r>
+              <a:rPr lang="it-IT" sz="1500" dirty="0">
+                <a:cs typeface="Courier New" panose="02070309020205020404" pitchFamily="49" charset="0"/>
+              </a:rPr>
+              <a:t> </a:t>
+            </a:r>
+            <a:r>
+              <a:rPr lang="it-IT" sz="1500" dirty="0" err="1">
+                <a:cs typeface="Courier New" panose="02070309020205020404" pitchFamily="49" charset="0"/>
+              </a:rPr>
+              <a:t>direction</a:t>
+            </a:r>
+            <a:r>
+              <a:rPr lang="it-IT" sz="1500" dirty="0">
+                <a:cs typeface="Courier New" panose="02070309020205020404" pitchFamily="49" charset="0"/>
+              </a:rPr>
+              <a:t>).</a:t>
+            </a:r>
+          </a:p>
+          <a:p>
+            <a:pPr lvl="1"/>
+            <a:r>
+              <a:rPr lang="it-IT" sz="1500" dirty="0">
+                <a:cs typeface="Courier New" panose="02070309020205020404" pitchFamily="49" charset="0"/>
+              </a:rPr>
+              <a:t>1 </a:t>
+            </a:r>
+            <a:r>
+              <a:rPr lang="it-IT" sz="1500" dirty="0" err="1">
+                <a:cs typeface="Courier New" panose="02070309020205020404" pitchFamily="49" charset="0"/>
+              </a:rPr>
+              <a:t>example</a:t>
+            </a:r>
+            <a:r>
+              <a:rPr lang="it-IT" sz="1500" dirty="0">
+                <a:cs typeface="Courier New" panose="02070309020205020404" pitchFamily="49" charset="0"/>
+              </a:rPr>
+              <a:t> </a:t>
+            </a:r>
+            <a:r>
+              <a:rPr lang="it-IT" sz="1500" dirty="0" err="1">
+                <a:cs typeface="Courier New" panose="02070309020205020404" pitchFamily="49" charset="0"/>
+              </a:rPr>
+              <a:t>representing</a:t>
+            </a:r>
+            <a:r>
+              <a:rPr lang="it-IT" sz="1500" dirty="0">
+                <a:cs typeface="Courier New" panose="02070309020205020404" pitchFamily="49" charset="0"/>
+              </a:rPr>
+              <a:t> a </a:t>
+            </a:r>
+            <a:r>
+              <a:rPr lang="it-IT" sz="1500" dirty="0" err="1">
+                <a:cs typeface="Courier New" panose="02070309020205020404" pitchFamily="49" charset="0"/>
+              </a:rPr>
+              <a:t>path</a:t>
+            </a:r>
+            <a:r>
+              <a:rPr lang="it-IT" sz="1500" dirty="0">
+                <a:cs typeface="Courier New" panose="02070309020205020404" pitchFamily="49" charset="0"/>
+              </a:rPr>
+              <a:t> </a:t>
+            </a:r>
+            <a:r>
+              <a:rPr lang="it-IT" sz="1500" dirty="0" err="1">
+                <a:cs typeface="Courier New" panose="02070309020205020404" pitchFamily="49" charset="0"/>
+              </a:rPr>
+              <a:t>which</a:t>
+            </a:r>
+            <a:r>
+              <a:rPr lang="it-IT" sz="1500" dirty="0">
+                <a:cs typeface="Courier New" panose="02070309020205020404" pitchFamily="49" charset="0"/>
+              </a:rPr>
+              <a:t> </a:t>
+            </a:r>
+            <a:r>
+              <a:rPr lang="it-IT" sz="1500" dirty="0" err="1">
+                <a:cs typeface="Courier New" panose="02070309020205020404" pitchFamily="49" charset="0"/>
+              </a:rPr>
+              <a:t>uses</a:t>
+            </a:r>
+            <a:r>
+              <a:rPr lang="it-IT" sz="1500" dirty="0">
+                <a:cs typeface="Courier New" panose="02070309020205020404" pitchFamily="49" charset="0"/>
+              </a:rPr>
+              <a:t> </a:t>
+            </a:r>
+            <a:r>
+              <a:rPr lang="it-IT" sz="1500" dirty="0" err="1">
+                <a:cs typeface="Courier New" panose="02070309020205020404" pitchFamily="49" charset="0"/>
+              </a:rPr>
+              <a:t>all</a:t>
+            </a:r>
+            <a:r>
+              <a:rPr lang="it-IT" sz="1500" dirty="0">
+                <a:cs typeface="Courier New" panose="02070309020205020404" pitchFamily="49" charset="0"/>
+              </a:rPr>
+              <a:t> 4 </a:t>
+            </a:r>
+            <a:r>
+              <a:rPr lang="it-IT" sz="1500" dirty="0" err="1">
+                <a:cs typeface="Courier New" panose="02070309020205020404" pitchFamily="49" charset="0"/>
+              </a:rPr>
+              <a:t>moves</a:t>
+            </a:r>
+            <a:r>
+              <a:rPr lang="it-IT" sz="1500" dirty="0">
+                <a:cs typeface="Courier New" panose="02070309020205020404" pitchFamily="49" charset="0"/>
+              </a:rPr>
+              <a:t> (</a:t>
+            </a:r>
+            <a:r>
+              <a:rPr lang="it-IT" sz="1500" dirty="0" err="1">
+                <a:latin typeface="Courier New" panose="02070309020205020404" pitchFamily="49" charset="0"/>
+                <a:cs typeface="Courier New" panose="02070309020205020404" pitchFamily="49" charset="0"/>
+              </a:rPr>
+              <a:t>reach</a:t>
+            </a:r>
+            <a:r>
+              <a:rPr lang="it-IT" sz="1500" dirty="0">
+                <a:latin typeface="Courier New" panose="02070309020205020404" pitchFamily="49" charset="0"/>
+                <a:cs typeface="Courier New" panose="02070309020205020404" pitchFamily="49" charset="0"/>
+              </a:rPr>
+              <a:t>((3,1),(4,5))</a:t>
+            </a:r>
+            <a:r>
+              <a:rPr lang="it-IT" sz="1500" dirty="0">
+                <a:cs typeface="Courier New" panose="02070309020205020404" pitchFamily="49" charset="0"/>
+              </a:rPr>
+              <a:t>)</a:t>
+            </a:r>
+          </a:p>
+          <a:p>
+            <a:r>
+              <a:rPr lang="en-US" sz="1900" b="1" dirty="0">
+                <a:cs typeface="Courier New" panose="02070309020205020404" pitchFamily="49" charset="0"/>
+              </a:rPr>
+              <a:t>Negative examples:</a:t>
+            </a:r>
+          </a:p>
+          <a:p>
+            <a:pPr lvl="1"/>
+            <a:r>
+              <a:rPr lang="it-IT" dirty="0">
+                <a:cs typeface="Courier New" panose="02070309020205020404" pitchFamily="49" charset="0"/>
+              </a:rPr>
+              <a:t>4 </a:t>
+            </a:r>
+            <a:r>
+              <a:rPr lang="it-IT" dirty="0" err="1">
+                <a:cs typeface="Courier New" panose="02070309020205020404" pitchFamily="49" charset="0"/>
+              </a:rPr>
+              <a:t>examples</a:t>
+            </a:r>
+            <a:r>
+              <a:rPr lang="it-IT" dirty="0">
+                <a:cs typeface="Courier New" panose="02070309020205020404" pitchFamily="49" charset="0"/>
+              </a:rPr>
+              <a:t> of single steps </a:t>
+            </a:r>
+            <a:r>
+              <a:rPr lang="it-IT" dirty="0" err="1">
+                <a:cs typeface="Courier New" panose="02070309020205020404" pitchFamily="49" charset="0"/>
+              </a:rPr>
+              <a:t>going</a:t>
+            </a:r>
+            <a:r>
+              <a:rPr lang="it-IT" dirty="0">
+                <a:cs typeface="Courier New" panose="02070309020205020404" pitchFamily="49" charset="0"/>
+              </a:rPr>
+              <a:t> out of bounds.</a:t>
+            </a:r>
+          </a:p>
+          <a:p>
+            <a:pPr lvl="1"/>
+            <a:r>
+              <a:rPr lang="it-IT" dirty="0">
+                <a:cs typeface="Courier New" panose="02070309020205020404" pitchFamily="49" charset="0"/>
+              </a:rPr>
+              <a:t>4 </a:t>
+            </a:r>
+            <a:r>
+              <a:rPr lang="it-IT" dirty="0" err="1">
+                <a:cs typeface="Courier New" panose="02070309020205020404" pitchFamily="49" charset="0"/>
+              </a:rPr>
+              <a:t>examples</a:t>
+            </a:r>
+            <a:r>
+              <a:rPr lang="it-IT" dirty="0">
+                <a:cs typeface="Courier New" panose="02070309020205020404" pitchFamily="49" charset="0"/>
+              </a:rPr>
+              <a:t> of single steps </a:t>
+            </a:r>
+            <a:r>
+              <a:rPr lang="it-IT" dirty="0" err="1">
+                <a:cs typeface="Courier New" panose="02070309020205020404" pitchFamily="49" charset="0"/>
+              </a:rPr>
+              <a:t>going</a:t>
+            </a:r>
+            <a:r>
+              <a:rPr lang="it-IT" dirty="0">
+                <a:cs typeface="Courier New" panose="02070309020205020404" pitchFamily="49" charset="0"/>
+              </a:rPr>
+              <a:t> </a:t>
+            </a:r>
+            <a:r>
+              <a:rPr lang="it-IT" dirty="0" err="1">
+                <a:cs typeface="Courier New" panose="02070309020205020404" pitchFamily="49" charset="0"/>
+              </a:rPr>
+              <a:t>into</a:t>
+            </a:r>
+            <a:r>
+              <a:rPr lang="it-IT" dirty="0">
+                <a:cs typeface="Courier New" panose="02070309020205020404" pitchFamily="49" charset="0"/>
+              </a:rPr>
+              <a:t> </a:t>
+            </a:r>
+            <a:r>
+              <a:rPr lang="it-IT" dirty="0" err="1">
+                <a:cs typeface="Courier New" panose="02070309020205020404" pitchFamily="49" charset="0"/>
+              </a:rPr>
+              <a:t>obstacles</a:t>
+            </a:r>
+            <a:r>
+              <a:rPr lang="it-IT" dirty="0">
+                <a:cs typeface="Courier New" panose="02070309020205020404" pitchFamily="49" charset="0"/>
+              </a:rPr>
+              <a:t>.</a:t>
+            </a:r>
+          </a:p>
+          <a:p>
+            <a:endParaRPr lang="it-IT" sz="1100" dirty="0"/>
+          </a:p>
+        </p:txBody>
+      </p:sp>
+    </p:spTree>
+    <p:extLst>
+      <p:ext uri="{BB962C8B-B14F-4D97-AF65-F5344CB8AC3E}">
+        <p14:creationId xmlns:p14="http://schemas.microsoft.com/office/powerpoint/2010/main" val="2777569243"/>
+      </p:ext>
+    </p:extLst>
+  </p:cSld>
+  <p:clrMapOvr>
+    <a:masterClrMapping/>
+  </p:clrMapOvr>
+</p:sld>
+</file>
+
+<file path=ppt/slides/slide21.xml><?xml version="1.0" encoding="utf-8"?>
+<p:sld xmlns:a="http://schemas.openxmlformats.org/drawingml/2006/main" xmlns:r="http://schemas.openxmlformats.org/officeDocument/2006/relationships" xmlns:p="http://schemas.openxmlformats.org/presentationml/2006/main">
+  <p:cSld>
+    <p:bg>
+      <p:bgPr>
+        <a:solidFill>
+          <a:schemeClr val="bg1"/>
+        </a:solidFill>
+        <a:effectLst/>
+      </p:bgPr>
+    </p:bg>
+    <p:spTree>
+      <p:nvGrpSpPr>
+        <p:cNvPr id="1" name=""/>
+        <p:cNvGrpSpPr/>
+        <p:nvPr/>
+      </p:nvGrpSpPr>
+      <p:grpSpPr>
+        <a:xfrm>
+          <a:off x="0" y="0"/>
+          <a:ext cx="0" cy="0"/>
+          <a:chOff x="0" y="0"/>
+          <a:chExt cx="0" cy="0"/>
+        </a:xfrm>
+      </p:grpSpPr>
+      <p:sp>
+        <p:nvSpPr>
           <p:cNvPr id="20" name="Rectangle 19">
             <a:extLst>
               <a:ext uri="{FF2B5EF4-FFF2-40B4-BE49-F238E27FC236}">
@@ -18720,7 +19006,31 @@
             </a:r>
             <a:r>
               <a:rPr lang="it-IT" dirty="0"/>
-              <a:t> are learning </a:t>
+              <a:t> are </a:t>
+            </a:r>
+            <a:r>
+              <a:rPr lang="it-IT" dirty="0" err="1"/>
+              <a:t>able</a:t>
+            </a:r>
+            <a:r>
+              <a:rPr lang="it-IT" dirty="0"/>
+              <a:t> to </a:t>
+            </a:r>
+            <a:r>
+              <a:rPr lang="it-IT" dirty="0" err="1"/>
+              <a:t>learn</a:t>
+            </a:r>
+            <a:r>
+              <a:rPr lang="it-IT" dirty="0"/>
+              <a:t> </a:t>
+            </a:r>
+            <a:r>
+              <a:rPr lang="it-IT" dirty="0" err="1"/>
+              <a:t>both</a:t>
+            </a:r>
+            <a:r>
+              <a:rPr lang="it-IT" dirty="0"/>
+              <a:t> </a:t>
             </a:r>
             <a:r>
               <a:rPr lang="it-IT" dirty="0" err="1">
@@ -18728,6 +19038,26 @@
                 <a:cs typeface="Courier New" panose="02070309020205020404" pitchFamily="49" charset="0"/>
               </a:rPr>
               <a:t>move</a:t>
+            </a:r>
+            <a:r>
+              <a:rPr lang="it-IT" dirty="0">
+                <a:latin typeface="Courier New" panose="02070309020205020404" pitchFamily="49" charset="0"/>
+                <a:cs typeface="Courier New" panose="02070309020205020404" pitchFamily="49" charset="0"/>
+              </a:rPr>
+              <a:t>/2 </a:t>
+            </a:r>
+            <a:r>
+              <a:rPr lang="it-IT" dirty="0">
+                <a:cs typeface="Courier New" panose="02070309020205020404" pitchFamily="49" charset="0"/>
+              </a:rPr>
+              <a:t>and </a:t>
+            </a:r>
+            <a:r>
+              <a:rPr lang="it-IT" dirty="0" err="1">
+                <a:latin typeface="Courier New" panose="02070309020205020404" pitchFamily="49" charset="0"/>
+                <a:cs typeface="Courier New" panose="02070309020205020404" pitchFamily="49" charset="0"/>
+              </a:rPr>
+              <a:t>adjacent</a:t>
             </a:r>
             <a:r>
               <a:rPr lang="it-IT" dirty="0">
@@ -18802,7 +19132,7 @@
 </p:sld>
 </file>
 
-<file path=ppt/slides/slide21.xml><?xml version="1.0" encoding="utf-8"?>
+<file path=ppt/slides/slide22.xml><?xml version="1.0" encoding="utf-8"?>
 <p:sld xmlns:a="http://schemas.openxmlformats.org/drawingml/2006/main" xmlns:r="http://schemas.openxmlformats.org/officeDocument/2006/relationships" xmlns:p="http://schemas.openxmlformats.org/presentationml/2006/main">
   <p:cSld>
     <p:bg>
@@ -19269,7 +19599,7 @@
 </p:sld>
 </file>
 
-<file path=ppt/slides/slide22.xml><?xml version="1.0" encoding="utf-8"?>
+<file path=ppt/slides/slide23.xml><?xml version="1.0" encoding="utf-8"?>
 <p:sld xmlns:a="http://schemas.openxmlformats.org/drawingml/2006/main" xmlns:r="http://schemas.openxmlformats.org/officeDocument/2006/relationships" xmlns:p="http://schemas.openxmlformats.org/presentationml/2006/main">
   <p:cSld>
     <p:bg>
@@ -19588,7 +19918,7 @@
 </p:sld>
 </file>
 
-<file path=ppt/slides/slide23.xml><?xml version="1.0" encoding="utf-8"?>
+<file path=ppt/slides/slide24.xml><?xml version="1.0" encoding="utf-8"?>
 <p:sld xmlns:a="http://schemas.openxmlformats.org/drawingml/2006/main" xmlns:r="http://schemas.openxmlformats.org/officeDocument/2006/relationships" xmlns:p="http://schemas.openxmlformats.org/presentationml/2006/main">
   <p:cSld>
     <p:spTree>
@@ -20277,7 +20607,7 @@
 </p:sld>
 </file>
 
-<file path=ppt/slides/slide24.xml><?xml version="1.0" encoding="utf-8"?>
+<file path=ppt/slides/slide25.xml><?xml version="1.0" encoding="utf-8"?>
 <p:sld xmlns:a="http://schemas.openxmlformats.org/drawingml/2006/main" xmlns:r="http://schemas.openxmlformats.org/officeDocument/2006/relationships" xmlns:p="http://schemas.openxmlformats.org/presentationml/2006/main">
   <p:cSld>
     <p:spTree>
@@ -20368,7 +20698,7 @@
 </p:sld>
 </file>
 
-<file path=ppt/slides/slide25.xml><?xml version="1.0" encoding="utf-8"?>
+<file path=ppt/slides/slide26.xml><?xml version="1.0" encoding="utf-8"?>
 <p:sld xmlns:a="http://schemas.openxmlformats.org/drawingml/2006/main" xmlns:r="http://schemas.openxmlformats.org/officeDocument/2006/relationships" xmlns:p="http://schemas.openxmlformats.org/presentationml/2006/main">
   <p:cSld>
     <p:spTree>
@@ -20646,7 +20976,7 @@
 </p:sld>
 </file>
 
-<file path=ppt/slides/slide26.xml><?xml version="1.0" encoding="utf-8"?>
+<file path=ppt/slides/slide27.xml><?xml version="1.0" encoding="utf-8"?>
 <p:sld xmlns:a="http://schemas.openxmlformats.org/drawingml/2006/main" xmlns:r="http://schemas.openxmlformats.org/officeDocument/2006/relationships" xmlns:p="http://schemas.openxmlformats.org/presentationml/2006/main">
   <p:cSld>
     <p:spTree>

--- a/ATAI_Presentation.pptx
+++ b/ATAI_Presentation.pptx
@@ -5,7 +5,7 @@
     <p:sldMasterId id="2147483660" r:id="rId1"/>
   </p:sldMasterIdLst>
   <p:notesMasterIdLst>
-    <p:notesMasterId r:id="rId29"/>
+    <p:notesMasterId r:id="rId34"/>
   </p:notesMasterIdLst>
   <p:sldIdLst>
     <p:sldId id="256" r:id="rId2"/>
@@ -35,6 +35,11 @@
     <p:sldId id="287" r:id="rId26"/>
     <p:sldId id="288" r:id="rId27"/>
     <p:sldId id="292" r:id="rId28"/>
+    <p:sldId id="295" r:id="rId29"/>
+    <p:sldId id="296" r:id="rId30"/>
+    <p:sldId id="298" r:id="rId31"/>
+    <p:sldId id="299" r:id="rId32"/>
+    <p:sldId id="301" r:id="rId33"/>
   </p:sldIdLst>
   <p:sldSz cx="12192000" cy="6858000"/>
   <p:notesSz cx="6858000" cy="9144000"/>
@@ -144,8 +149,7 @@
 <file path=ppt/revisionInfo.xml><?xml version="1.0" encoding="utf-8"?>
 <p1510:revInfo xmlns:a="http://schemas.openxmlformats.org/drawingml/2006/main" xmlns:r="http://schemas.openxmlformats.org/officeDocument/2006/relationships" xmlns:p1510="http://schemas.microsoft.com/office/powerpoint/2015/10/main">
   <p1510:revLst>
-    <p1510:client id="{82F5C372-4CFF-44C5-9E84-8FD24BAA211C}" v="34" dt="2021-07-03T14:49:35.928"/>
-    <p1510:client id="{A99E2092-6289-4F05-ABB0-BFCB1DB98601}" v="57" dt="2021-07-04T12:16:00.813"/>
+    <p1510:client id="{A99E2092-6289-4F05-ABB0-BFCB1DB98601}" v="112" dt="2021-07-04T14:55:39.494"/>
   </p1510:revLst>
 </p1510:revInfo>
 </file>
@@ -155,7 +159,7 @@
   <pc:docChgLst>
     <pc:chgData name="Al ex" userId="1d73023b5acb93cf" providerId="LiveId" clId="{A99E2092-6289-4F05-ABB0-BFCB1DB98601}"/>
     <pc:docChg chg="undo redo custSel addSld delSld modSld">
-      <pc:chgData name="Al ex" userId="1d73023b5acb93cf" providerId="LiveId" clId="{A99E2092-6289-4F05-ABB0-BFCB1DB98601}" dt="2021-07-04T12:40:16.328" v="1252" actId="20577"/>
+      <pc:chgData name="Al ex" userId="1d73023b5acb93cf" providerId="LiveId" clId="{A99E2092-6289-4F05-ABB0-BFCB1DB98601}" dt="2021-07-04T14:59:11.470" v="2977" actId="20577"/>
       <pc:docMkLst>
         <pc:docMk/>
       </pc:docMkLst>
@@ -401,6 +405,21 @@
             <ac:picMk id="5" creationId="{8CBB88FA-6CC5-4058-B997-6B93B0B98EB6}"/>
           </ac:picMkLst>
         </pc:picChg>
+      </pc:sldChg>
+      <pc:sldChg chg="modSp mod">
+        <pc:chgData name="Al ex" userId="1d73023b5acb93cf" providerId="LiveId" clId="{A99E2092-6289-4F05-ABB0-BFCB1DB98601}" dt="2021-07-04T14:42:38.018" v="1666" actId="123"/>
+        <pc:sldMkLst>
+          <pc:docMk/>
+          <pc:sldMk cId="2386237977" sldId="267"/>
+        </pc:sldMkLst>
+        <pc:spChg chg="mod">
+          <ac:chgData name="Al ex" userId="1d73023b5acb93cf" providerId="LiveId" clId="{A99E2092-6289-4F05-ABB0-BFCB1DB98601}" dt="2021-07-04T14:42:38.018" v="1666" actId="123"/>
+          <ac:spMkLst>
+            <pc:docMk/>
+            <pc:sldMk cId="2386237977" sldId="267"/>
+            <ac:spMk id="3" creationId="{5A1B9CF7-7836-45FA-8266-852C7D3D1E59}"/>
+          </ac:spMkLst>
+        </pc:spChg>
       </pc:sldChg>
       <pc:sldChg chg="del">
         <pc:chgData name="Al ex" userId="1d73023b5acb93cf" providerId="LiveId" clId="{A99E2092-6289-4F05-ABB0-BFCB1DB98601}" dt="2021-07-04T08:40:57.630" v="136" actId="2696"/>
@@ -1352,7 +1371,7 @@
         </pc:picChg>
       </pc:sldChg>
       <pc:sldChg chg="addSp delSp modSp add mod">
-        <pc:chgData name="Al ex" userId="1d73023b5acb93cf" providerId="LiveId" clId="{A99E2092-6289-4F05-ABB0-BFCB1DB98601}" dt="2021-07-04T09:28:02.559" v="1011" actId="1035"/>
+        <pc:chgData name="Al ex" userId="1d73023b5acb93cf" providerId="LiveId" clId="{A99E2092-6289-4F05-ABB0-BFCB1DB98601}" dt="2021-07-04T14:33:19.021" v="1258" actId="20577"/>
         <pc:sldMkLst>
           <pc:docMk/>
           <pc:sldMk cId="1107455208" sldId="292"/>
@@ -1366,7 +1385,7 @@
           </ac:spMkLst>
         </pc:spChg>
         <pc:spChg chg="add del mod">
-          <ac:chgData name="Al ex" userId="1d73023b5acb93cf" providerId="LiveId" clId="{A99E2092-6289-4F05-ABB0-BFCB1DB98601}" dt="2021-07-04T09:27:58.196" v="990" actId="14100"/>
+          <ac:chgData name="Al ex" userId="1d73023b5acb93cf" providerId="LiveId" clId="{A99E2092-6289-4F05-ABB0-BFCB1DB98601}" dt="2021-07-04T14:33:19.021" v="1258" actId="20577"/>
           <ac:spMkLst>
             <pc:docMk/>
             <pc:sldMk cId="1107455208" sldId="292"/>
@@ -1450,6 +1469,422 @@
           <pc:docMk/>
           <pc:sldMk cId="994004367" sldId="294"/>
         </pc:sldMkLst>
+      </pc:sldChg>
+      <pc:sldChg chg="addSp delSp modSp new del mod setBg">
+        <pc:chgData name="Al ex" userId="1d73023b5acb93cf" providerId="LiveId" clId="{A99E2092-6289-4F05-ABB0-BFCB1DB98601}" dt="2021-07-04T14:44:05.774" v="1744" actId="2696"/>
+        <pc:sldMkLst>
+          <pc:docMk/>
+          <pc:sldMk cId="2351001983" sldId="294"/>
+        </pc:sldMkLst>
+        <pc:spChg chg="mod">
+          <ac:chgData name="Al ex" userId="1d73023b5acb93cf" providerId="LiveId" clId="{A99E2092-6289-4F05-ABB0-BFCB1DB98601}" dt="2021-07-04T14:34:55.316" v="1362" actId="20577"/>
+          <ac:spMkLst>
+            <pc:docMk/>
+            <pc:sldMk cId="2351001983" sldId="294"/>
+            <ac:spMk id="2" creationId="{82D9A1DF-C34D-45E7-A1F4-C2F87BDC64CE}"/>
+          </ac:spMkLst>
+        </pc:spChg>
+        <pc:spChg chg="del mod">
+          <ac:chgData name="Al ex" userId="1d73023b5acb93cf" providerId="LiveId" clId="{A99E2092-6289-4F05-ABB0-BFCB1DB98601}" dt="2021-07-04T14:35:10.226" v="1363"/>
+          <ac:spMkLst>
+            <pc:docMk/>
+            <pc:sldMk cId="2351001983" sldId="294"/>
+            <ac:spMk id="3" creationId="{6643F38D-0C87-4D9F-BD52-252AEC7BC705}"/>
+          </ac:spMkLst>
+        </pc:spChg>
+        <pc:spChg chg="add del mod">
+          <ac:chgData name="Al ex" userId="1d73023b5acb93cf" providerId="LiveId" clId="{A99E2092-6289-4F05-ABB0-BFCB1DB98601}" dt="2021-07-04T14:35:40.235" v="1365" actId="3680"/>
+          <ac:spMkLst>
+            <pc:docMk/>
+            <pc:sldMk cId="2351001983" sldId="294"/>
+            <ac:spMk id="7" creationId="{25CBB941-4236-488E-A137-961AC70B9273}"/>
+          </ac:spMkLst>
+        </pc:spChg>
+        <pc:spChg chg="add">
+          <ac:chgData name="Al ex" userId="1d73023b5acb93cf" providerId="LiveId" clId="{A99E2092-6289-4F05-ABB0-BFCB1DB98601}" dt="2021-07-04T14:34:45.173" v="1338" actId="26606"/>
+          <ac:spMkLst>
+            <pc:docMk/>
+            <pc:sldMk cId="2351001983" sldId="294"/>
+            <ac:spMk id="9" creationId="{AB1CEEAD-825F-41AD-B0DB-77CE90932D00}"/>
+          </ac:spMkLst>
+        </pc:spChg>
+        <pc:graphicFrameChg chg="add mod ord modGraphic">
+          <ac:chgData name="Al ex" userId="1d73023b5acb93cf" providerId="LiveId" clId="{A99E2092-6289-4F05-ABB0-BFCB1DB98601}" dt="2021-07-04T14:40:16.711" v="1523" actId="20577"/>
+          <ac:graphicFrameMkLst>
+            <pc:docMk/>
+            <pc:sldMk cId="2351001983" sldId="294"/>
+            <ac:graphicFrameMk id="8" creationId="{CC0AD87A-A134-4E19-8A94-6B4F97C76A94}"/>
+          </ac:graphicFrameMkLst>
+        </pc:graphicFrameChg>
+        <pc:picChg chg="add mod ord">
+          <ac:chgData name="Al ex" userId="1d73023b5acb93cf" providerId="LiveId" clId="{A99E2092-6289-4F05-ABB0-BFCB1DB98601}" dt="2021-07-04T14:34:45.173" v="1338" actId="26606"/>
+          <ac:picMkLst>
+            <pc:docMk/>
+            <pc:sldMk cId="2351001983" sldId="294"/>
+            <ac:picMk id="4" creationId="{3CD013DB-C867-4E08-AF3E-CF00AA007229}"/>
+          </ac:picMkLst>
+        </pc:picChg>
+        <pc:picChg chg="add del mod">
+          <ac:chgData name="Al ex" userId="1d73023b5acb93cf" providerId="LiveId" clId="{A99E2092-6289-4F05-ABB0-BFCB1DB98601}" dt="2021-07-04T14:35:31.502" v="1364" actId="478"/>
+          <ac:picMkLst>
+            <pc:docMk/>
+            <pc:sldMk cId="2351001983" sldId="294"/>
+            <ac:picMk id="6" creationId="{00042C74-126F-491C-B8FE-F731DB5A3D80}"/>
+          </ac:picMkLst>
+        </pc:picChg>
+      </pc:sldChg>
+      <pc:sldChg chg="addSp delSp modSp add mod setBg modAnim delDesignElem">
+        <pc:chgData name="Al ex" userId="1d73023b5acb93cf" providerId="LiveId" clId="{A99E2092-6289-4F05-ABB0-BFCB1DB98601}" dt="2021-07-04T14:34:21.469" v="1322" actId="478"/>
+        <pc:sldMkLst>
+          <pc:docMk/>
+          <pc:sldMk cId="2906828191" sldId="295"/>
+        </pc:sldMkLst>
+        <pc:spChg chg="add mod">
+          <ac:chgData name="Al ex" userId="1d73023b5acb93cf" providerId="LiveId" clId="{A99E2092-6289-4F05-ABB0-BFCB1DB98601}" dt="2021-07-04T14:34:21.469" v="1322" actId="478"/>
+          <ac:spMkLst>
+            <pc:docMk/>
+            <pc:sldMk cId="2906828191" sldId="295"/>
+            <ac:spMk id="3" creationId="{016B18C2-8F41-4BC1-BD19-6C5F06C97F6C}"/>
+          </ac:spMkLst>
+        </pc:spChg>
+        <pc:spChg chg="mod">
+          <ac:chgData name="Al ex" userId="1d73023b5acb93cf" providerId="LiveId" clId="{A99E2092-6289-4F05-ABB0-BFCB1DB98601}" dt="2021-07-04T14:34:18.150" v="1321" actId="20577"/>
+          <ac:spMkLst>
+            <pc:docMk/>
+            <pc:sldMk cId="2906828191" sldId="295"/>
+            <ac:spMk id="4" creationId="{C219A1C0-0B46-405B-A2A6-78424FE9EE86}"/>
+          </ac:spMkLst>
+        </pc:spChg>
+        <pc:spChg chg="del mod">
+          <ac:chgData name="Al ex" userId="1d73023b5acb93cf" providerId="LiveId" clId="{A99E2092-6289-4F05-ABB0-BFCB1DB98601}" dt="2021-07-04T14:34:21.469" v="1322" actId="478"/>
+          <ac:spMkLst>
+            <pc:docMk/>
+            <pc:sldMk cId="2906828191" sldId="295"/>
+            <ac:spMk id="5" creationId="{1B09F84D-3E3B-4CFC-B045-25FEB4890D73}"/>
+          </ac:spMkLst>
+        </pc:spChg>
+        <pc:spChg chg="del">
+          <ac:chgData name="Al ex" userId="1d73023b5acb93cf" providerId="LiveId" clId="{A99E2092-6289-4F05-ABB0-BFCB1DB98601}" dt="2021-07-04T14:33:47.814" v="1277"/>
+          <ac:spMkLst>
+            <pc:docMk/>
+            <pc:sldMk cId="2906828191" sldId="295"/>
+            <ac:spMk id="8" creationId="{EFB0C39A-F8CA-4A79-AFFC-E9780FB1991A}"/>
+          </ac:spMkLst>
+        </pc:spChg>
+        <pc:spChg chg="add">
+          <ac:chgData name="Al ex" userId="1d73023b5acb93cf" providerId="LiveId" clId="{A99E2092-6289-4F05-ABB0-BFCB1DB98601}" dt="2021-07-04T14:33:51.969" v="1278" actId="26606"/>
+          <ac:spMkLst>
+            <pc:docMk/>
+            <pc:sldMk cId="2906828191" sldId="295"/>
+            <ac:spMk id="11" creationId="{EFB0C39A-F8CA-4A79-AFFC-E9780FB1991A}"/>
+          </ac:spMkLst>
+        </pc:spChg>
+      </pc:sldChg>
+      <pc:sldChg chg="addSp modSp new mod setBg">
+        <pc:chgData name="Al ex" userId="1d73023b5acb93cf" providerId="LiveId" clId="{A99E2092-6289-4F05-ABB0-BFCB1DB98601}" dt="2021-07-04T14:44:54.730" v="1935" actId="20577"/>
+        <pc:sldMkLst>
+          <pc:docMk/>
+          <pc:sldMk cId="517097051" sldId="296"/>
+        </pc:sldMkLst>
+        <pc:spChg chg="mod">
+          <ac:chgData name="Al ex" userId="1d73023b5acb93cf" providerId="LiveId" clId="{A99E2092-6289-4F05-ABB0-BFCB1DB98601}" dt="2021-07-04T14:44:02.301" v="1743" actId="20577"/>
+          <ac:spMkLst>
+            <pc:docMk/>
+            <pc:sldMk cId="517097051" sldId="296"/>
+            <ac:spMk id="2" creationId="{498E1046-4F0F-4203-98B6-67896658A6E1}"/>
+          </ac:spMkLst>
+        </pc:spChg>
+        <pc:spChg chg="mod">
+          <ac:chgData name="Al ex" userId="1d73023b5acb93cf" providerId="LiveId" clId="{A99E2092-6289-4F05-ABB0-BFCB1DB98601}" dt="2021-07-04T14:44:54.730" v="1935" actId="20577"/>
+          <ac:spMkLst>
+            <pc:docMk/>
+            <pc:sldMk cId="517097051" sldId="296"/>
+            <ac:spMk id="3" creationId="{79011857-90FA-434C-B61E-35FF2BCF2E77}"/>
+          </ac:spMkLst>
+        </pc:spChg>
+        <pc:spChg chg="add">
+          <ac:chgData name="Al ex" userId="1d73023b5acb93cf" providerId="LiveId" clId="{A99E2092-6289-4F05-ABB0-BFCB1DB98601}" dt="2021-07-04T14:43:12.659" v="1669" actId="26606"/>
+          <ac:spMkLst>
+            <pc:docMk/>
+            <pc:sldMk cId="517097051" sldId="296"/>
+            <ac:spMk id="9" creationId="{AB1CEEAD-825F-41AD-B0DB-77CE90932D00}"/>
+          </ac:spMkLst>
+        </pc:spChg>
+        <pc:graphicFrameChg chg="add mod">
+          <ac:chgData name="Al ex" userId="1d73023b5acb93cf" providerId="LiveId" clId="{A99E2092-6289-4F05-ABB0-BFCB1DB98601}" dt="2021-07-04T14:43:28.232" v="1673" actId="1035"/>
+          <ac:graphicFrameMkLst>
+            <pc:docMk/>
+            <pc:sldMk cId="517097051" sldId="296"/>
+            <ac:graphicFrameMk id="6" creationId="{3C9893CB-1F9C-4F26-AC5D-0711303E5C99}"/>
+          </ac:graphicFrameMkLst>
+        </pc:graphicFrameChg>
+        <pc:picChg chg="add mod ord">
+          <ac:chgData name="Al ex" userId="1d73023b5acb93cf" providerId="LiveId" clId="{A99E2092-6289-4F05-ABB0-BFCB1DB98601}" dt="2021-07-04T14:43:12.659" v="1669" actId="26606"/>
+          <ac:picMkLst>
+            <pc:docMk/>
+            <pc:sldMk cId="517097051" sldId="296"/>
+            <ac:picMk id="4" creationId="{87DA433B-249B-4F26-9FC2-2E4EE7469D6E}"/>
+          </ac:picMkLst>
+        </pc:picChg>
+      </pc:sldChg>
+      <pc:sldChg chg="new del">
+        <pc:chgData name="Al ex" userId="1d73023b5acb93cf" providerId="LiveId" clId="{A99E2092-6289-4F05-ABB0-BFCB1DB98601}" dt="2021-07-04T14:48:43.223" v="2387" actId="2696"/>
+        <pc:sldMkLst>
+          <pc:docMk/>
+          <pc:sldMk cId="4091205211" sldId="297"/>
+        </pc:sldMkLst>
+      </pc:sldChg>
+      <pc:sldChg chg="modSp add mod">
+        <pc:chgData name="Al ex" userId="1d73023b5acb93cf" providerId="LiveId" clId="{A99E2092-6289-4F05-ABB0-BFCB1DB98601}" dt="2021-07-04T14:59:11.470" v="2977" actId="20577"/>
+        <pc:sldMkLst>
+          <pc:docMk/>
+          <pc:sldMk cId="642043342" sldId="298"/>
+        </pc:sldMkLst>
+        <pc:spChg chg="mod">
+          <ac:chgData name="Al ex" userId="1d73023b5acb93cf" providerId="LiveId" clId="{A99E2092-6289-4F05-ABB0-BFCB1DB98601}" dt="2021-07-04T14:45:40.025" v="1956" actId="20577"/>
+          <ac:spMkLst>
+            <pc:docMk/>
+            <pc:sldMk cId="642043342" sldId="298"/>
+            <ac:spMk id="2" creationId="{0A12707C-3206-4993-9DBE-17D9EACB1C00}"/>
+          </ac:spMkLst>
+        </pc:spChg>
+        <pc:spChg chg="mod">
+          <ac:chgData name="Al ex" userId="1d73023b5acb93cf" providerId="LiveId" clId="{A99E2092-6289-4F05-ABB0-BFCB1DB98601}" dt="2021-07-04T14:59:11.470" v="2977" actId="20577"/>
+          <ac:spMkLst>
+            <pc:docMk/>
+            <pc:sldMk cId="642043342" sldId="298"/>
+            <ac:spMk id="3" creationId="{D879B614-B7EF-4C41-B525-645B6994B712}"/>
+          </ac:spMkLst>
+        </pc:spChg>
+      </pc:sldChg>
+      <pc:sldChg chg="addSp delSp modSp add mod modClrScheme chgLayout">
+        <pc:chgData name="Al ex" userId="1d73023b5acb93cf" providerId="LiveId" clId="{A99E2092-6289-4F05-ABB0-BFCB1DB98601}" dt="2021-07-04T14:58:25.083" v="2914" actId="113"/>
+        <pc:sldMkLst>
+          <pc:docMk/>
+          <pc:sldMk cId="2155357078" sldId="299"/>
+        </pc:sldMkLst>
+        <pc:spChg chg="mod ord">
+          <ac:chgData name="Al ex" userId="1d73023b5acb93cf" providerId="LiveId" clId="{A99E2092-6289-4F05-ABB0-BFCB1DB98601}" dt="2021-07-04T14:49:16.122" v="2421" actId="700"/>
+          <ac:spMkLst>
+            <pc:docMk/>
+            <pc:sldMk cId="2155357078" sldId="299"/>
+            <ac:spMk id="2" creationId="{0A12707C-3206-4993-9DBE-17D9EACB1C00}"/>
+          </ac:spMkLst>
+        </pc:spChg>
+        <pc:spChg chg="mod ord">
+          <ac:chgData name="Al ex" userId="1d73023b5acb93cf" providerId="LiveId" clId="{A99E2092-6289-4F05-ABB0-BFCB1DB98601}" dt="2021-07-04T14:58:13.343" v="2913" actId="20577"/>
+          <ac:spMkLst>
+            <pc:docMk/>
+            <pc:sldMk cId="2155357078" sldId="299"/>
+            <ac:spMk id="3" creationId="{D879B614-B7EF-4C41-B525-645B6994B712}"/>
+          </ac:spMkLst>
+        </pc:spChg>
+        <pc:spChg chg="add mod ord">
+          <ac:chgData name="Al ex" userId="1d73023b5acb93cf" providerId="LiveId" clId="{A99E2092-6289-4F05-ABB0-BFCB1DB98601}" dt="2021-07-04T14:51:02.336" v="2452" actId="20577"/>
+          <ac:spMkLst>
+            <pc:docMk/>
+            <pc:sldMk cId="2155357078" sldId="299"/>
+            <ac:spMk id="5" creationId="{5186AEE9-D37E-4E41-8597-ACF2C4A92CD3}"/>
+          </ac:spMkLst>
+        </pc:spChg>
+        <pc:spChg chg="add mod ord">
+          <ac:chgData name="Al ex" userId="1d73023b5acb93cf" providerId="LiveId" clId="{A99E2092-6289-4F05-ABB0-BFCB1DB98601}" dt="2021-07-04T14:58:25.083" v="2914" actId="113"/>
+          <ac:spMkLst>
+            <pc:docMk/>
+            <pc:sldMk cId="2155357078" sldId="299"/>
+            <ac:spMk id="6" creationId="{8F312287-B755-4DAB-82C4-B5677F3DE19C}"/>
+          </ac:spMkLst>
+        </pc:spChg>
+        <pc:spChg chg="add del mod ord">
+          <ac:chgData name="Al ex" userId="1d73023b5acb93cf" providerId="LiveId" clId="{A99E2092-6289-4F05-ABB0-BFCB1DB98601}" dt="2021-07-04T14:49:39.944" v="2426" actId="478"/>
+          <ac:spMkLst>
+            <pc:docMk/>
+            <pc:sldMk cId="2155357078" sldId="299"/>
+            <ac:spMk id="7" creationId="{1109820F-5C5C-4A8E-B43A-C71A9C5525EB}"/>
+          </ac:spMkLst>
+        </pc:spChg>
+        <pc:graphicFrameChg chg="add mod modGraphic">
+          <ac:chgData name="Al ex" userId="1d73023b5acb93cf" providerId="LiveId" clId="{A99E2092-6289-4F05-ABB0-BFCB1DB98601}" dt="2021-07-04T14:50:00.171" v="2436" actId="12385"/>
+          <ac:graphicFrameMkLst>
+            <pc:docMk/>
+            <pc:sldMk cId="2155357078" sldId="299"/>
+            <ac:graphicFrameMk id="8" creationId="{C50F7A01-5C60-48AE-8806-47B899C429A8}"/>
+          </ac:graphicFrameMkLst>
+        </pc:graphicFrameChg>
+        <pc:picChg chg="add del mod">
+          <ac:chgData name="Al ex" userId="1d73023b5acb93cf" providerId="LiveId" clId="{A99E2092-6289-4F05-ABB0-BFCB1DB98601}" dt="2021-07-04T14:55:34.515" v="2823"/>
+          <ac:picMkLst>
+            <pc:docMk/>
+            <pc:sldMk cId="2155357078" sldId="299"/>
+            <ac:picMk id="9" creationId="{BD78070B-9769-48FB-994E-3D9CACBFDD29}"/>
+          </ac:picMkLst>
+        </pc:picChg>
+      </pc:sldChg>
+      <pc:sldChg chg="addSp delSp modSp new del mod modClrScheme chgLayout">
+        <pc:chgData name="Al ex" userId="1d73023b5acb93cf" providerId="LiveId" clId="{A99E2092-6289-4F05-ABB0-BFCB1DB98601}" dt="2021-07-04T14:56:58.304" v="2841" actId="2696"/>
+        <pc:sldMkLst>
+          <pc:docMk/>
+          <pc:sldMk cId="3930465789" sldId="300"/>
+        </pc:sldMkLst>
+        <pc:spChg chg="mod ord">
+          <ac:chgData name="Al ex" userId="1d73023b5acb93cf" providerId="LiveId" clId="{A99E2092-6289-4F05-ABB0-BFCB1DB98601}" dt="2021-07-04T14:53:57.787" v="2565" actId="20577"/>
+          <ac:spMkLst>
+            <pc:docMk/>
+            <pc:sldMk cId="3930465789" sldId="300"/>
+            <ac:spMk id="2" creationId="{92BA2112-D6F3-4815-8344-457D07174B74}"/>
+          </ac:spMkLst>
+        </pc:spChg>
+        <pc:spChg chg="del">
+          <ac:chgData name="Al ex" userId="1d73023b5acb93cf" providerId="LiveId" clId="{A99E2092-6289-4F05-ABB0-BFCB1DB98601}" dt="2021-07-04T14:52:11.062" v="2530" actId="700"/>
+          <ac:spMkLst>
+            <pc:docMk/>
+            <pc:sldMk cId="3930465789" sldId="300"/>
+            <ac:spMk id="3" creationId="{30F6E360-63D1-4BBA-A434-13343C3FB827}"/>
+          </ac:spMkLst>
+        </pc:spChg>
+        <pc:spChg chg="del mod ord">
+          <ac:chgData name="Al ex" userId="1d73023b5acb93cf" providerId="LiveId" clId="{A99E2092-6289-4F05-ABB0-BFCB1DB98601}" dt="2021-07-04T14:52:11.062" v="2530" actId="700"/>
+          <ac:spMkLst>
+            <pc:docMk/>
+            <pc:sldMk cId="3930465789" sldId="300"/>
+            <ac:spMk id="4" creationId="{B193BF95-2D95-4A8E-A66B-72DBED0102CA}"/>
+          </ac:spMkLst>
+        </pc:spChg>
+        <pc:spChg chg="del">
+          <ac:chgData name="Al ex" userId="1d73023b5acb93cf" providerId="LiveId" clId="{A99E2092-6289-4F05-ABB0-BFCB1DB98601}" dt="2021-07-04T14:52:11.062" v="2530" actId="700"/>
+          <ac:spMkLst>
+            <pc:docMk/>
+            <pc:sldMk cId="3930465789" sldId="300"/>
+            <ac:spMk id="5" creationId="{A7B3878E-EA69-4C0D-BA7C-E332218D487F}"/>
+          </ac:spMkLst>
+        </pc:spChg>
+        <pc:spChg chg="del mod ord">
+          <ac:chgData name="Al ex" userId="1d73023b5acb93cf" providerId="LiveId" clId="{A99E2092-6289-4F05-ABB0-BFCB1DB98601}" dt="2021-07-04T14:52:11.062" v="2530" actId="700"/>
+          <ac:spMkLst>
+            <pc:docMk/>
+            <pc:sldMk cId="3930465789" sldId="300"/>
+            <ac:spMk id="6" creationId="{A284B3A9-C3F1-4EBB-8124-7EFD8A30BD56}"/>
+          </ac:spMkLst>
+        </pc:spChg>
+        <pc:spChg chg="add mod ord">
+          <ac:chgData name="Al ex" userId="1d73023b5acb93cf" providerId="LiveId" clId="{A99E2092-6289-4F05-ABB0-BFCB1DB98601}" dt="2021-07-04T14:55:15.688" v="2820" actId="20577"/>
+          <ac:spMkLst>
+            <pc:docMk/>
+            <pc:sldMk cId="3930465789" sldId="300"/>
+            <ac:spMk id="7" creationId="{B19A7EEE-B509-4021-BEE3-8D7D3A64150A}"/>
+          </ac:spMkLst>
+        </pc:spChg>
+        <pc:spChg chg="add mod ord">
+          <ac:chgData name="Al ex" userId="1d73023b5acb93cf" providerId="LiveId" clId="{A99E2092-6289-4F05-ABB0-BFCB1DB98601}" dt="2021-07-04T14:53:36.132" v="2548" actId="948"/>
+          <ac:spMkLst>
+            <pc:docMk/>
+            <pc:sldMk cId="3930465789" sldId="300"/>
+            <ac:spMk id="8" creationId="{763C7CA7-07C0-47F9-A21D-EAAA00E5C115}"/>
+          </ac:spMkLst>
+        </pc:spChg>
+        <pc:picChg chg="add del mod">
+          <ac:chgData name="Al ex" userId="1d73023b5acb93cf" providerId="LiveId" clId="{A99E2092-6289-4F05-ABB0-BFCB1DB98601}" dt="2021-07-04T14:55:53.946" v="2826" actId="478"/>
+          <ac:picMkLst>
+            <pc:docMk/>
+            <pc:sldMk cId="3930465789" sldId="300"/>
+            <ac:picMk id="9" creationId="{30A1F3CB-FC11-43F3-A801-7798483BA5D5}"/>
+          </ac:picMkLst>
+        </pc:picChg>
+      </pc:sldChg>
+      <pc:sldChg chg="addSp delSp modSp add mod modClrScheme chgLayout">
+        <pc:chgData name="Al ex" userId="1d73023b5acb93cf" providerId="LiveId" clId="{A99E2092-6289-4F05-ABB0-BFCB1DB98601}" dt="2021-07-04T14:56:45.886" v="2840" actId="403"/>
+        <pc:sldMkLst>
+          <pc:docMk/>
+          <pc:sldMk cId="2247642379" sldId="301"/>
+        </pc:sldMkLst>
+        <pc:spChg chg="mod ord">
+          <ac:chgData name="Al ex" userId="1d73023b5acb93cf" providerId="LiveId" clId="{A99E2092-6289-4F05-ABB0-BFCB1DB98601}" dt="2021-07-04T14:56:11.380" v="2833" actId="700"/>
+          <ac:spMkLst>
+            <pc:docMk/>
+            <pc:sldMk cId="2247642379" sldId="301"/>
+            <ac:spMk id="2" creationId="{0A12707C-3206-4993-9DBE-17D9EACB1C00}"/>
+          </ac:spMkLst>
+        </pc:spChg>
+        <pc:spChg chg="del">
+          <ac:chgData name="Al ex" userId="1d73023b5acb93cf" providerId="LiveId" clId="{A99E2092-6289-4F05-ABB0-BFCB1DB98601}" dt="2021-07-04T14:56:06.520" v="2831" actId="478"/>
+          <ac:spMkLst>
+            <pc:docMk/>
+            <pc:sldMk cId="2247642379" sldId="301"/>
+            <ac:spMk id="3" creationId="{D879B614-B7EF-4C41-B525-645B6994B712}"/>
+          </ac:spMkLst>
+        </pc:spChg>
+        <pc:spChg chg="del">
+          <ac:chgData name="Al ex" userId="1d73023b5acb93cf" providerId="LiveId" clId="{A99E2092-6289-4F05-ABB0-BFCB1DB98601}" dt="2021-07-04T14:56:07.830" v="2832" actId="478"/>
+          <ac:spMkLst>
+            <pc:docMk/>
+            <pc:sldMk cId="2247642379" sldId="301"/>
+            <ac:spMk id="5" creationId="{5186AEE9-D37E-4E41-8597-ACF2C4A92CD3}"/>
+          </ac:spMkLst>
+        </pc:spChg>
+        <pc:spChg chg="del">
+          <ac:chgData name="Al ex" userId="1d73023b5acb93cf" providerId="LiveId" clId="{A99E2092-6289-4F05-ABB0-BFCB1DB98601}" dt="2021-07-04T14:56:05.295" v="2830" actId="478"/>
+          <ac:spMkLst>
+            <pc:docMk/>
+            <pc:sldMk cId="2247642379" sldId="301"/>
+            <ac:spMk id="6" creationId="{8F312287-B755-4DAB-82C4-B5677F3DE19C}"/>
+          </ac:spMkLst>
+        </pc:spChg>
+        <pc:spChg chg="add del mod">
+          <ac:chgData name="Al ex" userId="1d73023b5acb93cf" providerId="LiveId" clId="{A99E2092-6289-4F05-ABB0-BFCB1DB98601}" dt="2021-07-04T14:56:11.380" v="2833" actId="700"/>
+          <ac:spMkLst>
+            <pc:docMk/>
+            <pc:sldMk cId="2247642379" sldId="301"/>
+            <ac:spMk id="9" creationId="{E3295F85-EB2B-47E1-A59F-58BB384F44B1}"/>
+          </ac:spMkLst>
+        </pc:spChg>
+        <pc:spChg chg="add del mod ord">
+          <ac:chgData name="Al ex" userId="1d73023b5acb93cf" providerId="LiveId" clId="{A99E2092-6289-4F05-ABB0-BFCB1DB98601}" dt="2021-07-04T14:56:11.380" v="2833" actId="700"/>
+          <ac:spMkLst>
+            <pc:docMk/>
+            <pc:sldMk cId="2247642379" sldId="301"/>
+            <ac:spMk id="11" creationId="{AAB5090F-50B0-4436-B069-85634F4C03A8}"/>
+          </ac:spMkLst>
+        </pc:spChg>
+        <pc:spChg chg="add del mod ord">
+          <ac:chgData name="Al ex" userId="1d73023b5acb93cf" providerId="LiveId" clId="{A99E2092-6289-4F05-ABB0-BFCB1DB98601}" dt="2021-07-04T14:56:11.380" v="2833" actId="700"/>
+          <ac:spMkLst>
+            <pc:docMk/>
+            <pc:sldMk cId="2247642379" sldId="301"/>
+            <ac:spMk id="13" creationId="{98AB74D9-E543-4AFA-99C5-AA68AEC71D3E}"/>
+          </ac:spMkLst>
+        </pc:spChg>
+        <pc:spChg chg="add mod ord">
+          <ac:chgData name="Al ex" userId="1d73023b5acb93cf" providerId="LiveId" clId="{A99E2092-6289-4F05-ABB0-BFCB1DB98601}" dt="2021-07-04T14:56:45.886" v="2840" actId="403"/>
+          <ac:spMkLst>
+            <pc:docMk/>
+            <pc:sldMk cId="2247642379" sldId="301"/>
+            <ac:spMk id="14" creationId="{05785A5B-8D6F-45E5-9AA3-82A80B7C3963}"/>
+          </ac:spMkLst>
+        </pc:spChg>
+        <pc:spChg chg="add mod ord">
+          <ac:chgData name="Al ex" userId="1d73023b5acb93cf" providerId="LiveId" clId="{A99E2092-6289-4F05-ABB0-BFCB1DB98601}" dt="2021-07-04T14:56:16.969" v="2834"/>
+          <ac:spMkLst>
+            <pc:docMk/>
+            <pc:sldMk cId="2247642379" sldId="301"/>
+            <ac:spMk id="15" creationId="{F6911FC2-0CE1-49E0-9689-B3681FDBB5D9}"/>
+          </ac:spMkLst>
+        </pc:spChg>
+        <pc:spChg chg="add del">
+          <ac:chgData name="Al ex" userId="1d73023b5acb93cf" providerId="LiveId" clId="{A99E2092-6289-4F05-ABB0-BFCB1DB98601}" dt="2021-07-04T14:56:24.179" v="2836" actId="22"/>
+          <ac:spMkLst>
+            <pc:docMk/>
+            <pc:sldMk cId="2247642379" sldId="301"/>
+            <ac:spMk id="17" creationId="{C1B0825C-BC3C-45E4-ABD4-FFF3C410B867}"/>
+          </ac:spMkLst>
+        </pc:spChg>
+        <pc:graphicFrameChg chg="del modGraphic">
+          <ac:chgData name="Al ex" userId="1d73023b5acb93cf" providerId="LiveId" clId="{A99E2092-6289-4F05-ABB0-BFCB1DB98601}" dt="2021-07-04T14:56:03.845" v="2829" actId="478"/>
+          <ac:graphicFrameMkLst>
+            <pc:docMk/>
+            <pc:sldMk cId="2247642379" sldId="301"/>
+            <ac:graphicFrameMk id="8" creationId="{C50F7A01-5C60-48AE-8806-47B899C429A8}"/>
+          </ac:graphicFrameMkLst>
+        </pc:graphicFrameChg>
       </pc:sldChg>
     </pc:docChg>
   </pc:docChgLst>
@@ -19347,18 +19782,25 @@
           </a:bodyPr>
           <a:lstStyle/>
           <a:p>
+            <a:pPr algn="just"/>
             <a:r>
               <a:rPr lang="it-IT" dirty="0">
                 <a:latin typeface="Courier New" panose="02070309020205020404" pitchFamily="49" charset="0"/>
                 <a:cs typeface="Courier New" panose="02070309020205020404" pitchFamily="49" charset="0"/>
               </a:rPr>
-              <a:t>learning_to_travel_memory.pl: </a:t>
+              <a:t>learn_to_win.pl: </a:t>
+            </a:r>
+            <a:r>
+              <a:rPr lang="it-IT" dirty="0">
+                <a:cs typeface="Courier New" panose="02070309020205020404" pitchFamily="49" charset="0"/>
+              </a:rPr>
+              <a:t>Solving the </a:t>
             </a:r>
             <a:r>
               <a:rPr lang="it-IT" dirty="0" err="1">
                 <a:cs typeface="Courier New" panose="02070309020205020404" pitchFamily="49" charset="0"/>
               </a:rPr>
-              <a:t>Same</a:t>
+              <a:t>Maze</a:t>
             </a:r>
             <a:r>
               <a:rPr lang="it-IT" dirty="0">
@@ -19370,7 +19812,7 @@
               <a:rPr lang="it-IT" dirty="0" err="1">
                 <a:cs typeface="Courier New" panose="02070309020205020404" pitchFamily="49" charset="0"/>
               </a:rPr>
-              <a:t>as</a:t>
+              <a:t>problem</a:t>
             </a:r>
             <a:r>
               <a:rPr lang="it-IT" dirty="0">
@@ -19379,205 +19821,257 @@
               <a:t> </a:t>
             </a:r>
             <a:r>
+              <a:rPr lang="it-IT" dirty="0" err="1">
+                <a:cs typeface="Courier New" panose="02070309020205020404" pitchFamily="49" charset="0"/>
+              </a:rPr>
+              <a:t>directly</a:t>
+            </a:r>
+            <a:r>
+              <a:rPr lang="it-IT" dirty="0">
+                <a:cs typeface="Courier New" panose="02070309020205020404" pitchFamily="49" charset="0"/>
+              </a:rPr>
+              <a:t> </a:t>
+            </a:r>
+            <a:r>
+              <a:rPr lang="it-IT" dirty="0" err="1">
+                <a:cs typeface="Courier New" panose="02070309020205020404" pitchFamily="49" charset="0"/>
+              </a:rPr>
+              <a:t>through</a:t>
+            </a:r>
+            <a:r>
+              <a:rPr lang="it-IT" dirty="0">
+                <a:cs typeface="Courier New" panose="02070309020205020404" pitchFamily="49" charset="0"/>
+              </a:rPr>
+              <a:t> ILP. </a:t>
+            </a:r>
+            <a:r>
+              <a:rPr lang="it-IT" dirty="0" err="1">
+                <a:cs typeface="Courier New" panose="02070309020205020404" pitchFamily="49" charset="0"/>
+              </a:rPr>
+              <a:t>Gives</a:t>
+            </a:r>
+            <a:r>
+              <a:rPr lang="it-IT" dirty="0">
+                <a:cs typeface="Courier New" panose="02070309020205020404" pitchFamily="49" charset="0"/>
+              </a:rPr>
+              <a:t> a </a:t>
+            </a:r>
+            <a:r>
               <a:rPr lang="it-IT" i="1" dirty="0">
                 <a:cs typeface="Courier New" panose="02070309020205020404" pitchFamily="49" charset="0"/>
               </a:rPr>
-              <a:t>«learning to travel» </a:t>
+              <a:t>«</a:t>
+            </a:r>
+            <a:r>
+              <a:rPr lang="it-IT" i="1" dirty="0" err="1">
+                <a:cs typeface="Courier New" panose="02070309020205020404" pitchFamily="49" charset="0"/>
+              </a:rPr>
+              <a:t>sequence</a:t>
+            </a:r>
+            <a:r>
+              <a:rPr lang="it-IT" i="1" dirty="0">
+                <a:cs typeface="Courier New" panose="02070309020205020404" pitchFamily="49" charset="0"/>
+              </a:rPr>
+              <a:t> of </a:t>
+            </a:r>
+            <a:r>
+              <a:rPr lang="it-IT" i="1" dirty="0" err="1">
+                <a:cs typeface="Courier New" panose="02070309020205020404" pitchFamily="49" charset="0"/>
+              </a:rPr>
+              <a:t>predicates</a:t>
+            </a:r>
+            <a:r>
+              <a:rPr lang="it-IT" i="1" dirty="0">
+                <a:cs typeface="Courier New" panose="02070309020205020404" pitchFamily="49" charset="0"/>
+              </a:rPr>
+              <a:t>» </a:t>
+            </a:r>
+            <a:r>
+              <a:rPr lang="it-IT" dirty="0">
+                <a:cs typeface="Courier New" panose="02070309020205020404" pitchFamily="49" charset="0"/>
+              </a:rPr>
+              <a:t>to </a:t>
             </a:r>
             <a:r>
               <a:rPr lang="it-IT" dirty="0" err="1">
                 <a:cs typeface="Courier New" panose="02070309020205020404" pitchFamily="49" charset="0"/>
               </a:rPr>
-              <a:t>but</a:t>
+              <a:t>reach</a:t>
             </a:r>
             <a:r>
               <a:rPr lang="it-IT" dirty="0">
                 <a:cs typeface="Courier New" panose="02070309020205020404" pitchFamily="49" charset="0"/>
               </a:rPr>
+              <a:t> the goal </a:t>
+            </a:r>
+            <a:r>
+              <a:rPr lang="it-IT" dirty="0" err="1">
+                <a:cs typeface="Courier New" panose="02070309020205020404" pitchFamily="49" charset="0"/>
+              </a:rPr>
+              <a:t>cell</a:t>
+            </a:r>
+            <a:r>
+              <a:rPr lang="it-IT" dirty="0">
+                <a:cs typeface="Courier New" panose="02070309020205020404" pitchFamily="49" charset="0"/>
+              </a:rPr>
+              <a:t> from the </a:t>
+            </a:r>
+            <a:r>
+              <a:rPr lang="it-IT" dirty="0" err="1">
+                <a:cs typeface="Courier New" panose="02070309020205020404" pitchFamily="49" charset="0"/>
+              </a:rPr>
+              <a:t>starting</a:t>
+            </a:r>
+            <a:r>
+              <a:rPr lang="it-IT" dirty="0">
+                <a:cs typeface="Courier New" panose="02070309020205020404" pitchFamily="49" charset="0"/>
+              </a:rPr>
               <a:t> </a:t>
             </a:r>
             <a:r>
               <a:rPr lang="it-IT" dirty="0" err="1">
                 <a:cs typeface="Courier New" panose="02070309020205020404" pitchFamily="49" charset="0"/>
               </a:rPr>
-              <a:t>also</a:t>
+              <a:t>cell</a:t>
             </a:r>
             <a:r>
               <a:rPr lang="it-IT" dirty="0">
                 <a:cs typeface="Courier New" panose="02070309020205020404" pitchFamily="49" charset="0"/>
               </a:rPr>
-              <a:t> </a:t>
-            </a:r>
-            <a:r>
-              <a:rPr lang="it-IT" dirty="0" err="1">
-                <a:cs typeface="Courier New" panose="02070309020205020404" pitchFamily="49" charset="0"/>
-              </a:rPr>
-              <a:t>keeps</a:t>
-            </a:r>
-            <a:r>
-              <a:rPr lang="it-IT" dirty="0">
-                <a:cs typeface="Courier New" panose="02070309020205020404" pitchFamily="49" charset="0"/>
-              </a:rPr>
-              <a:t> track of the </a:t>
-            </a:r>
-            <a:r>
-              <a:rPr lang="it-IT" dirty="0" err="1">
-                <a:cs typeface="Courier New" panose="02070309020205020404" pitchFamily="49" charset="0"/>
-              </a:rPr>
-              <a:t>path</a:t>
-            </a:r>
-            <a:r>
-              <a:rPr lang="it-IT" dirty="0">
-                <a:cs typeface="Courier New" panose="02070309020205020404" pitchFamily="49" charset="0"/>
-              </a:rPr>
-              <a:t> in a list.</a:t>
-            </a:r>
-          </a:p>
-          <a:p>
+              <a:t>.</a:t>
+            </a:r>
+          </a:p>
+          <a:p>
+            <a:pPr algn="just"/>
             <a:r>
               <a:rPr lang="it-IT" dirty="0">
                 <a:latin typeface="Courier New" panose="02070309020205020404" pitchFamily="49" charset="0"/>
                 <a:cs typeface="Courier New" panose="02070309020205020404" pitchFamily="49" charset="0"/>
               </a:rPr>
-              <a:t>learn_to_win.pl: </a:t>
+              <a:t>racc.pl </a:t>
             </a:r>
             <a:r>
               <a:rPr lang="it-IT" dirty="0">
                 <a:cs typeface="Courier New" panose="02070309020205020404" pitchFamily="49" charset="0"/>
               </a:rPr>
-              <a:t>Solving the </a:t>
+              <a:t>(</a:t>
             </a:r>
             <a:r>
               <a:rPr lang="it-IT" dirty="0" err="1">
                 <a:cs typeface="Courier New" panose="02070309020205020404" pitchFamily="49" charset="0"/>
               </a:rPr>
-              <a:t>Maze</a:t>
+              <a:t>not</a:t>
             </a:r>
             <a:r>
               <a:rPr lang="it-IT" dirty="0">
                 <a:cs typeface="Courier New" panose="02070309020205020404" pitchFamily="49" charset="0"/>
               </a:rPr>
+              <a:t> working):</a:t>
+            </a:r>
+            <a:r>
+              <a:rPr lang="it-IT" dirty="0">
+                <a:latin typeface="Courier New" panose="02070309020205020404" pitchFamily="49" charset="0"/>
+                <a:cs typeface="Courier New" panose="02070309020205020404" pitchFamily="49" charset="0"/>
+              </a:rPr>
               <a:t> </a:t>
             </a:r>
             <a:r>
+              <a:rPr lang="it-IT" dirty="0">
+                <a:cs typeface="Courier New" panose="02070309020205020404" pitchFamily="49" charset="0"/>
+              </a:rPr>
+              <a:t>Learning the </a:t>
+            </a:r>
+            <a:r>
               <a:rPr lang="it-IT" dirty="0" err="1">
-                <a:cs typeface="Courier New" panose="02070309020205020404" pitchFamily="49" charset="0"/>
-              </a:rPr>
-              <a:t>problem</a:t>
+                <a:latin typeface="Courier New" panose="02070309020205020404" pitchFamily="49" charset="0"/>
+                <a:cs typeface="Courier New" panose="02070309020205020404" pitchFamily="49" charset="0"/>
+              </a:rPr>
+              <a:t>reach</a:t>
             </a:r>
             <a:r>
               <a:rPr lang="it-IT" dirty="0">
+                <a:latin typeface="Courier New" panose="02070309020205020404" pitchFamily="49" charset="0"/>
+                <a:cs typeface="Courier New" panose="02070309020205020404" pitchFamily="49" charset="0"/>
+              </a:rPr>
+              <a:t>/3 </a:t>
+            </a:r>
+            <a:r>
+              <a:rPr lang="it-IT" dirty="0">
+                <a:cs typeface="Courier New" panose="02070309020205020404" pitchFamily="49" charset="0"/>
+              </a:rPr>
+              <a:t>predicate </a:t>
+            </a:r>
+            <a:r>
+              <a:rPr lang="it-IT" dirty="0" err="1">
+                <a:cs typeface="Courier New" panose="02070309020205020404" pitchFamily="49" charset="0"/>
+              </a:rPr>
+              <a:t>exploiting</a:t>
+            </a:r>
+            <a:r>
+              <a:rPr lang="it-IT" dirty="0">
                 <a:cs typeface="Courier New" panose="02070309020205020404" pitchFamily="49" charset="0"/>
               </a:rPr>
               <a:t> </a:t>
             </a:r>
             <a:r>
+              <a:rPr lang="it-IT" b="1" dirty="0" err="1">
+                <a:cs typeface="Courier New" panose="02070309020205020404" pitchFamily="49" charset="0"/>
+              </a:rPr>
+              <a:t>tail</a:t>
+            </a:r>
+            <a:r>
+              <a:rPr lang="it-IT" b="1" dirty="0">
+                <a:cs typeface="Courier New" panose="02070309020205020404" pitchFamily="49" charset="0"/>
+              </a:rPr>
+              <a:t> </a:t>
+            </a:r>
+            <a:r>
+              <a:rPr lang="it-IT" b="1" dirty="0" err="1">
+                <a:cs typeface="Courier New" panose="02070309020205020404" pitchFamily="49" charset="0"/>
+              </a:rPr>
+              <a:t>recursion</a:t>
+            </a:r>
+            <a:r>
+              <a:rPr lang="it-IT" dirty="0">
+                <a:cs typeface="Courier New" panose="02070309020205020404" pitchFamily="49" charset="0"/>
+              </a:rPr>
+              <a:t> (</a:t>
+            </a:r>
+            <a:r>
               <a:rPr lang="it-IT" dirty="0" err="1">
                 <a:cs typeface="Courier New" panose="02070309020205020404" pitchFamily="49" charset="0"/>
               </a:rPr>
-              <a:t>directly</a:t>
+              <a:t>will</a:t>
             </a:r>
             <a:r>
               <a:rPr lang="it-IT" dirty="0">
                 <a:cs typeface="Courier New" panose="02070309020205020404" pitchFamily="49" charset="0"/>
               </a:rPr>
-              <a:t> </a:t>
+              <a:t> be </a:t>
             </a:r>
             <a:r>
               <a:rPr lang="it-IT" dirty="0" err="1">
                 <a:cs typeface="Courier New" panose="02070309020205020404" pitchFamily="49" charset="0"/>
               </a:rPr>
-              <a:t>through</a:t>
+              <a:t>elaborated</a:t>
             </a:r>
             <a:r>
               <a:rPr lang="it-IT" dirty="0">
                 <a:cs typeface="Courier New" panose="02070309020205020404" pitchFamily="49" charset="0"/>
               </a:rPr>
-              <a:t> ILP. </a:t>
+              <a:t> in the </a:t>
             </a:r>
             <a:r>
               <a:rPr lang="it-IT" dirty="0" err="1">
                 <a:cs typeface="Courier New" panose="02070309020205020404" pitchFamily="49" charset="0"/>
               </a:rPr>
-              <a:t>Gives</a:t>
+              <a:t>conclusions</a:t>
             </a:r>
             <a:r>
               <a:rPr lang="it-IT" dirty="0">
                 <a:cs typeface="Courier New" panose="02070309020205020404" pitchFamily="49" charset="0"/>
               </a:rPr>
-              <a:t> a </a:t>
-            </a:r>
-            <a:r>
-              <a:rPr lang="it-IT" i="1" dirty="0">
-                <a:cs typeface="Courier New" panose="02070309020205020404" pitchFamily="49" charset="0"/>
-              </a:rPr>
-              <a:t>«</a:t>
-            </a:r>
-            <a:r>
-              <a:rPr lang="it-IT" i="1" dirty="0" err="1">
-                <a:cs typeface="Courier New" panose="02070309020205020404" pitchFamily="49" charset="0"/>
-              </a:rPr>
-              <a:t>sequence</a:t>
-            </a:r>
-            <a:r>
-              <a:rPr lang="it-IT" i="1" dirty="0">
-                <a:cs typeface="Courier New" panose="02070309020205020404" pitchFamily="49" charset="0"/>
-              </a:rPr>
-              <a:t> of </a:t>
-            </a:r>
-            <a:r>
-              <a:rPr lang="it-IT" i="1" dirty="0" err="1">
-                <a:cs typeface="Courier New" panose="02070309020205020404" pitchFamily="49" charset="0"/>
-              </a:rPr>
-              <a:t>predicates</a:t>
-            </a:r>
-            <a:r>
-              <a:rPr lang="it-IT" i="1" dirty="0">
-                <a:cs typeface="Courier New" panose="02070309020205020404" pitchFamily="49" charset="0"/>
-              </a:rPr>
-              <a:t>» </a:t>
-            </a:r>
-            <a:r>
-              <a:rPr lang="it-IT" dirty="0">
-                <a:cs typeface="Courier New" panose="02070309020205020404" pitchFamily="49" charset="0"/>
-              </a:rPr>
-              <a:t>to </a:t>
-            </a:r>
-            <a:r>
-              <a:rPr lang="it-IT" dirty="0" err="1">
-                <a:cs typeface="Courier New" panose="02070309020205020404" pitchFamily="49" charset="0"/>
-              </a:rPr>
-              <a:t>reach</a:t>
-            </a:r>
-            <a:r>
-              <a:rPr lang="it-IT" dirty="0">
-                <a:cs typeface="Courier New" panose="02070309020205020404" pitchFamily="49" charset="0"/>
-              </a:rPr>
-              <a:t> the goal </a:t>
-            </a:r>
-            <a:r>
-              <a:rPr lang="it-IT" dirty="0" err="1">
-                <a:cs typeface="Courier New" panose="02070309020205020404" pitchFamily="49" charset="0"/>
-              </a:rPr>
-              <a:t>cell</a:t>
-            </a:r>
-            <a:r>
-              <a:rPr lang="it-IT" dirty="0">
-                <a:cs typeface="Courier New" panose="02070309020205020404" pitchFamily="49" charset="0"/>
-              </a:rPr>
-              <a:t> from the start </a:t>
-            </a:r>
-            <a:r>
-              <a:rPr lang="it-IT" dirty="0" err="1">
-                <a:cs typeface="Courier New" panose="02070309020205020404" pitchFamily="49" charset="0"/>
-              </a:rPr>
-              <a:t>cell</a:t>
-            </a:r>
-            <a:r>
-              <a:rPr lang="it-IT" dirty="0">
-                <a:cs typeface="Courier New" panose="02070309020205020404" pitchFamily="49" charset="0"/>
-              </a:rPr>
-              <a:t>.</a:t>
+              <a:t>).</a:t>
             </a:r>
             <a:endParaRPr lang="it-IT" dirty="0">
               <a:latin typeface="Courier New" panose="02070309020205020404" pitchFamily="49" charset="0"/>
@@ -21099,21 +21593,7 @@
                 <a:latin typeface="Courier New" panose="02070309020205020404" pitchFamily="49" charset="0"/>
                 <a:cs typeface="Courier New" panose="02070309020205020404" pitchFamily="49" charset="0"/>
               </a:rPr>
-              <a:t>(</a:t>
-            </a:r>
-            <a:r>
-              <a:rPr lang="en-US" sz="2400" dirty="0" err="1">
-                <a:latin typeface="Courier New" panose="02070309020205020404" pitchFamily="49" charset="0"/>
-                <a:cs typeface="Courier New" panose="02070309020205020404" pitchFamily="49" charset="0"/>
-              </a:rPr>
-              <a:t>Vx,Vy</a:t>
-            </a:r>
-            <a:r>
-              <a:rPr lang="en-US" sz="2400" dirty="0">
-                <a:latin typeface="Courier New" panose="02070309020205020404" pitchFamily="49" charset="0"/>
-                <a:cs typeface="Courier New" panose="02070309020205020404" pitchFamily="49" charset="0"/>
-              </a:rPr>
-              <a:t>) </a:t>
+              <a:t>(VX,VY) </a:t>
             </a:r>
             <a:r>
               <a:rPr lang="en-US" sz="2400" dirty="0"/>
@@ -21162,6 +21642,1034 @@
     <p:extLst>
       <p:ext uri="{BB962C8B-B14F-4D97-AF65-F5344CB8AC3E}">
         <p14:creationId xmlns:p14="http://schemas.microsoft.com/office/powerpoint/2010/main" val="1107455208"/>
+      </p:ext>
+    </p:extLst>
+  </p:cSld>
+  <p:clrMapOvr>
+    <a:masterClrMapping/>
+  </p:clrMapOvr>
+</p:sld>
+</file>
+
+<file path=ppt/slides/slide28.xml><?xml version="1.0" encoding="utf-8"?>
+<p:sld xmlns:a="http://schemas.openxmlformats.org/drawingml/2006/main" xmlns:r="http://schemas.openxmlformats.org/officeDocument/2006/relationships" xmlns:p="http://schemas.openxmlformats.org/presentationml/2006/main">
+  <p:cSld>
+    <p:bg>
+      <p:bgPr>
+        <a:solidFill>
+          <a:schemeClr val="bg1"/>
+        </a:solidFill>
+        <a:effectLst/>
+      </p:bgPr>
+    </p:bg>
+    <p:spTree>
+      <p:nvGrpSpPr>
+        <p:cNvPr id="1" name=""/>
+        <p:cNvGrpSpPr/>
+        <p:nvPr/>
+      </p:nvGrpSpPr>
+      <p:grpSpPr>
+        <a:xfrm>
+          <a:off x="0" y="0"/>
+          <a:ext cx="0" cy="0"/>
+          <a:chOff x="0" y="0"/>
+          <a:chExt cx="0" cy="0"/>
+        </a:xfrm>
+      </p:grpSpPr>
+      <p:sp useBgFill="1">
+        <p:nvSpPr>
+          <p:cNvPr id="11" name="Rectangle 10">
+            <a:extLst>
+              <a:ext uri="{FF2B5EF4-FFF2-40B4-BE49-F238E27FC236}">
+                <a16:creationId xmlns:a16="http://schemas.microsoft.com/office/drawing/2014/main" id="{EFB0C39A-F8CA-4A79-AFFC-E9780FB1991A}"/>
+              </a:ext>
+              <a:ext uri="{C183D7F6-B498-43B3-948B-1728B52AA6E4}">
+                <adec:decorative xmlns:adec="http://schemas.microsoft.com/office/drawing/2017/decorative" val="1"/>
+              </a:ext>
+            </a:extLst>
+          </p:cNvPr>
+          <p:cNvSpPr>
+            <a:spLocks noGrp="1" noRot="1" noChangeAspect="1" noMove="1" noResize="1" noEditPoints="1" noAdjustHandles="1" noChangeArrowheads="1" noChangeShapeType="1" noTextEdit="1"/>
+          </p:cNvSpPr>
+          <p:nvPr>
+            <p:extLst>
+              <p:ext uri="{386F3935-93C4-4BCD-93E2-E3B085C9AB24}">
+                <p16:designElem xmlns:p16="http://schemas.microsoft.com/office/powerpoint/2015/main" val="1"/>
+              </p:ext>
+            </p:extLst>
+          </p:nvPr>
+        </p:nvSpPr>
+        <p:spPr>
+          <a:xfrm>
+            <a:off x="0" y="-1"/>
+            <a:ext cx="12192000" cy="6858001"/>
+          </a:xfrm>
+          <a:prstGeom prst="rect">
+            <a:avLst/>
+          </a:prstGeom>
+          <a:ln>
+            <a:noFill/>
+          </a:ln>
+        </p:spPr>
+        <p:style>
+          <a:lnRef idx="2">
+            <a:schemeClr val="accent1">
+              <a:shade val="50000"/>
+            </a:schemeClr>
+          </a:lnRef>
+          <a:fillRef idx="1">
+            <a:schemeClr val="accent1"/>
+          </a:fillRef>
+          <a:effectRef idx="0">
+            <a:schemeClr val="accent1"/>
+          </a:effectRef>
+          <a:fontRef idx="minor">
+            <a:schemeClr val="lt1"/>
+          </a:fontRef>
+        </p:style>
+        <p:txBody>
+          <a:bodyPr rtlCol="0" anchor="ctr"/>
+          <a:lstStyle/>
+          <a:p>
+            <a:pPr algn="ctr"/>
+            <a:endParaRPr lang="en-US"/>
+          </a:p>
+        </p:txBody>
+      </p:sp>
+      <p:pic>
+        <p:nvPicPr>
+          <p:cNvPr id="6" name="Picture 4" descr="Maze">
+            <a:extLst>
+              <a:ext uri="{FF2B5EF4-FFF2-40B4-BE49-F238E27FC236}">
+                <a16:creationId xmlns:a16="http://schemas.microsoft.com/office/drawing/2014/main" id="{00B765B8-CA0E-4C93-B142-9CF3FF5465A4}"/>
+              </a:ext>
+            </a:extLst>
+          </p:cNvPr>
+          <p:cNvPicPr>
+            <a:picLocks noChangeAspect="1"/>
+          </p:cNvPicPr>
+          <p:nvPr/>
+        </p:nvPicPr>
+        <p:blipFill rotWithShape="1">
+          <a:blip r:embed="rId2">
+            <a:alphaModFix amt="40000"/>
+          </a:blip>
+          <a:srcRect t="15730"/>
+          <a:stretch/>
+        </p:blipFill>
+        <p:spPr>
+          <a:xfrm>
+            <a:off x="20" y="-2"/>
+            <a:ext cx="12191980" cy="6858000"/>
+          </a:xfrm>
+          <a:prstGeom prst="rect">
+            <a:avLst/>
+          </a:prstGeom>
+        </p:spPr>
+      </p:pic>
+      <p:sp>
+        <p:nvSpPr>
+          <p:cNvPr id="4" name="Titolo 3">
+            <a:extLst>
+              <a:ext uri="{FF2B5EF4-FFF2-40B4-BE49-F238E27FC236}">
+                <a16:creationId xmlns:a16="http://schemas.microsoft.com/office/drawing/2014/main" id="{C219A1C0-0B46-405B-A2A6-78424FE9EE86}"/>
+              </a:ext>
+            </a:extLst>
+          </p:cNvPr>
+          <p:cNvSpPr>
+            <a:spLocks noGrp="1"/>
+          </p:cNvSpPr>
+          <p:nvPr>
+            <p:ph type="ctrTitle"/>
+          </p:nvPr>
+        </p:nvSpPr>
+        <p:spPr>
+          <a:xfrm>
+            <a:off x="1261872" y="758952"/>
+            <a:ext cx="9418320" cy="4041648"/>
+          </a:xfrm>
+        </p:spPr>
+        <p:txBody>
+          <a:bodyPr>
+            <a:normAutofit/>
+          </a:bodyPr>
+          <a:lstStyle/>
+          <a:p>
+            <a:r>
+              <a:rPr lang="it-IT" dirty="0" err="1"/>
+              <a:t>Conclusions</a:t>
+            </a:r>
+            <a:endParaRPr lang="it-IT" dirty="0"/>
+          </a:p>
+        </p:txBody>
+      </p:sp>
+      <p:sp>
+        <p:nvSpPr>
+          <p:cNvPr id="3" name="Sottotitolo 2">
+            <a:extLst>
+              <a:ext uri="{FF2B5EF4-FFF2-40B4-BE49-F238E27FC236}">
+                <a16:creationId xmlns:a16="http://schemas.microsoft.com/office/drawing/2014/main" id="{016B18C2-8F41-4BC1-BD19-6C5F06C97F6C}"/>
+              </a:ext>
+            </a:extLst>
+          </p:cNvPr>
+          <p:cNvSpPr>
+            <a:spLocks noGrp="1"/>
+          </p:cNvSpPr>
+          <p:nvPr>
+            <p:ph type="subTitle" idx="1"/>
+          </p:nvPr>
+        </p:nvSpPr>
+        <p:spPr/>
+        <p:txBody>
+          <a:bodyPr/>
+          <a:lstStyle/>
+          <a:p>
+            <a:endParaRPr lang="it-IT"/>
+          </a:p>
+        </p:txBody>
+      </p:sp>
+    </p:spTree>
+    <p:extLst>
+      <p:ext uri="{BB962C8B-B14F-4D97-AF65-F5344CB8AC3E}">
+        <p14:creationId xmlns:p14="http://schemas.microsoft.com/office/powerpoint/2010/main" val="2906828191"/>
+      </p:ext>
+    </p:extLst>
+  </p:cSld>
+  <p:clrMapOvr>
+    <a:masterClrMapping/>
+  </p:clrMapOvr>
+  <p:timing>
+    <p:tnLst>
+      <p:par>
+        <p:cTn id="1" dur="indefinite" restart="never" nodeType="tmRoot">
+          <p:childTnLst>
+            <p:seq concurrent="1" nextAc="seek">
+              <p:cTn id="2" dur="indefinite" nodeType="mainSeq">
+                <p:childTnLst>
+                  <p:par>
+                    <p:cTn id="3" fill="hold">
+                      <p:stCondLst>
+                        <p:cond delay="indefinite"/>
+                        <p:cond evt="onBegin" delay="0">
+                          <p:tn val="2"/>
+                        </p:cond>
+                      </p:stCondLst>
+                      <p:childTnLst>
+                        <p:par>
+                          <p:cTn id="4" fill="hold">
+                            <p:stCondLst>
+                              <p:cond delay="0"/>
+                            </p:stCondLst>
+                            <p:childTnLst>
+                              <p:par>
+                                <p:cTn id="5" presetID="10" presetClass="entr" presetSubtype="0" fill="hold" grpId="0" nodeType="withEffect">
+                                  <p:stCondLst>
+                                    <p:cond delay="1000"/>
+                                  </p:stCondLst>
+                                  <p:iterate type="lt">
+                                    <p:tmPct val="10000"/>
+                                  </p:iterate>
+                                  <p:childTnLst>
+                                    <p:set>
+                                      <p:cBhvr>
+                                        <p:cTn id="6" dur="1" fill="hold">
+                                          <p:stCondLst>
+                                            <p:cond delay="0"/>
+                                          </p:stCondLst>
+                                        </p:cTn>
+                                        <p:tgtEl>
+                                          <p:spTgt spid="4"/>
+                                        </p:tgtEl>
+                                        <p:attrNameLst>
+                                          <p:attrName>style.visibility</p:attrName>
+                                        </p:attrNameLst>
+                                      </p:cBhvr>
+                                      <p:to>
+                                        <p:strVal val="visible"/>
+                                      </p:to>
+                                    </p:set>
+                                    <p:animEffect transition="in" filter="fade">
+                                      <p:cBhvr>
+                                        <p:cTn id="7" dur="400"/>
+                                        <p:tgtEl>
+                                          <p:spTgt spid="4"/>
+                                        </p:tgtEl>
+                                      </p:cBhvr>
+                                    </p:animEffect>
+                                  </p:childTnLst>
+                                </p:cTn>
+                              </p:par>
+                            </p:childTnLst>
+                          </p:cTn>
+                        </p:par>
+                      </p:childTnLst>
+                    </p:cTn>
+                  </p:par>
+                </p:childTnLst>
+              </p:cTn>
+              <p:prevCondLst>
+                <p:cond evt="onPrev" delay="0">
+                  <p:tgtEl>
+                    <p:sldTgt/>
+                  </p:tgtEl>
+                </p:cond>
+              </p:prevCondLst>
+              <p:nextCondLst>
+                <p:cond evt="onNext" delay="0">
+                  <p:tgtEl>
+                    <p:sldTgt/>
+                  </p:tgtEl>
+                </p:cond>
+              </p:nextCondLst>
+            </p:seq>
+          </p:childTnLst>
+        </p:cTn>
+      </p:par>
+    </p:tnLst>
+    <p:bldLst>
+      <p:bldP spid="4" grpId="0"/>
+    </p:bldLst>
+  </p:timing>
+</p:sld>
+</file>
+
+<file path=ppt/slides/slide29.xml><?xml version="1.0" encoding="utf-8"?>
+<p:sld xmlns:a="http://schemas.openxmlformats.org/drawingml/2006/main" xmlns:r="http://schemas.openxmlformats.org/officeDocument/2006/relationships" xmlns:p="http://schemas.openxmlformats.org/presentationml/2006/main">
+  <p:cSld>
+    <p:bg>
+      <p:bgPr>
+        <a:solidFill>
+          <a:schemeClr val="bg1"/>
+        </a:solidFill>
+        <a:effectLst/>
+      </p:bgPr>
+    </p:bg>
+    <p:spTree>
+      <p:nvGrpSpPr>
+        <p:cNvPr id="1" name=""/>
+        <p:cNvGrpSpPr/>
+        <p:nvPr/>
+      </p:nvGrpSpPr>
+      <p:grpSpPr>
+        <a:xfrm>
+          <a:off x="0" y="0"/>
+          <a:ext cx="0" cy="0"/>
+          <a:chOff x="0" y="0"/>
+          <a:chExt cx="0" cy="0"/>
+        </a:xfrm>
+      </p:grpSpPr>
+      <p:sp>
+        <p:nvSpPr>
+          <p:cNvPr id="9" name="Rectangle 8">
+            <a:extLst>
+              <a:ext uri="{FF2B5EF4-FFF2-40B4-BE49-F238E27FC236}">
+                <a16:creationId xmlns:a16="http://schemas.microsoft.com/office/drawing/2014/main" id="{AB1CEEAD-825F-41AD-B0DB-77CE90932D00}"/>
+              </a:ext>
+              <a:ext uri="{C183D7F6-B498-43B3-948B-1728B52AA6E4}">
+                <adec:decorative xmlns:adec="http://schemas.microsoft.com/office/drawing/2017/decorative" val="1"/>
+              </a:ext>
+            </a:extLst>
+          </p:cNvPr>
+          <p:cNvSpPr>
+            <a:spLocks noGrp="1" noRot="1" noChangeAspect="1" noMove="1" noResize="1" noEditPoints="1" noAdjustHandles="1" noChangeArrowheads="1" noChangeShapeType="1" noTextEdit="1"/>
+          </p:cNvSpPr>
+          <p:nvPr>
+            <p:extLst>
+              <p:ext uri="{386F3935-93C4-4BCD-93E2-E3B085C9AB24}">
+                <p16:designElem xmlns:p16="http://schemas.microsoft.com/office/powerpoint/2015/main" val="1"/>
+              </p:ext>
+            </p:extLst>
+          </p:nvPr>
+        </p:nvSpPr>
+        <p:spPr>
+          <a:xfrm>
+            <a:off x="0" y="-1"/>
+            <a:ext cx="11292840" cy="6858001"/>
+          </a:xfrm>
+          <a:prstGeom prst="rect">
+            <a:avLst/>
+          </a:prstGeom>
+          <a:solidFill>
+            <a:schemeClr val="bg1"/>
+          </a:solidFill>
+          <a:ln>
+            <a:noFill/>
+          </a:ln>
+        </p:spPr>
+        <p:style>
+          <a:lnRef idx="2">
+            <a:schemeClr val="accent1">
+              <a:shade val="50000"/>
+            </a:schemeClr>
+          </a:lnRef>
+          <a:fillRef idx="1">
+            <a:schemeClr val="accent1"/>
+          </a:fillRef>
+          <a:effectRef idx="0">
+            <a:schemeClr val="accent1"/>
+          </a:effectRef>
+          <a:fontRef idx="minor">
+            <a:schemeClr val="lt1"/>
+          </a:fontRef>
+        </p:style>
+        <p:txBody>
+          <a:bodyPr rtlCol="0" anchor="ctr"/>
+          <a:lstStyle/>
+          <a:p>
+            <a:pPr algn="ctr"/>
+            <a:endParaRPr lang="en-US"/>
+          </a:p>
+        </p:txBody>
+      </p:sp>
+      <p:pic>
+        <p:nvPicPr>
+          <p:cNvPr id="4" name="Picture 4" descr="Maze">
+            <a:extLst>
+              <a:ext uri="{FF2B5EF4-FFF2-40B4-BE49-F238E27FC236}">
+                <a16:creationId xmlns:a16="http://schemas.microsoft.com/office/drawing/2014/main" id="{87DA433B-249B-4F26-9FC2-2E4EE7469D6E}"/>
+              </a:ext>
+            </a:extLst>
+          </p:cNvPr>
+          <p:cNvPicPr>
+            <a:picLocks noChangeAspect="1"/>
+          </p:cNvPicPr>
+          <p:nvPr/>
+        </p:nvPicPr>
+        <p:blipFill rotWithShape="1">
+          <a:blip r:embed="rId2">
+            <a:duotone>
+              <a:schemeClr val="bg2">
+                <a:shade val="45000"/>
+                <a:satMod val="135000"/>
+              </a:schemeClr>
+              <a:prstClr val="white"/>
+            </a:duotone>
+            <a:alphaModFix amt="25000"/>
+          </a:blip>
+          <a:srcRect t="9021"/>
+          <a:stretch/>
+        </p:blipFill>
+        <p:spPr>
+          <a:xfrm>
+            <a:off x="20" y="10"/>
+            <a:ext cx="11292820" cy="6857990"/>
+          </a:xfrm>
+          <a:prstGeom prst="rect">
+            <a:avLst/>
+          </a:prstGeom>
+        </p:spPr>
+      </p:pic>
+      <p:sp>
+        <p:nvSpPr>
+          <p:cNvPr id="2" name="Titolo 1">
+            <a:extLst>
+              <a:ext uri="{FF2B5EF4-FFF2-40B4-BE49-F238E27FC236}">
+                <a16:creationId xmlns:a16="http://schemas.microsoft.com/office/drawing/2014/main" id="{498E1046-4F0F-4203-98B6-67896658A6E1}"/>
+              </a:ext>
+            </a:extLst>
+          </p:cNvPr>
+          <p:cNvSpPr>
+            <a:spLocks noGrp="1"/>
+          </p:cNvSpPr>
+          <p:nvPr>
+            <p:ph type="title"/>
+          </p:nvPr>
+        </p:nvSpPr>
+        <p:spPr>
+          <a:xfrm>
+            <a:off x="1261872" y="365760"/>
+            <a:ext cx="9692640" cy="1325562"/>
+          </a:xfrm>
+        </p:spPr>
+        <p:txBody>
+          <a:bodyPr>
+            <a:normAutofit/>
+          </a:bodyPr>
+          <a:lstStyle/>
+          <a:p>
+            <a:r>
+              <a:rPr lang="it-IT" dirty="0"/>
+              <a:t>Performance </a:t>
+            </a:r>
+            <a:r>
+              <a:rPr lang="it-IT" dirty="0" err="1"/>
+              <a:t>comparison</a:t>
+            </a:r>
+            <a:endParaRPr lang="it-IT" dirty="0"/>
+          </a:p>
+        </p:txBody>
+      </p:sp>
+      <p:sp>
+        <p:nvSpPr>
+          <p:cNvPr id="3" name="Segnaposto contenuto 2">
+            <a:extLst>
+              <a:ext uri="{FF2B5EF4-FFF2-40B4-BE49-F238E27FC236}">
+                <a16:creationId xmlns:a16="http://schemas.microsoft.com/office/drawing/2014/main" id="{79011857-90FA-434C-B61E-35FF2BCF2E77}"/>
+              </a:ext>
+            </a:extLst>
+          </p:cNvPr>
+          <p:cNvSpPr>
+            <a:spLocks noGrp="1"/>
+          </p:cNvSpPr>
+          <p:nvPr>
+            <p:ph idx="1"/>
+          </p:nvPr>
+        </p:nvSpPr>
+        <p:spPr>
+          <a:xfrm>
+            <a:off x="1261872" y="4416551"/>
+            <a:ext cx="8595360" cy="1763585"/>
+          </a:xfrm>
+        </p:spPr>
+        <p:txBody>
+          <a:bodyPr>
+            <a:normAutofit/>
+          </a:bodyPr>
+          <a:lstStyle/>
+          <a:p>
+            <a:r>
+              <a:rPr lang="it-IT" dirty="0" err="1"/>
+              <a:t>Timings</a:t>
+            </a:r>
+            <a:r>
+              <a:rPr lang="it-IT" dirty="0"/>
+              <a:t> </a:t>
+            </a:r>
+            <a:r>
+              <a:rPr lang="it-IT" dirty="0" err="1"/>
+              <a:t>were</a:t>
+            </a:r>
+            <a:r>
+              <a:rPr lang="it-IT" dirty="0"/>
+              <a:t> </a:t>
+            </a:r>
+            <a:r>
+              <a:rPr lang="it-IT" dirty="0" err="1"/>
+              <a:t>taken</a:t>
+            </a:r>
+            <a:r>
+              <a:rPr lang="it-IT" dirty="0"/>
+              <a:t> </a:t>
+            </a:r>
+            <a:r>
+              <a:rPr lang="it-IT" dirty="0" err="1"/>
+              <a:t>as</a:t>
+            </a:r>
+            <a:r>
+              <a:rPr lang="it-IT" dirty="0"/>
+              <a:t> </a:t>
+            </a:r>
+            <a:r>
+              <a:rPr lang="it-IT" dirty="0" err="1"/>
+              <a:t>averages</a:t>
+            </a:r>
+            <a:r>
+              <a:rPr lang="it-IT" dirty="0"/>
+              <a:t> of 10 </a:t>
+            </a:r>
+            <a:r>
+              <a:rPr lang="it-IT" dirty="0" err="1"/>
+              <a:t>runs</a:t>
+            </a:r>
+            <a:r>
+              <a:rPr lang="it-IT" dirty="0"/>
+              <a:t>.</a:t>
+            </a:r>
+          </a:p>
+          <a:p>
+            <a:r>
+              <a:rPr lang="it-IT" dirty="0" err="1"/>
+              <a:t>All</a:t>
+            </a:r>
+            <a:r>
+              <a:rPr lang="it-IT" dirty="0"/>
+              <a:t> the tools </a:t>
+            </a:r>
+            <a:r>
+              <a:rPr lang="it-IT" dirty="0" err="1"/>
+              <a:t>seem</a:t>
+            </a:r>
+            <a:r>
+              <a:rPr lang="it-IT" dirty="0"/>
+              <a:t> to prove </a:t>
+            </a:r>
+            <a:r>
+              <a:rPr lang="it-IT" dirty="0" err="1"/>
+              <a:t>that</a:t>
+            </a:r>
+            <a:r>
+              <a:rPr lang="it-IT" dirty="0"/>
+              <a:t> learning one task </a:t>
+            </a:r>
+            <a:r>
+              <a:rPr lang="it-IT" dirty="0" err="1"/>
+              <a:t>at</a:t>
+            </a:r>
+            <a:r>
+              <a:rPr lang="it-IT" dirty="0"/>
+              <a:t> a time </a:t>
+            </a:r>
+            <a:r>
+              <a:rPr lang="it-IT" dirty="0" err="1"/>
+              <a:t>is</a:t>
+            </a:r>
+            <a:r>
+              <a:rPr lang="it-IT" dirty="0"/>
+              <a:t> far more </a:t>
+            </a:r>
+            <a:r>
+              <a:rPr lang="it-IT" dirty="0" err="1"/>
+              <a:t>efficient</a:t>
+            </a:r>
+            <a:r>
+              <a:rPr lang="it-IT" dirty="0"/>
+              <a:t> </a:t>
+            </a:r>
+            <a:r>
+              <a:rPr lang="it-IT" dirty="0" err="1"/>
+              <a:t>than</a:t>
+            </a:r>
+            <a:r>
+              <a:rPr lang="it-IT" dirty="0"/>
+              <a:t> learning more tasks </a:t>
+            </a:r>
+            <a:r>
+              <a:rPr lang="it-IT" dirty="0" err="1"/>
+              <a:t>at</a:t>
+            </a:r>
+            <a:r>
+              <a:rPr lang="it-IT" dirty="0"/>
+              <a:t> once.</a:t>
+            </a:r>
+          </a:p>
+        </p:txBody>
+      </p:sp>
+      <p:graphicFrame>
+        <p:nvGraphicFramePr>
+          <p:cNvPr id="6" name="Tabella 9">
+            <a:extLst>
+              <a:ext uri="{FF2B5EF4-FFF2-40B4-BE49-F238E27FC236}">
+                <a16:creationId xmlns:a16="http://schemas.microsoft.com/office/drawing/2014/main" id="{3C9893CB-1F9C-4F26-AC5D-0711303E5C99}"/>
+              </a:ext>
+            </a:extLst>
+          </p:cNvPr>
+          <p:cNvGraphicFramePr>
+            <a:graphicFrameLocks/>
+          </p:cNvGraphicFramePr>
+          <p:nvPr>
+            <p:extLst>
+              <p:ext uri="{D42A27DB-BD31-4B8C-83A1-F6EECF244321}">
+                <p14:modId xmlns:p14="http://schemas.microsoft.com/office/powerpoint/2010/main" val="3747215833"/>
+              </p:ext>
+            </p:extLst>
+          </p:nvPr>
+        </p:nvGraphicFramePr>
+        <p:xfrm>
+          <a:off x="1262063" y="1828800"/>
+          <a:ext cx="8594724" cy="2123440"/>
+        </p:xfrm>
+        <a:graphic>
+          <a:graphicData uri="http://schemas.openxmlformats.org/drawingml/2006/table">
+            <a:tbl>
+              <a:tblPr firstRow="1" bandRow="1">
+                <a:tableStyleId>{5C22544A-7EE6-4342-B048-85BDC9FD1C3A}</a:tableStyleId>
+              </a:tblPr>
+              <a:tblGrid>
+                <a:gridCol w="2148681">
+                  <a:extLst>
+                    <a:ext uri="{9D8B030D-6E8A-4147-A177-3AD203B41FA5}">
+                      <a16:colId xmlns:a16="http://schemas.microsoft.com/office/drawing/2014/main" val="3882177956"/>
+                    </a:ext>
+                  </a:extLst>
+                </a:gridCol>
+                <a:gridCol w="2148681">
+                  <a:extLst>
+                    <a:ext uri="{9D8B030D-6E8A-4147-A177-3AD203B41FA5}">
+                      <a16:colId xmlns:a16="http://schemas.microsoft.com/office/drawing/2014/main" val="2929272764"/>
+                    </a:ext>
+                  </a:extLst>
+                </a:gridCol>
+                <a:gridCol w="2148681">
+                  <a:extLst>
+                    <a:ext uri="{9D8B030D-6E8A-4147-A177-3AD203B41FA5}">
+                      <a16:colId xmlns:a16="http://schemas.microsoft.com/office/drawing/2014/main" val="1852019732"/>
+                    </a:ext>
+                  </a:extLst>
+                </a:gridCol>
+                <a:gridCol w="2148681">
+                  <a:extLst>
+                    <a:ext uri="{9D8B030D-6E8A-4147-A177-3AD203B41FA5}">
+                      <a16:colId xmlns:a16="http://schemas.microsoft.com/office/drawing/2014/main" val="592403734"/>
+                    </a:ext>
+                  </a:extLst>
+                </a:gridCol>
+              </a:tblGrid>
+              <a:tr h="370840">
+                <a:tc>
+                  <a:txBody>
+                    <a:bodyPr/>
+                    <a:lstStyle/>
+                    <a:p>
+                      <a:pPr algn="ctr"/>
+                      <a:r>
+                        <a:rPr lang="it-IT" dirty="0"/>
+                        <a:t>Task</a:t>
+                      </a:r>
+                    </a:p>
+                  </a:txBody>
+                  <a:tcPr/>
+                </a:tc>
+                <a:tc>
+                  <a:txBody>
+                    <a:bodyPr/>
+                    <a:lstStyle/>
+                    <a:p>
+                      <a:pPr algn="ctr"/>
+                      <a:r>
+                        <a:rPr lang="it-IT" dirty="0"/>
+                        <a:t>HYPER</a:t>
+                      </a:r>
+                    </a:p>
+                  </a:txBody>
+                  <a:tcPr/>
+                </a:tc>
+                <a:tc>
+                  <a:txBody>
+                    <a:bodyPr/>
+                    <a:lstStyle/>
+                    <a:p>
+                      <a:pPr algn="ctr"/>
+                      <a:r>
+                        <a:rPr lang="it-IT" dirty="0" err="1"/>
+                        <a:t>Metagol</a:t>
+                      </a:r>
+                      <a:endParaRPr lang="it-IT" dirty="0"/>
+                    </a:p>
+                  </a:txBody>
+                  <a:tcPr/>
+                </a:tc>
+                <a:tc>
+                  <a:txBody>
+                    <a:bodyPr/>
+                    <a:lstStyle/>
+                    <a:p>
+                      <a:pPr algn="ctr"/>
+                      <a:r>
+                        <a:rPr lang="it-IT" dirty="0"/>
+                        <a:t>ILASP</a:t>
+                      </a:r>
+                    </a:p>
+                  </a:txBody>
+                  <a:tcPr/>
+                </a:tc>
+                <a:extLst>
+                  <a:ext uri="{0D108BD9-81ED-4DB2-BD59-A6C34878D82A}">
+                    <a16:rowId xmlns:a16="http://schemas.microsoft.com/office/drawing/2014/main" val="1729373951"/>
+                  </a:ext>
+                </a:extLst>
+              </a:tr>
+              <a:tr h="370840">
+                <a:tc>
+                  <a:txBody>
+                    <a:bodyPr/>
+                    <a:lstStyle/>
+                    <a:p>
+                      <a:pPr algn="ctr"/>
+                      <a:r>
+                        <a:rPr lang="it-IT" dirty="0" err="1">
+                          <a:latin typeface="Courier New" panose="02070309020205020404" pitchFamily="49" charset="0"/>
+                          <a:cs typeface="Courier New" panose="02070309020205020404" pitchFamily="49" charset="0"/>
+                        </a:rPr>
+                        <a:t>adjacent</a:t>
+                      </a:r>
+                      <a:r>
+                        <a:rPr lang="it-IT" dirty="0">
+                          <a:latin typeface="Courier New" panose="02070309020205020404" pitchFamily="49" charset="0"/>
+                          <a:cs typeface="Courier New" panose="02070309020205020404" pitchFamily="49" charset="0"/>
+                        </a:rPr>
+                        <a:t>/2</a:t>
+                      </a:r>
+                    </a:p>
+                  </a:txBody>
+                  <a:tcPr/>
+                </a:tc>
+                <a:tc>
+                  <a:txBody>
+                    <a:bodyPr/>
+                    <a:lstStyle/>
+                    <a:p>
+                      <a:pPr algn="ctr"/>
+                      <a:r>
+                        <a:rPr lang="it-IT" dirty="0"/>
+                        <a:t>175.884</a:t>
+                      </a:r>
+                    </a:p>
+                  </a:txBody>
+                  <a:tcPr/>
+                </a:tc>
+                <a:tc>
+                  <a:txBody>
+                    <a:bodyPr/>
+                    <a:lstStyle/>
+                    <a:p>
+                      <a:pPr algn="ctr"/>
+                      <a:r>
+                        <a:rPr lang="it-IT" dirty="0"/>
+                        <a:t>0.121*</a:t>
+                      </a:r>
+                    </a:p>
+                  </a:txBody>
+                  <a:tcPr/>
+                </a:tc>
+                <a:tc>
+                  <a:txBody>
+                    <a:bodyPr/>
+                    <a:lstStyle/>
+                    <a:p>
+                      <a:pPr algn="ctr"/>
+                      <a:endParaRPr lang="it-IT"/>
+                    </a:p>
+                  </a:txBody>
+                  <a:tcPr/>
+                </a:tc>
+                <a:extLst>
+                  <a:ext uri="{0D108BD9-81ED-4DB2-BD59-A6C34878D82A}">
+                    <a16:rowId xmlns:a16="http://schemas.microsoft.com/office/drawing/2014/main" val="2376692191"/>
+                  </a:ext>
+                </a:extLst>
+              </a:tr>
+              <a:tr h="370840">
+                <a:tc>
+                  <a:txBody>
+                    <a:bodyPr/>
+                    <a:lstStyle/>
+                    <a:p>
+                      <a:pPr algn="ctr"/>
+                      <a:r>
+                        <a:rPr lang="it-IT" dirty="0" err="1">
+                          <a:latin typeface="Courier New" panose="02070309020205020404" pitchFamily="49" charset="0"/>
+                          <a:cs typeface="Courier New" panose="02070309020205020404" pitchFamily="49" charset="0"/>
+                        </a:rPr>
+                        <a:t>move</a:t>
+                      </a:r>
+                      <a:r>
+                        <a:rPr lang="it-IT" dirty="0">
+                          <a:latin typeface="Courier New" panose="02070309020205020404" pitchFamily="49" charset="0"/>
+                          <a:cs typeface="Courier New" panose="02070309020205020404" pitchFamily="49" charset="0"/>
+                        </a:rPr>
+                        <a:t>/2</a:t>
+                      </a:r>
+                    </a:p>
+                  </a:txBody>
+                  <a:tcPr/>
+                </a:tc>
+                <a:tc>
+                  <a:txBody>
+                    <a:bodyPr/>
+                    <a:lstStyle/>
+                    <a:p>
+                      <a:pPr algn="ctr"/>
+                      <a:r>
+                        <a:rPr lang="it-IT" dirty="0"/>
+                        <a:t>0.063</a:t>
+                      </a:r>
+                    </a:p>
+                  </a:txBody>
+                  <a:tcPr/>
+                </a:tc>
+                <a:tc>
+                  <a:txBody>
+                    <a:bodyPr/>
+                    <a:lstStyle/>
+                    <a:p>
+                      <a:pPr algn="ctr"/>
+                      <a:r>
+                        <a:rPr lang="it-IT" dirty="0"/>
+                        <a:t>0.047</a:t>
+                      </a:r>
+                    </a:p>
+                  </a:txBody>
+                  <a:tcPr/>
+                </a:tc>
+                <a:tc>
+                  <a:txBody>
+                    <a:bodyPr/>
+                    <a:lstStyle/>
+                    <a:p>
+                      <a:pPr algn="ctr"/>
+                      <a:endParaRPr lang="it-IT"/>
+                    </a:p>
+                  </a:txBody>
+                  <a:tcPr/>
+                </a:tc>
+                <a:extLst>
+                  <a:ext uri="{0D108BD9-81ED-4DB2-BD59-A6C34878D82A}">
+                    <a16:rowId xmlns:a16="http://schemas.microsoft.com/office/drawing/2014/main" val="1399593188"/>
+                  </a:ext>
+                </a:extLst>
+              </a:tr>
+              <a:tr h="370840">
+                <a:tc>
+                  <a:txBody>
+                    <a:bodyPr/>
+                    <a:lstStyle/>
+                    <a:p>
+                      <a:pPr algn="ctr"/>
+                      <a:r>
+                        <a:rPr lang="it-IT" dirty="0" err="1">
+                          <a:latin typeface="Courier New" panose="02070309020205020404" pitchFamily="49" charset="0"/>
+                          <a:cs typeface="Courier New" panose="02070309020205020404" pitchFamily="49" charset="0"/>
+                        </a:rPr>
+                        <a:t>reach</a:t>
+                      </a:r>
+                      <a:r>
+                        <a:rPr lang="it-IT" dirty="0">
+                          <a:latin typeface="Courier New" panose="02070309020205020404" pitchFamily="49" charset="0"/>
+                          <a:cs typeface="Courier New" panose="02070309020205020404" pitchFamily="49" charset="0"/>
+                        </a:rPr>
+                        <a:t>/3</a:t>
+                      </a:r>
+                    </a:p>
+                  </a:txBody>
+                  <a:tcPr/>
+                </a:tc>
+                <a:tc>
+                  <a:txBody>
+                    <a:bodyPr/>
+                    <a:lstStyle/>
+                    <a:p>
+                      <a:pPr algn="ctr"/>
+                      <a:r>
+                        <a:rPr lang="it-IT" dirty="0"/>
+                        <a:t>1.577</a:t>
+                      </a:r>
+                    </a:p>
+                  </a:txBody>
+                  <a:tcPr/>
+                </a:tc>
+                <a:tc>
+                  <a:txBody>
+                    <a:bodyPr/>
+                    <a:lstStyle/>
+                    <a:p>
+                      <a:pPr algn="ctr"/>
+                      <a:r>
+                        <a:rPr lang="it-IT" dirty="0"/>
+                        <a:t>0.026</a:t>
+                      </a:r>
+                    </a:p>
+                  </a:txBody>
+                  <a:tcPr/>
+                </a:tc>
+                <a:tc>
+                  <a:txBody>
+                    <a:bodyPr/>
+                    <a:lstStyle/>
+                    <a:p>
+                      <a:pPr algn="ctr"/>
+                      <a:endParaRPr lang="it-IT" dirty="0"/>
+                    </a:p>
+                  </a:txBody>
+                  <a:tcPr/>
+                </a:tc>
+                <a:extLst>
+                  <a:ext uri="{0D108BD9-81ED-4DB2-BD59-A6C34878D82A}">
+                    <a16:rowId xmlns:a16="http://schemas.microsoft.com/office/drawing/2014/main" val="605522565"/>
+                  </a:ext>
+                </a:extLst>
+              </a:tr>
+              <a:tr h="370840">
+                <a:tc>
+                  <a:txBody>
+                    <a:bodyPr/>
+                    <a:lstStyle/>
+                    <a:p>
+                      <a:pPr algn="ctr"/>
+                      <a:r>
+                        <a:rPr lang="it-IT" dirty="0" err="1">
+                          <a:latin typeface="Courier New" panose="02070309020205020404" pitchFamily="49" charset="0"/>
+                          <a:cs typeface="Courier New" panose="02070309020205020404" pitchFamily="49" charset="0"/>
+                        </a:rPr>
+                        <a:t>move</a:t>
+                      </a:r>
+                      <a:r>
+                        <a:rPr lang="it-IT" dirty="0">
+                          <a:latin typeface="Courier New" panose="02070309020205020404" pitchFamily="49" charset="0"/>
+                          <a:cs typeface="Courier New" panose="02070309020205020404" pitchFamily="49" charset="0"/>
+                        </a:rPr>
+                        <a:t>/2 &amp; </a:t>
+                      </a:r>
+                      <a:r>
+                        <a:rPr lang="it-IT" dirty="0" err="1">
+                          <a:latin typeface="Courier New" panose="02070309020205020404" pitchFamily="49" charset="0"/>
+                          <a:cs typeface="Courier New" panose="02070309020205020404" pitchFamily="49" charset="0"/>
+                        </a:rPr>
+                        <a:t>reach</a:t>
+                      </a:r>
+                      <a:r>
+                        <a:rPr lang="it-IT" dirty="0">
+                          <a:latin typeface="Courier New" panose="02070309020205020404" pitchFamily="49" charset="0"/>
+                          <a:cs typeface="Courier New" panose="02070309020205020404" pitchFamily="49" charset="0"/>
+                        </a:rPr>
+                        <a:t>/3</a:t>
+                      </a:r>
+                    </a:p>
+                  </a:txBody>
+                  <a:tcPr/>
+                </a:tc>
+                <a:tc>
+                  <a:txBody>
+                    <a:bodyPr/>
+                    <a:lstStyle/>
+                    <a:p>
+                      <a:pPr algn="ctr"/>
+                      <a:r>
+                        <a:rPr lang="it-IT" dirty="0"/>
+                        <a:t>16.585</a:t>
+                      </a:r>
+                    </a:p>
+                  </a:txBody>
+                  <a:tcPr/>
+                </a:tc>
+                <a:tc>
+                  <a:txBody>
+                    <a:bodyPr/>
+                    <a:lstStyle/>
+                    <a:p>
+                      <a:pPr algn="ctr"/>
+                      <a:r>
+                        <a:rPr lang="it-IT" dirty="0"/>
+                        <a:t>0.848</a:t>
+                      </a:r>
+                    </a:p>
+                  </a:txBody>
+                  <a:tcPr/>
+                </a:tc>
+                <a:tc>
+                  <a:txBody>
+                    <a:bodyPr/>
+                    <a:lstStyle/>
+                    <a:p>
+                      <a:pPr algn="ctr"/>
+                      <a:endParaRPr lang="it-IT" dirty="0"/>
+                    </a:p>
+                  </a:txBody>
+                  <a:tcPr/>
+                </a:tc>
+                <a:extLst>
+                  <a:ext uri="{0D108BD9-81ED-4DB2-BD59-A6C34878D82A}">
+                    <a16:rowId xmlns:a16="http://schemas.microsoft.com/office/drawing/2014/main" val="52405842"/>
+                  </a:ext>
+                </a:extLst>
+              </a:tr>
+            </a:tbl>
+          </a:graphicData>
+        </a:graphic>
+      </p:graphicFrame>
+    </p:spTree>
+    <p:extLst>
+      <p:ext uri="{BB962C8B-B14F-4D97-AF65-F5344CB8AC3E}">
+        <p14:creationId xmlns:p14="http://schemas.microsoft.com/office/powerpoint/2010/main" val="517097051"/>
       </p:ext>
     </p:extLst>
   </p:cSld>
@@ -22663,6 +24171,2479 @@
 </p:sld>
 </file>
 
+<file path=ppt/slides/slide30.xml><?xml version="1.0" encoding="utf-8"?>
+<p:sld xmlns:a="http://schemas.openxmlformats.org/drawingml/2006/main" xmlns:r="http://schemas.openxmlformats.org/officeDocument/2006/relationships" xmlns:p="http://schemas.openxmlformats.org/presentationml/2006/main">
+  <p:cSld>
+    <p:spTree>
+      <p:nvGrpSpPr>
+        <p:cNvPr id="1" name=""/>
+        <p:cNvGrpSpPr/>
+        <p:nvPr/>
+      </p:nvGrpSpPr>
+      <p:grpSpPr>
+        <a:xfrm>
+          <a:off x="0" y="0"/>
+          <a:ext cx="0" cy="0"/>
+          <a:chOff x="0" y="0"/>
+          <a:chExt cx="0" cy="0"/>
+        </a:xfrm>
+      </p:grpSpPr>
+      <p:pic>
+        <p:nvPicPr>
+          <p:cNvPr id="4" name="Picture 4" descr="Maze">
+            <a:extLst>
+              <a:ext uri="{FF2B5EF4-FFF2-40B4-BE49-F238E27FC236}">
+                <a16:creationId xmlns:a16="http://schemas.microsoft.com/office/drawing/2014/main" id="{15FFD1B1-AEEE-4EE4-9047-6C67FEA2BDA9}"/>
+              </a:ext>
+            </a:extLst>
+          </p:cNvPr>
+          <p:cNvPicPr>
+            <a:picLocks noChangeAspect="1"/>
+          </p:cNvPicPr>
+          <p:nvPr/>
+        </p:nvPicPr>
+        <p:blipFill rotWithShape="1">
+          <a:blip r:embed="rId2">
+            <a:duotone>
+              <a:schemeClr val="bg2">
+                <a:shade val="45000"/>
+                <a:satMod val="135000"/>
+              </a:schemeClr>
+              <a:prstClr val="white"/>
+            </a:duotone>
+            <a:alphaModFix amt="25000"/>
+          </a:blip>
+          <a:srcRect t="9021"/>
+          <a:stretch/>
+        </p:blipFill>
+        <p:spPr>
+          <a:xfrm>
+            <a:off x="20" y="10"/>
+            <a:ext cx="11292820" cy="6857990"/>
+          </a:xfrm>
+          <a:prstGeom prst="rect">
+            <a:avLst/>
+          </a:prstGeom>
+        </p:spPr>
+      </p:pic>
+      <p:sp>
+        <p:nvSpPr>
+          <p:cNvPr id="2" name="Titolo 1">
+            <a:extLst>
+              <a:ext uri="{FF2B5EF4-FFF2-40B4-BE49-F238E27FC236}">
+                <a16:creationId xmlns:a16="http://schemas.microsoft.com/office/drawing/2014/main" id="{0A12707C-3206-4993-9DBE-17D9EACB1C00}"/>
+              </a:ext>
+            </a:extLst>
+          </p:cNvPr>
+          <p:cNvSpPr>
+            <a:spLocks noGrp="1"/>
+          </p:cNvSpPr>
+          <p:nvPr>
+            <p:ph type="title"/>
+          </p:nvPr>
+        </p:nvSpPr>
+        <p:spPr>
+          <a:xfrm>
+            <a:off x="1261872" y="365760"/>
+            <a:ext cx="9692640" cy="1325562"/>
+          </a:xfrm>
+        </p:spPr>
+        <p:txBody>
+          <a:bodyPr>
+            <a:normAutofit/>
+          </a:bodyPr>
+          <a:lstStyle/>
+          <a:p>
+            <a:r>
+              <a:rPr lang="it-IT" dirty="0" err="1"/>
+              <a:t>Approach</a:t>
+            </a:r>
+            <a:r>
+              <a:rPr lang="it-IT" dirty="0"/>
+              <a:t> </a:t>
+            </a:r>
+            <a:r>
+              <a:rPr lang="it-IT" dirty="0" err="1"/>
+              <a:t>comparison</a:t>
+            </a:r>
+            <a:endParaRPr lang="it-IT" dirty="0"/>
+          </a:p>
+        </p:txBody>
+      </p:sp>
+      <p:sp>
+        <p:nvSpPr>
+          <p:cNvPr id="3" name="Segnaposto contenuto 2">
+            <a:extLst>
+              <a:ext uri="{FF2B5EF4-FFF2-40B4-BE49-F238E27FC236}">
+                <a16:creationId xmlns:a16="http://schemas.microsoft.com/office/drawing/2014/main" id="{D879B614-B7EF-4C41-B525-645B6994B712}"/>
+              </a:ext>
+            </a:extLst>
+          </p:cNvPr>
+          <p:cNvSpPr>
+            <a:spLocks noGrp="1"/>
+          </p:cNvSpPr>
+          <p:nvPr>
+            <p:ph idx="1"/>
+          </p:nvPr>
+        </p:nvSpPr>
+        <p:spPr>
+          <a:xfrm>
+            <a:off x="1261872" y="2013055"/>
+            <a:ext cx="8595360" cy="4167082"/>
+          </a:xfrm>
+        </p:spPr>
+        <p:txBody>
+          <a:bodyPr>
+            <a:normAutofit/>
+          </a:bodyPr>
+          <a:lstStyle/>
+          <a:p>
+            <a:r>
+              <a:rPr lang="en-US" sz="1700" dirty="0"/>
+              <a:t>HYPER and </a:t>
+            </a:r>
+            <a:r>
+              <a:rPr lang="en-US" sz="1700" dirty="0" err="1"/>
+              <a:t>Metagol</a:t>
+            </a:r>
+            <a:r>
+              <a:rPr lang="en-US" sz="1700" dirty="0"/>
+              <a:t> seem to have quite a similar approach, though the latter seems far more efficient than the former.</a:t>
+            </a:r>
+          </a:p>
+          <a:p>
+            <a:r>
+              <a:rPr lang="en-US" sz="1700" dirty="0"/>
+              <a:t>The tradeoff for </a:t>
+            </a:r>
+            <a:r>
+              <a:rPr lang="en-US" sz="1700" dirty="0" err="1"/>
+              <a:t>Metagol’s</a:t>
+            </a:r>
+            <a:r>
+              <a:rPr lang="en-US" sz="1700" dirty="0"/>
+              <a:t> efficiency is related to the fact that it requires a far more precise initial idea of the result in order to use the correct metarules.</a:t>
+            </a:r>
+          </a:p>
+        </p:txBody>
+      </p:sp>
+    </p:spTree>
+    <p:extLst>
+      <p:ext uri="{BB962C8B-B14F-4D97-AF65-F5344CB8AC3E}">
+        <p14:creationId xmlns:p14="http://schemas.microsoft.com/office/powerpoint/2010/main" val="642043342"/>
+      </p:ext>
+    </p:extLst>
+  </p:cSld>
+  <p:clrMapOvr>
+    <a:masterClrMapping/>
+  </p:clrMapOvr>
+</p:sld>
+</file>
+
+<file path=ppt/slides/slide31.xml><?xml version="1.0" encoding="utf-8"?>
+<p:sld xmlns:a="http://schemas.openxmlformats.org/drawingml/2006/main" xmlns:r="http://schemas.openxmlformats.org/officeDocument/2006/relationships" xmlns:p="http://schemas.openxmlformats.org/presentationml/2006/main">
+  <p:cSld>
+    <p:spTree>
+      <p:nvGrpSpPr>
+        <p:cNvPr id="1" name=""/>
+        <p:cNvGrpSpPr/>
+        <p:nvPr/>
+      </p:nvGrpSpPr>
+      <p:grpSpPr>
+        <a:xfrm>
+          <a:off x="0" y="0"/>
+          <a:ext cx="0" cy="0"/>
+          <a:chOff x="0" y="0"/>
+          <a:chExt cx="0" cy="0"/>
+        </a:xfrm>
+      </p:grpSpPr>
+      <p:pic>
+        <p:nvPicPr>
+          <p:cNvPr id="4" name="Picture 4" descr="Maze">
+            <a:extLst>
+              <a:ext uri="{FF2B5EF4-FFF2-40B4-BE49-F238E27FC236}">
+                <a16:creationId xmlns:a16="http://schemas.microsoft.com/office/drawing/2014/main" id="{15FFD1B1-AEEE-4EE4-9047-6C67FEA2BDA9}"/>
+              </a:ext>
+            </a:extLst>
+          </p:cNvPr>
+          <p:cNvPicPr>
+            <a:picLocks noChangeAspect="1"/>
+          </p:cNvPicPr>
+          <p:nvPr/>
+        </p:nvPicPr>
+        <p:blipFill rotWithShape="1">
+          <a:blip r:embed="rId2">
+            <a:duotone>
+              <a:schemeClr val="bg2">
+                <a:shade val="45000"/>
+                <a:satMod val="135000"/>
+              </a:schemeClr>
+              <a:prstClr val="white"/>
+            </a:duotone>
+            <a:alphaModFix amt="25000"/>
+          </a:blip>
+          <a:srcRect t="9021"/>
+          <a:stretch/>
+        </p:blipFill>
+        <p:spPr>
+          <a:xfrm>
+            <a:off x="20" y="10"/>
+            <a:ext cx="11292820" cy="6857990"/>
+          </a:xfrm>
+          <a:prstGeom prst="rect">
+            <a:avLst/>
+          </a:prstGeom>
+        </p:spPr>
+      </p:pic>
+      <p:sp>
+        <p:nvSpPr>
+          <p:cNvPr id="2" name="Titolo 1">
+            <a:extLst>
+              <a:ext uri="{FF2B5EF4-FFF2-40B4-BE49-F238E27FC236}">
+                <a16:creationId xmlns:a16="http://schemas.microsoft.com/office/drawing/2014/main" id="{0A12707C-3206-4993-9DBE-17D9EACB1C00}"/>
+              </a:ext>
+            </a:extLst>
+          </p:cNvPr>
+          <p:cNvSpPr>
+            <a:spLocks noGrp="1"/>
+          </p:cNvSpPr>
+          <p:nvPr>
+            <p:ph type="title"/>
+          </p:nvPr>
+        </p:nvSpPr>
+        <p:spPr/>
+        <p:txBody>
+          <a:bodyPr>
+            <a:normAutofit/>
+          </a:bodyPr>
+          <a:lstStyle/>
+          <a:p>
+            <a:r>
+              <a:rPr lang="it-IT" dirty="0"/>
+              <a:t>Bonus: </a:t>
+            </a:r>
+            <a:r>
+              <a:rPr lang="it-IT" dirty="0" err="1"/>
+              <a:t>is</a:t>
+            </a:r>
+            <a:r>
+              <a:rPr lang="it-IT" dirty="0"/>
+              <a:t> </a:t>
+            </a:r>
+            <a:r>
+              <a:rPr lang="it-IT" dirty="0" err="1">
+                <a:latin typeface="Courier New" panose="02070309020205020404" pitchFamily="49" charset="0"/>
+                <a:cs typeface="Courier New" panose="02070309020205020404" pitchFamily="49" charset="0"/>
+              </a:rPr>
+              <a:t>reach</a:t>
+            </a:r>
+            <a:r>
+              <a:rPr lang="it-IT" dirty="0">
+                <a:latin typeface="Courier New" panose="02070309020205020404" pitchFamily="49" charset="0"/>
+                <a:cs typeface="Courier New" panose="02070309020205020404" pitchFamily="49" charset="0"/>
+              </a:rPr>
+              <a:t>/3 </a:t>
+            </a:r>
+            <a:r>
+              <a:rPr lang="it-IT" dirty="0" err="1">
+                <a:latin typeface="+mn-lt"/>
+                <a:cs typeface="Courier New" panose="02070309020205020404" pitchFamily="49" charset="0"/>
+              </a:rPr>
+              <a:t>correct</a:t>
+            </a:r>
+            <a:r>
+              <a:rPr lang="it-IT" dirty="0">
+                <a:latin typeface="+mn-lt"/>
+                <a:cs typeface="Courier New" panose="02070309020205020404" pitchFamily="49" charset="0"/>
+              </a:rPr>
+              <a:t>?</a:t>
+            </a:r>
+            <a:endParaRPr lang="it-IT" dirty="0"/>
+          </a:p>
+        </p:txBody>
+      </p:sp>
+      <p:sp>
+        <p:nvSpPr>
+          <p:cNvPr id="5" name="Segnaposto testo 4">
+            <a:extLst>
+              <a:ext uri="{FF2B5EF4-FFF2-40B4-BE49-F238E27FC236}">
+                <a16:creationId xmlns:a16="http://schemas.microsoft.com/office/drawing/2014/main" id="{5186AEE9-D37E-4E41-8597-ACF2C4A92CD3}"/>
+              </a:ext>
+            </a:extLst>
+          </p:cNvPr>
+          <p:cNvSpPr>
+            <a:spLocks noGrp="1"/>
+          </p:cNvSpPr>
+          <p:nvPr>
+            <p:ph type="body" idx="1"/>
+          </p:nvPr>
+        </p:nvSpPr>
+        <p:spPr/>
+        <p:txBody>
+          <a:bodyPr/>
+          <a:lstStyle/>
+          <a:p>
+            <a:r>
+              <a:rPr lang="it-IT" dirty="0"/>
+              <a:t>Not </a:t>
+            </a:r>
+            <a:r>
+              <a:rPr lang="it-IT" dirty="0" err="1"/>
+              <a:t>quite</a:t>
+            </a:r>
+            <a:r>
+              <a:rPr lang="it-IT" dirty="0"/>
+              <a:t>!</a:t>
+            </a:r>
+          </a:p>
+        </p:txBody>
+      </p:sp>
+      <p:sp>
+        <p:nvSpPr>
+          <p:cNvPr id="3" name="Segnaposto contenuto 2">
+            <a:extLst>
+              <a:ext uri="{FF2B5EF4-FFF2-40B4-BE49-F238E27FC236}">
+                <a16:creationId xmlns:a16="http://schemas.microsoft.com/office/drawing/2014/main" id="{D879B614-B7EF-4C41-B525-645B6994B712}"/>
+              </a:ext>
+            </a:extLst>
+          </p:cNvPr>
+          <p:cNvSpPr>
+            <a:spLocks noGrp="1"/>
+          </p:cNvSpPr>
+          <p:nvPr>
+            <p:ph sz="half" idx="2"/>
+          </p:nvPr>
+        </p:nvSpPr>
+        <p:spPr/>
+        <p:txBody>
+          <a:bodyPr>
+            <a:normAutofit/>
+          </a:bodyPr>
+          <a:lstStyle/>
+          <a:p>
+            <a:pPr marL="274320" lvl="1" indent="0">
+              <a:buNone/>
+            </a:pPr>
+            <a:r>
+              <a:rPr lang="en-US" sz="1400" dirty="0">
+                <a:latin typeface="Courier New" panose="02070309020205020404" pitchFamily="49" charset="0"/>
+                <a:cs typeface="Courier New" panose="02070309020205020404" pitchFamily="49" charset="0"/>
+              </a:rPr>
+              <a:t>reach(A,B,[A,B]):-reach_1(A,B).</a:t>
+            </a:r>
+          </a:p>
+          <a:p>
+            <a:pPr marL="274320" lvl="1" indent="0">
+              <a:buNone/>
+            </a:pPr>
+            <a:r>
+              <a:rPr lang="en-US" sz="1400" dirty="0">
+                <a:latin typeface="Courier New" panose="02070309020205020404" pitchFamily="49" charset="0"/>
+                <a:cs typeface="Courier New" panose="02070309020205020404" pitchFamily="49" charset="0"/>
+              </a:rPr>
+              <a:t>reach_1(A,B):-</a:t>
+            </a:r>
+            <a:r>
+              <a:rPr lang="en-US" sz="1400" dirty="0" err="1">
+                <a:latin typeface="Courier New" panose="02070309020205020404" pitchFamily="49" charset="0"/>
+                <a:cs typeface="Courier New" panose="02070309020205020404" pitchFamily="49" charset="0"/>
+              </a:rPr>
+              <a:t>legal_position</a:t>
+            </a:r>
+            <a:r>
+              <a:rPr lang="en-US" sz="1400" dirty="0">
+                <a:latin typeface="Courier New" panose="02070309020205020404" pitchFamily="49" charset="0"/>
+                <a:cs typeface="Courier New" panose="02070309020205020404" pitchFamily="49" charset="0"/>
+              </a:rPr>
+              <a:t>(B),reach_2(A,B).</a:t>
+            </a:r>
+          </a:p>
+          <a:p>
+            <a:pPr marL="274320" lvl="1" indent="0">
+              <a:buNone/>
+            </a:pPr>
+            <a:r>
+              <a:rPr lang="en-US" sz="1400" dirty="0">
+                <a:latin typeface="Courier New" panose="02070309020205020404" pitchFamily="49" charset="0"/>
+                <a:cs typeface="Courier New" panose="02070309020205020404" pitchFamily="49" charset="0"/>
+              </a:rPr>
+              <a:t>reach_2(A,B):-</a:t>
+            </a:r>
+            <a:r>
+              <a:rPr lang="en-US" sz="1400" dirty="0" err="1">
+                <a:latin typeface="Courier New" panose="02070309020205020404" pitchFamily="49" charset="0"/>
+                <a:cs typeface="Courier New" panose="02070309020205020404" pitchFamily="49" charset="0"/>
+              </a:rPr>
+              <a:t>inc_x</a:t>
+            </a:r>
+            <a:r>
+              <a:rPr lang="en-US" sz="1400" dirty="0">
+                <a:latin typeface="Courier New" panose="02070309020205020404" pitchFamily="49" charset="0"/>
+                <a:cs typeface="Courier New" panose="02070309020205020404" pitchFamily="49" charset="0"/>
+              </a:rPr>
+              <a:t>(A,B).</a:t>
+            </a:r>
+          </a:p>
+          <a:p>
+            <a:pPr marL="274320" lvl="1" indent="0">
+              <a:buNone/>
+            </a:pPr>
+            <a:r>
+              <a:rPr lang="en-US" sz="1400" dirty="0">
+                <a:latin typeface="Courier New" panose="02070309020205020404" pitchFamily="49" charset="0"/>
+                <a:cs typeface="Courier New" panose="02070309020205020404" pitchFamily="49" charset="0"/>
+              </a:rPr>
+              <a:t>reach_2(A,B):-</a:t>
+            </a:r>
+            <a:r>
+              <a:rPr lang="en-US" sz="1400" dirty="0" err="1">
+                <a:latin typeface="Courier New" panose="02070309020205020404" pitchFamily="49" charset="0"/>
+                <a:cs typeface="Courier New" panose="02070309020205020404" pitchFamily="49" charset="0"/>
+              </a:rPr>
+              <a:t>dec_y</a:t>
+            </a:r>
+            <a:r>
+              <a:rPr lang="en-US" sz="1400" dirty="0">
+                <a:latin typeface="Courier New" panose="02070309020205020404" pitchFamily="49" charset="0"/>
+                <a:cs typeface="Courier New" panose="02070309020205020404" pitchFamily="49" charset="0"/>
+              </a:rPr>
+              <a:t>(A,B).</a:t>
+            </a:r>
+          </a:p>
+          <a:p>
+            <a:pPr marL="274320" lvl="1" indent="0">
+              <a:buNone/>
+            </a:pPr>
+            <a:r>
+              <a:rPr lang="en-US" sz="1400" dirty="0">
+                <a:latin typeface="Courier New" panose="02070309020205020404" pitchFamily="49" charset="0"/>
+                <a:cs typeface="Courier New" panose="02070309020205020404" pitchFamily="49" charset="0"/>
+              </a:rPr>
+              <a:t>reach_2(A,B):-</a:t>
+            </a:r>
+            <a:r>
+              <a:rPr lang="en-US" sz="1400" dirty="0" err="1">
+                <a:latin typeface="Courier New" panose="02070309020205020404" pitchFamily="49" charset="0"/>
+                <a:cs typeface="Courier New" panose="02070309020205020404" pitchFamily="49" charset="0"/>
+              </a:rPr>
+              <a:t>inc_y</a:t>
+            </a:r>
+            <a:r>
+              <a:rPr lang="en-US" sz="1400" dirty="0">
+                <a:latin typeface="Courier New" panose="02070309020205020404" pitchFamily="49" charset="0"/>
+                <a:cs typeface="Courier New" panose="02070309020205020404" pitchFamily="49" charset="0"/>
+              </a:rPr>
+              <a:t>(A,B).</a:t>
+            </a:r>
+          </a:p>
+          <a:p>
+            <a:pPr marL="274320" lvl="1" indent="0">
+              <a:buNone/>
+            </a:pPr>
+            <a:r>
+              <a:rPr lang="en-US" sz="1400" dirty="0">
+                <a:latin typeface="Courier New" panose="02070309020205020404" pitchFamily="49" charset="0"/>
+                <a:cs typeface="Courier New" panose="02070309020205020404" pitchFamily="49" charset="0"/>
+              </a:rPr>
+              <a:t>reach_2(A,B):-</a:t>
+            </a:r>
+            <a:r>
+              <a:rPr lang="en-US" sz="1400" dirty="0" err="1">
+                <a:latin typeface="Courier New" panose="02070309020205020404" pitchFamily="49" charset="0"/>
+                <a:cs typeface="Courier New" panose="02070309020205020404" pitchFamily="49" charset="0"/>
+              </a:rPr>
+              <a:t>dec_x</a:t>
+            </a:r>
+            <a:r>
+              <a:rPr lang="en-US" sz="1400" dirty="0">
+                <a:latin typeface="Courier New" panose="02070309020205020404" pitchFamily="49" charset="0"/>
+                <a:cs typeface="Courier New" panose="02070309020205020404" pitchFamily="49" charset="0"/>
+              </a:rPr>
+              <a:t>(A,B).</a:t>
+            </a:r>
+          </a:p>
+          <a:p>
+            <a:pPr marL="274320" lvl="1" indent="0">
+              <a:buNone/>
+            </a:pPr>
+            <a:r>
+              <a:rPr lang="en-US" sz="1400" dirty="0">
+                <a:latin typeface="Courier New" panose="02070309020205020404" pitchFamily="49" charset="0"/>
+                <a:cs typeface="Courier New" panose="02070309020205020404" pitchFamily="49" charset="0"/>
+              </a:rPr>
+              <a:t>reach(A,B,[A|C]):-	</a:t>
+            </a:r>
+            <a:r>
+              <a:rPr lang="en-US" sz="1400" dirty="0" err="1">
+                <a:latin typeface="Courier New" panose="02070309020205020404" pitchFamily="49" charset="0"/>
+                <a:cs typeface="Courier New" panose="02070309020205020404" pitchFamily="49" charset="0"/>
+              </a:rPr>
+              <a:t>legal_position</a:t>
+            </a:r>
+            <a:r>
+              <a:rPr lang="en-US" sz="1400" dirty="0">
+                <a:latin typeface="Courier New" panose="02070309020205020404" pitchFamily="49" charset="0"/>
+                <a:cs typeface="Courier New" panose="02070309020205020404" pitchFamily="49" charset="0"/>
+              </a:rPr>
+              <a:t>(B),</a:t>
+            </a:r>
+          </a:p>
+          <a:p>
+            <a:pPr marL="274320" lvl="1" indent="0">
+              <a:buNone/>
+            </a:pPr>
+            <a:r>
+              <a:rPr lang="en-US" sz="1400" dirty="0">
+                <a:latin typeface="Courier New" panose="02070309020205020404" pitchFamily="49" charset="0"/>
+                <a:cs typeface="Courier New" panose="02070309020205020404" pitchFamily="49" charset="0"/>
+              </a:rPr>
+              <a:t>	reach_2(A,D),</a:t>
+            </a:r>
+            <a:r>
+              <a:rPr lang="en-US" sz="1400" dirty="0" err="1">
+                <a:latin typeface="Courier New" panose="02070309020205020404" pitchFamily="49" charset="0"/>
+                <a:cs typeface="Courier New" panose="02070309020205020404" pitchFamily="49" charset="0"/>
+              </a:rPr>
+              <a:t>legal_position</a:t>
+            </a:r>
+            <a:r>
+              <a:rPr lang="en-US" sz="1400" dirty="0">
+                <a:latin typeface="Courier New" panose="02070309020205020404" pitchFamily="49" charset="0"/>
+                <a:cs typeface="Courier New" panose="02070309020205020404" pitchFamily="49" charset="0"/>
+              </a:rPr>
+              <a:t>(D)</a:t>
+            </a:r>
+          </a:p>
+          <a:p>
+            <a:pPr marL="274320" lvl="1" indent="0">
+              <a:buNone/>
+            </a:pPr>
+            <a:r>
+              <a:rPr lang="en-US" sz="1400" dirty="0">
+                <a:latin typeface="Courier New" panose="02070309020205020404" pitchFamily="49" charset="0"/>
+                <a:cs typeface="Courier New" panose="02070309020205020404" pitchFamily="49" charset="0"/>
+              </a:rPr>
+              <a:t>	,reach(D,B,C).</a:t>
+            </a:r>
+          </a:p>
+          <a:p>
+            <a:r>
+              <a:rPr lang="en-US" sz="1600" dirty="0">
+                <a:cs typeface="Courier New" panose="02070309020205020404" pitchFamily="49" charset="0"/>
+              </a:rPr>
+              <a:t>This is caused by the (partly) declarative nature of Prolog</a:t>
+            </a:r>
+          </a:p>
+        </p:txBody>
+      </p:sp>
+      <p:sp>
+        <p:nvSpPr>
+          <p:cNvPr id="6" name="Segnaposto testo 5">
+            <a:extLst>
+              <a:ext uri="{FF2B5EF4-FFF2-40B4-BE49-F238E27FC236}">
+                <a16:creationId xmlns:a16="http://schemas.microsoft.com/office/drawing/2014/main" id="{8F312287-B755-4DAB-82C4-B5677F3DE19C}"/>
+              </a:ext>
+            </a:extLst>
+          </p:cNvPr>
+          <p:cNvSpPr>
+            <a:spLocks noGrp="1"/>
+          </p:cNvSpPr>
+          <p:nvPr>
+            <p:ph type="body" sz="quarter" idx="3"/>
+          </p:nvPr>
+        </p:nvSpPr>
+        <p:spPr/>
+        <p:txBody>
+          <a:bodyPr/>
+          <a:lstStyle/>
+          <a:p>
+            <a:r>
+              <a:rPr lang="it-IT" dirty="0" err="1"/>
+              <a:t>This</a:t>
+            </a:r>
+            <a:r>
+              <a:rPr lang="it-IT" dirty="0"/>
+              <a:t> can lead to infinite </a:t>
+            </a:r>
+            <a:r>
+              <a:rPr lang="it-IT" b="1" dirty="0"/>
+              <a:t>loops</a:t>
+            </a:r>
+            <a:r>
+              <a:rPr lang="it-IT" dirty="0"/>
+              <a:t> in </a:t>
+            </a:r>
+            <a:r>
+              <a:rPr lang="it-IT" dirty="0" err="1"/>
+              <a:t>Prolog</a:t>
+            </a:r>
+            <a:r>
+              <a:rPr lang="it-IT" dirty="0"/>
+              <a:t> </a:t>
+            </a:r>
+            <a:r>
+              <a:rPr lang="it-IT" dirty="0" err="1"/>
+              <a:t>querying</a:t>
+            </a:r>
+            <a:r>
+              <a:rPr lang="it-IT" dirty="0"/>
+              <a:t>.</a:t>
+            </a:r>
+          </a:p>
+        </p:txBody>
+      </p:sp>
+      <p:graphicFrame>
+        <p:nvGraphicFramePr>
+          <p:cNvPr id="8" name="Tabelle 3">
+            <a:extLst>
+              <a:ext uri="{FF2B5EF4-FFF2-40B4-BE49-F238E27FC236}">
+                <a16:creationId xmlns:a16="http://schemas.microsoft.com/office/drawing/2014/main" id="{C50F7A01-5C60-48AE-8806-47B899C429A8}"/>
+              </a:ext>
+            </a:extLst>
+          </p:cNvPr>
+          <p:cNvGraphicFramePr>
+            <a:graphicFrameLocks noGrp="1"/>
+          </p:cNvGraphicFramePr>
+          <p:nvPr>
+            <p:extLst>
+              <p:ext uri="{D42A27DB-BD31-4B8C-83A1-F6EECF244321}">
+                <p14:modId xmlns:p14="http://schemas.microsoft.com/office/powerpoint/2010/main" val="1252546882"/>
+              </p:ext>
+            </p:extLst>
+          </p:nvPr>
+        </p:nvGraphicFramePr>
+        <p:xfrm>
+          <a:off x="6126480" y="2764599"/>
+          <a:ext cx="4480560" cy="3544207"/>
+        </p:xfrm>
+        <a:graphic>
+          <a:graphicData uri="http://schemas.openxmlformats.org/drawingml/2006/table">
+            <a:tbl>
+              <a:tblPr>
+                <a:tableStyleId>{5C22544A-7EE6-4342-B048-85BDC9FD1C3A}</a:tableStyleId>
+              </a:tblPr>
+              <a:tblGrid>
+                <a:gridCol w="587967">
+                  <a:extLst>
+                    <a:ext uri="{9D8B030D-6E8A-4147-A177-3AD203B41FA5}">
+                      <a16:colId xmlns:a16="http://schemas.microsoft.com/office/drawing/2014/main" val="3634215635"/>
+                    </a:ext>
+                  </a:extLst>
+                </a:gridCol>
+                <a:gridCol w="133557">
+                  <a:extLst>
+                    <a:ext uri="{9D8B030D-6E8A-4147-A177-3AD203B41FA5}">
+                      <a16:colId xmlns:a16="http://schemas.microsoft.com/office/drawing/2014/main" val="3397402649"/>
+                    </a:ext>
+                  </a:extLst>
+                </a:gridCol>
+                <a:gridCol w="797971">
+                  <a:extLst>
+                    <a:ext uri="{9D8B030D-6E8A-4147-A177-3AD203B41FA5}">
+                      <a16:colId xmlns:a16="http://schemas.microsoft.com/office/drawing/2014/main" val="2696801217"/>
+                    </a:ext>
+                  </a:extLst>
+                </a:gridCol>
+                <a:gridCol w="701304">
+                  <a:extLst>
+                    <a:ext uri="{9D8B030D-6E8A-4147-A177-3AD203B41FA5}">
+                      <a16:colId xmlns:a16="http://schemas.microsoft.com/office/drawing/2014/main" val="4908398"/>
+                    </a:ext>
+                  </a:extLst>
+                </a:gridCol>
+                <a:gridCol w="759747">
+                  <a:extLst>
+                    <a:ext uri="{9D8B030D-6E8A-4147-A177-3AD203B41FA5}">
+                      <a16:colId xmlns:a16="http://schemas.microsoft.com/office/drawing/2014/main" val="2557179952"/>
+                    </a:ext>
+                  </a:extLst>
+                </a:gridCol>
+                <a:gridCol w="720785">
+                  <a:extLst>
+                    <a:ext uri="{9D8B030D-6E8A-4147-A177-3AD203B41FA5}">
+                      <a16:colId xmlns:a16="http://schemas.microsoft.com/office/drawing/2014/main" val="2877293375"/>
+                    </a:ext>
+                  </a:extLst>
+                </a:gridCol>
+                <a:gridCol w="779229">
+                  <a:extLst>
+                    <a:ext uri="{9D8B030D-6E8A-4147-A177-3AD203B41FA5}">
+                      <a16:colId xmlns:a16="http://schemas.microsoft.com/office/drawing/2014/main" val="4015694629"/>
+                    </a:ext>
+                  </a:extLst>
+                </a:gridCol>
+              </a:tblGrid>
+              <a:tr h="544942">
+                <a:tc>
+                  <a:txBody>
+                    <a:bodyPr/>
+                    <a:lstStyle/>
+                    <a:p>
+                      <a:pPr algn="ctr" fontAlgn="b"/>
+                      <a:endParaRPr lang="de-AT" sz="1100" b="0" i="0" u="none" strike="noStrike" dirty="0">
+                        <a:solidFill>
+                          <a:srgbClr val="000000"/>
+                        </a:solidFill>
+                        <a:effectLst/>
+                        <a:latin typeface="Calibri" panose="020F0502020204030204" pitchFamily="34" charset="0"/>
+                      </a:endParaRPr>
+                    </a:p>
+                  </a:txBody>
+                  <a:tcPr marL="6350" marR="6350" marT="6350" marB="0" anchor="b">
+                    <a:solidFill>
+                      <a:schemeClr val="bg1"/>
+                    </a:solidFill>
+                  </a:tcPr>
+                </a:tc>
+                <a:tc>
+                  <a:txBody>
+                    <a:bodyPr/>
+                    <a:lstStyle/>
+                    <a:p>
+                      <a:pPr algn="ctr" fontAlgn="b"/>
+                      <a:endParaRPr lang="de-AT" sz="1100" b="0" i="0" u="none" strike="noStrike" dirty="0">
+                        <a:solidFill>
+                          <a:srgbClr val="000000"/>
+                        </a:solidFill>
+                        <a:effectLst/>
+                        <a:latin typeface="Calibri" panose="020F0502020204030204" pitchFamily="34" charset="0"/>
+                      </a:endParaRPr>
+                    </a:p>
+                  </a:txBody>
+                  <a:tcPr marL="6350" marR="6350" marT="6350" marB="0" anchor="b">
+                    <a:solidFill>
+                      <a:schemeClr val="bg1"/>
+                    </a:solidFill>
+                  </a:tcPr>
+                </a:tc>
+                <a:tc>
+                  <a:txBody>
+                    <a:bodyPr/>
+                    <a:lstStyle/>
+                    <a:p>
+                      <a:pPr algn="ctr" fontAlgn="b"/>
+                      <a:r>
+                        <a:rPr lang="de-AT" sz="1100" u="none" strike="noStrike" dirty="0">
+                          <a:effectLst/>
+                        </a:rPr>
+                        <a:t>X=1</a:t>
+                      </a:r>
+                      <a:endParaRPr lang="de-AT" sz="1100" b="0" i="0" u="none" strike="noStrike" dirty="0">
+                        <a:solidFill>
+                          <a:srgbClr val="000000"/>
+                        </a:solidFill>
+                        <a:effectLst/>
+                        <a:latin typeface="Calibri" panose="020F0502020204030204" pitchFamily="34" charset="0"/>
+                      </a:endParaRPr>
+                    </a:p>
+                  </a:txBody>
+                  <a:tcPr marL="6350" marR="6350" marT="6350" marB="0" anchor="b">
+                    <a:solidFill>
+                      <a:schemeClr val="bg1"/>
+                    </a:solidFill>
+                  </a:tcPr>
+                </a:tc>
+                <a:tc>
+                  <a:txBody>
+                    <a:bodyPr/>
+                    <a:lstStyle/>
+                    <a:p>
+                      <a:pPr algn="ctr" fontAlgn="b"/>
+                      <a:r>
+                        <a:rPr lang="de-AT" sz="1100" u="none" strike="noStrike" dirty="0">
+                          <a:effectLst/>
+                        </a:rPr>
+                        <a:t>X=2</a:t>
+                      </a:r>
+                      <a:endParaRPr lang="de-AT" sz="1100" b="0" i="0" u="none" strike="noStrike" dirty="0">
+                        <a:solidFill>
+                          <a:srgbClr val="000000"/>
+                        </a:solidFill>
+                        <a:effectLst/>
+                        <a:latin typeface="Calibri" panose="020F0502020204030204" pitchFamily="34" charset="0"/>
+                      </a:endParaRPr>
+                    </a:p>
+                  </a:txBody>
+                  <a:tcPr marL="6350" marR="6350" marT="6350" marB="0" anchor="b">
+                    <a:solidFill>
+                      <a:schemeClr val="bg1"/>
+                    </a:solidFill>
+                  </a:tcPr>
+                </a:tc>
+                <a:tc>
+                  <a:txBody>
+                    <a:bodyPr/>
+                    <a:lstStyle/>
+                    <a:p>
+                      <a:pPr algn="ctr" fontAlgn="b"/>
+                      <a:r>
+                        <a:rPr lang="de-AT" sz="1100" u="none" strike="noStrike" dirty="0">
+                          <a:effectLst/>
+                        </a:rPr>
+                        <a:t>X=3</a:t>
+                      </a:r>
+                      <a:endParaRPr lang="de-AT" sz="1100" b="0" i="0" u="none" strike="noStrike" dirty="0">
+                        <a:solidFill>
+                          <a:srgbClr val="000000"/>
+                        </a:solidFill>
+                        <a:effectLst/>
+                        <a:latin typeface="Calibri" panose="020F0502020204030204" pitchFamily="34" charset="0"/>
+                      </a:endParaRPr>
+                    </a:p>
+                  </a:txBody>
+                  <a:tcPr marL="6350" marR="6350" marT="6350" marB="0" anchor="b">
+                    <a:solidFill>
+                      <a:schemeClr val="bg1"/>
+                    </a:solidFill>
+                  </a:tcPr>
+                </a:tc>
+                <a:tc>
+                  <a:txBody>
+                    <a:bodyPr/>
+                    <a:lstStyle/>
+                    <a:p>
+                      <a:pPr algn="ctr" fontAlgn="b"/>
+                      <a:r>
+                        <a:rPr lang="de-AT" sz="1100" u="none" strike="noStrike" dirty="0">
+                          <a:effectLst/>
+                        </a:rPr>
+                        <a:t>X=4</a:t>
+                      </a:r>
+                      <a:endParaRPr lang="de-AT" sz="1100" b="0" i="0" u="none" strike="noStrike" dirty="0">
+                        <a:solidFill>
+                          <a:srgbClr val="000000"/>
+                        </a:solidFill>
+                        <a:effectLst/>
+                        <a:latin typeface="Calibri" panose="020F0502020204030204" pitchFamily="34" charset="0"/>
+                      </a:endParaRPr>
+                    </a:p>
+                  </a:txBody>
+                  <a:tcPr marL="6350" marR="6350" marT="6350" marB="0" anchor="b">
+                    <a:solidFill>
+                      <a:schemeClr val="bg1"/>
+                    </a:solidFill>
+                  </a:tcPr>
+                </a:tc>
+                <a:tc>
+                  <a:txBody>
+                    <a:bodyPr/>
+                    <a:lstStyle/>
+                    <a:p>
+                      <a:pPr algn="ctr" fontAlgn="b"/>
+                      <a:r>
+                        <a:rPr lang="de-AT" sz="1100" u="none" strike="noStrike" dirty="0">
+                          <a:effectLst/>
+                        </a:rPr>
+                        <a:t>X=5</a:t>
+                      </a:r>
+                      <a:endParaRPr lang="de-AT" sz="1100" b="0" i="0" u="none" strike="noStrike" dirty="0">
+                        <a:solidFill>
+                          <a:srgbClr val="000000"/>
+                        </a:solidFill>
+                        <a:effectLst/>
+                        <a:latin typeface="Calibri" panose="020F0502020204030204" pitchFamily="34" charset="0"/>
+                      </a:endParaRPr>
+                    </a:p>
+                  </a:txBody>
+                  <a:tcPr marL="6350" marR="6350" marT="6350" marB="0" anchor="b">
+                    <a:solidFill>
+                      <a:schemeClr val="bg1"/>
+                    </a:solidFill>
+                  </a:tcPr>
+                </a:tc>
+                <a:extLst>
+                  <a:ext uri="{0D108BD9-81ED-4DB2-BD59-A6C34878D82A}">
+                    <a16:rowId xmlns:a16="http://schemas.microsoft.com/office/drawing/2014/main" val="3918700812"/>
+                  </a:ext>
+                </a:extLst>
+              </a:tr>
+              <a:tr h="269717">
+                <a:tc>
+                  <a:txBody>
+                    <a:bodyPr/>
+                    <a:lstStyle/>
+                    <a:p>
+                      <a:pPr algn="ctr" fontAlgn="b"/>
+                      <a:endParaRPr lang="de-AT" sz="1100" b="0" i="0" u="none" strike="noStrike" dirty="0">
+                        <a:solidFill>
+                          <a:srgbClr val="000000"/>
+                        </a:solidFill>
+                        <a:effectLst/>
+                        <a:latin typeface="Calibri" panose="020F0502020204030204" pitchFamily="34" charset="0"/>
+                      </a:endParaRPr>
+                    </a:p>
+                  </a:txBody>
+                  <a:tcPr marL="6350" marR="6350" marT="6350" marB="0" anchor="b">
+                    <a:solidFill>
+                      <a:schemeClr val="bg1"/>
+                    </a:solidFill>
+                  </a:tcPr>
+                </a:tc>
+                <a:tc>
+                  <a:txBody>
+                    <a:bodyPr/>
+                    <a:lstStyle/>
+                    <a:p>
+                      <a:pPr algn="ctr" fontAlgn="b"/>
+                      <a:endParaRPr lang="de-AT" sz="1100" b="0" i="0" u="none" strike="noStrike" dirty="0">
+                        <a:solidFill>
+                          <a:srgbClr val="000000"/>
+                        </a:solidFill>
+                        <a:effectLst/>
+                        <a:latin typeface="Calibri" panose="020F0502020204030204" pitchFamily="34" charset="0"/>
+                      </a:endParaRPr>
+                    </a:p>
+                  </a:txBody>
+                  <a:tcPr marL="6350" marR="6350" marT="6350" marB="0" anchor="b">
+                    <a:solidFill>
+                      <a:schemeClr val="bg1"/>
+                    </a:solidFill>
+                  </a:tcPr>
+                </a:tc>
+                <a:tc>
+                  <a:txBody>
+                    <a:bodyPr/>
+                    <a:lstStyle/>
+                    <a:p>
+                      <a:pPr algn="ctr" fontAlgn="b"/>
+                      <a:endParaRPr lang="de-AT" sz="1100" b="0" i="0" u="none" strike="noStrike" dirty="0">
+                        <a:solidFill>
+                          <a:srgbClr val="000000"/>
+                        </a:solidFill>
+                        <a:effectLst/>
+                        <a:latin typeface="Calibri" panose="020F0502020204030204" pitchFamily="34" charset="0"/>
+                      </a:endParaRPr>
+                    </a:p>
+                  </a:txBody>
+                  <a:tcPr marL="6350" marR="6350" marT="6350" marB="0" anchor="b">
+                    <a:solidFill>
+                      <a:schemeClr val="bg1"/>
+                    </a:solidFill>
+                  </a:tcPr>
+                </a:tc>
+                <a:tc>
+                  <a:txBody>
+                    <a:bodyPr/>
+                    <a:lstStyle/>
+                    <a:p>
+                      <a:pPr algn="ctr" fontAlgn="b"/>
+                      <a:endParaRPr lang="de-AT" sz="1100" b="0" i="0" u="none" strike="noStrike" dirty="0">
+                        <a:solidFill>
+                          <a:srgbClr val="000000"/>
+                        </a:solidFill>
+                        <a:effectLst/>
+                        <a:latin typeface="Calibri" panose="020F0502020204030204" pitchFamily="34" charset="0"/>
+                      </a:endParaRPr>
+                    </a:p>
+                  </a:txBody>
+                  <a:tcPr marL="6350" marR="6350" marT="6350" marB="0" anchor="b">
+                    <a:solidFill>
+                      <a:schemeClr val="bg1"/>
+                    </a:solidFill>
+                  </a:tcPr>
+                </a:tc>
+                <a:tc>
+                  <a:txBody>
+                    <a:bodyPr/>
+                    <a:lstStyle/>
+                    <a:p>
+                      <a:pPr algn="ctr" fontAlgn="b"/>
+                      <a:endParaRPr lang="de-AT" sz="1100" b="0" i="0" u="none" strike="noStrike" dirty="0">
+                        <a:solidFill>
+                          <a:srgbClr val="000000"/>
+                        </a:solidFill>
+                        <a:effectLst/>
+                        <a:latin typeface="Calibri" panose="020F0502020204030204" pitchFamily="34" charset="0"/>
+                      </a:endParaRPr>
+                    </a:p>
+                  </a:txBody>
+                  <a:tcPr marL="6350" marR="6350" marT="6350" marB="0" anchor="b">
+                    <a:solidFill>
+                      <a:schemeClr val="bg1"/>
+                    </a:solidFill>
+                  </a:tcPr>
+                </a:tc>
+                <a:tc>
+                  <a:txBody>
+                    <a:bodyPr/>
+                    <a:lstStyle/>
+                    <a:p>
+                      <a:pPr algn="ctr" fontAlgn="b"/>
+                      <a:endParaRPr lang="de-AT" sz="1100" b="0" i="0" u="none" strike="noStrike" dirty="0">
+                        <a:solidFill>
+                          <a:srgbClr val="000000"/>
+                        </a:solidFill>
+                        <a:effectLst/>
+                        <a:latin typeface="Calibri" panose="020F0502020204030204" pitchFamily="34" charset="0"/>
+                      </a:endParaRPr>
+                    </a:p>
+                  </a:txBody>
+                  <a:tcPr marL="6350" marR="6350" marT="6350" marB="0" anchor="b">
+                    <a:solidFill>
+                      <a:schemeClr val="bg1"/>
+                    </a:solidFill>
+                  </a:tcPr>
+                </a:tc>
+                <a:tc>
+                  <a:txBody>
+                    <a:bodyPr/>
+                    <a:lstStyle/>
+                    <a:p>
+                      <a:pPr algn="ctr" fontAlgn="b"/>
+                      <a:endParaRPr lang="de-AT" sz="1100" b="0" i="0" u="none" strike="noStrike" dirty="0">
+                        <a:solidFill>
+                          <a:srgbClr val="000000"/>
+                        </a:solidFill>
+                        <a:effectLst/>
+                        <a:latin typeface="Calibri" panose="020F0502020204030204" pitchFamily="34" charset="0"/>
+                      </a:endParaRPr>
+                    </a:p>
+                  </a:txBody>
+                  <a:tcPr marL="6350" marR="6350" marT="6350" marB="0" anchor="b">
+                    <a:solidFill>
+                      <a:schemeClr val="bg1"/>
+                    </a:solidFill>
+                  </a:tcPr>
+                </a:tc>
+                <a:extLst>
+                  <a:ext uri="{0D108BD9-81ED-4DB2-BD59-A6C34878D82A}">
+                    <a16:rowId xmlns:a16="http://schemas.microsoft.com/office/drawing/2014/main" val="503420447"/>
+                  </a:ext>
+                </a:extLst>
+              </a:tr>
+              <a:tr h="538482">
+                <a:tc>
+                  <a:txBody>
+                    <a:bodyPr/>
+                    <a:lstStyle/>
+                    <a:p>
+                      <a:pPr algn="ctr" fontAlgn="b"/>
+                      <a:r>
+                        <a:rPr lang="de-AT" sz="1100" u="none" strike="noStrike" dirty="0">
+                          <a:effectLst/>
+                        </a:rPr>
+                        <a:t>Y=1</a:t>
+                      </a:r>
+                      <a:endParaRPr lang="de-AT" sz="1100" b="0" i="0" u="none" strike="noStrike" dirty="0">
+                        <a:solidFill>
+                          <a:srgbClr val="000000"/>
+                        </a:solidFill>
+                        <a:effectLst/>
+                        <a:latin typeface="Calibri" panose="020F0502020204030204" pitchFamily="34" charset="0"/>
+                      </a:endParaRPr>
+                    </a:p>
+                  </a:txBody>
+                  <a:tcPr marL="6350" marR="6350" marT="6350" marB="0" anchor="ctr">
+                    <a:solidFill>
+                      <a:schemeClr val="bg1"/>
+                    </a:solidFill>
+                  </a:tcPr>
+                </a:tc>
+                <a:tc>
+                  <a:txBody>
+                    <a:bodyPr/>
+                    <a:lstStyle/>
+                    <a:p>
+                      <a:pPr algn="ctr" fontAlgn="b"/>
+                      <a:endParaRPr lang="de-AT" sz="1100" b="0" i="0" u="none" strike="noStrike">
+                        <a:solidFill>
+                          <a:srgbClr val="000000"/>
+                        </a:solidFill>
+                        <a:effectLst/>
+                        <a:latin typeface="Calibri" panose="020F0502020204030204" pitchFamily="34" charset="0"/>
+                      </a:endParaRPr>
+                    </a:p>
+                  </a:txBody>
+                  <a:tcPr marL="6350" marR="6350" marT="6350" marB="0" anchor="b">
+                    <a:solidFill>
+                      <a:schemeClr val="bg1"/>
+                    </a:solidFill>
+                  </a:tcPr>
+                </a:tc>
+                <a:tc>
+                  <a:txBody>
+                    <a:bodyPr/>
+                    <a:lstStyle/>
+                    <a:p>
+                      <a:pPr algn="ctr" fontAlgn="b"/>
+                      <a:r>
+                        <a:rPr lang="de-AT" sz="1100" u="none" strike="noStrike" dirty="0">
+                          <a:effectLst/>
+                        </a:rPr>
+                        <a:t>S</a:t>
+                      </a:r>
+                      <a:endParaRPr lang="de-AT" sz="1100" b="0" i="0" u="none" strike="noStrike" dirty="0">
+                        <a:solidFill>
+                          <a:srgbClr val="000000"/>
+                        </a:solidFill>
+                        <a:effectLst/>
+                        <a:latin typeface="Calibri" panose="020F0502020204030204" pitchFamily="34" charset="0"/>
+                      </a:endParaRPr>
+                    </a:p>
+                  </a:txBody>
+                  <a:tcPr marL="6350" marR="6350" marT="6350" marB="0" anchor="ctr"/>
+                </a:tc>
+                <a:tc>
+                  <a:txBody>
+                    <a:bodyPr/>
+                    <a:lstStyle/>
+                    <a:p>
+                      <a:pPr algn="ctr" fontAlgn="b"/>
+                      <a:r>
+                        <a:rPr lang="de-AT" sz="1100" u="none" strike="noStrike" dirty="0">
+                          <a:effectLst/>
+                        </a:rPr>
+                        <a:t> </a:t>
+                      </a:r>
+                      <a:endParaRPr lang="de-AT" sz="1100" b="0" i="0" u="none" strike="noStrike" dirty="0">
+                        <a:solidFill>
+                          <a:srgbClr val="000000"/>
+                        </a:solidFill>
+                        <a:effectLst/>
+                        <a:latin typeface="Calibri" panose="020F0502020204030204" pitchFamily="34" charset="0"/>
+                      </a:endParaRPr>
+                    </a:p>
+                  </a:txBody>
+                  <a:tcPr marL="6350" marR="6350" marT="6350" marB="0" anchor="b"/>
+                </a:tc>
+                <a:tc>
+                  <a:txBody>
+                    <a:bodyPr/>
+                    <a:lstStyle/>
+                    <a:p>
+                      <a:pPr algn="ctr" fontAlgn="b"/>
+                      <a:r>
+                        <a:rPr lang="de-AT" sz="1100" u="none" strike="noStrike">
+                          <a:effectLst/>
+                        </a:rPr>
+                        <a:t> </a:t>
+                      </a:r>
+                      <a:endParaRPr lang="de-AT" sz="1100" b="0" i="0" u="none" strike="noStrike">
+                        <a:solidFill>
+                          <a:srgbClr val="000000"/>
+                        </a:solidFill>
+                        <a:effectLst/>
+                        <a:latin typeface="Calibri" panose="020F0502020204030204" pitchFamily="34" charset="0"/>
+                      </a:endParaRPr>
+                    </a:p>
+                  </a:txBody>
+                  <a:tcPr marL="6350" marR="6350" marT="6350" marB="0" anchor="b"/>
+                </a:tc>
+                <a:tc>
+                  <a:txBody>
+                    <a:bodyPr/>
+                    <a:lstStyle/>
+                    <a:p>
+                      <a:pPr algn="ctr" fontAlgn="b"/>
+                      <a:r>
+                        <a:rPr lang="de-AT" sz="1100" u="none" strike="noStrike" dirty="0">
+                          <a:effectLst/>
+                        </a:rPr>
+                        <a:t> </a:t>
+                      </a:r>
+                      <a:endParaRPr lang="de-AT" sz="1100" b="0" i="0" u="none" strike="noStrike" dirty="0">
+                        <a:solidFill>
+                          <a:srgbClr val="000000"/>
+                        </a:solidFill>
+                        <a:effectLst/>
+                        <a:latin typeface="Calibri" panose="020F0502020204030204" pitchFamily="34" charset="0"/>
+                      </a:endParaRPr>
+                    </a:p>
+                  </a:txBody>
+                  <a:tcPr marL="6350" marR="6350" marT="6350" marB="0" anchor="b"/>
+                </a:tc>
+                <a:tc>
+                  <a:txBody>
+                    <a:bodyPr/>
+                    <a:lstStyle/>
+                    <a:p>
+                      <a:pPr algn="ctr" fontAlgn="b"/>
+                      <a:r>
+                        <a:rPr lang="de-AT" sz="1100" u="none" strike="noStrike" dirty="0">
+                          <a:effectLst/>
+                        </a:rPr>
+                        <a:t> </a:t>
+                      </a:r>
+                      <a:endParaRPr lang="de-AT" sz="1100" b="0" i="0" u="none" strike="noStrike" dirty="0">
+                        <a:solidFill>
+                          <a:srgbClr val="000000"/>
+                        </a:solidFill>
+                        <a:effectLst/>
+                        <a:latin typeface="Calibri" panose="020F0502020204030204" pitchFamily="34" charset="0"/>
+                      </a:endParaRPr>
+                    </a:p>
+                  </a:txBody>
+                  <a:tcPr marL="6350" marR="6350" marT="6350" marB="0" anchor="b">
+                    <a:solidFill>
+                      <a:schemeClr val="tx1"/>
+                    </a:solidFill>
+                  </a:tcPr>
+                </a:tc>
+                <a:extLst>
+                  <a:ext uri="{0D108BD9-81ED-4DB2-BD59-A6C34878D82A}">
+                    <a16:rowId xmlns:a16="http://schemas.microsoft.com/office/drawing/2014/main" val="1580507111"/>
+                  </a:ext>
+                </a:extLst>
+              </a:tr>
+              <a:tr h="557051">
+                <a:tc>
+                  <a:txBody>
+                    <a:bodyPr/>
+                    <a:lstStyle/>
+                    <a:p>
+                      <a:pPr algn="ctr" fontAlgn="b"/>
+                      <a:r>
+                        <a:rPr lang="de-AT" sz="1100" u="none" strike="noStrike" dirty="0">
+                          <a:effectLst/>
+                        </a:rPr>
+                        <a:t>Y=2</a:t>
+                      </a:r>
+                      <a:endParaRPr lang="de-AT" sz="1100" b="0" i="0" u="none" strike="noStrike" dirty="0">
+                        <a:solidFill>
+                          <a:srgbClr val="000000"/>
+                        </a:solidFill>
+                        <a:effectLst/>
+                        <a:latin typeface="Calibri" panose="020F0502020204030204" pitchFamily="34" charset="0"/>
+                      </a:endParaRPr>
+                    </a:p>
+                  </a:txBody>
+                  <a:tcPr marL="6350" marR="6350" marT="6350" marB="0" anchor="ctr">
+                    <a:solidFill>
+                      <a:schemeClr val="bg1"/>
+                    </a:solidFill>
+                  </a:tcPr>
+                </a:tc>
+                <a:tc>
+                  <a:txBody>
+                    <a:bodyPr/>
+                    <a:lstStyle/>
+                    <a:p>
+                      <a:pPr algn="ctr" fontAlgn="b"/>
+                      <a:endParaRPr lang="de-AT" sz="1100" b="0" i="0" u="none" strike="noStrike">
+                        <a:solidFill>
+                          <a:srgbClr val="000000"/>
+                        </a:solidFill>
+                        <a:effectLst/>
+                        <a:latin typeface="Calibri" panose="020F0502020204030204" pitchFamily="34" charset="0"/>
+                      </a:endParaRPr>
+                    </a:p>
+                  </a:txBody>
+                  <a:tcPr marL="6350" marR="6350" marT="6350" marB="0" anchor="b">
+                    <a:solidFill>
+                      <a:schemeClr val="bg1"/>
+                    </a:solidFill>
+                  </a:tcPr>
+                </a:tc>
+                <a:tc>
+                  <a:txBody>
+                    <a:bodyPr/>
+                    <a:lstStyle/>
+                    <a:p>
+                      <a:pPr algn="ctr" fontAlgn="b"/>
+                      <a:r>
+                        <a:rPr lang="de-AT" sz="1100" u="none" strike="noStrike" dirty="0">
+                          <a:effectLst/>
+                        </a:rPr>
+                        <a:t> </a:t>
+                      </a:r>
+                      <a:endParaRPr lang="de-AT" sz="1100" b="0" i="0" u="none" strike="noStrike" dirty="0">
+                        <a:solidFill>
+                          <a:srgbClr val="000000"/>
+                        </a:solidFill>
+                        <a:effectLst/>
+                        <a:latin typeface="Calibri" panose="020F0502020204030204" pitchFamily="34" charset="0"/>
+                      </a:endParaRPr>
+                    </a:p>
+                  </a:txBody>
+                  <a:tcPr marL="6350" marR="6350" marT="6350" marB="0" anchor="b">
+                    <a:solidFill>
+                      <a:schemeClr val="tx1"/>
+                    </a:solidFill>
+                  </a:tcPr>
+                </a:tc>
+                <a:tc>
+                  <a:txBody>
+                    <a:bodyPr/>
+                    <a:lstStyle/>
+                    <a:p>
+                      <a:pPr algn="ctr" fontAlgn="b"/>
+                      <a:r>
+                        <a:rPr lang="de-AT" sz="1100" u="none" strike="noStrike" dirty="0">
+                          <a:effectLst/>
+                        </a:rPr>
+                        <a:t> </a:t>
+                      </a:r>
+                      <a:endParaRPr lang="de-AT" sz="1100" b="0" i="0" u="none" strike="noStrike" dirty="0">
+                        <a:solidFill>
+                          <a:srgbClr val="000000"/>
+                        </a:solidFill>
+                        <a:effectLst/>
+                        <a:latin typeface="Calibri" panose="020F0502020204030204" pitchFamily="34" charset="0"/>
+                      </a:endParaRPr>
+                    </a:p>
+                  </a:txBody>
+                  <a:tcPr marL="6350" marR="6350" marT="6350" marB="0" anchor="b">
+                    <a:solidFill>
+                      <a:schemeClr val="tx1"/>
+                    </a:solidFill>
+                  </a:tcPr>
+                </a:tc>
+                <a:tc>
+                  <a:txBody>
+                    <a:bodyPr/>
+                    <a:lstStyle/>
+                    <a:p>
+                      <a:pPr algn="ctr" fontAlgn="b"/>
+                      <a:r>
+                        <a:rPr lang="de-AT" sz="1100" u="none" strike="noStrike" dirty="0">
+                          <a:effectLst/>
+                        </a:rPr>
+                        <a:t> </a:t>
+                      </a:r>
+                      <a:endParaRPr lang="de-AT" sz="1100" b="0" i="0" u="none" strike="noStrike" dirty="0">
+                        <a:solidFill>
+                          <a:srgbClr val="000000"/>
+                        </a:solidFill>
+                        <a:effectLst/>
+                        <a:latin typeface="Calibri" panose="020F0502020204030204" pitchFamily="34" charset="0"/>
+                      </a:endParaRPr>
+                    </a:p>
+                  </a:txBody>
+                  <a:tcPr marL="6350" marR="6350" marT="6350" marB="0" anchor="b">
+                    <a:solidFill>
+                      <a:schemeClr val="tx1"/>
+                    </a:solidFill>
+                  </a:tcPr>
+                </a:tc>
+                <a:tc>
+                  <a:txBody>
+                    <a:bodyPr/>
+                    <a:lstStyle/>
+                    <a:p>
+                      <a:pPr algn="ctr" fontAlgn="b"/>
+                      <a:r>
+                        <a:rPr lang="de-AT" sz="1100" u="none" strike="noStrike" dirty="0">
+                          <a:effectLst/>
+                        </a:rPr>
+                        <a:t> </a:t>
+                      </a:r>
+                      <a:endParaRPr lang="de-AT" sz="1100" b="0" i="0" u="none" strike="noStrike" dirty="0">
+                        <a:solidFill>
+                          <a:srgbClr val="000000"/>
+                        </a:solidFill>
+                        <a:effectLst/>
+                        <a:latin typeface="Calibri" panose="020F0502020204030204" pitchFamily="34" charset="0"/>
+                      </a:endParaRPr>
+                    </a:p>
+                  </a:txBody>
+                  <a:tcPr marL="6350" marR="6350" marT="6350" marB="0" anchor="b"/>
+                </a:tc>
+                <a:tc>
+                  <a:txBody>
+                    <a:bodyPr/>
+                    <a:lstStyle/>
+                    <a:p>
+                      <a:pPr algn="ctr" fontAlgn="b"/>
+                      <a:r>
+                        <a:rPr lang="de-AT" sz="1100" u="none" strike="noStrike">
+                          <a:effectLst/>
+                        </a:rPr>
+                        <a:t> </a:t>
+                      </a:r>
+                      <a:endParaRPr lang="de-AT" sz="1100" b="0" i="0" u="none" strike="noStrike">
+                        <a:solidFill>
+                          <a:srgbClr val="000000"/>
+                        </a:solidFill>
+                        <a:effectLst/>
+                        <a:latin typeface="Calibri" panose="020F0502020204030204" pitchFamily="34" charset="0"/>
+                      </a:endParaRPr>
+                    </a:p>
+                  </a:txBody>
+                  <a:tcPr marL="6350" marR="6350" marT="6350" marB="0" anchor="b"/>
+                </a:tc>
+                <a:extLst>
+                  <a:ext uri="{0D108BD9-81ED-4DB2-BD59-A6C34878D82A}">
+                    <a16:rowId xmlns:a16="http://schemas.microsoft.com/office/drawing/2014/main" val="2769811743"/>
+                  </a:ext>
+                </a:extLst>
+              </a:tr>
+              <a:tr h="538482">
+                <a:tc>
+                  <a:txBody>
+                    <a:bodyPr/>
+                    <a:lstStyle/>
+                    <a:p>
+                      <a:pPr algn="ctr" fontAlgn="b"/>
+                      <a:r>
+                        <a:rPr lang="de-AT" sz="1100" u="none" strike="noStrike" dirty="0">
+                          <a:effectLst/>
+                        </a:rPr>
+                        <a:t>Y=3</a:t>
+                      </a:r>
+                      <a:endParaRPr lang="de-AT" sz="1100" b="0" i="0" u="none" strike="noStrike" dirty="0">
+                        <a:solidFill>
+                          <a:srgbClr val="000000"/>
+                        </a:solidFill>
+                        <a:effectLst/>
+                        <a:latin typeface="Calibri" panose="020F0502020204030204" pitchFamily="34" charset="0"/>
+                      </a:endParaRPr>
+                    </a:p>
+                  </a:txBody>
+                  <a:tcPr marL="6350" marR="6350" marT="6350" marB="0" anchor="ctr">
+                    <a:solidFill>
+                      <a:schemeClr val="bg1"/>
+                    </a:solidFill>
+                  </a:tcPr>
+                </a:tc>
+                <a:tc>
+                  <a:txBody>
+                    <a:bodyPr/>
+                    <a:lstStyle/>
+                    <a:p>
+                      <a:pPr algn="ctr" fontAlgn="b"/>
+                      <a:endParaRPr lang="de-AT" sz="1100" b="0" i="0" u="none" strike="noStrike">
+                        <a:solidFill>
+                          <a:srgbClr val="000000"/>
+                        </a:solidFill>
+                        <a:effectLst/>
+                        <a:latin typeface="Calibri" panose="020F0502020204030204" pitchFamily="34" charset="0"/>
+                      </a:endParaRPr>
+                    </a:p>
+                  </a:txBody>
+                  <a:tcPr marL="6350" marR="6350" marT="6350" marB="0" anchor="b">
+                    <a:solidFill>
+                      <a:schemeClr val="bg1"/>
+                    </a:solidFill>
+                  </a:tcPr>
+                </a:tc>
+                <a:tc>
+                  <a:txBody>
+                    <a:bodyPr/>
+                    <a:lstStyle/>
+                    <a:p>
+                      <a:pPr algn="ctr" fontAlgn="b"/>
+                      <a:r>
+                        <a:rPr lang="de-AT" sz="1100" u="none" strike="noStrike">
+                          <a:effectLst/>
+                        </a:rPr>
+                        <a:t> </a:t>
+                      </a:r>
+                      <a:endParaRPr lang="de-AT" sz="1100" b="0" i="0" u="none" strike="noStrike">
+                        <a:solidFill>
+                          <a:srgbClr val="000000"/>
+                        </a:solidFill>
+                        <a:effectLst/>
+                        <a:latin typeface="Calibri" panose="020F0502020204030204" pitchFamily="34" charset="0"/>
+                      </a:endParaRPr>
+                    </a:p>
+                  </a:txBody>
+                  <a:tcPr marL="6350" marR="6350" marT="6350" marB="0" anchor="b"/>
+                </a:tc>
+                <a:tc>
+                  <a:txBody>
+                    <a:bodyPr/>
+                    <a:lstStyle/>
+                    <a:p>
+                      <a:pPr algn="ctr" fontAlgn="b"/>
+                      <a:r>
+                        <a:rPr lang="de-AT" sz="1100" u="none" strike="noStrike">
+                          <a:effectLst/>
+                        </a:rPr>
+                        <a:t> </a:t>
+                      </a:r>
+                      <a:endParaRPr lang="de-AT" sz="1100" b="0" i="0" u="none" strike="noStrike">
+                        <a:solidFill>
+                          <a:srgbClr val="000000"/>
+                        </a:solidFill>
+                        <a:effectLst/>
+                        <a:latin typeface="Calibri" panose="020F0502020204030204" pitchFamily="34" charset="0"/>
+                      </a:endParaRPr>
+                    </a:p>
+                  </a:txBody>
+                  <a:tcPr marL="6350" marR="6350" marT="6350" marB="0" anchor="b"/>
+                </a:tc>
+                <a:tc>
+                  <a:txBody>
+                    <a:bodyPr/>
+                    <a:lstStyle/>
+                    <a:p>
+                      <a:pPr algn="ctr" fontAlgn="b"/>
+                      <a:r>
+                        <a:rPr lang="de-AT" sz="1100" u="none" strike="noStrike" dirty="0">
+                          <a:effectLst/>
+                        </a:rPr>
+                        <a:t> </a:t>
+                      </a:r>
+                      <a:endParaRPr lang="de-AT" sz="1100" b="0" i="0" u="none" strike="noStrike" dirty="0">
+                        <a:solidFill>
+                          <a:srgbClr val="000000"/>
+                        </a:solidFill>
+                        <a:effectLst/>
+                        <a:latin typeface="Calibri" panose="020F0502020204030204" pitchFamily="34" charset="0"/>
+                      </a:endParaRPr>
+                    </a:p>
+                  </a:txBody>
+                  <a:tcPr marL="6350" marR="6350" marT="6350" marB="0" anchor="b"/>
+                </a:tc>
+                <a:tc>
+                  <a:txBody>
+                    <a:bodyPr/>
+                    <a:lstStyle/>
+                    <a:p>
+                      <a:pPr algn="ctr" fontAlgn="b"/>
+                      <a:r>
+                        <a:rPr lang="de-AT" sz="1100" u="none" strike="noStrike" dirty="0">
+                          <a:effectLst/>
+                        </a:rPr>
+                        <a:t> </a:t>
+                      </a:r>
+                      <a:endParaRPr lang="de-AT" sz="1100" b="0" i="0" u="none" strike="noStrike" dirty="0">
+                        <a:solidFill>
+                          <a:srgbClr val="000000"/>
+                        </a:solidFill>
+                        <a:effectLst/>
+                        <a:latin typeface="Calibri" panose="020F0502020204030204" pitchFamily="34" charset="0"/>
+                      </a:endParaRPr>
+                    </a:p>
+                  </a:txBody>
+                  <a:tcPr marL="6350" marR="6350" marT="6350" marB="0" anchor="b"/>
+                </a:tc>
+                <a:tc>
+                  <a:txBody>
+                    <a:bodyPr/>
+                    <a:lstStyle/>
+                    <a:p>
+                      <a:pPr algn="ctr" fontAlgn="b"/>
+                      <a:r>
+                        <a:rPr lang="de-AT" sz="1100" u="none" strike="noStrike">
+                          <a:effectLst/>
+                        </a:rPr>
+                        <a:t> </a:t>
+                      </a:r>
+                      <a:endParaRPr lang="de-AT" sz="1100" b="0" i="0" u="none" strike="noStrike">
+                        <a:solidFill>
+                          <a:srgbClr val="000000"/>
+                        </a:solidFill>
+                        <a:effectLst/>
+                        <a:latin typeface="Calibri" panose="020F0502020204030204" pitchFamily="34" charset="0"/>
+                      </a:endParaRPr>
+                    </a:p>
+                  </a:txBody>
+                  <a:tcPr marL="6350" marR="6350" marT="6350" marB="0" anchor="b"/>
+                </a:tc>
+                <a:extLst>
+                  <a:ext uri="{0D108BD9-81ED-4DB2-BD59-A6C34878D82A}">
+                    <a16:rowId xmlns:a16="http://schemas.microsoft.com/office/drawing/2014/main" val="2992998852"/>
+                  </a:ext>
+                </a:extLst>
+              </a:tr>
+              <a:tr h="538482">
+                <a:tc>
+                  <a:txBody>
+                    <a:bodyPr/>
+                    <a:lstStyle/>
+                    <a:p>
+                      <a:pPr algn="ctr" fontAlgn="b"/>
+                      <a:r>
+                        <a:rPr lang="de-AT" sz="1100" u="none" strike="noStrike" dirty="0">
+                          <a:effectLst/>
+                        </a:rPr>
+                        <a:t>Y=4</a:t>
+                      </a:r>
+                      <a:endParaRPr lang="de-AT" sz="1100" b="0" i="0" u="none" strike="noStrike" dirty="0">
+                        <a:solidFill>
+                          <a:srgbClr val="000000"/>
+                        </a:solidFill>
+                        <a:effectLst/>
+                        <a:latin typeface="Calibri" panose="020F0502020204030204" pitchFamily="34" charset="0"/>
+                      </a:endParaRPr>
+                    </a:p>
+                  </a:txBody>
+                  <a:tcPr marL="6350" marR="6350" marT="6350" marB="0" anchor="ctr">
+                    <a:solidFill>
+                      <a:schemeClr val="bg1"/>
+                    </a:solidFill>
+                  </a:tcPr>
+                </a:tc>
+                <a:tc>
+                  <a:txBody>
+                    <a:bodyPr/>
+                    <a:lstStyle/>
+                    <a:p>
+                      <a:pPr algn="ctr" fontAlgn="b"/>
+                      <a:endParaRPr lang="de-AT" sz="1100" b="0" i="0" u="none" strike="noStrike" dirty="0">
+                        <a:solidFill>
+                          <a:srgbClr val="000000"/>
+                        </a:solidFill>
+                        <a:effectLst/>
+                        <a:latin typeface="Calibri" panose="020F0502020204030204" pitchFamily="34" charset="0"/>
+                      </a:endParaRPr>
+                    </a:p>
+                  </a:txBody>
+                  <a:tcPr marL="6350" marR="6350" marT="6350" marB="0" anchor="b">
+                    <a:solidFill>
+                      <a:schemeClr val="bg1"/>
+                    </a:solidFill>
+                  </a:tcPr>
+                </a:tc>
+                <a:tc>
+                  <a:txBody>
+                    <a:bodyPr/>
+                    <a:lstStyle/>
+                    <a:p>
+                      <a:pPr algn="ctr" fontAlgn="b"/>
+                      <a:r>
+                        <a:rPr lang="de-AT" sz="1100" u="none" strike="noStrike" dirty="0">
+                          <a:effectLst/>
+                        </a:rPr>
+                        <a:t> </a:t>
+                      </a:r>
+                      <a:endParaRPr lang="de-AT" sz="1100" b="0" i="0" u="none" strike="noStrike" dirty="0">
+                        <a:solidFill>
+                          <a:srgbClr val="000000"/>
+                        </a:solidFill>
+                        <a:effectLst/>
+                        <a:latin typeface="Calibri" panose="020F0502020204030204" pitchFamily="34" charset="0"/>
+                      </a:endParaRPr>
+                    </a:p>
+                  </a:txBody>
+                  <a:tcPr marL="6350" marR="6350" marT="6350" marB="0" anchor="b">
+                    <a:solidFill>
+                      <a:schemeClr val="tx1"/>
+                    </a:solidFill>
+                  </a:tcPr>
+                </a:tc>
+                <a:tc>
+                  <a:txBody>
+                    <a:bodyPr/>
+                    <a:lstStyle/>
+                    <a:p>
+                      <a:pPr algn="ctr" fontAlgn="b"/>
+                      <a:r>
+                        <a:rPr lang="de-AT" sz="1100" u="none" strike="noStrike" dirty="0">
+                          <a:effectLst/>
+                        </a:rPr>
+                        <a:t> </a:t>
+                      </a:r>
+                      <a:endParaRPr lang="de-AT" sz="1100" b="0" i="0" u="none" strike="noStrike" dirty="0">
+                        <a:solidFill>
+                          <a:srgbClr val="000000"/>
+                        </a:solidFill>
+                        <a:effectLst/>
+                        <a:latin typeface="Calibri" panose="020F0502020204030204" pitchFamily="34" charset="0"/>
+                      </a:endParaRPr>
+                    </a:p>
+                  </a:txBody>
+                  <a:tcPr marL="6350" marR="6350" marT="6350" marB="0" anchor="b">
+                    <a:solidFill>
+                      <a:schemeClr val="tx1"/>
+                    </a:solidFill>
+                  </a:tcPr>
+                </a:tc>
+                <a:tc>
+                  <a:txBody>
+                    <a:bodyPr/>
+                    <a:lstStyle/>
+                    <a:p>
+                      <a:pPr algn="ctr" fontAlgn="b"/>
+                      <a:r>
+                        <a:rPr lang="de-AT" sz="1100" u="none" strike="noStrike" dirty="0">
+                          <a:effectLst/>
+                        </a:rPr>
+                        <a:t> </a:t>
+                      </a:r>
+                      <a:endParaRPr lang="de-AT" sz="1100" b="0" i="0" u="none" strike="noStrike" dirty="0">
+                        <a:solidFill>
+                          <a:srgbClr val="000000"/>
+                        </a:solidFill>
+                        <a:effectLst/>
+                        <a:latin typeface="Calibri" panose="020F0502020204030204" pitchFamily="34" charset="0"/>
+                      </a:endParaRPr>
+                    </a:p>
+                  </a:txBody>
+                  <a:tcPr marL="6350" marR="6350" marT="6350" marB="0" anchor="b">
+                    <a:solidFill>
+                      <a:schemeClr val="tx1"/>
+                    </a:solidFill>
+                  </a:tcPr>
+                </a:tc>
+                <a:tc>
+                  <a:txBody>
+                    <a:bodyPr/>
+                    <a:lstStyle/>
+                    <a:p>
+                      <a:pPr algn="ctr" fontAlgn="b"/>
+                      <a:r>
+                        <a:rPr lang="de-AT" sz="1100" u="none" strike="noStrike" dirty="0">
+                          <a:effectLst/>
+                        </a:rPr>
+                        <a:t> </a:t>
+                      </a:r>
+                      <a:endParaRPr lang="de-AT" sz="1100" b="0" i="0" u="none" strike="noStrike" dirty="0">
+                        <a:solidFill>
+                          <a:srgbClr val="000000"/>
+                        </a:solidFill>
+                        <a:effectLst/>
+                        <a:latin typeface="Calibri" panose="020F0502020204030204" pitchFamily="34" charset="0"/>
+                      </a:endParaRPr>
+                    </a:p>
+                  </a:txBody>
+                  <a:tcPr marL="6350" marR="6350" marT="6350" marB="0" anchor="b">
+                    <a:solidFill>
+                      <a:schemeClr val="tx1"/>
+                    </a:solidFill>
+                  </a:tcPr>
+                </a:tc>
+                <a:tc>
+                  <a:txBody>
+                    <a:bodyPr/>
+                    <a:lstStyle/>
+                    <a:p>
+                      <a:pPr algn="ctr" fontAlgn="b"/>
+                      <a:r>
+                        <a:rPr lang="de-AT" sz="1100" u="none" strike="noStrike">
+                          <a:effectLst/>
+                        </a:rPr>
+                        <a:t> </a:t>
+                      </a:r>
+                      <a:endParaRPr lang="de-AT" sz="1100" b="0" i="0" u="none" strike="noStrike">
+                        <a:solidFill>
+                          <a:srgbClr val="000000"/>
+                        </a:solidFill>
+                        <a:effectLst/>
+                        <a:latin typeface="Calibri" panose="020F0502020204030204" pitchFamily="34" charset="0"/>
+                      </a:endParaRPr>
+                    </a:p>
+                  </a:txBody>
+                  <a:tcPr marL="6350" marR="6350" marT="6350" marB="0" anchor="b"/>
+                </a:tc>
+                <a:extLst>
+                  <a:ext uri="{0D108BD9-81ED-4DB2-BD59-A6C34878D82A}">
+                    <a16:rowId xmlns:a16="http://schemas.microsoft.com/office/drawing/2014/main" val="2800139677"/>
+                  </a:ext>
+                </a:extLst>
+              </a:tr>
+              <a:tr h="557051">
+                <a:tc>
+                  <a:txBody>
+                    <a:bodyPr/>
+                    <a:lstStyle/>
+                    <a:p>
+                      <a:pPr algn="ctr" fontAlgn="b"/>
+                      <a:r>
+                        <a:rPr lang="de-AT" sz="1100" u="none" strike="noStrike" dirty="0">
+                          <a:effectLst/>
+                        </a:rPr>
+                        <a:t>Y=5</a:t>
+                      </a:r>
+                      <a:endParaRPr lang="de-AT" sz="1100" b="0" i="0" u="none" strike="noStrike" dirty="0">
+                        <a:solidFill>
+                          <a:srgbClr val="000000"/>
+                        </a:solidFill>
+                        <a:effectLst/>
+                        <a:latin typeface="Calibri" panose="020F0502020204030204" pitchFamily="34" charset="0"/>
+                      </a:endParaRPr>
+                    </a:p>
+                  </a:txBody>
+                  <a:tcPr marL="6350" marR="6350" marT="6350" marB="0" anchor="ctr">
+                    <a:solidFill>
+                      <a:schemeClr val="bg1"/>
+                    </a:solidFill>
+                  </a:tcPr>
+                </a:tc>
+                <a:tc>
+                  <a:txBody>
+                    <a:bodyPr/>
+                    <a:lstStyle/>
+                    <a:p>
+                      <a:pPr algn="ctr" fontAlgn="b"/>
+                      <a:endParaRPr lang="de-AT" sz="1100" b="0" i="0" u="none" strike="noStrike" dirty="0">
+                        <a:solidFill>
+                          <a:srgbClr val="000000"/>
+                        </a:solidFill>
+                        <a:effectLst/>
+                        <a:latin typeface="Calibri" panose="020F0502020204030204" pitchFamily="34" charset="0"/>
+                      </a:endParaRPr>
+                    </a:p>
+                  </a:txBody>
+                  <a:tcPr marL="6350" marR="6350" marT="6350" marB="0" anchor="b">
+                    <a:solidFill>
+                      <a:schemeClr val="bg1"/>
+                    </a:solidFill>
+                  </a:tcPr>
+                </a:tc>
+                <a:tc>
+                  <a:txBody>
+                    <a:bodyPr/>
+                    <a:lstStyle/>
+                    <a:p>
+                      <a:pPr algn="ctr" fontAlgn="b"/>
+                      <a:r>
+                        <a:rPr lang="de-AT" sz="1100" u="none" strike="noStrike" dirty="0">
+                          <a:effectLst/>
+                        </a:rPr>
+                        <a:t> </a:t>
+                      </a:r>
+                      <a:endParaRPr lang="de-AT" sz="1100" b="0" i="0" u="none" strike="noStrike" dirty="0">
+                        <a:solidFill>
+                          <a:srgbClr val="000000"/>
+                        </a:solidFill>
+                        <a:effectLst/>
+                        <a:latin typeface="Calibri" panose="020F0502020204030204" pitchFamily="34" charset="0"/>
+                      </a:endParaRPr>
+                    </a:p>
+                  </a:txBody>
+                  <a:tcPr marL="6350" marR="6350" marT="6350" marB="0" anchor="b">
+                    <a:solidFill>
+                      <a:schemeClr val="tx1"/>
+                    </a:solidFill>
+                  </a:tcPr>
+                </a:tc>
+                <a:tc>
+                  <a:txBody>
+                    <a:bodyPr/>
+                    <a:lstStyle/>
+                    <a:p>
+                      <a:pPr algn="ctr" fontAlgn="b"/>
+                      <a:r>
+                        <a:rPr lang="de-AT" sz="1100" u="none" strike="noStrike" dirty="0">
+                          <a:effectLst/>
+                        </a:rPr>
+                        <a:t>G</a:t>
+                      </a:r>
+                      <a:endParaRPr lang="de-AT" sz="1100" b="0" i="0" u="none" strike="noStrike" dirty="0">
+                        <a:solidFill>
+                          <a:srgbClr val="000000"/>
+                        </a:solidFill>
+                        <a:effectLst/>
+                        <a:latin typeface="Calibri" panose="020F0502020204030204" pitchFamily="34" charset="0"/>
+                      </a:endParaRPr>
+                    </a:p>
+                  </a:txBody>
+                  <a:tcPr marL="6350" marR="6350" marT="6350" marB="0" anchor="ctr"/>
+                </a:tc>
+                <a:tc>
+                  <a:txBody>
+                    <a:bodyPr/>
+                    <a:lstStyle/>
+                    <a:p>
+                      <a:pPr algn="ctr" fontAlgn="b"/>
+                      <a:r>
+                        <a:rPr lang="de-AT" sz="1100" u="none" strike="noStrike">
+                          <a:effectLst/>
+                        </a:rPr>
+                        <a:t> </a:t>
+                      </a:r>
+                      <a:endParaRPr lang="de-AT" sz="1100" b="0" i="0" u="none" strike="noStrike">
+                        <a:solidFill>
+                          <a:srgbClr val="000000"/>
+                        </a:solidFill>
+                        <a:effectLst/>
+                        <a:latin typeface="Calibri" panose="020F0502020204030204" pitchFamily="34" charset="0"/>
+                      </a:endParaRPr>
+                    </a:p>
+                  </a:txBody>
+                  <a:tcPr marL="6350" marR="6350" marT="6350" marB="0" anchor="b"/>
+                </a:tc>
+                <a:tc>
+                  <a:txBody>
+                    <a:bodyPr/>
+                    <a:lstStyle/>
+                    <a:p>
+                      <a:pPr algn="ctr" fontAlgn="b"/>
+                      <a:r>
+                        <a:rPr lang="de-AT" sz="1100" u="none" strike="noStrike" dirty="0">
+                          <a:effectLst/>
+                        </a:rPr>
+                        <a:t> </a:t>
+                      </a:r>
+                      <a:endParaRPr lang="de-AT" sz="1100" b="0" i="0" u="none" strike="noStrike" dirty="0">
+                        <a:solidFill>
+                          <a:srgbClr val="000000"/>
+                        </a:solidFill>
+                        <a:effectLst/>
+                        <a:latin typeface="Calibri" panose="020F0502020204030204" pitchFamily="34" charset="0"/>
+                      </a:endParaRPr>
+                    </a:p>
+                  </a:txBody>
+                  <a:tcPr marL="6350" marR="6350" marT="6350" marB="0" anchor="b"/>
+                </a:tc>
+                <a:tc>
+                  <a:txBody>
+                    <a:bodyPr/>
+                    <a:lstStyle/>
+                    <a:p>
+                      <a:pPr algn="ctr" fontAlgn="b"/>
+                      <a:r>
+                        <a:rPr lang="de-AT" sz="1100" u="none" strike="noStrike" dirty="0">
+                          <a:effectLst/>
+                        </a:rPr>
+                        <a:t> </a:t>
+                      </a:r>
+                      <a:endParaRPr lang="de-AT" sz="1100" b="0" i="0" u="none" strike="noStrike" dirty="0">
+                        <a:solidFill>
+                          <a:srgbClr val="000000"/>
+                        </a:solidFill>
+                        <a:effectLst/>
+                        <a:latin typeface="Calibri" panose="020F0502020204030204" pitchFamily="34" charset="0"/>
+                      </a:endParaRPr>
+                    </a:p>
+                  </a:txBody>
+                  <a:tcPr marL="6350" marR="6350" marT="6350" marB="0" anchor="b"/>
+                </a:tc>
+                <a:extLst>
+                  <a:ext uri="{0D108BD9-81ED-4DB2-BD59-A6C34878D82A}">
+                    <a16:rowId xmlns:a16="http://schemas.microsoft.com/office/drawing/2014/main" val="2037201300"/>
+                  </a:ext>
+                </a:extLst>
+              </a:tr>
+            </a:tbl>
+          </a:graphicData>
+        </a:graphic>
+      </p:graphicFrame>
+    </p:spTree>
+    <p:extLst>
+      <p:ext uri="{BB962C8B-B14F-4D97-AF65-F5344CB8AC3E}">
+        <p14:creationId xmlns:p14="http://schemas.microsoft.com/office/powerpoint/2010/main" val="2155357078"/>
+      </p:ext>
+    </p:extLst>
+  </p:cSld>
+  <p:clrMapOvr>
+    <a:masterClrMapping/>
+  </p:clrMapOvr>
+</p:sld>
+</file>
+
+<file path=ppt/slides/slide32.xml><?xml version="1.0" encoding="utf-8"?>
+<p:sld xmlns:a="http://schemas.openxmlformats.org/drawingml/2006/main" xmlns:r="http://schemas.openxmlformats.org/officeDocument/2006/relationships" xmlns:p="http://schemas.openxmlformats.org/presentationml/2006/main">
+  <p:cSld>
+    <p:spTree>
+      <p:nvGrpSpPr>
+        <p:cNvPr id="1" name=""/>
+        <p:cNvGrpSpPr/>
+        <p:nvPr/>
+      </p:nvGrpSpPr>
+      <p:grpSpPr>
+        <a:xfrm>
+          <a:off x="0" y="0"/>
+          <a:ext cx="0" cy="0"/>
+          <a:chOff x="0" y="0"/>
+          <a:chExt cx="0" cy="0"/>
+        </a:xfrm>
+      </p:grpSpPr>
+      <p:pic>
+        <p:nvPicPr>
+          <p:cNvPr id="4" name="Picture 4" descr="Maze">
+            <a:extLst>
+              <a:ext uri="{FF2B5EF4-FFF2-40B4-BE49-F238E27FC236}">
+                <a16:creationId xmlns:a16="http://schemas.microsoft.com/office/drawing/2014/main" id="{15FFD1B1-AEEE-4EE4-9047-6C67FEA2BDA9}"/>
+              </a:ext>
+            </a:extLst>
+          </p:cNvPr>
+          <p:cNvPicPr>
+            <a:picLocks noChangeAspect="1"/>
+          </p:cNvPicPr>
+          <p:nvPr/>
+        </p:nvPicPr>
+        <p:blipFill rotWithShape="1">
+          <a:blip r:embed="rId2">
+            <a:duotone>
+              <a:schemeClr val="bg2">
+                <a:shade val="45000"/>
+                <a:satMod val="135000"/>
+              </a:schemeClr>
+              <a:prstClr val="white"/>
+            </a:duotone>
+            <a:alphaModFix amt="25000"/>
+          </a:blip>
+          <a:srcRect t="9021"/>
+          <a:stretch/>
+        </p:blipFill>
+        <p:spPr>
+          <a:xfrm>
+            <a:off x="20" y="10"/>
+            <a:ext cx="11292820" cy="6857990"/>
+          </a:xfrm>
+          <a:prstGeom prst="rect">
+            <a:avLst/>
+          </a:prstGeom>
+        </p:spPr>
+      </p:pic>
+      <p:sp>
+        <p:nvSpPr>
+          <p:cNvPr id="2" name="Titolo 1">
+            <a:extLst>
+              <a:ext uri="{FF2B5EF4-FFF2-40B4-BE49-F238E27FC236}">
+                <a16:creationId xmlns:a16="http://schemas.microsoft.com/office/drawing/2014/main" id="{0A12707C-3206-4993-9DBE-17D9EACB1C00}"/>
+              </a:ext>
+            </a:extLst>
+          </p:cNvPr>
+          <p:cNvSpPr>
+            <a:spLocks noGrp="1"/>
+          </p:cNvSpPr>
+          <p:nvPr>
+            <p:ph type="title"/>
+          </p:nvPr>
+        </p:nvSpPr>
+        <p:spPr/>
+        <p:txBody>
+          <a:bodyPr>
+            <a:normAutofit/>
+          </a:bodyPr>
+          <a:lstStyle/>
+          <a:p>
+            <a:r>
+              <a:rPr lang="it-IT" dirty="0"/>
+              <a:t>Solution: </a:t>
+            </a:r>
+            <a:r>
+              <a:rPr lang="it-IT" dirty="0" err="1"/>
+              <a:t>Tail</a:t>
+            </a:r>
+            <a:r>
+              <a:rPr lang="it-IT" dirty="0"/>
+              <a:t> </a:t>
+            </a:r>
+            <a:r>
+              <a:rPr lang="it-IT" dirty="0" err="1"/>
+              <a:t>Recursion</a:t>
+            </a:r>
+            <a:endParaRPr lang="it-IT" dirty="0"/>
+          </a:p>
+        </p:txBody>
+      </p:sp>
+      <p:sp>
+        <p:nvSpPr>
+          <p:cNvPr id="14" name="Segnaposto contenuto 13">
+            <a:extLst>
+              <a:ext uri="{FF2B5EF4-FFF2-40B4-BE49-F238E27FC236}">
+                <a16:creationId xmlns:a16="http://schemas.microsoft.com/office/drawing/2014/main" id="{05785A5B-8D6F-45E5-9AA3-82A80B7C3963}"/>
+              </a:ext>
+            </a:extLst>
+          </p:cNvPr>
+          <p:cNvSpPr>
+            <a:spLocks noGrp="1"/>
+          </p:cNvSpPr>
+          <p:nvPr>
+            <p:ph sz="half" idx="1"/>
+          </p:nvPr>
+        </p:nvSpPr>
+        <p:spPr/>
+        <p:txBody>
+          <a:bodyPr/>
+          <a:lstStyle/>
+          <a:p>
+            <a:r>
+              <a:rPr lang="it-IT" sz="2000" dirty="0" err="1"/>
+              <a:t>This</a:t>
+            </a:r>
+            <a:r>
+              <a:rPr lang="it-IT" sz="2000" dirty="0"/>
+              <a:t> </a:t>
+            </a:r>
+            <a:r>
+              <a:rPr lang="it-IT" sz="2000" dirty="0" err="1"/>
+              <a:t>solution</a:t>
+            </a:r>
+            <a:r>
+              <a:rPr lang="it-IT" sz="2000" dirty="0"/>
+              <a:t> exploits </a:t>
+            </a:r>
+            <a:r>
+              <a:rPr lang="it-IT" sz="2000" b="1" dirty="0" err="1"/>
+              <a:t>tail</a:t>
+            </a:r>
+            <a:r>
+              <a:rPr lang="it-IT" sz="2000" b="1" dirty="0"/>
+              <a:t> </a:t>
+            </a:r>
+            <a:r>
+              <a:rPr lang="it-IT" sz="2000" b="1" dirty="0" err="1"/>
+              <a:t>recursion</a:t>
+            </a:r>
+            <a:r>
+              <a:rPr lang="it-IT" sz="2000" b="1" dirty="0"/>
+              <a:t> </a:t>
+            </a:r>
+            <a:r>
+              <a:rPr lang="it-IT" sz="2000" dirty="0"/>
+              <a:t>and </a:t>
+            </a:r>
+            <a:r>
+              <a:rPr lang="it-IT" sz="2000" b="1" dirty="0" err="1"/>
+              <a:t>accumulators</a:t>
+            </a:r>
+            <a:r>
+              <a:rPr lang="it-IT" sz="2000" dirty="0"/>
+              <a:t> in </a:t>
+            </a:r>
+            <a:r>
+              <a:rPr lang="it-IT" sz="2000" dirty="0" err="1"/>
+              <a:t>order</a:t>
+            </a:r>
+            <a:r>
+              <a:rPr lang="it-IT" sz="2000" dirty="0"/>
+              <a:t> to </a:t>
+            </a:r>
+            <a:r>
+              <a:rPr lang="it-IT" sz="2000" dirty="0" err="1"/>
+              <a:t>avoid</a:t>
+            </a:r>
+            <a:r>
+              <a:rPr lang="it-IT" sz="2000" dirty="0"/>
+              <a:t> loops.</a:t>
+            </a:r>
+          </a:p>
+          <a:p>
+            <a:r>
+              <a:rPr lang="it-IT" sz="2000" dirty="0" err="1">
+                <a:latin typeface="Courier New" panose="02070309020205020404" pitchFamily="49" charset="0"/>
+                <a:cs typeface="Courier New" panose="02070309020205020404" pitchFamily="49" charset="0"/>
+              </a:rPr>
+              <a:t>non_member</a:t>
+            </a:r>
+            <a:r>
+              <a:rPr lang="it-IT" sz="2000" dirty="0">
+                <a:latin typeface="Courier New" panose="02070309020205020404" pitchFamily="49" charset="0"/>
+                <a:cs typeface="Courier New" panose="02070309020205020404" pitchFamily="49" charset="0"/>
+              </a:rPr>
+              <a:t>(</a:t>
+            </a:r>
+            <a:r>
+              <a:rPr lang="it-IT" sz="2000" dirty="0" err="1">
+                <a:latin typeface="Courier New" panose="02070309020205020404" pitchFamily="49" charset="0"/>
+                <a:cs typeface="Courier New" panose="02070309020205020404" pitchFamily="49" charset="0"/>
+              </a:rPr>
+              <a:t>C,Acc</a:t>
+            </a:r>
+            <a:r>
+              <a:rPr lang="it-IT" sz="2000" dirty="0">
+                <a:latin typeface="Courier New" panose="02070309020205020404" pitchFamily="49" charset="0"/>
+                <a:cs typeface="Courier New" panose="02070309020205020404" pitchFamily="49" charset="0"/>
+              </a:rPr>
+              <a:t>) </a:t>
+            </a:r>
+            <a:r>
+              <a:rPr lang="it-IT" sz="2000" dirty="0">
+                <a:cs typeface="Courier New" panose="02070309020205020404" pitchFamily="49" charset="0"/>
+              </a:rPr>
+              <a:t>checks </a:t>
+            </a:r>
+            <a:r>
+              <a:rPr lang="it-IT" sz="2000" dirty="0" err="1">
+                <a:cs typeface="Courier New" panose="02070309020205020404" pitchFamily="49" charset="0"/>
+              </a:rPr>
+              <a:t>whether</a:t>
+            </a:r>
+            <a:r>
+              <a:rPr lang="it-IT" sz="2000" dirty="0">
+                <a:cs typeface="Courier New" panose="02070309020205020404" pitchFamily="49" charset="0"/>
+              </a:rPr>
+              <a:t> the </a:t>
+            </a:r>
+            <a:r>
+              <a:rPr lang="it-IT" sz="2000" dirty="0" err="1">
+                <a:cs typeface="Courier New" panose="02070309020205020404" pitchFamily="49" charset="0"/>
+              </a:rPr>
+              <a:t>encountered</a:t>
+            </a:r>
+            <a:r>
+              <a:rPr lang="it-IT" sz="2000" dirty="0">
+                <a:cs typeface="Courier New" panose="02070309020205020404" pitchFamily="49" charset="0"/>
+              </a:rPr>
+              <a:t> </a:t>
+            </a:r>
+            <a:r>
+              <a:rPr lang="it-IT" sz="2000" dirty="0" err="1">
+                <a:cs typeface="Courier New" panose="02070309020205020404" pitchFamily="49" charset="0"/>
+              </a:rPr>
+              <a:t>node</a:t>
+            </a:r>
+            <a:r>
+              <a:rPr lang="it-IT" sz="2000" dirty="0">
+                <a:cs typeface="Courier New" panose="02070309020205020404" pitchFamily="49" charset="0"/>
+              </a:rPr>
+              <a:t> </a:t>
+            </a:r>
+            <a:r>
+              <a:rPr lang="it-IT" sz="2000" dirty="0" err="1">
+                <a:cs typeface="Courier New" panose="02070309020205020404" pitchFamily="49" charset="0"/>
+              </a:rPr>
+              <a:t>has</a:t>
+            </a:r>
+            <a:r>
+              <a:rPr lang="it-IT" sz="2000" dirty="0">
+                <a:cs typeface="Courier New" panose="02070309020205020404" pitchFamily="49" charset="0"/>
+              </a:rPr>
+              <a:t> </a:t>
+            </a:r>
+            <a:r>
+              <a:rPr lang="it-IT" sz="2000" dirty="0" err="1">
+                <a:cs typeface="Courier New" panose="02070309020205020404" pitchFamily="49" charset="0"/>
+              </a:rPr>
+              <a:t>already</a:t>
+            </a:r>
+            <a:r>
+              <a:rPr lang="it-IT" sz="2000" dirty="0">
+                <a:cs typeface="Courier New" panose="02070309020205020404" pitchFamily="49" charset="0"/>
+              </a:rPr>
+              <a:t> </a:t>
+            </a:r>
+            <a:r>
+              <a:rPr lang="it-IT" sz="2000" dirty="0" err="1">
+                <a:cs typeface="Courier New" panose="02070309020205020404" pitchFamily="49" charset="0"/>
+              </a:rPr>
+              <a:t>been</a:t>
+            </a:r>
+            <a:r>
+              <a:rPr lang="it-IT" sz="2000" dirty="0">
+                <a:cs typeface="Courier New" panose="02070309020205020404" pitchFamily="49" charset="0"/>
+              </a:rPr>
+              <a:t> </a:t>
+            </a:r>
+            <a:r>
+              <a:rPr lang="it-IT" sz="2000" dirty="0" err="1">
+                <a:cs typeface="Courier New" panose="02070309020205020404" pitchFamily="49" charset="0"/>
+              </a:rPr>
+              <a:t>visited</a:t>
+            </a:r>
+            <a:r>
+              <a:rPr lang="it-IT" sz="2000" dirty="0">
+                <a:cs typeface="Courier New" panose="02070309020205020404" pitchFamily="49" charset="0"/>
+              </a:rPr>
+              <a:t> </a:t>
+            </a:r>
+            <a:r>
+              <a:rPr lang="it-IT" sz="2000" dirty="0" err="1">
+                <a:cs typeface="Courier New" panose="02070309020205020404" pitchFamily="49" charset="0"/>
+              </a:rPr>
+              <a:t>before</a:t>
+            </a:r>
+            <a:r>
+              <a:rPr lang="it-IT" sz="2000" dirty="0">
+                <a:cs typeface="Courier New" panose="02070309020205020404" pitchFamily="49" charset="0"/>
+              </a:rPr>
+              <a:t>.</a:t>
+            </a:r>
+            <a:endParaRPr lang="it-IT" sz="2000" dirty="0">
+              <a:latin typeface="Courier New" panose="02070309020205020404" pitchFamily="49" charset="0"/>
+              <a:cs typeface="Courier New" panose="02070309020205020404" pitchFamily="49" charset="0"/>
+            </a:endParaRPr>
+          </a:p>
+          <a:p>
+            <a:endParaRPr lang="it-IT" dirty="0"/>
+          </a:p>
+        </p:txBody>
+      </p:sp>
+      <p:sp>
+        <p:nvSpPr>
+          <p:cNvPr id="15" name="Segnaposto contenuto 14">
+            <a:extLst>
+              <a:ext uri="{FF2B5EF4-FFF2-40B4-BE49-F238E27FC236}">
+                <a16:creationId xmlns:a16="http://schemas.microsoft.com/office/drawing/2014/main" id="{F6911FC2-0CE1-49E0-9689-B3681FDBB5D9}"/>
+              </a:ext>
+            </a:extLst>
+          </p:cNvPr>
+          <p:cNvSpPr>
+            <a:spLocks noGrp="1"/>
+          </p:cNvSpPr>
+          <p:nvPr>
+            <p:ph sz="half" idx="2"/>
+          </p:nvPr>
+        </p:nvSpPr>
+        <p:spPr/>
+        <p:txBody>
+          <a:bodyPr/>
+          <a:lstStyle/>
+          <a:p>
+            <a:pPr marL="0" indent="0">
+              <a:lnSpc>
+                <a:spcPct val="100000"/>
+              </a:lnSpc>
+              <a:spcBef>
+                <a:spcPts val="200"/>
+              </a:spcBef>
+              <a:spcAft>
+                <a:spcPts val="0"/>
+              </a:spcAft>
+              <a:buNone/>
+            </a:pPr>
+            <a:r>
+              <a:rPr lang="en-US" dirty="0">
+                <a:latin typeface="Courier New" panose="02070309020205020404" pitchFamily="49" charset="0"/>
+                <a:cs typeface="Courier New" panose="02070309020205020404" pitchFamily="49" charset="0"/>
+              </a:rPr>
+              <a:t>reach(A,B,L) :- reach_1(A,B,[A],L).</a:t>
+            </a:r>
+          </a:p>
+          <a:p>
+            <a:pPr marL="0" indent="0">
+              <a:lnSpc>
+                <a:spcPct val="100000"/>
+              </a:lnSpc>
+              <a:spcBef>
+                <a:spcPts val="200"/>
+              </a:spcBef>
+              <a:buNone/>
+            </a:pPr>
+            <a:r>
+              <a:rPr lang="en-US" dirty="0">
+                <a:latin typeface="Courier New" panose="02070309020205020404" pitchFamily="49" charset="0"/>
+                <a:cs typeface="Courier New" panose="02070309020205020404" pitchFamily="49" charset="0"/>
+              </a:rPr>
+              <a:t>reach_1(A,A,L,L).</a:t>
+            </a:r>
+          </a:p>
+          <a:p>
+            <a:pPr marL="0" indent="0">
+              <a:lnSpc>
+                <a:spcPct val="100000"/>
+              </a:lnSpc>
+              <a:spcBef>
+                <a:spcPts val="200"/>
+              </a:spcBef>
+              <a:buNone/>
+            </a:pPr>
+            <a:r>
+              <a:rPr lang="en-US" dirty="0">
+                <a:latin typeface="Courier New" panose="02070309020205020404" pitchFamily="49" charset="0"/>
+                <a:cs typeface="Courier New" panose="02070309020205020404" pitchFamily="49" charset="0"/>
+              </a:rPr>
+              <a:t>reach_1(</a:t>
+            </a:r>
+            <a:r>
+              <a:rPr lang="en-US" dirty="0" err="1">
+                <a:latin typeface="Courier New" panose="02070309020205020404" pitchFamily="49" charset="0"/>
+                <a:cs typeface="Courier New" panose="02070309020205020404" pitchFamily="49" charset="0"/>
+              </a:rPr>
+              <a:t>A,B,Acc,L</a:t>
+            </a:r>
+            <a:r>
+              <a:rPr lang="en-US" dirty="0">
+                <a:latin typeface="Courier New" panose="02070309020205020404" pitchFamily="49" charset="0"/>
+                <a:cs typeface="Courier New" panose="02070309020205020404" pitchFamily="49" charset="0"/>
+              </a:rPr>
+              <a:t>) :-</a:t>
+            </a:r>
+          </a:p>
+          <a:p>
+            <a:pPr marL="0" indent="0">
+              <a:lnSpc>
+                <a:spcPct val="100000"/>
+              </a:lnSpc>
+              <a:spcBef>
+                <a:spcPts val="200"/>
+              </a:spcBef>
+              <a:buNone/>
+            </a:pPr>
+            <a:r>
+              <a:rPr lang="en-US" dirty="0">
+                <a:latin typeface="Courier New" panose="02070309020205020404" pitchFamily="49" charset="0"/>
+                <a:cs typeface="Courier New" panose="02070309020205020404" pitchFamily="49" charset="0"/>
+              </a:rPr>
+              <a:t>    move(A,C),</a:t>
+            </a:r>
+          </a:p>
+          <a:p>
+            <a:pPr marL="0" indent="0">
+              <a:lnSpc>
+                <a:spcPct val="100000"/>
+              </a:lnSpc>
+              <a:spcBef>
+                <a:spcPts val="200"/>
+              </a:spcBef>
+              <a:buNone/>
+            </a:pPr>
+            <a:r>
+              <a:rPr lang="en-US" dirty="0">
+                <a:latin typeface="Courier New" panose="02070309020205020404" pitchFamily="49" charset="0"/>
+                <a:cs typeface="Courier New" panose="02070309020205020404" pitchFamily="49" charset="0"/>
+              </a:rPr>
+              <a:t>    </a:t>
+            </a:r>
+            <a:r>
+              <a:rPr lang="en-US" dirty="0" err="1">
+                <a:latin typeface="Courier New" panose="02070309020205020404" pitchFamily="49" charset="0"/>
+                <a:cs typeface="Courier New" panose="02070309020205020404" pitchFamily="49" charset="0"/>
+              </a:rPr>
+              <a:t>non_member</a:t>
+            </a:r>
+            <a:r>
+              <a:rPr lang="en-US" dirty="0">
+                <a:latin typeface="Courier New" panose="02070309020205020404" pitchFamily="49" charset="0"/>
+                <a:cs typeface="Courier New" panose="02070309020205020404" pitchFamily="49" charset="0"/>
+              </a:rPr>
+              <a:t>(</a:t>
+            </a:r>
+            <a:r>
+              <a:rPr lang="en-US" dirty="0" err="1">
+                <a:latin typeface="Courier New" panose="02070309020205020404" pitchFamily="49" charset="0"/>
+                <a:cs typeface="Courier New" panose="02070309020205020404" pitchFamily="49" charset="0"/>
+              </a:rPr>
+              <a:t>C,Acc</a:t>
+            </a:r>
+            <a:r>
+              <a:rPr lang="en-US" dirty="0">
+                <a:latin typeface="Courier New" panose="02070309020205020404" pitchFamily="49" charset="0"/>
+                <a:cs typeface="Courier New" panose="02070309020205020404" pitchFamily="49" charset="0"/>
+              </a:rPr>
+              <a:t>),</a:t>
+            </a:r>
+          </a:p>
+          <a:p>
+            <a:pPr marL="0" indent="0">
+              <a:lnSpc>
+                <a:spcPct val="100000"/>
+              </a:lnSpc>
+              <a:spcBef>
+                <a:spcPts val="200"/>
+              </a:spcBef>
+              <a:buNone/>
+            </a:pPr>
+            <a:r>
+              <a:rPr lang="en-US" dirty="0">
+                <a:latin typeface="Courier New" panose="02070309020205020404" pitchFamily="49" charset="0"/>
+                <a:cs typeface="Courier New" panose="02070309020205020404" pitchFamily="49" charset="0"/>
+              </a:rPr>
+              <a:t>    reach_1(C,B,[</a:t>
+            </a:r>
+            <a:r>
+              <a:rPr lang="en-US" dirty="0" err="1">
+                <a:latin typeface="Courier New" panose="02070309020205020404" pitchFamily="49" charset="0"/>
+                <a:cs typeface="Courier New" panose="02070309020205020404" pitchFamily="49" charset="0"/>
+              </a:rPr>
+              <a:t>C|Acc</a:t>
+            </a:r>
+            <a:r>
+              <a:rPr lang="en-US" dirty="0">
+                <a:latin typeface="Courier New" panose="02070309020205020404" pitchFamily="49" charset="0"/>
+                <a:cs typeface="Courier New" panose="02070309020205020404" pitchFamily="49" charset="0"/>
+              </a:rPr>
+              <a:t>],L).</a:t>
+            </a:r>
+            <a:endParaRPr lang="it-IT" dirty="0">
+              <a:latin typeface="Courier New" panose="02070309020205020404" pitchFamily="49" charset="0"/>
+              <a:cs typeface="Courier New" panose="02070309020205020404" pitchFamily="49" charset="0"/>
+            </a:endParaRPr>
+          </a:p>
+          <a:p>
+            <a:endParaRPr lang="it-IT" dirty="0"/>
+          </a:p>
+        </p:txBody>
+      </p:sp>
+    </p:spTree>
+    <p:extLst>
+      <p:ext uri="{BB962C8B-B14F-4D97-AF65-F5344CB8AC3E}">
+        <p14:creationId xmlns:p14="http://schemas.microsoft.com/office/powerpoint/2010/main" val="2247642379"/>
+      </p:ext>
+    </p:extLst>
+  </p:cSld>
+  <p:clrMapOvr>
+    <a:masterClrMapping/>
+  </p:clrMapOvr>
+</p:sld>
+</file>
+
 <file path=ppt/slides/slide4.xml><?xml version="1.0" encoding="utf-8"?>
 <p:sld xmlns:a="http://schemas.openxmlformats.org/drawingml/2006/main" xmlns:r="http://schemas.openxmlformats.org/officeDocument/2006/relationships" xmlns:p="http://schemas.openxmlformats.org/presentationml/2006/main">
   <p:cSld>

--- a/ATAI_Presentation.pptx
+++ b/ATAI_Presentation.pptx
@@ -5,7 +5,7 @@
     <p:sldMasterId id="2147483660" r:id="rId1"/>
   </p:sldMasterIdLst>
   <p:notesMasterIdLst>
-    <p:notesMasterId r:id="rId34"/>
+    <p:notesMasterId r:id="rId39"/>
   </p:notesMasterIdLst>
   <p:sldIdLst>
     <p:sldId id="256" r:id="rId2"/>
@@ -35,11 +35,16 @@
     <p:sldId id="287" r:id="rId26"/>
     <p:sldId id="288" r:id="rId27"/>
     <p:sldId id="292" r:id="rId28"/>
-    <p:sldId id="295" r:id="rId29"/>
-    <p:sldId id="296" r:id="rId30"/>
-    <p:sldId id="298" r:id="rId31"/>
-    <p:sldId id="299" r:id="rId32"/>
-    <p:sldId id="301" r:id="rId33"/>
+    <p:sldId id="302" r:id="rId29"/>
+    <p:sldId id="278" r:id="rId30"/>
+    <p:sldId id="304" r:id="rId31"/>
+    <p:sldId id="305" r:id="rId32"/>
+    <p:sldId id="306" r:id="rId33"/>
+    <p:sldId id="295" r:id="rId34"/>
+    <p:sldId id="296" r:id="rId35"/>
+    <p:sldId id="298" r:id="rId36"/>
+    <p:sldId id="299" r:id="rId37"/>
+    <p:sldId id="301" r:id="rId38"/>
   </p:sldIdLst>
   <p:sldSz cx="12192000" cy="6858000"/>
   <p:notesSz cx="6858000" cy="9144000"/>
@@ -4939,6 +4944,788 @@
 </dgm:colorsDef>
 </file>
 
+<file path=ppt/diagrams/colors3.xml><?xml version="1.0" encoding="utf-8"?>
+<dgm:colorsDef xmlns:dgm="http://schemas.openxmlformats.org/drawingml/2006/diagram" xmlns:a="http://schemas.openxmlformats.org/drawingml/2006/main" uniqueId="urn:microsoft.com/office/officeart/2005/8/colors/colorful5">
+  <dgm:title val=""/>
+  <dgm:desc val=""/>
+  <dgm:catLst>
+    <dgm:cat type="colorful" pri="10500"/>
+  </dgm:catLst>
+  <dgm:styleLbl name="node0">
+    <dgm:fillClrLst meth="repeat">
+      <a:schemeClr val="accent4"/>
+    </dgm:fillClrLst>
+    <dgm:linClrLst meth="repeat">
+      <a:schemeClr val="lt1"/>
+    </dgm:linClrLst>
+    <dgm:effectClrLst/>
+    <dgm:txLinClrLst/>
+    <dgm:txFillClrLst/>
+    <dgm:txEffectClrLst/>
+  </dgm:styleLbl>
+  <dgm:styleLbl name="node1">
+    <dgm:fillClrLst>
+      <a:schemeClr val="accent5"/>
+      <a:schemeClr val="accent6"/>
+    </dgm:fillClrLst>
+    <dgm:linClrLst meth="repeat">
+      <a:schemeClr val="lt1"/>
+    </dgm:linClrLst>
+    <dgm:effectClrLst/>
+    <dgm:txLinClrLst/>
+    <dgm:txFillClrLst/>
+    <dgm:txEffectClrLst/>
+  </dgm:styleLbl>
+  <dgm:styleLbl name="alignNode1">
+    <dgm:fillClrLst>
+      <a:schemeClr val="accent5"/>
+      <a:schemeClr val="accent6"/>
+    </dgm:fillClrLst>
+    <dgm:linClrLst>
+      <a:schemeClr val="accent5"/>
+      <a:schemeClr val="accent6"/>
+    </dgm:linClrLst>
+    <dgm:effectClrLst/>
+    <dgm:txLinClrLst/>
+    <dgm:txFillClrLst/>
+    <dgm:txEffectClrLst/>
+  </dgm:styleLbl>
+  <dgm:styleLbl name="lnNode1">
+    <dgm:fillClrLst>
+      <a:schemeClr val="accent5"/>
+      <a:schemeClr val="accent6"/>
+    </dgm:fillClrLst>
+    <dgm:linClrLst meth="repeat">
+      <a:schemeClr val="lt1"/>
+    </dgm:linClrLst>
+    <dgm:effectClrLst/>
+    <dgm:txLinClrLst/>
+    <dgm:txFillClrLst/>
+    <dgm:txEffectClrLst/>
+  </dgm:styleLbl>
+  <dgm:styleLbl name="vennNode1">
+    <dgm:fillClrLst>
+      <a:schemeClr val="accent5">
+        <a:alpha val="50000"/>
+      </a:schemeClr>
+      <a:schemeClr val="accent6">
+        <a:alpha val="50000"/>
+      </a:schemeClr>
+    </dgm:fillClrLst>
+    <dgm:linClrLst meth="repeat">
+      <a:schemeClr val="lt1"/>
+    </dgm:linClrLst>
+    <dgm:effectClrLst/>
+    <dgm:txLinClrLst/>
+    <dgm:txFillClrLst/>
+    <dgm:txEffectClrLst/>
+  </dgm:styleLbl>
+  <dgm:styleLbl name="node2">
+    <dgm:fillClrLst>
+      <a:schemeClr val="accent6"/>
+    </dgm:fillClrLst>
+    <dgm:linClrLst meth="repeat">
+      <a:schemeClr val="lt1"/>
+    </dgm:linClrLst>
+    <dgm:effectClrLst/>
+    <dgm:txLinClrLst/>
+    <dgm:txFillClrLst/>
+    <dgm:txEffectClrLst/>
+  </dgm:styleLbl>
+  <dgm:styleLbl name="node3">
+    <dgm:fillClrLst>
+      <a:schemeClr val="accent1"/>
+    </dgm:fillClrLst>
+    <dgm:linClrLst meth="repeat">
+      <a:schemeClr val="lt1"/>
+    </dgm:linClrLst>
+    <dgm:effectClrLst/>
+    <dgm:txLinClrLst/>
+    <dgm:txFillClrLst/>
+    <dgm:txEffectClrLst/>
+  </dgm:styleLbl>
+  <dgm:styleLbl name="node4">
+    <dgm:fillClrLst>
+      <a:schemeClr val="accent2"/>
+    </dgm:fillClrLst>
+    <dgm:linClrLst meth="repeat">
+      <a:schemeClr val="lt1"/>
+    </dgm:linClrLst>
+    <dgm:effectClrLst/>
+    <dgm:txLinClrLst/>
+    <dgm:txFillClrLst/>
+    <dgm:txEffectClrLst/>
+  </dgm:styleLbl>
+  <dgm:styleLbl name="fgImgPlace1">
+    <dgm:fillClrLst>
+      <a:schemeClr val="accent5">
+        <a:tint val="50000"/>
+      </a:schemeClr>
+      <a:schemeClr val="accent6">
+        <a:tint val="50000"/>
+      </a:schemeClr>
+    </dgm:fillClrLst>
+    <dgm:linClrLst meth="repeat">
+      <a:schemeClr val="lt1"/>
+    </dgm:linClrLst>
+    <dgm:effectClrLst/>
+    <dgm:txLinClrLst/>
+    <dgm:txFillClrLst meth="repeat">
+      <a:schemeClr val="lt1"/>
+    </dgm:txFillClrLst>
+    <dgm:txEffectClrLst/>
+  </dgm:styleLbl>
+  <dgm:styleLbl name="alignImgPlace1">
+    <dgm:fillClrLst>
+      <a:schemeClr val="accent5">
+        <a:tint val="50000"/>
+      </a:schemeClr>
+      <a:schemeClr val="accent6">
+        <a:tint val="20000"/>
+      </a:schemeClr>
+    </dgm:fillClrLst>
+    <dgm:linClrLst meth="repeat">
+      <a:schemeClr val="lt1"/>
+    </dgm:linClrLst>
+    <dgm:effectClrLst/>
+    <dgm:txLinClrLst/>
+    <dgm:txFillClrLst meth="repeat">
+      <a:schemeClr val="lt1"/>
+    </dgm:txFillClrLst>
+    <dgm:txEffectClrLst/>
+  </dgm:styleLbl>
+  <dgm:styleLbl name="bgImgPlace1">
+    <dgm:fillClrLst>
+      <a:schemeClr val="accent5">
+        <a:tint val="50000"/>
+      </a:schemeClr>
+      <a:schemeClr val="accent6">
+        <a:tint val="20000"/>
+      </a:schemeClr>
+    </dgm:fillClrLst>
+    <dgm:linClrLst meth="repeat">
+      <a:schemeClr val="lt1"/>
+    </dgm:linClrLst>
+    <dgm:effectClrLst/>
+    <dgm:txLinClrLst/>
+    <dgm:txFillClrLst meth="repeat">
+      <a:schemeClr val="lt1"/>
+    </dgm:txFillClrLst>
+    <dgm:txEffectClrLst/>
+  </dgm:styleLbl>
+  <dgm:styleLbl name="sibTrans2D1">
+    <dgm:fillClrLst>
+      <a:schemeClr val="accent5"/>
+      <a:schemeClr val="accent6"/>
+    </dgm:fillClrLst>
+    <dgm:linClrLst meth="repeat">
+      <a:schemeClr val="lt1"/>
+    </dgm:linClrLst>
+    <dgm:effectClrLst/>
+    <dgm:txLinClrLst/>
+    <dgm:txFillClrLst/>
+    <dgm:txEffectClrLst/>
+  </dgm:styleLbl>
+  <dgm:styleLbl name="fgSibTrans2D1">
+    <dgm:fillClrLst>
+      <a:schemeClr val="accent5"/>
+      <a:schemeClr val="accent6"/>
+    </dgm:fillClrLst>
+    <dgm:linClrLst meth="repeat">
+      <a:schemeClr val="lt1"/>
+    </dgm:linClrLst>
+    <dgm:effectClrLst/>
+    <dgm:txLinClrLst/>
+    <dgm:txFillClrLst meth="repeat">
+      <a:schemeClr val="lt1"/>
+    </dgm:txFillClrLst>
+    <dgm:txEffectClrLst/>
+  </dgm:styleLbl>
+  <dgm:styleLbl name="bgSibTrans2D1">
+    <dgm:fillClrLst>
+      <a:schemeClr val="accent5"/>
+      <a:schemeClr val="accent6"/>
+    </dgm:fillClrLst>
+    <dgm:linClrLst meth="repeat">
+      <a:schemeClr val="lt1"/>
+    </dgm:linClrLst>
+    <dgm:effectClrLst/>
+    <dgm:txLinClrLst/>
+    <dgm:txFillClrLst meth="repeat">
+      <a:schemeClr val="lt1"/>
+    </dgm:txFillClrLst>
+    <dgm:txEffectClrLst/>
+  </dgm:styleLbl>
+  <dgm:styleLbl name="sibTrans1D1">
+    <dgm:fillClrLst/>
+    <dgm:linClrLst>
+      <a:schemeClr val="accent5"/>
+      <a:schemeClr val="accent6"/>
+    </dgm:linClrLst>
+    <dgm:effectClrLst/>
+    <dgm:txLinClrLst/>
+    <dgm:txFillClrLst meth="repeat">
+      <a:schemeClr val="tx1"/>
+    </dgm:txFillClrLst>
+    <dgm:txEffectClrLst/>
+  </dgm:styleLbl>
+  <dgm:styleLbl name="callout">
+    <dgm:fillClrLst meth="repeat">
+      <a:schemeClr val="accent5"/>
+    </dgm:fillClrLst>
+    <dgm:linClrLst meth="repeat">
+      <a:schemeClr val="accent5">
+        <a:tint val="50000"/>
+      </a:schemeClr>
+    </dgm:linClrLst>
+    <dgm:effectClrLst/>
+    <dgm:txLinClrLst/>
+    <dgm:txFillClrLst meth="repeat">
+      <a:schemeClr val="tx1"/>
+    </dgm:txFillClrLst>
+    <dgm:txEffectClrLst/>
+  </dgm:styleLbl>
+  <dgm:styleLbl name="asst0">
+    <dgm:fillClrLst meth="repeat">
+      <a:schemeClr val="accent5"/>
+    </dgm:fillClrLst>
+    <dgm:linClrLst meth="repeat">
+      <a:schemeClr val="lt1">
+        <a:shade val="80000"/>
+      </a:schemeClr>
+    </dgm:linClrLst>
+    <dgm:effectClrLst/>
+    <dgm:txLinClrLst/>
+    <dgm:txFillClrLst/>
+    <dgm:txEffectClrLst/>
+  </dgm:styleLbl>
+  <dgm:styleLbl name="asst1">
+    <dgm:fillClrLst meth="repeat">
+      <a:schemeClr val="accent6"/>
+    </dgm:fillClrLst>
+    <dgm:linClrLst meth="repeat">
+      <a:schemeClr val="lt1">
+        <a:shade val="80000"/>
+      </a:schemeClr>
+    </dgm:linClrLst>
+    <dgm:effectClrLst/>
+    <dgm:txLinClrLst/>
+    <dgm:txFillClrLst/>
+    <dgm:txEffectClrLst/>
+  </dgm:styleLbl>
+  <dgm:styleLbl name="asst2">
+    <dgm:fillClrLst>
+      <a:schemeClr val="accent1"/>
+    </dgm:fillClrLst>
+    <dgm:linClrLst meth="repeat">
+      <a:schemeClr val="lt1"/>
+    </dgm:linClrLst>
+    <dgm:effectClrLst/>
+    <dgm:txLinClrLst/>
+    <dgm:txFillClrLst/>
+    <dgm:txEffectClrLst/>
+  </dgm:styleLbl>
+  <dgm:styleLbl name="asst3">
+    <dgm:fillClrLst>
+      <a:schemeClr val="accent2"/>
+    </dgm:fillClrLst>
+    <dgm:linClrLst meth="repeat">
+      <a:schemeClr val="lt1"/>
+    </dgm:linClrLst>
+    <dgm:effectClrLst/>
+    <dgm:txLinClrLst/>
+    <dgm:txFillClrLst/>
+    <dgm:txEffectClrLst/>
+  </dgm:styleLbl>
+  <dgm:styleLbl name="asst4">
+    <dgm:fillClrLst>
+      <a:schemeClr val="accent3"/>
+    </dgm:fillClrLst>
+    <dgm:linClrLst meth="repeat">
+      <a:schemeClr val="lt1"/>
+    </dgm:linClrLst>
+    <dgm:effectClrLst/>
+    <dgm:txLinClrLst/>
+    <dgm:txFillClrLst/>
+    <dgm:txEffectClrLst/>
+  </dgm:styleLbl>
+  <dgm:styleLbl name="parChTrans2D1">
+    <dgm:fillClrLst meth="repeat">
+      <a:schemeClr val="accent5"/>
+    </dgm:fillClrLst>
+    <dgm:linClrLst meth="repeat">
+      <a:schemeClr val="lt1"/>
+    </dgm:linClrLst>
+    <dgm:effectClrLst/>
+    <dgm:txLinClrLst/>
+    <dgm:txFillClrLst meth="repeat">
+      <a:schemeClr val="lt1"/>
+    </dgm:txFillClrLst>
+    <dgm:txEffectClrLst/>
+  </dgm:styleLbl>
+  <dgm:styleLbl name="parChTrans2D2">
+    <dgm:fillClrLst meth="repeat">
+      <a:schemeClr val="accent6"/>
+    </dgm:fillClrLst>
+    <dgm:linClrLst meth="repeat">
+      <a:schemeClr val="lt1"/>
+    </dgm:linClrLst>
+    <dgm:effectClrLst/>
+    <dgm:txLinClrLst/>
+    <dgm:txFillClrLst/>
+    <dgm:txEffectClrLst/>
+  </dgm:styleLbl>
+  <dgm:styleLbl name="parChTrans2D3">
+    <dgm:fillClrLst meth="repeat">
+      <a:schemeClr val="accent6"/>
+    </dgm:fillClrLst>
+    <dgm:linClrLst meth="repeat">
+      <a:schemeClr val="lt1"/>
+    </dgm:linClrLst>
+    <dgm:effectClrLst/>
+    <dgm:txLinClrLst/>
+    <dgm:txFillClrLst/>
+    <dgm:txEffectClrLst/>
+  </dgm:styleLbl>
+  <dgm:styleLbl name="parChTrans2D4">
+    <dgm:fillClrLst meth="repeat">
+      <a:schemeClr val="accent1"/>
+    </dgm:fillClrLst>
+    <dgm:linClrLst meth="repeat">
+      <a:schemeClr val="lt1"/>
+    </dgm:linClrLst>
+    <dgm:effectClrLst/>
+    <dgm:txLinClrLst/>
+    <dgm:txFillClrLst meth="repeat">
+      <a:schemeClr val="lt1"/>
+    </dgm:txFillClrLst>
+    <dgm:txEffectClrLst/>
+  </dgm:styleLbl>
+  <dgm:styleLbl name="parChTrans1D1">
+    <dgm:fillClrLst meth="repeat">
+      <a:schemeClr val="accent5"/>
+    </dgm:fillClrLst>
+    <dgm:linClrLst meth="repeat">
+      <a:schemeClr val="accent5"/>
+    </dgm:linClrLst>
+    <dgm:effectClrLst/>
+    <dgm:txLinClrLst/>
+    <dgm:txFillClrLst meth="repeat">
+      <a:schemeClr val="tx1"/>
+    </dgm:txFillClrLst>
+    <dgm:txEffectClrLst/>
+  </dgm:styleLbl>
+  <dgm:styleLbl name="parChTrans1D2">
+    <dgm:fillClrLst meth="repeat">
+      <a:schemeClr val="accent6">
+        <a:tint val="90000"/>
+      </a:schemeClr>
+    </dgm:fillClrLst>
+    <dgm:linClrLst meth="repeat">
+      <a:schemeClr val="accent6"/>
+    </dgm:linClrLst>
+    <dgm:effectClrLst/>
+    <dgm:txLinClrLst/>
+    <dgm:txFillClrLst meth="repeat">
+      <a:schemeClr val="tx1"/>
+    </dgm:txFillClrLst>
+    <dgm:txEffectClrLst/>
+  </dgm:styleLbl>
+  <dgm:styleLbl name="parChTrans1D3">
+    <dgm:fillClrLst meth="repeat">
+      <a:schemeClr val="accent6">
+        <a:tint val="70000"/>
+      </a:schemeClr>
+    </dgm:fillClrLst>
+    <dgm:linClrLst meth="repeat">
+      <a:schemeClr val="accent1"/>
+    </dgm:linClrLst>
+    <dgm:effectClrLst/>
+    <dgm:txLinClrLst/>
+    <dgm:txFillClrLst meth="repeat">
+      <a:schemeClr val="tx1"/>
+    </dgm:txFillClrLst>
+    <dgm:txEffectClrLst/>
+  </dgm:styleLbl>
+  <dgm:styleLbl name="parChTrans1D4">
+    <dgm:fillClrLst meth="repeat">
+      <a:schemeClr val="accent6">
+        <a:tint val="50000"/>
+      </a:schemeClr>
+    </dgm:fillClrLst>
+    <dgm:linClrLst meth="repeat">
+      <a:schemeClr val="accent2"/>
+    </dgm:linClrLst>
+    <dgm:effectClrLst/>
+    <dgm:txLinClrLst/>
+    <dgm:txFillClrLst meth="repeat">
+      <a:schemeClr val="tx1"/>
+    </dgm:txFillClrLst>
+    <dgm:txEffectClrLst/>
+  </dgm:styleLbl>
+  <dgm:styleLbl name="fgAcc1">
+    <dgm:fillClrLst meth="repeat">
+      <a:schemeClr val="lt1">
+        <a:alpha val="90000"/>
+      </a:schemeClr>
+    </dgm:fillClrLst>
+    <dgm:linClrLst>
+      <a:schemeClr val="accent5"/>
+      <a:schemeClr val="accent6"/>
+    </dgm:linClrLst>
+    <dgm:effectClrLst/>
+    <dgm:txLinClrLst/>
+    <dgm:txFillClrLst meth="repeat">
+      <a:schemeClr val="dk1"/>
+    </dgm:txFillClrLst>
+    <dgm:txEffectClrLst/>
+  </dgm:styleLbl>
+  <dgm:styleLbl name="conFgAcc1">
+    <dgm:fillClrLst meth="repeat">
+      <a:schemeClr val="lt1">
+        <a:alpha val="90000"/>
+      </a:schemeClr>
+    </dgm:fillClrLst>
+    <dgm:linClrLst>
+      <a:schemeClr val="accent5"/>
+      <a:schemeClr val="accent6"/>
+    </dgm:linClrLst>
+    <dgm:effectClrLst/>
+    <dgm:txLinClrLst/>
+    <dgm:txFillClrLst meth="repeat">
+      <a:schemeClr val="dk1"/>
+    </dgm:txFillClrLst>
+    <dgm:txEffectClrLst/>
+  </dgm:styleLbl>
+  <dgm:styleLbl name="alignAcc1">
+    <dgm:fillClrLst meth="repeat">
+      <a:schemeClr val="lt1">
+        <a:alpha val="90000"/>
+      </a:schemeClr>
+    </dgm:fillClrLst>
+    <dgm:linClrLst>
+      <a:schemeClr val="accent5"/>
+      <a:schemeClr val="accent6"/>
+    </dgm:linClrLst>
+    <dgm:effectClrLst/>
+    <dgm:txLinClrLst/>
+    <dgm:txFillClrLst meth="repeat">
+      <a:schemeClr val="dk1"/>
+    </dgm:txFillClrLst>
+    <dgm:txEffectClrLst/>
+  </dgm:styleLbl>
+  <dgm:styleLbl name="trAlignAcc1">
+    <dgm:fillClrLst meth="repeat">
+      <a:schemeClr val="lt1">
+        <a:alpha val="40000"/>
+      </a:schemeClr>
+    </dgm:fillClrLst>
+    <dgm:linClrLst meth="repeat">
+      <a:schemeClr val="accent5"/>
+    </dgm:linClrLst>
+    <dgm:effectClrLst/>
+    <dgm:txLinClrLst/>
+    <dgm:txFillClrLst meth="repeat">
+      <a:schemeClr val="dk1"/>
+    </dgm:txFillClrLst>
+    <dgm:txEffectClrLst/>
+  </dgm:styleLbl>
+  <dgm:styleLbl name="bgAcc1">
+    <dgm:fillClrLst meth="repeat">
+      <a:schemeClr val="lt1">
+        <a:alpha val="90000"/>
+      </a:schemeClr>
+    </dgm:fillClrLst>
+    <dgm:linClrLst>
+      <a:schemeClr val="accent5"/>
+      <a:schemeClr val="accent6"/>
+    </dgm:linClrLst>
+    <dgm:effectClrLst/>
+    <dgm:txLinClrLst/>
+    <dgm:txFillClrLst meth="repeat">
+      <a:schemeClr val="dk1"/>
+    </dgm:txFillClrLst>
+    <dgm:txEffectClrLst/>
+  </dgm:styleLbl>
+  <dgm:styleLbl name="solidFgAcc1">
+    <dgm:fillClrLst meth="repeat">
+      <a:schemeClr val="lt1"/>
+    </dgm:fillClrLst>
+    <dgm:linClrLst>
+      <a:schemeClr val="accent5"/>
+      <a:schemeClr val="accent6"/>
+    </dgm:linClrLst>
+    <dgm:effectClrLst/>
+    <dgm:txLinClrLst/>
+    <dgm:txFillClrLst meth="repeat">
+      <a:schemeClr val="dk1"/>
+    </dgm:txFillClrLst>
+    <dgm:txEffectClrLst/>
+  </dgm:styleLbl>
+  <dgm:styleLbl name="solidAlignAcc1">
+    <dgm:fillClrLst meth="repeat">
+      <a:schemeClr val="lt1"/>
+    </dgm:fillClrLst>
+    <dgm:linClrLst>
+      <a:schemeClr val="accent5"/>
+      <a:schemeClr val="accent6"/>
+    </dgm:linClrLst>
+    <dgm:effectClrLst/>
+    <dgm:txLinClrLst/>
+    <dgm:txFillClrLst meth="repeat">
+      <a:schemeClr val="dk1"/>
+    </dgm:txFillClrLst>
+    <dgm:txEffectClrLst/>
+  </dgm:styleLbl>
+  <dgm:styleLbl name="solidBgAcc1">
+    <dgm:fillClrLst meth="repeat">
+      <a:schemeClr val="lt1"/>
+    </dgm:fillClrLst>
+    <dgm:linClrLst>
+      <a:schemeClr val="accent5"/>
+      <a:schemeClr val="accent6"/>
+    </dgm:linClrLst>
+    <dgm:effectClrLst/>
+    <dgm:txLinClrLst/>
+    <dgm:txFillClrLst meth="repeat">
+      <a:schemeClr val="dk1"/>
+    </dgm:txFillClrLst>
+    <dgm:txEffectClrLst/>
+  </dgm:styleLbl>
+  <dgm:styleLbl name="fgAccFollowNode1">
+    <dgm:fillClrLst>
+      <a:schemeClr val="accent5">
+        <a:tint val="40000"/>
+        <a:alpha val="90000"/>
+      </a:schemeClr>
+      <a:schemeClr val="accent6">
+        <a:tint val="40000"/>
+        <a:alpha val="90000"/>
+      </a:schemeClr>
+    </dgm:fillClrLst>
+    <dgm:linClrLst>
+      <a:schemeClr val="accent5">
+        <a:tint val="40000"/>
+        <a:alpha val="90000"/>
+      </a:schemeClr>
+      <a:schemeClr val="accent5">
+        <a:tint val="40000"/>
+        <a:alpha val="90000"/>
+      </a:schemeClr>
+    </dgm:linClrLst>
+    <dgm:effectClrLst/>
+    <dgm:txLinClrLst/>
+    <dgm:txFillClrLst meth="repeat">
+      <a:schemeClr val="dk1"/>
+    </dgm:txFillClrLst>
+    <dgm:txEffectClrLst/>
+  </dgm:styleLbl>
+  <dgm:styleLbl name="alignAccFollowNode1">
+    <dgm:fillClrLst>
+      <a:schemeClr val="accent5">
+        <a:tint val="40000"/>
+        <a:alpha val="90000"/>
+      </a:schemeClr>
+      <a:schemeClr val="accent6">
+        <a:tint val="40000"/>
+        <a:alpha val="90000"/>
+      </a:schemeClr>
+    </dgm:fillClrLst>
+    <dgm:linClrLst>
+      <a:schemeClr val="accent5">
+        <a:tint val="40000"/>
+        <a:alpha val="90000"/>
+      </a:schemeClr>
+      <a:schemeClr val="accent6">
+        <a:tint val="40000"/>
+        <a:alpha val="90000"/>
+      </a:schemeClr>
+    </dgm:linClrLst>
+    <dgm:effectClrLst/>
+    <dgm:txLinClrLst/>
+    <dgm:txFillClrLst meth="repeat">
+      <a:schemeClr val="dk1"/>
+    </dgm:txFillClrLst>
+    <dgm:txEffectClrLst/>
+  </dgm:styleLbl>
+  <dgm:styleLbl name="bgAccFollowNode1">
+    <dgm:fillClrLst>
+      <a:schemeClr val="accent5">
+        <a:tint val="40000"/>
+        <a:alpha val="90000"/>
+      </a:schemeClr>
+      <a:schemeClr val="accent6">
+        <a:tint val="40000"/>
+        <a:alpha val="90000"/>
+      </a:schemeClr>
+    </dgm:fillClrLst>
+    <dgm:linClrLst>
+      <a:schemeClr val="accent5">
+        <a:tint val="40000"/>
+        <a:alpha val="90000"/>
+      </a:schemeClr>
+      <a:schemeClr val="accent6">
+        <a:tint val="40000"/>
+        <a:alpha val="90000"/>
+      </a:schemeClr>
+    </dgm:linClrLst>
+    <dgm:effectClrLst/>
+    <dgm:txLinClrLst/>
+    <dgm:txFillClrLst meth="repeat">
+      <a:schemeClr val="dk1"/>
+    </dgm:txFillClrLst>
+    <dgm:txEffectClrLst/>
+  </dgm:styleLbl>
+  <dgm:styleLbl name="fgAcc0">
+    <dgm:fillClrLst meth="repeat">
+      <a:schemeClr val="lt1">
+        <a:alpha val="90000"/>
+      </a:schemeClr>
+    </dgm:fillClrLst>
+    <dgm:linClrLst>
+      <a:schemeClr val="accent4"/>
+    </dgm:linClrLst>
+    <dgm:effectClrLst/>
+    <dgm:txLinClrLst/>
+    <dgm:txFillClrLst meth="repeat">
+      <a:schemeClr val="dk1"/>
+    </dgm:txFillClrLst>
+    <dgm:txEffectClrLst/>
+  </dgm:styleLbl>
+  <dgm:styleLbl name="fgAcc2">
+    <dgm:fillClrLst meth="repeat">
+      <a:schemeClr val="lt1">
+        <a:alpha val="90000"/>
+      </a:schemeClr>
+    </dgm:fillClrLst>
+    <dgm:linClrLst>
+      <a:schemeClr val="accent6"/>
+    </dgm:linClrLst>
+    <dgm:effectClrLst/>
+    <dgm:txLinClrLst/>
+    <dgm:txFillClrLst meth="repeat">
+      <a:schemeClr val="dk1"/>
+    </dgm:txFillClrLst>
+    <dgm:txEffectClrLst/>
+  </dgm:styleLbl>
+  <dgm:styleLbl name="fgAcc3">
+    <dgm:fillClrLst meth="repeat">
+      <a:schemeClr val="lt1">
+        <a:alpha val="90000"/>
+      </a:schemeClr>
+    </dgm:fillClrLst>
+    <dgm:linClrLst>
+      <a:schemeClr val="accent1"/>
+    </dgm:linClrLst>
+    <dgm:effectClrLst/>
+    <dgm:txLinClrLst/>
+    <dgm:txFillClrLst meth="repeat">
+      <a:schemeClr val="dk1"/>
+    </dgm:txFillClrLst>
+    <dgm:txEffectClrLst/>
+  </dgm:styleLbl>
+  <dgm:styleLbl name="fgAcc4">
+    <dgm:fillClrLst meth="repeat">
+      <a:schemeClr val="lt1">
+        <a:alpha val="90000"/>
+      </a:schemeClr>
+    </dgm:fillClrLst>
+    <dgm:linClrLst>
+      <a:schemeClr val="accent2"/>
+    </dgm:linClrLst>
+    <dgm:effectClrLst/>
+    <dgm:txLinClrLst/>
+    <dgm:txFillClrLst meth="repeat">
+      <a:schemeClr val="dk1"/>
+    </dgm:txFillClrLst>
+    <dgm:txEffectClrLst/>
+  </dgm:styleLbl>
+  <dgm:styleLbl name="bgShp">
+    <dgm:fillClrLst meth="repeat">
+      <a:schemeClr val="accent5">
+        <a:tint val="40000"/>
+      </a:schemeClr>
+    </dgm:fillClrLst>
+    <dgm:linClrLst meth="repeat">
+      <a:schemeClr val="dk1"/>
+    </dgm:linClrLst>
+    <dgm:effectClrLst/>
+    <dgm:txLinClrLst/>
+    <dgm:txFillClrLst meth="repeat">
+      <a:schemeClr val="dk1"/>
+    </dgm:txFillClrLst>
+    <dgm:txEffectClrLst/>
+  </dgm:styleLbl>
+  <dgm:styleLbl name="dkBgShp">
+    <dgm:fillClrLst meth="repeat">
+      <a:schemeClr val="accent5">
+        <a:shade val="90000"/>
+      </a:schemeClr>
+    </dgm:fillClrLst>
+    <dgm:linClrLst meth="repeat">
+      <a:schemeClr val="dk1"/>
+    </dgm:linClrLst>
+    <dgm:effectClrLst/>
+    <dgm:txLinClrLst/>
+    <dgm:txFillClrLst meth="repeat">
+      <a:schemeClr val="lt1"/>
+    </dgm:txFillClrLst>
+    <dgm:txEffectClrLst/>
+  </dgm:styleLbl>
+  <dgm:styleLbl name="trBgShp">
+    <dgm:fillClrLst meth="repeat">
+      <a:schemeClr val="accent5">
+        <a:tint val="50000"/>
+        <a:alpha val="40000"/>
+      </a:schemeClr>
+    </dgm:fillClrLst>
+    <dgm:linClrLst meth="repeat">
+      <a:schemeClr val="accent5"/>
+    </dgm:linClrLst>
+    <dgm:effectClrLst/>
+    <dgm:txLinClrLst/>
+    <dgm:txFillClrLst meth="repeat">
+      <a:schemeClr val="lt1"/>
+    </dgm:txFillClrLst>
+    <dgm:txEffectClrLst/>
+  </dgm:styleLbl>
+  <dgm:styleLbl name="fgShp">
+    <dgm:fillClrLst meth="repeat">
+      <a:schemeClr val="accent5">
+        <a:tint val="40000"/>
+      </a:schemeClr>
+    </dgm:fillClrLst>
+    <dgm:linClrLst meth="repeat">
+      <a:schemeClr val="lt1"/>
+    </dgm:linClrLst>
+    <dgm:effectClrLst/>
+    <dgm:txLinClrLst/>
+    <dgm:txFillClrLst meth="repeat">
+      <a:schemeClr val="dk1"/>
+    </dgm:txFillClrLst>
+    <dgm:txEffectClrLst/>
+  </dgm:styleLbl>
+  <dgm:styleLbl name="revTx">
+    <dgm:fillClrLst meth="repeat">
+      <a:schemeClr val="lt1">
+        <a:alpha val="0"/>
+      </a:schemeClr>
+    </dgm:fillClrLst>
+    <dgm:linClrLst meth="repeat">
+      <a:schemeClr val="dk1">
+        <a:alpha val="0"/>
+      </a:schemeClr>
+    </dgm:linClrLst>
+    <dgm:effectClrLst/>
+    <dgm:txLinClrLst/>
+    <dgm:txFillClrLst meth="repeat">
+      <a:schemeClr val="tx1"/>
+    </dgm:txFillClrLst>
+    <dgm:txEffectClrLst/>
+  </dgm:styleLbl>
+</dgm:colorsDef>
+</file>
+
 <file path=ppt/diagrams/data1.xml><?xml version="1.0" encoding="utf-8"?>
 <dgm:dataModel xmlns:dgm="http://schemas.openxmlformats.org/drawingml/2006/diagram" xmlns:a="http://schemas.openxmlformats.org/drawingml/2006/main">
   <dgm:ptLst>
@@ -5580,6 +6367,316 @@
     <dgm:cxn modelId="{91FF9988-EB82-4D50-82F9-9AF59265F591}" type="presParOf" srcId="{5C83321E-9518-4BAA-84D7-060A63D0A0BD}" destId="{6601BD12-704F-4AFB-95D9-A21F46D79D6E}" srcOrd="0" destOrd="0" presId="urn:microsoft.com/office/officeart/2018/2/layout/IconLabelList"/>
     <dgm:cxn modelId="{5DC75B10-24E5-405D-BA14-36F3456615D6}" type="presParOf" srcId="{5C83321E-9518-4BAA-84D7-060A63D0A0BD}" destId="{0BF577C7-AA03-49EB-A489-EDC8772758B5}" srcOrd="1" destOrd="0" presId="urn:microsoft.com/office/officeart/2018/2/layout/IconLabelList"/>
     <dgm:cxn modelId="{9A2A9BE3-B672-40D9-8B86-113A984479AC}" type="presParOf" srcId="{5C83321E-9518-4BAA-84D7-060A63D0A0BD}" destId="{64827935-B67A-4BB5-9A13-D5D9C87A680F}" srcOrd="2" destOrd="0" presId="urn:microsoft.com/office/officeart/2018/2/layout/IconLabelList"/>
+  </dgm:cxnLst>
+  <dgm:bg/>
+  <dgm:whole/>
+  <dgm:extLst>
+    <a:ext uri="http://schemas.microsoft.com/office/drawing/2008/diagram">
+      <dsp:dataModelExt xmlns:dsp="http://schemas.microsoft.com/office/drawing/2008/diagram" relId="rId6" minVer="http://schemas.openxmlformats.org/drawingml/2006/diagram"/>
+    </a:ext>
+  </dgm:extLst>
+</dgm:dataModel>
+</file>
+
+<file path=ppt/diagrams/data3.xml><?xml version="1.0" encoding="utf-8"?>
+<dgm:dataModel xmlns:dgm="http://schemas.openxmlformats.org/drawingml/2006/diagram" xmlns:a="http://schemas.openxmlformats.org/drawingml/2006/main">
+  <dgm:ptLst>
+    <dgm:pt modelId="{3B697953-B671-46BA-9FB5-16EB418B59C6}" type="doc">
+      <dgm:prSet loTypeId="urn:microsoft.com/office/officeart/2005/8/layout/vList2" loCatId="list" qsTypeId="urn:microsoft.com/office/officeart/2005/8/quickstyle/simple1" qsCatId="simple" csTypeId="urn:microsoft.com/office/officeart/2005/8/colors/colorful5" csCatId="colorful" phldr="1"/>
+      <dgm:spPr/>
+      <dgm:t>
+        <a:bodyPr/>
+        <a:lstStyle/>
+        <a:p>
+          <a:endParaRPr lang="en-US"/>
+        </a:p>
+      </dgm:t>
+    </dgm:pt>
+    <dgm:pt modelId="{2D8FB390-98AC-433E-965C-512B67265120}">
+      <dgm:prSet/>
+      <dgm:spPr/>
+      <dgm:t>
+        <a:bodyPr/>
+        <a:lstStyle/>
+        <a:p>
+          <a:r>
+            <a:rPr lang="it-IT"/>
+            <a:t>Work done in ILASP shows clearly a fact: time complexity doesn’t scale well with respect to search space dimension.</a:t>
+          </a:r>
+          <a:endParaRPr lang="en-US"/>
+        </a:p>
+      </dgm:t>
+    </dgm:pt>
+    <dgm:pt modelId="{ACB3D8DA-F735-4428-8039-A461AF078717}" type="parTrans" cxnId="{06495DF5-8E64-4AB9-906E-252071032F6F}">
+      <dgm:prSet/>
+      <dgm:spPr/>
+      <dgm:t>
+        <a:bodyPr/>
+        <a:lstStyle/>
+        <a:p>
+          <a:endParaRPr lang="en-US"/>
+        </a:p>
+      </dgm:t>
+    </dgm:pt>
+    <dgm:pt modelId="{F9B9C126-C0C6-47BE-9AD4-86B6956B2A93}" type="sibTrans" cxnId="{06495DF5-8E64-4AB9-906E-252071032F6F}">
+      <dgm:prSet/>
+      <dgm:spPr/>
+      <dgm:t>
+        <a:bodyPr/>
+        <a:lstStyle/>
+        <a:p>
+          <a:endParaRPr lang="en-US"/>
+        </a:p>
+      </dgm:t>
+    </dgm:pt>
+    <dgm:pt modelId="{635034EB-4CBC-43B6-B798-00CD929E0416}">
+      <dgm:prSet/>
+      <dgm:spPr/>
+      <dgm:t>
+        <a:bodyPr/>
+        <a:lstStyle/>
+        <a:p>
+          <a:r>
+            <a:rPr lang="it-IT" dirty="0" err="1"/>
+            <a:t>Trying</a:t>
+          </a:r>
+          <a:r>
+            <a:rPr lang="it-IT" dirty="0"/>
+            <a:t> to do the 2 </a:t>
+          </a:r>
+          <a:r>
+            <a:rPr lang="it-IT" dirty="0" err="1"/>
+            <a:t>previous</a:t>
+          </a:r>
+          <a:r>
+            <a:rPr lang="it-IT" dirty="0"/>
+            <a:t> tasks </a:t>
+          </a:r>
+          <a:r>
+            <a:rPr lang="it-IT" dirty="0" err="1"/>
+            <a:t>both</a:t>
+          </a:r>
+          <a:r>
+            <a:rPr lang="it-IT" dirty="0"/>
+            <a:t> on the </a:t>
+          </a:r>
+          <a:r>
+            <a:rPr lang="it-IT" dirty="0" err="1"/>
+            <a:t>same</a:t>
+          </a:r>
+          <a:r>
+            <a:rPr lang="it-IT" dirty="0"/>
+            <a:t> script </a:t>
+          </a:r>
+          <a:r>
+            <a:rPr lang="it-IT" dirty="0" err="1"/>
+            <a:t>was</a:t>
+          </a:r>
+          <a:r>
+            <a:rPr lang="it-IT" dirty="0"/>
+            <a:t> </a:t>
+          </a:r>
+          <a:r>
+            <a:rPr lang="it-IT" dirty="0" err="1"/>
+            <a:t>not</a:t>
+          </a:r>
+          <a:r>
+            <a:rPr lang="it-IT" dirty="0"/>
+            <a:t> </a:t>
+          </a:r>
+          <a:r>
+            <a:rPr lang="it-IT" dirty="0" err="1"/>
+            <a:t>feasible</a:t>
+          </a:r>
+          <a:r>
+            <a:rPr lang="it-IT" dirty="0"/>
+            <a:t>: the </a:t>
+          </a:r>
+          <a:r>
+            <a:rPr lang="it-IT" dirty="0" err="1"/>
+            <a:t>search</a:t>
+          </a:r>
+          <a:r>
+            <a:rPr lang="it-IT" dirty="0"/>
+            <a:t> </a:t>
+          </a:r>
+          <a:r>
+            <a:rPr lang="it-IT" dirty="0" err="1"/>
+            <a:t>space</a:t>
+          </a:r>
+          <a:r>
+            <a:rPr lang="it-IT" dirty="0"/>
+            <a:t> </a:t>
+          </a:r>
+          <a:r>
+            <a:rPr lang="it-IT" dirty="0" err="1"/>
+            <a:t>was</a:t>
+          </a:r>
+          <a:r>
+            <a:rPr lang="it-IT" dirty="0"/>
+            <a:t> </a:t>
+          </a:r>
+          <a:r>
+            <a:rPr lang="it-IT" dirty="0" err="1"/>
+            <a:t>too</a:t>
+          </a:r>
+          <a:r>
+            <a:rPr lang="it-IT" dirty="0"/>
+            <a:t> big, </a:t>
+          </a:r>
+          <a:r>
+            <a:rPr lang="it-IT" dirty="0" err="1"/>
+            <a:t>but</a:t>
+          </a:r>
+          <a:r>
+            <a:rPr lang="it-IT" dirty="0"/>
+            <a:t> </a:t>
+          </a:r>
+          <a:r>
+            <a:rPr lang="it-IT" dirty="0" err="1"/>
+            <a:t>actually</a:t>
+          </a:r>
+          <a:r>
+            <a:rPr lang="it-IT" dirty="0"/>
+            <a:t> the second task «just» </a:t>
+          </a:r>
+          <a:r>
+            <a:rPr lang="it-IT" dirty="0" err="1"/>
+            <a:t>got</a:t>
+          </a:r>
+          <a:r>
+            <a:rPr lang="it-IT" dirty="0"/>
+            <a:t> 1 more predicate (</a:t>
+          </a:r>
+          <a:r>
+            <a:rPr lang="it-IT" dirty="0" err="1"/>
+            <a:t>obstacle</a:t>
+          </a:r>
+          <a:r>
+            <a:rPr lang="it-IT" dirty="0"/>
+            <a:t>)!</a:t>
+          </a:r>
+          <a:endParaRPr lang="en-US" dirty="0"/>
+        </a:p>
+      </dgm:t>
+    </dgm:pt>
+    <dgm:pt modelId="{B5A8B239-641B-458F-939B-BF19266B8F1C}" type="parTrans" cxnId="{14A86313-E685-47FE-AD64-421DF68D84C3}">
+      <dgm:prSet/>
+      <dgm:spPr/>
+      <dgm:t>
+        <a:bodyPr/>
+        <a:lstStyle/>
+        <a:p>
+          <a:endParaRPr lang="en-US"/>
+        </a:p>
+      </dgm:t>
+    </dgm:pt>
+    <dgm:pt modelId="{AFE35BAD-A0A9-4208-98DF-1B84CE44DDE5}" type="sibTrans" cxnId="{14A86313-E685-47FE-AD64-421DF68D84C3}">
+      <dgm:prSet/>
+      <dgm:spPr/>
+      <dgm:t>
+        <a:bodyPr/>
+        <a:lstStyle/>
+        <a:p>
+          <a:endParaRPr lang="en-US"/>
+        </a:p>
+      </dgm:t>
+    </dgm:pt>
+    <dgm:pt modelId="{D36266A8-41C1-434C-BF6C-15390206E3DC}">
+      <dgm:prSet/>
+      <dgm:spPr/>
+      <dgm:t>
+        <a:bodyPr/>
+        <a:lstStyle/>
+        <a:p>
+          <a:r>
+            <a:rPr lang="it-IT"/>
+            <a:t>ILASP got an option to show the search space of a task, by using the linux «wc» command it is possible to extract its dimension and later do an analysys of the relation time – search space dimension</a:t>
+          </a:r>
+          <a:endParaRPr lang="en-US"/>
+        </a:p>
+      </dgm:t>
+    </dgm:pt>
+    <dgm:pt modelId="{7EF9C448-ADEA-41FB-A1D9-03EC788894C3}" type="parTrans" cxnId="{3A03CDA8-B9F9-4C08-8939-91E7345BE923}">
+      <dgm:prSet/>
+      <dgm:spPr/>
+      <dgm:t>
+        <a:bodyPr/>
+        <a:lstStyle/>
+        <a:p>
+          <a:endParaRPr lang="en-US"/>
+        </a:p>
+      </dgm:t>
+    </dgm:pt>
+    <dgm:pt modelId="{617186C9-A471-4FFB-87E0-E3799E91BCBD}" type="sibTrans" cxnId="{3A03CDA8-B9F9-4C08-8939-91E7345BE923}">
+      <dgm:prSet/>
+      <dgm:spPr/>
+      <dgm:t>
+        <a:bodyPr/>
+        <a:lstStyle/>
+        <a:p>
+          <a:endParaRPr lang="en-US"/>
+        </a:p>
+      </dgm:t>
+    </dgm:pt>
+    <dgm:pt modelId="{1D19E09E-A216-4B33-9E53-0C16C5A0ECF4}" type="pres">
+      <dgm:prSet presAssocID="{3B697953-B671-46BA-9FB5-16EB418B59C6}" presName="linear" presStyleCnt="0">
+        <dgm:presLayoutVars>
+          <dgm:animLvl val="lvl"/>
+          <dgm:resizeHandles val="exact"/>
+        </dgm:presLayoutVars>
+      </dgm:prSet>
+      <dgm:spPr/>
+    </dgm:pt>
+    <dgm:pt modelId="{8D8012D5-8624-4242-9663-9CE5AC3FC6E6}" type="pres">
+      <dgm:prSet presAssocID="{2D8FB390-98AC-433E-965C-512B67265120}" presName="parentText" presStyleLbl="node1" presStyleIdx="0" presStyleCnt="3">
+        <dgm:presLayoutVars>
+          <dgm:chMax val="0"/>
+          <dgm:bulletEnabled val="1"/>
+        </dgm:presLayoutVars>
+      </dgm:prSet>
+      <dgm:spPr/>
+    </dgm:pt>
+    <dgm:pt modelId="{694E8A8E-495D-444B-B426-0A85C8EC1186}" type="pres">
+      <dgm:prSet presAssocID="{F9B9C126-C0C6-47BE-9AD4-86B6956B2A93}" presName="spacer" presStyleCnt="0"/>
+      <dgm:spPr/>
+    </dgm:pt>
+    <dgm:pt modelId="{F431AD32-C33A-412B-9CC7-89AF17BA271E}" type="pres">
+      <dgm:prSet presAssocID="{635034EB-4CBC-43B6-B798-00CD929E0416}" presName="parentText" presStyleLbl="node1" presStyleIdx="1" presStyleCnt="3">
+        <dgm:presLayoutVars>
+          <dgm:chMax val="0"/>
+          <dgm:bulletEnabled val="1"/>
+        </dgm:presLayoutVars>
+      </dgm:prSet>
+      <dgm:spPr/>
+    </dgm:pt>
+    <dgm:pt modelId="{7936FA20-7306-4073-A608-9767D87A803D}" type="pres">
+      <dgm:prSet presAssocID="{AFE35BAD-A0A9-4208-98DF-1B84CE44DDE5}" presName="spacer" presStyleCnt="0"/>
+      <dgm:spPr/>
+    </dgm:pt>
+    <dgm:pt modelId="{683F79BC-C8CF-486A-B086-86ABC46432B3}" type="pres">
+      <dgm:prSet presAssocID="{D36266A8-41C1-434C-BF6C-15390206E3DC}" presName="parentText" presStyleLbl="node1" presStyleIdx="2" presStyleCnt="3">
+        <dgm:presLayoutVars>
+          <dgm:chMax val="0"/>
+          <dgm:bulletEnabled val="1"/>
+        </dgm:presLayoutVars>
+      </dgm:prSet>
+      <dgm:spPr/>
+    </dgm:pt>
+  </dgm:ptLst>
+  <dgm:cxnLst>
+    <dgm:cxn modelId="{14A86313-E685-47FE-AD64-421DF68D84C3}" srcId="{3B697953-B671-46BA-9FB5-16EB418B59C6}" destId="{635034EB-4CBC-43B6-B798-00CD929E0416}" srcOrd="1" destOrd="0" parTransId="{B5A8B239-641B-458F-939B-BF19266B8F1C}" sibTransId="{AFE35BAD-A0A9-4208-98DF-1B84CE44DDE5}"/>
+    <dgm:cxn modelId="{4CA98248-8462-4DD0-AD5D-E946B05B37CA}" type="presOf" srcId="{D36266A8-41C1-434C-BF6C-15390206E3DC}" destId="{683F79BC-C8CF-486A-B086-86ABC46432B3}" srcOrd="0" destOrd="0" presId="urn:microsoft.com/office/officeart/2005/8/layout/vList2"/>
+    <dgm:cxn modelId="{3A03CDA8-B9F9-4C08-8939-91E7345BE923}" srcId="{3B697953-B671-46BA-9FB5-16EB418B59C6}" destId="{D36266A8-41C1-434C-BF6C-15390206E3DC}" srcOrd="2" destOrd="0" parTransId="{7EF9C448-ADEA-41FB-A1D9-03EC788894C3}" sibTransId="{617186C9-A471-4FFB-87E0-E3799E91BCBD}"/>
+    <dgm:cxn modelId="{10C570B7-B869-4C69-9626-570A047E1D82}" type="presOf" srcId="{635034EB-4CBC-43B6-B798-00CD929E0416}" destId="{F431AD32-C33A-412B-9CC7-89AF17BA271E}" srcOrd="0" destOrd="0" presId="urn:microsoft.com/office/officeart/2005/8/layout/vList2"/>
+    <dgm:cxn modelId="{6A6183BD-9614-4EF1-98B5-DC814C7B914C}" type="presOf" srcId="{2D8FB390-98AC-433E-965C-512B67265120}" destId="{8D8012D5-8624-4242-9663-9CE5AC3FC6E6}" srcOrd="0" destOrd="0" presId="urn:microsoft.com/office/officeart/2005/8/layout/vList2"/>
+    <dgm:cxn modelId="{E91B57E9-9E57-45B2-8A13-2BB6CD8A5110}" type="presOf" srcId="{3B697953-B671-46BA-9FB5-16EB418B59C6}" destId="{1D19E09E-A216-4B33-9E53-0C16C5A0ECF4}" srcOrd="0" destOrd="0" presId="urn:microsoft.com/office/officeart/2005/8/layout/vList2"/>
+    <dgm:cxn modelId="{06495DF5-8E64-4AB9-906E-252071032F6F}" srcId="{3B697953-B671-46BA-9FB5-16EB418B59C6}" destId="{2D8FB390-98AC-433E-965C-512B67265120}" srcOrd="0" destOrd="0" parTransId="{ACB3D8DA-F735-4428-8039-A461AF078717}" sibTransId="{F9B9C126-C0C6-47BE-9AD4-86B6956B2A93}"/>
+    <dgm:cxn modelId="{D95D0B06-A5F0-4B77-9560-7FBC4E145016}" type="presParOf" srcId="{1D19E09E-A216-4B33-9E53-0C16C5A0ECF4}" destId="{8D8012D5-8624-4242-9663-9CE5AC3FC6E6}" srcOrd="0" destOrd="0" presId="urn:microsoft.com/office/officeart/2005/8/layout/vList2"/>
+    <dgm:cxn modelId="{A53CAB5E-6C22-4877-A38D-60637DA19BAB}" type="presParOf" srcId="{1D19E09E-A216-4B33-9E53-0C16C5A0ECF4}" destId="{694E8A8E-495D-444B-B426-0A85C8EC1186}" srcOrd="1" destOrd="0" presId="urn:microsoft.com/office/officeart/2005/8/layout/vList2"/>
+    <dgm:cxn modelId="{0D39554C-2611-4973-A9C9-15CED85347D4}" type="presParOf" srcId="{1D19E09E-A216-4B33-9E53-0C16C5A0ECF4}" destId="{F431AD32-C33A-412B-9CC7-89AF17BA271E}" srcOrd="2" destOrd="0" presId="urn:microsoft.com/office/officeart/2005/8/layout/vList2"/>
+    <dgm:cxn modelId="{25FC3303-F660-4255-AD41-39B4E2CD4EBB}" type="presParOf" srcId="{1D19E09E-A216-4B33-9E53-0C16C5A0ECF4}" destId="{7936FA20-7306-4073-A608-9767D87A803D}" srcOrd="3" destOrd="0" presId="urn:microsoft.com/office/officeart/2005/8/layout/vList2"/>
+    <dgm:cxn modelId="{5E4BAAF3-FE2E-42C6-8C8D-1FC7E84A0AC3}" type="presParOf" srcId="{1D19E09E-A216-4B33-9E53-0C16C5A0ECF4}" destId="{683F79BC-C8CF-486A-B086-86ABC46432B3}" srcOrd="4" destOrd="0" presId="urn:microsoft.com/office/officeart/2005/8/layout/vList2"/>
   </dgm:cxnLst>
   <dgm:bg/>
   <dgm:whole/>
@@ -6305,6 +7402,368 @@
 </dsp:drawing>
 </file>
 
+<file path=ppt/diagrams/drawing3.xml><?xml version="1.0" encoding="utf-8"?>
+<dsp:drawing xmlns:dgm="http://schemas.openxmlformats.org/drawingml/2006/diagram" xmlns:dsp="http://schemas.microsoft.com/office/drawing/2008/diagram" xmlns:a="http://schemas.openxmlformats.org/drawingml/2006/main">
+  <dsp:spTree>
+    <dsp:nvGrpSpPr>
+      <dsp:cNvPr id="0" name=""/>
+      <dsp:cNvGrpSpPr/>
+    </dsp:nvGrpSpPr>
+    <dsp:grpSpPr/>
+    <dsp:sp modelId="{8D8012D5-8624-4242-9663-9CE5AC3FC6E6}">
+      <dsp:nvSpPr>
+        <dsp:cNvPr id="0" name=""/>
+        <dsp:cNvSpPr/>
+      </dsp:nvSpPr>
+      <dsp:spPr>
+        <a:xfrm>
+          <a:off x="0" y="129064"/>
+          <a:ext cx="5990135" cy="1631495"/>
+        </a:xfrm>
+        <a:prstGeom prst="roundRect">
+          <a:avLst/>
+        </a:prstGeom>
+        <a:solidFill>
+          <a:schemeClr val="accent5">
+            <a:hueOff val="0"/>
+            <a:satOff val="0"/>
+            <a:lumOff val="0"/>
+            <a:alphaOff val="0"/>
+          </a:schemeClr>
+        </a:solidFill>
+        <a:ln w="13970" cap="flat" cmpd="sng" algn="ctr">
+          <a:solidFill>
+            <a:schemeClr val="lt1">
+              <a:hueOff val="0"/>
+              <a:satOff val="0"/>
+              <a:lumOff val="0"/>
+              <a:alphaOff val="0"/>
+            </a:schemeClr>
+          </a:solidFill>
+          <a:prstDash val="solid"/>
+        </a:ln>
+        <a:effectLst/>
+      </dsp:spPr>
+      <dsp:style>
+        <a:lnRef idx="2">
+          <a:scrgbClr r="0" g="0" b="0"/>
+        </a:lnRef>
+        <a:fillRef idx="1">
+          <a:scrgbClr r="0" g="0" b="0"/>
+        </a:fillRef>
+        <a:effectRef idx="0">
+          <a:scrgbClr r="0" g="0" b="0"/>
+        </a:effectRef>
+        <a:fontRef idx="minor">
+          <a:schemeClr val="lt1"/>
+        </a:fontRef>
+      </dsp:style>
+      <dsp:txBody>
+        <a:bodyPr spcFirstLastPara="0" vert="horz" wrap="square" lIns="72390" tIns="72390" rIns="72390" bIns="72390" numCol="1" spcCol="1270" anchor="ctr" anchorCtr="0">
+          <a:noAutofit/>
+        </a:bodyPr>
+        <a:lstStyle/>
+        <a:p>
+          <a:pPr marL="0" lvl="0" indent="0" algn="l" defTabSz="844550">
+            <a:lnSpc>
+              <a:spcPct val="90000"/>
+            </a:lnSpc>
+            <a:spcBef>
+              <a:spcPct val="0"/>
+            </a:spcBef>
+            <a:spcAft>
+              <a:spcPct val="35000"/>
+            </a:spcAft>
+            <a:buNone/>
+          </a:pPr>
+          <a:r>
+            <a:rPr lang="it-IT" sz="1900" kern="1200"/>
+            <a:t>Work done in ILASP shows clearly a fact: time complexity doesn’t scale well with respect to search space dimension.</a:t>
+          </a:r>
+          <a:endParaRPr lang="en-US" sz="1900" kern="1200"/>
+        </a:p>
+      </dsp:txBody>
+      <dsp:txXfrm>
+        <a:off x="79643" y="208707"/>
+        <a:ext cx="5830849" cy="1472209"/>
+      </dsp:txXfrm>
+    </dsp:sp>
+    <dsp:sp modelId="{F431AD32-C33A-412B-9CC7-89AF17BA271E}">
+      <dsp:nvSpPr>
+        <dsp:cNvPr id="0" name=""/>
+        <dsp:cNvSpPr/>
+      </dsp:nvSpPr>
+      <dsp:spPr>
+        <a:xfrm>
+          <a:off x="0" y="1815279"/>
+          <a:ext cx="5990135" cy="1631495"/>
+        </a:xfrm>
+        <a:prstGeom prst="roundRect">
+          <a:avLst/>
+        </a:prstGeom>
+        <a:solidFill>
+          <a:schemeClr val="accent5">
+            <a:hueOff val="-9534578"/>
+            <a:satOff val="2515"/>
+            <a:lumOff val="1275"/>
+            <a:alphaOff val="0"/>
+          </a:schemeClr>
+        </a:solidFill>
+        <a:ln w="13970" cap="flat" cmpd="sng" algn="ctr">
+          <a:solidFill>
+            <a:schemeClr val="lt1">
+              <a:hueOff val="0"/>
+              <a:satOff val="0"/>
+              <a:lumOff val="0"/>
+              <a:alphaOff val="0"/>
+            </a:schemeClr>
+          </a:solidFill>
+          <a:prstDash val="solid"/>
+        </a:ln>
+        <a:effectLst/>
+      </dsp:spPr>
+      <dsp:style>
+        <a:lnRef idx="2">
+          <a:scrgbClr r="0" g="0" b="0"/>
+        </a:lnRef>
+        <a:fillRef idx="1">
+          <a:scrgbClr r="0" g="0" b="0"/>
+        </a:fillRef>
+        <a:effectRef idx="0">
+          <a:scrgbClr r="0" g="0" b="0"/>
+        </a:effectRef>
+        <a:fontRef idx="minor">
+          <a:schemeClr val="lt1"/>
+        </a:fontRef>
+      </dsp:style>
+      <dsp:txBody>
+        <a:bodyPr spcFirstLastPara="0" vert="horz" wrap="square" lIns="72390" tIns="72390" rIns="72390" bIns="72390" numCol="1" spcCol="1270" anchor="ctr" anchorCtr="0">
+          <a:noAutofit/>
+        </a:bodyPr>
+        <a:lstStyle/>
+        <a:p>
+          <a:pPr marL="0" lvl="0" indent="0" algn="l" defTabSz="844550">
+            <a:lnSpc>
+              <a:spcPct val="90000"/>
+            </a:lnSpc>
+            <a:spcBef>
+              <a:spcPct val="0"/>
+            </a:spcBef>
+            <a:spcAft>
+              <a:spcPct val="35000"/>
+            </a:spcAft>
+            <a:buNone/>
+          </a:pPr>
+          <a:r>
+            <a:rPr lang="it-IT" sz="1900" kern="1200" dirty="0" err="1"/>
+            <a:t>Trying</a:t>
+          </a:r>
+          <a:r>
+            <a:rPr lang="it-IT" sz="1900" kern="1200" dirty="0"/>
+            <a:t> to do the 2 </a:t>
+          </a:r>
+          <a:r>
+            <a:rPr lang="it-IT" sz="1900" kern="1200" dirty="0" err="1"/>
+            <a:t>previous</a:t>
+          </a:r>
+          <a:r>
+            <a:rPr lang="it-IT" sz="1900" kern="1200" dirty="0"/>
+            <a:t> tasks </a:t>
+          </a:r>
+          <a:r>
+            <a:rPr lang="it-IT" sz="1900" kern="1200" dirty="0" err="1"/>
+            <a:t>both</a:t>
+          </a:r>
+          <a:r>
+            <a:rPr lang="it-IT" sz="1900" kern="1200" dirty="0"/>
+            <a:t> on the </a:t>
+          </a:r>
+          <a:r>
+            <a:rPr lang="it-IT" sz="1900" kern="1200" dirty="0" err="1"/>
+            <a:t>same</a:t>
+          </a:r>
+          <a:r>
+            <a:rPr lang="it-IT" sz="1900" kern="1200" dirty="0"/>
+            <a:t> script </a:t>
+          </a:r>
+          <a:r>
+            <a:rPr lang="it-IT" sz="1900" kern="1200" dirty="0" err="1"/>
+            <a:t>was</a:t>
+          </a:r>
+          <a:r>
+            <a:rPr lang="it-IT" sz="1900" kern="1200" dirty="0"/>
+            <a:t> </a:t>
+          </a:r>
+          <a:r>
+            <a:rPr lang="it-IT" sz="1900" kern="1200" dirty="0" err="1"/>
+            <a:t>not</a:t>
+          </a:r>
+          <a:r>
+            <a:rPr lang="it-IT" sz="1900" kern="1200" dirty="0"/>
+            <a:t> </a:t>
+          </a:r>
+          <a:r>
+            <a:rPr lang="it-IT" sz="1900" kern="1200" dirty="0" err="1"/>
+            <a:t>feasible</a:t>
+          </a:r>
+          <a:r>
+            <a:rPr lang="it-IT" sz="1900" kern="1200" dirty="0"/>
+            <a:t>: the </a:t>
+          </a:r>
+          <a:r>
+            <a:rPr lang="it-IT" sz="1900" kern="1200" dirty="0" err="1"/>
+            <a:t>search</a:t>
+          </a:r>
+          <a:r>
+            <a:rPr lang="it-IT" sz="1900" kern="1200" dirty="0"/>
+            <a:t> </a:t>
+          </a:r>
+          <a:r>
+            <a:rPr lang="it-IT" sz="1900" kern="1200" dirty="0" err="1"/>
+            <a:t>space</a:t>
+          </a:r>
+          <a:r>
+            <a:rPr lang="it-IT" sz="1900" kern="1200" dirty="0"/>
+            <a:t> </a:t>
+          </a:r>
+          <a:r>
+            <a:rPr lang="it-IT" sz="1900" kern="1200" dirty="0" err="1"/>
+            <a:t>was</a:t>
+          </a:r>
+          <a:r>
+            <a:rPr lang="it-IT" sz="1900" kern="1200" dirty="0"/>
+            <a:t> </a:t>
+          </a:r>
+          <a:r>
+            <a:rPr lang="it-IT" sz="1900" kern="1200" dirty="0" err="1"/>
+            <a:t>too</a:t>
+          </a:r>
+          <a:r>
+            <a:rPr lang="it-IT" sz="1900" kern="1200" dirty="0"/>
+            <a:t> big, </a:t>
+          </a:r>
+          <a:r>
+            <a:rPr lang="it-IT" sz="1900" kern="1200" dirty="0" err="1"/>
+            <a:t>but</a:t>
+          </a:r>
+          <a:r>
+            <a:rPr lang="it-IT" sz="1900" kern="1200" dirty="0"/>
+            <a:t> </a:t>
+          </a:r>
+          <a:r>
+            <a:rPr lang="it-IT" sz="1900" kern="1200" dirty="0" err="1"/>
+            <a:t>actually</a:t>
+          </a:r>
+          <a:r>
+            <a:rPr lang="it-IT" sz="1900" kern="1200" dirty="0"/>
+            <a:t> the second task «just» </a:t>
+          </a:r>
+          <a:r>
+            <a:rPr lang="it-IT" sz="1900" kern="1200" dirty="0" err="1"/>
+            <a:t>got</a:t>
+          </a:r>
+          <a:r>
+            <a:rPr lang="it-IT" sz="1900" kern="1200" dirty="0"/>
+            <a:t> 1 more predicate (</a:t>
+          </a:r>
+          <a:r>
+            <a:rPr lang="it-IT" sz="1900" kern="1200" dirty="0" err="1"/>
+            <a:t>obstacle</a:t>
+          </a:r>
+          <a:r>
+            <a:rPr lang="it-IT" sz="1900" kern="1200" dirty="0"/>
+            <a:t>)!</a:t>
+          </a:r>
+          <a:endParaRPr lang="en-US" sz="1900" kern="1200" dirty="0"/>
+        </a:p>
+      </dsp:txBody>
+      <dsp:txXfrm>
+        <a:off x="79643" y="1894922"/>
+        <a:ext cx="5830849" cy="1472209"/>
+      </dsp:txXfrm>
+    </dsp:sp>
+    <dsp:sp modelId="{683F79BC-C8CF-486A-B086-86ABC46432B3}">
+      <dsp:nvSpPr>
+        <dsp:cNvPr id="0" name=""/>
+        <dsp:cNvSpPr/>
+      </dsp:nvSpPr>
+      <dsp:spPr>
+        <a:xfrm>
+          <a:off x="0" y="3501494"/>
+          <a:ext cx="5990135" cy="1631495"/>
+        </a:xfrm>
+        <a:prstGeom prst="roundRect">
+          <a:avLst/>
+        </a:prstGeom>
+        <a:solidFill>
+          <a:schemeClr val="accent5">
+            <a:hueOff val="-19069156"/>
+            <a:satOff val="5029"/>
+            <a:lumOff val="2549"/>
+            <a:alphaOff val="0"/>
+          </a:schemeClr>
+        </a:solidFill>
+        <a:ln w="13970" cap="flat" cmpd="sng" algn="ctr">
+          <a:solidFill>
+            <a:schemeClr val="lt1">
+              <a:hueOff val="0"/>
+              <a:satOff val="0"/>
+              <a:lumOff val="0"/>
+              <a:alphaOff val="0"/>
+            </a:schemeClr>
+          </a:solidFill>
+          <a:prstDash val="solid"/>
+        </a:ln>
+        <a:effectLst/>
+      </dsp:spPr>
+      <dsp:style>
+        <a:lnRef idx="2">
+          <a:scrgbClr r="0" g="0" b="0"/>
+        </a:lnRef>
+        <a:fillRef idx="1">
+          <a:scrgbClr r="0" g="0" b="0"/>
+        </a:fillRef>
+        <a:effectRef idx="0">
+          <a:scrgbClr r="0" g="0" b="0"/>
+        </a:effectRef>
+        <a:fontRef idx="minor">
+          <a:schemeClr val="lt1"/>
+        </a:fontRef>
+      </dsp:style>
+      <dsp:txBody>
+        <a:bodyPr spcFirstLastPara="0" vert="horz" wrap="square" lIns="72390" tIns="72390" rIns="72390" bIns="72390" numCol="1" spcCol="1270" anchor="ctr" anchorCtr="0">
+          <a:noAutofit/>
+        </a:bodyPr>
+        <a:lstStyle/>
+        <a:p>
+          <a:pPr marL="0" lvl="0" indent="0" algn="l" defTabSz="844550">
+            <a:lnSpc>
+              <a:spcPct val="90000"/>
+            </a:lnSpc>
+            <a:spcBef>
+              <a:spcPct val="0"/>
+            </a:spcBef>
+            <a:spcAft>
+              <a:spcPct val="35000"/>
+            </a:spcAft>
+            <a:buNone/>
+          </a:pPr>
+          <a:r>
+            <a:rPr lang="it-IT" sz="1900" kern="1200"/>
+            <a:t>ILASP got an option to show the search space of a task, by using the linux «wc» command it is possible to extract its dimension and later do an analysys of the relation time – search space dimension</a:t>
+          </a:r>
+          <a:endParaRPr lang="en-US" sz="1900" kern="1200"/>
+        </a:p>
+      </dsp:txBody>
+      <dsp:txXfrm>
+        <a:off x="79643" y="3581137"/>
+        <a:ext cx="5830849" cy="1472209"/>
+      </dsp:txXfrm>
+    </dsp:sp>
+  </dsp:spTree>
+</dsp:drawing>
+</file>
+
 <file path=ppt/diagrams/layout1.xml><?xml version="1.0" encoding="utf-8"?>
 <dgm:layoutDef xmlns:dgm="http://schemas.openxmlformats.org/drawingml/2006/diagram" xmlns:a="http://schemas.openxmlformats.org/drawingml/2006/main" uniqueId="urn:microsoft.com/office/officeart/2018/2/layout/IconLabelList">
   <dgm:title val="Icon Label List"/>
@@ -6685,6 +8144,173 @@
 </dgm:layoutDef>
 </file>
 
+<file path=ppt/diagrams/layout3.xml><?xml version="1.0" encoding="utf-8"?>
+<dgm:layoutDef xmlns:dgm="http://schemas.openxmlformats.org/drawingml/2006/diagram" xmlns:a="http://schemas.openxmlformats.org/drawingml/2006/main" uniqueId="urn:microsoft.com/office/officeart/2005/8/layout/vList2">
+  <dgm:title val=""/>
+  <dgm:desc val=""/>
+  <dgm:catLst>
+    <dgm:cat type="list" pri="3000"/>
+    <dgm:cat type="convert" pri="1000"/>
+  </dgm:catLst>
+  <dgm:sampData>
+    <dgm:dataModel>
+      <dgm:ptLst>
+        <dgm:pt modelId="0" type="doc"/>
+        <dgm:pt modelId="1">
+          <dgm:prSet phldr="1"/>
+        </dgm:pt>
+        <dgm:pt modelId="11">
+          <dgm:prSet phldr="1"/>
+        </dgm:pt>
+        <dgm:pt modelId="2">
+          <dgm:prSet phldr="1"/>
+        </dgm:pt>
+        <dgm:pt modelId="21">
+          <dgm:prSet phldr="1"/>
+        </dgm:pt>
+      </dgm:ptLst>
+      <dgm:cxnLst>
+        <dgm:cxn modelId="4" srcId="0" destId="1" srcOrd="0" destOrd="0"/>
+        <dgm:cxn modelId="5" srcId="0" destId="2" srcOrd="1" destOrd="0"/>
+        <dgm:cxn modelId="12" srcId="1" destId="11" srcOrd="0" destOrd="0"/>
+        <dgm:cxn modelId="23" srcId="2" destId="21" srcOrd="0" destOrd="0"/>
+      </dgm:cxnLst>
+      <dgm:bg/>
+      <dgm:whole/>
+    </dgm:dataModel>
+  </dgm:sampData>
+  <dgm:styleData>
+    <dgm:dataModel>
+      <dgm:ptLst>
+        <dgm:pt modelId="0" type="doc"/>
+        <dgm:pt modelId="1"/>
+        <dgm:pt modelId="2"/>
+      </dgm:ptLst>
+      <dgm:cxnLst>
+        <dgm:cxn modelId="3" srcId="0" destId="1" srcOrd="0" destOrd="0"/>
+        <dgm:cxn modelId="4" srcId="0" destId="2" srcOrd="1" destOrd="0"/>
+      </dgm:cxnLst>
+      <dgm:bg/>
+      <dgm:whole/>
+    </dgm:dataModel>
+  </dgm:styleData>
+  <dgm:clrData>
+    <dgm:dataModel>
+      <dgm:ptLst>
+        <dgm:pt modelId="0" type="doc"/>
+        <dgm:pt modelId="1"/>
+        <dgm:pt modelId="2"/>
+        <dgm:pt modelId="3"/>
+        <dgm:pt modelId="4"/>
+      </dgm:ptLst>
+      <dgm:cxnLst>
+        <dgm:cxn modelId="5" srcId="0" destId="1" srcOrd="0" destOrd="0"/>
+        <dgm:cxn modelId="6" srcId="0" destId="2" srcOrd="1" destOrd="0"/>
+        <dgm:cxn modelId="7" srcId="0" destId="3" srcOrd="2" destOrd="0"/>
+        <dgm:cxn modelId="8" srcId="0" destId="4" srcOrd="3" destOrd="0"/>
+      </dgm:cxnLst>
+      <dgm:bg/>
+      <dgm:whole/>
+    </dgm:dataModel>
+  </dgm:clrData>
+  <dgm:layoutNode name="linear">
+    <dgm:varLst>
+      <dgm:animLvl val="lvl"/>
+      <dgm:resizeHandles val="exact"/>
+    </dgm:varLst>
+    <dgm:alg type="lin">
+      <dgm:param type="linDir" val="fromT"/>
+      <dgm:param type="vertAlign" val="mid"/>
+    </dgm:alg>
+    <dgm:shape xmlns:r="http://schemas.openxmlformats.org/officeDocument/2006/relationships" r:blip="">
+      <dgm:adjLst/>
+    </dgm:shape>
+    <dgm:presOf/>
+    <dgm:constrLst>
+      <dgm:constr type="w" for="ch" forName="parentText" refType="w"/>
+      <dgm:constr type="h" for="ch" forName="parentText" refType="primFontSz" refFor="ch" refForName="parentText" fact="0.52"/>
+      <dgm:constr type="w" for="ch" forName="childText" refType="w"/>
+      <dgm:constr type="h" for="ch" forName="childText" refType="primFontSz" refFor="ch" refForName="parentText" fact="0.46"/>
+      <dgm:constr type="h" for="ch" forName="parentText" op="equ"/>
+      <dgm:constr type="primFontSz" for="ch" forName="parentText" op="equ" val="65"/>
+      <dgm:constr type="primFontSz" for="ch" forName="childText" refType="primFontSz" refFor="ch" refForName="parentText" op="equ"/>
+      <dgm:constr type="h" for="ch" forName="spacer" refType="primFontSz" refFor="ch" refForName="parentText" fact="0.08"/>
+    </dgm:constrLst>
+    <dgm:ruleLst>
+      <dgm:rule type="primFontSz" for="ch" forName="parentText" val="5" fact="NaN" max="NaN"/>
+    </dgm:ruleLst>
+    <dgm:forEach name="Name0" axis="ch" ptType="node">
+      <dgm:layoutNode name="parentText" styleLbl="node1">
+        <dgm:varLst>
+          <dgm:chMax val="0"/>
+          <dgm:bulletEnabled val="1"/>
+        </dgm:varLst>
+        <dgm:alg type="tx">
+          <dgm:param type="parTxLTRAlign" val="l"/>
+          <dgm:param type="parTxRTLAlign" val="r"/>
+        </dgm:alg>
+        <dgm:shape xmlns:r="http://schemas.openxmlformats.org/officeDocument/2006/relationships" type="roundRect" r:blip="">
+          <dgm:adjLst/>
+        </dgm:shape>
+        <dgm:presOf axis="self"/>
+        <dgm:constrLst>
+          <dgm:constr type="tMarg" refType="primFontSz" fact="0.3"/>
+          <dgm:constr type="bMarg" refType="primFontSz" fact="0.3"/>
+          <dgm:constr type="lMarg" refType="primFontSz" fact="0.3"/>
+          <dgm:constr type="rMarg" refType="primFontSz" fact="0.3"/>
+        </dgm:constrLst>
+        <dgm:ruleLst>
+          <dgm:rule type="h" val="INF" fact="NaN" max="NaN"/>
+        </dgm:ruleLst>
+      </dgm:layoutNode>
+      <dgm:choose name="Name1">
+        <dgm:if name="Name2" axis="ch" ptType="node" func="cnt" op="gte" val="1">
+          <dgm:layoutNode name="childText" styleLbl="revTx">
+            <dgm:varLst>
+              <dgm:bulletEnabled val="1"/>
+            </dgm:varLst>
+            <dgm:alg type="tx">
+              <dgm:param type="stBulletLvl" val="1"/>
+              <dgm:param type="lnSpAfChP" val="20"/>
+            </dgm:alg>
+            <dgm:shape xmlns:r="http://schemas.openxmlformats.org/officeDocument/2006/relationships" type="rect" r:blip="">
+              <dgm:adjLst/>
+            </dgm:shape>
+            <dgm:presOf axis="des" ptType="node"/>
+            <dgm:constrLst>
+              <dgm:constr type="tMarg" refType="primFontSz" fact="0.1"/>
+              <dgm:constr type="bMarg" refType="primFontSz" fact="0.1"/>
+              <dgm:constr type="lMarg" refType="w" fact="0.09"/>
+            </dgm:constrLst>
+            <dgm:ruleLst>
+              <dgm:rule type="h" val="INF" fact="NaN" max="NaN"/>
+            </dgm:ruleLst>
+          </dgm:layoutNode>
+        </dgm:if>
+        <dgm:else name="Name3">
+          <dgm:choose name="Name4">
+            <dgm:if name="Name5" axis="par ch" ptType="doc node" func="cnt" op="gte" val="2">
+              <dgm:forEach name="Name6" axis="followSib" ptType="sibTrans" cnt="1">
+                <dgm:layoutNode name="spacer">
+                  <dgm:alg type="sp"/>
+                  <dgm:shape xmlns:r="http://schemas.openxmlformats.org/officeDocument/2006/relationships" r:blip="">
+                    <dgm:adjLst/>
+                  </dgm:shape>
+                  <dgm:presOf/>
+                  <dgm:constrLst/>
+                  <dgm:ruleLst/>
+                </dgm:layoutNode>
+              </dgm:forEach>
+            </dgm:if>
+            <dgm:else name="Name7"/>
+          </dgm:choose>
+        </dgm:else>
+      </dgm:choose>
+    </dgm:forEach>
+  </dgm:layoutNode>
+</dgm:layoutDef>
+</file>
+
 <file path=ppt/diagrams/quickStyle1.xml><?xml version="1.0" encoding="utf-8"?>
 <dgm:styleDef xmlns:dgm="http://schemas.openxmlformats.org/drawingml/2006/diagram" xmlns:a="http://schemas.openxmlformats.org/drawingml/2006/main" uniqueId="urn:microsoft.com/office/officeart/2005/8/quickstyle/simple1">
   <dgm:title val=""/>
@@ -7720,6 +9346,1040 @@
 </file>
 
 <file path=ppt/diagrams/quickStyle2.xml><?xml version="1.0" encoding="utf-8"?>
+<dgm:styleDef xmlns:dgm="http://schemas.openxmlformats.org/drawingml/2006/diagram" xmlns:a="http://schemas.openxmlformats.org/drawingml/2006/main" uniqueId="urn:microsoft.com/office/officeart/2005/8/quickstyle/simple1">
+  <dgm:title val=""/>
+  <dgm:desc val=""/>
+  <dgm:catLst>
+    <dgm:cat type="simple" pri="10100"/>
+  </dgm:catLst>
+  <dgm:scene3d>
+    <a:camera prst="orthographicFront"/>
+    <a:lightRig rig="threePt" dir="t"/>
+  </dgm:scene3d>
+  <dgm:styleLbl name="node0">
+    <dgm:scene3d>
+      <a:camera prst="orthographicFront"/>
+      <a:lightRig rig="threePt" dir="t"/>
+    </dgm:scene3d>
+    <dgm:sp3d/>
+    <dgm:txPr/>
+    <dgm:style>
+      <a:lnRef idx="2">
+        <a:scrgbClr r="0" g="0" b="0"/>
+      </a:lnRef>
+      <a:fillRef idx="1">
+        <a:scrgbClr r="0" g="0" b="0"/>
+      </a:fillRef>
+      <a:effectRef idx="0">
+        <a:scrgbClr r="0" g="0" b="0"/>
+      </a:effectRef>
+      <a:fontRef idx="minor">
+        <a:schemeClr val="lt1"/>
+      </a:fontRef>
+    </dgm:style>
+  </dgm:styleLbl>
+  <dgm:styleLbl name="lnNode1">
+    <dgm:scene3d>
+      <a:camera prst="orthographicFront"/>
+      <a:lightRig rig="threePt" dir="t"/>
+    </dgm:scene3d>
+    <dgm:sp3d/>
+    <dgm:txPr/>
+    <dgm:style>
+      <a:lnRef idx="2">
+        <a:scrgbClr r="0" g="0" b="0"/>
+      </a:lnRef>
+      <a:fillRef idx="1">
+        <a:scrgbClr r="0" g="0" b="0"/>
+      </a:fillRef>
+      <a:effectRef idx="0">
+        <a:scrgbClr r="0" g="0" b="0"/>
+      </a:effectRef>
+      <a:fontRef idx="minor">
+        <a:schemeClr val="lt1"/>
+      </a:fontRef>
+    </dgm:style>
+  </dgm:styleLbl>
+  <dgm:styleLbl name="vennNode1">
+    <dgm:scene3d>
+      <a:camera prst="orthographicFront"/>
+      <a:lightRig rig="threePt" dir="t"/>
+    </dgm:scene3d>
+    <dgm:sp3d/>
+    <dgm:txPr/>
+    <dgm:style>
+      <a:lnRef idx="2">
+        <a:scrgbClr r="0" g="0" b="0"/>
+      </a:lnRef>
+      <a:fillRef idx="1">
+        <a:scrgbClr r="0" g="0" b="0"/>
+      </a:fillRef>
+      <a:effectRef idx="0">
+        <a:scrgbClr r="0" g="0" b="0"/>
+      </a:effectRef>
+      <a:fontRef idx="minor">
+        <a:schemeClr val="tx1"/>
+      </a:fontRef>
+    </dgm:style>
+  </dgm:styleLbl>
+  <dgm:styleLbl name="alignNode1">
+    <dgm:scene3d>
+      <a:camera prst="orthographicFront"/>
+      <a:lightRig rig="threePt" dir="t"/>
+    </dgm:scene3d>
+    <dgm:sp3d/>
+    <dgm:txPr/>
+    <dgm:style>
+      <a:lnRef idx="2">
+        <a:scrgbClr r="0" g="0" b="0"/>
+      </a:lnRef>
+      <a:fillRef idx="1">
+        <a:scrgbClr r="0" g="0" b="0"/>
+      </a:fillRef>
+      <a:effectRef idx="0">
+        <a:scrgbClr r="0" g="0" b="0"/>
+      </a:effectRef>
+      <a:fontRef idx="minor">
+        <a:schemeClr val="lt1"/>
+      </a:fontRef>
+    </dgm:style>
+  </dgm:styleLbl>
+  <dgm:styleLbl name="node1">
+    <dgm:scene3d>
+      <a:camera prst="orthographicFront"/>
+      <a:lightRig rig="threePt" dir="t"/>
+    </dgm:scene3d>
+    <dgm:sp3d/>
+    <dgm:txPr/>
+    <dgm:style>
+      <a:lnRef idx="2">
+        <a:scrgbClr r="0" g="0" b="0"/>
+      </a:lnRef>
+      <a:fillRef idx="1">
+        <a:scrgbClr r="0" g="0" b="0"/>
+      </a:fillRef>
+      <a:effectRef idx="0">
+        <a:scrgbClr r="0" g="0" b="0"/>
+      </a:effectRef>
+      <a:fontRef idx="minor">
+        <a:schemeClr val="lt1"/>
+      </a:fontRef>
+    </dgm:style>
+  </dgm:styleLbl>
+  <dgm:styleLbl name="node2">
+    <dgm:scene3d>
+      <a:camera prst="orthographicFront"/>
+      <a:lightRig rig="threePt" dir="t"/>
+    </dgm:scene3d>
+    <dgm:sp3d/>
+    <dgm:txPr/>
+    <dgm:style>
+      <a:lnRef idx="2">
+        <a:scrgbClr r="0" g="0" b="0"/>
+      </a:lnRef>
+      <a:fillRef idx="1">
+        <a:scrgbClr r="0" g="0" b="0"/>
+      </a:fillRef>
+      <a:effectRef idx="0">
+        <a:scrgbClr r="0" g="0" b="0"/>
+      </a:effectRef>
+      <a:fontRef idx="minor">
+        <a:schemeClr val="lt1"/>
+      </a:fontRef>
+    </dgm:style>
+  </dgm:styleLbl>
+  <dgm:styleLbl name="node3">
+    <dgm:scene3d>
+      <a:camera prst="orthographicFront"/>
+      <a:lightRig rig="threePt" dir="t"/>
+    </dgm:scene3d>
+    <dgm:sp3d/>
+    <dgm:txPr/>
+    <dgm:style>
+      <a:lnRef idx="2">
+        <a:scrgbClr r="0" g="0" b="0"/>
+      </a:lnRef>
+      <a:fillRef idx="1">
+        <a:scrgbClr r="0" g="0" b="0"/>
+      </a:fillRef>
+      <a:effectRef idx="0">
+        <a:scrgbClr r="0" g="0" b="0"/>
+      </a:effectRef>
+      <a:fontRef idx="minor">
+        <a:schemeClr val="lt1"/>
+      </a:fontRef>
+    </dgm:style>
+  </dgm:styleLbl>
+  <dgm:styleLbl name="node4">
+    <dgm:scene3d>
+      <a:camera prst="orthographicFront"/>
+      <a:lightRig rig="threePt" dir="t"/>
+    </dgm:scene3d>
+    <dgm:sp3d/>
+    <dgm:txPr/>
+    <dgm:style>
+      <a:lnRef idx="2">
+        <a:scrgbClr r="0" g="0" b="0"/>
+      </a:lnRef>
+      <a:fillRef idx="1">
+        <a:scrgbClr r="0" g="0" b="0"/>
+      </a:fillRef>
+      <a:effectRef idx="0">
+        <a:scrgbClr r="0" g="0" b="0"/>
+      </a:effectRef>
+      <a:fontRef idx="minor">
+        <a:schemeClr val="lt1"/>
+      </a:fontRef>
+    </dgm:style>
+  </dgm:styleLbl>
+  <dgm:styleLbl name="fgImgPlace1">
+    <dgm:scene3d>
+      <a:camera prst="orthographicFront"/>
+      <a:lightRig rig="threePt" dir="t"/>
+    </dgm:scene3d>
+    <dgm:sp3d/>
+    <dgm:txPr/>
+    <dgm:style>
+      <a:lnRef idx="2">
+        <a:scrgbClr r="0" g="0" b="0"/>
+      </a:lnRef>
+      <a:fillRef idx="1">
+        <a:scrgbClr r="0" g="0" b="0"/>
+      </a:fillRef>
+      <a:effectRef idx="0">
+        <a:scrgbClr r="0" g="0" b="0"/>
+      </a:effectRef>
+      <a:fontRef idx="minor"/>
+    </dgm:style>
+  </dgm:styleLbl>
+  <dgm:styleLbl name="alignImgPlace1">
+    <dgm:scene3d>
+      <a:camera prst="orthographicFront"/>
+      <a:lightRig rig="threePt" dir="t"/>
+    </dgm:scene3d>
+    <dgm:sp3d/>
+    <dgm:txPr/>
+    <dgm:style>
+      <a:lnRef idx="2">
+        <a:scrgbClr r="0" g="0" b="0"/>
+      </a:lnRef>
+      <a:fillRef idx="1">
+        <a:scrgbClr r="0" g="0" b="0"/>
+      </a:fillRef>
+      <a:effectRef idx="0">
+        <a:scrgbClr r="0" g="0" b="0"/>
+      </a:effectRef>
+      <a:fontRef idx="minor"/>
+    </dgm:style>
+  </dgm:styleLbl>
+  <dgm:styleLbl name="bgImgPlace1">
+    <dgm:scene3d>
+      <a:camera prst="orthographicFront"/>
+      <a:lightRig rig="threePt" dir="t"/>
+    </dgm:scene3d>
+    <dgm:sp3d/>
+    <dgm:txPr/>
+    <dgm:style>
+      <a:lnRef idx="2">
+        <a:scrgbClr r="0" g="0" b="0"/>
+      </a:lnRef>
+      <a:fillRef idx="1">
+        <a:scrgbClr r="0" g="0" b="0"/>
+      </a:fillRef>
+      <a:effectRef idx="0">
+        <a:scrgbClr r="0" g="0" b="0"/>
+      </a:effectRef>
+      <a:fontRef idx="minor"/>
+    </dgm:style>
+  </dgm:styleLbl>
+  <dgm:styleLbl name="sibTrans2D1">
+    <dgm:scene3d>
+      <a:camera prst="orthographicFront"/>
+      <a:lightRig rig="threePt" dir="t"/>
+    </dgm:scene3d>
+    <dgm:sp3d/>
+    <dgm:txPr/>
+    <dgm:style>
+      <a:lnRef idx="0">
+        <a:scrgbClr r="0" g="0" b="0"/>
+      </a:lnRef>
+      <a:fillRef idx="1">
+        <a:scrgbClr r="0" g="0" b="0"/>
+      </a:fillRef>
+      <a:effectRef idx="0">
+        <a:scrgbClr r="0" g="0" b="0"/>
+      </a:effectRef>
+      <a:fontRef idx="minor">
+        <a:schemeClr val="lt1"/>
+      </a:fontRef>
+    </dgm:style>
+  </dgm:styleLbl>
+  <dgm:styleLbl name="fgSibTrans2D1">
+    <dgm:scene3d>
+      <a:camera prst="orthographicFront"/>
+      <a:lightRig rig="threePt" dir="t"/>
+    </dgm:scene3d>
+    <dgm:sp3d/>
+    <dgm:txPr/>
+    <dgm:style>
+      <a:lnRef idx="0">
+        <a:scrgbClr r="0" g="0" b="0"/>
+      </a:lnRef>
+      <a:fillRef idx="1">
+        <a:scrgbClr r="0" g="0" b="0"/>
+      </a:fillRef>
+      <a:effectRef idx="0">
+        <a:scrgbClr r="0" g="0" b="0"/>
+      </a:effectRef>
+      <a:fontRef idx="minor">
+        <a:schemeClr val="lt1"/>
+      </a:fontRef>
+    </dgm:style>
+  </dgm:styleLbl>
+  <dgm:styleLbl name="bgSibTrans2D1">
+    <dgm:scene3d>
+      <a:camera prst="orthographicFront"/>
+      <a:lightRig rig="threePt" dir="t"/>
+    </dgm:scene3d>
+    <dgm:sp3d/>
+    <dgm:txPr/>
+    <dgm:style>
+      <a:lnRef idx="0">
+        <a:scrgbClr r="0" g="0" b="0"/>
+      </a:lnRef>
+      <a:fillRef idx="1">
+        <a:scrgbClr r="0" g="0" b="0"/>
+      </a:fillRef>
+      <a:effectRef idx="0">
+        <a:scrgbClr r="0" g="0" b="0"/>
+      </a:effectRef>
+      <a:fontRef idx="minor">
+        <a:schemeClr val="lt1"/>
+      </a:fontRef>
+    </dgm:style>
+  </dgm:styleLbl>
+  <dgm:styleLbl name="sibTrans1D1">
+    <dgm:scene3d>
+      <a:camera prst="orthographicFront"/>
+      <a:lightRig rig="threePt" dir="t"/>
+    </dgm:scene3d>
+    <dgm:sp3d/>
+    <dgm:txPr/>
+    <dgm:style>
+      <a:lnRef idx="1">
+        <a:scrgbClr r="0" g="0" b="0"/>
+      </a:lnRef>
+      <a:fillRef idx="0">
+        <a:scrgbClr r="0" g="0" b="0"/>
+      </a:fillRef>
+      <a:effectRef idx="0">
+        <a:scrgbClr r="0" g="0" b="0"/>
+      </a:effectRef>
+      <a:fontRef idx="minor"/>
+    </dgm:style>
+  </dgm:styleLbl>
+  <dgm:styleLbl name="callout">
+    <dgm:scene3d>
+      <a:camera prst="orthographicFront"/>
+      <a:lightRig rig="threePt" dir="t"/>
+    </dgm:scene3d>
+    <dgm:sp3d/>
+    <dgm:txPr/>
+    <dgm:style>
+      <a:lnRef idx="2">
+        <a:scrgbClr r="0" g="0" b="0"/>
+      </a:lnRef>
+      <a:fillRef idx="1">
+        <a:scrgbClr r="0" g="0" b="0"/>
+      </a:fillRef>
+      <a:effectRef idx="0">
+        <a:scrgbClr r="0" g="0" b="0"/>
+      </a:effectRef>
+      <a:fontRef idx="minor"/>
+    </dgm:style>
+  </dgm:styleLbl>
+  <dgm:styleLbl name="asst0">
+    <dgm:scene3d>
+      <a:camera prst="orthographicFront"/>
+      <a:lightRig rig="threePt" dir="t"/>
+    </dgm:scene3d>
+    <dgm:sp3d/>
+    <dgm:txPr/>
+    <dgm:style>
+      <a:lnRef idx="2">
+        <a:scrgbClr r="0" g="0" b="0"/>
+      </a:lnRef>
+      <a:fillRef idx="1">
+        <a:scrgbClr r="0" g="0" b="0"/>
+      </a:fillRef>
+      <a:effectRef idx="0">
+        <a:scrgbClr r="0" g="0" b="0"/>
+      </a:effectRef>
+      <a:fontRef idx="minor">
+        <a:schemeClr val="lt1"/>
+      </a:fontRef>
+    </dgm:style>
+  </dgm:styleLbl>
+  <dgm:styleLbl name="asst1">
+    <dgm:scene3d>
+      <a:camera prst="orthographicFront"/>
+      <a:lightRig rig="threePt" dir="t"/>
+    </dgm:scene3d>
+    <dgm:sp3d/>
+    <dgm:txPr/>
+    <dgm:style>
+      <a:lnRef idx="2">
+        <a:scrgbClr r="0" g="0" b="0"/>
+      </a:lnRef>
+      <a:fillRef idx="1">
+        <a:scrgbClr r="0" g="0" b="0"/>
+      </a:fillRef>
+      <a:effectRef idx="0">
+        <a:scrgbClr r="0" g="0" b="0"/>
+      </a:effectRef>
+      <a:fontRef idx="minor">
+        <a:schemeClr val="lt1"/>
+      </a:fontRef>
+    </dgm:style>
+  </dgm:styleLbl>
+  <dgm:styleLbl name="asst2">
+    <dgm:scene3d>
+      <a:camera prst="orthographicFront"/>
+      <a:lightRig rig="threePt" dir="t"/>
+    </dgm:scene3d>
+    <dgm:sp3d/>
+    <dgm:txPr/>
+    <dgm:style>
+      <a:lnRef idx="2">
+        <a:scrgbClr r="0" g="0" b="0"/>
+      </a:lnRef>
+      <a:fillRef idx="1">
+        <a:scrgbClr r="0" g="0" b="0"/>
+      </a:fillRef>
+      <a:effectRef idx="0">
+        <a:scrgbClr r="0" g="0" b="0"/>
+      </a:effectRef>
+      <a:fontRef idx="minor">
+        <a:schemeClr val="lt1"/>
+      </a:fontRef>
+    </dgm:style>
+  </dgm:styleLbl>
+  <dgm:styleLbl name="asst3">
+    <dgm:scene3d>
+      <a:camera prst="orthographicFront"/>
+      <a:lightRig rig="threePt" dir="t"/>
+    </dgm:scene3d>
+    <dgm:sp3d/>
+    <dgm:txPr/>
+    <dgm:style>
+      <a:lnRef idx="2">
+        <a:scrgbClr r="0" g="0" b="0"/>
+      </a:lnRef>
+      <a:fillRef idx="1">
+        <a:scrgbClr r="0" g="0" b="0"/>
+      </a:fillRef>
+      <a:effectRef idx="0">
+        <a:scrgbClr r="0" g="0" b="0"/>
+      </a:effectRef>
+      <a:fontRef idx="minor">
+        <a:schemeClr val="lt1"/>
+      </a:fontRef>
+    </dgm:style>
+  </dgm:styleLbl>
+  <dgm:styleLbl name="asst4">
+    <dgm:scene3d>
+      <a:camera prst="orthographicFront"/>
+      <a:lightRig rig="threePt" dir="t"/>
+    </dgm:scene3d>
+    <dgm:sp3d/>
+    <dgm:txPr/>
+    <dgm:style>
+      <a:lnRef idx="2">
+        <a:scrgbClr r="0" g="0" b="0"/>
+      </a:lnRef>
+      <a:fillRef idx="1">
+        <a:scrgbClr r="0" g="0" b="0"/>
+      </a:fillRef>
+      <a:effectRef idx="0">
+        <a:scrgbClr r="0" g="0" b="0"/>
+      </a:effectRef>
+      <a:fontRef idx="minor">
+        <a:schemeClr val="lt1"/>
+      </a:fontRef>
+    </dgm:style>
+  </dgm:styleLbl>
+  <dgm:styleLbl name="parChTrans2D1">
+    <dgm:scene3d>
+      <a:camera prst="orthographicFront"/>
+      <a:lightRig rig="threePt" dir="t"/>
+    </dgm:scene3d>
+    <dgm:sp3d/>
+    <dgm:txPr/>
+    <dgm:style>
+      <a:lnRef idx="2">
+        <a:scrgbClr r="0" g="0" b="0"/>
+      </a:lnRef>
+      <a:fillRef idx="1">
+        <a:scrgbClr r="0" g="0" b="0"/>
+      </a:fillRef>
+      <a:effectRef idx="0">
+        <a:scrgbClr r="0" g="0" b="0"/>
+      </a:effectRef>
+      <a:fontRef idx="minor">
+        <a:schemeClr val="lt1"/>
+      </a:fontRef>
+    </dgm:style>
+  </dgm:styleLbl>
+  <dgm:styleLbl name="parChTrans2D2">
+    <dgm:scene3d>
+      <a:camera prst="orthographicFront"/>
+      <a:lightRig rig="threePt" dir="t"/>
+    </dgm:scene3d>
+    <dgm:sp3d/>
+    <dgm:txPr/>
+    <dgm:style>
+      <a:lnRef idx="2">
+        <a:scrgbClr r="0" g="0" b="0"/>
+      </a:lnRef>
+      <a:fillRef idx="1">
+        <a:scrgbClr r="0" g="0" b="0"/>
+      </a:fillRef>
+      <a:effectRef idx="0">
+        <a:scrgbClr r="0" g="0" b="0"/>
+      </a:effectRef>
+      <a:fontRef idx="minor">
+        <a:schemeClr val="lt1"/>
+      </a:fontRef>
+    </dgm:style>
+  </dgm:styleLbl>
+  <dgm:styleLbl name="parChTrans2D3">
+    <dgm:scene3d>
+      <a:camera prst="orthographicFront"/>
+      <a:lightRig rig="threePt" dir="t"/>
+    </dgm:scene3d>
+    <dgm:sp3d/>
+    <dgm:txPr/>
+    <dgm:style>
+      <a:lnRef idx="2">
+        <a:scrgbClr r="0" g="0" b="0"/>
+      </a:lnRef>
+      <a:fillRef idx="1">
+        <a:scrgbClr r="0" g="0" b="0"/>
+      </a:fillRef>
+      <a:effectRef idx="0">
+        <a:scrgbClr r="0" g="0" b="0"/>
+      </a:effectRef>
+      <a:fontRef idx="minor">
+        <a:schemeClr val="lt1"/>
+      </a:fontRef>
+    </dgm:style>
+  </dgm:styleLbl>
+  <dgm:styleLbl name="parChTrans2D4">
+    <dgm:scene3d>
+      <a:camera prst="orthographicFront"/>
+      <a:lightRig rig="threePt" dir="t"/>
+    </dgm:scene3d>
+    <dgm:sp3d/>
+    <dgm:txPr/>
+    <dgm:style>
+      <a:lnRef idx="2">
+        <a:scrgbClr r="0" g="0" b="0"/>
+      </a:lnRef>
+      <a:fillRef idx="1">
+        <a:scrgbClr r="0" g="0" b="0"/>
+      </a:fillRef>
+      <a:effectRef idx="0">
+        <a:scrgbClr r="0" g="0" b="0"/>
+      </a:effectRef>
+      <a:fontRef idx="minor">
+        <a:schemeClr val="lt1"/>
+      </a:fontRef>
+    </dgm:style>
+  </dgm:styleLbl>
+  <dgm:styleLbl name="parChTrans1D1">
+    <dgm:scene3d>
+      <a:camera prst="orthographicFront"/>
+      <a:lightRig rig="threePt" dir="t"/>
+    </dgm:scene3d>
+    <dgm:sp3d/>
+    <dgm:txPr/>
+    <dgm:style>
+      <a:lnRef idx="2">
+        <a:scrgbClr r="0" g="0" b="0"/>
+      </a:lnRef>
+      <a:fillRef idx="0">
+        <a:scrgbClr r="0" g="0" b="0"/>
+      </a:fillRef>
+      <a:effectRef idx="0">
+        <a:scrgbClr r="0" g="0" b="0"/>
+      </a:effectRef>
+      <a:fontRef idx="minor"/>
+    </dgm:style>
+  </dgm:styleLbl>
+  <dgm:styleLbl name="parChTrans1D2">
+    <dgm:scene3d>
+      <a:camera prst="orthographicFront"/>
+      <a:lightRig rig="threePt" dir="t"/>
+    </dgm:scene3d>
+    <dgm:sp3d/>
+    <dgm:txPr/>
+    <dgm:style>
+      <a:lnRef idx="2">
+        <a:scrgbClr r="0" g="0" b="0"/>
+      </a:lnRef>
+      <a:fillRef idx="0">
+        <a:scrgbClr r="0" g="0" b="0"/>
+      </a:fillRef>
+      <a:effectRef idx="0">
+        <a:scrgbClr r="0" g="0" b="0"/>
+      </a:effectRef>
+      <a:fontRef idx="minor"/>
+    </dgm:style>
+  </dgm:styleLbl>
+  <dgm:styleLbl name="parChTrans1D3">
+    <dgm:scene3d>
+      <a:camera prst="orthographicFront"/>
+      <a:lightRig rig="threePt" dir="t"/>
+    </dgm:scene3d>
+    <dgm:sp3d/>
+    <dgm:txPr/>
+    <dgm:style>
+      <a:lnRef idx="2">
+        <a:scrgbClr r="0" g="0" b="0"/>
+      </a:lnRef>
+      <a:fillRef idx="0">
+        <a:scrgbClr r="0" g="0" b="0"/>
+      </a:fillRef>
+      <a:effectRef idx="0">
+        <a:scrgbClr r="0" g="0" b="0"/>
+      </a:effectRef>
+      <a:fontRef idx="minor"/>
+    </dgm:style>
+  </dgm:styleLbl>
+  <dgm:styleLbl name="parChTrans1D4">
+    <dgm:scene3d>
+      <a:camera prst="orthographicFront"/>
+      <a:lightRig rig="threePt" dir="t"/>
+    </dgm:scene3d>
+    <dgm:sp3d/>
+    <dgm:txPr/>
+    <dgm:style>
+      <a:lnRef idx="2">
+        <a:scrgbClr r="0" g="0" b="0"/>
+      </a:lnRef>
+      <a:fillRef idx="0">
+        <a:scrgbClr r="0" g="0" b="0"/>
+      </a:fillRef>
+      <a:effectRef idx="0">
+        <a:scrgbClr r="0" g="0" b="0"/>
+      </a:effectRef>
+      <a:fontRef idx="minor"/>
+    </dgm:style>
+  </dgm:styleLbl>
+  <dgm:styleLbl name="fgAcc1">
+    <dgm:scene3d>
+      <a:camera prst="orthographicFront"/>
+      <a:lightRig rig="threePt" dir="t"/>
+    </dgm:scene3d>
+    <dgm:sp3d/>
+    <dgm:txPr/>
+    <dgm:style>
+      <a:lnRef idx="2">
+        <a:scrgbClr r="0" g="0" b="0"/>
+      </a:lnRef>
+      <a:fillRef idx="1">
+        <a:scrgbClr r="0" g="0" b="0"/>
+      </a:fillRef>
+      <a:effectRef idx="0">
+        <a:scrgbClr r="0" g="0" b="0"/>
+      </a:effectRef>
+      <a:fontRef idx="minor"/>
+    </dgm:style>
+  </dgm:styleLbl>
+  <dgm:styleLbl name="conFgAcc1">
+    <dgm:scene3d>
+      <a:camera prst="orthographicFront"/>
+      <a:lightRig rig="threePt" dir="t"/>
+    </dgm:scene3d>
+    <dgm:sp3d/>
+    <dgm:txPr/>
+    <dgm:style>
+      <a:lnRef idx="2">
+        <a:scrgbClr r="0" g="0" b="0"/>
+      </a:lnRef>
+      <a:fillRef idx="1">
+        <a:scrgbClr r="0" g="0" b="0"/>
+      </a:fillRef>
+      <a:effectRef idx="0">
+        <a:scrgbClr r="0" g="0" b="0"/>
+      </a:effectRef>
+      <a:fontRef idx="minor"/>
+    </dgm:style>
+  </dgm:styleLbl>
+  <dgm:styleLbl name="alignAcc1">
+    <dgm:scene3d>
+      <a:camera prst="orthographicFront"/>
+      <a:lightRig rig="threePt" dir="t"/>
+    </dgm:scene3d>
+    <dgm:sp3d/>
+    <dgm:txPr/>
+    <dgm:style>
+      <a:lnRef idx="2">
+        <a:scrgbClr r="0" g="0" b="0"/>
+      </a:lnRef>
+      <a:fillRef idx="1">
+        <a:scrgbClr r="0" g="0" b="0"/>
+      </a:fillRef>
+      <a:effectRef idx="0">
+        <a:scrgbClr r="0" g="0" b="0"/>
+      </a:effectRef>
+      <a:fontRef idx="minor"/>
+    </dgm:style>
+  </dgm:styleLbl>
+  <dgm:styleLbl name="trAlignAcc1">
+    <dgm:scene3d>
+      <a:camera prst="orthographicFront"/>
+      <a:lightRig rig="threePt" dir="t"/>
+    </dgm:scene3d>
+    <dgm:sp3d/>
+    <dgm:txPr/>
+    <dgm:style>
+      <a:lnRef idx="1">
+        <a:scrgbClr r="0" g="0" b="0"/>
+      </a:lnRef>
+      <a:fillRef idx="1">
+        <a:scrgbClr r="0" g="0" b="0"/>
+      </a:fillRef>
+      <a:effectRef idx="0">
+        <a:scrgbClr r="0" g="0" b="0"/>
+      </a:effectRef>
+      <a:fontRef idx="minor"/>
+    </dgm:style>
+  </dgm:styleLbl>
+  <dgm:styleLbl name="bgAcc1">
+    <dgm:scene3d>
+      <a:camera prst="orthographicFront"/>
+      <a:lightRig rig="threePt" dir="t"/>
+    </dgm:scene3d>
+    <dgm:sp3d/>
+    <dgm:txPr/>
+    <dgm:style>
+      <a:lnRef idx="2">
+        <a:scrgbClr r="0" g="0" b="0"/>
+      </a:lnRef>
+      <a:fillRef idx="1">
+        <a:scrgbClr r="0" g="0" b="0"/>
+      </a:fillRef>
+      <a:effectRef idx="0">
+        <a:scrgbClr r="0" g="0" b="0"/>
+      </a:effectRef>
+      <a:fontRef idx="minor"/>
+    </dgm:style>
+  </dgm:styleLbl>
+  <dgm:styleLbl name="solidFgAcc1">
+    <dgm:scene3d>
+      <a:camera prst="orthographicFront"/>
+      <a:lightRig rig="threePt" dir="t"/>
+    </dgm:scene3d>
+    <dgm:sp3d/>
+    <dgm:txPr/>
+    <dgm:style>
+      <a:lnRef idx="2">
+        <a:scrgbClr r="0" g="0" b="0"/>
+      </a:lnRef>
+      <a:fillRef idx="1">
+        <a:scrgbClr r="0" g="0" b="0"/>
+      </a:fillRef>
+      <a:effectRef idx="0">
+        <a:scrgbClr r="0" g="0" b="0"/>
+      </a:effectRef>
+      <a:fontRef idx="minor"/>
+    </dgm:style>
+  </dgm:styleLbl>
+  <dgm:styleLbl name="solidAlignAcc1">
+    <dgm:scene3d>
+      <a:camera prst="orthographicFront"/>
+      <a:lightRig rig="threePt" dir="t"/>
+    </dgm:scene3d>
+    <dgm:sp3d/>
+    <dgm:txPr/>
+    <dgm:style>
+      <a:lnRef idx="2">
+        <a:scrgbClr r="0" g="0" b="0"/>
+      </a:lnRef>
+      <a:fillRef idx="1">
+        <a:scrgbClr r="0" g="0" b="0"/>
+      </a:fillRef>
+      <a:effectRef idx="0">
+        <a:scrgbClr r="0" g="0" b="0"/>
+      </a:effectRef>
+      <a:fontRef idx="minor"/>
+    </dgm:style>
+  </dgm:styleLbl>
+  <dgm:styleLbl name="solidBgAcc1">
+    <dgm:scene3d>
+      <a:camera prst="orthographicFront"/>
+      <a:lightRig rig="threePt" dir="t"/>
+    </dgm:scene3d>
+    <dgm:sp3d/>
+    <dgm:txPr/>
+    <dgm:style>
+      <a:lnRef idx="2">
+        <a:scrgbClr r="0" g="0" b="0"/>
+      </a:lnRef>
+      <a:fillRef idx="1">
+        <a:scrgbClr r="0" g="0" b="0"/>
+      </a:fillRef>
+      <a:effectRef idx="0">
+        <a:scrgbClr r="0" g="0" b="0"/>
+      </a:effectRef>
+      <a:fontRef idx="minor"/>
+    </dgm:style>
+  </dgm:styleLbl>
+  <dgm:styleLbl name="fgAccFollowNode1">
+    <dgm:scene3d>
+      <a:camera prst="orthographicFront"/>
+      <a:lightRig rig="threePt" dir="t"/>
+    </dgm:scene3d>
+    <dgm:sp3d/>
+    <dgm:txPr/>
+    <dgm:style>
+      <a:lnRef idx="2">
+        <a:scrgbClr r="0" g="0" b="0"/>
+      </a:lnRef>
+      <a:fillRef idx="1">
+        <a:scrgbClr r="0" g="0" b="0"/>
+      </a:fillRef>
+      <a:effectRef idx="0">
+        <a:scrgbClr r="0" g="0" b="0"/>
+      </a:effectRef>
+      <a:fontRef idx="minor"/>
+    </dgm:style>
+  </dgm:styleLbl>
+  <dgm:styleLbl name="alignAccFollowNode1">
+    <dgm:scene3d>
+      <a:camera prst="orthographicFront"/>
+      <a:lightRig rig="threePt" dir="t"/>
+    </dgm:scene3d>
+    <dgm:sp3d/>
+    <dgm:txPr/>
+    <dgm:style>
+      <a:lnRef idx="2">
+        <a:scrgbClr r="0" g="0" b="0"/>
+      </a:lnRef>
+      <a:fillRef idx="1">
+        <a:scrgbClr r="0" g="0" b="0"/>
+      </a:fillRef>
+      <a:effectRef idx="0">
+        <a:scrgbClr r="0" g="0" b="0"/>
+      </a:effectRef>
+      <a:fontRef idx="minor"/>
+    </dgm:style>
+  </dgm:styleLbl>
+  <dgm:styleLbl name="bgAccFollowNode1">
+    <dgm:scene3d>
+      <a:camera prst="orthographicFront"/>
+      <a:lightRig rig="threePt" dir="t"/>
+    </dgm:scene3d>
+    <dgm:sp3d/>
+    <dgm:txPr/>
+    <dgm:style>
+      <a:lnRef idx="2">
+        <a:scrgbClr r="0" g="0" b="0"/>
+      </a:lnRef>
+      <a:fillRef idx="1">
+        <a:scrgbClr r="0" g="0" b="0"/>
+      </a:fillRef>
+      <a:effectRef idx="0">
+        <a:scrgbClr r="0" g="0" b="0"/>
+      </a:effectRef>
+      <a:fontRef idx="minor"/>
+    </dgm:style>
+  </dgm:styleLbl>
+  <dgm:styleLbl name="fgAcc0">
+    <dgm:scene3d>
+      <a:camera prst="orthographicFront"/>
+      <a:lightRig rig="threePt" dir="t"/>
+    </dgm:scene3d>
+    <dgm:sp3d/>
+    <dgm:txPr/>
+    <dgm:style>
+      <a:lnRef idx="2">
+        <a:scrgbClr r="0" g="0" b="0"/>
+      </a:lnRef>
+      <a:fillRef idx="1">
+        <a:scrgbClr r="0" g="0" b="0"/>
+      </a:fillRef>
+      <a:effectRef idx="0">
+        <a:scrgbClr r="0" g="0" b="0"/>
+      </a:effectRef>
+      <a:fontRef idx="minor"/>
+    </dgm:style>
+  </dgm:styleLbl>
+  <dgm:styleLbl name="fgAcc2">
+    <dgm:scene3d>
+      <a:camera prst="orthographicFront"/>
+      <a:lightRig rig="threePt" dir="t"/>
+    </dgm:scene3d>
+    <dgm:sp3d/>
+    <dgm:txPr/>
+    <dgm:style>
+      <a:lnRef idx="2">
+        <a:scrgbClr r="0" g="0" b="0"/>
+      </a:lnRef>
+      <a:fillRef idx="1">
+        <a:scrgbClr r="0" g="0" b="0"/>
+      </a:fillRef>
+      <a:effectRef idx="0">
+        <a:scrgbClr r="0" g="0" b="0"/>
+      </a:effectRef>
+      <a:fontRef idx="minor"/>
+    </dgm:style>
+  </dgm:styleLbl>
+  <dgm:styleLbl name="fgAcc3">
+    <dgm:scene3d>
+      <a:camera prst="orthographicFront"/>
+      <a:lightRig rig="threePt" dir="t"/>
+    </dgm:scene3d>
+    <dgm:sp3d/>
+    <dgm:txPr/>
+    <dgm:style>
+      <a:lnRef idx="2">
+        <a:scrgbClr r="0" g="0" b="0"/>
+      </a:lnRef>
+      <a:fillRef idx="1">
+        <a:scrgbClr r="0" g="0" b="0"/>
+      </a:fillRef>
+      <a:effectRef idx="0">
+        <a:scrgbClr r="0" g="0" b="0"/>
+      </a:effectRef>
+      <a:fontRef idx="minor"/>
+    </dgm:style>
+  </dgm:styleLbl>
+  <dgm:styleLbl name="fgAcc4">
+    <dgm:scene3d>
+      <a:camera prst="orthographicFront"/>
+      <a:lightRig rig="threePt" dir="t"/>
+    </dgm:scene3d>
+    <dgm:sp3d/>
+    <dgm:txPr/>
+    <dgm:style>
+      <a:lnRef idx="2">
+        <a:scrgbClr r="0" g="0" b="0"/>
+      </a:lnRef>
+      <a:fillRef idx="1">
+        <a:scrgbClr r="0" g="0" b="0"/>
+      </a:fillRef>
+      <a:effectRef idx="0">
+        <a:scrgbClr r="0" g="0" b="0"/>
+      </a:effectRef>
+      <a:fontRef idx="minor"/>
+    </dgm:style>
+  </dgm:styleLbl>
+  <dgm:styleLbl name="bgShp">
+    <dgm:scene3d>
+      <a:camera prst="orthographicFront"/>
+      <a:lightRig rig="threePt" dir="t"/>
+    </dgm:scene3d>
+    <dgm:sp3d/>
+    <dgm:txPr/>
+    <dgm:style>
+      <a:lnRef idx="0">
+        <a:scrgbClr r="0" g="0" b="0"/>
+      </a:lnRef>
+      <a:fillRef idx="1">
+        <a:scrgbClr r="0" g="0" b="0"/>
+      </a:fillRef>
+      <a:effectRef idx="0">
+        <a:scrgbClr r="0" g="0" b="0"/>
+      </a:effectRef>
+      <a:fontRef idx="minor"/>
+    </dgm:style>
+  </dgm:styleLbl>
+  <dgm:styleLbl name="dkBgShp">
+    <dgm:scene3d>
+      <a:camera prst="orthographicFront"/>
+      <a:lightRig rig="threePt" dir="t"/>
+    </dgm:scene3d>
+    <dgm:sp3d/>
+    <dgm:txPr/>
+    <dgm:style>
+      <a:lnRef idx="0">
+        <a:scrgbClr r="0" g="0" b="0"/>
+      </a:lnRef>
+      <a:fillRef idx="1">
+        <a:scrgbClr r="0" g="0" b="0"/>
+      </a:fillRef>
+      <a:effectRef idx="0">
+        <a:scrgbClr r="0" g="0" b="0"/>
+      </a:effectRef>
+      <a:fontRef idx="minor"/>
+    </dgm:style>
+  </dgm:styleLbl>
+  <dgm:styleLbl name="trBgShp">
+    <dgm:scene3d>
+      <a:camera prst="orthographicFront"/>
+      <a:lightRig rig="threePt" dir="t"/>
+    </dgm:scene3d>
+    <dgm:sp3d/>
+    <dgm:txPr/>
+    <dgm:style>
+      <a:lnRef idx="0">
+        <a:scrgbClr r="0" g="0" b="0"/>
+      </a:lnRef>
+      <a:fillRef idx="1">
+        <a:scrgbClr r="0" g="0" b="0"/>
+      </a:fillRef>
+      <a:effectRef idx="0">
+        <a:scrgbClr r="0" g="0" b="0"/>
+      </a:effectRef>
+      <a:fontRef idx="minor"/>
+    </dgm:style>
+  </dgm:styleLbl>
+  <dgm:styleLbl name="fgShp">
+    <dgm:scene3d>
+      <a:camera prst="orthographicFront"/>
+      <a:lightRig rig="threePt" dir="t"/>
+    </dgm:scene3d>
+    <dgm:sp3d/>
+    <dgm:txPr/>
+    <dgm:style>
+      <a:lnRef idx="2">
+        <a:scrgbClr r="0" g="0" b="0"/>
+      </a:lnRef>
+      <a:fillRef idx="1">
+        <a:scrgbClr r="0" g="0" b="0"/>
+      </a:fillRef>
+      <a:effectRef idx="0">
+        <a:scrgbClr r="0" g="0" b="0"/>
+      </a:effectRef>
+      <a:fontRef idx="minor"/>
+    </dgm:style>
+  </dgm:styleLbl>
+  <dgm:styleLbl name="revTx">
+    <dgm:scene3d>
+      <a:camera prst="orthographicFront"/>
+      <a:lightRig rig="threePt" dir="t"/>
+    </dgm:scene3d>
+    <dgm:sp3d/>
+    <dgm:txPr/>
+    <dgm:style>
+      <a:lnRef idx="0">
+        <a:scrgbClr r="0" g="0" b="0"/>
+      </a:lnRef>
+      <a:fillRef idx="0">
+        <a:scrgbClr r="0" g="0" b="0"/>
+      </a:fillRef>
+      <a:effectRef idx="0">
+        <a:scrgbClr r="0" g="0" b="0"/>
+      </a:effectRef>
+      <a:fontRef idx="minor"/>
+    </dgm:style>
+  </dgm:styleLbl>
+</dgm:styleDef>
+</file>
+
+<file path=ppt/diagrams/quickStyle3.xml><?xml version="1.0" encoding="utf-8"?>
 <dgm:styleDef xmlns:dgm="http://schemas.openxmlformats.org/drawingml/2006/diagram" xmlns:a="http://schemas.openxmlformats.org/drawingml/2006/main" uniqueId="urn:microsoft.com/office/officeart/2005/8/quickstyle/simple1">
   <dgm:title val=""/>
   <dgm:desc val=""/>
@@ -20525,7 +23185,7 @@
         </p:spPr>
         <p:txBody>
           <a:bodyPr>
-            <a:normAutofit/>
+            <a:normAutofit lnSpcReduction="10000"/>
           </a:bodyPr>
           <a:lstStyle/>
           <a:p>
@@ -20917,7 +23577,7 @@
             </a:r>
             <a:r>
               <a:rPr lang="en-US" dirty="0"/>
-              <a:t>h1 is an atom and b1 . . . bn are literals…semantic similar to prolog.</a:t>
+              <a:t>h is an atom and b1 . . . bn are literals…semantic similar to prolog.</a:t>
             </a:r>
             <a:endParaRPr lang="it-IT" b="1" i="1" dirty="0"/>
           </a:p>
@@ -21054,15 +23714,7 @@
             </a:r>
             <a:r>
               <a:rPr lang="it-IT" i="1" dirty="0"/>
-              <a:t>h1...</a:t>
-            </a:r>
-            <a:r>
-              <a:rPr lang="it-IT" i="1" dirty="0" err="1"/>
-              <a:t>hn</a:t>
-            </a:r>
-            <a:r>
-              <a:rPr lang="it-IT" i="1" dirty="0"/>
-              <a:t>  </a:t>
+              <a:t>h1...hm  </a:t>
             </a:r>
             <a:r>
               <a:rPr lang="it-IT" dirty="0"/>
@@ -21365,22 +24017,15 @@
               <a:t>Something like: </a:t>
             </a:r>
             <a:r>
-              <a:rPr lang="en-US" sz="1700" dirty="0" err="1">
-                <a:latin typeface="Courier New" panose="02070309020205020404" pitchFamily="49" charset="0"/>
-                <a:cs typeface="Courier New" panose="02070309020205020404" pitchFamily="49" charset="0"/>
-              </a:rPr>
-              <a:t>nextLegit</a:t>
-            </a:r>
-            <a:r>
               <a:rPr lang="en-US" sz="1700" dirty="0">
                 <a:latin typeface="Courier New" panose="02070309020205020404" pitchFamily="49" charset="0"/>
                 <a:cs typeface="Courier New" panose="02070309020205020404" pitchFamily="49" charset="0"/>
               </a:rPr>
-              <a:t>((X,Y),(Z,K)) </a:t>
+              <a:t>next((X,Y),(Z,K)) </a:t>
             </a:r>
             <a:r>
               <a:rPr lang="en-US" sz="1700" dirty="0"/>
-              <a:t>which holds if coordinates are near and not contain obstacles.</a:t>
+              <a:t>which holds if coordinates are near.</a:t>
             </a:r>
           </a:p>
           <a:p>
@@ -21555,7 +24200,23 @@
           <a:p>
             <a:r>
               <a:rPr lang="it-IT" dirty="0"/>
-              <a:t>Output of ILASP task</a:t>
+              <a:t>Output of ILASP task – </a:t>
+            </a:r>
+            <a:r>
+              <a:rPr lang="it-IT" dirty="0" err="1"/>
+              <a:t>next</a:t>
+            </a:r>
+            <a:r>
+              <a:rPr lang="it-IT" dirty="0"/>
+              <a:t> </a:t>
+            </a:r>
+            <a:r>
+              <a:rPr lang="it-IT" dirty="0" err="1"/>
+              <a:t>pred</a:t>
+            </a:r>
+            <a:r>
+              <a:rPr lang="it-IT" dirty="0"/>
+              <a:t>.</a:t>
             </a:r>
           </a:p>
         </p:txBody>
@@ -21578,8 +24239,8 @@
         </p:nvSpPr>
         <p:spPr>
           <a:xfrm>
-            <a:off x="1261872" y="5637600"/>
-            <a:ext cx="8595360" cy="542536"/>
+            <a:off x="1261872" y="5637599"/>
+            <a:ext cx="8841870" cy="1110823"/>
           </a:xfrm>
         </p:spPr>
         <p:txBody>
@@ -21598,6 +24259,12 @@
             <a:r>
               <a:rPr lang="en-US" sz="2400" dirty="0"/>
               <a:t>are coordinates on the grid. </a:t>
+            </a:r>
+          </a:p>
+          <a:p>
+            <a:r>
+              <a:rPr lang="en-US" sz="2400" dirty="0"/>
+              <a:t> Equivalent to the “adjacent” predicate of my companions</a:t>
             </a:r>
           </a:p>
         </p:txBody>
@@ -21654,14 +24321,6 @@
 <file path=ppt/slides/slide28.xml><?xml version="1.0" encoding="utf-8"?>
 <p:sld xmlns:a="http://schemas.openxmlformats.org/drawingml/2006/main" xmlns:r="http://schemas.openxmlformats.org/officeDocument/2006/relationships" xmlns:p="http://schemas.openxmlformats.org/presentationml/2006/main">
   <p:cSld>
-    <p:bg>
-      <p:bgPr>
-        <a:solidFill>
-          <a:schemeClr val="bg1"/>
-        </a:solidFill>
-        <a:effectLst/>
-      </p:bgPr>
-    </p:bg>
     <p:spTree>
       <p:nvGrpSpPr>
         <p:cNvPr id="1" name=""/>
@@ -21676,357 +24335,12 @@
           <a:chExt cx="0" cy="0"/>
         </a:xfrm>
       </p:grpSpPr>
-      <p:sp useBgFill="1">
-        <p:nvSpPr>
-          <p:cNvPr id="11" name="Rectangle 10">
-            <a:extLst>
-              <a:ext uri="{FF2B5EF4-FFF2-40B4-BE49-F238E27FC236}">
-                <a16:creationId xmlns:a16="http://schemas.microsoft.com/office/drawing/2014/main" id="{EFB0C39A-F8CA-4A79-AFFC-E9780FB1991A}"/>
-              </a:ext>
-              <a:ext uri="{C183D7F6-B498-43B3-948B-1728B52AA6E4}">
-                <adec:decorative xmlns:adec="http://schemas.microsoft.com/office/drawing/2017/decorative" val="1"/>
-              </a:ext>
-            </a:extLst>
-          </p:cNvPr>
-          <p:cNvSpPr>
-            <a:spLocks noGrp="1" noRot="1" noChangeAspect="1" noMove="1" noResize="1" noEditPoints="1" noAdjustHandles="1" noChangeArrowheads="1" noChangeShapeType="1" noTextEdit="1"/>
-          </p:cNvSpPr>
-          <p:nvPr>
-            <p:extLst>
-              <p:ext uri="{386F3935-93C4-4BCD-93E2-E3B085C9AB24}">
-                <p16:designElem xmlns:p16="http://schemas.microsoft.com/office/powerpoint/2015/main" val="1"/>
-              </p:ext>
-            </p:extLst>
-          </p:nvPr>
-        </p:nvSpPr>
-        <p:spPr>
-          <a:xfrm>
-            <a:off x="0" y="-1"/>
-            <a:ext cx="12192000" cy="6858001"/>
-          </a:xfrm>
-          <a:prstGeom prst="rect">
-            <a:avLst/>
-          </a:prstGeom>
-          <a:ln>
-            <a:noFill/>
-          </a:ln>
-        </p:spPr>
-        <p:style>
-          <a:lnRef idx="2">
-            <a:schemeClr val="accent1">
-              <a:shade val="50000"/>
-            </a:schemeClr>
-          </a:lnRef>
-          <a:fillRef idx="1">
-            <a:schemeClr val="accent1"/>
-          </a:fillRef>
-          <a:effectRef idx="0">
-            <a:schemeClr val="accent1"/>
-          </a:effectRef>
-          <a:fontRef idx="minor">
-            <a:schemeClr val="lt1"/>
-          </a:fontRef>
-        </p:style>
-        <p:txBody>
-          <a:bodyPr rtlCol="0" anchor="ctr"/>
-          <a:lstStyle/>
-          <a:p>
-            <a:pPr algn="ctr"/>
-            <a:endParaRPr lang="en-US"/>
-          </a:p>
-        </p:txBody>
-      </p:sp>
-      <p:pic>
-        <p:nvPicPr>
-          <p:cNvPr id="6" name="Picture 4" descr="Maze">
-            <a:extLst>
-              <a:ext uri="{FF2B5EF4-FFF2-40B4-BE49-F238E27FC236}">
-                <a16:creationId xmlns:a16="http://schemas.microsoft.com/office/drawing/2014/main" id="{00B765B8-CA0E-4C93-B142-9CF3FF5465A4}"/>
-              </a:ext>
-            </a:extLst>
-          </p:cNvPr>
-          <p:cNvPicPr>
-            <a:picLocks noChangeAspect="1"/>
-          </p:cNvPicPr>
-          <p:nvPr/>
-        </p:nvPicPr>
-        <p:blipFill rotWithShape="1">
-          <a:blip r:embed="rId2">
-            <a:alphaModFix amt="40000"/>
-          </a:blip>
-          <a:srcRect t="15730"/>
-          <a:stretch/>
-        </p:blipFill>
-        <p:spPr>
-          <a:xfrm>
-            <a:off x="20" y="-2"/>
-            <a:ext cx="12191980" cy="6858000"/>
-          </a:xfrm>
-          <a:prstGeom prst="rect">
-            <a:avLst/>
-          </a:prstGeom>
-        </p:spPr>
-      </p:pic>
-      <p:sp>
-        <p:nvSpPr>
-          <p:cNvPr id="4" name="Titolo 3">
-            <a:extLst>
-              <a:ext uri="{FF2B5EF4-FFF2-40B4-BE49-F238E27FC236}">
-                <a16:creationId xmlns:a16="http://schemas.microsoft.com/office/drawing/2014/main" id="{C219A1C0-0B46-405B-A2A6-78424FE9EE86}"/>
-              </a:ext>
-            </a:extLst>
-          </p:cNvPr>
-          <p:cNvSpPr>
-            <a:spLocks noGrp="1"/>
-          </p:cNvSpPr>
-          <p:nvPr>
-            <p:ph type="ctrTitle"/>
-          </p:nvPr>
-        </p:nvSpPr>
-        <p:spPr>
-          <a:xfrm>
-            <a:off x="1261872" y="758952"/>
-            <a:ext cx="9418320" cy="4041648"/>
-          </a:xfrm>
-        </p:spPr>
-        <p:txBody>
-          <a:bodyPr>
-            <a:normAutofit/>
-          </a:bodyPr>
-          <a:lstStyle/>
-          <a:p>
-            <a:r>
-              <a:rPr lang="it-IT" dirty="0" err="1"/>
-              <a:t>Conclusions</a:t>
-            </a:r>
-            <a:endParaRPr lang="it-IT" dirty="0"/>
-          </a:p>
-        </p:txBody>
-      </p:sp>
-      <p:sp>
-        <p:nvSpPr>
-          <p:cNvPr id="3" name="Sottotitolo 2">
-            <a:extLst>
-              <a:ext uri="{FF2B5EF4-FFF2-40B4-BE49-F238E27FC236}">
-                <a16:creationId xmlns:a16="http://schemas.microsoft.com/office/drawing/2014/main" id="{016B18C2-8F41-4BC1-BD19-6C5F06C97F6C}"/>
-              </a:ext>
-            </a:extLst>
-          </p:cNvPr>
-          <p:cNvSpPr>
-            <a:spLocks noGrp="1"/>
-          </p:cNvSpPr>
-          <p:nvPr>
-            <p:ph type="subTitle" idx="1"/>
-          </p:nvPr>
-        </p:nvSpPr>
-        <p:spPr/>
-        <p:txBody>
-          <a:bodyPr/>
-          <a:lstStyle/>
-          <a:p>
-            <a:endParaRPr lang="it-IT"/>
-          </a:p>
-        </p:txBody>
-      </p:sp>
-    </p:spTree>
-    <p:extLst>
-      <p:ext uri="{BB962C8B-B14F-4D97-AF65-F5344CB8AC3E}">
-        <p14:creationId xmlns:p14="http://schemas.microsoft.com/office/powerpoint/2010/main" val="2906828191"/>
-      </p:ext>
-    </p:extLst>
-  </p:cSld>
-  <p:clrMapOvr>
-    <a:masterClrMapping/>
-  </p:clrMapOvr>
-  <p:timing>
-    <p:tnLst>
-      <p:par>
-        <p:cTn id="1" dur="indefinite" restart="never" nodeType="tmRoot">
-          <p:childTnLst>
-            <p:seq concurrent="1" nextAc="seek">
-              <p:cTn id="2" dur="indefinite" nodeType="mainSeq">
-                <p:childTnLst>
-                  <p:par>
-                    <p:cTn id="3" fill="hold">
-                      <p:stCondLst>
-                        <p:cond delay="indefinite"/>
-                        <p:cond evt="onBegin" delay="0">
-                          <p:tn val="2"/>
-                        </p:cond>
-                      </p:stCondLst>
-                      <p:childTnLst>
-                        <p:par>
-                          <p:cTn id="4" fill="hold">
-                            <p:stCondLst>
-                              <p:cond delay="0"/>
-                            </p:stCondLst>
-                            <p:childTnLst>
-                              <p:par>
-                                <p:cTn id="5" presetID="10" presetClass="entr" presetSubtype="0" fill="hold" grpId="0" nodeType="withEffect">
-                                  <p:stCondLst>
-                                    <p:cond delay="1000"/>
-                                  </p:stCondLst>
-                                  <p:iterate type="lt">
-                                    <p:tmPct val="10000"/>
-                                  </p:iterate>
-                                  <p:childTnLst>
-                                    <p:set>
-                                      <p:cBhvr>
-                                        <p:cTn id="6" dur="1" fill="hold">
-                                          <p:stCondLst>
-                                            <p:cond delay="0"/>
-                                          </p:stCondLst>
-                                        </p:cTn>
-                                        <p:tgtEl>
-                                          <p:spTgt spid="4"/>
-                                        </p:tgtEl>
-                                        <p:attrNameLst>
-                                          <p:attrName>style.visibility</p:attrName>
-                                        </p:attrNameLst>
-                                      </p:cBhvr>
-                                      <p:to>
-                                        <p:strVal val="visible"/>
-                                      </p:to>
-                                    </p:set>
-                                    <p:animEffect transition="in" filter="fade">
-                                      <p:cBhvr>
-                                        <p:cTn id="7" dur="400"/>
-                                        <p:tgtEl>
-                                          <p:spTgt spid="4"/>
-                                        </p:tgtEl>
-                                      </p:cBhvr>
-                                    </p:animEffect>
-                                  </p:childTnLst>
-                                </p:cTn>
-                              </p:par>
-                            </p:childTnLst>
-                          </p:cTn>
-                        </p:par>
-                      </p:childTnLst>
-                    </p:cTn>
-                  </p:par>
-                </p:childTnLst>
-              </p:cTn>
-              <p:prevCondLst>
-                <p:cond evt="onPrev" delay="0">
-                  <p:tgtEl>
-                    <p:sldTgt/>
-                  </p:tgtEl>
-                </p:cond>
-              </p:prevCondLst>
-              <p:nextCondLst>
-                <p:cond evt="onNext" delay="0">
-                  <p:tgtEl>
-                    <p:sldTgt/>
-                  </p:tgtEl>
-                </p:cond>
-              </p:nextCondLst>
-            </p:seq>
-          </p:childTnLst>
-        </p:cTn>
-      </p:par>
-    </p:tnLst>
-    <p:bldLst>
-      <p:bldP spid="4" grpId="0"/>
-    </p:bldLst>
-  </p:timing>
-</p:sld>
-</file>
-
-<file path=ppt/slides/slide29.xml><?xml version="1.0" encoding="utf-8"?>
-<p:sld xmlns:a="http://schemas.openxmlformats.org/drawingml/2006/main" xmlns:r="http://schemas.openxmlformats.org/officeDocument/2006/relationships" xmlns:p="http://schemas.openxmlformats.org/presentationml/2006/main">
-  <p:cSld>
-    <p:bg>
-      <p:bgPr>
-        <a:solidFill>
-          <a:schemeClr val="bg1"/>
-        </a:solidFill>
-        <a:effectLst/>
-      </p:bgPr>
-    </p:bg>
-    <p:spTree>
-      <p:nvGrpSpPr>
-        <p:cNvPr id="1" name=""/>
-        <p:cNvGrpSpPr/>
-        <p:nvPr/>
-      </p:nvGrpSpPr>
-      <p:grpSpPr>
-        <a:xfrm>
-          <a:off x="0" y="0"/>
-          <a:ext cx="0" cy="0"/>
-          <a:chOff x="0" y="0"/>
-          <a:chExt cx="0" cy="0"/>
-        </a:xfrm>
-      </p:grpSpPr>
-      <p:sp>
-        <p:nvSpPr>
-          <p:cNvPr id="9" name="Rectangle 8">
-            <a:extLst>
-              <a:ext uri="{FF2B5EF4-FFF2-40B4-BE49-F238E27FC236}">
-                <a16:creationId xmlns:a16="http://schemas.microsoft.com/office/drawing/2014/main" id="{AB1CEEAD-825F-41AD-B0DB-77CE90932D00}"/>
-              </a:ext>
-              <a:ext uri="{C183D7F6-B498-43B3-948B-1728B52AA6E4}">
-                <adec:decorative xmlns:adec="http://schemas.microsoft.com/office/drawing/2017/decorative" val="1"/>
-              </a:ext>
-            </a:extLst>
-          </p:cNvPr>
-          <p:cNvSpPr>
-            <a:spLocks noGrp="1" noRot="1" noChangeAspect="1" noMove="1" noResize="1" noEditPoints="1" noAdjustHandles="1" noChangeArrowheads="1" noChangeShapeType="1" noTextEdit="1"/>
-          </p:cNvSpPr>
-          <p:nvPr>
-            <p:extLst>
-              <p:ext uri="{386F3935-93C4-4BCD-93E2-E3B085C9AB24}">
-                <p16:designElem xmlns:p16="http://schemas.microsoft.com/office/powerpoint/2015/main" val="1"/>
-              </p:ext>
-            </p:extLst>
-          </p:nvPr>
-        </p:nvSpPr>
-        <p:spPr>
-          <a:xfrm>
-            <a:off x="0" y="-1"/>
-            <a:ext cx="11292840" cy="6858001"/>
-          </a:xfrm>
-          <a:prstGeom prst="rect">
-            <a:avLst/>
-          </a:prstGeom>
-          <a:solidFill>
-            <a:schemeClr val="bg1"/>
-          </a:solidFill>
-          <a:ln>
-            <a:noFill/>
-          </a:ln>
-        </p:spPr>
-        <p:style>
-          <a:lnRef idx="2">
-            <a:schemeClr val="accent1">
-              <a:shade val="50000"/>
-            </a:schemeClr>
-          </a:lnRef>
-          <a:fillRef idx="1">
-            <a:schemeClr val="accent1"/>
-          </a:fillRef>
-          <a:effectRef idx="0">
-            <a:schemeClr val="accent1"/>
-          </a:effectRef>
-          <a:fontRef idx="minor">
-            <a:schemeClr val="lt1"/>
-          </a:fontRef>
-        </p:style>
-        <p:txBody>
-          <a:bodyPr rtlCol="0" anchor="ctr"/>
-          <a:lstStyle/>
-          <a:p>
-            <a:pPr algn="ctr"/>
-            <a:endParaRPr lang="en-US"/>
-          </a:p>
-        </p:txBody>
-      </p:sp>
       <p:pic>
         <p:nvPicPr>
           <p:cNvPr id="4" name="Picture 4" descr="Maze">
             <a:extLst>
               <a:ext uri="{FF2B5EF4-FFF2-40B4-BE49-F238E27FC236}">
-                <a16:creationId xmlns:a16="http://schemas.microsoft.com/office/drawing/2014/main" id="{87DA433B-249B-4F26-9FC2-2E4EE7469D6E}"/>
+                <a16:creationId xmlns:a16="http://schemas.microsoft.com/office/drawing/2014/main" id="{15FFD1B1-AEEE-4EE4-9047-6C67FEA2BDA9}"/>
               </a:ext>
             </a:extLst>
           </p:cNvPr>
@@ -22064,7 +24378,7 @@
           <p:cNvPr id="2" name="Titolo 1">
             <a:extLst>
               <a:ext uri="{FF2B5EF4-FFF2-40B4-BE49-F238E27FC236}">
-                <a16:creationId xmlns:a16="http://schemas.microsoft.com/office/drawing/2014/main" id="{498E1046-4F0F-4203-98B6-67896658A6E1}"/>
+                <a16:creationId xmlns:a16="http://schemas.microsoft.com/office/drawing/2014/main" id="{0A12707C-3206-4993-9DBE-17D9EACB1C00}"/>
               </a:ext>
             </a:extLst>
           </p:cNvPr>
@@ -22077,8 +24391,8 @@
         </p:nvSpPr>
         <p:spPr>
           <a:xfrm>
-            <a:off x="1261872" y="365760"/>
-            <a:ext cx="9692640" cy="1325562"/>
+            <a:off x="589448" y="313669"/>
+            <a:ext cx="10365064" cy="1377653"/>
           </a:xfrm>
         </p:spPr>
         <p:txBody>
@@ -22089,13 +24403,24 @@
           <a:p>
             <a:r>
               <a:rPr lang="it-IT" dirty="0"/>
-              <a:t>Performance </a:t>
+              <a:t>Output of ILASP task – </a:t>
             </a:r>
             <a:r>
               <a:rPr lang="it-IT" dirty="0" err="1"/>
-              <a:t>comparison</a:t>
-            </a:r>
-            <a:endParaRPr lang="it-IT" dirty="0"/>
+              <a:t>nextLegit</a:t>
+            </a:r>
+            <a:r>
+              <a:rPr lang="it-IT" dirty="0"/>
+              <a:t> </a:t>
+            </a:r>
+            <a:r>
+              <a:rPr lang="it-IT" dirty="0" err="1"/>
+              <a:t>pred</a:t>
+            </a:r>
+            <a:r>
+              <a:rPr lang="it-IT" dirty="0"/>
+              <a:t>.</a:t>
+            </a:r>
           </a:p>
         </p:txBody>
       </p:sp>
@@ -22104,7 +24429,7 @@
           <p:cNvPr id="3" name="Segnaposto contenuto 2">
             <a:extLst>
               <a:ext uri="{FF2B5EF4-FFF2-40B4-BE49-F238E27FC236}">
-                <a16:creationId xmlns:a16="http://schemas.microsoft.com/office/drawing/2014/main" id="{79011857-90FA-434C-B61E-35FF2BCF2E77}"/>
+                <a16:creationId xmlns:a16="http://schemas.microsoft.com/office/drawing/2014/main" id="{D879B614-B7EF-4C41-B525-645B6994B712}"/>
               </a:ext>
             </a:extLst>
           </p:cNvPr>
@@ -22117,559 +24442,571 @@
         </p:nvSpPr>
         <p:spPr>
           <a:xfrm>
-            <a:off x="1261872" y="4416551"/>
-            <a:ext cx="8595360" cy="1763585"/>
+            <a:off x="959741" y="5373045"/>
+            <a:ext cx="9091101" cy="952185"/>
           </a:xfrm>
         </p:spPr>
         <p:txBody>
           <a:bodyPr>
+            <a:normAutofit lnSpcReduction="10000"/>
+          </a:bodyPr>
+          <a:lstStyle/>
+          <a:p>
+            <a:r>
+              <a:rPr lang="en-US" sz="2400" dirty="0">
+                <a:latin typeface="Courier New" panose="02070309020205020404" pitchFamily="49" charset="0"/>
+                <a:cs typeface="Courier New" panose="02070309020205020404" pitchFamily="49" charset="0"/>
+              </a:rPr>
+              <a:t>(VX,VY) </a:t>
+            </a:r>
+            <a:r>
+              <a:rPr lang="en-US" sz="2400" dirty="0"/>
+              <a:t>are coordinates on the grid.</a:t>
+            </a:r>
+          </a:p>
+          <a:p>
+            <a:r>
+              <a:rPr lang="en-US" sz="2400" dirty="0"/>
+              <a:t> Equivalent to the “move” predicate of my companions</a:t>
+            </a:r>
+          </a:p>
+        </p:txBody>
+      </p:sp>
+      <p:pic>
+        <p:nvPicPr>
+          <p:cNvPr id="7" name="Immagine 6">
+            <a:extLst>
+              <a:ext uri="{FF2B5EF4-FFF2-40B4-BE49-F238E27FC236}">
+                <a16:creationId xmlns:a16="http://schemas.microsoft.com/office/drawing/2014/main" id="{278FECFD-0E25-4216-9C10-078BE5102048}"/>
+              </a:ext>
+            </a:extLst>
+          </p:cNvPr>
+          <p:cNvPicPr>
+            <a:picLocks noChangeAspect="1"/>
+          </p:cNvPicPr>
+          <p:nvPr/>
+        </p:nvPicPr>
+        <p:blipFill>
+          <a:blip r:embed="rId3">
+            <a:extLst>
+              <a:ext uri="{28A0092B-C50C-407E-A947-70E740481C1C}">
+                <a14:useLocalDpi xmlns:a14="http://schemas.microsoft.com/office/drawing/2010/main" val="0"/>
+              </a:ext>
+            </a:extLst>
+          </a:blip>
+          <a:stretch>
+            <a:fillRect/>
+          </a:stretch>
+        </p:blipFill>
+        <p:spPr>
+          <a:xfrm>
+            <a:off x="317192" y="2057072"/>
+            <a:ext cx="10658475" cy="3057525"/>
+          </a:xfrm>
+          <a:prstGeom prst="rect">
+            <a:avLst/>
+          </a:prstGeom>
+        </p:spPr>
+      </p:pic>
+    </p:spTree>
+    <p:extLst>
+      <p:ext uri="{BB962C8B-B14F-4D97-AF65-F5344CB8AC3E}">
+        <p14:creationId xmlns:p14="http://schemas.microsoft.com/office/powerpoint/2010/main" val="4159866635"/>
+      </p:ext>
+    </p:extLst>
+  </p:cSld>
+  <p:clrMapOvr>
+    <a:masterClrMapping/>
+  </p:clrMapOvr>
+</p:sld>
+</file>
+
+<file path=ppt/slides/slide29.xml><?xml version="1.0" encoding="utf-8"?>
+<p:sld xmlns:a="http://schemas.openxmlformats.org/drawingml/2006/main" xmlns:r="http://schemas.openxmlformats.org/officeDocument/2006/relationships" xmlns:p="http://schemas.openxmlformats.org/presentationml/2006/main">
+  <p:cSld>
+    <p:bg>
+      <p:bgPr>
+        <a:solidFill>
+          <a:schemeClr val="bg1"/>
+        </a:solidFill>
+        <a:effectLst/>
+      </p:bgPr>
+    </p:bg>
+    <p:spTree>
+      <p:nvGrpSpPr>
+        <p:cNvPr id="1" name=""/>
+        <p:cNvGrpSpPr/>
+        <p:nvPr/>
+      </p:nvGrpSpPr>
+      <p:grpSpPr>
+        <a:xfrm>
+          <a:off x="0" y="0"/>
+          <a:ext cx="0" cy="0"/>
+          <a:chOff x="0" y="0"/>
+          <a:chExt cx="0" cy="0"/>
+        </a:xfrm>
+      </p:grpSpPr>
+      <p:sp>
+        <p:nvSpPr>
+          <p:cNvPr id="9" name="Rectangle 8">
+            <a:extLst>
+              <a:ext uri="{FF2B5EF4-FFF2-40B4-BE49-F238E27FC236}">
+                <a16:creationId xmlns:a16="http://schemas.microsoft.com/office/drawing/2014/main" id="{5D5E0904-721C-4D68-9EB8-1C9752E329A7}"/>
+              </a:ext>
+              <a:ext uri="{C183D7F6-B498-43B3-948B-1728B52AA6E4}">
+                <adec:decorative xmlns:adec="http://schemas.microsoft.com/office/drawing/2017/decorative" val="1"/>
+              </a:ext>
+            </a:extLst>
+          </p:cNvPr>
+          <p:cNvSpPr>
+            <a:spLocks noGrp="1" noRot="1" noChangeAspect="1" noMove="1" noResize="1" noEditPoints="1" noAdjustHandles="1" noChangeArrowheads="1" noChangeShapeType="1" noTextEdit="1"/>
+          </p:cNvSpPr>
+          <p:nvPr>
+            <p:extLst>
+              <p:ext uri="{386F3935-93C4-4BCD-93E2-E3B085C9AB24}">
+                <p16:designElem xmlns:p16="http://schemas.microsoft.com/office/powerpoint/2015/main" val="1"/>
+              </p:ext>
+            </p:extLst>
+          </p:nvPr>
+        </p:nvSpPr>
+        <p:spPr>
+          <a:xfrm>
+            <a:off x="0" y="0"/>
+            <a:ext cx="457200" cy="6858000"/>
+          </a:xfrm>
+          <a:prstGeom prst="rect">
+            <a:avLst/>
+          </a:prstGeom>
+          <a:solidFill>
+            <a:schemeClr val="accent1"/>
+          </a:solidFill>
+          <a:ln>
+            <a:noFill/>
+          </a:ln>
+        </p:spPr>
+        <p:style>
+          <a:lnRef idx="2">
+            <a:schemeClr val="accent1">
+              <a:shade val="50000"/>
+            </a:schemeClr>
+          </a:lnRef>
+          <a:fillRef idx="1">
+            <a:schemeClr val="accent1"/>
+          </a:fillRef>
+          <a:effectRef idx="0">
+            <a:schemeClr val="accent1"/>
+          </a:effectRef>
+          <a:fontRef idx="minor">
+            <a:schemeClr val="lt1"/>
+          </a:fontRef>
+        </p:style>
+      </p:sp>
+      <p:sp>
+        <p:nvSpPr>
+          <p:cNvPr id="11" name="Rectangle 10">
+            <a:extLst>
+              <a:ext uri="{FF2B5EF4-FFF2-40B4-BE49-F238E27FC236}">
+                <a16:creationId xmlns:a16="http://schemas.microsoft.com/office/drawing/2014/main" id="{B298ECBA-3258-45DF-8FD4-7581736BCCBC}"/>
+              </a:ext>
+              <a:ext uri="{C183D7F6-B498-43B3-948B-1728B52AA6E4}">
+                <adec:decorative xmlns:adec="http://schemas.microsoft.com/office/drawing/2017/decorative" val="1"/>
+              </a:ext>
+            </a:extLst>
+          </p:cNvPr>
+          <p:cNvSpPr>
+            <a:spLocks noGrp="1" noRot="1" noChangeAspect="1" noMove="1" noResize="1" noEditPoints="1" noAdjustHandles="1" noChangeArrowheads="1" noChangeShapeType="1" noTextEdit="1"/>
+          </p:cNvSpPr>
+          <p:nvPr>
+            <p:extLst>
+              <p:ext uri="{386F3935-93C4-4BCD-93E2-E3B085C9AB24}">
+                <p16:designElem xmlns:p16="http://schemas.microsoft.com/office/powerpoint/2015/main" val="1"/>
+              </p:ext>
+            </p:extLst>
+          </p:nvPr>
+        </p:nvSpPr>
+        <p:spPr>
+          <a:xfrm>
+            <a:off x="0" y="-3244"/>
+            <a:ext cx="457200" cy="6858000"/>
+          </a:xfrm>
+          <a:prstGeom prst="rect">
+            <a:avLst/>
+          </a:prstGeom>
+          <a:solidFill>
+            <a:srgbClr val="6F6F74"/>
+          </a:solidFill>
+          <a:ln>
+            <a:noFill/>
+          </a:ln>
+        </p:spPr>
+        <p:style>
+          <a:lnRef idx="2">
+            <a:schemeClr val="accent1">
+              <a:shade val="50000"/>
+            </a:schemeClr>
+          </a:lnRef>
+          <a:fillRef idx="1">
+            <a:schemeClr val="accent1"/>
+          </a:fillRef>
+          <a:effectRef idx="0">
+            <a:schemeClr val="accent1"/>
+          </a:effectRef>
+          <a:fontRef idx="minor">
+            <a:schemeClr val="lt1"/>
+          </a:fontRef>
+        </p:style>
+        <p:txBody>
+          <a:bodyPr rtlCol="0" anchor="ctr"/>
+          <a:lstStyle/>
+          <a:p>
+            <a:pPr marL="0" marR="0" lvl="0" indent="0" algn="ctr" defTabSz="457200" rtl="0" eaLnBrk="1" fontAlgn="auto" latinLnBrk="0" hangingPunct="1">
+              <a:lnSpc>
+                <a:spcPct val="100000"/>
+              </a:lnSpc>
+              <a:spcBef>
+                <a:spcPts val="0"/>
+              </a:spcBef>
+              <a:spcAft>
+                <a:spcPts val="0"/>
+              </a:spcAft>
+              <a:buClrTx/>
+              <a:buSzTx/>
+              <a:buFontTx/>
+              <a:buNone/>
+              <a:tabLst/>
+              <a:defRPr/>
+            </a:pPr>
+            <a:endParaRPr kumimoji="0" lang="en-US" sz="1800" b="0" i="0" u="none" strike="noStrike" kern="1200" cap="none" spc="0" normalizeH="0" baseline="0" noProof="0">
+              <a:ln>
+                <a:noFill/>
+              </a:ln>
+              <a:solidFill>
+                <a:srgbClr val="FFFFFF"/>
+              </a:solidFill>
+              <a:effectLst/>
+              <a:uLnTx/>
+              <a:uFillTx/>
+              <a:latin typeface="Century Schoolbook" panose="02040604050505020304"/>
+              <a:ea typeface="+mn-ea"/>
+              <a:cs typeface="+mn-cs"/>
+            </a:endParaRPr>
+          </a:p>
+        </p:txBody>
+      </p:sp>
+      <p:sp>
+        <p:nvSpPr>
+          <p:cNvPr id="13" name="Rectangle 12">
+            <a:extLst>
+              <a:ext uri="{FF2B5EF4-FFF2-40B4-BE49-F238E27FC236}">
+                <a16:creationId xmlns:a16="http://schemas.microsoft.com/office/drawing/2014/main" id="{B62BF453-BD82-4B90-9FE7-51703133806E}"/>
+              </a:ext>
+              <a:ext uri="{C183D7F6-B498-43B3-948B-1728B52AA6E4}">
+                <adec:decorative xmlns:adec="http://schemas.microsoft.com/office/drawing/2017/decorative" val="1"/>
+              </a:ext>
+            </a:extLst>
+          </p:cNvPr>
+          <p:cNvSpPr>
+            <a:spLocks noGrp="1" noRot="1" noChangeAspect="1" noMove="1" noResize="1" noEditPoints="1" noAdjustHandles="1" noChangeArrowheads="1" noChangeShapeType="1" noTextEdit="1"/>
+          </p:cNvSpPr>
+          <p:nvPr>
+            <p:extLst>
+              <p:ext uri="{386F3935-93C4-4BCD-93E2-E3B085C9AB24}">
+                <p16:designElem xmlns:p16="http://schemas.microsoft.com/office/powerpoint/2015/main" val="1"/>
+              </p:ext>
+            </p:extLst>
+          </p:nvPr>
+        </p:nvSpPr>
+        <p:spPr>
+          <a:xfrm>
+            <a:off x="457200" y="0"/>
+            <a:ext cx="10835640" cy="6858000"/>
+          </a:xfrm>
+          <a:prstGeom prst="rect">
+            <a:avLst/>
+          </a:prstGeom>
+          <a:solidFill>
+            <a:srgbClr val="353537"/>
+          </a:solidFill>
+          <a:ln>
+            <a:noFill/>
+          </a:ln>
+        </p:spPr>
+        <p:style>
+          <a:lnRef idx="2">
+            <a:schemeClr val="accent1">
+              <a:shade val="50000"/>
+            </a:schemeClr>
+          </a:lnRef>
+          <a:fillRef idx="1">
+            <a:schemeClr val="accent1"/>
+          </a:fillRef>
+          <a:effectRef idx="0">
+            <a:schemeClr val="accent1"/>
+          </a:effectRef>
+          <a:fontRef idx="minor">
+            <a:schemeClr val="lt1"/>
+          </a:fontRef>
+        </p:style>
+      </p:sp>
+      <p:sp>
+        <p:nvSpPr>
+          <p:cNvPr id="2" name="Titolo 1">
+            <a:extLst>
+              <a:ext uri="{FF2B5EF4-FFF2-40B4-BE49-F238E27FC236}">
+                <a16:creationId xmlns:a16="http://schemas.microsoft.com/office/drawing/2014/main" id="{B27153E9-BBEC-48CB-BBDA-66A20ABE3359}"/>
+              </a:ext>
+            </a:extLst>
+          </p:cNvPr>
+          <p:cNvSpPr>
+            <a:spLocks noGrp="1"/>
+          </p:cNvSpPr>
+          <p:nvPr>
+            <p:ph type="title"/>
+          </p:nvPr>
+        </p:nvSpPr>
+        <p:spPr>
+          <a:xfrm>
+            <a:off x="8318090" y="758952"/>
+            <a:ext cx="2802194" cy="4041648"/>
+          </a:xfrm>
+        </p:spPr>
+        <p:txBody>
+          <a:bodyPr vert="horz" lIns="91440" tIns="45720" rIns="91440" bIns="45720" rtlCol="0" anchor="b">
             <a:normAutofit/>
           </a:bodyPr>
           <a:lstStyle/>
           <a:p>
-            <a:r>
-              <a:rPr lang="it-IT" dirty="0" err="1"/>
-              <a:t>Timings</a:t>
-            </a:r>
-            <a:r>
-              <a:rPr lang="it-IT" dirty="0"/>
-              <a:t> </a:t>
-            </a:r>
-            <a:r>
-              <a:rPr lang="it-IT" dirty="0" err="1"/>
-              <a:t>were</a:t>
-            </a:r>
-            <a:r>
-              <a:rPr lang="it-IT" dirty="0"/>
-              <a:t> </a:t>
-            </a:r>
-            <a:r>
-              <a:rPr lang="it-IT" dirty="0" err="1"/>
-              <a:t>taken</a:t>
-            </a:r>
-            <a:r>
-              <a:rPr lang="it-IT" dirty="0"/>
-              <a:t> </a:t>
-            </a:r>
-            <a:r>
-              <a:rPr lang="it-IT" dirty="0" err="1"/>
-              <a:t>as</a:t>
-            </a:r>
-            <a:r>
-              <a:rPr lang="it-IT" dirty="0"/>
-              <a:t> </a:t>
-            </a:r>
-            <a:r>
-              <a:rPr lang="it-IT" dirty="0" err="1"/>
-              <a:t>averages</a:t>
-            </a:r>
-            <a:r>
-              <a:rPr lang="it-IT" dirty="0"/>
-              <a:t> of 10 </a:t>
-            </a:r>
-            <a:r>
-              <a:rPr lang="it-IT" dirty="0" err="1"/>
-              <a:t>runs</a:t>
-            </a:r>
-            <a:r>
-              <a:rPr lang="it-IT" dirty="0"/>
-              <a:t>.</a:t>
-            </a:r>
-          </a:p>
-          <a:p>
-            <a:r>
-              <a:rPr lang="it-IT" dirty="0" err="1"/>
-              <a:t>All</a:t>
-            </a:r>
-            <a:r>
-              <a:rPr lang="it-IT" dirty="0"/>
-              <a:t> the tools </a:t>
-            </a:r>
-            <a:r>
-              <a:rPr lang="it-IT" dirty="0" err="1"/>
-              <a:t>seem</a:t>
-            </a:r>
-            <a:r>
-              <a:rPr lang="it-IT" dirty="0"/>
-              <a:t> to prove </a:t>
-            </a:r>
-            <a:r>
-              <a:rPr lang="it-IT" dirty="0" err="1"/>
-              <a:t>that</a:t>
-            </a:r>
-            <a:r>
-              <a:rPr lang="it-IT" dirty="0"/>
-              <a:t> learning one task </a:t>
-            </a:r>
-            <a:r>
-              <a:rPr lang="it-IT" dirty="0" err="1"/>
-              <a:t>at</a:t>
-            </a:r>
-            <a:r>
-              <a:rPr lang="it-IT" dirty="0"/>
-              <a:t> a time </a:t>
-            </a:r>
-            <a:r>
-              <a:rPr lang="it-IT" dirty="0" err="1"/>
-              <a:t>is</a:t>
-            </a:r>
-            <a:r>
-              <a:rPr lang="it-IT" dirty="0"/>
-              <a:t> far more </a:t>
-            </a:r>
-            <a:r>
-              <a:rPr lang="it-IT" dirty="0" err="1"/>
-              <a:t>efficient</a:t>
-            </a:r>
-            <a:r>
-              <a:rPr lang="it-IT" dirty="0"/>
-              <a:t> </a:t>
-            </a:r>
-            <a:r>
-              <a:rPr lang="it-IT" dirty="0" err="1"/>
-              <a:t>than</a:t>
-            </a:r>
-            <a:r>
-              <a:rPr lang="it-IT" dirty="0"/>
-              <a:t> learning more tasks </a:t>
-            </a:r>
-            <a:r>
-              <a:rPr lang="it-IT" dirty="0" err="1"/>
-              <a:t>at</a:t>
-            </a:r>
-            <a:r>
-              <a:rPr lang="it-IT" dirty="0"/>
-              <a:t> once.</a:t>
+            <a:pPr>
+              <a:lnSpc>
+                <a:spcPct val="85000"/>
+              </a:lnSpc>
+            </a:pPr>
+            <a:r>
+              <a:rPr lang="en-US" sz="4100">
+                <a:solidFill>
+                  <a:srgbClr val="FFFFFF"/>
+                </a:solidFill>
+              </a:rPr>
+              <a:t>Combining what learned in an ASP model</a:t>
             </a:r>
           </a:p>
         </p:txBody>
       </p:sp>
-      <p:graphicFrame>
-        <p:nvGraphicFramePr>
-          <p:cNvPr id="6" name="Tabella 9">
+      <p:sp useBgFill="1">
+        <p:nvSpPr>
+          <p:cNvPr id="15" name="Rectangle 14">
             <a:extLst>
               <a:ext uri="{FF2B5EF4-FFF2-40B4-BE49-F238E27FC236}">
-                <a16:creationId xmlns:a16="http://schemas.microsoft.com/office/drawing/2014/main" id="{3C9893CB-1F9C-4F26-AC5D-0711303E5C99}"/>
+                <a16:creationId xmlns:a16="http://schemas.microsoft.com/office/drawing/2014/main" id="{072366D3-9B5C-42E1-9906-77FF6BB55EAB}"/>
+              </a:ext>
+              <a:ext uri="{C183D7F6-B498-43B3-948B-1728B52AA6E4}">
+                <adec:decorative xmlns:adec="http://schemas.microsoft.com/office/drawing/2017/decorative" val="1"/>
               </a:ext>
             </a:extLst>
           </p:cNvPr>
-          <p:cNvGraphicFramePr>
-            <a:graphicFrameLocks/>
-          </p:cNvGraphicFramePr>
+          <p:cNvSpPr>
+            <a:spLocks noGrp="1" noRot="1" noChangeAspect="1" noMove="1" noResize="1" noEditPoints="1" noAdjustHandles="1" noChangeArrowheads="1" noChangeShapeType="1" noTextEdit="1"/>
+          </p:cNvSpPr>
           <p:nvPr>
             <p:extLst>
-              <p:ext uri="{D42A27DB-BD31-4B8C-83A1-F6EECF244321}">
-                <p14:modId xmlns:p14="http://schemas.microsoft.com/office/powerpoint/2010/main" val="3747215833"/>
+              <p:ext uri="{386F3935-93C4-4BCD-93E2-E3B085C9AB24}">
+                <p16:designElem xmlns:p16="http://schemas.microsoft.com/office/powerpoint/2015/main" val="1"/>
               </p:ext>
             </p:extLst>
           </p:nvPr>
-        </p:nvGraphicFramePr>
-        <p:xfrm>
-          <a:off x="1262063" y="1828800"/>
-          <a:ext cx="8594724" cy="2123440"/>
-        </p:xfrm>
-        <a:graphic>
-          <a:graphicData uri="http://schemas.openxmlformats.org/drawingml/2006/table">
-            <a:tbl>
-              <a:tblPr firstRow="1" bandRow="1">
-                <a:tableStyleId>{5C22544A-7EE6-4342-B048-85BDC9FD1C3A}</a:tableStyleId>
-              </a:tblPr>
-              <a:tblGrid>
-                <a:gridCol w="2148681">
-                  <a:extLst>
-                    <a:ext uri="{9D8B030D-6E8A-4147-A177-3AD203B41FA5}">
-                      <a16:colId xmlns:a16="http://schemas.microsoft.com/office/drawing/2014/main" val="3882177956"/>
-                    </a:ext>
-                  </a:extLst>
-                </a:gridCol>
-                <a:gridCol w="2148681">
-                  <a:extLst>
-                    <a:ext uri="{9D8B030D-6E8A-4147-A177-3AD203B41FA5}">
-                      <a16:colId xmlns:a16="http://schemas.microsoft.com/office/drawing/2014/main" val="2929272764"/>
-                    </a:ext>
-                  </a:extLst>
-                </a:gridCol>
-                <a:gridCol w="2148681">
-                  <a:extLst>
-                    <a:ext uri="{9D8B030D-6E8A-4147-A177-3AD203B41FA5}">
-                      <a16:colId xmlns:a16="http://schemas.microsoft.com/office/drawing/2014/main" val="1852019732"/>
-                    </a:ext>
-                  </a:extLst>
-                </a:gridCol>
-                <a:gridCol w="2148681">
-                  <a:extLst>
-                    <a:ext uri="{9D8B030D-6E8A-4147-A177-3AD203B41FA5}">
-                      <a16:colId xmlns:a16="http://schemas.microsoft.com/office/drawing/2014/main" val="592403734"/>
-                    </a:ext>
-                  </a:extLst>
-                </a:gridCol>
-              </a:tblGrid>
-              <a:tr h="370840">
-                <a:tc>
-                  <a:txBody>
-                    <a:bodyPr/>
-                    <a:lstStyle/>
-                    <a:p>
-                      <a:pPr algn="ctr"/>
-                      <a:r>
-                        <a:rPr lang="it-IT" dirty="0"/>
-                        <a:t>Task</a:t>
-                      </a:r>
-                    </a:p>
-                  </a:txBody>
-                  <a:tcPr/>
-                </a:tc>
-                <a:tc>
-                  <a:txBody>
-                    <a:bodyPr/>
-                    <a:lstStyle/>
-                    <a:p>
-                      <a:pPr algn="ctr"/>
-                      <a:r>
-                        <a:rPr lang="it-IT" dirty="0"/>
-                        <a:t>HYPER</a:t>
-                      </a:r>
-                    </a:p>
-                  </a:txBody>
-                  <a:tcPr/>
-                </a:tc>
-                <a:tc>
-                  <a:txBody>
-                    <a:bodyPr/>
-                    <a:lstStyle/>
-                    <a:p>
-                      <a:pPr algn="ctr"/>
-                      <a:r>
-                        <a:rPr lang="it-IT" dirty="0" err="1"/>
-                        <a:t>Metagol</a:t>
-                      </a:r>
-                      <a:endParaRPr lang="it-IT" dirty="0"/>
-                    </a:p>
-                  </a:txBody>
-                  <a:tcPr/>
-                </a:tc>
-                <a:tc>
-                  <a:txBody>
-                    <a:bodyPr/>
-                    <a:lstStyle/>
-                    <a:p>
-                      <a:pPr algn="ctr"/>
-                      <a:r>
-                        <a:rPr lang="it-IT" dirty="0"/>
-                        <a:t>ILASP</a:t>
-                      </a:r>
-                    </a:p>
-                  </a:txBody>
-                  <a:tcPr/>
-                </a:tc>
-                <a:extLst>
-                  <a:ext uri="{0D108BD9-81ED-4DB2-BD59-A6C34878D82A}">
-                    <a16:rowId xmlns:a16="http://schemas.microsoft.com/office/drawing/2014/main" val="1729373951"/>
-                  </a:ext>
-                </a:extLst>
-              </a:tr>
-              <a:tr h="370840">
-                <a:tc>
-                  <a:txBody>
-                    <a:bodyPr/>
-                    <a:lstStyle/>
-                    <a:p>
-                      <a:pPr algn="ctr"/>
-                      <a:r>
-                        <a:rPr lang="it-IT" dirty="0" err="1">
-                          <a:latin typeface="Courier New" panose="02070309020205020404" pitchFamily="49" charset="0"/>
-                          <a:cs typeface="Courier New" panose="02070309020205020404" pitchFamily="49" charset="0"/>
-                        </a:rPr>
-                        <a:t>adjacent</a:t>
-                      </a:r>
-                      <a:r>
-                        <a:rPr lang="it-IT" dirty="0">
-                          <a:latin typeface="Courier New" panose="02070309020205020404" pitchFamily="49" charset="0"/>
-                          <a:cs typeface="Courier New" panose="02070309020205020404" pitchFamily="49" charset="0"/>
-                        </a:rPr>
-                        <a:t>/2</a:t>
-                      </a:r>
-                    </a:p>
-                  </a:txBody>
-                  <a:tcPr/>
-                </a:tc>
-                <a:tc>
-                  <a:txBody>
-                    <a:bodyPr/>
-                    <a:lstStyle/>
-                    <a:p>
-                      <a:pPr algn="ctr"/>
-                      <a:r>
-                        <a:rPr lang="it-IT" dirty="0"/>
-                        <a:t>175.884</a:t>
-                      </a:r>
-                    </a:p>
-                  </a:txBody>
-                  <a:tcPr/>
-                </a:tc>
-                <a:tc>
-                  <a:txBody>
-                    <a:bodyPr/>
-                    <a:lstStyle/>
-                    <a:p>
-                      <a:pPr algn="ctr"/>
-                      <a:r>
-                        <a:rPr lang="it-IT" dirty="0"/>
-                        <a:t>0.121*</a:t>
-                      </a:r>
-                    </a:p>
-                  </a:txBody>
-                  <a:tcPr/>
-                </a:tc>
-                <a:tc>
-                  <a:txBody>
-                    <a:bodyPr/>
-                    <a:lstStyle/>
-                    <a:p>
-                      <a:pPr algn="ctr"/>
-                      <a:endParaRPr lang="it-IT"/>
-                    </a:p>
-                  </a:txBody>
-                  <a:tcPr/>
-                </a:tc>
-                <a:extLst>
-                  <a:ext uri="{0D108BD9-81ED-4DB2-BD59-A6C34878D82A}">
-                    <a16:rowId xmlns:a16="http://schemas.microsoft.com/office/drawing/2014/main" val="2376692191"/>
-                  </a:ext>
-                </a:extLst>
-              </a:tr>
-              <a:tr h="370840">
-                <a:tc>
-                  <a:txBody>
-                    <a:bodyPr/>
-                    <a:lstStyle/>
-                    <a:p>
-                      <a:pPr algn="ctr"/>
-                      <a:r>
-                        <a:rPr lang="it-IT" dirty="0" err="1">
-                          <a:latin typeface="Courier New" panose="02070309020205020404" pitchFamily="49" charset="0"/>
-                          <a:cs typeface="Courier New" panose="02070309020205020404" pitchFamily="49" charset="0"/>
-                        </a:rPr>
-                        <a:t>move</a:t>
-                      </a:r>
-                      <a:r>
-                        <a:rPr lang="it-IT" dirty="0">
-                          <a:latin typeface="Courier New" panose="02070309020205020404" pitchFamily="49" charset="0"/>
-                          <a:cs typeface="Courier New" panose="02070309020205020404" pitchFamily="49" charset="0"/>
-                        </a:rPr>
-                        <a:t>/2</a:t>
-                      </a:r>
-                    </a:p>
-                  </a:txBody>
-                  <a:tcPr/>
-                </a:tc>
-                <a:tc>
-                  <a:txBody>
-                    <a:bodyPr/>
-                    <a:lstStyle/>
-                    <a:p>
-                      <a:pPr algn="ctr"/>
-                      <a:r>
-                        <a:rPr lang="it-IT" dirty="0"/>
-                        <a:t>0.063</a:t>
-                      </a:r>
-                    </a:p>
-                  </a:txBody>
-                  <a:tcPr/>
-                </a:tc>
-                <a:tc>
-                  <a:txBody>
-                    <a:bodyPr/>
-                    <a:lstStyle/>
-                    <a:p>
-                      <a:pPr algn="ctr"/>
-                      <a:r>
-                        <a:rPr lang="it-IT" dirty="0"/>
-                        <a:t>0.047</a:t>
-                      </a:r>
-                    </a:p>
-                  </a:txBody>
-                  <a:tcPr/>
-                </a:tc>
-                <a:tc>
-                  <a:txBody>
-                    <a:bodyPr/>
-                    <a:lstStyle/>
-                    <a:p>
-                      <a:pPr algn="ctr"/>
-                      <a:endParaRPr lang="it-IT"/>
-                    </a:p>
-                  </a:txBody>
-                  <a:tcPr/>
-                </a:tc>
-                <a:extLst>
-                  <a:ext uri="{0D108BD9-81ED-4DB2-BD59-A6C34878D82A}">
-                    <a16:rowId xmlns:a16="http://schemas.microsoft.com/office/drawing/2014/main" val="1399593188"/>
-                  </a:ext>
-                </a:extLst>
-              </a:tr>
-              <a:tr h="370840">
-                <a:tc>
-                  <a:txBody>
-                    <a:bodyPr/>
-                    <a:lstStyle/>
-                    <a:p>
-                      <a:pPr algn="ctr"/>
-                      <a:r>
-                        <a:rPr lang="it-IT" dirty="0" err="1">
-                          <a:latin typeface="Courier New" panose="02070309020205020404" pitchFamily="49" charset="0"/>
-                          <a:cs typeface="Courier New" panose="02070309020205020404" pitchFamily="49" charset="0"/>
-                        </a:rPr>
-                        <a:t>reach</a:t>
-                      </a:r>
-                      <a:r>
-                        <a:rPr lang="it-IT" dirty="0">
-                          <a:latin typeface="Courier New" panose="02070309020205020404" pitchFamily="49" charset="0"/>
-                          <a:cs typeface="Courier New" panose="02070309020205020404" pitchFamily="49" charset="0"/>
-                        </a:rPr>
-                        <a:t>/3</a:t>
-                      </a:r>
-                    </a:p>
-                  </a:txBody>
-                  <a:tcPr/>
-                </a:tc>
-                <a:tc>
-                  <a:txBody>
-                    <a:bodyPr/>
-                    <a:lstStyle/>
-                    <a:p>
-                      <a:pPr algn="ctr"/>
-                      <a:r>
-                        <a:rPr lang="it-IT" dirty="0"/>
-                        <a:t>1.577</a:t>
-                      </a:r>
-                    </a:p>
-                  </a:txBody>
-                  <a:tcPr/>
-                </a:tc>
-                <a:tc>
-                  <a:txBody>
-                    <a:bodyPr/>
-                    <a:lstStyle/>
-                    <a:p>
-                      <a:pPr algn="ctr"/>
-                      <a:r>
-                        <a:rPr lang="it-IT" dirty="0"/>
-                        <a:t>0.026</a:t>
-                      </a:r>
-                    </a:p>
-                  </a:txBody>
-                  <a:tcPr/>
-                </a:tc>
-                <a:tc>
-                  <a:txBody>
-                    <a:bodyPr/>
-                    <a:lstStyle/>
-                    <a:p>
-                      <a:pPr algn="ctr"/>
-                      <a:endParaRPr lang="it-IT" dirty="0"/>
-                    </a:p>
-                  </a:txBody>
-                  <a:tcPr/>
-                </a:tc>
-                <a:extLst>
-                  <a:ext uri="{0D108BD9-81ED-4DB2-BD59-A6C34878D82A}">
-                    <a16:rowId xmlns:a16="http://schemas.microsoft.com/office/drawing/2014/main" val="605522565"/>
-                  </a:ext>
-                </a:extLst>
-              </a:tr>
-              <a:tr h="370840">
-                <a:tc>
-                  <a:txBody>
-                    <a:bodyPr/>
-                    <a:lstStyle/>
-                    <a:p>
-                      <a:pPr algn="ctr"/>
-                      <a:r>
-                        <a:rPr lang="it-IT" dirty="0" err="1">
-                          <a:latin typeface="Courier New" panose="02070309020205020404" pitchFamily="49" charset="0"/>
-                          <a:cs typeface="Courier New" panose="02070309020205020404" pitchFamily="49" charset="0"/>
-                        </a:rPr>
-                        <a:t>move</a:t>
-                      </a:r>
-                      <a:r>
-                        <a:rPr lang="it-IT" dirty="0">
-                          <a:latin typeface="Courier New" panose="02070309020205020404" pitchFamily="49" charset="0"/>
-                          <a:cs typeface="Courier New" panose="02070309020205020404" pitchFamily="49" charset="0"/>
-                        </a:rPr>
-                        <a:t>/2 &amp; </a:t>
-                      </a:r>
-                      <a:r>
-                        <a:rPr lang="it-IT" dirty="0" err="1">
-                          <a:latin typeface="Courier New" panose="02070309020205020404" pitchFamily="49" charset="0"/>
-                          <a:cs typeface="Courier New" panose="02070309020205020404" pitchFamily="49" charset="0"/>
-                        </a:rPr>
-                        <a:t>reach</a:t>
-                      </a:r>
-                      <a:r>
-                        <a:rPr lang="it-IT" dirty="0">
-                          <a:latin typeface="Courier New" panose="02070309020205020404" pitchFamily="49" charset="0"/>
-                          <a:cs typeface="Courier New" panose="02070309020205020404" pitchFamily="49" charset="0"/>
-                        </a:rPr>
-                        <a:t>/3</a:t>
-                      </a:r>
-                    </a:p>
-                  </a:txBody>
-                  <a:tcPr/>
-                </a:tc>
-                <a:tc>
-                  <a:txBody>
-                    <a:bodyPr/>
-                    <a:lstStyle/>
-                    <a:p>
-                      <a:pPr algn="ctr"/>
-                      <a:r>
-                        <a:rPr lang="it-IT" dirty="0"/>
-                        <a:t>16.585</a:t>
-                      </a:r>
-                    </a:p>
-                  </a:txBody>
-                  <a:tcPr/>
-                </a:tc>
-                <a:tc>
-                  <a:txBody>
-                    <a:bodyPr/>
-                    <a:lstStyle/>
-                    <a:p>
-                      <a:pPr algn="ctr"/>
-                      <a:r>
-                        <a:rPr lang="it-IT" dirty="0"/>
-                        <a:t>0.848</a:t>
-                      </a:r>
-                    </a:p>
-                  </a:txBody>
-                  <a:tcPr/>
-                </a:tc>
-                <a:tc>
-                  <a:txBody>
-                    <a:bodyPr/>
-                    <a:lstStyle/>
-                    <a:p>
-                      <a:pPr algn="ctr"/>
-                      <a:endParaRPr lang="it-IT" dirty="0"/>
-                    </a:p>
-                  </a:txBody>
-                  <a:tcPr/>
-                </a:tc>
-                <a:extLst>
-                  <a:ext uri="{0D108BD9-81ED-4DB2-BD59-A6C34878D82A}">
-                    <a16:rowId xmlns:a16="http://schemas.microsoft.com/office/drawing/2014/main" val="52405842"/>
-                  </a:ext>
-                </a:extLst>
-              </a:tr>
-            </a:tbl>
-          </a:graphicData>
-        </a:graphic>
-      </p:graphicFrame>
+        </p:nvSpPr>
+        <p:spPr>
+          <a:xfrm>
+            <a:off x="452283" y="0"/>
+            <a:ext cx="7561007" cy="6858000"/>
+          </a:xfrm>
+          <a:prstGeom prst="rect">
+            <a:avLst/>
+          </a:prstGeom>
+          <a:ln>
+            <a:noFill/>
+          </a:ln>
+        </p:spPr>
+        <p:style>
+          <a:lnRef idx="2">
+            <a:schemeClr val="accent1">
+              <a:shade val="50000"/>
+            </a:schemeClr>
+          </a:lnRef>
+          <a:fillRef idx="1">
+            <a:schemeClr val="accent1"/>
+          </a:fillRef>
+          <a:effectRef idx="0">
+            <a:schemeClr val="accent1"/>
+          </a:effectRef>
+          <a:fontRef idx="minor">
+            <a:schemeClr val="lt1"/>
+          </a:fontRef>
+        </p:style>
+        <p:txBody>
+          <a:bodyPr rtlCol="0" anchor="ctr"/>
+          <a:lstStyle/>
+          <a:p>
+            <a:pPr marL="0" marR="0" lvl="0" indent="0" algn="ctr" defTabSz="457200" rtl="0" eaLnBrk="1" fontAlgn="auto" latinLnBrk="0" hangingPunct="1">
+              <a:lnSpc>
+                <a:spcPct val="100000"/>
+              </a:lnSpc>
+              <a:spcBef>
+                <a:spcPts val="0"/>
+              </a:spcBef>
+              <a:spcAft>
+                <a:spcPts val="0"/>
+              </a:spcAft>
+              <a:buClrTx/>
+              <a:buSzTx/>
+              <a:buFontTx/>
+              <a:buNone/>
+              <a:tabLst/>
+              <a:defRPr/>
+            </a:pPr>
+            <a:endParaRPr kumimoji="0" lang="en-US" sz="1800" b="0" i="0" u="none" strike="noStrike" kern="1200" cap="none" spc="0" normalizeH="0" baseline="0" noProof="0">
+              <a:ln>
+                <a:noFill/>
+              </a:ln>
+              <a:solidFill>
+                <a:srgbClr val="FFFFFF"/>
+              </a:solidFill>
+              <a:effectLst/>
+              <a:uLnTx/>
+              <a:uFillTx/>
+              <a:latin typeface="Century Schoolbook" panose="02040604050505020304"/>
+              <a:ea typeface="+mn-ea"/>
+              <a:cs typeface="+mn-cs"/>
+            </a:endParaRPr>
+          </a:p>
+        </p:txBody>
+      </p:sp>
+      <p:sp>
+        <p:nvSpPr>
+          <p:cNvPr id="17" name="Rectangle 16">
+            <a:extLst>
+              <a:ext uri="{FF2B5EF4-FFF2-40B4-BE49-F238E27FC236}">
+                <a16:creationId xmlns:a16="http://schemas.microsoft.com/office/drawing/2014/main" id="{121F5E60-4E89-4B16-A245-12BD9935998D}"/>
+              </a:ext>
+              <a:ext uri="{C183D7F6-B498-43B3-948B-1728B52AA6E4}">
+                <adec:decorative xmlns:adec="http://schemas.microsoft.com/office/drawing/2017/decorative" val="1"/>
+              </a:ext>
+            </a:extLst>
+          </p:cNvPr>
+          <p:cNvSpPr>
+            <a:spLocks noGrp="1" noRot="1" noChangeAspect="1" noMove="1" noResize="1" noEditPoints="1" noAdjustHandles="1" noChangeArrowheads="1" noChangeShapeType="1" noTextEdit="1"/>
+          </p:cNvSpPr>
+          <p:nvPr>
+            <p:extLst>
+              <p:ext uri="{386F3935-93C4-4BCD-93E2-E3B085C9AB24}">
+                <p16:designElem xmlns:p16="http://schemas.microsoft.com/office/powerpoint/2015/main" val="1"/>
+              </p:ext>
+            </p:extLst>
+          </p:nvPr>
+        </p:nvSpPr>
+        <p:spPr>
+          <a:xfrm>
+            <a:off x="11292840" y="0"/>
+            <a:ext cx="899160" cy="6858000"/>
+          </a:xfrm>
+          <a:prstGeom prst="rect">
+            <a:avLst/>
+          </a:prstGeom>
+          <a:solidFill>
+            <a:srgbClr val="353537"/>
+          </a:solidFill>
+          <a:ln>
+            <a:noFill/>
+          </a:ln>
+        </p:spPr>
+        <p:style>
+          <a:lnRef idx="2">
+            <a:schemeClr val="accent1">
+              <a:shade val="50000"/>
+            </a:schemeClr>
+          </a:lnRef>
+          <a:fillRef idx="1">
+            <a:schemeClr val="accent1"/>
+          </a:fillRef>
+          <a:effectRef idx="0">
+            <a:schemeClr val="accent1"/>
+          </a:effectRef>
+          <a:fontRef idx="minor">
+            <a:schemeClr val="lt1"/>
+          </a:fontRef>
+        </p:style>
+        <p:txBody>
+          <a:bodyPr rtlCol="0" anchor="ctr"/>
+          <a:lstStyle/>
+          <a:p>
+            <a:pPr marL="0" marR="0" lvl="0" indent="0" algn="ctr" defTabSz="457200" rtl="0" eaLnBrk="1" fontAlgn="auto" latinLnBrk="0" hangingPunct="1">
+              <a:lnSpc>
+                <a:spcPct val="100000"/>
+              </a:lnSpc>
+              <a:spcBef>
+                <a:spcPts val="0"/>
+              </a:spcBef>
+              <a:spcAft>
+                <a:spcPts val="0"/>
+              </a:spcAft>
+              <a:buClrTx/>
+              <a:buSzTx/>
+              <a:buFontTx/>
+              <a:buNone/>
+              <a:tabLst/>
+              <a:defRPr/>
+            </a:pPr>
+            <a:endParaRPr kumimoji="0" lang="en-US" sz="1800" b="0" i="0" u="none" strike="noStrike" kern="1200" cap="none" spc="0" normalizeH="0" baseline="0" noProof="0">
+              <a:ln>
+                <a:noFill/>
+              </a:ln>
+              <a:solidFill>
+                <a:srgbClr val="FFFFFF"/>
+              </a:solidFill>
+              <a:effectLst/>
+              <a:uLnTx/>
+              <a:uFillTx/>
+              <a:latin typeface="Century Schoolbook" panose="02040604050505020304"/>
+              <a:ea typeface="+mn-ea"/>
+              <a:cs typeface="+mn-cs"/>
+            </a:endParaRPr>
+          </a:p>
+        </p:txBody>
+      </p:sp>
+      <p:pic>
+        <p:nvPicPr>
+          <p:cNvPr id="5" name="Immagine 4">
+            <a:extLst>
+              <a:ext uri="{FF2B5EF4-FFF2-40B4-BE49-F238E27FC236}">
+                <a16:creationId xmlns:a16="http://schemas.microsoft.com/office/drawing/2014/main" id="{662CFD65-98EC-4EAF-AD1B-EFF382586F0E}"/>
+              </a:ext>
+            </a:extLst>
+          </p:cNvPr>
+          <p:cNvPicPr>
+            <a:picLocks noChangeAspect="1"/>
+          </p:cNvPicPr>
+          <p:nvPr/>
+        </p:nvPicPr>
+        <p:blipFill>
+          <a:blip r:embed="rId2"/>
+          <a:stretch>
+            <a:fillRect/>
+          </a:stretch>
+        </p:blipFill>
+        <p:spPr>
+          <a:xfrm>
+            <a:off x="452283" y="-6488"/>
+            <a:ext cx="7500683" cy="6858000"/>
+          </a:xfrm>
+          <a:prstGeom prst="rect">
+            <a:avLst/>
+          </a:prstGeom>
+        </p:spPr>
+      </p:pic>
     </p:spTree>
     <p:extLst>
       <p:ext uri="{BB962C8B-B14F-4D97-AF65-F5344CB8AC3E}">
-        <p14:creationId xmlns:p14="http://schemas.microsoft.com/office/powerpoint/2010/main" val="517097051"/>
+        <p14:creationId xmlns:p14="http://schemas.microsoft.com/office/powerpoint/2010/main" val="694569748"/>
       </p:ext>
     </p:extLst>
   </p:cSld>
@@ -24174,6 +26511,2118 @@
 <file path=ppt/slides/slide30.xml><?xml version="1.0" encoding="utf-8"?>
 <p:sld xmlns:a="http://schemas.openxmlformats.org/drawingml/2006/main" xmlns:r="http://schemas.openxmlformats.org/officeDocument/2006/relationships" xmlns:p="http://schemas.openxmlformats.org/presentationml/2006/main">
   <p:cSld>
+    <p:bg>
+      <p:bgPr>
+        <a:solidFill>
+          <a:schemeClr val="bg2">
+            <a:lumMod val="75000"/>
+          </a:schemeClr>
+        </a:solidFill>
+        <a:effectLst/>
+      </p:bgPr>
+    </p:bg>
+    <p:spTree>
+      <p:nvGrpSpPr>
+        <p:cNvPr id="1" name=""/>
+        <p:cNvGrpSpPr/>
+        <p:nvPr/>
+      </p:nvGrpSpPr>
+      <p:grpSpPr>
+        <a:xfrm>
+          <a:off x="0" y="0"/>
+          <a:ext cx="0" cy="0"/>
+          <a:chOff x="0" y="0"/>
+          <a:chExt cx="0" cy="0"/>
+        </a:xfrm>
+      </p:grpSpPr>
+      <p:sp>
+        <p:nvSpPr>
+          <p:cNvPr id="2" name="Titolo 1">
+            <a:extLst>
+              <a:ext uri="{FF2B5EF4-FFF2-40B4-BE49-F238E27FC236}">
+                <a16:creationId xmlns:a16="http://schemas.microsoft.com/office/drawing/2014/main" id="{0291A3D3-B292-47ED-ABBC-9797B442CFE7}"/>
+              </a:ext>
+            </a:extLst>
+          </p:cNvPr>
+          <p:cNvSpPr>
+            <a:spLocks noGrp="1"/>
+          </p:cNvSpPr>
+          <p:nvPr>
+            <p:ph type="ctrTitle"/>
+          </p:nvPr>
+        </p:nvSpPr>
+        <p:spPr>
+          <a:xfrm>
+            <a:off x="1102282" y="3749041"/>
+            <a:ext cx="10134678" cy="1635760"/>
+          </a:xfrm>
+        </p:spPr>
+        <p:txBody>
+          <a:bodyPr>
+            <a:normAutofit/>
+          </a:bodyPr>
+          <a:lstStyle/>
+          <a:p>
+            <a:pPr algn="ctr"/>
+            <a:r>
+              <a:rPr lang="it-IT" sz="5800" dirty="0" err="1"/>
+              <a:t>Execution</a:t>
+            </a:r>
+            <a:r>
+              <a:rPr lang="it-IT" sz="5800" dirty="0"/>
+              <a:t> of the solver on the model</a:t>
+            </a:r>
+          </a:p>
+        </p:txBody>
+      </p:sp>
+      <p:sp>
+        <p:nvSpPr>
+          <p:cNvPr id="3" name="Sottotitolo 2">
+            <a:extLst>
+              <a:ext uri="{FF2B5EF4-FFF2-40B4-BE49-F238E27FC236}">
+                <a16:creationId xmlns:a16="http://schemas.microsoft.com/office/drawing/2014/main" id="{4B2EB609-C683-4669-90E7-B194B927D423}"/>
+              </a:ext>
+            </a:extLst>
+          </p:cNvPr>
+          <p:cNvSpPr>
+            <a:spLocks noGrp="1"/>
+          </p:cNvSpPr>
+          <p:nvPr>
+            <p:ph type="subTitle" idx="1"/>
+          </p:nvPr>
+        </p:nvSpPr>
+        <p:spPr>
+          <a:xfrm>
+            <a:off x="1348701" y="5384801"/>
+            <a:ext cx="9641840" cy="787399"/>
+          </a:xfrm>
+        </p:spPr>
+        <p:txBody>
+          <a:bodyPr>
+            <a:normAutofit/>
+          </a:bodyPr>
+          <a:lstStyle/>
+          <a:p>
+            <a:pPr algn="ctr"/>
+            <a:r>
+              <a:rPr lang="it-IT" dirty="0" err="1"/>
+              <a:t>paths</a:t>
+            </a:r>
+            <a:r>
+              <a:rPr lang="it-IT" dirty="0"/>
+              <a:t> </a:t>
+            </a:r>
+            <a:r>
+              <a:rPr lang="it-IT" dirty="0" err="1"/>
+              <a:t>found</a:t>
+            </a:r>
+            <a:r>
+              <a:rPr lang="it-IT" dirty="0"/>
+              <a:t> on </a:t>
+            </a:r>
+            <a:r>
+              <a:rPr lang="it-IT" dirty="0" err="1"/>
+              <a:t>our</a:t>
+            </a:r>
+            <a:r>
+              <a:rPr lang="it-IT" dirty="0"/>
+              <a:t> </a:t>
+            </a:r>
+            <a:r>
+              <a:rPr lang="it-IT" dirty="0" err="1"/>
+              <a:t>grid</a:t>
+            </a:r>
+            <a:endParaRPr lang="it-IT" dirty="0"/>
+          </a:p>
+        </p:txBody>
+      </p:sp>
+      <p:pic>
+        <p:nvPicPr>
+          <p:cNvPr id="6" name="Immagine 5" descr="Immagine che contiene testo&#10;&#10;Descrizione generata automaticamente">
+            <a:extLst>
+              <a:ext uri="{FF2B5EF4-FFF2-40B4-BE49-F238E27FC236}">
+                <a16:creationId xmlns:a16="http://schemas.microsoft.com/office/drawing/2014/main" id="{B5C21C61-EDE7-4B35-B381-1F295C321C80}"/>
+              </a:ext>
+            </a:extLst>
+          </p:cNvPr>
+          <p:cNvPicPr>
+            <a:picLocks noChangeAspect="1"/>
+          </p:cNvPicPr>
+          <p:nvPr/>
+        </p:nvPicPr>
+        <p:blipFill>
+          <a:blip r:embed="rId2">
+            <a:extLst>
+              <a:ext uri="{28A0092B-C50C-407E-A947-70E740481C1C}">
+                <a14:useLocalDpi xmlns:a14="http://schemas.microsoft.com/office/drawing/2010/main" val="0"/>
+              </a:ext>
+            </a:extLst>
+          </a:blip>
+          <a:stretch>
+            <a:fillRect/>
+          </a:stretch>
+        </p:blipFill>
+        <p:spPr>
+          <a:xfrm>
+            <a:off x="917950" y="1473199"/>
+            <a:ext cx="10829545" cy="1868097"/>
+          </a:xfrm>
+          <a:prstGeom prst="rect">
+            <a:avLst/>
+          </a:prstGeom>
+        </p:spPr>
+      </p:pic>
+    </p:spTree>
+    <p:extLst>
+      <p:ext uri="{BB962C8B-B14F-4D97-AF65-F5344CB8AC3E}">
+        <p14:creationId xmlns:p14="http://schemas.microsoft.com/office/powerpoint/2010/main" val="3828735430"/>
+      </p:ext>
+    </p:extLst>
+  </p:cSld>
+  <p:clrMapOvr>
+    <a:masterClrMapping/>
+  </p:clrMapOvr>
+</p:sld>
+</file>
+
+<file path=ppt/slides/slide31.xml><?xml version="1.0" encoding="utf-8"?>
+<p:sld xmlns:a="http://schemas.openxmlformats.org/drawingml/2006/main" xmlns:r="http://schemas.openxmlformats.org/officeDocument/2006/relationships" xmlns:p="http://schemas.openxmlformats.org/presentationml/2006/main">
+  <p:cSld>
+    <p:bg>
+      <p:bgPr>
+        <a:solidFill>
+          <a:schemeClr val="bg1"/>
+        </a:solidFill>
+        <a:effectLst/>
+      </p:bgPr>
+    </p:bg>
+    <p:spTree>
+      <p:nvGrpSpPr>
+        <p:cNvPr id="1" name=""/>
+        <p:cNvGrpSpPr/>
+        <p:nvPr/>
+      </p:nvGrpSpPr>
+      <p:grpSpPr>
+        <a:xfrm>
+          <a:off x="0" y="0"/>
+          <a:ext cx="0" cy="0"/>
+          <a:chOff x="0" y="0"/>
+          <a:chExt cx="0" cy="0"/>
+        </a:xfrm>
+      </p:grpSpPr>
+      <p:sp>
+        <p:nvSpPr>
+          <p:cNvPr id="10" name="Rectangle 9">
+            <a:extLst>
+              <a:ext uri="{FF2B5EF4-FFF2-40B4-BE49-F238E27FC236}">
+                <a16:creationId xmlns:a16="http://schemas.microsoft.com/office/drawing/2014/main" id="{C68C397E-C9BC-4DE8-986D-204E427AD949}"/>
+              </a:ext>
+              <a:ext uri="{C183D7F6-B498-43B3-948B-1728B52AA6E4}">
+                <adec:decorative xmlns:adec="http://schemas.microsoft.com/office/drawing/2017/decorative" val="1"/>
+              </a:ext>
+            </a:extLst>
+          </p:cNvPr>
+          <p:cNvSpPr>
+            <a:spLocks noGrp="1" noRot="1" noChangeAspect="1" noMove="1" noResize="1" noEditPoints="1" noAdjustHandles="1" noChangeArrowheads="1" noChangeShapeType="1" noTextEdit="1"/>
+          </p:cNvSpPr>
+          <p:nvPr>
+            <p:extLst>
+              <p:ext uri="{386F3935-93C4-4BCD-93E2-E3B085C9AB24}">
+                <p16:designElem xmlns:p16="http://schemas.microsoft.com/office/powerpoint/2015/main" val="1"/>
+              </p:ext>
+            </p:extLst>
+          </p:nvPr>
+        </p:nvSpPr>
+        <p:spPr>
+          <a:xfrm>
+            <a:off x="11292840" y="0"/>
+            <a:ext cx="914400" cy="6858000"/>
+          </a:xfrm>
+          <a:prstGeom prst="rect">
+            <a:avLst/>
+          </a:prstGeom>
+          <a:solidFill>
+            <a:schemeClr val="tx2">
+              <a:lumMod val="75000"/>
+            </a:schemeClr>
+          </a:solidFill>
+          <a:ln>
+            <a:noFill/>
+          </a:ln>
+        </p:spPr>
+        <p:style>
+          <a:lnRef idx="2">
+            <a:schemeClr val="accent1">
+              <a:shade val="50000"/>
+            </a:schemeClr>
+          </a:lnRef>
+          <a:fillRef idx="1">
+            <a:schemeClr val="accent1"/>
+          </a:fillRef>
+          <a:effectRef idx="0">
+            <a:schemeClr val="accent1"/>
+          </a:effectRef>
+          <a:fontRef idx="minor">
+            <a:schemeClr val="lt1"/>
+          </a:fontRef>
+        </p:style>
+      </p:sp>
+      <p:sp>
+        <p:nvSpPr>
+          <p:cNvPr id="12" name="Rectangle 11">
+            <a:extLst>
+              <a:ext uri="{FF2B5EF4-FFF2-40B4-BE49-F238E27FC236}">
+                <a16:creationId xmlns:a16="http://schemas.microsoft.com/office/drawing/2014/main" id="{30B3D270-B19D-4DB8-BD3C-3E707485B515}"/>
+              </a:ext>
+              <a:ext uri="{C183D7F6-B498-43B3-948B-1728B52AA6E4}">
+                <adec:decorative xmlns:adec="http://schemas.microsoft.com/office/drawing/2017/decorative" val="1"/>
+              </a:ext>
+            </a:extLst>
+          </p:cNvPr>
+          <p:cNvSpPr>
+            <a:spLocks noGrp="1" noRot="1" noChangeAspect="1" noMove="1" noResize="1" noEditPoints="1" noAdjustHandles="1" noChangeArrowheads="1" noChangeShapeType="1" noTextEdit="1"/>
+          </p:cNvSpPr>
+          <p:nvPr>
+            <p:extLst>
+              <p:ext uri="{386F3935-93C4-4BCD-93E2-E3B085C9AB24}">
+                <p16:designElem xmlns:p16="http://schemas.microsoft.com/office/powerpoint/2015/main" val="1"/>
+              </p:ext>
+            </p:extLst>
+          </p:nvPr>
+        </p:nvSpPr>
+        <p:spPr>
+          <a:xfrm>
+            <a:off x="1" y="0"/>
+            <a:ext cx="4055416" cy="6858000"/>
+          </a:xfrm>
+          <a:prstGeom prst="rect">
+            <a:avLst/>
+          </a:prstGeom>
+          <a:solidFill>
+            <a:schemeClr val="accent1"/>
+          </a:solidFill>
+          <a:ln>
+            <a:noFill/>
+          </a:ln>
+        </p:spPr>
+        <p:style>
+          <a:lnRef idx="0">
+            <a:scrgbClr r="0" g="0" b="0"/>
+          </a:lnRef>
+          <a:fillRef idx="0">
+            <a:scrgbClr r="0" g="0" b="0"/>
+          </a:fillRef>
+          <a:effectRef idx="0">
+            <a:scrgbClr r="0" g="0" b="0"/>
+          </a:effectRef>
+          <a:fontRef idx="minor">
+            <a:schemeClr val="lt1"/>
+          </a:fontRef>
+        </p:style>
+        <p:txBody>
+          <a:bodyPr rtlCol="0" anchor="ctr"/>
+          <a:lstStyle/>
+          <a:p>
+            <a:pPr marL="0" marR="0" lvl="0" indent="0" algn="ctr" defTabSz="457200" rtl="0" eaLnBrk="1" fontAlgn="auto" latinLnBrk="0" hangingPunct="1">
+              <a:lnSpc>
+                <a:spcPct val="100000"/>
+              </a:lnSpc>
+              <a:spcBef>
+                <a:spcPts val="0"/>
+              </a:spcBef>
+              <a:spcAft>
+                <a:spcPts val="0"/>
+              </a:spcAft>
+              <a:buClrTx/>
+              <a:buSzTx/>
+              <a:buFontTx/>
+              <a:buNone/>
+              <a:tabLst/>
+              <a:defRPr/>
+            </a:pPr>
+            <a:endParaRPr kumimoji="0" lang="en-US" sz="1800" b="0" i="0" u="none" strike="noStrike" kern="1200" cap="none" spc="0" normalizeH="0" baseline="0" noProof="0">
+              <a:ln>
+                <a:noFill/>
+              </a:ln>
+              <a:solidFill>
+                <a:srgbClr val="FFFFFF"/>
+              </a:solidFill>
+              <a:effectLst/>
+              <a:uLnTx/>
+              <a:uFillTx/>
+              <a:latin typeface="Century Schoolbook" panose="02040604050505020304"/>
+              <a:ea typeface="+mn-ea"/>
+              <a:cs typeface="+mn-cs"/>
+            </a:endParaRPr>
+          </a:p>
+        </p:txBody>
+      </p:sp>
+      <p:sp>
+        <p:nvSpPr>
+          <p:cNvPr id="2" name="Titolo 1">
+            <a:extLst>
+              <a:ext uri="{FF2B5EF4-FFF2-40B4-BE49-F238E27FC236}">
+                <a16:creationId xmlns:a16="http://schemas.microsoft.com/office/drawing/2014/main" id="{B7BB8695-A9D0-4C59-BE51-433C13BE28BE}"/>
+              </a:ext>
+            </a:extLst>
+          </p:cNvPr>
+          <p:cNvSpPr>
+            <a:spLocks noGrp="1"/>
+          </p:cNvSpPr>
+          <p:nvPr>
+            <p:ph type="title"/>
+          </p:nvPr>
+        </p:nvSpPr>
+        <p:spPr>
+          <a:xfrm>
+            <a:off x="566058" y="836023"/>
+            <a:ext cx="2718788" cy="5183777"/>
+          </a:xfrm>
+        </p:spPr>
+        <p:txBody>
+          <a:bodyPr vert="horz" lIns="91440" tIns="45720" rIns="91440" bIns="45720" rtlCol="0" anchor="ctr">
+            <a:normAutofit/>
+          </a:bodyPr>
+          <a:lstStyle/>
+          <a:p>
+            <a:r>
+              <a:rPr lang="en-US" sz="3600">
+                <a:solidFill>
+                  <a:srgbClr val="FFFFFF"/>
+                </a:solidFill>
+              </a:rPr>
+              <a:t>Analysis on scalability of the tool</a:t>
+            </a:r>
+          </a:p>
+        </p:txBody>
+      </p:sp>
+      <p:sp>
+        <p:nvSpPr>
+          <p:cNvPr id="14" name="Rectangle 13">
+            <a:extLst>
+              <a:ext uri="{FF2B5EF4-FFF2-40B4-BE49-F238E27FC236}">
+                <a16:creationId xmlns:a16="http://schemas.microsoft.com/office/drawing/2014/main" id="{49BDAF94-B52E-4307-B54C-EF413086FC77}"/>
+              </a:ext>
+              <a:ext uri="{C183D7F6-B498-43B3-948B-1728B52AA6E4}">
+                <adec:decorative xmlns:adec="http://schemas.microsoft.com/office/drawing/2017/decorative" val="1"/>
+              </a:ext>
+            </a:extLst>
+          </p:cNvPr>
+          <p:cNvSpPr>
+            <a:spLocks noGrp="1" noRot="1" noChangeAspect="1" noMove="1" noResize="1" noEditPoints="1" noAdjustHandles="1" noChangeArrowheads="1" noChangeShapeType="1" noTextEdit="1"/>
+          </p:cNvSpPr>
+          <p:nvPr>
+            <p:extLst>
+              <p:ext uri="{386F3935-93C4-4BCD-93E2-E3B085C9AB24}">
+                <p16:designElem xmlns:p16="http://schemas.microsoft.com/office/powerpoint/2015/main" val="1"/>
+              </p:ext>
+            </p:extLst>
+          </p:nvPr>
+        </p:nvSpPr>
+        <p:spPr>
+          <a:xfrm>
+            <a:off x="11292840" y="0"/>
+            <a:ext cx="914400" cy="6858000"/>
+          </a:xfrm>
+          <a:prstGeom prst="rect">
+            <a:avLst/>
+          </a:prstGeom>
+          <a:solidFill>
+            <a:schemeClr val="tx2">
+              <a:lumMod val="75000"/>
+            </a:schemeClr>
+          </a:solidFill>
+          <a:ln>
+            <a:noFill/>
+          </a:ln>
+        </p:spPr>
+        <p:style>
+          <a:lnRef idx="2">
+            <a:schemeClr val="accent1">
+              <a:shade val="50000"/>
+            </a:schemeClr>
+          </a:lnRef>
+          <a:fillRef idx="1">
+            <a:schemeClr val="accent1"/>
+          </a:fillRef>
+          <a:effectRef idx="0">
+            <a:schemeClr val="accent1"/>
+          </a:effectRef>
+          <a:fontRef idx="minor">
+            <a:schemeClr val="lt1"/>
+          </a:fontRef>
+        </p:style>
+      </p:sp>
+      <p:graphicFrame>
+        <p:nvGraphicFramePr>
+          <p:cNvPr id="6" name="CasellaDiTesto 3">
+            <a:extLst>
+              <a:ext uri="{FF2B5EF4-FFF2-40B4-BE49-F238E27FC236}">
+                <a16:creationId xmlns:a16="http://schemas.microsoft.com/office/drawing/2014/main" id="{9A8AD107-1E45-4FE0-9E7A-6E3B9915AB20}"/>
+              </a:ext>
+            </a:extLst>
+          </p:cNvPr>
+          <p:cNvGraphicFramePr/>
+          <p:nvPr/>
+        </p:nvGraphicFramePr>
+        <p:xfrm>
+          <a:off x="4658815" y="804672"/>
+          <a:ext cx="5990136" cy="5262054"/>
+        </p:xfrm>
+        <a:graphic>
+          <a:graphicData uri="http://schemas.openxmlformats.org/drawingml/2006/diagram">
+            <dgm:relIds xmlns:dgm="http://schemas.openxmlformats.org/drawingml/2006/diagram" xmlns:r="http://schemas.openxmlformats.org/officeDocument/2006/relationships" r:dm="rId2" r:lo="rId3" r:qs="rId4" r:cs="rId5"/>
+          </a:graphicData>
+        </a:graphic>
+      </p:graphicFrame>
+    </p:spTree>
+    <p:extLst>
+      <p:ext uri="{BB962C8B-B14F-4D97-AF65-F5344CB8AC3E}">
+        <p14:creationId xmlns:p14="http://schemas.microsoft.com/office/powerpoint/2010/main" val="727034527"/>
+      </p:ext>
+    </p:extLst>
+  </p:cSld>
+  <p:clrMapOvr>
+    <a:masterClrMapping/>
+  </p:clrMapOvr>
+</p:sld>
+</file>
+
+<file path=ppt/slides/slide32.xml><?xml version="1.0" encoding="utf-8"?>
+<p:sld xmlns:a="http://schemas.openxmlformats.org/drawingml/2006/main" xmlns:r="http://schemas.openxmlformats.org/officeDocument/2006/relationships" xmlns:p="http://schemas.openxmlformats.org/presentationml/2006/main">
+  <p:cSld>
+    <p:bg>
+      <p:bgPr>
+        <a:solidFill>
+          <a:schemeClr val="bg1"/>
+        </a:solidFill>
+        <a:effectLst/>
+      </p:bgPr>
+    </p:bg>
+    <p:spTree>
+      <p:nvGrpSpPr>
+        <p:cNvPr id="1" name=""/>
+        <p:cNvGrpSpPr/>
+        <p:nvPr/>
+      </p:nvGrpSpPr>
+      <p:grpSpPr>
+        <a:xfrm>
+          <a:off x="0" y="0"/>
+          <a:ext cx="0" cy="0"/>
+          <a:chOff x="0" y="0"/>
+          <a:chExt cx="0" cy="0"/>
+        </a:xfrm>
+      </p:grpSpPr>
+      <p:sp useBgFill="1">
+        <p:nvSpPr>
+          <p:cNvPr id="15" name="Rectangle 9">
+            <a:extLst>
+              <a:ext uri="{FF2B5EF4-FFF2-40B4-BE49-F238E27FC236}">
+                <a16:creationId xmlns:a16="http://schemas.microsoft.com/office/drawing/2014/main" id="{D0CDF5D3-7220-42A0-9D37-ECF3BF283B37}"/>
+              </a:ext>
+              <a:ext uri="{C183D7F6-B498-43B3-948B-1728B52AA6E4}">
+                <adec:decorative xmlns:adec="http://schemas.microsoft.com/office/drawing/2017/decorative" val="1"/>
+              </a:ext>
+            </a:extLst>
+          </p:cNvPr>
+          <p:cNvSpPr>
+            <a:spLocks noGrp="1" noRot="1" noChangeAspect="1" noMove="1" noResize="1" noEditPoints="1" noAdjustHandles="1" noChangeArrowheads="1" noChangeShapeType="1" noTextEdit="1"/>
+          </p:cNvSpPr>
+          <p:nvPr>
+            <p:extLst>
+              <p:ext uri="{386F3935-93C4-4BCD-93E2-E3B085C9AB24}">
+                <p16:designElem xmlns:p16="http://schemas.microsoft.com/office/powerpoint/2015/main" val="1"/>
+              </p:ext>
+            </p:extLst>
+          </p:nvPr>
+        </p:nvSpPr>
+        <p:spPr>
+          <a:xfrm>
+            <a:off x="457200" y="0"/>
+            <a:ext cx="10835640" cy="5105400"/>
+          </a:xfrm>
+          <a:prstGeom prst="rect">
+            <a:avLst/>
+          </a:prstGeom>
+          <a:ln>
+            <a:noFill/>
+          </a:ln>
+        </p:spPr>
+        <p:style>
+          <a:lnRef idx="2">
+            <a:schemeClr val="accent1">
+              <a:shade val="50000"/>
+            </a:schemeClr>
+          </a:lnRef>
+          <a:fillRef idx="1">
+            <a:schemeClr val="accent1"/>
+          </a:fillRef>
+          <a:effectRef idx="0">
+            <a:schemeClr val="accent1"/>
+          </a:effectRef>
+          <a:fontRef idx="minor">
+            <a:schemeClr val="lt1"/>
+          </a:fontRef>
+        </p:style>
+      </p:sp>
+      <p:sp>
+        <p:nvSpPr>
+          <p:cNvPr id="17" name="Rectangle 11">
+            <a:extLst>
+              <a:ext uri="{FF2B5EF4-FFF2-40B4-BE49-F238E27FC236}">
+                <a16:creationId xmlns:a16="http://schemas.microsoft.com/office/drawing/2014/main" id="{64BC717F-58B3-4A4E-BC3B-1B11323AD5C9}"/>
+              </a:ext>
+              <a:ext uri="{C183D7F6-B498-43B3-948B-1728B52AA6E4}">
+                <adec:decorative xmlns:adec="http://schemas.microsoft.com/office/drawing/2017/decorative" val="1"/>
+              </a:ext>
+            </a:extLst>
+          </p:cNvPr>
+          <p:cNvSpPr>
+            <a:spLocks noGrp="1" noRot="1" noChangeAspect="1" noMove="1" noResize="1" noEditPoints="1" noAdjustHandles="1" noChangeArrowheads="1" noChangeShapeType="1" noTextEdit="1"/>
+          </p:cNvSpPr>
+          <p:nvPr>
+            <p:extLst>
+              <p:ext uri="{386F3935-93C4-4BCD-93E2-E3B085C9AB24}">
+                <p16:designElem xmlns:p16="http://schemas.microsoft.com/office/powerpoint/2015/main" val="1"/>
+              </p:ext>
+            </p:extLst>
+          </p:nvPr>
+        </p:nvSpPr>
+        <p:spPr>
+          <a:xfrm>
+            <a:off x="457200" y="5105400"/>
+            <a:ext cx="10835640" cy="1752600"/>
+          </a:xfrm>
+          <a:prstGeom prst="rect">
+            <a:avLst/>
+          </a:prstGeom>
+          <a:solidFill>
+            <a:srgbClr val="353537"/>
+          </a:solidFill>
+          <a:ln>
+            <a:noFill/>
+          </a:ln>
+        </p:spPr>
+        <p:style>
+          <a:lnRef idx="2">
+            <a:schemeClr val="accent1">
+              <a:shade val="50000"/>
+            </a:schemeClr>
+          </a:lnRef>
+          <a:fillRef idx="1">
+            <a:schemeClr val="accent1"/>
+          </a:fillRef>
+          <a:effectRef idx="0">
+            <a:schemeClr val="accent1"/>
+          </a:effectRef>
+          <a:fontRef idx="minor">
+            <a:schemeClr val="lt1"/>
+          </a:fontRef>
+        </p:style>
+      </p:sp>
+      <p:sp>
+        <p:nvSpPr>
+          <p:cNvPr id="2" name="Titolo 1">
+            <a:extLst>
+              <a:ext uri="{FF2B5EF4-FFF2-40B4-BE49-F238E27FC236}">
+                <a16:creationId xmlns:a16="http://schemas.microsoft.com/office/drawing/2014/main" id="{5C5E9109-1498-42B5-9C0D-9F61724C4D12}"/>
+              </a:ext>
+            </a:extLst>
+          </p:cNvPr>
+          <p:cNvSpPr>
+            <a:spLocks noGrp="1"/>
+          </p:cNvSpPr>
+          <p:nvPr>
+            <p:ph type="ctrTitle"/>
+          </p:nvPr>
+        </p:nvSpPr>
+        <p:spPr>
+          <a:xfrm>
+            <a:off x="944183" y="5181600"/>
+            <a:ext cx="10156435" cy="1076324"/>
+          </a:xfrm>
+        </p:spPr>
+        <p:txBody>
+          <a:bodyPr>
+            <a:normAutofit/>
+          </a:bodyPr>
+          <a:lstStyle/>
+          <a:p>
+            <a:r>
+              <a:rPr lang="it-IT" sz="5400" dirty="0">
+                <a:solidFill>
+                  <a:srgbClr val="FFFFFF"/>
+                </a:solidFill>
+              </a:rPr>
+              <a:t>Performance </a:t>
+            </a:r>
+            <a:r>
+              <a:rPr lang="it-IT" sz="5400" dirty="0" err="1">
+                <a:solidFill>
+                  <a:srgbClr val="FFFFFF"/>
+                </a:solidFill>
+              </a:rPr>
+              <a:t>analysis</a:t>
+            </a:r>
+            <a:r>
+              <a:rPr lang="it-IT" sz="5400" dirty="0">
+                <a:solidFill>
+                  <a:srgbClr val="FFFFFF"/>
+                </a:solidFill>
+              </a:rPr>
+              <a:t> </a:t>
+            </a:r>
+            <a:r>
+              <a:rPr lang="it-IT" sz="5400" dirty="0" err="1">
+                <a:solidFill>
+                  <a:srgbClr val="FFFFFF"/>
+                </a:solidFill>
+              </a:rPr>
+              <a:t>results</a:t>
+            </a:r>
+            <a:endParaRPr lang="it-IT" sz="5400" dirty="0">
+              <a:solidFill>
+                <a:srgbClr val="FFFFFF"/>
+              </a:solidFill>
+            </a:endParaRPr>
+          </a:p>
+        </p:txBody>
+      </p:sp>
+      <p:sp>
+        <p:nvSpPr>
+          <p:cNvPr id="3" name="Sottotitolo 2">
+            <a:extLst>
+              <a:ext uri="{FF2B5EF4-FFF2-40B4-BE49-F238E27FC236}">
+                <a16:creationId xmlns:a16="http://schemas.microsoft.com/office/drawing/2014/main" id="{442B35D4-4DB7-47AC-8385-593EA06DD205}"/>
+              </a:ext>
+            </a:extLst>
+          </p:cNvPr>
+          <p:cNvSpPr>
+            <a:spLocks noGrp="1"/>
+          </p:cNvSpPr>
+          <p:nvPr>
+            <p:ph type="subTitle" idx="1"/>
+          </p:nvPr>
+        </p:nvSpPr>
+        <p:spPr>
+          <a:xfrm>
+            <a:off x="944182" y="6229349"/>
+            <a:ext cx="9747821" cy="536576"/>
+          </a:xfrm>
+        </p:spPr>
+        <p:txBody>
+          <a:bodyPr>
+            <a:normAutofit/>
+          </a:bodyPr>
+          <a:lstStyle/>
+          <a:p>
+            <a:r>
+              <a:rPr lang="it-IT" sz="1600" dirty="0" err="1">
+                <a:solidFill>
+                  <a:srgbClr val="BFBFBF"/>
+                </a:solidFill>
+              </a:rPr>
+              <a:t>Evident</a:t>
+            </a:r>
+            <a:r>
+              <a:rPr lang="it-IT" sz="1600" dirty="0">
+                <a:solidFill>
+                  <a:srgbClr val="BFBFBF"/>
+                </a:solidFill>
+              </a:rPr>
+              <a:t> </a:t>
+            </a:r>
+            <a:r>
+              <a:rPr lang="it-IT" sz="1600" dirty="0" err="1">
+                <a:solidFill>
+                  <a:srgbClr val="BFBFBF"/>
+                </a:solidFill>
+              </a:rPr>
+              <a:t>exp</a:t>
+            </a:r>
+            <a:r>
+              <a:rPr lang="it-IT" sz="1600" dirty="0">
+                <a:solidFill>
+                  <a:srgbClr val="BFBFBF"/>
+                </a:solidFill>
+              </a:rPr>
+              <a:t>. Trend ! </a:t>
+            </a:r>
+            <a:r>
+              <a:rPr lang="it-IT" sz="1600" dirty="0" err="1">
+                <a:solidFill>
+                  <a:srgbClr val="BFBFBF"/>
+                </a:solidFill>
+              </a:rPr>
+              <a:t>This</a:t>
+            </a:r>
+            <a:r>
+              <a:rPr lang="it-IT" sz="1600" dirty="0">
+                <a:solidFill>
+                  <a:srgbClr val="BFBFBF"/>
+                </a:solidFill>
+              </a:rPr>
+              <a:t> </a:t>
+            </a:r>
+            <a:r>
+              <a:rPr lang="it-IT" sz="1600" dirty="0" err="1">
+                <a:solidFill>
+                  <a:srgbClr val="BFBFBF"/>
+                </a:solidFill>
+              </a:rPr>
+              <a:t>implies</a:t>
+            </a:r>
+            <a:r>
+              <a:rPr lang="it-IT" sz="1600" dirty="0">
+                <a:solidFill>
+                  <a:srgbClr val="BFBFBF"/>
+                </a:solidFill>
+              </a:rPr>
+              <a:t> </a:t>
+            </a:r>
+            <a:r>
+              <a:rPr lang="it-IT" sz="1600" dirty="0" err="1">
+                <a:solidFill>
+                  <a:srgbClr val="BFBFBF"/>
+                </a:solidFill>
+              </a:rPr>
+              <a:t>that</a:t>
+            </a:r>
+            <a:r>
+              <a:rPr lang="it-IT" sz="1600" dirty="0">
+                <a:solidFill>
+                  <a:srgbClr val="BFBFBF"/>
+                </a:solidFill>
+              </a:rPr>
+              <a:t> </a:t>
+            </a:r>
+            <a:r>
+              <a:rPr lang="it-IT" sz="1600" dirty="0" err="1">
+                <a:solidFill>
+                  <a:srgbClr val="BFBFBF"/>
+                </a:solidFill>
+              </a:rPr>
+              <a:t>it’s</a:t>
+            </a:r>
+            <a:r>
+              <a:rPr lang="it-IT" sz="1600" dirty="0">
+                <a:solidFill>
+                  <a:srgbClr val="BFBFBF"/>
+                </a:solidFill>
+              </a:rPr>
+              <a:t> a good </a:t>
+            </a:r>
+            <a:r>
+              <a:rPr lang="it-IT" sz="1600" dirty="0" err="1">
+                <a:solidFill>
+                  <a:srgbClr val="BFBFBF"/>
+                </a:solidFill>
+              </a:rPr>
+              <a:t>practice</a:t>
+            </a:r>
+            <a:r>
+              <a:rPr lang="it-IT" sz="1600" dirty="0">
+                <a:solidFill>
+                  <a:srgbClr val="BFBFBF"/>
+                </a:solidFill>
+              </a:rPr>
+              <a:t> split a task in </a:t>
+            </a:r>
+            <a:r>
+              <a:rPr lang="it-IT" sz="1600" dirty="0" err="1">
+                <a:solidFill>
+                  <a:srgbClr val="BFBFBF"/>
+                </a:solidFill>
+              </a:rPr>
+              <a:t>other</a:t>
+            </a:r>
+            <a:r>
+              <a:rPr lang="it-IT" sz="1600" dirty="0">
+                <a:solidFill>
+                  <a:srgbClr val="BFBFBF"/>
+                </a:solidFill>
+              </a:rPr>
+              <a:t> tasks</a:t>
+            </a:r>
+          </a:p>
+        </p:txBody>
+      </p:sp>
+      <p:sp>
+        <p:nvSpPr>
+          <p:cNvPr id="14" name="Rectangle 13">
+            <a:extLst>
+              <a:ext uri="{FF2B5EF4-FFF2-40B4-BE49-F238E27FC236}">
+                <a16:creationId xmlns:a16="http://schemas.microsoft.com/office/drawing/2014/main" id="{1EE75710-64C5-4CA8-8A7C-82EE4125C90D}"/>
+              </a:ext>
+              <a:ext uri="{C183D7F6-B498-43B3-948B-1728B52AA6E4}">
+                <adec:decorative xmlns:adec="http://schemas.microsoft.com/office/drawing/2017/decorative" val="1"/>
+              </a:ext>
+            </a:extLst>
+          </p:cNvPr>
+          <p:cNvSpPr>
+            <a:spLocks noGrp="1" noRot="1" noChangeAspect="1" noMove="1" noResize="1" noEditPoints="1" noAdjustHandles="1" noChangeArrowheads="1" noChangeShapeType="1" noTextEdit="1"/>
+          </p:cNvSpPr>
+          <p:nvPr>
+            <p:extLst>
+              <p:ext uri="{386F3935-93C4-4BCD-93E2-E3B085C9AB24}">
+                <p16:designElem xmlns:p16="http://schemas.microsoft.com/office/powerpoint/2015/main" val="1"/>
+              </p:ext>
+            </p:extLst>
+          </p:nvPr>
+        </p:nvSpPr>
+        <p:spPr>
+          <a:xfrm>
+            <a:off x="0" y="0"/>
+            <a:ext cx="457200" cy="6858000"/>
+          </a:xfrm>
+          <a:prstGeom prst="rect">
+            <a:avLst/>
+          </a:prstGeom>
+          <a:solidFill>
+            <a:srgbClr val="6F6F74"/>
+          </a:solidFill>
+          <a:ln>
+            <a:noFill/>
+          </a:ln>
+        </p:spPr>
+        <p:style>
+          <a:lnRef idx="2">
+            <a:schemeClr val="accent1">
+              <a:shade val="50000"/>
+            </a:schemeClr>
+          </a:lnRef>
+          <a:fillRef idx="1">
+            <a:schemeClr val="accent1"/>
+          </a:fillRef>
+          <a:effectRef idx="0">
+            <a:schemeClr val="accent1"/>
+          </a:effectRef>
+          <a:fontRef idx="minor">
+            <a:schemeClr val="lt1"/>
+          </a:fontRef>
+        </p:style>
+        <p:txBody>
+          <a:bodyPr rtlCol="0" anchor="ctr"/>
+          <a:lstStyle/>
+          <a:p>
+            <a:pPr marL="0" marR="0" lvl="0" indent="0" algn="ctr" defTabSz="457200" rtl="0" eaLnBrk="1" fontAlgn="auto" latinLnBrk="0" hangingPunct="1">
+              <a:lnSpc>
+                <a:spcPct val="100000"/>
+              </a:lnSpc>
+              <a:spcBef>
+                <a:spcPts val="0"/>
+              </a:spcBef>
+              <a:spcAft>
+                <a:spcPts val="0"/>
+              </a:spcAft>
+              <a:buClrTx/>
+              <a:buSzTx/>
+              <a:buFontTx/>
+              <a:buNone/>
+              <a:tabLst/>
+              <a:defRPr/>
+            </a:pPr>
+            <a:endParaRPr kumimoji="0" lang="en-US" sz="1800" b="0" i="0" u="none" strike="noStrike" kern="1200" cap="none" spc="0" normalizeH="0" baseline="0" noProof="0">
+              <a:ln>
+                <a:noFill/>
+              </a:ln>
+              <a:solidFill>
+                <a:srgbClr val="FFFFFF"/>
+              </a:solidFill>
+              <a:effectLst/>
+              <a:uLnTx/>
+              <a:uFillTx/>
+              <a:latin typeface="Century Schoolbook" panose="02040604050505020304"/>
+              <a:ea typeface="+mn-ea"/>
+              <a:cs typeface="+mn-cs"/>
+            </a:endParaRPr>
+          </a:p>
+        </p:txBody>
+      </p:sp>
+      <p:pic>
+        <p:nvPicPr>
+          <p:cNvPr id="5" name="Immagine 4">
+            <a:extLst>
+              <a:ext uri="{FF2B5EF4-FFF2-40B4-BE49-F238E27FC236}">
+                <a16:creationId xmlns:a16="http://schemas.microsoft.com/office/drawing/2014/main" id="{7B45ED3E-54B8-4BB7-8E4B-C5136231C433}"/>
+              </a:ext>
+            </a:extLst>
+          </p:cNvPr>
+          <p:cNvPicPr>
+            <a:picLocks noChangeAspect="1"/>
+          </p:cNvPicPr>
+          <p:nvPr/>
+        </p:nvPicPr>
+        <p:blipFill>
+          <a:blip r:embed="rId2">
+            <a:extLst>
+              <a:ext uri="{28A0092B-C50C-407E-A947-70E740481C1C}">
+                <a14:useLocalDpi xmlns:a14="http://schemas.microsoft.com/office/drawing/2010/main" val="0"/>
+              </a:ext>
+            </a:extLst>
+          </a:blip>
+          <a:stretch>
+            <a:fillRect/>
+          </a:stretch>
+        </p:blipFill>
+        <p:spPr>
+          <a:xfrm>
+            <a:off x="2882644" y="640081"/>
+            <a:ext cx="6023995" cy="3825240"/>
+          </a:xfrm>
+          <a:prstGeom prst="rect">
+            <a:avLst/>
+          </a:prstGeom>
+        </p:spPr>
+      </p:pic>
+      <p:sp>
+        <p:nvSpPr>
+          <p:cNvPr id="16" name="Rectangle 15">
+            <a:extLst>
+              <a:ext uri="{FF2B5EF4-FFF2-40B4-BE49-F238E27FC236}">
+                <a16:creationId xmlns:a16="http://schemas.microsoft.com/office/drawing/2014/main" id="{435050B1-74E1-4A81-923D-0F5971A3BC01}"/>
+              </a:ext>
+              <a:ext uri="{C183D7F6-B498-43B3-948B-1728B52AA6E4}">
+                <adec:decorative xmlns:adec="http://schemas.microsoft.com/office/drawing/2017/decorative" val="1"/>
+              </a:ext>
+            </a:extLst>
+          </p:cNvPr>
+          <p:cNvSpPr>
+            <a:spLocks noGrp="1" noRot="1" noChangeAspect="1" noMove="1" noResize="1" noEditPoints="1" noAdjustHandles="1" noChangeArrowheads="1" noChangeShapeType="1" noTextEdit="1"/>
+          </p:cNvSpPr>
+          <p:nvPr>
+            <p:extLst>
+              <p:ext uri="{386F3935-93C4-4BCD-93E2-E3B085C9AB24}">
+                <p16:designElem xmlns:p16="http://schemas.microsoft.com/office/powerpoint/2015/main" val="1"/>
+              </p:ext>
+            </p:extLst>
+          </p:nvPr>
+        </p:nvSpPr>
+        <p:spPr>
+          <a:xfrm>
+            <a:off x="11292840" y="0"/>
+            <a:ext cx="899160" cy="6858000"/>
+          </a:xfrm>
+          <a:prstGeom prst="rect">
+            <a:avLst/>
+          </a:prstGeom>
+          <a:solidFill>
+            <a:srgbClr val="353537"/>
+          </a:solidFill>
+          <a:ln>
+            <a:noFill/>
+          </a:ln>
+        </p:spPr>
+        <p:style>
+          <a:lnRef idx="2">
+            <a:schemeClr val="accent1">
+              <a:shade val="50000"/>
+            </a:schemeClr>
+          </a:lnRef>
+          <a:fillRef idx="1">
+            <a:schemeClr val="accent1"/>
+          </a:fillRef>
+          <a:effectRef idx="0">
+            <a:schemeClr val="accent1"/>
+          </a:effectRef>
+          <a:fontRef idx="minor">
+            <a:schemeClr val="lt1"/>
+          </a:fontRef>
+        </p:style>
+        <p:txBody>
+          <a:bodyPr rtlCol="0" anchor="ctr"/>
+          <a:lstStyle/>
+          <a:p>
+            <a:pPr marL="0" marR="0" lvl="0" indent="0" algn="ctr" defTabSz="457200" rtl="0" eaLnBrk="1" fontAlgn="auto" latinLnBrk="0" hangingPunct="1">
+              <a:lnSpc>
+                <a:spcPct val="100000"/>
+              </a:lnSpc>
+              <a:spcBef>
+                <a:spcPts val="0"/>
+              </a:spcBef>
+              <a:spcAft>
+                <a:spcPts val="0"/>
+              </a:spcAft>
+              <a:buClrTx/>
+              <a:buSzTx/>
+              <a:buFontTx/>
+              <a:buNone/>
+              <a:tabLst/>
+              <a:defRPr/>
+            </a:pPr>
+            <a:endParaRPr kumimoji="0" lang="en-US" sz="1800" b="0" i="0" u="none" strike="noStrike" kern="1200" cap="none" spc="0" normalizeH="0" baseline="0" noProof="0">
+              <a:ln>
+                <a:noFill/>
+              </a:ln>
+              <a:solidFill>
+                <a:srgbClr val="FFFFFF"/>
+              </a:solidFill>
+              <a:effectLst/>
+              <a:uLnTx/>
+              <a:uFillTx/>
+              <a:latin typeface="Century Schoolbook" panose="02040604050505020304"/>
+              <a:ea typeface="+mn-ea"/>
+              <a:cs typeface="+mn-cs"/>
+            </a:endParaRPr>
+          </a:p>
+        </p:txBody>
+      </p:sp>
+    </p:spTree>
+    <p:extLst>
+      <p:ext uri="{BB962C8B-B14F-4D97-AF65-F5344CB8AC3E}">
+        <p14:creationId xmlns:p14="http://schemas.microsoft.com/office/powerpoint/2010/main" val="3769335257"/>
+      </p:ext>
+    </p:extLst>
+  </p:cSld>
+  <p:clrMapOvr>
+    <a:overrideClrMapping bg1="lt1" tx1="dk1" bg2="lt2" tx2="dk2" accent1="accent1" accent2="accent2" accent3="accent3" accent4="accent4" accent5="accent5" accent6="accent6" hlink="hlink" folHlink="folHlink"/>
+  </p:clrMapOvr>
+</p:sld>
+</file>
+
+<file path=ppt/slides/slide33.xml><?xml version="1.0" encoding="utf-8"?>
+<p:sld xmlns:a="http://schemas.openxmlformats.org/drawingml/2006/main" xmlns:r="http://schemas.openxmlformats.org/officeDocument/2006/relationships" xmlns:p="http://schemas.openxmlformats.org/presentationml/2006/main">
+  <p:cSld>
+    <p:bg>
+      <p:bgPr>
+        <a:solidFill>
+          <a:schemeClr val="bg1"/>
+        </a:solidFill>
+        <a:effectLst/>
+      </p:bgPr>
+    </p:bg>
+    <p:spTree>
+      <p:nvGrpSpPr>
+        <p:cNvPr id="1" name=""/>
+        <p:cNvGrpSpPr/>
+        <p:nvPr/>
+      </p:nvGrpSpPr>
+      <p:grpSpPr>
+        <a:xfrm>
+          <a:off x="0" y="0"/>
+          <a:ext cx="0" cy="0"/>
+          <a:chOff x="0" y="0"/>
+          <a:chExt cx="0" cy="0"/>
+        </a:xfrm>
+      </p:grpSpPr>
+      <p:sp useBgFill="1">
+        <p:nvSpPr>
+          <p:cNvPr id="11" name="Rectangle 10">
+            <a:extLst>
+              <a:ext uri="{FF2B5EF4-FFF2-40B4-BE49-F238E27FC236}">
+                <a16:creationId xmlns:a16="http://schemas.microsoft.com/office/drawing/2014/main" id="{EFB0C39A-F8CA-4A79-AFFC-E9780FB1991A}"/>
+              </a:ext>
+              <a:ext uri="{C183D7F6-B498-43B3-948B-1728B52AA6E4}">
+                <adec:decorative xmlns:adec="http://schemas.microsoft.com/office/drawing/2017/decorative" val="1"/>
+              </a:ext>
+            </a:extLst>
+          </p:cNvPr>
+          <p:cNvSpPr>
+            <a:spLocks noGrp="1" noRot="1" noChangeAspect="1" noMove="1" noResize="1" noEditPoints="1" noAdjustHandles="1" noChangeArrowheads="1" noChangeShapeType="1" noTextEdit="1"/>
+          </p:cNvSpPr>
+          <p:nvPr>
+            <p:extLst>
+              <p:ext uri="{386F3935-93C4-4BCD-93E2-E3B085C9AB24}">
+                <p16:designElem xmlns:p16="http://schemas.microsoft.com/office/powerpoint/2015/main" val="1"/>
+              </p:ext>
+            </p:extLst>
+          </p:nvPr>
+        </p:nvSpPr>
+        <p:spPr>
+          <a:xfrm>
+            <a:off x="0" y="-1"/>
+            <a:ext cx="12192000" cy="6858001"/>
+          </a:xfrm>
+          <a:prstGeom prst="rect">
+            <a:avLst/>
+          </a:prstGeom>
+          <a:ln>
+            <a:noFill/>
+          </a:ln>
+        </p:spPr>
+        <p:style>
+          <a:lnRef idx="2">
+            <a:schemeClr val="accent1">
+              <a:shade val="50000"/>
+            </a:schemeClr>
+          </a:lnRef>
+          <a:fillRef idx="1">
+            <a:schemeClr val="accent1"/>
+          </a:fillRef>
+          <a:effectRef idx="0">
+            <a:schemeClr val="accent1"/>
+          </a:effectRef>
+          <a:fontRef idx="minor">
+            <a:schemeClr val="lt1"/>
+          </a:fontRef>
+        </p:style>
+        <p:txBody>
+          <a:bodyPr rtlCol="0" anchor="ctr"/>
+          <a:lstStyle/>
+          <a:p>
+            <a:pPr algn="ctr"/>
+            <a:endParaRPr lang="en-US"/>
+          </a:p>
+        </p:txBody>
+      </p:sp>
+      <p:pic>
+        <p:nvPicPr>
+          <p:cNvPr id="6" name="Picture 4" descr="Maze">
+            <a:extLst>
+              <a:ext uri="{FF2B5EF4-FFF2-40B4-BE49-F238E27FC236}">
+                <a16:creationId xmlns:a16="http://schemas.microsoft.com/office/drawing/2014/main" id="{00B765B8-CA0E-4C93-B142-9CF3FF5465A4}"/>
+              </a:ext>
+            </a:extLst>
+          </p:cNvPr>
+          <p:cNvPicPr>
+            <a:picLocks noChangeAspect="1"/>
+          </p:cNvPicPr>
+          <p:nvPr/>
+        </p:nvPicPr>
+        <p:blipFill rotWithShape="1">
+          <a:blip r:embed="rId2">
+            <a:alphaModFix amt="40000"/>
+          </a:blip>
+          <a:srcRect t="15730"/>
+          <a:stretch/>
+        </p:blipFill>
+        <p:spPr>
+          <a:xfrm>
+            <a:off x="20" y="-2"/>
+            <a:ext cx="12191980" cy="6858000"/>
+          </a:xfrm>
+          <a:prstGeom prst="rect">
+            <a:avLst/>
+          </a:prstGeom>
+        </p:spPr>
+      </p:pic>
+      <p:sp>
+        <p:nvSpPr>
+          <p:cNvPr id="4" name="Titolo 3">
+            <a:extLst>
+              <a:ext uri="{FF2B5EF4-FFF2-40B4-BE49-F238E27FC236}">
+                <a16:creationId xmlns:a16="http://schemas.microsoft.com/office/drawing/2014/main" id="{C219A1C0-0B46-405B-A2A6-78424FE9EE86}"/>
+              </a:ext>
+            </a:extLst>
+          </p:cNvPr>
+          <p:cNvSpPr>
+            <a:spLocks noGrp="1"/>
+          </p:cNvSpPr>
+          <p:nvPr>
+            <p:ph type="ctrTitle"/>
+          </p:nvPr>
+        </p:nvSpPr>
+        <p:spPr>
+          <a:xfrm>
+            <a:off x="1261872" y="758952"/>
+            <a:ext cx="9418320" cy="4041648"/>
+          </a:xfrm>
+        </p:spPr>
+        <p:txBody>
+          <a:bodyPr>
+            <a:normAutofit/>
+          </a:bodyPr>
+          <a:lstStyle/>
+          <a:p>
+            <a:r>
+              <a:rPr lang="it-IT" dirty="0" err="1"/>
+              <a:t>Conclusions</a:t>
+            </a:r>
+            <a:endParaRPr lang="it-IT" dirty="0"/>
+          </a:p>
+        </p:txBody>
+      </p:sp>
+      <p:sp>
+        <p:nvSpPr>
+          <p:cNvPr id="3" name="Sottotitolo 2">
+            <a:extLst>
+              <a:ext uri="{FF2B5EF4-FFF2-40B4-BE49-F238E27FC236}">
+                <a16:creationId xmlns:a16="http://schemas.microsoft.com/office/drawing/2014/main" id="{016B18C2-8F41-4BC1-BD19-6C5F06C97F6C}"/>
+              </a:ext>
+            </a:extLst>
+          </p:cNvPr>
+          <p:cNvSpPr>
+            <a:spLocks noGrp="1"/>
+          </p:cNvSpPr>
+          <p:nvPr>
+            <p:ph type="subTitle" idx="1"/>
+          </p:nvPr>
+        </p:nvSpPr>
+        <p:spPr/>
+        <p:txBody>
+          <a:bodyPr/>
+          <a:lstStyle/>
+          <a:p>
+            <a:endParaRPr lang="it-IT"/>
+          </a:p>
+        </p:txBody>
+      </p:sp>
+    </p:spTree>
+    <p:extLst>
+      <p:ext uri="{BB962C8B-B14F-4D97-AF65-F5344CB8AC3E}">
+        <p14:creationId xmlns:p14="http://schemas.microsoft.com/office/powerpoint/2010/main" val="2906828191"/>
+      </p:ext>
+    </p:extLst>
+  </p:cSld>
+  <p:clrMapOvr>
+    <a:masterClrMapping/>
+  </p:clrMapOvr>
+  <p:timing>
+    <p:tnLst>
+      <p:par>
+        <p:cTn id="1" dur="indefinite" restart="never" nodeType="tmRoot">
+          <p:childTnLst>
+            <p:seq concurrent="1" nextAc="seek">
+              <p:cTn id="2" dur="indefinite" nodeType="mainSeq">
+                <p:childTnLst>
+                  <p:par>
+                    <p:cTn id="3" fill="hold">
+                      <p:stCondLst>
+                        <p:cond delay="indefinite"/>
+                        <p:cond evt="onBegin" delay="0">
+                          <p:tn val="2"/>
+                        </p:cond>
+                      </p:stCondLst>
+                      <p:childTnLst>
+                        <p:par>
+                          <p:cTn id="4" fill="hold">
+                            <p:stCondLst>
+                              <p:cond delay="0"/>
+                            </p:stCondLst>
+                            <p:childTnLst>
+                              <p:par>
+                                <p:cTn id="5" presetID="10" presetClass="entr" presetSubtype="0" fill="hold" grpId="0" nodeType="withEffect">
+                                  <p:stCondLst>
+                                    <p:cond delay="1000"/>
+                                  </p:stCondLst>
+                                  <p:iterate type="lt">
+                                    <p:tmPct val="10000"/>
+                                  </p:iterate>
+                                  <p:childTnLst>
+                                    <p:set>
+                                      <p:cBhvr>
+                                        <p:cTn id="6" dur="1" fill="hold">
+                                          <p:stCondLst>
+                                            <p:cond delay="0"/>
+                                          </p:stCondLst>
+                                        </p:cTn>
+                                        <p:tgtEl>
+                                          <p:spTgt spid="4"/>
+                                        </p:tgtEl>
+                                        <p:attrNameLst>
+                                          <p:attrName>style.visibility</p:attrName>
+                                        </p:attrNameLst>
+                                      </p:cBhvr>
+                                      <p:to>
+                                        <p:strVal val="visible"/>
+                                      </p:to>
+                                    </p:set>
+                                    <p:animEffect transition="in" filter="fade">
+                                      <p:cBhvr>
+                                        <p:cTn id="7" dur="400"/>
+                                        <p:tgtEl>
+                                          <p:spTgt spid="4"/>
+                                        </p:tgtEl>
+                                      </p:cBhvr>
+                                    </p:animEffect>
+                                  </p:childTnLst>
+                                </p:cTn>
+                              </p:par>
+                            </p:childTnLst>
+                          </p:cTn>
+                        </p:par>
+                      </p:childTnLst>
+                    </p:cTn>
+                  </p:par>
+                </p:childTnLst>
+              </p:cTn>
+              <p:prevCondLst>
+                <p:cond evt="onPrev" delay="0">
+                  <p:tgtEl>
+                    <p:sldTgt/>
+                  </p:tgtEl>
+                </p:cond>
+              </p:prevCondLst>
+              <p:nextCondLst>
+                <p:cond evt="onNext" delay="0">
+                  <p:tgtEl>
+                    <p:sldTgt/>
+                  </p:tgtEl>
+                </p:cond>
+              </p:nextCondLst>
+            </p:seq>
+          </p:childTnLst>
+        </p:cTn>
+      </p:par>
+    </p:tnLst>
+    <p:bldLst>
+      <p:bldP spid="4" grpId="0"/>
+    </p:bldLst>
+  </p:timing>
+</p:sld>
+</file>
+
+<file path=ppt/slides/slide34.xml><?xml version="1.0" encoding="utf-8"?>
+<p:sld xmlns:a="http://schemas.openxmlformats.org/drawingml/2006/main" xmlns:r="http://schemas.openxmlformats.org/officeDocument/2006/relationships" xmlns:p="http://schemas.openxmlformats.org/presentationml/2006/main">
+  <p:cSld>
+    <p:bg>
+      <p:bgPr>
+        <a:solidFill>
+          <a:schemeClr val="bg1"/>
+        </a:solidFill>
+        <a:effectLst/>
+      </p:bgPr>
+    </p:bg>
+    <p:spTree>
+      <p:nvGrpSpPr>
+        <p:cNvPr id="1" name=""/>
+        <p:cNvGrpSpPr/>
+        <p:nvPr/>
+      </p:nvGrpSpPr>
+      <p:grpSpPr>
+        <a:xfrm>
+          <a:off x="0" y="0"/>
+          <a:ext cx="0" cy="0"/>
+          <a:chOff x="0" y="0"/>
+          <a:chExt cx="0" cy="0"/>
+        </a:xfrm>
+      </p:grpSpPr>
+      <p:sp>
+        <p:nvSpPr>
+          <p:cNvPr id="9" name="Rectangle 8">
+            <a:extLst>
+              <a:ext uri="{FF2B5EF4-FFF2-40B4-BE49-F238E27FC236}">
+                <a16:creationId xmlns:a16="http://schemas.microsoft.com/office/drawing/2014/main" id="{AB1CEEAD-825F-41AD-B0DB-77CE90932D00}"/>
+              </a:ext>
+              <a:ext uri="{C183D7F6-B498-43B3-948B-1728B52AA6E4}">
+                <adec:decorative xmlns:adec="http://schemas.microsoft.com/office/drawing/2017/decorative" val="1"/>
+              </a:ext>
+            </a:extLst>
+          </p:cNvPr>
+          <p:cNvSpPr>
+            <a:spLocks noGrp="1" noRot="1" noChangeAspect="1" noMove="1" noResize="1" noEditPoints="1" noAdjustHandles="1" noChangeArrowheads="1" noChangeShapeType="1" noTextEdit="1"/>
+          </p:cNvSpPr>
+          <p:nvPr>
+            <p:extLst>
+              <p:ext uri="{386F3935-93C4-4BCD-93E2-E3B085C9AB24}">
+                <p16:designElem xmlns:p16="http://schemas.microsoft.com/office/powerpoint/2015/main" val="1"/>
+              </p:ext>
+            </p:extLst>
+          </p:nvPr>
+        </p:nvSpPr>
+        <p:spPr>
+          <a:xfrm>
+            <a:off x="0" y="-1"/>
+            <a:ext cx="11292840" cy="6858001"/>
+          </a:xfrm>
+          <a:prstGeom prst="rect">
+            <a:avLst/>
+          </a:prstGeom>
+          <a:solidFill>
+            <a:schemeClr val="bg1"/>
+          </a:solidFill>
+          <a:ln>
+            <a:noFill/>
+          </a:ln>
+        </p:spPr>
+        <p:style>
+          <a:lnRef idx="2">
+            <a:schemeClr val="accent1">
+              <a:shade val="50000"/>
+            </a:schemeClr>
+          </a:lnRef>
+          <a:fillRef idx="1">
+            <a:schemeClr val="accent1"/>
+          </a:fillRef>
+          <a:effectRef idx="0">
+            <a:schemeClr val="accent1"/>
+          </a:effectRef>
+          <a:fontRef idx="minor">
+            <a:schemeClr val="lt1"/>
+          </a:fontRef>
+        </p:style>
+        <p:txBody>
+          <a:bodyPr rtlCol="0" anchor="ctr"/>
+          <a:lstStyle/>
+          <a:p>
+            <a:pPr algn="ctr"/>
+            <a:endParaRPr lang="en-US"/>
+          </a:p>
+        </p:txBody>
+      </p:sp>
+      <p:pic>
+        <p:nvPicPr>
+          <p:cNvPr id="4" name="Picture 4" descr="Maze">
+            <a:extLst>
+              <a:ext uri="{FF2B5EF4-FFF2-40B4-BE49-F238E27FC236}">
+                <a16:creationId xmlns:a16="http://schemas.microsoft.com/office/drawing/2014/main" id="{87DA433B-249B-4F26-9FC2-2E4EE7469D6E}"/>
+              </a:ext>
+            </a:extLst>
+          </p:cNvPr>
+          <p:cNvPicPr>
+            <a:picLocks noChangeAspect="1"/>
+          </p:cNvPicPr>
+          <p:nvPr/>
+        </p:nvPicPr>
+        <p:blipFill rotWithShape="1">
+          <a:blip r:embed="rId2">
+            <a:duotone>
+              <a:schemeClr val="bg2">
+                <a:shade val="45000"/>
+                <a:satMod val="135000"/>
+              </a:schemeClr>
+              <a:prstClr val="white"/>
+            </a:duotone>
+            <a:alphaModFix amt="25000"/>
+          </a:blip>
+          <a:srcRect t="9021"/>
+          <a:stretch/>
+        </p:blipFill>
+        <p:spPr>
+          <a:xfrm>
+            <a:off x="20" y="10"/>
+            <a:ext cx="11292820" cy="6857990"/>
+          </a:xfrm>
+          <a:prstGeom prst="rect">
+            <a:avLst/>
+          </a:prstGeom>
+        </p:spPr>
+      </p:pic>
+      <p:sp>
+        <p:nvSpPr>
+          <p:cNvPr id="2" name="Titolo 1">
+            <a:extLst>
+              <a:ext uri="{FF2B5EF4-FFF2-40B4-BE49-F238E27FC236}">
+                <a16:creationId xmlns:a16="http://schemas.microsoft.com/office/drawing/2014/main" id="{498E1046-4F0F-4203-98B6-67896658A6E1}"/>
+              </a:ext>
+            </a:extLst>
+          </p:cNvPr>
+          <p:cNvSpPr>
+            <a:spLocks noGrp="1"/>
+          </p:cNvSpPr>
+          <p:nvPr>
+            <p:ph type="title"/>
+          </p:nvPr>
+        </p:nvSpPr>
+        <p:spPr>
+          <a:xfrm>
+            <a:off x="1261872" y="365760"/>
+            <a:ext cx="9692640" cy="1325562"/>
+          </a:xfrm>
+        </p:spPr>
+        <p:txBody>
+          <a:bodyPr>
+            <a:normAutofit/>
+          </a:bodyPr>
+          <a:lstStyle/>
+          <a:p>
+            <a:r>
+              <a:rPr lang="it-IT" dirty="0"/>
+              <a:t>Performance </a:t>
+            </a:r>
+            <a:r>
+              <a:rPr lang="it-IT" dirty="0" err="1"/>
+              <a:t>comparison</a:t>
+            </a:r>
+            <a:endParaRPr lang="it-IT" dirty="0"/>
+          </a:p>
+        </p:txBody>
+      </p:sp>
+      <p:sp>
+        <p:nvSpPr>
+          <p:cNvPr id="3" name="Segnaposto contenuto 2">
+            <a:extLst>
+              <a:ext uri="{FF2B5EF4-FFF2-40B4-BE49-F238E27FC236}">
+                <a16:creationId xmlns:a16="http://schemas.microsoft.com/office/drawing/2014/main" id="{79011857-90FA-434C-B61E-35FF2BCF2E77}"/>
+              </a:ext>
+            </a:extLst>
+          </p:cNvPr>
+          <p:cNvSpPr>
+            <a:spLocks noGrp="1"/>
+          </p:cNvSpPr>
+          <p:nvPr>
+            <p:ph idx="1"/>
+          </p:nvPr>
+        </p:nvSpPr>
+        <p:spPr>
+          <a:xfrm>
+            <a:off x="1261872" y="4416551"/>
+            <a:ext cx="8595360" cy="1763585"/>
+          </a:xfrm>
+        </p:spPr>
+        <p:txBody>
+          <a:bodyPr>
+            <a:normAutofit/>
+          </a:bodyPr>
+          <a:lstStyle/>
+          <a:p>
+            <a:r>
+              <a:rPr lang="it-IT" dirty="0" err="1"/>
+              <a:t>Timings</a:t>
+            </a:r>
+            <a:r>
+              <a:rPr lang="it-IT" dirty="0"/>
+              <a:t> </a:t>
+            </a:r>
+            <a:r>
+              <a:rPr lang="it-IT" dirty="0" err="1"/>
+              <a:t>were</a:t>
+            </a:r>
+            <a:r>
+              <a:rPr lang="it-IT" dirty="0"/>
+              <a:t> </a:t>
+            </a:r>
+            <a:r>
+              <a:rPr lang="it-IT" dirty="0" err="1"/>
+              <a:t>taken</a:t>
+            </a:r>
+            <a:r>
+              <a:rPr lang="it-IT" dirty="0"/>
+              <a:t> </a:t>
+            </a:r>
+            <a:r>
+              <a:rPr lang="it-IT" dirty="0" err="1"/>
+              <a:t>as</a:t>
+            </a:r>
+            <a:r>
+              <a:rPr lang="it-IT" dirty="0"/>
+              <a:t> </a:t>
+            </a:r>
+            <a:r>
+              <a:rPr lang="it-IT" dirty="0" err="1"/>
+              <a:t>averages</a:t>
+            </a:r>
+            <a:r>
+              <a:rPr lang="it-IT" dirty="0"/>
+              <a:t> of 10 </a:t>
+            </a:r>
+            <a:r>
+              <a:rPr lang="it-IT" dirty="0" err="1"/>
+              <a:t>runs</a:t>
+            </a:r>
+            <a:r>
+              <a:rPr lang="it-IT" dirty="0"/>
+              <a:t>.</a:t>
+            </a:r>
+          </a:p>
+          <a:p>
+            <a:r>
+              <a:rPr lang="it-IT" dirty="0" err="1"/>
+              <a:t>All</a:t>
+            </a:r>
+            <a:r>
+              <a:rPr lang="it-IT" dirty="0"/>
+              <a:t> the tools </a:t>
+            </a:r>
+            <a:r>
+              <a:rPr lang="it-IT" dirty="0" err="1"/>
+              <a:t>seem</a:t>
+            </a:r>
+            <a:r>
+              <a:rPr lang="it-IT" dirty="0"/>
+              <a:t> to prove </a:t>
+            </a:r>
+            <a:r>
+              <a:rPr lang="it-IT" dirty="0" err="1"/>
+              <a:t>that</a:t>
+            </a:r>
+            <a:r>
+              <a:rPr lang="it-IT" dirty="0"/>
+              <a:t> learning one task </a:t>
+            </a:r>
+            <a:r>
+              <a:rPr lang="it-IT" dirty="0" err="1"/>
+              <a:t>at</a:t>
+            </a:r>
+            <a:r>
+              <a:rPr lang="it-IT" dirty="0"/>
+              <a:t> a time </a:t>
+            </a:r>
+            <a:r>
+              <a:rPr lang="it-IT" dirty="0" err="1"/>
+              <a:t>is</a:t>
+            </a:r>
+            <a:r>
+              <a:rPr lang="it-IT" dirty="0"/>
+              <a:t> far more </a:t>
+            </a:r>
+            <a:r>
+              <a:rPr lang="it-IT" dirty="0" err="1"/>
+              <a:t>efficient</a:t>
+            </a:r>
+            <a:r>
+              <a:rPr lang="it-IT" dirty="0"/>
+              <a:t> </a:t>
+            </a:r>
+            <a:r>
+              <a:rPr lang="it-IT" dirty="0" err="1"/>
+              <a:t>than</a:t>
+            </a:r>
+            <a:r>
+              <a:rPr lang="it-IT" dirty="0"/>
+              <a:t> learning more tasks </a:t>
+            </a:r>
+            <a:r>
+              <a:rPr lang="it-IT" dirty="0" err="1"/>
+              <a:t>at</a:t>
+            </a:r>
+            <a:r>
+              <a:rPr lang="it-IT" dirty="0"/>
+              <a:t> once.</a:t>
+            </a:r>
+          </a:p>
+        </p:txBody>
+      </p:sp>
+      <p:graphicFrame>
+        <p:nvGraphicFramePr>
+          <p:cNvPr id="6" name="Tabella 9">
+            <a:extLst>
+              <a:ext uri="{FF2B5EF4-FFF2-40B4-BE49-F238E27FC236}">
+                <a16:creationId xmlns:a16="http://schemas.microsoft.com/office/drawing/2014/main" id="{3C9893CB-1F9C-4F26-AC5D-0711303E5C99}"/>
+              </a:ext>
+            </a:extLst>
+          </p:cNvPr>
+          <p:cNvGraphicFramePr>
+            <a:graphicFrameLocks/>
+          </p:cNvGraphicFramePr>
+          <p:nvPr>
+            <p:extLst>
+              <p:ext uri="{D42A27DB-BD31-4B8C-83A1-F6EECF244321}">
+                <p14:modId xmlns:p14="http://schemas.microsoft.com/office/powerpoint/2010/main" val="2079795424"/>
+              </p:ext>
+            </p:extLst>
+          </p:nvPr>
+        </p:nvGraphicFramePr>
+        <p:xfrm>
+          <a:off x="1262063" y="1828800"/>
+          <a:ext cx="8594724" cy="2123440"/>
+        </p:xfrm>
+        <a:graphic>
+          <a:graphicData uri="http://schemas.openxmlformats.org/drawingml/2006/table">
+            <a:tbl>
+              <a:tblPr firstRow="1" bandRow="1">
+                <a:tableStyleId>{5C22544A-7EE6-4342-B048-85BDC9FD1C3A}</a:tableStyleId>
+              </a:tblPr>
+              <a:tblGrid>
+                <a:gridCol w="2148681">
+                  <a:extLst>
+                    <a:ext uri="{9D8B030D-6E8A-4147-A177-3AD203B41FA5}">
+                      <a16:colId xmlns:a16="http://schemas.microsoft.com/office/drawing/2014/main" val="3882177956"/>
+                    </a:ext>
+                  </a:extLst>
+                </a:gridCol>
+                <a:gridCol w="2148681">
+                  <a:extLst>
+                    <a:ext uri="{9D8B030D-6E8A-4147-A177-3AD203B41FA5}">
+                      <a16:colId xmlns:a16="http://schemas.microsoft.com/office/drawing/2014/main" val="2929272764"/>
+                    </a:ext>
+                  </a:extLst>
+                </a:gridCol>
+                <a:gridCol w="2148681">
+                  <a:extLst>
+                    <a:ext uri="{9D8B030D-6E8A-4147-A177-3AD203B41FA5}">
+                      <a16:colId xmlns:a16="http://schemas.microsoft.com/office/drawing/2014/main" val="1852019732"/>
+                    </a:ext>
+                  </a:extLst>
+                </a:gridCol>
+                <a:gridCol w="2148681">
+                  <a:extLst>
+                    <a:ext uri="{9D8B030D-6E8A-4147-A177-3AD203B41FA5}">
+                      <a16:colId xmlns:a16="http://schemas.microsoft.com/office/drawing/2014/main" val="592403734"/>
+                    </a:ext>
+                  </a:extLst>
+                </a:gridCol>
+              </a:tblGrid>
+              <a:tr h="370840">
+                <a:tc>
+                  <a:txBody>
+                    <a:bodyPr/>
+                    <a:lstStyle/>
+                    <a:p>
+                      <a:pPr algn="ctr"/>
+                      <a:r>
+                        <a:rPr lang="it-IT" dirty="0"/>
+                        <a:t>Task</a:t>
+                      </a:r>
+                    </a:p>
+                  </a:txBody>
+                  <a:tcPr/>
+                </a:tc>
+                <a:tc>
+                  <a:txBody>
+                    <a:bodyPr/>
+                    <a:lstStyle/>
+                    <a:p>
+                      <a:pPr algn="ctr"/>
+                      <a:r>
+                        <a:rPr lang="it-IT" dirty="0"/>
+                        <a:t>HYPER</a:t>
+                      </a:r>
+                    </a:p>
+                  </a:txBody>
+                  <a:tcPr/>
+                </a:tc>
+                <a:tc>
+                  <a:txBody>
+                    <a:bodyPr/>
+                    <a:lstStyle/>
+                    <a:p>
+                      <a:pPr algn="ctr"/>
+                      <a:r>
+                        <a:rPr lang="it-IT" dirty="0" err="1"/>
+                        <a:t>Metagol</a:t>
+                      </a:r>
+                      <a:endParaRPr lang="it-IT" dirty="0"/>
+                    </a:p>
+                  </a:txBody>
+                  <a:tcPr/>
+                </a:tc>
+                <a:tc>
+                  <a:txBody>
+                    <a:bodyPr/>
+                    <a:lstStyle/>
+                    <a:p>
+                      <a:pPr algn="ctr"/>
+                      <a:r>
+                        <a:rPr lang="it-IT" dirty="0"/>
+                        <a:t>ILASP</a:t>
+                      </a:r>
+                    </a:p>
+                  </a:txBody>
+                  <a:tcPr/>
+                </a:tc>
+                <a:extLst>
+                  <a:ext uri="{0D108BD9-81ED-4DB2-BD59-A6C34878D82A}">
+                    <a16:rowId xmlns:a16="http://schemas.microsoft.com/office/drawing/2014/main" val="1729373951"/>
+                  </a:ext>
+                </a:extLst>
+              </a:tr>
+              <a:tr h="370840">
+                <a:tc>
+                  <a:txBody>
+                    <a:bodyPr/>
+                    <a:lstStyle/>
+                    <a:p>
+                      <a:pPr algn="ctr"/>
+                      <a:r>
+                        <a:rPr lang="it-IT" dirty="0" err="1">
+                          <a:latin typeface="Courier New" panose="02070309020205020404" pitchFamily="49" charset="0"/>
+                          <a:cs typeface="Courier New" panose="02070309020205020404" pitchFamily="49" charset="0"/>
+                        </a:rPr>
+                        <a:t>adjacent</a:t>
+                      </a:r>
+                      <a:r>
+                        <a:rPr lang="it-IT" dirty="0">
+                          <a:latin typeface="Courier New" panose="02070309020205020404" pitchFamily="49" charset="0"/>
+                          <a:cs typeface="Courier New" panose="02070309020205020404" pitchFamily="49" charset="0"/>
+                        </a:rPr>
+                        <a:t>/2</a:t>
+                      </a:r>
+                    </a:p>
+                  </a:txBody>
+                  <a:tcPr/>
+                </a:tc>
+                <a:tc>
+                  <a:txBody>
+                    <a:bodyPr/>
+                    <a:lstStyle/>
+                    <a:p>
+                      <a:pPr algn="ctr"/>
+                      <a:r>
+                        <a:rPr lang="it-IT" dirty="0"/>
+                        <a:t>175.884</a:t>
+                      </a:r>
+                    </a:p>
+                  </a:txBody>
+                  <a:tcPr/>
+                </a:tc>
+                <a:tc>
+                  <a:txBody>
+                    <a:bodyPr/>
+                    <a:lstStyle/>
+                    <a:p>
+                      <a:pPr algn="ctr"/>
+                      <a:r>
+                        <a:rPr lang="it-IT" dirty="0"/>
+                        <a:t>0.121*</a:t>
+                      </a:r>
+                    </a:p>
+                  </a:txBody>
+                  <a:tcPr/>
+                </a:tc>
+                <a:tc>
+                  <a:txBody>
+                    <a:bodyPr/>
+                    <a:lstStyle/>
+                    <a:p>
+                      <a:pPr algn="ctr"/>
+                      <a:r>
+                        <a:rPr lang="it-IT" dirty="0"/>
+                        <a:t>4.767</a:t>
+                      </a:r>
+                    </a:p>
+                  </a:txBody>
+                  <a:tcPr/>
+                </a:tc>
+                <a:extLst>
+                  <a:ext uri="{0D108BD9-81ED-4DB2-BD59-A6C34878D82A}">
+                    <a16:rowId xmlns:a16="http://schemas.microsoft.com/office/drawing/2014/main" val="2376692191"/>
+                  </a:ext>
+                </a:extLst>
+              </a:tr>
+              <a:tr h="370840">
+                <a:tc>
+                  <a:txBody>
+                    <a:bodyPr/>
+                    <a:lstStyle/>
+                    <a:p>
+                      <a:pPr algn="ctr"/>
+                      <a:r>
+                        <a:rPr lang="it-IT" dirty="0" err="1">
+                          <a:latin typeface="Courier New" panose="02070309020205020404" pitchFamily="49" charset="0"/>
+                          <a:cs typeface="Courier New" panose="02070309020205020404" pitchFamily="49" charset="0"/>
+                        </a:rPr>
+                        <a:t>move</a:t>
+                      </a:r>
+                      <a:r>
+                        <a:rPr lang="it-IT" dirty="0">
+                          <a:latin typeface="Courier New" panose="02070309020205020404" pitchFamily="49" charset="0"/>
+                          <a:cs typeface="Courier New" panose="02070309020205020404" pitchFamily="49" charset="0"/>
+                        </a:rPr>
+                        <a:t>/2</a:t>
+                      </a:r>
+                    </a:p>
+                  </a:txBody>
+                  <a:tcPr/>
+                </a:tc>
+                <a:tc>
+                  <a:txBody>
+                    <a:bodyPr/>
+                    <a:lstStyle/>
+                    <a:p>
+                      <a:pPr algn="ctr"/>
+                      <a:r>
+                        <a:rPr lang="it-IT" dirty="0"/>
+                        <a:t>0.063</a:t>
+                      </a:r>
+                    </a:p>
+                  </a:txBody>
+                  <a:tcPr/>
+                </a:tc>
+                <a:tc>
+                  <a:txBody>
+                    <a:bodyPr/>
+                    <a:lstStyle/>
+                    <a:p>
+                      <a:pPr algn="ctr"/>
+                      <a:r>
+                        <a:rPr lang="it-IT" dirty="0"/>
+                        <a:t>0.047</a:t>
+                      </a:r>
+                    </a:p>
+                  </a:txBody>
+                  <a:tcPr/>
+                </a:tc>
+                <a:tc>
+                  <a:txBody>
+                    <a:bodyPr/>
+                    <a:lstStyle/>
+                    <a:p>
+                      <a:pPr algn="ctr"/>
+                      <a:r>
+                        <a:rPr lang="it-IT" dirty="0"/>
+                        <a:t>5.343</a:t>
+                      </a:r>
+                    </a:p>
+                  </a:txBody>
+                  <a:tcPr/>
+                </a:tc>
+                <a:extLst>
+                  <a:ext uri="{0D108BD9-81ED-4DB2-BD59-A6C34878D82A}">
+                    <a16:rowId xmlns:a16="http://schemas.microsoft.com/office/drawing/2014/main" val="1399593188"/>
+                  </a:ext>
+                </a:extLst>
+              </a:tr>
+              <a:tr h="370840">
+                <a:tc>
+                  <a:txBody>
+                    <a:bodyPr/>
+                    <a:lstStyle/>
+                    <a:p>
+                      <a:pPr algn="ctr"/>
+                      <a:r>
+                        <a:rPr lang="it-IT" dirty="0" err="1">
+                          <a:latin typeface="Courier New" panose="02070309020205020404" pitchFamily="49" charset="0"/>
+                          <a:cs typeface="Courier New" panose="02070309020205020404" pitchFamily="49" charset="0"/>
+                        </a:rPr>
+                        <a:t>reach</a:t>
+                      </a:r>
+                      <a:r>
+                        <a:rPr lang="it-IT" dirty="0">
+                          <a:latin typeface="Courier New" panose="02070309020205020404" pitchFamily="49" charset="0"/>
+                          <a:cs typeface="Courier New" panose="02070309020205020404" pitchFamily="49" charset="0"/>
+                        </a:rPr>
+                        <a:t>/3</a:t>
+                      </a:r>
+                    </a:p>
+                  </a:txBody>
+                  <a:tcPr/>
+                </a:tc>
+                <a:tc>
+                  <a:txBody>
+                    <a:bodyPr/>
+                    <a:lstStyle/>
+                    <a:p>
+                      <a:pPr algn="ctr"/>
+                      <a:r>
+                        <a:rPr lang="it-IT" dirty="0"/>
+                        <a:t>1.577</a:t>
+                      </a:r>
+                    </a:p>
+                  </a:txBody>
+                  <a:tcPr/>
+                </a:tc>
+                <a:tc>
+                  <a:txBody>
+                    <a:bodyPr/>
+                    <a:lstStyle/>
+                    <a:p>
+                      <a:pPr algn="ctr"/>
+                      <a:r>
+                        <a:rPr lang="it-IT" dirty="0"/>
+                        <a:t>0.026</a:t>
+                      </a:r>
+                    </a:p>
+                  </a:txBody>
+                  <a:tcPr/>
+                </a:tc>
+                <a:tc>
+                  <a:txBody>
+                    <a:bodyPr/>
+                    <a:lstStyle/>
+                    <a:p>
+                      <a:pPr algn="ctr"/>
+                      <a:r>
+                        <a:rPr lang="it-IT" dirty="0"/>
+                        <a:t>NA</a:t>
+                      </a:r>
+                    </a:p>
+                  </a:txBody>
+                  <a:tcPr/>
+                </a:tc>
+                <a:extLst>
+                  <a:ext uri="{0D108BD9-81ED-4DB2-BD59-A6C34878D82A}">
+                    <a16:rowId xmlns:a16="http://schemas.microsoft.com/office/drawing/2014/main" val="605522565"/>
+                  </a:ext>
+                </a:extLst>
+              </a:tr>
+              <a:tr h="370840">
+                <a:tc>
+                  <a:txBody>
+                    <a:bodyPr/>
+                    <a:lstStyle/>
+                    <a:p>
+                      <a:pPr algn="ctr"/>
+                      <a:r>
+                        <a:rPr lang="it-IT" dirty="0" err="1">
+                          <a:latin typeface="Courier New" panose="02070309020205020404" pitchFamily="49" charset="0"/>
+                          <a:cs typeface="Courier New" panose="02070309020205020404" pitchFamily="49" charset="0"/>
+                        </a:rPr>
+                        <a:t>move</a:t>
+                      </a:r>
+                      <a:r>
+                        <a:rPr lang="it-IT" dirty="0">
+                          <a:latin typeface="Courier New" panose="02070309020205020404" pitchFamily="49" charset="0"/>
+                          <a:cs typeface="Courier New" panose="02070309020205020404" pitchFamily="49" charset="0"/>
+                        </a:rPr>
+                        <a:t>/2 &amp; </a:t>
+                      </a:r>
+                      <a:r>
+                        <a:rPr lang="it-IT" dirty="0" err="1">
+                          <a:latin typeface="Courier New" panose="02070309020205020404" pitchFamily="49" charset="0"/>
+                          <a:cs typeface="Courier New" panose="02070309020205020404" pitchFamily="49" charset="0"/>
+                        </a:rPr>
+                        <a:t>reach</a:t>
+                      </a:r>
+                      <a:r>
+                        <a:rPr lang="it-IT" dirty="0">
+                          <a:latin typeface="Courier New" panose="02070309020205020404" pitchFamily="49" charset="0"/>
+                          <a:cs typeface="Courier New" panose="02070309020205020404" pitchFamily="49" charset="0"/>
+                        </a:rPr>
+                        <a:t>/3</a:t>
+                      </a:r>
+                    </a:p>
+                  </a:txBody>
+                  <a:tcPr/>
+                </a:tc>
+                <a:tc>
+                  <a:txBody>
+                    <a:bodyPr/>
+                    <a:lstStyle/>
+                    <a:p>
+                      <a:pPr algn="ctr"/>
+                      <a:r>
+                        <a:rPr lang="it-IT" dirty="0"/>
+                        <a:t>16.585</a:t>
+                      </a:r>
+                    </a:p>
+                  </a:txBody>
+                  <a:tcPr/>
+                </a:tc>
+                <a:tc>
+                  <a:txBody>
+                    <a:bodyPr/>
+                    <a:lstStyle/>
+                    <a:p>
+                      <a:pPr algn="ctr"/>
+                      <a:r>
+                        <a:rPr lang="it-IT" dirty="0"/>
+                        <a:t>0.848</a:t>
+                      </a:r>
+                    </a:p>
+                  </a:txBody>
+                  <a:tcPr/>
+                </a:tc>
+                <a:tc>
+                  <a:txBody>
+                    <a:bodyPr/>
+                    <a:lstStyle/>
+                    <a:p>
+                      <a:pPr algn="ctr"/>
+                      <a:r>
+                        <a:rPr lang="it-IT" dirty="0"/>
+                        <a:t>NA</a:t>
+                      </a:r>
+                    </a:p>
+                  </a:txBody>
+                  <a:tcPr/>
+                </a:tc>
+                <a:extLst>
+                  <a:ext uri="{0D108BD9-81ED-4DB2-BD59-A6C34878D82A}">
+                    <a16:rowId xmlns:a16="http://schemas.microsoft.com/office/drawing/2014/main" val="52405842"/>
+                  </a:ext>
+                </a:extLst>
+              </a:tr>
+            </a:tbl>
+          </a:graphicData>
+        </a:graphic>
+      </p:graphicFrame>
+    </p:spTree>
+    <p:extLst>
+      <p:ext uri="{BB962C8B-B14F-4D97-AF65-F5344CB8AC3E}">
+        <p14:creationId xmlns:p14="http://schemas.microsoft.com/office/powerpoint/2010/main" val="517097051"/>
+      </p:ext>
+    </p:extLst>
+  </p:cSld>
+  <p:clrMapOvr>
+    <a:masterClrMapping/>
+  </p:clrMapOvr>
+</p:sld>
+</file>
+
+<file path=ppt/slides/slide35.xml><?xml version="1.0" encoding="utf-8"?>
+<p:sld xmlns:a="http://schemas.openxmlformats.org/drawingml/2006/main" xmlns:r="http://schemas.openxmlformats.org/officeDocument/2006/relationships" xmlns:p="http://schemas.openxmlformats.org/presentationml/2006/main">
+  <p:cSld>
     <p:spTree>
       <p:nvGrpSpPr>
         <p:cNvPr id="1" name=""/>
@@ -24340,7 +28789,7 @@
 </p:sld>
 </file>
 
-<file path=ppt/slides/slide31.xml><?xml version="1.0" encoding="utf-8"?>
+<file path=ppt/slides/slide36.xml><?xml version="1.0" encoding="utf-8"?>
 <p:sld xmlns:a="http://schemas.openxmlformats.org/drawingml/2006/main" xmlns:r="http://schemas.openxmlformats.org/officeDocument/2006/relationships" xmlns:p="http://schemas.openxmlformats.org/presentationml/2006/main">
   <p:cSld>
     <p:spTree>
@@ -26114,7 +30563,7 @@
 </p:sld>
 </file>
 
-<file path=ppt/slides/slide32.xml><?xml version="1.0" encoding="utf-8"?>
+<file path=ppt/slides/slide37.xml><?xml version="1.0" encoding="utf-8"?>
 <p:sld xmlns:a="http://schemas.openxmlformats.org/drawingml/2006/main" xmlns:r="http://schemas.openxmlformats.org/officeDocument/2006/relationships" xmlns:p="http://schemas.openxmlformats.org/presentationml/2006/main">
   <p:cSld>
     <p:spTree>

--- a/ATAI_Presentation.pptx
+++ b/ATAI_Presentation.pptx
@@ -17394,42 +17394,6 @@
           </a:p>
         </p:txBody>
       </p:sp>
-      <p:sp>
-        <p:nvSpPr>
-          <p:cNvPr id="5" name="Sottotitolo 4">
-            <a:extLst>
-              <a:ext uri="{FF2B5EF4-FFF2-40B4-BE49-F238E27FC236}">
-                <a16:creationId xmlns:a16="http://schemas.microsoft.com/office/drawing/2014/main" id="{1B09F84D-3E3B-4CFC-B045-25FEB4890D73}"/>
-              </a:ext>
-            </a:extLst>
-          </p:cNvPr>
-          <p:cNvSpPr>
-            <a:spLocks noGrp="1"/>
-          </p:cNvSpPr>
-          <p:nvPr>
-            <p:ph type="subTitle" idx="1"/>
-          </p:nvPr>
-        </p:nvSpPr>
-        <p:spPr>
-          <a:xfrm>
-            <a:off x="1261872" y="4800600"/>
-            <a:ext cx="9418320" cy="1691640"/>
-          </a:xfrm>
-        </p:spPr>
-        <p:txBody>
-          <a:bodyPr>
-            <a:normAutofit/>
-          </a:bodyPr>
-          <a:lstStyle/>
-          <a:p>
-            <a:endParaRPr lang="it-IT">
-              <a:solidFill>
-                <a:schemeClr val="tx1"/>
-              </a:solidFill>
-            </a:endParaRPr>
-          </a:p>
-        </p:txBody>
-      </p:sp>
     </p:spTree>
     <p:extLst>
       <p:ext uri="{BB962C8B-B14F-4D97-AF65-F5344CB8AC3E}">
@@ -18924,7 +18888,7 @@
         </p:blipFill>
         <p:spPr>
           <a:xfrm>
-            <a:off x="20" y="10"/>
+            <a:off x="20" y="22681"/>
             <a:ext cx="11292820" cy="6857990"/>
           </a:xfrm>
           <a:prstGeom prst="rect">
@@ -18961,14 +18925,14 @@
           <a:lstStyle/>
           <a:p>
             <a:r>
-              <a:rPr lang="it-IT"/>
+              <a:rPr lang="it-IT" dirty="0"/>
               <a:t>The power of </a:t>
             </a:r>
             <a:r>
-              <a:rPr lang="it-IT" err="1"/>
+              <a:rPr lang="it-IT" dirty="0" err="1"/>
               <a:t>metarules</a:t>
             </a:r>
-            <a:endParaRPr lang="it-IT"/>
+            <a:endParaRPr lang="it-IT" dirty="0"/>
           </a:p>
         </p:txBody>
       </p:sp>
@@ -27732,31 +27696,6 @@
           </a:p>
         </p:txBody>
       </p:sp>
-      <p:sp>
-        <p:nvSpPr>
-          <p:cNvPr id="3" name="Sottotitolo 2">
-            <a:extLst>
-              <a:ext uri="{FF2B5EF4-FFF2-40B4-BE49-F238E27FC236}">
-                <a16:creationId xmlns:a16="http://schemas.microsoft.com/office/drawing/2014/main" id="{016B18C2-8F41-4BC1-BD19-6C5F06C97F6C}"/>
-              </a:ext>
-            </a:extLst>
-          </p:cNvPr>
-          <p:cNvSpPr>
-            <a:spLocks noGrp="1"/>
-          </p:cNvSpPr>
-          <p:nvPr>
-            <p:ph type="subTitle" idx="1"/>
-          </p:nvPr>
-        </p:nvSpPr>
-        <p:spPr/>
-        <p:txBody>
-          <a:bodyPr/>
-          <a:lstStyle/>
-          <a:p>
-            <a:endParaRPr lang="it-IT"/>
-          </a:p>
-        </p:txBody>
-      </p:sp>
     </p:spTree>
     <p:extLst>
       <p:ext uri="{BB962C8B-B14F-4D97-AF65-F5344CB8AC3E}">
@@ -27980,7 +27919,7 @@
         </p:blipFill>
         <p:spPr>
           <a:xfrm>
-            <a:off x="20" y="10"/>
+            <a:off x="20" y="-7547"/>
             <a:ext cx="11292820" cy="6857990"/>
           </a:xfrm>
           <a:prstGeom prst="rect">
@@ -28047,18 +27986,138 @@
         <p:spPr>
           <a:xfrm>
             <a:off x="1261872" y="4416551"/>
-            <a:ext cx="8595360" cy="1763585"/>
+            <a:ext cx="8595360" cy="2014477"/>
           </a:xfrm>
         </p:spPr>
         <p:txBody>
           <a:bodyPr>
-            <a:normAutofit/>
+            <a:normAutofit fontScale="85000" lnSpcReduction="20000"/>
           </a:bodyPr>
           <a:lstStyle/>
           <a:p>
             <a:r>
+              <a:rPr lang="it-IT" sz="1300" dirty="0"/>
+              <a:t>* </a:t>
+            </a:r>
+            <a:r>
+              <a:rPr lang="it-IT" sz="1300" dirty="0" err="1"/>
+              <a:t>Learned</a:t>
+            </a:r>
+            <a:r>
+              <a:rPr lang="it-IT" sz="1300" dirty="0"/>
+              <a:t> </a:t>
+            </a:r>
+            <a:r>
+              <a:rPr lang="it-IT" sz="1300" dirty="0" err="1"/>
+              <a:t>through</a:t>
+            </a:r>
+            <a:r>
+              <a:rPr lang="it-IT" sz="1300" dirty="0"/>
+              <a:t> predicate </a:t>
+            </a:r>
+            <a:r>
+              <a:rPr lang="it-IT" sz="1300" dirty="0" err="1"/>
+              <a:t>invention</a:t>
+            </a:r>
+            <a:r>
+              <a:rPr lang="it-IT" sz="1300" dirty="0"/>
+              <a:t>.</a:t>
+            </a:r>
+          </a:p>
+          <a:p>
+            <a:r>
+              <a:rPr lang="it-IT" sz="1300" dirty="0" err="1"/>
+              <a:t>Timings</a:t>
+            </a:r>
+            <a:r>
+              <a:rPr lang="it-IT" sz="1300" dirty="0"/>
+              <a:t> </a:t>
+            </a:r>
+            <a:r>
+              <a:rPr lang="it-IT" sz="1300" dirty="0" err="1"/>
+              <a:t>were</a:t>
+            </a:r>
+            <a:r>
+              <a:rPr lang="it-IT" sz="1300" dirty="0"/>
+              <a:t> </a:t>
+            </a:r>
+            <a:r>
+              <a:rPr lang="it-IT" sz="1300" dirty="0" err="1"/>
+              <a:t>taken</a:t>
+            </a:r>
+            <a:r>
+              <a:rPr lang="it-IT" sz="1300" dirty="0"/>
+              <a:t> </a:t>
+            </a:r>
+            <a:r>
+              <a:rPr lang="it-IT" sz="1300" dirty="0" err="1"/>
+              <a:t>as</a:t>
+            </a:r>
+            <a:r>
+              <a:rPr lang="it-IT" sz="1300" dirty="0"/>
+              <a:t> </a:t>
+            </a:r>
+            <a:r>
+              <a:rPr lang="it-IT" sz="1300" dirty="0" err="1"/>
+              <a:t>averages</a:t>
+            </a:r>
+            <a:r>
+              <a:rPr lang="it-IT" sz="1300" dirty="0"/>
+              <a:t> of 10 </a:t>
+            </a:r>
+            <a:r>
+              <a:rPr lang="it-IT" sz="1300" dirty="0" err="1"/>
+              <a:t>runs</a:t>
+            </a:r>
+            <a:r>
+              <a:rPr lang="it-IT" sz="1300" dirty="0"/>
+              <a:t>.</a:t>
+            </a:r>
+          </a:p>
+          <a:p>
+            <a:r>
               <a:rPr lang="it-IT" dirty="0" err="1"/>
-              <a:t>Timings</a:t>
+              <a:t>All</a:t>
+            </a:r>
+            <a:r>
+              <a:rPr lang="it-IT" dirty="0"/>
+              <a:t> the tools </a:t>
+            </a:r>
+            <a:r>
+              <a:rPr lang="it-IT" dirty="0" err="1"/>
+              <a:t>seem</a:t>
+            </a:r>
+            <a:r>
+              <a:rPr lang="it-IT" dirty="0"/>
+              <a:t> to prove </a:t>
+            </a:r>
+            <a:r>
+              <a:rPr lang="it-IT" dirty="0" err="1"/>
+              <a:t>that</a:t>
+            </a:r>
+            <a:r>
+              <a:rPr lang="it-IT" dirty="0"/>
+              <a:t> learning one task </a:t>
+            </a:r>
+            <a:r>
+              <a:rPr lang="it-IT" dirty="0" err="1"/>
+              <a:t>at</a:t>
+            </a:r>
+            <a:r>
+              <a:rPr lang="it-IT" dirty="0"/>
+              <a:t> a time </a:t>
+            </a:r>
+            <a:r>
+              <a:rPr lang="it-IT" dirty="0" err="1"/>
+              <a:t>is</a:t>
+            </a:r>
+            <a:r>
+              <a:rPr lang="it-IT" dirty="0"/>
+              <a:t> far more </a:t>
+            </a:r>
+            <a:r>
+              <a:rPr lang="it-IT" dirty="0" err="1"/>
+              <a:t>efficient</a:t>
             </a:r>
             <a:r>
               <a:rPr lang="it-IT" dirty="0"/>
@@ -28066,7 +28125,29 @@
             </a:r>
             <a:r>
               <a:rPr lang="it-IT" dirty="0" err="1"/>
-              <a:t>were</a:t>
+              <a:t>than</a:t>
+            </a:r>
+            <a:r>
+              <a:rPr lang="it-IT" dirty="0"/>
+              <a:t> learning more tasks </a:t>
+            </a:r>
+            <a:r>
+              <a:rPr lang="it-IT" dirty="0" err="1"/>
+              <a:t>at</a:t>
+            </a:r>
+            <a:r>
+              <a:rPr lang="it-IT" dirty="0"/>
+              <a:t> once.</a:t>
+            </a:r>
+          </a:p>
+          <a:p>
+            <a:r>
+              <a:rPr lang="it-IT" dirty="0"/>
+              <a:t>In </a:t>
+            </a:r>
+            <a:r>
+              <a:rPr lang="it-IT" dirty="0" err="1"/>
+              <a:t>metagol</a:t>
             </a:r>
             <a:r>
               <a:rPr lang="it-IT" dirty="0"/>
@@ -28074,7 +28155,7 @@
             </a:r>
             <a:r>
               <a:rPr lang="it-IT" dirty="0" err="1"/>
-              <a:t>taken</a:t>
+              <a:t>it</a:t>
             </a:r>
             <a:r>
               <a:rPr lang="it-IT" dirty="0"/>
@@ -28082,7 +28163,7 @@
             </a:r>
             <a:r>
               <a:rPr lang="it-IT" dirty="0" err="1"/>
-              <a:t>as</a:t>
+              <a:t>was</a:t>
             </a:r>
             <a:r>
               <a:rPr lang="it-IT" dirty="0"/>
@@ -28090,85 +28171,131 @@
             </a:r>
             <a:r>
               <a:rPr lang="it-IT" dirty="0" err="1"/>
-              <a:t>averages</a:t>
+              <a:t>feasible</a:t>
             </a:r>
             <a:r>
               <a:rPr lang="it-IT" dirty="0"/>
-              <a:t> of 10 </a:t>
+              <a:t> to </a:t>
             </a:r>
             <a:r>
               <a:rPr lang="it-IT" dirty="0" err="1"/>
-              <a:t>runs</a:t>
+              <a:t>learn</a:t>
+            </a:r>
+            <a:r>
+              <a:rPr lang="it-IT" dirty="0"/>
+              <a:t> </a:t>
+            </a:r>
+            <a:r>
+              <a:rPr lang="it-IT" dirty="0" err="1"/>
+              <a:t>both</a:t>
+            </a:r>
+            <a:r>
+              <a:rPr lang="it-IT" dirty="0"/>
+              <a:t> </a:t>
+            </a:r>
+            <a:r>
+              <a:rPr lang="en-US" sz="1800" dirty="0">
+                <a:latin typeface="Courier New" panose="02070309020205020404" pitchFamily="49" charset="0"/>
+                <a:cs typeface="Courier New" panose="02070309020205020404" pitchFamily="49" charset="0"/>
+              </a:rPr>
+              <a:t>adjacent</a:t>
+            </a:r>
+            <a:r>
+              <a:rPr lang="it-IT" dirty="0"/>
+              <a:t> and </a:t>
+            </a:r>
+            <a:r>
+              <a:rPr lang="en-US" sz="1800" dirty="0">
+                <a:latin typeface="Courier New" panose="02070309020205020404" pitchFamily="49" charset="0"/>
+                <a:cs typeface="Courier New" panose="02070309020205020404" pitchFamily="49" charset="0"/>
+              </a:rPr>
+              <a:t>move</a:t>
+            </a:r>
+            <a:r>
+              <a:rPr lang="it-IT" dirty="0"/>
+              <a:t> on the </a:t>
+            </a:r>
+            <a:r>
+              <a:rPr lang="it-IT" dirty="0" err="1"/>
+              <a:t>same</a:t>
+            </a:r>
+            <a:r>
+              <a:rPr lang="it-IT" dirty="0"/>
+              <a:t> task </a:t>
+            </a:r>
+            <a:r>
+              <a:rPr lang="it-IT" dirty="0" err="1"/>
+              <a:t>but</a:t>
+            </a:r>
+            <a:r>
+              <a:rPr lang="it-IT" dirty="0"/>
+              <a:t> </a:t>
+            </a:r>
+            <a:r>
+              <a:rPr lang="it-IT" dirty="0" err="1"/>
+              <a:t>not</a:t>
+            </a:r>
+            <a:r>
+              <a:rPr lang="it-IT" dirty="0"/>
+              <a:t> on ILASP (</a:t>
+            </a:r>
+            <a:r>
+              <a:rPr lang="it-IT" dirty="0" err="1"/>
+              <a:t>computation</a:t>
+            </a:r>
+            <a:r>
+              <a:rPr lang="it-IT" dirty="0"/>
+              <a:t> times </a:t>
+            </a:r>
+            <a:r>
+              <a:rPr lang="it-IT" dirty="0" err="1"/>
+              <a:t>very</a:t>
+            </a:r>
+            <a:r>
+              <a:rPr lang="it-IT" dirty="0"/>
+              <a:t> high).</a:t>
+            </a:r>
+          </a:p>
+          <a:p>
+            <a:r>
+              <a:rPr lang="it-IT" dirty="0" err="1"/>
+              <a:t>Grid</a:t>
+            </a:r>
+            <a:r>
+              <a:rPr lang="it-IT" dirty="0"/>
+              <a:t> </a:t>
+            </a:r>
+            <a:r>
+              <a:rPr lang="it-IT" dirty="0" err="1"/>
+              <a:t>dimensions</a:t>
+            </a:r>
+            <a:r>
+              <a:rPr lang="it-IT" dirty="0"/>
+              <a:t> </a:t>
+            </a:r>
+            <a:r>
+              <a:rPr lang="it-IT" dirty="0" err="1"/>
+              <a:t>considered</a:t>
+            </a:r>
+            <a:r>
+              <a:rPr lang="it-IT" dirty="0"/>
+              <a:t> </a:t>
+            </a:r>
+            <a:r>
+              <a:rPr lang="it-IT" dirty="0" err="1"/>
+              <a:t>didn’t</a:t>
+            </a:r>
+            <a:r>
+              <a:rPr lang="it-IT" dirty="0"/>
+              <a:t> impact time </a:t>
+            </a:r>
+            <a:r>
+              <a:rPr lang="it-IT" dirty="0" err="1"/>
+              <a:t>measurements</a:t>
             </a:r>
             <a:r>
               <a:rPr lang="it-IT" dirty="0"/>
               <a:t>.</a:t>
-            </a:r>
-          </a:p>
-          <a:p>
-            <a:r>
-              <a:rPr lang="it-IT" dirty="0" err="1"/>
-              <a:t>All</a:t>
-            </a:r>
-            <a:r>
-              <a:rPr lang="it-IT" dirty="0"/>
-              <a:t> the tools </a:t>
-            </a:r>
-            <a:r>
-              <a:rPr lang="it-IT" dirty="0" err="1"/>
-              <a:t>seem</a:t>
-            </a:r>
-            <a:r>
-              <a:rPr lang="it-IT" dirty="0"/>
-              <a:t> to prove </a:t>
-            </a:r>
-            <a:r>
-              <a:rPr lang="it-IT" dirty="0" err="1"/>
-              <a:t>that</a:t>
-            </a:r>
-            <a:r>
-              <a:rPr lang="it-IT" dirty="0"/>
-              <a:t> learning one task </a:t>
-            </a:r>
-            <a:r>
-              <a:rPr lang="it-IT" dirty="0" err="1"/>
-              <a:t>at</a:t>
-            </a:r>
-            <a:r>
-              <a:rPr lang="it-IT" dirty="0"/>
-              <a:t> a time </a:t>
-            </a:r>
-            <a:r>
-              <a:rPr lang="it-IT" dirty="0" err="1"/>
-              <a:t>is</a:t>
-            </a:r>
-            <a:r>
-              <a:rPr lang="it-IT" dirty="0"/>
-              <a:t> far more </a:t>
-            </a:r>
-            <a:r>
-              <a:rPr lang="it-IT" dirty="0" err="1"/>
-              <a:t>efficient</a:t>
-            </a:r>
-            <a:r>
-              <a:rPr lang="it-IT" dirty="0"/>
-              <a:t> </a:t>
-            </a:r>
-            <a:r>
-              <a:rPr lang="it-IT" dirty="0" err="1"/>
-              <a:t>than</a:t>
-            </a:r>
-            <a:r>
-              <a:rPr lang="it-IT" dirty="0"/>
-              <a:t> learning more tasks </a:t>
-            </a:r>
-            <a:r>
-              <a:rPr lang="it-IT" dirty="0" err="1"/>
-              <a:t>at</a:t>
-            </a:r>
-            <a:r>
-              <a:rPr lang="it-IT" dirty="0"/>
-              <a:t> once.</a:t>
             </a:r>
           </a:p>
         </p:txBody>
@@ -28188,7 +28315,7 @@
           <p:nvPr>
             <p:extLst>
               <p:ext uri="{D42A27DB-BD31-4B8C-83A1-F6EECF244321}">
-                <p14:modId xmlns:p14="http://schemas.microsoft.com/office/powerpoint/2010/main" val="2079795424"/>
+                <p14:modId xmlns:p14="http://schemas.microsoft.com/office/powerpoint/2010/main" val="1537514759"/>
               </p:ext>
             </p:extLst>
           </p:nvPr>
@@ -28667,7 +28794,7 @@
         </p:blipFill>
         <p:spPr>
           <a:xfrm>
-            <a:off x="20" y="10"/>
+            <a:off x="-60436" y="10"/>
             <a:ext cx="11292820" cy="6857990"/>
           </a:xfrm>
           <a:prstGeom prst="rect">
@@ -28773,6 +28900,29 @@
               <a:rPr lang="en-US" sz="1700" dirty="0"/>
               <a:t> efficiency is related to the fact that it requires a far more precise initial idea of the result in order to use the correct metarules.</a:t>
             </a:r>
+          </a:p>
+          <a:p>
+            <a:r>
+              <a:rPr lang="en-US" sz="1700" dirty="0"/>
+              <a:t>The more “problem oriented” approach of ASP and its expressiveness make the learning of some predicates trivial. Once learned the </a:t>
+            </a:r>
+            <a:r>
+              <a:rPr lang="en-US" sz="1800" dirty="0">
+                <a:latin typeface="Courier New" panose="02070309020205020404" pitchFamily="49" charset="0"/>
+                <a:cs typeface="Courier New" panose="02070309020205020404" pitchFamily="49" charset="0"/>
+              </a:rPr>
+              <a:t>move</a:t>
+            </a:r>
+            <a:r>
+              <a:rPr lang="en-US" sz="1700" dirty="0"/>
+              <a:t> predicate, further learnings weren’t necessary.</a:t>
+            </a:r>
+          </a:p>
+          <a:p>
+            <a:pPr marL="0" indent="0">
+              <a:buNone/>
+            </a:pPr>
+            <a:endParaRPr lang="en-US" sz="1700" dirty="0"/>
           </a:p>
         </p:txBody>
       </p:sp>
@@ -31782,42 +31932,6 @@
           </a:p>
         </p:txBody>
       </p:sp>
-      <p:sp>
-        <p:nvSpPr>
-          <p:cNvPr id="5" name="Sottotitolo 4">
-            <a:extLst>
-              <a:ext uri="{FF2B5EF4-FFF2-40B4-BE49-F238E27FC236}">
-                <a16:creationId xmlns:a16="http://schemas.microsoft.com/office/drawing/2014/main" id="{1B09F84D-3E3B-4CFC-B045-25FEB4890D73}"/>
-              </a:ext>
-            </a:extLst>
-          </p:cNvPr>
-          <p:cNvSpPr>
-            <a:spLocks noGrp="1"/>
-          </p:cNvSpPr>
-          <p:nvPr>
-            <p:ph type="subTitle" idx="1"/>
-          </p:nvPr>
-        </p:nvSpPr>
-        <p:spPr>
-          <a:xfrm>
-            <a:off x="1261872" y="4800600"/>
-            <a:ext cx="9418320" cy="1691640"/>
-          </a:xfrm>
-        </p:spPr>
-        <p:txBody>
-          <a:bodyPr>
-            <a:normAutofit/>
-          </a:bodyPr>
-          <a:lstStyle/>
-          <a:p>
-            <a:endParaRPr lang="it-IT">
-              <a:solidFill>
-                <a:schemeClr val="tx1"/>
-              </a:solidFill>
-            </a:endParaRPr>
-          </a:p>
-        </p:txBody>
-      </p:sp>
     </p:spTree>
     <p:extLst>
       <p:ext uri="{BB962C8B-B14F-4D97-AF65-F5344CB8AC3E}">

--- a/ATAI_Presentation.pptx
+++ b/ATAI_Presentation.pptx
@@ -5,7 +5,7 @@
     <p:sldMasterId id="2147483660" r:id="rId1"/>
   </p:sldMasterIdLst>
   <p:notesMasterIdLst>
-    <p:notesMasterId r:id="rId39"/>
+    <p:notesMasterId r:id="rId40"/>
   </p:notesMasterIdLst>
   <p:sldIdLst>
     <p:sldId id="256" r:id="rId2"/>
@@ -26,25 +26,26 @@
     <p:sldId id="263" r:id="rId17"/>
     <p:sldId id="264" r:id="rId18"/>
     <p:sldId id="279" r:id="rId19"/>
-    <p:sldId id="265" r:id="rId20"/>
-    <p:sldId id="270" r:id="rId21"/>
-    <p:sldId id="266" r:id="rId22"/>
-    <p:sldId id="267" r:id="rId23"/>
-    <p:sldId id="285" r:id="rId24"/>
-    <p:sldId id="286" r:id="rId25"/>
-    <p:sldId id="287" r:id="rId26"/>
-    <p:sldId id="288" r:id="rId27"/>
-    <p:sldId id="292" r:id="rId28"/>
-    <p:sldId id="302" r:id="rId29"/>
-    <p:sldId id="278" r:id="rId30"/>
-    <p:sldId id="304" r:id="rId31"/>
-    <p:sldId id="305" r:id="rId32"/>
-    <p:sldId id="306" r:id="rId33"/>
-    <p:sldId id="295" r:id="rId34"/>
-    <p:sldId id="296" r:id="rId35"/>
-    <p:sldId id="298" r:id="rId36"/>
-    <p:sldId id="299" r:id="rId37"/>
-    <p:sldId id="301" r:id="rId38"/>
+    <p:sldId id="308" r:id="rId20"/>
+    <p:sldId id="265" r:id="rId21"/>
+    <p:sldId id="270" r:id="rId22"/>
+    <p:sldId id="266" r:id="rId23"/>
+    <p:sldId id="267" r:id="rId24"/>
+    <p:sldId id="285" r:id="rId25"/>
+    <p:sldId id="286" r:id="rId26"/>
+    <p:sldId id="287" r:id="rId27"/>
+    <p:sldId id="288" r:id="rId28"/>
+    <p:sldId id="292" r:id="rId29"/>
+    <p:sldId id="302" r:id="rId30"/>
+    <p:sldId id="278" r:id="rId31"/>
+    <p:sldId id="304" r:id="rId32"/>
+    <p:sldId id="305" r:id="rId33"/>
+    <p:sldId id="306" r:id="rId34"/>
+    <p:sldId id="295" r:id="rId35"/>
+    <p:sldId id="296" r:id="rId36"/>
+    <p:sldId id="298" r:id="rId37"/>
+    <p:sldId id="299" r:id="rId38"/>
+    <p:sldId id="301" r:id="rId39"/>
   </p:sldIdLst>
   <p:sldSz cx="12192000" cy="6858000"/>
   <p:notesSz cx="6858000" cy="9144000"/>
@@ -154,7 +155,7 @@
 <file path=ppt/revisionInfo.xml><?xml version="1.0" encoding="utf-8"?>
 <p1510:revInfo xmlns:a="http://schemas.openxmlformats.org/drawingml/2006/main" xmlns:r="http://schemas.openxmlformats.org/officeDocument/2006/relationships" xmlns:p1510="http://schemas.microsoft.com/office/powerpoint/2015/10/main">
   <p1510:revLst>
-    <p1510:client id="{A99E2092-6289-4F05-ABB0-BFCB1DB98601}" v="112" dt="2021-07-04T14:55:39.494"/>
+    <p1510:client id="{A99E2092-6289-4F05-ABB0-BFCB1DB98601}" v="114" dt="2021-07-05T08:59:17.920"/>
   </p1510:revLst>
 </p1510:revInfo>
 </file>
@@ -164,7 +165,7 @@
   <pc:docChgLst>
     <pc:chgData name="Al ex" userId="1d73023b5acb93cf" providerId="LiveId" clId="{A99E2092-6289-4F05-ABB0-BFCB1DB98601}"/>
     <pc:docChg chg="undo redo custSel addSld delSld modSld">
-      <pc:chgData name="Al ex" userId="1d73023b5acb93cf" providerId="LiveId" clId="{A99E2092-6289-4F05-ABB0-BFCB1DB98601}" dt="2021-07-04T14:59:11.470" v="2977" actId="20577"/>
+      <pc:chgData name="Al ex" userId="1d73023b5acb93cf" providerId="LiveId" clId="{A99E2092-6289-4F05-ABB0-BFCB1DB98601}" dt="2021-07-05T09:17:10.674" v="3550" actId="20577"/>
       <pc:docMkLst>
         <pc:docMk/>
       </pc:docMkLst>
@@ -434,7 +435,7 @@
         </pc:sldMkLst>
       </pc:sldChg>
       <pc:sldChg chg="addSp delSp modSp mod">
-        <pc:chgData name="Al ex" userId="1d73023b5acb93cf" providerId="LiveId" clId="{A99E2092-6289-4F05-ABB0-BFCB1DB98601}" dt="2021-07-04T08:43:59.718" v="179" actId="403"/>
+        <pc:chgData name="Al ex" userId="1d73023b5acb93cf" providerId="LiveId" clId="{A99E2092-6289-4F05-ABB0-BFCB1DB98601}" dt="2021-07-05T09:17:10.674" v="3550" actId="20577"/>
         <pc:sldMkLst>
           <pc:docMk/>
           <pc:sldMk cId="2777569243" sldId="270"/>
@@ -448,7 +449,7 @@
           </ac:spMkLst>
         </pc:spChg>
         <pc:spChg chg="mod">
-          <ac:chgData name="Al ex" userId="1d73023b5acb93cf" providerId="LiveId" clId="{A99E2092-6289-4F05-ABB0-BFCB1DB98601}" dt="2021-07-04T08:43:59.718" v="179" actId="403"/>
+          <ac:chgData name="Al ex" userId="1d73023b5acb93cf" providerId="LiveId" clId="{A99E2092-6289-4F05-ABB0-BFCB1DB98601}" dt="2021-07-05T09:17:10.674" v="3550" actId="20577"/>
           <ac:spMkLst>
             <pc:docMk/>
             <pc:sldMk cId="2777569243" sldId="270"/>
@@ -751,17 +752,33 @@
         </pc:sldMkLst>
       </pc:sldChg>
       <pc:sldChg chg="addSp delSp modSp add mod setBg delDesignElem">
-        <pc:chgData name="Al ex" userId="1d73023b5acb93cf" providerId="LiveId" clId="{A99E2092-6289-4F05-ABB0-BFCB1DB98601}" dt="2021-07-04T08:40:45.447" v="135" actId="20577"/>
+        <pc:chgData name="Al ex" userId="1d73023b5acb93cf" providerId="LiveId" clId="{A99E2092-6289-4F05-ABB0-BFCB1DB98601}" dt="2021-07-05T09:15:44.035" v="3547" actId="255"/>
         <pc:sldMkLst>
           <pc:docMk/>
           <pc:sldMk cId="1638002866" sldId="279"/>
         </pc:sldMkLst>
         <pc:spChg chg="mod">
-          <ac:chgData name="Al ex" userId="1d73023b5acb93cf" providerId="LiveId" clId="{A99E2092-6289-4F05-ABB0-BFCB1DB98601}" dt="2021-07-04T08:40:45.447" v="135" actId="20577"/>
+          <ac:chgData name="Al ex" userId="1d73023b5acb93cf" providerId="LiveId" clId="{A99E2092-6289-4F05-ABB0-BFCB1DB98601}" dt="2021-07-05T08:58:55.104" v="3215" actId="20577"/>
+          <ac:spMkLst>
+            <pc:docMk/>
+            <pc:sldMk cId="1638002866" sldId="279"/>
+            <ac:spMk id="2" creationId="{77994A76-64F1-4AEE-BC4F-FB664D9A36F7}"/>
+          </ac:spMkLst>
+        </pc:spChg>
+        <pc:spChg chg="del mod">
+          <ac:chgData name="Al ex" userId="1d73023b5acb93cf" providerId="LiveId" clId="{A99E2092-6289-4F05-ABB0-BFCB1DB98601}" dt="2021-07-05T09:00:21.647" v="3238" actId="478"/>
           <ac:spMkLst>
             <pc:docMk/>
             <pc:sldMk cId="1638002866" sldId="279"/>
             <ac:spMk id="3" creationId="{C7D1522B-DD16-4ED0-B890-B3427CE8EB23}"/>
+          </ac:spMkLst>
+        </pc:spChg>
+        <pc:spChg chg="add mod">
+          <ac:chgData name="Al ex" userId="1d73023b5acb93cf" providerId="LiveId" clId="{A99E2092-6289-4F05-ABB0-BFCB1DB98601}" dt="2021-07-05T09:15:44.035" v="3547" actId="255"/>
+          <ac:spMkLst>
+            <pc:docMk/>
+            <pc:sldMk cId="1638002866" sldId="279"/>
+            <ac:spMk id="7" creationId="{1EC4C48F-9C05-4C7D-8188-9DF4F0E1488C}"/>
           </ac:spMkLst>
         </pc:spChg>
         <pc:spChg chg="del">
@@ -772,16 +789,16 @@
             <ac:spMk id="19" creationId="{AB1CEEAD-825F-41AD-B0DB-77CE90932D00}"/>
           </ac:spMkLst>
         </pc:spChg>
-        <pc:graphicFrameChg chg="add mod modGraphic">
-          <ac:chgData name="Al ex" userId="1d73023b5acb93cf" providerId="LiveId" clId="{A99E2092-6289-4F05-ABB0-BFCB1DB98601}" dt="2021-07-04T08:40:13.449" v="131" actId="14100"/>
+        <pc:graphicFrameChg chg="add del mod modGraphic">
+          <ac:chgData name="Al ex" userId="1d73023b5acb93cf" providerId="LiveId" clId="{A99E2092-6289-4F05-ABB0-BFCB1DB98601}" dt="2021-07-05T08:59:46.314" v="3228" actId="478"/>
           <ac:graphicFrameMkLst>
             <pc:docMk/>
             <pc:sldMk cId="1638002866" sldId="279"/>
             <ac:graphicFrameMk id="6" creationId="{73F1BC8B-8188-474D-BBB3-BE20A403E423}"/>
           </ac:graphicFrameMkLst>
         </pc:graphicFrameChg>
-        <pc:picChg chg="mod">
-          <ac:chgData name="Al ex" userId="1d73023b5acb93cf" providerId="LiveId" clId="{A99E2092-6289-4F05-ABB0-BFCB1DB98601}" dt="2021-07-04T08:39:48.645" v="125" actId="1076"/>
+        <pc:picChg chg="add del mod">
+          <ac:chgData name="Al ex" userId="1d73023b5acb93cf" providerId="LiveId" clId="{A99E2092-6289-4F05-ABB0-BFCB1DB98601}" dt="2021-07-05T09:07:37.613" v="3492" actId="1076"/>
           <ac:picMkLst>
             <pc:docMk/>
             <pc:sldMk cId="1638002866" sldId="279"/>
@@ -1586,7 +1603,7 @@
         </pc:spChg>
       </pc:sldChg>
       <pc:sldChg chg="addSp modSp new mod setBg">
-        <pc:chgData name="Al ex" userId="1d73023b5acb93cf" providerId="LiveId" clId="{A99E2092-6289-4F05-ABB0-BFCB1DB98601}" dt="2021-07-04T14:44:54.730" v="1935" actId="20577"/>
+        <pc:chgData name="Al ex" userId="1d73023b5acb93cf" providerId="LiveId" clId="{A99E2092-6289-4F05-ABB0-BFCB1DB98601}" dt="2021-07-05T09:14:27.506" v="3546" actId="27636"/>
         <pc:sldMkLst>
           <pc:docMk/>
           <pc:sldMk cId="517097051" sldId="296"/>
@@ -1600,7 +1617,7 @@
           </ac:spMkLst>
         </pc:spChg>
         <pc:spChg chg="mod">
-          <ac:chgData name="Al ex" userId="1d73023b5acb93cf" providerId="LiveId" clId="{A99E2092-6289-4F05-ABB0-BFCB1DB98601}" dt="2021-07-04T14:44:54.730" v="1935" actId="20577"/>
+          <ac:chgData name="Al ex" userId="1d73023b5acb93cf" providerId="LiveId" clId="{A99E2092-6289-4F05-ABB0-BFCB1DB98601}" dt="2021-07-05T09:14:27.506" v="3546" actId="27636"/>
           <ac:spMkLst>
             <pc:docMk/>
             <pc:sldMk cId="517097051" sldId="296"/>
@@ -1615,8 +1632,8 @@
             <ac:spMk id="9" creationId="{AB1CEEAD-825F-41AD-B0DB-77CE90932D00}"/>
           </ac:spMkLst>
         </pc:spChg>
-        <pc:graphicFrameChg chg="add mod">
-          <ac:chgData name="Al ex" userId="1d73023b5acb93cf" providerId="LiveId" clId="{A99E2092-6289-4F05-ABB0-BFCB1DB98601}" dt="2021-07-04T14:43:28.232" v="1673" actId="1035"/>
+        <pc:graphicFrameChg chg="add mod modGraphic">
+          <ac:chgData name="Al ex" userId="1d73023b5acb93cf" providerId="LiveId" clId="{A99E2092-6289-4F05-ABB0-BFCB1DB98601}" dt="2021-07-05T09:14:14.413" v="3541" actId="20577"/>
           <ac:graphicFrameMkLst>
             <pc:docMk/>
             <pc:sldMk cId="517097051" sldId="296"/>
@@ -1640,7 +1657,7 @@
         </pc:sldMkLst>
       </pc:sldChg>
       <pc:sldChg chg="modSp add mod">
-        <pc:chgData name="Al ex" userId="1d73023b5acb93cf" providerId="LiveId" clId="{A99E2092-6289-4F05-ABB0-BFCB1DB98601}" dt="2021-07-04T14:59:11.470" v="2977" actId="20577"/>
+        <pc:chgData name="Al ex" userId="1d73023b5acb93cf" providerId="LiveId" clId="{A99E2092-6289-4F05-ABB0-BFCB1DB98601}" dt="2021-07-05T09:08:11.294" v="3500" actId="20577"/>
         <pc:sldMkLst>
           <pc:docMk/>
           <pc:sldMk cId="642043342" sldId="298"/>
@@ -1654,7 +1671,7 @@
           </ac:spMkLst>
         </pc:spChg>
         <pc:spChg chg="mod">
-          <ac:chgData name="Al ex" userId="1d73023b5acb93cf" providerId="LiveId" clId="{A99E2092-6289-4F05-ABB0-BFCB1DB98601}" dt="2021-07-04T14:59:11.470" v="2977" actId="20577"/>
+          <ac:chgData name="Al ex" userId="1d73023b5acb93cf" providerId="LiveId" clId="{A99E2092-6289-4F05-ABB0-BFCB1DB98601}" dt="2021-07-05T09:08:11.294" v="3500" actId="20577"/>
           <ac:spMkLst>
             <pc:docMk/>
             <pc:sldMk cId="642043342" sldId="298"/>
@@ -1888,6 +1905,52 @@
             <pc:docMk/>
             <pc:sldMk cId="2247642379" sldId="301"/>
             <ac:graphicFrameMk id="8" creationId="{C50F7A01-5C60-48AE-8806-47B899C429A8}"/>
+          </ac:graphicFrameMkLst>
+        </pc:graphicFrameChg>
+      </pc:sldChg>
+      <pc:sldChg chg="new del">
+        <pc:chgData name="Al ex" userId="1d73023b5acb93cf" providerId="LiveId" clId="{A99E2092-6289-4F05-ABB0-BFCB1DB98601}" dt="2021-07-05T08:59:28.084" v="3227" actId="47"/>
+        <pc:sldMkLst>
+          <pc:docMk/>
+          <pc:sldMk cId="746832403" sldId="307"/>
+        </pc:sldMkLst>
+      </pc:sldChg>
+      <pc:sldChg chg="modSp add mod">
+        <pc:chgData name="Al ex" userId="1d73023b5acb93cf" providerId="LiveId" clId="{A99E2092-6289-4F05-ABB0-BFCB1DB98601}" dt="2021-07-05T09:07:16.409" v="3489" actId="404"/>
+        <pc:sldMkLst>
+          <pc:docMk/>
+          <pc:sldMk cId="3274818821" sldId="308"/>
+        </pc:sldMkLst>
+        <pc:spChg chg="mod">
+          <ac:chgData name="Al ex" userId="1d73023b5acb93cf" providerId="LiveId" clId="{A99E2092-6289-4F05-ABB0-BFCB1DB98601}" dt="2021-07-05T08:59:24.105" v="3226" actId="20577"/>
+          <ac:spMkLst>
+            <pc:docMk/>
+            <pc:sldMk cId="3274818821" sldId="308"/>
+            <ac:spMk id="2" creationId="{77994A76-64F1-4AEE-BC4F-FB664D9A36F7}"/>
+          </ac:spMkLst>
+        </pc:spChg>
+        <pc:spChg chg="mod">
+          <ac:chgData name="Al ex" userId="1d73023b5acb93cf" providerId="LiveId" clId="{A99E2092-6289-4F05-ABB0-BFCB1DB98601}" dt="2021-07-05T09:07:16.409" v="3489" actId="404"/>
+          <ac:spMkLst>
+            <pc:docMk/>
+            <pc:sldMk cId="3274818821" sldId="308"/>
+            <ac:spMk id="3" creationId="{C7D1522B-DD16-4ED0-B890-B3427CE8EB23}"/>
+          </ac:spMkLst>
+        </pc:spChg>
+        <pc:spChg chg="mod">
+          <ac:chgData name="Al ex" userId="1d73023b5acb93cf" providerId="LiveId" clId="{A99E2092-6289-4F05-ABB0-BFCB1DB98601}" dt="2021-07-05T09:05:10.915" v="3331" actId="5793"/>
+          <ac:spMkLst>
+            <pc:docMk/>
+            <pc:sldMk cId="3274818821" sldId="308"/>
+            <ac:spMk id="7" creationId="{1EC4C48F-9C05-4C7D-8188-9DF4F0E1488C}"/>
+          </ac:spMkLst>
+        </pc:spChg>
+        <pc:graphicFrameChg chg="mod modGraphic">
+          <ac:chgData name="Al ex" userId="1d73023b5acb93cf" providerId="LiveId" clId="{A99E2092-6289-4F05-ABB0-BFCB1DB98601}" dt="2021-07-05T09:05:24.660" v="3332" actId="1076"/>
+          <ac:graphicFrameMkLst>
+            <pc:docMk/>
+            <pc:sldMk cId="3274818821" sldId="308"/>
+            <ac:graphicFrameMk id="6" creationId="{73F1BC8B-8188-474D-BBB3-BE20A403E423}"/>
           </ac:graphicFrameMkLst>
         </pc:graphicFrameChg>
       </pc:sldChg>
@@ -11495,7 +11558,7 @@
           <a:p>
             <a:fld id="{37F5DA0F-3F27-463C-BADD-4A602C312453}" type="datetimeFigureOut">
               <a:rPr lang="it-IT" smtClean="0"/>
-              <a:t>04/07/2021</a:t>
+              <a:t>05/07/2021</a:t>
             </a:fld>
             <a:endParaRPr lang="it-IT"/>
           </a:p>
@@ -11827,7 +11890,7 @@
           <a:p>
             <a:fld id="{E1391FC2-2B4E-4A7E-8BBB-15E72A9EB064}" type="slidenum">
               <a:rPr lang="it-IT" smtClean="0"/>
-              <a:t>21</a:t>
+              <a:t>22</a:t>
             </a:fld>
             <a:endParaRPr lang="it-IT"/>
           </a:p>
@@ -12014,7 +12077,7 @@
           <a:p>
             <a:fld id="{0FB1A7F6-0812-4A46-B0B3-17E31A6CF280}" type="datetimeFigureOut">
               <a:rPr lang="it-IT" smtClean="0"/>
-              <a:t>04/07/2021</a:t>
+              <a:t>05/07/2021</a:t>
             </a:fld>
             <a:endParaRPr lang="it-IT"/>
           </a:p>
@@ -12242,7 +12305,7 @@
           <a:p>
             <a:fld id="{0FB1A7F6-0812-4A46-B0B3-17E31A6CF280}" type="datetimeFigureOut">
               <a:rPr lang="it-IT" smtClean="0"/>
-              <a:t>04/07/2021</a:t>
+              <a:t>05/07/2021</a:t>
             </a:fld>
             <a:endParaRPr lang="it-IT"/>
           </a:p>
@@ -12422,7 +12485,7 @@
           <a:p>
             <a:fld id="{0FB1A7F6-0812-4A46-B0B3-17E31A6CF280}" type="datetimeFigureOut">
               <a:rPr lang="it-IT" smtClean="0"/>
-              <a:t>04/07/2021</a:t>
+              <a:t>05/07/2021</a:t>
             </a:fld>
             <a:endParaRPr lang="it-IT"/>
           </a:p>
@@ -12592,7 +12655,7 @@
           <a:p>
             <a:fld id="{0FB1A7F6-0812-4A46-B0B3-17E31A6CF280}" type="datetimeFigureOut">
               <a:rPr lang="it-IT" smtClean="0"/>
-              <a:t>04/07/2021</a:t>
+              <a:t>05/07/2021</a:t>
             </a:fld>
             <a:endParaRPr lang="it-IT"/>
           </a:p>
@@ -12846,7 +12909,7 @@
           <a:p>
             <a:fld id="{0FB1A7F6-0812-4A46-B0B3-17E31A6CF280}" type="datetimeFigureOut">
               <a:rPr lang="it-IT" smtClean="0"/>
-              <a:t>04/07/2021</a:t>
+              <a:t>05/07/2021</a:t>
             </a:fld>
             <a:endParaRPr lang="it-IT"/>
           </a:p>
@@ -13172,7 +13235,7 @@
           <a:p>
             <a:fld id="{0FB1A7F6-0812-4A46-B0B3-17E31A6CF280}" type="datetimeFigureOut">
               <a:rPr lang="it-IT" smtClean="0"/>
-              <a:t>04/07/2021</a:t>
+              <a:t>05/07/2021</a:t>
             </a:fld>
             <a:endParaRPr lang="it-IT"/>
           </a:p>
@@ -13623,7 +13686,7 @@
           <a:p>
             <a:fld id="{0FB1A7F6-0812-4A46-B0B3-17E31A6CF280}" type="datetimeFigureOut">
               <a:rPr lang="it-IT" smtClean="0"/>
-              <a:t>04/07/2021</a:t>
+              <a:t>05/07/2021</a:t>
             </a:fld>
             <a:endParaRPr lang="it-IT"/>
           </a:p>
@@ -13741,7 +13804,7 @@
           <a:p>
             <a:fld id="{0FB1A7F6-0812-4A46-B0B3-17E31A6CF280}" type="datetimeFigureOut">
               <a:rPr lang="it-IT" smtClean="0"/>
-              <a:t>04/07/2021</a:t>
+              <a:t>05/07/2021</a:t>
             </a:fld>
             <a:endParaRPr lang="it-IT"/>
           </a:p>
@@ -13836,7 +13899,7 @@
           <a:p>
             <a:fld id="{0FB1A7F6-0812-4A46-B0B3-17E31A6CF280}" type="datetimeFigureOut">
               <a:rPr lang="it-IT" smtClean="0"/>
-              <a:t>04/07/2021</a:t>
+              <a:t>05/07/2021</a:t>
             </a:fld>
             <a:endParaRPr lang="it-IT"/>
           </a:p>
@@ -14123,7 +14186,7 @@
           <a:p>
             <a:fld id="{0FB1A7F6-0812-4A46-B0B3-17E31A6CF280}" type="datetimeFigureOut">
               <a:rPr lang="it-IT" smtClean="0"/>
-              <a:t>04/07/2021</a:t>
+              <a:t>05/07/2021</a:t>
             </a:fld>
             <a:endParaRPr lang="it-IT"/>
           </a:p>
@@ -14445,7 +14508,7 @@
           <a:p>
             <a:fld id="{0FB1A7F6-0812-4A46-B0B3-17E31A6CF280}" type="datetimeFigureOut">
               <a:rPr lang="it-IT" smtClean="0"/>
-              <a:t>04/07/2021</a:t>
+              <a:t>05/07/2021</a:t>
             </a:fld>
             <a:endParaRPr lang="it-IT"/>
           </a:p>
@@ -14699,7 +14762,7 @@
           <a:p>
             <a:fld id="{0FB1A7F6-0812-4A46-B0B3-17E31A6CF280}" type="datetimeFigureOut">
               <a:rPr lang="it-IT" smtClean="0"/>
-              <a:t>04/07/2021</a:t>
+              <a:t>05/07/2021</a:t>
             </a:fld>
             <a:endParaRPr lang="it-IT"/>
           </a:p>
@@ -19525,11 +19588,753 @@
           <a:p>
             <a:r>
               <a:rPr lang="it-IT" dirty="0"/>
-              <a:t>The power of </a:t>
-            </a:r>
+              <a:t>The power of background knowledge</a:t>
+            </a:r>
+          </a:p>
+        </p:txBody>
+      </p:sp>
+      <p:sp>
+        <p:nvSpPr>
+          <p:cNvPr id="7" name="Segnaposto contenuto 2">
+            <a:extLst>
+              <a:ext uri="{FF2B5EF4-FFF2-40B4-BE49-F238E27FC236}">
+                <a16:creationId xmlns:a16="http://schemas.microsoft.com/office/drawing/2014/main" id="{1EC4C48F-9C05-4C7D-8188-9DF4F0E1488C}"/>
+              </a:ext>
+            </a:extLst>
+          </p:cNvPr>
+          <p:cNvSpPr txBox="1">
+            <a:spLocks/>
+          </p:cNvSpPr>
+          <p:nvPr/>
+        </p:nvSpPr>
+        <p:spPr>
+          <a:xfrm>
+            <a:off x="1261872" y="1881192"/>
+            <a:ext cx="8595360" cy="4094808"/>
+          </a:xfrm>
+          <a:prstGeom prst="rect">
+            <a:avLst/>
+          </a:prstGeom>
+        </p:spPr>
+        <p:txBody>
+          <a:bodyPr vert="horz" lIns="91440" tIns="45720" rIns="91440" bIns="45720" rtlCol="0">
+            <a:normAutofit/>
+          </a:bodyPr>
+          <a:lstStyle>
+            <a:lvl1pPr marL="182880" indent="-182880" algn="l" defTabSz="914400" rtl="0" eaLnBrk="1" latinLnBrk="0" hangingPunct="1">
+              <a:lnSpc>
+                <a:spcPct val="95000"/>
+              </a:lnSpc>
+              <a:spcBef>
+                <a:spcPts val="1400"/>
+              </a:spcBef>
+              <a:spcAft>
+                <a:spcPts val="200"/>
+              </a:spcAft>
+              <a:buClr>
+                <a:schemeClr val="accent1"/>
+              </a:buClr>
+              <a:buSzPct val="80000"/>
+              <a:buFont typeface="Arial" pitchFamily="34" charset="0"/>
+              <a:buChar char="•"/>
+              <a:defRPr sz="1800" kern="1200" spc="10" baseline="0">
+                <a:solidFill>
+                  <a:schemeClr val="tx1"/>
+                </a:solidFill>
+                <a:latin typeface="+mn-lt"/>
+                <a:ea typeface="+mn-ea"/>
+                <a:cs typeface="+mn-cs"/>
+              </a:defRPr>
+            </a:lvl1pPr>
+            <a:lvl2pPr marL="457200" indent="-182880" algn="l" defTabSz="914400" rtl="0" eaLnBrk="1" latinLnBrk="0" hangingPunct="1">
+              <a:lnSpc>
+                <a:spcPct val="90000"/>
+              </a:lnSpc>
+              <a:spcBef>
+                <a:spcPts val="300"/>
+              </a:spcBef>
+              <a:spcAft>
+                <a:spcPts val="300"/>
+              </a:spcAft>
+              <a:buClr>
+                <a:schemeClr val="accent1"/>
+              </a:buClr>
+              <a:buFont typeface="Wingdings 2" pitchFamily="18" charset="2"/>
+              <a:buChar char=""/>
+              <a:defRPr sz="1600" kern="1200">
+                <a:solidFill>
+                  <a:schemeClr val="tx1">
+                    <a:lumMod val="85000"/>
+                    <a:lumOff val="15000"/>
+                  </a:schemeClr>
+                </a:solidFill>
+                <a:latin typeface="+mn-lt"/>
+                <a:ea typeface="+mn-ea"/>
+                <a:cs typeface="+mn-cs"/>
+              </a:defRPr>
+            </a:lvl2pPr>
+            <a:lvl3pPr marL="731520" indent="-182880" algn="l" defTabSz="914400" rtl="0" eaLnBrk="1" latinLnBrk="0" hangingPunct="1">
+              <a:lnSpc>
+                <a:spcPct val="90000"/>
+              </a:lnSpc>
+              <a:spcBef>
+                <a:spcPts val="300"/>
+              </a:spcBef>
+              <a:spcAft>
+                <a:spcPts val="300"/>
+              </a:spcAft>
+              <a:buClr>
+                <a:schemeClr val="accent1"/>
+              </a:buClr>
+              <a:buFont typeface="Wingdings 2" pitchFamily="18" charset="2"/>
+              <a:buChar char=""/>
+              <a:defRPr sz="1400" kern="1200">
+                <a:solidFill>
+                  <a:schemeClr val="tx1">
+                    <a:lumMod val="85000"/>
+                    <a:lumOff val="15000"/>
+                  </a:schemeClr>
+                </a:solidFill>
+                <a:latin typeface="+mn-lt"/>
+                <a:ea typeface="+mn-ea"/>
+                <a:cs typeface="+mn-cs"/>
+              </a:defRPr>
+            </a:lvl3pPr>
+            <a:lvl4pPr marL="1005840" indent="-182880" algn="l" defTabSz="914400" rtl="0" eaLnBrk="1" latinLnBrk="0" hangingPunct="1">
+              <a:lnSpc>
+                <a:spcPct val="90000"/>
+              </a:lnSpc>
+              <a:spcBef>
+                <a:spcPts val="300"/>
+              </a:spcBef>
+              <a:spcAft>
+                <a:spcPts val="300"/>
+              </a:spcAft>
+              <a:buClr>
+                <a:schemeClr val="accent1"/>
+              </a:buClr>
+              <a:buFont typeface="Wingdings 2" pitchFamily="18" charset="2"/>
+              <a:buChar char=""/>
+              <a:defRPr sz="1400" kern="1200">
+                <a:solidFill>
+                  <a:schemeClr val="tx1">
+                    <a:lumMod val="85000"/>
+                    <a:lumOff val="15000"/>
+                  </a:schemeClr>
+                </a:solidFill>
+                <a:latin typeface="+mn-lt"/>
+                <a:ea typeface="+mn-ea"/>
+                <a:cs typeface="+mn-cs"/>
+              </a:defRPr>
+            </a:lvl4pPr>
+            <a:lvl5pPr marL="1280160" indent="-182880" algn="l" defTabSz="914400" rtl="0" eaLnBrk="1" latinLnBrk="0" hangingPunct="1">
+              <a:lnSpc>
+                <a:spcPct val="90000"/>
+              </a:lnSpc>
+              <a:spcBef>
+                <a:spcPts val="300"/>
+              </a:spcBef>
+              <a:spcAft>
+                <a:spcPts val="300"/>
+              </a:spcAft>
+              <a:buClr>
+                <a:schemeClr val="accent1"/>
+              </a:buClr>
+              <a:buFont typeface="Wingdings 2" pitchFamily="18" charset="2"/>
+              <a:buChar char=""/>
+              <a:defRPr sz="1400" kern="1200">
+                <a:solidFill>
+                  <a:schemeClr val="tx1">
+                    <a:lumMod val="85000"/>
+                    <a:lumOff val="15000"/>
+                  </a:schemeClr>
+                </a:solidFill>
+                <a:latin typeface="+mn-lt"/>
+                <a:ea typeface="+mn-ea"/>
+                <a:cs typeface="+mn-cs"/>
+              </a:defRPr>
+            </a:lvl5pPr>
+            <a:lvl6pPr marL="1600000" indent="-228600" algn="l" defTabSz="914400" rtl="0" eaLnBrk="1" latinLnBrk="0" hangingPunct="1">
+              <a:lnSpc>
+                <a:spcPct val="90000"/>
+              </a:lnSpc>
+              <a:spcBef>
+                <a:spcPts val="300"/>
+              </a:spcBef>
+              <a:spcAft>
+                <a:spcPts val="300"/>
+              </a:spcAft>
+              <a:buClr>
+                <a:schemeClr val="accent1"/>
+              </a:buClr>
+              <a:buFont typeface="Wingdings 2" pitchFamily="18" charset="2"/>
+              <a:buChar char=""/>
+              <a:defRPr sz="1400" kern="1200">
+                <a:solidFill>
+                  <a:schemeClr val="tx1">
+                    <a:lumMod val="85000"/>
+                    <a:lumOff val="15000"/>
+                  </a:schemeClr>
+                </a:solidFill>
+                <a:latin typeface="+mn-lt"/>
+                <a:ea typeface="+mn-ea"/>
+                <a:cs typeface="+mn-cs"/>
+              </a:defRPr>
+            </a:lvl6pPr>
+            <a:lvl7pPr marL="1900000" indent="-228600" algn="l" defTabSz="914400" rtl="0" eaLnBrk="1" latinLnBrk="0" hangingPunct="1">
+              <a:lnSpc>
+                <a:spcPct val="90000"/>
+              </a:lnSpc>
+              <a:spcBef>
+                <a:spcPts val="300"/>
+              </a:spcBef>
+              <a:spcAft>
+                <a:spcPts val="300"/>
+              </a:spcAft>
+              <a:buClr>
+                <a:schemeClr val="accent1"/>
+              </a:buClr>
+              <a:buFont typeface="Wingdings 2" pitchFamily="18" charset="2"/>
+              <a:buChar char=""/>
+              <a:defRPr sz="1400" kern="1200">
+                <a:solidFill>
+                  <a:schemeClr val="tx1">
+                    <a:lumMod val="85000"/>
+                    <a:lumOff val="15000"/>
+                  </a:schemeClr>
+                </a:solidFill>
+                <a:latin typeface="+mn-lt"/>
+                <a:ea typeface="+mn-ea"/>
+                <a:cs typeface="+mn-cs"/>
+              </a:defRPr>
+            </a:lvl7pPr>
+            <a:lvl8pPr marL="2200000" indent="-228600" algn="l" defTabSz="914400" rtl="0" eaLnBrk="1" latinLnBrk="0" hangingPunct="1">
+              <a:lnSpc>
+                <a:spcPct val="90000"/>
+              </a:lnSpc>
+              <a:spcBef>
+                <a:spcPts val="300"/>
+              </a:spcBef>
+              <a:spcAft>
+                <a:spcPts val="300"/>
+              </a:spcAft>
+              <a:buClr>
+                <a:schemeClr val="accent1"/>
+              </a:buClr>
+              <a:buFont typeface="Wingdings 2" pitchFamily="18" charset="2"/>
+              <a:buChar char=""/>
+              <a:defRPr sz="1400" kern="1200">
+                <a:solidFill>
+                  <a:schemeClr val="tx1">
+                    <a:lumMod val="85000"/>
+                    <a:lumOff val="15000"/>
+                  </a:schemeClr>
+                </a:solidFill>
+                <a:latin typeface="+mn-lt"/>
+                <a:ea typeface="+mn-ea"/>
+                <a:cs typeface="+mn-cs"/>
+              </a:defRPr>
+            </a:lvl8pPr>
+            <a:lvl9pPr marL="2500000" indent="-228600" algn="l" defTabSz="914400" rtl="0" eaLnBrk="1" latinLnBrk="0" hangingPunct="1">
+              <a:lnSpc>
+                <a:spcPct val="90000"/>
+              </a:lnSpc>
+              <a:spcBef>
+                <a:spcPts val="300"/>
+              </a:spcBef>
+              <a:spcAft>
+                <a:spcPts val="300"/>
+              </a:spcAft>
+              <a:buClr>
+                <a:schemeClr val="accent1"/>
+              </a:buClr>
+              <a:buFont typeface="Wingdings 2" pitchFamily="18" charset="2"/>
+              <a:buChar char=""/>
+              <a:defRPr sz="1400" kern="1200">
+                <a:solidFill>
+                  <a:schemeClr val="tx1">
+                    <a:lumMod val="85000"/>
+                    <a:lumOff val="15000"/>
+                  </a:schemeClr>
+                </a:solidFill>
+                <a:latin typeface="+mn-lt"/>
+                <a:ea typeface="+mn-ea"/>
+                <a:cs typeface="+mn-cs"/>
+              </a:defRPr>
+            </a:lvl9pPr>
+          </a:lstStyle>
+          <a:p>
             <a:r>
               <a:rPr lang="it-IT" dirty="0" err="1"/>
-              <a:t>metarules</a:t>
+              <a:t>Slightly</a:t>
+            </a:r>
+            <a:r>
+              <a:rPr lang="it-IT" dirty="0"/>
+              <a:t> </a:t>
+            </a:r>
+            <a:r>
+              <a:rPr lang="it-IT" dirty="0" err="1"/>
+              <a:t>complicating</a:t>
+            </a:r>
+            <a:r>
+              <a:rPr lang="it-IT" dirty="0"/>
+              <a:t> </a:t>
+            </a:r>
+            <a:r>
+              <a:rPr lang="it-IT" dirty="0" err="1"/>
+              <a:t>things</a:t>
+            </a:r>
+            <a:r>
+              <a:rPr lang="it-IT" dirty="0"/>
+              <a:t>, </a:t>
+            </a:r>
+            <a:r>
+              <a:rPr lang="it-IT" dirty="0" err="1">
+                <a:latin typeface="Courier New" panose="02070309020205020404" pitchFamily="49" charset="0"/>
+                <a:cs typeface="Courier New" panose="02070309020205020404" pitchFamily="49" charset="0"/>
+              </a:rPr>
+              <a:t>legal_position</a:t>
+            </a:r>
+            <a:r>
+              <a:rPr lang="it-IT" dirty="0">
+                <a:latin typeface="Courier New" panose="02070309020205020404" pitchFamily="49" charset="0"/>
+                <a:cs typeface="Courier New" panose="02070309020205020404" pitchFamily="49" charset="0"/>
+              </a:rPr>
+              <a:t>/1</a:t>
+            </a:r>
+            <a:r>
+              <a:rPr lang="it-IT" dirty="0">
+                <a:cs typeface="Courier New" panose="02070309020205020404" pitchFamily="49" charset="0"/>
+              </a:rPr>
+              <a:t> can be split up </a:t>
+            </a:r>
+            <a:r>
+              <a:rPr lang="it-IT" dirty="0" err="1">
+                <a:cs typeface="Courier New" panose="02070309020205020404" pitchFamily="49" charset="0"/>
+              </a:rPr>
+              <a:t>into</a:t>
+            </a:r>
+            <a:r>
+              <a:rPr lang="it-IT" dirty="0">
+                <a:cs typeface="Courier New" panose="02070309020205020404" pitchFamily="49" charset="0"/>
+              </a:rPr>
+              <a:t> </a:t>
+            </a:r>
+            <a:r>
+              <a:rPr lang="it-IT" dirty="0" err="1">
+                <a:cs typeface="Courier New" panose="02070309020205020404" pitchFamily="49" charset="0"/>
+              </a:rPr>
+              <a:t>its</a:t>
+            </a:r>
+            <a:r>
+              <a:rPr lang="it-IT" dirty="0">
+                <a:cs typeface="Courier New" panose="02070309020205020404" pitchFamily="49" charset="0"/>
+              </a:rPr>
+              <a:t> </a:t>
+            </a:r>
+            <a:r>
+              <a:rPr lang="it-IT" dirty="0" err="1">
+                <a:cs typeface="Courier New" panose="02070309020205020404" pitchFamily="49" charset="0"/>
+              </a:rPr>
+              <a:t>two</a:t>
+            </a:r>
+            <a:r>
+              <a:rPr lang="it-IT" dirty="0">
+                <a:cs typeface="Courier New" panose="02070309020205020404" pitchFamily="49" charset="0"/>
+              </a:rPr>
+              <a:t> </a:t>
+            </a:r>
+            <a:r>
+              <a:rPr lang="it-IT" dirty="0" err="1">
+                <a:cs typeface="Courier New" panose="02070309020205020404" pitchFamily="49" charset="0"/>
+              </a:rPr>
+              <a:t>conjunctions</a:t>
+            </a:r>
+            <a:r>
+              <a:rPr lang="it-IT" dirty="0">
+                <a:cs typeface="Courier New" panose="02070309020205020404" pitchFamily="49" charset="0"/>
+              </a:rPr>
+              <a:t> </a:t>
+            </a:r>
+            <a:r>
+              <a:rPr lang="it-IT" dirty="0" err="1">
+                <a:latin typeface="Courier New" panose="02070309020205020404" pitchFamily="49" charset="0"/>
+                <a:cs typeface="Courier New" panose="02070309020205020404" pitchFamily="49" charset="0"/>
+              </a:rPr>
+              <a:t>in_range</a:t>
+            </a:r>
+            <a:r>
+              <a:rPr lang="it-IT" dirty="0">
+                <a:latin typeface="Courier New" panose="02070309020205020404" pitchFamily="49" charset="0"/>
+                <a:cs typeface="Courier New" panose="02070309020205020404" pitchFamily="49" charset="0"/>
+              </a:rPr>
+              <a:t>/1</a:t>
+            </a:r>
+            <a:r>
+              <a:rPr lang="it-IT" dirty="0">
+                <a:cs typeface="Courier New" panose="02070309020205020404" pitchFamily="49" charset="0"/>
+              </a:rPr>
+              <a:t> and </a:t>
+            </a:r>
+            <a:r>
+              <a:rPr lang="it-IT" dirty="0" err="1">
+                <a:latin typeface="Courier New" panose="02070309020205020404" pitchFamily="49" charset="0"/>
+                <a:cs typeface="Courier New" panose="02070309020205020404" pitchFamily="49" charset="0"/>
+              </a:rPr>
+              <a:t>is_free</a:t>
+            </a:r>
+            <a:r>
+              <a:rPr lang="it-IT" dirty="0">
+                <a:latin typeface="Courier New" panose="02070309020205020404" pitchFamily="49" charset="0"/>
+                <a:cs typeface="Courier New" panose="02070309020205020404" pitchFamily="49" charset="0"/>
+              </a:rPr>
+              <a:t>/1.</a:t>
+            </a:r>
+          </a:p>
+          <a:p>
+            <a:r>
+              <a:rPr lang="pt-BR" dirty="0">
+                <a:latin typeface="Courier New" panose="02070309020205020404" pitchFamily="49" charset="0"/>
+                <a:cs typeface="Courier New" panose="02070309020205020404" pitchFamily="49" charset="0"/>
+              </a:rPr>
+              <a:t>metarule([P,Q,R,S],[P,A,B],[[Q,A,B],[R,B],[S,B]]).</a:t>
+            </a:r>
+          </a:p>
+          <a:p>
+            <a:r>
+              <a:rPr lang="pt-BR" dirty="0">
+                <a:cs typeface="Courier New" panose="02070309020205020404" pitchFamily="49" charset="0"/>
+              </a:rPr>
+              <a:t>Result:</a:t>
+            </a:r>
+          </a:p>
+          <a:p>
+            <a:pPr marL="274320" lvl="1" indent="0">
+              <a:buNone/>
+            </a:pPr>
+            <a:r>
+              <a:rPr lang="en-US" sz="1800" dirty="0">
+                <a:latin typeface="Courier New" panose="02070309020205020404" pitchFamily="49" charset="0"/>
+                <a:cs typeface="Courier New" panose="02070309020205020404" pitchFamily="49" charset="0"/>
+              </a:rPr>
+              <a:t>move(A,B):-</a:t>
+            </a:r>
+            <a:r>
+              <a:rPr lang="en-US" sz="1800" dirty="0" err="1">
+                <a:latin typeface="Courier New" panose="02070309020205020404" pitchFamily="49" charset="0"/>
+                <a:cs typeface="Courier New" panose="02070309020205020404" pitchFamily="49" charset="0"/>
+              </a:rPr>
+              <a:t>inc_x</a:t>
+            </a:r>
+            <a:r>
+              <a:rPr lang="en-US" sz="1800" dirty="0">
+                <a:latin typeface="Courier New" panose="02070309020205020404" pitchFamily="49" charset="0"/>
+                <a:cs typeface="Courier New" panose="02070309020205020404" pitchFamily="49" charset="0"/>
+              </a:rPr>
+              <a:t>(A,B),</a:t>
+            </a:r>
+            <a:r>
+              <a:rPr lang="en-US" sz="1800" dirty="0" err="1">
+                <a:latin typeface="Courier New" panose="02070309020205020404" pitchFamily="49" charset="0"/>
+                <a:cs typeface="Courier New" panose="02070309020205020404" pitchFamily="49" charset="0"/>
+              </a:rPr>
+              <a:t>in_range</a:t>
+            </a:r>
+            <a:r>
+              <a:rPr lang="en-US" sz="1800" dirty="0">
+                <a:latin typeface="Courier New" panose="02070309020205020404" pitchFamily="49" charset="0"/>
+                <a:cs typeface="Courier New" panose="02070309020205020404" pitchFamily="49" charset="0"/>
+              </a:rPr>
+              <a:t>(B),</a:t>
+            </a:r>
+            <a:r>
+              <a:rPr lang="en-US" sz="1800" dirty="0" err="1">
+                <a:latin typeface="Courier New" panose="02070309020205020404" pitchFamily="49" charset="0"/>
+                <a:cs typeface="Courier New" panose="02070309020205020404" pitchFamily="49" charset="0"/>
+              </a:rPr>
+              <a:t>is_free</a:t>
+            </a:r>
+            <a:r>
+              <a:rPr lang="en-US" sz="1800" dirty="0">
+                <a:latin typeface="Courier New" panose="02070309020205020404" pitchFamily="49" charset="0"/>
+                <a:cs typeface="Courier New" panose="02070309020205020404" pitchFamily="49" charset="0"/>
+              </a:rPr>
+              <a:t>(B).</a:t>
+            </a:r>
+          </a:p>
+          <a:p>
+            <a:pPr marL="274320" lvl="1" indent="0">
+              <a:buNone/>
+            </a:pPr>
+            <a:r>
+              <a:rPr lang="en-US" sz="1800" dirty="0">
+                <a:latin typeface="Courier New" panose="02070309020205020404" pitchFamily="49" charset="0"/>
+                <a:cs typeface="Courier New" panose="02070309020205020404" pitchFamily="49" charset="0"/>
+              </a:rPr>
+              <a:t>move(A,B):-</a:t>
+            </a:r>
+            <a:r>
+              <a:rPr lang="en-US" sz="1800" dirty="0" err="1">
+                <a:latin typeface="Courier New" panose="02070309020205020404" pitchFamily="49" charset="0"/>
+                <a:cs typeface="Courier New" panose="02070309020205020404" pitchFamily="49" charset="0"/>
+              </a:rPr>
+              <a:t>inc_y</a:t>
+            </a:r>
+            <a:r>
+              <a:rPr lang="en-US" sz="1800" dirty="0">
+                <a:latin typeface="Courier New" panose="02070309020205020404" pitchFamily="49" charset="0"/>
+                <a:cs typeface="Courier New" panose="02070309020205020404" pitchFamily="49" charset="0"/>
+              </a:rPr>
+              <a:t>(A,B),</a:t>
+            </a:r>
+            <a:r>
+              <a:rPr lang="en-US" sz="1800" dirty="0" err="1">
+                <a:latin typeface="Courier New" panose="02070309020205020404" pitchFamily="49" charset="0"/>
+                <a:cs typeface="Courier New" panose="02070309020205020404" pitchFamily="49" charset="0"/>
+              </a:rPr>
+              <a:t>in_range</a:t>
+            </a:r>
+            <a:r>
+              <a:rPr lang="en-US" sz="1800" dirty="0">
+                <a:latin typeface="Courier New" panose="02070309020205020404" pitchFamily="49" charset="0"/>
+                <a:cs typeface="Courier New" panose="02070309020205020404" pitchFamily="49" charset="0"/>
+              </a:rPr>
+              <a:t>(B),</a:t>
+            </a:r>
+            <a:r>
+              <a:rPr lang="en-US" sz="1800" dirty="0" err="1">
+                <a:latin typeface="Courier New" panose="02070309020205020404" pitchFamily="49" charset="0"/>
+                <a:cs typeface="Courier New" panose="02070309020205020404" pitchFamily="49" charset="0"/>
+              </a:rPr>
+              <a:t>is_free</a:t>
+            </a:r>
+            <a:r>
+              <a:rPr lang="en-US" sz="1800" dirty="0">
+                <a:latin typeface="Courier New" panose="02070309020205020404" pitchFamily="49" charset="0"/>
+                <a:cs typeface="Courier New" panose="02070309020205020404" pitchFamily="49" charset="0"/>
+              </a:rPr>
+              <a:t>(B).</a:t>
+            </a:r>
+          </a:p>
+          <a:p>
+            <a:pPr marL="274320" lvl="1" indent="0">
+              <a:buNone/>
+            </a:pPr>
+            <a:r>
+              <a:rPr lang="en-US" sz="1800" dirty="0">
+                <a:latin typeface="Courier New" panose="02070309020205020404" pitchFamily="49" charset="0"/>
+                <a:cs typeface="Courier New" panose="02070309020205020404" pitchFamily="49" charset="0"/>
+              </a:rPr>
+              <a:t>move(A,B):-</a:t>
+            </a:r>
+            <a:r>
+              <a:rPr lang="en-US" sz="1800" dirty="0" err="1">
+                <a:latin typeface="Courier New" panose="02070309020205020404" pitchFamily="49" charset="0"/>
+                <a:cs typeface="Courier New" panose="02070309020205020404" pitchFamily="49" charset="0"/>
+              </a:rPr>
+              <a:t>dec_x</a:t>
+            </a:r>
+            <a:r>
+              <a:rPr lang="en-US" sz="1800" dirty="0">
+                <a:latin typeface="Courier New" panose="02070309020205020404" pitchFamily="49" charset="0"/>
+                <a:cs typeface="Courier New" panose="02070309020205020404" pitchFamily="49" charset="0"/>
+              </a:rPr>
+              <a:t>(A,B),</a:t>
+            </a:r>
+            <a:r>
+              <a:rPr lang="en-US" sz="1800" dirty="0" err="1">
+                <a:latin typeface="Courier New" panose="02070309020205020404" pitchFamily="49" charset="0"/>
+                <a:cs typeface="Courier New" panose="02070309020205020404" pitchFamily="49" charset="0"/>
+              </a:rPr>
+              <a:t>in_range</a:t>
+            </a:r>
+            <a:r>
+              <a:rPr lang="en-US" sz="1800" dirty="0">
+                <a:latin typeface="Courier New" panose="02070309020205020404" pitchFamily="49" charset="0"/>
+                <a:cs typeface="Courier New" panose="02070309020205020404" pitchFamily="49" charset="0"/>
+              </a:rPr>
+              <a:t>(B),</a:t>
+            </a:r>
+            <a:r>
+              <a:rPr lang="en-US" sz="1800" dirty="0" err="1">
+                <a:latin typeface="Courier New" panose="02070309020205020404" pitchFamily="49" charset="0"/>
+                <a:cs typeface="Courier New" panose="02070309020205020404" pitchFamily="49" charset="0"/>
+              </a:rPr>
+              <a:t>in_range</a:t>
+            </a:r>
+            <a:r>
+              <a:rPr lang="en-US" sz="1800" dirty="0">
+                <a:latin typeface="Courier New" panose="02070309020205020404" pitchFamily="49" charset="0"/>
+                <a:cs typeface="Courier New" panose="02070309020205020404" pitchFamily="49" charset="0"/>
+              </a:rPr>
+              <a:t>(B).</a:t>
+            </a:r>
+          </a:p>
+          <a:p>
+            <a:pPr marL="274320" lvl="1" indent="0">
+              <a:buNone/>
+            </a:pPr>
+            <a:r>
+              <a:rPr lang="en-US" sz="1800" dirty="0">
+                <a:latin typeface="Courier New" panose="02070309020205020404" pitchFamily="49" charset="0"/>
+                <a:cs typeface="Courier New" panose="02070309020205020404" pitchFamily="49" charset="0"/>
+              </a:rPr>
+              <a:t>move(A,B):-</a:t>
+            </a:r>
+            <a:r>
+              <a:rPr lang="en-US" sz="1800" dirty="0" err="1">
+                <a:latin typeface="Courier New" panose="02070309020205020404" pitchFamily="49" charset="0"/>
+                <a:cs typeface="Courier New" panose="02070309020205020404" pitchFamily="49" charset="0"/>
+              </a:rPr>
+              <a:t>dec_y</a:t>
+            </a:r>
+            <a:r>
+              <a:rPr lang="en-US" sz="1800" dirty="0">
+                <a:latin typeface="Courier New" panose="02070309020205020404" pitchFamily="49" charset="0"/>
+                <a:cs typeface="Courier New" panose="02070309020205020404" pitchFamily="49" charset="0"/>
+              </a:rPr>
+              <a:t>(A,B),</a:t>
+            </a:r>
+            <a:r>
+              <a:rPr lang="en-US" sz="1800" dirty="0" err="1">
+                <a:latin typeface="Courier New" panose="02070309020205020404" pitchFamily="49" charset="0"/>
+                <a:cs typeface="Courier New" panose="02070309020205020404" pitchFamily="49" charset="0"/>
+              </a:rPr>
+              <a:t>in_range</a:t>
+            </a:r>
+            <a:r>
+              <a:rPr lang="en-US" sz="1800" dirty="0">
+                <a:latin typeface="Courier New" panose="02070309020205020404" pitchFamily="49" charset="0"/>
+                <a:cs typeface="Courier New" panose="02070309020205020404" pitchFamily="49" charset="0"/>
+              </a:rPr>
+              <a:t>(B),</a:t>
+            </a:r>
+            <a:r>
+              <a:rPr lang="en-US" sz="1800" dirty="0" err="1">
+                <a:latin typeface="Courier New" panose="02070309020205020404" pitchFamily="49" charset="0"/>
+                <a:cs typeface="Courier New" panose="02070309020205020404" pitchFamily="49" charset="0"/>
+              </a:rPr>
+              <a:t>is_free</a:t>
+            </a:r>
+            <a:r>
+              <a:rPr lang="en-US" sz="1800" dirty="0">
+                <a:latin typeface="Courier New" panose="02070309020205020404" pitchFamily="49" charset="0"/>
+                <a:cs typeface="Courier New" panose="02070309020205020404" pitchFamily="49" charset="0"/>
+              </a:rPr>
+              <a:t>(B).</a:t>
+            </a:r>
+            <a:endParaRPr lang="pt-BR" sz="1800" dirty="0">
+              <a:latin typeface="Courier New" panose="02070309020205020404" pitchFamily="49" charset="0"/>
+              <a:cs typeface="Courier New" panose="02070309020205020404" pitchFamily="49" charset="0"/>
+            </a:endParaRPr>
+          </a:p>
+          <a:p>
+            <a:endParaRPr lang="it-IT" dirty="0">
+              <a:latin typeface="Courier New" panose="02070309020205020404" pitchFamily="49" charset="0"/>
+              <a:cs typeface="Courier New" panose="02070309020205020404" pitchFamily="49" charset="0"/>
+            </a:endParaRPr>
+          </a:p>
+        </p:txBody>
+      </p:sp>
+    </p:spTree>
+    <p:extLst>
+      <p:ext uri="{BB962C8B-B14F-4D97-AF65-F5344CB8AC3E}">
+        <p14:creationId xmlns:p14="http://schemas.microsoft.com/office/powerpoint/2010/main" val="1638002866"/>
+      </p:ext>
+    </p:extLst>
+  </p:cSld>
+  <p:clrMapOvr>
+    <a:masterClrMapping/>
+  </p:clrMapOvr>
+</p:sld>
+</file>
+
+<file path=ppt/slides/slide19.xml><?xml version="1.0" encoding="utf-8"?>
+<p:sld xmlns:a="http://schemas.openxmlformats.org/drawingml/2006/main" xmlns:r="http://schemas.openxmlformats.org/officeDocument/2006/relationships" xmlns:p="http://schemas.openxmlformats.org/presentationml/2006/main">
+  <p:cSld>
+    <p:spTree>
+      <p:nvGrpSpPr>
+        <p:cNvPr id="1" name=""/>
+        <p:cNvGrpSpPr/>
+        <p:nvPr/>
+      </p:nvGrpSpPr>
+      <p:grpSpPr>
+        <a:xfrm>
+          <a:off x="0" y="0"/>
+          <a:ext cx="0" cy="0"/>
+          <a:chOff x="0" y="0"/>
+          <a:chExt cx="0" cy="0"/>
+        </a:xfrm>
+      </p:grpSpPr>
+      <p:pic>
+        <p:nvPicPr>
+          <p:cNvPr id="4" name="Picture 4" descr="Maze">
+            <a:extLst>
+              <a:ext uri="{FF2B5EF4-FFF2-40B4-BE49-F238E27FC236}">
+                <a16:creationId xmlns:a16="http://schemas.microsoft.com/office/drawing/2014/main" id="{5511DBA9-FF92-407F-A794-61FC31C5161F}"/>
+              </a:ext>
+            </a:extLst>
+          </p:cNvPr>
+          <p:cNvPicPr>
+            <a:picLocks noChangeAspect="1"/>
+          </p:cNvPicPr>
+          <p:nvPr/>
+        </p:nvPicPr>
+        <p:blipFill rotWithShape="1">
+          <a:blip r:embed="rId2">
+            <a:duotone>
+              <a:schemeClr val="bg2">
+                <a:shade val="45000"/>
+                <a:satMod val="135000"/>
+              </a:schemeClr>
+              <a:prstClr val="white"/>
+            </a:duotone>
+            <a:alphaModFix amt="25000"/>
+          </a:blip>
+          <a:srcRect t="9021"/>
+          <a:stretch/>
+        </p:blipFill>
+        <p:spPr>
+          <a:xfrm>
+            <a:off x="20" y="10"/>
+            <a:ext cx="11292820" cy="6857990"/>
+          </a:xfrm>
+          <a:prstGeom prst="rect">
+            <a:avLst/>
+          </a:prstGeom>
+        </p:spPr>
+      </p:pic>
+      <p:sp>
+        <p:nvSpPr>
+          <p:cNvPr id="2" name="Titolo 1">
+            <a:extLst>
+              <a:ext uri="{FF2B5EF4-FFF2-40B4-BE49-F238E27FC236}">
+                <a16:creationId xmlns:a16="http://schemas.microsoft.com/office/drawing/2014/main" id="{77994A76-64F1-4AEE-BC4F-FB664D9A36F7}"/>
+              </a:ext>
+            </a:extLst>
+          </p:cNvPr>
+          <p:cNvSpPr>
+            <a:spLocks noGrp="1"/>
+          </p:cNvSpPr>
+          <p:nvPr>
+            <p:ph type="title"/>
+          </p:nvPr>
+        </p:nvSpPr>
+        <p:spPr>
+          <a:xfrm>
+            <a:off x="1261872" y="365760"/>
+            <a:ext cx="9692640" cy="1325562"/>
+          </a:xfrm>
+        </p:spPr>
+        <p:txBody>
+          <a:bodyPr>
+            <a:normAutofit/>
+          </a:bodyPr>
+          <a:lstStyle/>
+          <a:p>
+            <a:r>
+              <a:rPr lang="it-IT" dirty="0" err="1"/>
+              <a:t>Results</a:t>
             </a:r>
             <a:endParaRPr lang="it-IT" dirty="0"/>
           </a:p>
@@ -19553,8 +20358,8 @@
         </p:nvSpPr>
         <p:spPr>
           <a:xfrm>
-            <a:off x="1261872" y="3454722"/>
-            <a:ext cx="8595360" cy="2378537"/>
+            <a:off x="1261872" y="3429000"/>
+            <a:ext cx="8595360" cy="2404259"/>
           </a:xfrm>
         </p:spPr>
         <p:txBody>
@@ -19563,6 +20368,47 @@
           </a:bodyPr>
           <a:lstStyle/>
           <a:p>
+            <a:pPr marL="0" indent="0">
+              <a:buNone/>
+            </a:pPr>
+            <a:r>
+              <a:rPr lang="it-IT" sz="1600" dirty="0"/>
+              <a:t>(</a:t>
+            </a:r>
+            <a:r>
+              <a:rPr lang="it-IT" sz="1600" dirty="0" err="1"/>
+              <a:t>Timings</a:t>
+            </a:r>
+            <a:r>
+              <a:rPr lang="it-IT" sz="1600" dirty="0"/>
+              <a:t> are </a:t>
+            </a:r>
+            <a:r>
+              <a:rPr lang="it-IT" sz="1600" dirty="0" err="1"/>
+              <a:t>mean</a:t>
+            </a:r>
+            <a:r>
+              <a:rPr lang="it-IT" sz="1600" dirty="0"/>
+              <a:t> </a:t>
+            </a:r>
+            <a:r>
+              <a:rPr lang="it-IT" sz="1600" dirty="0" err="1"/>
+              <a:t>values</a:t>
+            </a:r>
+            <a:r>
+              <a:rPr lang="it-IT" sz="1600" dirty="0"/>
+              <a:t> from 10 </a:t>
+            </a:r>
+            <a:r>
+              <a:rPr lang="it-IT" sz="1600" dirty="0" err="1"/>
+              <a:t>runs</a:t>
+            </a:r>
+            <a:r>
+              <a:rPr lang="it-IT" sz="1600" dirty="0"/>
+              <a:t>).</a:t>
+            </a:r>
+          </a:p>
+          <a:p>
             <a:r>
               <a:rPr lang="it-IT" sz="1800" dirty="0" err="1"/>
               <a:t>This</a:t>
@@ -19577,19 +20423,11 @@
             </a:r>
             <a:r>
               <a:rPr lang="it-IT" sz="1800" dirty="0"/>
-              <a:t> highlights the impact </a:t>
+              <a:t> highlights </a:t>
             </a:r>
             <a:r>
               <a:rPr lang="it-IT" sz="1800" dirty="0" err="1"/>
-              <a:t>that</a:t>
-            </a:r>
-            <a:r>
-              <a:rPr lang="it-IT" sz="1800" dirty="0"/>
-              <a:t> one </a:t>
-            </a:r>
-            <a:r>
-              <a:rPr lang="it-IT" sz="1800" dirty="0" err="1"/>
-              <a:t>added</a:t>
+              <a:t>how</a:t>
             </a:r>
             <a:r>
               <a:rPr lang="it-IT" sz="1800" dirty="0"/>
@@ -19597,20 +20435,45 @@
             </a:r>
             <a:r>
               <a:rPr lang="it-IT" sz="1800" dirty="0" err="1"/>
-              <a:t>clause</a:t>
+              <a:t>adding</a:t>
             </a:r>
             <a:r>
               <a:rPr lang="it-IT" sz="1800" dirty="0"/>
-              <a:t> can </a:t>
+              <a:t> </a:t>
             </a:r>
             <a:r>
               <a:rPr lang="it-IT" sz="1800" dirty="0" err="1"/>
-              <a:t>have</a:t>
-            </a:r>
-            <a:r>
-              <a:rPr lang="it-IT" sz="1800" dirty="0"/>
-              <a:t> on the performance.</a:t>
-            </a:r>
+              <a:t>both</a:t>
+            </a:r>
+            <a:r>
+              <a:rPr lang="it-IT" dirty="0"/>
+              <a:t> </a:t>
+            </a:r>
+            <a:r>
+              <a:rPr lang="it-IT" dirty="0" err="1"/>
+              <a:t>clauses</a:t>
+            </a:r>
+            <a:r>
+              <a:rPr lang="it-IT" dirty="0"/>
+              <a:t> or </a:t>
+            </a:r>
+            <a:r>
+              <a:rPr lang="it-IT" dirty="0" err="1"/>
+              <a:t>clauses</a:t>
+            </a:r>
+            <a:r>
+              <a:rPr lang="it-IT" dirty="0"/>
+              <a:t>’ </a:t>
+            </a:r>
+            <a:r>
+              <a:rPr lang="it-IT" dirty="0" err="1"/>
+              <a:t>length</a:t>
+            </a:r>
+            <a:r>
+              <a:rPr lang="it-IT" dirty="0"/>
+              <a:t> can impact performance.</a:t>
+            </a:r>
+            <a:endParaRPr lang="it-IT" sz="1800" dirty="0"/>
           </a:p>
           <a:p>
             <a:r>
@@ -19639,15 +20502,15 @@
             </a:r>
             <a:r>
               <a:rPr lang="it-IT" sz="1800" dirty="0"/>
-              <a:t> </a:t>
+              <a:t> and </a:t>
             </a:r>
             <a:r>
               <a:rPr lang="it-IT" sz="1800" dirty="0" err="1"/>
-              <a:t>require</a:t>
+              <a:t>broader</a:t>
             </a:r>
             <a:r>
               <a:rPr lang="it-IT" sz="1800" dirty="0"/>
-              <a:t> a </a:t>
+              <a:t> background knowledge lead to a </a:t>
             </a:r>
             <a:r>
               <a:rPr lang="it-IT" sz="1800" dirty="0" err="1"/>
@@ -19673,45 +20536,6 @@
               <a:rPr lang="it-IT" sz="1800" dirty="0"/>
               <a:t>.</a:t>
             </a:r>
-          </a:p>
-          <a:p>
-            <a:r>
-              <a:rPr lang="it-IT" sz="1600" dirty="0"/>
-              <a:t>(</a:t>
-            </a:r>
-            <a:r>
-              <a:rPr lang="it-IT" sz="1600" dirty="0" err="1"/>
-              <a:t>Timings</a:t>
-            </a:r>
-            <a:r>
-              <a:rPr lang="it-IT" sz="1600" dirty="0"/>
-              <a:t> are </a:t>
-            </a:r>
-            <a:r>
-              <a:rPr lang="it-IT" sz="1600" dirty="0" err="1"/>
-              <a:t>mean</a:t>
-            </a:r>
-            <a:r>
-              <a:rPr lang="it-IT" sz="1600" dirty="0"/>
-              <a:t> </a:t>
-            </a:r>
-            <a:r>
-              <a:rPr lang="it-IT" sz="1600" dirty="0" err="1"/>
-              <a:t>values</a:t>
-            </a:r>
-            <a:r>
-              <a:rPr lang="it-IT" sz="1600" dirty="0"/>
-              <a:t> from 10 </a:t>
-            </a:r>
-            <a:r>
-              <a:rPr lang="it-IT" sz="1600" dirty="0" err="1"/>
-              <a:t>runs</a:t>
-            </a:r>
-            <a:r>
-              <a:rPr lang="it-IT" sz="1600" dirty="0"/>
-              <a:t>).</a:t>
-            </a:r>
-            <a:endParaRPr lang="it-IT" sz="1800" dirty="0"/>
           </a:p>
         </p:txBody>
       </p:sp>
@@ -19730,13 +20554,13 @@
           <p:nvPr>
             <p:extLst>
               <p:ext uri="{D42A27DB-BD31-4B8C-83A1-F6EECF244321}">
-                <p14:modId xmlns:p14="http://schemas.microsoft.com/office/powerpoint/2010/main" val="408845004"/>
+                <p14:modId xmlns:p14="http://schemas.microsoft.com/office/powerpoint/2010/main" val="868718367"/>
               </p:ext>
             </p:extLst>
           </p:nvPr>
         </p:nvGraphicFramePr>
         <p:xfrm>
-          <a:off x="1261872" y="2202182"/>
+          <a:off x="1348750" y="2103357"/>
           <a:ext cx="8595360" cy="741680"/>
         </p:xfrm>
         <a:graphic>
@@ -19746,17 +20570,24 @@
                 <a:tableStyleId>{B301B821-A1FF-4177-AEE7-76D212191A09}</a:tableStyleId>
               </a:tblPr>
               <a:tblGrid>
-                <a:gridCol w="4297680">
+                <a:gridCol w="2865120">
                   <a:extLst>
                     <a:ext uri="{9D8B030D-6E8A-4147-A177-3AD203B41FA5}">
                       <a16:colId xmlns:a16="http://schemas.microsoft.com/office/drawing/2014/main" val="4102688643"/>
                     </a:ext>
                   </a:extLst>
                 </a:gridCol>
-                <a:gridCol w="4297680">
+                <a:gridCol w="2865120">
                   <a:extLst>
                     <a:ext uri="{9D8B030D-6E8A-4147-A177-3AD203B41FA5}">
                       <a16:colId xmlns:a16="http://schemas.microsoft.com/office/drawing/2014/main" val="2324199053"/>
+                    </a:ext>
+                  </a:extLst>
+                </a:gridCol>
+                <a:gridCol w="2865120">
+                  <a:extLst>
+                    <a:ext uri="{9D8B030D-6E8A-4147-A177-3AD203B41FA5}">
+                      <a16:colId xmlns:a16="http://schemas.microsoft.com/office/drawing/2014/main" val="2488661912"/>
                     </a:ext>
                   </a:extLst>
                 </a:gridCol>
@@ -19804,6 +20635,27 @@
                   </a:txBody>
                   <a:tcPr/>
                 </a:tc>
+                <a:tc>
+                  <a:txBody>
+                    <a:bodyPr/>
+                    <a:lstStyle/>
+                    <a:p>
+                      <a:pPr algn="ctr"/>
+                      <a:r>
+                        <a:rPr lang="it-IT" dirty="0" err="1">
+                          <a:latin typeface="Courier New" panose="02070309020205020404" pitchFamily="49" charset="0"/>
+                          <a:cs typeface="Courier New" panose="02070309020205020404" pitchFamily="49" charset="0"/>
+                        </a:rPr>
+                        <a:t>double_postcon</a:t>
+                      </a:r>
+                      <a:endParaRPr lang="it-IT" dirty="0">
+                        <a:latin typeface="Courier New" panose="02070309020205020404" pitchFamily="49" charset="0"/>
+                        <a:cs typeface="Courier New" panose="02070309020205020404" pitchFamily="49" charset="0"/>
+                      </a:endParaRPr>
+                    </a:p>
+                  </a:txBody>
+                  <a:tcPr/>
+                </a:tc>
                 <a:extLst>
                   <a:ext uri="{0D108BD9-81ED-4DB2-BD59-A6C34878D82A}">
                     <a16:rowId xmlns:a16="http://schemas.microsoft.com/office/drawing/2014/main" val="333357347"/>
@@ -19839,6 +20691,20 @@
                   </a:txBody>
                   <a:tcPr/>
                 </a:tc>
+                <a:tc>
+                  <a:txBody>
+                    <a:bodyPr/>
+                    <a:lstStyle/>
+                    <a:p>
+                      <a:pPr algn="ctr"/>
+                      <a:r>
+                        <a:rPr lang="it-IT" dirty="0"/>
+                        <a:t>0.156 seconds</a:t>
+                      </a:r>
+                    </a:p>
+                  </a:txBody>
+                  <a:tcPr/>
+                </a:tc>
                 <a:extLst>
                   <a:ext uri="{0D108BD9-81ED-4DB2-BD59-A6C34878D82A}">
                     <a16:rowId xmlns:a16="http://schemas.microsoft.com/office/drawing/2014/main" val="2202454185"/>
@@ -19849,754 +20715,297 @@
           </a:graphicData>
         </a:graphic>
       </p:graphicFrame>
+      <p:sp>
+        <p:nvSpPr>
+          <p:cNvPr id="7" name="Segnaposto contenuto 2">
+            <a:extLst>
+              <a:ext uri="{FF2B5EF4-FFF2-40B4-BE49-F238E27FC236}">
+                <a16:creationId xmlns:a16="http://schemas.microsoft.com/office/drawing/2014/main" id="{1EC4C48F-9C05-4C7D-8188-9DF4F0E1488C}"/>
+              </a:ext>
+            </a:extLst>
+          </p:cNvPr>
+          <p:cNvSpPr txBox="1">
+            <a:spLocks/>
+          </p:cNvSpPr>
+          <p:nvPr/>
+        </p:nvSpPr>
+        <p:spPr>
+          <a:xfrm>
+            <a:off x="1261872" y="1881193"/>
+            <a:ext cx="8595360" cy="1186008"/>
+          </a:xfrm>
+          <a:prstGeom prst="rect">
+            <a:avLst/>
+          </a:prstGeom>
+        </p:spPr>
+        <p:txBody>
+          <a:bodyPr vert="horz" lIns="91440" tIns="45720" rIns="91440" bIns="45720" rtlCol="0">
+            <a:normAutofit/>
+          </a:bodyPr>
+          <a:lstStyle>
+            <a:lvl1pPr marL="182880" indent="-182880" algn="l" defTabSz="914400" rtl="0" eaLnBrk="1" latinLnBrk="0" hangingPunct="1">
+              <a:lnSpc>
+                <a:spcPct val="95000"/>
+              </a:lnSpc>
+              <a:spcBef>
+                <a:spcPts val="1400"/>
+              </a:spcBef>
+              <a:spcAft>
+                <a:spcPts val="200"/>
+              </a:spcAft>
+              <a:buClr>
+                <a:schemeClr val="accent1"/>
+              </a:buClr>
+              <a:buSzPct val="80000"/>
+              <a:buFont typeface="Arial" pitchFamily="34" charset="0"/>
+              <a:buChar char="•"/>
+              <a:defRPr sz="1800" kern="1200" spc="10" baseline="0">
+                <a:solidFill>
+                  <a:schemeClr val="tx1"/>
+                </a:solidFill>
+                <a:latin typeface="+mn-lt"/>
+                <a:ea typeface="+mn-ea"/>
+                <a:cs typeface="+mn-cs"/>
+              </a:defRPr>
+            </a:lvl1pPr>
+            <a:lvl2pPr marL="457200" indent="-182880" algn="l" defTabSz="914400" rtl="0" eaLnBrk="1" latinLnBrk="0" hangingPunct="1">
+              <a:lnSpc>
+                <a:spcPct val="90000"/>
+              </a:lnSpc>
+              <a:spcBef>
+                <a:spcPts val="300"/>
+              </a:spcBef>
+              <a:spcAft>
+                <a:spcPts val="300"/>
+              </a:spcAft>
+              <a:buClr>
+                <a:schemeClr val="accent1"/>
+              </a:buClr>
+              <a:buFont typeface="Wingdings 2" pitchFamily="18" charset="2"/>
+              <a:buChar char=""/>
+              <a:defRPr sz="1600" kern="1200">
+                <a:solidFill>
+                  <a:schemeClr val="tx1">
+                    <a:lumMod val="85000"/>
+                    <a:lumOff val="15000"/>
+                  </a:schemeClr>
+                </a:solidFill>
+                <a:latin typeface="+mn-lt"/>
+                <a:ea typeface="+mn-ea"/>
+                <a:cs typeface="+mn-cs"/>
+              </a:defRPr>
+            </a:lvl2pPr>
+            <a:lvl3pPr marL="731520" indent="-182880" algn="l" defTabSz="914400" rtl="0" eaLnBrk="1" latinLnBrk="0" hangingPunct="1">
+              <a:lnSpc>
+                <a:spcPct val="90000"/>
+              </a:lnSpc>
+              <a:spcBef>
+                <a:spcPts val="300"/>
+              </a:spcBef>
+              <a:spcAft>
+                <a:spcPts val="300"/>
+              </a:spcAft>
+              <a:buClr>
+                <a:schemeClr val="accent1"/>
+              </a:buClr>
+              <a:buFont typeface="Wingdings 2" pitchFamily="18" charset="2"/>
+              <a:buChar char=""/>
+              <a:defRPr sz="1400" kern="1200">
+                <a:solidFill>
+                  <a:schemeClr val="tx1">
+                    <a:lumMod val="85000"/>
+                    <a:lumOff val="15000"/>
+                  </a:schemeClr>
+                </a:solidFill>
+                <a:latin typeface="+mn-lt"/>
+                <a:ea typeface="+mn-ea"/>
+                <a:cs typeface="+mn-cs"/>
+              </a:defRPr>
+            </a:lvl3pPr>
+            <a:lvl4pPr marL="1005840" indent="-182880" algn="l" defTabSz="914400" rtl="0" eaLnBrk="1" latinLnBrk="0" hangingPunct="1">
+              <a:lnSpc>
+                <a:spcPct val="90000"/>
+              </a:lnSpc>
+              <a:spcBef>
+                <a:spcPts val="300"/>
+              </a:spcBef>
+              <a:spcAft>
+                <a:spcPts val="300"/>
+              </a:spcAft>
+              <a:buClr>
+                <a:schemeClr val="accent1"/>
+              </a:buClr>
+              <a:buFont typeface="Wingdings 2" pitchFamily="18" charset="2"/>
+              <a:buChar char=""/>
+              <a:defRPr sz="1400" kern="1200">
+                <a:solidFill>
+                  <a:schemeClr val="tx1">
+                    <a:lumMod val="85000"/>
+                    <a:lumOff val="15000"/>
+                  </a:schemeClr>
+                </a:solidFill>
+                <a:latin typeface="+mn-lt"/>
+                <a:ea typeface="+mn-ea"/>
+                <a:cs typeface="+mn-cs"/>
+              </a:defRPr>
+            </a:lvl4pPr>
+            <a:lvl5pPr marL="1280160" indent="-182880" algn="l" defTabSz="914400" rtl="0" eaLnBrk="1" latinLnBrk="0" hangingPunct="1">
+              <a:lnSpc>
+                <a:spcPct val="90000"/>
+              </a:lnSpc>
+              <a:spcBef>
+                <a:spcPts val="300"/>
+              </a:spcBef>
+              <a:spcAft>
+                <a:spcPts val="300"/>
+              </a:spcAft>
+              <a:buClr>
+                <a:schemeClr val="accent1"/>
+              </a:buClr>
+              <a:buFont typeface="Wingdings 2" pitchFamily="18" charset="2"/>
+              <a:buChar char=""/>
+              <a:defRPr sz="1400" kern="1200">
+                <a:solidFill>
+                  <a:schemeClr val="tx1">
+                    <a:lumMod val="85000"/>
+                    <a:lumOff val="15000"/>
+                  </a:schemeClr>
+                </a:solidFill>
+                <a:latin typeface="+mn-lt"/>
+                <a:ea typeface="+mn-ea"/>
+                <a:cs typeface="+mn-cs"/>
+              </a:defRPr>
+            </a:lvl5pPr>
+            <a:lvl6pPr marL="1600000" indent="-228600" algn="l" defTabSz="914400" rtl="0" eaLnBrk="1" latinLnBrk="0" hangingPunct="1">
+              <a:lnSpc>
+                <a:spcPct val="90000"/>
+              </a:lnSpc>
+              <a:spcBef>
+                <a:spcPts val="300"/>
+              </a:spcBef>
+              <a:spcAft>
+                <a:spcPts val="300"/>
+              </a:spcAft>
+              <a:buClr>
+                <a:schemeClr val="accent1"/>
+              </a:buClr>
+              <a:buFont typeface="Wingdings 2" pitchFamily="18" charset="2"/>
+              <a:buChar char=""/>
+              <a:defRPr sz="1400" kern="1200">
+                <a:solidFill>
+                  <a:schemeClr val="tx1">
+                    <a:lumMod val="85000"/>
+                    <a:lumOff val="15000"/>
+                  </a:schemeClr>
+                </a:solidFill>
+                <a:latin typeface="+mn-lt"/>
+                <a:ea typeface="+mn-ea"/>
+                <a:cs typeface="+mn-cs"/>
+              </a:defRPr>
+            </a:lvl6pPr>
+            <a:lvl7pPr marL="1900000" indent="-228600" algn="l" defTabSz="914400" rtl="0" eaLnBrk="1" latinLnBrk="0" hangingPunct="1">
+              <a:lnSpc>
+                <a:spcPct val="90000"/>
+              </a:lnSpc>
+              <a:spcBef>
+                <a:spcPts val="300"/>
+              </a:spcBef>
+              <a:spcAft>
+                <a:spcPts val="300"/>
+              </a:spcAft>
+              <a:buClr>
+                <a:schemeClr val="accent1"/>
+              </a:buClr>
+              <a:buFont typeface="Wingdings 2" pitchFamily="18" charset="2"/>
+              <a:buChar char=""/>
+              <a:defRPr sz="1400" kern="1200">
+                <a:solidFill>
+                  <a:schemeClr val="tx1">
+                    <a:lumMod val="85000"/>
+                    <a:lumOff val="15000"/>
+                  </a:schemeClr>
+                </a:solidFill>
+                <a:latin typeface="+mn-lt"/>
+                <a:ea typeface="+mn-ea"/>
+                <a:cs typeface="+mn-cs"/>
+              </a:defRPr>
+            </a:lvl7pPr>
+            <a:lvl8pPr marL="2200000" indent="-228600" algn="l" defTabSz="914400" rtl="0" eaLnBrk="1" latinLnBrk="0" hangingPunct="1">
+              <a:lnSpc>
+                <a:spcPct val="90000"/>
+              </a:lnSpc>
+              <a:spcBef>
+                <a:spcPts val="300"/>
+              </a:spcBef>
+              <a:spcAft>
+                <a:spcPts val="300"/>
+              </a:spcAft>
+              <a:buClr>
+                <a:schemeClr val="accent1"/>
+              </a:buClr>
+              <a:buFont typeface="Wingdings 2" pitchFamily="18" charset="2"/>
+              <a:buChar char=""/>
+              <a:defRPr sz="1400" kern="1200">
+                <a:solidFill>
+                  <a:schemeClr val="tx1">
+                    <a:lumMod val="85000"/>
+                    <a:lumOff val="15000"/>
+                  </a:schemeClr>
+                </a:solidFill>
+                <a:latin typeface="+mn-lt"/>
+                <a:ea typeface="+mn-ea"/>
+                <a:cs typeface="+mn-cs"/>
+              </a:defRPr>
+            </a:lvl8pPr>
+            <a:lvl9pPr marL="2500000" indent="-228600" algn="l" defTabSz="914400" rtl="0" eaLnBrk="1" latinLnBrk="0" hangingPunct="1">
+              <a:lnSpc>
+                <a:spcPct val="90000"/>
+              </a:lnSpc>
+              <a:spcBef>
+                <a:spcPts val="300"/>
+              </a:spcBef>
+              <a:spcAft>
+                <a:spcPts val="300"/>
+              </a:spcAft>
+              <a:buClr>
+                <a:schemeClr val="accent1"/>
+              </a:buClr>
+              <a:buFont typeface="Wingdings 2" pitchFamily="18" charset="2"/>
+              <a:buChar char=""/>
+              <a:defRPr sz="1400" kern="1200">
+                <a:solidFill>
+                  <a:schemeClr val="tx1">
+                    <a:lumMod val="85000"/>
+                    <a:lumOff val="15000"/>
+                  </a:schemeClr>
+                </a:solidFill>
+                <a:latin typeface="+mn-lt"/>
+                <a:ea typeface="+mn-ea"/>
+                <a:cs typeface="+mn-cs"/>
+              </a:defRPr>
+            </a:lvl9pPr>
+          </a:lstStyle>
+          <a:p>
+            <a:pPr marL="0" indent="0">
+              <a:buNone/>
+            </a:pPr>
+            <a:endParaRPr lang="it-IT" dirty="0">
+              <a:latin typeface="Courier New" panose="02070309020205020404" pitchFamily="49" charset="0"/>
+              <a:cs typeface="Courier New" panose="02070309020205020404" pitchFamily="49" charset="0"/>
+            </a:endParaRPr>
+          </a:p>
+        </p:txBody>
+      </p:sp>
     </p:spTree>
     <p:extLst>
       <p:ext uri="{BB962C8B-B14F-4D97-AF65-F5344CB8AC3E}">
-        <p14:creationId xmlns:p14="http://schemas.microsoft.com/office/powerpoint/2010/main" val="1638002866"/>
+        <p14:creationId xmlns:p14="http://schemas.microsoft.com/office/powerpoint/2010/main" val="3274818821"/>
       </p:ext>
     </p:extLst>
   </p:cSld>
   <p:clrMapOvr>
     <a:masterClrMapping/>
   </p:clrMapOvr>
-</p:sld>
-</file>
-
-<file path=ppt/slides/slide19.xml><?xml version="1.0" encoding="utf-8"?>
-<p:sld xmlns:a="http://schemas.openxmlformats.org/drawingml/2006/main" xmlns:r="http://schemas.openxmlformats.org/officeDocument/2006/relationships" xmlns:p="http://schemas.openxmlformats.org/presentationml/2006/main">
-  <p:cSld>
-    <p:bg>
-      <p:bgPr>
-        <a:solidFill>
-          <a:schemeClr val="bg1"/>
-        </a:solidFill>
-        <a:effectLst/>
-      </p:bgPr>
-    </p:bg>
-    <p:spTree>
-      <p:nvGrpSpPr>
-        <p:cNvPr id="1" name=""/>
-        <p:cNvGrpSpPr/>
-        <p:nvPr/>
-      </p:nvGrpSpPr>
-      <p:grpSpPr>
-        <a:xfrm>
-          <a:off x="0" y="0"/>
-          <a:ext cx="0" cy="0"/>
-          <a:chOff x="0" y="0"/>
-          <a:chExt cx="0" cy="0"/>
-        </a:xfrm>
-      </p:grpSpPr>
-      <p:sp>
-        <p:nvSpPr>
-          <p:cNvPr id="16" name="Rectangle 15">
-            <a:extLst>
-              <a:ext uri="{FF2B5EF4-FFF2-40B4-BE49-F238E27FC236}">
-                <a16:creationId xmlns:a16="http://schemas.microsoft.com/office/drawing/2014/main" id="{AB1CEEAD-825F-41AD-B0DB-77CE90932D00}"/>
-              </a:ext>
-              <a:ext uri="{C183D7F6-B498-43B3-948B-1728B52AA6E4}">
-                <adec:decorative xmlns:adec="http://schemas.microsoft.com/office/drawing/2017/decorative" val="1"/>
-              </a:ext>
-            </a:extLst>
-          </p:cNvPr>
-          <p:cNvSpPr>
-            <a:spLocks noGrp="1" noRot="1" noChangeAspect="1" noMove="1" noResize="1" noEditPoints="1" noAdjustHandles="1" noChangeArrowheads="1" noChangeShapeType="1" noTextEdit="1"/>
-          </p:cNvSpPr>
-          <p:nvPr>
-            <p:extLst>
-              <p:ext uri="{386F3935-93C4-4BCD-93E2-E3B085C9AB24}">
-                <p16:designElem xmlns:p16="http://schemas.microsoft.com/office/powerpoint/2015/main" val="1"/>
-              </p:ext>
-            </p:extLst>
-          </p:nvPr>
-        </p:nvSpPr>
-        <p:spPr>
-          <a:xfrm>
-            <a:off x="0" y="-1"/>
-            <a:ext cx="11292840" cy="6858001"/>
-          </a:xfrm>
-          <a:prstGeom prst="rect">
-            <a:avLst/>
-          </a:prstGeom>
-          <a:solidFill>
-            <a:schemeClr val="bg1"/>
-          </a:solidFill>
-          <a:ln>
-            <a:noFill/>
-          </a:ln>
-        </p:spPr>
-        <p:style>
-          <a:lnRef idx="2">
-            <a:schemeClr val="accent1">
-              <a:shade val="50000"/>
-            </a:schemeClr>
-          </a:lnRef>
-          <a:fillRef idx="1">
-            <a:schemeClr val="accent1"/>
-          </a:fillRef>
-          <a:effectRef idx="0">
-            <a:schemeClr val="accent1"/>
-          </a:effectRef>
-          <a:fontRef idx="minor">
-            <a:schemeClr val="lt1"/>
-          </a:fontRef>
-        </p:style>
-        <p:txBody>
-          <a:bodyPr rtlCol="0" anchor="ctr"/>
-          <a:lstStyle/>
-          <a:p>
-            <a:pPr algn="ctr"/>
-            <a:endParaRPr lang="en-US"/>
-          </a:p>
-        </p:txBody>
-      </p:sp>
-      <p:pic>
-        <p:nvPicPr>
-          <p:cNvPr id="4" name="Picture 4" descr="Maze">
-            <a:extLst>
-              <a:ext uri="{FF2B5EF4-FFF2-40B4-BE49-F238E27FC236}">
-                <a16:creationId xmlns:a16="http://schemas.microsoft.com/office/drawing/2014/main" id="{C8005455-DE52-4166-891D-E22990B7B159}"/>
-              </a:ext>
-            </a:extLst>
-          </p:cNvPr>
-          <p:cNvPicPr>
-            <a:picLocks noChangeAspect="1"/>
-          </p:cNvPicPr>
-          <p:nvPr/>
-        </p:nvPicPr>
-        <p:blipFill rotWithShape="1">
-          <a:blip r:embed="rId2">
-            <a:duotone>
-              <a:schemeClr val="bg2">
-                <a:shade val="45000"/>
-                <a:satMod val="135000"/>
-              </a:schemeClr>
-              <a:prstClr val="white"/>
-            </a:duotone>
-            <a:alphaModFix amt="25000"/>
-          </a:blip>
-          <a:srcRect t="9021"/>
-          <a:stretch/>
-        </p:blipFill>
-        <p:spPr>
-          <a:xfrm>
-            <a:off x="20" y="10"/>
-            <a:ext cx="11292820" cy="6857990"/>
-          </a:xfrm>
-          <a:prstGeom prst="rect">
-            <a:avLst/>
-          </a:prstGeom>
-        </p:spPr>
-      </p:pic>
-      <p:sp>
-        <p:nvSpPr>
-          <p:cNvPr id="2" name="Titolo 1">
-            <a:extLst>
-              <a:ext uri="{FF2B5EF4-FFF2-40B4-BE49-F238E27FC236}">
-                <a16:creationId xmlns:a16="http://schemas.microsoft.com/office/drawing/2014/main" id="{D02D210C-DC25-442C-A0DC-2021B3ABC932}"/>
-              </a:ext>
-            </a:extLst>
-          </p:cNvPr>
-          <p:cNvSpPr>
-            <a:spLocks noGrp="1"/>
-          </p:cNvSpPr>
-          <p:nvPr>
-            <p:ph type="title"/>
-          </p:nvPr>
-        </p:nvSpPr>
-        <p:spPr>
-          <a:xfrm>
-            <a:off x="1261872" y="365760"/>
-            <a:ext cx="9692640" cy="1325562"/>
-          </a:xfrm>
-        </p:spPr>
-        <p:txBody>
-          <a:bodyPr>
-            <a:normAutofit/>
-          </a:bodyPr>
-          <a:lstStyle/>
-          <a:p>
-            <a:r>
-              <a:rPr lang="it-IT" dirty="0"/>
-              <a:t>Learning to travel</a:t>
-            </a:r>
-          </a:p>
-        </p:txBody>
-      </p:sp>
-      <p:sp>
-        <p:nvSpPr>
-          <p:cNvPr id="3" name="Segnaposto contenuto 2">
-            <a:extLst>
-              <a:ext uri="{FF2B5EF4-FFF2-40B4-BE49-F238E27FC236}">
-                <a16:creationId xmlns:a16="http://schemas.microsoft.com/office/drawing/2014/main" id="{C6D47933-B121-49D1-9D84-21CF203209CD}"/>
-              </a:ext>
-            </a:extLst>
-          </p:cNvPr>
-          <p:cNvSpPr>
-            <a:spLocks noGrp="1"/>
-          </p:cNvSpPr>
-          <p:nvPr>
-            <p:ph idx="1"/>
-          </p:nvPr>
-        </p:nvSpPr>
-        <p:spPr>
-          <a:xfrm>
-            <a:off x="1261872" y="2013055"/>
-            <a:ext cx="8595360" cy="4167082"/>
-          </a:xfrm>
-        </p:spPr>
-        <p:txBody>
-          <a:bodyPr>
-            <a:normAutofit lnSpcReduction="10000"/>
-          </a:bodyPr>
-          <a:lstStyle/>
-          <a:p>
-            <a:r>
-              <a:rPr lang="it-IT" sz="1700" b="1" dirty="0"/>
-              <a:t>Goal: </a:t>
-            </a:r>
-            <a:r>
-              <a:rPr lang="it-IT" sz="1700" dirty="0" err="1"/>
-              <a:t>Learn</a:t>
-            </a:r>
-            <a:r>
-              <a:rPr lang="it-IT" sz="1700" dirty="0"/>
-              <a:t> to </a:t>
-            </a:r>
-            <a:r>
-              <a:rPr lang="it-IT" sz="1700" dirty="0" err="1"/>
-              <a:t>move</a:t>
-            </a:r>
-            <a:r>
-              <a:rPr lang="it-IT" sz="1700" dirty="0"/>
-              <a:t> from </a:t>
-            </a:r>
-            <a:r>
-              <a:rPr lang="it-IT" sz="1700" dirty="0" err="1"/>
-              <a:t>two</a:t>
-            </a:r>
-            <a:r>
-              <a:rPr lang="it-IT" sz="1700" dirty="0"/>
-              <a:t> </a:t>
-            </a:r>
-            <a:r>
-              <a:rPr lang="it-IT" sz="1700" dirty="0" err="1"/>
-              <a:t>distant</a:t>
-            </a:r>
-            <a:r>
-              <a:rPr lang="it-IT" sz="1700" dirty="0"/>
-              <a:t> </a:t>
-            </a:r>
-            <a:r>
-              <a:rPr lang="it-IT" sz="1700" dirty="0" err="1"/>
-              <a:t>cells</a:t>
-            </a:r>
-            <a:r>
-              <a:rPr lang="it-IT" sz="1700" dirty="0"/>
-              <a:t> in the </a:t>
-            </a:r>
-            <a:r>
-              <a:rPr lang="it-IT" sz="1700" dirty="0" err="1"/>
-              <a:t>Maze</a:t>
-            </a:r>
-            <a:r>
-              <a:rPr lang="it-IT" sz="1700" dirty="0"/>
-              <a:t> </a:t>
-            </a:r>
-            <a:r>
-              <a:rPr lang="it-IT" sz="1700" dirty="0" err="1"/>
-              <a:t>without</a:t>
-            </a:r>
-            <a:r>
-              <a:rPr lang="it-IT" sz="1700" dirty="0"/>
-              <a:t> </a:t>
-            </a:r>
-            <a:r>
-              <a:rPr lang="it-IT" sz="1700" dirty="0" err="1"/>
-              <a:t>going</a:t>
-            </a:r>
-            <a:r>
-              <a:rPr lang="it-IT" sz="1700" dirty="0"/>
-              <a:t> </a:t>
-            </a:r>
-            <a:r>
-              <a:rPr lang="it-IT" sz="1700" dirty="0" err="1"/>
-              <a:t>through</a:t>
-            </a:r>
-            <a:r>
-              <a:rPr lang="it-IT" sz="1700" dirty="0"/>
-              <a:t> </a:t>
-            </a:r>
-            <a:r>
-              <a:rPr lang="it-IT" sz="1700" dirty="0" err="1"/>
-              <a:t>illegal</a:t>
-            </a:r>
-            <a:r>
-              <a:rPr lang="it-IT" sz="1700" dirty="0"/>
-              <a:t> </a:t>
-            </a:r>
-            <a:r>
-              <a:rPr lang="it-IT" sz="1700" dirty="0" err="1"/>
-              <a:t>cells</a:t>
-            </a:r>
-            <a:r>
-              <a:rPr lang="it-IT" sz="1700" dirty="0"/>
-              <a:t>. (Predicate </a:t>
-            </a:r>
-            <a:r>
-              <a:rPr lang="it-IT" sz="1700" dirty="0" err="1">
-                <a:latin typeface="Courier New" panose="02070309020205020404" pitchFamily="49" charset="0"/>
-                <a:cs typeface="Courier New" panose="02070309020205020404" pitchFamily="49" charset="0"/>
-              </a:rPr>
-              <a:t>reach</a:t>
-            </a:r>
-            <a:r>
-              <a:rPr lang="it-IT" sz="1700" dirty="0">
-                <a:latin typeface="Courier New" panose="02070309020205020404" pitchFamily="49" charset="0"/>
-                <a:cs typeface="Courier New" panose="02070309020205020404" pitchFamily="49" charset="0"/>
-              </a:rPr>
-              <a:t>/2</a:t>
-            </a:r>
-            <a:r>
-              <a:rPr lang="it-IT" sz="1700" dirty="0"/>
-              <a:t>).</a:t>
-            </a:r>
-          </a:p>
-          <a:p>
-            <a:r>
-              <a:rPr lang="it-IT" sz="1700" b="1" dirty="0"/>
-              <a:t>Background Knowledge:</a:t>
-            </a:r>
-          </a:p>
-          <a:p>
-            <a:pPr lvl="1"/>
-            <a:r>
-              <a:rPr lang="it-IT" sz="1700" dirty="0" err="1">
-                <a:latin typeface="Courier New" panose="02070309020205020404" pitchFamily="49" charset="0"/>
-                <a:cs typeface="Courier New" panose="02070309020205020404" pitchFamily="49" charset="0"/>
-              </a:rPr>
-              <a:t>move</a:t>
-            </a:r>
-            <a:r>
-              <a:rPr lang="it-IT" sz="1700" dirty="0">
-                <a:latin typeface="Courier New" panose="02070309020205020404" pitchFamily="49" charset="0"/>
-                <a:cs typeface="Courier New" panose="02070309020205020404" pitchFamily="49" charset="0"/>
-              </a:rPr>
-              <a:t>/2 </a:t>
-            </a:r>
-            <a:r>
-              <a:rPr lang="it-IT" sz="1700" dirty="0">
-                <a:cs typeface="Courier New" panose="02070309020205020404" pitchFamily="49" charset="0"/>
-              </a:rPr>
-              <a:t>(</a:t>
-            </a:r>
-            <a:r>
-              <a:rPr lang="it-IT" sz="1700" dirty="0" err="1">
-                <a:cs typeface="Courier New" panose="02070309020205020404" pitchFamily="49" charset="0"/>
-              </a:rPr>
-              <a:t>Learned</a:t>
-            </a:r>
-            <a:r>
-              <a:rPr lang="it-IT" sz="1700" dirty="0">
-                <a:cs typeface="Courier New" panose="02070309020205020404" pitchFamily="49" charset="0"/>
-              </a:rPr>
-              <a:t> from </a:t>
-            </a:r>
-            <a:r>
-              <a:rPr lang="it-IT" sz="1700" i="1" dirty="0">
-                <a:cs typeface="Courier New" panose="02070309020205020404" pitchFamily="49" charset="0"/>
-              </a:rPr>
-              <a:t>«</a:t>
-            </a:r>
-            <a:r>
-              <a:rPr lang="it-IT" sz="1700" i="1" dirty="0" err="1">
-                <a:cs typeface="Courier New" panose="02070309020205020404" pitchFamily="49" charset="0"/>
-              </a:rPr>
-              <a:t>learning_to_walk</a:t>
-            </a:r>
-            <a:r>
-              <a:rPr lang="it-IT" sz="1700" i="1" dirty="0">
-                <a:cs typeface="Courier New" panose="02070309020205020404" pitchFamily="49" charset="0"/>
-              </a:rPr>
-              <a:t>»).</a:t>
-            </a:r>
-          </a:p>
-          <a:p>
-            <a:r>
-              <a:rPr lang="it-IT" sz="1700" b="1" dirty="0" err="1">
-                <a:cs typeface="Courier New" panose="02070309020205020404" pitchFamily="49" charset="0"/>
-              </a:rPr>
-              <a:t>Metarules</a:t>
-            </a:r>
-            <a:r>
-              <a:rPr lang="it-IT" sz="1700" b="1" dirty="0">
-                <a:cs typeface="Courier New" panose="02070309020205020404" pitchFamily="49" charset="0"/>
-              </a:rPr>
-              <a:t>:</a:t>
-            </a:r>
-          </a:p>
-          <a:p>
-            <a:pPr lvl="1"/>
-            <a:r>
-              <a:rPr lang="it-IT" sz="1700" dirty="0" err="1">
-                <a:latin typeface="Courier New" panose="02070309020205020404" pitchFamily="49" charset="0"/>
-                <a:cs typeface="Courier New" panose="02070309020205020404" pitchFamily="49" charset="0"/>
-              </a:rPr>
-              <a:t>metarule</a:t>
-            </a:r>
-            <a:r>
-              <a:rPr lang="it-IT" sz="1700" dirty="0">
-                <a:latin typeface="Courier New" panose="02070309020205020404" pitchFamily="49" charset="0"/>
-                <a:cs typeface="Courier New" panose="02070309020205020404" pitchFamily="49" charset="0"/>
-              </a:rPr>
-              <a:t>(</a:t>
-            </a:r>
-            <a:r>
-              <a:rPr lang="it-IT" sz="1700" dirty="0" err="1">
-                <a:latin typeface="Courier New" panose="02070309020205020404" pitchFamily="49" charset="0"/>
-                <a:cs typeface="Courier New" panose="02070309020205020404" pitchFamily="49" charset="0"/>
-              </a:rPr>
-              <a:t>recursion</a:t>
-            </a:r>
-            <a:r>
-              <a:rPr lang="it-IT" sz="1700" dirty="0">
-                <a:latin typeface="Courier New" panose="02070309020205020404" pitchFamily="49" charset="0"/>
-                <a:cs typeface="Courier New" panose="02070309020205020404" pitchFamily="49" charset="0"/>
-              </a:rPr>
-              <a:t>,[P,Q],[P,A,B],[[Q,A,C],[P,C,B]]).</a:t>
-            </a:r>
-          </a:p>
-          <a:p>
-            <a:pPr lvl="1"/>
-            <a:r>
-              <a:rPr lang="it-IT" sz="1700" dirty="0" err="1">
-                <a:latin typeface="Courier New" panose="02070309020205020404" pitchFamily="49" charset="0"/>
-                <a:cs typeface="Courier New" panose="02070309020205020404" pitchFamily="49" charset="0"/>
-              </a:rPr>
-              <a:t>metarule</a:t>
-            </a:r>
-            <a:r>
-              <a:rPr lang="it-IT" sz="1700" dirty="0">
-                <a:latin typeface="Courier New" panose="02070309020205020404" pitchFamily="49" charset="0"/>
-                <a:cs typeface="Courier New" panose="02070309020205020404" pitchFamily="49" charset="0"/>
-              </a:rPr>
-              <a:t>(</a:t>
-            </a:r>
-            <a:r>
-              <a:rPr lang="it-IT" sz="1700" dirty="0" err="1">
-                <a:latin typeface="Courier New" panose="02070309020205020404" pitchFamily="49" charset="0"/>
-                <a:cs typeface="Courier New" panose="02070309020205020404" pitchFamily="49" charset="0"/>
-              </a:rPr>
-              <a:t>ident</a:t>
-            </a:r>
-            <a:r>
-              <a:rPr lang="it-IT" sz="1700" dirty="0">
-                <a:latin typeface="Courier New" panose="02070309020205020404" pitchFamily="49" charset="0"/>
-                <a:cs typeface="Courier New" panose="02070309020205020404" pitchFamily="49" charset="0"/>
-              </a:rPr>
-              <a:t>,[P,Q],[P,A,B],[[Q,A,B]]).</a:t>
-            </a:r>
-          </a:p>
-          <a:p>
-            <a:r>
-              <a:rPr lang="it-IT" sz="1700" b="1" dirty="0">
-                <a:cs typeface="Courier New" panose="02070309020205020404" pitchFamily="49" charset="0"/>
-              </a:rPr>
-              <a:t>Positive </a:t>
-            </a:r>
-            <a:r>
-              <a:rPr lang="it-IT" sz="1700" b="1" dirty="0" err="1">
-                <a:cs typeface="Courier New" panose="02070309020205020404" pitchFamily="49" charset="0"/>
-              </a:rPr>
-              <a:t>examples</a:t>
-            </a:r>
-            <a:r>
-              <a:rPr lang="it-IT" sz="1700" b="1" dirty="0">
-                <a:cs typeface="Courier New" panose="02070309020205020404" pitchFamily="49" charset="0"/>
-              </a:rPr>
-              <a:t>:</a:t>
-            </a:r>
-          </a:p>
-          <a:p>
-            <a:pPr lvl="1"/>
-            <a:r>
-              <a:rPr lang="en-US" sz="1700" dirty="0">
-                <a:latin typeface="Courier New" panose="02070309020205020404" pitchFamily="49" charset="0"/>
-                <a:cs typeface="Courier New" panose="02070309020205020404" pitchFamily="49" charset="0"/>
-              </a:rPr>
-              <a:t>reach((1,1), (2,1)). </a:t>
-            </a:r>
-          </a:p>
-          <a:p>
-            <a:pPr lvl="1"/>
-            <a:r>
-              <a:rPr lang="en-US" sz="1700" dirty="0">
-                <a:latin typeface="Courier New" panose="02070309020205020404" pitchFamily="49" charset="0"/>
-                <a:cs typeface="Courier New" panose="02070309020205020404" pitchFamily="49" charset="0"/>
-              </a:rPr>
-              <a:t>reach((1,1), (2,5)).</a:t>
-            </a:r>
-          </a:p>
-          <a:p>
-            <a:r>
-              <a:rPr lang="en-US" sz="1700" b="1" dirty="0">
-                <a:cs typeface="Courier New" panose="02070309020205020404" pitchFamily="49" charset="0"/>
-              </a:rPr>
-              <a:t>Negative examples:</a:t>
-            </a:r>
-          </a:p>
-          <a:p>
-            <a:pPr lvl="1"/>
-            <a:r>
-              <a:rPr lang="it-IT" sz="1700" u="sng" dirty="0">
-                <a:effectLst/>
-              </a:rPr>
-              <a:t>NONE</a:t>
-            </a:r>
-            <a:r>
-              <a:rPr lang="it-IT" sz="1700" dirty="0">
-                <a:effectLst/>
-              </a:rPr>
-              <a:t>: </a:t>
-            </a:r>
-            <a:r>
-              <a:rPr lang="it-IT" sz="1700" dirty="0" err="1">
-                <a:effectLst/>
-              </a:rPr>
-              <a:t>Illegal</a:t>
-            </a:r>
-            <a:r>
-              <a:rPr lang="it-IT" sz="1700" dirty="0">
-                <a:effectLst/>
-              </a:rPr>
-              <a:t> </a:t>
-            </a:r>
-            <a:r>
-              <a:rPr lang="it-IT" sz="1700" dirty="0" err="1">
-                <a:effectLst/>
-              </a:rPr>
-              <a:t>behaviour</a:t>
-            </a:r>
-            <a:r>
-              <a:rPr lang="it-IT" sz="1700" dirty="0">
-                <a:effectLst/>
-              </a:rPr>
-              <a:t> </a:t>
-            </a:r>
-            <a:r>
-              <a:rPr lang="it-IT" sz="1700" dirty="0" err="1">
-                <a:effectLst/>
-              </a:rPr>
-              <a:t>is</a:t>
-            </a:r>
-            <a:r>
-              <a:rPr lang="it-IT" sz="1700" dirty="0">
-                <a:effectLst/>
-              </a:rPr>
-              <a:t> </a:t>
-            </a:r>
-            <a:r>
-              <a:rPr lang="it-IT" sz="1700" dirty="0" err="1">
-                <a:effectLst/>
-              </a:rPr>
-              <a:t>already</a:t>
-            </a:r>
-            <a:r>
-              <a:rPr lang="it-IT" sz="1700" dirty="0">
-                <a:effectLst/>
-              </a:rPr>
-              <a:t> </a:t>
-            </a:r>
-            <a:r>
-              <a:rPr lang="it-IT" sz="1700" dirty="0" err="1">
-                <a:effectLst/>
-              </a:rPr>
-              <a:t>forbidden</a:t>
-            </a:r>
-            <a:r>
-              <a:rPr lang="it-IT" sz="1700" dirty="0">
-                <a:effectLst/>
-              </a:rPr>
-              <a:t> by the background knowledge.</a:t>
-            </a:r>
-            <a:endParaRPr lang="it-IT" sz="1700" b="1" u="sng" dirty="0">
-              <a:cs typeface="Courier New" panose="02070309020205020404" pitchFamily="49" charset="0"/>
-            </a:endParaRPr>
-          </a:p>
-        </p:txBody>
-      </p:sp>
-      <p:sp>
-        <p:nvSpPr>
-          <p:cNvPr id="5" name="CasellaDiTesto 4">
-            <a:extLst>
-              <a:ext uri="{FF2B5EF4-FFF2-40B4-BE49-F238E27FC236}">
-                <a16:creationId xmlns:a16="http://schemas.microsoft.com/office/drawing/2014/main" id="{01B90FCF-2DEC-4277-A69C-67F0AD636F3E}"/>
-              </a:ext>
-            </a:extLst>
-          </p:cNvPr>
-          <p:cNvSpPr txBox="1"/>
-          <p:nvPr/>
-        </p:nvSpPr>
-        <p:spPr>
-          <a:xfrm>
-            <a:off x="4615995" y="4627520"/>
-            <a:ext cx="2628901" cy="307777"/>
-          </a:xfrm>
-          <a:prstGeom prst="rect">
-            <a:avLst/>
-          </a:prstGeom>
-          <a:noFill/>
-        </p:spPr>
-        <p:txBody>
-          <a:bodyPr wrap="square" rtlCol="0">
-            <a:spAutoFit/>
-          </a:bodyPr>
-          <a:lstStyle/>
-          <a:p>
-            <a:pPr>
-              <a:spcAft>
-                <a:spcPts val="600"/>
-              </a:spcAft>
-            </a:pPr>
-            <a:r>
-              <a:rPr lang="it-IT" sz="1400" b="1" dirty="0" err="1"/>
-              <a:t>What</a:t>
-            </a:r>
-            <a:r>
-              <a:rPr lang="it-IT" sz="1400" b="1" dirty="0"/>
-              <a:t> </a:t>
-            </a:r>
-            <a:r>
-              <a:rPr lang="it-IT" sz="1400" b="1" dirty="0" err="1"/>
-              <a:t>if</a:t>
-            </a:r>
-            <a:r>
-              <a:rPr lang="it-IT" sz="1400" b="1" dirty="0"/>
-              <a:t> </a:t>
-            </a:r>
-            <a:r>
-              <a:rPr lang="it-IT" sz="1400" b="1" dirty="0" err="1"/>
-              <a:t>we</a:t>
-            </a:r>
-            <a:r>
-              <a:rPr lang="it-IT" sz="1400" b="1" dirty="0"/>
-              <a:t> </a:t>
-            </a:r>
-            <a:r>
-              <a:rPr lang="it-IT" sz="1400" b="1" dirty="0" err="1"/>
-              <a:t>remove</a:t>
-            </a:r>
-            <a:r>
-              <a:rPr lang="it-IT" sz="1400" b="1" dirty="0"/>
-              <a:t> </a:t>
-            </a:r>
-            <a:r>
-              <a:rPr lang="it-IT" sz="1400" b="1" dirty="0" err="1"/>
-              <a:t>this</a:t>
-            </a:r>
-            <a:r>
-              <a:rPr lang="it-IT" sz="1400" b="1" dirty="0"/>
-              <a:t>?</a:t>
-            </a:r>
-          </a:p>
-        </p:txBody>
-      </p:sp>
-    </p:spTree>
-    <p:extLst>
-      <p:ext uri="{BB962C8B-B14F-4D97-AF65-F5344CB8AC3E}">
-        <p14:creationId xmlns:p14="http://schemas.microsoft.com/office/powerpoint/2010/main" val="257936271"/>
-      </p:ext>
-    </p:extLst>
-  </p:cSld>
-  <p:clrMapOvr>
-    <a:masterClrMapping/>
-  </p:clrMapOvr>
-  <p:timing>
-    <p:tnLst>
-      <p:par>
-        <p:cTn id="1" dur="indefinite" restart="never" nodeType="tmRoot">
-          <p:childTnLst>
-            <p:seq concurrent="1" nextAc="seek">
-              <p:cTn id="2" dur="indefinite" nodeType="mainSeq">
-                <p:childTnLst>
-                  <p:par>
-                    <p:cTn id="3" fill="hold">
-                      <p:stCondLst>
-                        <p:cond delay="indefinite"/>
-                      </p:stCondLst>
-                      <p:childTnLst>
-                        <p:par>
-                          <p:cTn id="4" fill="hold">
-                            <p:stCondLst>
-                              <p:cond delay="0"/>
-                            </p:stCondLst>
-                            <p:childTnLst>
-                              <p:par>
-                                <p:cTn id="5" presetID="10" presetClass="entr" presetSubtype="0" fill="hold" grpId="0" nodeType="clickEffect">
-                                  <p:stCondLst>
-                                    <p:cond delay="0"/>
-                                  </p:stCondLst>
-                                  <p:childTnLst>
-                                    <p:set>
-                                      <p:cBhvr>
-                                        <p:cTn id="6" dur="1" fill="hold">
-                                          <p:stCondLst>
-                                            <p:cond delay="0"/>
-                                          </p:stCondLst>
-                                        </p:cTn>
-                                        <p:tgtEl>
-                                          <p:spTgt spid="5"/>
-                                        </p:tgtEl>
-                                        <p:attrNameLst>
-                                          <p:attrName>style.visibility</p:attrName>
-                                        </p:attrNameLst>
-                                      </p:cBhvr>
-                                      <p:to>
-                                        <p:strVal val="visible"/>
-                                      </p:to>
-                                    </p:set>
-                                    <p:animEffect transition="in" filter="fade">
-                                      <p:cBhvr>
-                                        <p:cTn id="7" dur="500"/>
-                                        <p:tgtEl>
-                                          <p:spTgt spid="5"/>
-                                        </p:tgtEl>
-                                      </p:cBhvr>
-                                    </p:animEffect>
-                                  </p:childTnLst>
-                                </p:cTn>
-                              </p:par>
-                            </p:childTnLst>
-                          </p:cTn>
-                        </p:par>
-                      </p:childTnLst>
-                    </p:cTn>
-                  </p:par>
-                </p:childTnLst>
-              </p:cTn>
-              <p:prevCondLst>
-                <p:cond evt="onPrev" delay="0">
-                  <p:tgtEl>
-                    <p:sldTgt/>
-                  </p:tgtEl>
-                </p:cond>
-              </p:prevCondLst>
-              <p:nextCondLst>
-                <p:cond evt="onNext" delay="0">
-                  <p:tgtEl>
-                    <p:sldTgt/>
-                  </p:tgtEl>
-                </p:cond>
-              </p:nextCondLst>
-            </p:seq>
-          </p:childTnLst>
-        </p:cTn>
-      </p:par>
-    </p:tnLst>
-    <p:bldLst>
-      <p:bldP spid="5" grpId="0"/>
-    </p:bldLst>
-  </p:timing>
 </p:sld>
 </file>
 
@@ -20711,7 +21120,7 @@
           <a:lstStyle/>
           <a:p>
             <a:r>
-              <a:rPr lang="en-US"/>
+              <a:rPr lang="en-US" dirty="0"/>
               <a:t>The Maze Problem</a:t>
             </a:r>
           </a:p>
@@ -20878,6 +21287,744 @@
       </p:grpSpPr>
       <p:sp>
         <p:nvSpPr>
+          <p:cNvPr id="16" name="Rectangle 15">
+            <a:extLst>
+              <a:ext uri="{FF2B5EF4-FFF2-40B4-BE49-F238E27FC236}">
+                <a16:creationId xmlns:a16="http://schemas.microsoft.com/office/drawing/2014/main" id="{AB1CEEAD-825F-41AD-B0DB-77CE90932D00}"/>
+              </a:ext>
+              <a:ext uri="{C183D7F6-B498-43B3-948B-1728B52AA6E4}">
+                <adec:decorative xmlns:adec="http://schemas.microsoft.com/office/drawing/2017/decorative" val="1"/>
+              </a:ext>
+            </a:extLst>
+          </p:cNvPr>
+          <p:cNvSpPr>
+            <a:spLocks noGrp="1" noRot="1" noChangeAspect="1" noMove="1" noResize="1" noEditPoints="1" noAdjustHandles="1" noChangeArrowheads="1" noChangeShapeType="1" noTextEdit="1"/>
+          </p:cNvSpPr>
+          <p:nvPr>
+            <p:extLst>
+              <p:ext uri="{386F3935-93C4-4BCD-93E2-E3B085C9AB24}">
+                <p16:designElem xmlns:p16="http://schemas.microsoft.com/office/powerpoint/2015/main" val="1"/>
+              </p:ext>
+            </p:extLst>
+          </p:nvPr>
+        </p:nvSpPr>
+        <p:spPr>
+          <a:xfrm>
+            <a:off x="0" y="-1"/>
+            <a:ext cx="11292840" cy="6858001"/>
+          </a:xfrm>
+          <a:prstGeom prst="rect">
+            <a:avLst/>
+          </a:prstGeom>
+          <a:solidFill>
+            <a:schemeClr val="bg1"/>
+          </a:solidFill>
+          <a:ln>
+            <a:noFill/>
+          </a:ln>
+        </p:spPr>
+        <p:style>
+          <a:lnRef idx="2">
+            <a:schemeClr val="accent1">
+              <a:shade val="50000"/>
+            </a:schemeClr>
+          </a:lnRef>
+          <a:fillRef idx="1">
+            <a:schemeClr val="accent1"/>
+          </a:fillRef>
+          <a:effectRef idx="0">
+            <a:schemeClr val="accent1"/>
+          </a:effectRef>
+          <a:fontRef idx="minor">
+            <a:schemeClr val="lt1"/>
+          </a:fontRef>
+        </p:style>
+        <p:txBody>
+          <a:bodyPr rtlCol="0" anchor="ctr"/>
+          <a:lstStyle/>
+          <a:p>
+            <a:pPr algn="ctr"/>
+            <a:endParaRPr lang="en-US"/>
+          </a:p>
+        </p:txBody>
+      </p:sp>
+      <p:pic>
+        <p:nvPicPr>
+          <p:cNvPr id="4" name="Picture 4" descr="Maze">
+            <a:extLst>
+              <a:ext uri="{FF2B5EF4-FFF2-40B4-BE49-F238E27FC236}">
+                <a16:creationId xmlns:a16="http://schemas.microsoft.com/office/drawing/2014/main" id="{C8005455-DE52-4166-891D-E22990B7B159}"/>
+              </a:ext>
+            </a:extLst>
+          </p:cNvPr>
+          <p:cNvPicPr>
+            <a:picLocks noChangeAspect="1"/>
+          </p:cNvPicPr>
+          <p:nvPr/>
+        </p:nvPicPr>
+        <p:blipFill rotWithShape="1">
+          <a:blip r:embed="rId2">
+            <a:duotone>
+              <a:schemeClr val="bg2">
+                <a:shade val="45000"/>
+                <a:satMod val="135000"/>
+              </a:schemeClr>
+              <a:prstClr val="white"/>
+            </a:duotone>
+            <a:alphaModFix amt="25000"/>
+          </a:blip>
+          <a:srcRect t="9021"/>
+          <a:stretch/>
+        </p:blipFill>
+        <p:spPr>
+          <a:xfrm>
+            <a:off x="20" y="10"/>
+            <a:ext cx="11292820" cy="6857990"/>
+          </a:xfrm>
+          <a:prstGeom prst="rect">
+            <a:avLst/>
+          </a:prstGeom>
+        </p:spPr>
+      </p:pic>
+      <p:sp>
+        <p:nvSpPr>
+          <p:cNvPr id="2" name="Titolo 1">
+            <a:extLst>
+              <a:ext uri="{FF2B5EF4-FFF2-40B4-BE49-F238E27FC236}">
+                <a16:creationId xmlns:a16="http://schemas.microsoft.com/office/drawing/2014/main" id="{D02D210C-DC25-442C-A0DC-2021B3ABC932}"/>
+              </a:ext>
+            </a:extLst>
+          </p:cNvPr>
+          <p:cNvSpPr>
+            <a:spLocks noGrp="1"/>
+          </p:cNvSpPr>
+          <p:nvPr>
+            <p:ph type="title"/>
+          </p:nvPr>
+        </p:nvSpPr>
+        <p:spPr>
+          <a:xfrm>
+            <a:off x="1261872" y="365760"/>
+            <a:ext cx="9692640" cy="1325562"/>
+          </a:xfrm>
+        </p:spPr>
+        <p:txBody>
+          <a:bodyPr>
+            <a:normAutofit/>
+          </a:bodyPr>
+          <a:lstStyle/>
+          <a:p>
+            <a:r>
+              <a:rPr lang="it-IT" dirty="0"/>
+              <a:t>Learning to travel</a:t>
+            </a:r>
+          </a:p>
+        </p:txBody>
+      </p:sp>
+      <p:sp>
+        <p:nvSpPr>
+          <p:cNvPr id="3" name="Segnaposto contenuto 2">
+            <a:extLst>
+              <a:ext uri="{FF2B5EF4-FFF2-40B4-BE49-F238E27FC236}">
+                <a16:creationId xmlns:a16="http://schemas.microsoft.com/office/drawing/2014/main" id="{C6D47933-B121-49D1-9D84-21CF203209CD}"/>
+              </a:ext>
+            </a:extLst>
+          </p:cNvPr>
+          <p:cNvSpPr>
+            <a:spLocks noGrp="1"/>
+          </p:cNvSpPr>
+          <p:nvPr>
+            <p:ph idx="1"/>
+          </p:nvPr>
+        </p:nvSpPr>
+        <p:spPr>
+          <a:xfrm>
+            <a:off x="1261872" y="2013055"/>
+            <a:ext cx="8595360" cy="4167082"/>
+          </a:xfrm>
+        </p:spPr>
+        <p:txBody>
+          <a:bodyPr>
+            <a:normAutofit lnSpcReduction="10000"/>
+          </a:bodyPr>
+          <a:lstStyle/>
+          <a:p>
+            <a:r>
+              <a:rPr lang="it-IT" sz="1700" b="1" dirty="0"/>
+              <a:t>Goal: </a:t>
+            </a:r>
+            <a:r>
+              <a:rPr lang="it-IT" sz="1700" dirty="0" err="1"/>
+              <a:t>Learn</a:t>
+            </a:r>
+            <a:r>
+              <a:rPr lang="it-IT" sz="1700" dirty="0"/>
+              <a:t> to </a:t>
+            </a:r>
+            <a:r>
+              <a:rPr lang="it-IT" sz="1700" dirty="0" err="1"/>
+              <a:t>move</a:t>
+            </a:r>
+            <a:r>
+              <a:rPr lang="it-IT" sz="1700" dirty="0"/>
+              <a:t> from </a:t>
+            </a:r>
+            <a:r>
+              <a:rPr lang="it-IT" sz="1700" dirty="0" err="1"/>
+              <a:t>two</a:t>
+            </a:r>
+            <a:r>
+              <a:rPr lang="it-IT" sz="1700" dirty="0"/>
+              <a:t> </a:t>
+            </a:r>
+            <a:r>
+              <a:rPr lang="it-IT" sz="1700" dirty="0" err="1"/>
+              <a:t>distant</a:t>
+            </a:r>
+            <a:r>
+              <a:rPr lang="it-IT" sz="1700" dirty="0"/>
+              <a:t> </a:t>
+            </a:r>
+            <a:r>
+              <a:rPr lang="it-IT" sz="1700" dirty="0" err="1"/>
+              <a:t>cells</a:t>
+            </a:r>
+            <a:r>
+              <a:rPr lang="it-IT" sz="1700" dirty="0"/>
+              <a:t> in the </a:t>
+            </a:r>
+            <a:r>
+              <a:rPr lang="it-IT" sz="1700" dirty="0" err="1"/>
+              <a:t>Maze</a:t>
+            </a:r>
+            <a:r>
+              <a:rPr lang="it-IT" sz="1700" dirty="0"/>
+              <a:t> </a:t>
+            </a:r>
+            <a:r>
+              <a:rPr lang="it-IT" sz="1700" dirty="0" err="1"/>
+              <a:t>without</a:t>
+            </a:r>
+            <a:r>
+              <a:rPr lang="it-IT" sz="1700" dirty="0"/>
+              <a:t> </a:t>
+            </a:r>
+            <a:r>
+              <a:rPr lang="it-IT" sz="1700" dirty="0" err="1"/>
+              <a:t>going</a:t>
+            </a:r>
+            <a:r>
+              <a:rPr lang="it-IT" sz="1700" dirty="0"/>
+              <a:t> </a:t>
+            </a:r>
+            <a:r>
+              <a:rPr lang="it-IT" sz="1700" dirty="0" err="1"/>
+              <a:t>through</a:t>
+            </a:r>
+            <a:r>
+              <a:rPr lang="it-IT" sz="1700" dirty="0"/>
+              <a:t> </a:t>
+            </a:r>
+            <a:r>
+              <a:rPr lang="it-IT" sz="1700" dirty="0" err="1"/>
+              <a:t>illegal</a:t>
+            </a:r>
+            <a:r>
+              <a:rPr lang="it-IT" sz="1700" dirty="0"/>
+              <a:t> </a:t>
+            </a:r>
+            <a:r>
+              <a:rPr lang="it-IT" sz="1700" dirty="0" err="1"/>
+              <a:t>cells</a:t>
+            </a:r>
+            <a:r>
+              <a:rPr lang="it-IT" sz="1700" dirty="0"/>
+              <a:t>. (Predicate </a:t>
+            </a:r>
+            <a:r>
+              <a:rPr lang="it-IT" sz="1700" dirty="0" err="1">
+                <a:latin typeface="Courier New" panose="02070309020205020404" pitchFamily="49" charset="0"/>
+                <a:cs typeface="Courier New" panose="02070309020205020404" pitchFamily="49" charset="0"/>
+              </a:rPr>
+              <a:t>reach</a:t>
+            </a:r>
+            <a:r>
+              <a:rPr lang="it-IT" sz="1700" dirty="0">
+                <a:latin typeface="Courier New" panose="02070309020205020404" pitchFamily="49" charset="0"/>
+                <a:cs typeface="Courier New" panose="02070309020205020404" pitchFamily="49" charset="0"/>
+              </a:rPr>
+              <a:t>/2</a:t>
+            </a:r>
+            <a:r>
+              <a:rPr lang="it-IT" sz="1700" dirty="0"/>
+              <a:t>).</a:t>
+            </a:r>
+          </a:p>
+          <a:p>
+            <a:r>
+              <a:rPr lang="it-IT" sz="1700" b="1" dirty="0"/>
+              <a:t>Background Knowledge:</a:t>
+            </a:r>
+          </a:p>
+          <a:p>
+            <a:pPr lvl="1"/>
+            <a:r>
+              <a:rPr lang="it-IT" sz="1700" dirty="0" err="1">
+                <a:latin typeface="Courier New" panose="02070309020205020404" pitchFamily="49" charset="0"/>
+                <a:cs typeface="Courier New" panose="02070309020205020404" pitchFamily="49" charset="0"/>
+              </a:rPr>
+              <a:t>move</a:t>
+            </a:r>
+            <a:r>
+              <a:rPr lang="it-IT" sz="1700" dirty="0">
+                <a:latin typeface="Courier New" panose="02070309020205020404" pitchFamily="49" charset="0"/>
+                <a:cs typeface="Courier New" panose="02070309020205020404" pitchFamily="49" charset="0"/>
+              </a:rPr>
+              <a:t>/2 </a:t>
+            </a:r>
+            <a:r>
+              <a:rPr lang="it-IT" sz="1700" dirty="0">
+                <a:cs typeface="Courier New" panose="02070309020205020404" pitchFamily="49" charset="0"/>
+              </a:rPr>
+              <a:t>(</a:t>
+            </a:r>
+            <a:r>
+              <a:rPr lang="it-IT" sz="1700" dirty="0" err="1">
+                <a:cs typeface="Courier New" panose="02070309020205020404" pitchFamily="49" charset="0"/>
+              </a:rPr>
+              <a:t>Learned</a:t>
+            </a:r>
+            <a:r>
+              <a:rPr lang="it-IT" sz="1700" dirty="0">
+                <a:cs typeface="Courier New" panose="02070309020205020404" pitchFamily="49" charset="0"/>
+              </a:rPr>
+              <a:t> from </a:t>
+            </a:r>
+            <a:r>
+              <a:rPr lang="it-IT" sz="1700" i="1" dirty="0">
+                <a:cs typeface="Courier New" panose="02070309020205020404" pitchFamily="49" charset="0"/>
+              </a:rPr>
+              <a:t>«</a:t>
+            </a:r>
+            <a:r>
+              <a:rPr lang="it-IT" sz="1700" i="1" dirty="0" err="1">
+                <a:cs typeface="Courier New" panose="02070309020205020404" pitchFamily="49" charset="0"/>
+              </a:rPr>
+              <a:t>learning_to_walk</a:t>
+            </a:r>
+            <a:r>
+              <a:rPr lang="it-IT" sz="1700" i="1" dirty="0">
+                <a:cs typeface="Courier New" panose="02070309020205020404" pitchFamily="49" charset="0"/>
+              </a:rPr>
+              <a:t>»).</a:t>
+            </a:r>
+          </a:p>
+          <a:p>
+            <a:r>
+              <a:rPr lang="it-IT" sz="1700" b="1" dirty="0" err="1">
+                <a:cs typeface="Courier New" panose="02070309020205020404" pitchFamily="49" charset="0"/>
+              </a:rPr>
+              <a:t>Metarules</a:t>
+            </a:r>
+            <a:r>
+              <a:rPr lang="it-IT" sz="1700" b="1" dirty="0">
+                <a:cs typeface="Courier New" panose="02070309020205020404" pitchFamily="49" charset="0"/>
+              </a:rPr>
+              <a:t>:</a:t>
+            </a:r>
+          </a:p>
+          <a:p>
+            <a:pPr lvl="1"/>
+            <a:r>
+              <a:rPr lang="it-IT" sz="1700" dirty="0" err="1">
+                <a:latin typeface="Courier New" panose="02070309020205020404" pitchFamily="49" charset="0"/>
+                <a:cs typeface="Courier New" panose="02070309020205020404" pitchFamily="49" charset="0"/>
+              </a:rPr>
+              <a:t>metarule</a:t>
+            </a:r>
+            <a:r>
+              <a:rPr lang="it-IT" sz="1700" dirty="0">
+                <a:latin typeface="Courier New" panose="02070309020205020404" pitchFamily="49" charset="0"/>
+                <a:cs typeface="Courier New" panose="02070309020205020404" pitchFamily="49" charset="0"/>
+              </a:rPr>
+              <a:t>(</a:t>
+            </a:r>
+            <a:r>
+              <a:rPr lang="it-IT" sz="1700" dirty="0" err="1">
+                <a:latin typeface="Courier New" panose="02070309020205020404" pitchFamily="49" charset="0"/>
+                <a:cs typeface="Courier New" panose="02070309020205020404" pitchFamily="49" charset="0"/>
+              </a:rPr>
+              <a:t>recursion</a:t>
+            </a:r>
+            <a:r>
+              <a:rPr lang="it-IT" sz="1700" dirty="0">
+                <a:latin typeface="Courier New" panose="02070309020205020404" pitchFamily="49" charset="0"/>
+                <a:cs typeface="Courier New" panose="02070309020205020404" pitchFamily="49" charset="0"/>
+              </a:rPr>
+              <a:t>,[P,Q],[P,A,B],[[Q,A,C],[P,C,B]]).</a:t>
+            </a:r>
+          </a:p>
+          <a:p>
+            <a:pPr lvl="1"/>
+            <a:r>
+              <a:rPr lang="it-IT" sz="1700" dirty="0" err="1">
+                <a:latin typeface="Courier New" panose="02070309020205020404" pitchFamily="49" charset="0"/>
+                <a:cs typeface="Courier New" panose="02070309020205020404" pitchFamily="49" charset="0"/>
+              </a:rPr>
+              <a:t>metarule</a:t>
+            </a:r>
+            <a:r>
+              <a:rPr lang="it-IT" sz="1700" dirty="0">
+                <a:latin typeface="Courier New" panose="02070309020205020404" pitchFamily="49" charset="0"/>
+                <a:cs typeface="Courier New" panose="02070309020205020404" pitchFamily="49" charset="0"/>
+              </a:rPr>
+              <a:t>(</a:t>
+            </a:r>
+            <a:r>
+              <a:rPr lang="it-IT" sz="1700" dirty="0" err="1">
+                <a:latin typeface="Courier New" panose="02070309020205020404" pitchFamily="49" charset="0"/>
+                <a:cs typeface="Courier New" panose="02070309020205020404" pitchFamily="49" charset="0"/>
+              </a:rPr>
+              <a:t>ident</a:t>
+            </a:r>
+            <a:r>
+              <a:rPr lang="it-IT" sz="1700" dirty="0">
+                <a:latin typeface="Courier New" panose="02070309020205020404" pitchFamily="49" charset="0"/>
+                <a:cs typeface="Courier New" panose="02070309020205020404" pitchFamily="49" charset="0"/>
+              </a:rPr>
+              <a:t>,[P,Q],[P,A,B],[[Q,A,B]]).</a:t>
+            </a:r>
+          </a:p>
+          <a:p>
+            <a:r>
+              <a:rPr lang="it-IT" sz="1700" b="1" dirty="0">
+                <a:cs typeface="Courier New" panose="02070309020205020404" pitchFamily="49" charset="0"/>
+              </a:rPr>
+              <a:t>Positive </a:t>
+            </a:r>
+            <a:r>
+              <a:rPr lang="it-IT" sz="1700" b="1" dirty="0" err="1">
+                <a:cs typeface="Courier New" panose="02070309020205020404" pitchFamily="49" charset="0"/>
+              </a:rPr>
+              <a:t>examples</a:t>
+            </a:r>
+            <a:r>
+              <a:rPr lang="it-IT" sz="1700" b="1" dirty="0">
+                <a:cs typeface="Courier New" panose="02070309020205020404" pitchFamily="49" charset="0"/>
+              </a:rPr>
+              <a:t>:</a:t>
+            </a:r>
+          </a:p>
+          <a:p>
+            <a:pPr lvl="1"/>
+            <a:r>
+              <a:rPr lang="en-US" sz="1700" dirty="0">
+                <a:latin typeface="Courier New" panose="02070309020205020404" pitchFamily="49" charset="0"/>
+                <a:cs typeface="Courier New" panose="02070309020205020404" pitchFamily="49" charset="0"/>
+              </a:rPr>
+              <a:t>reach((1,1), (2,1)). </a:t>
+            </a:r>
+          </a:p>
+          <a:p>
+            <a:pPr lvl="1"/>
+            <a:r>
+              <a:rPr lang="en-US" sz="1700" dirty="0">
+                <a:latin typeface="Courier New" panose="02070309020205020404" pitchFamily="49" charset="0"/>
+                <a:cs typeface="Courier New" panose="02070309020205020404" pitchFamily="49" charset="0"/>
+              </a:rPr>
+              <a:t>reach((1,1), (2,5)).</a:t>
+            </a:r>
+          </a:p>
+          <a:p>
+            <a:r>
+              <a:rPr lang="en-US" sz="1700" b="1" dirty="0">
+                <a:cs typeface="Courier New" panose="02070309020205020404" pitchFamily="49" charset="0"/>
+              </a:rPr>
+              <a:t>Negative examples:</a:t>
+            </a:r>
+          </a:p>
+          <a:p>
+            <a:pPr lvl="1"/>
+            <a:r>
+              <a:rPr lang="it-IT" sz="1700" u="sng" dirty="0">
+                <a:effectLst/>
+              </a:rPr>
+              <a:t>NONE</a:t>
+            </a:r>
+            <a:r>
+              <a:rPr lang="it-IT" sz="1700" dirty="0">
+                <a:effectLst/>
+              </a:rPr>
+              <a:t>: </a:t>
+            </a:r>
+            <a:r>
+              <a:rPr lang="it-IT" sz="1700" dirty="0" err="1">
+                <a:effectLst/>
+              </a:rPr>
+              <a:t>Illegal</a:t>
+            </a:r>
+            <a:r>
+              <a:rPr lang="it-IT" sz="1700" dirty="0">
+                <a:effectLst/>
+              </a:rPr>
+              <a:t> </a:t>
+            </a:r>
+            <a:r>
+              <a:rPr lang="it-IT" sz="1700" dirty="0" err="1">
+                <a:effectLst/>
+              </a:rPr>
+              <a:t>behaviour</a:t>
+            </a:r>
+            <a:r>
+              <a:rPr lang="it-IT" sz="1700" dirty="0">
+                <a:effectLst/>
+              </a:rPr>
+              <a:t> </a:t>
+            </a:r>
+            <a:r>
+              <a:rPr lang="it-IT" sz="1700" dirty="0" err="1">
+                <a:effectLst/>
+              </a:rPr>
+              <a:t>is</a:t>
+            </a:r>
+            <a:r>
+              <a:rPr lang="it-IT" sz="1700" dirty="0">
+                <a:effectLst/>
+              </a:rPr>
+              <a:t> </a:t>
+            </a:r>
+            <a:r>
+              <a:rPr lang="it-IT" sz="1700" dirty="0" err="1">
+                <a:effectLst/>
+              </a:rPr>
+              <a:t>already</a:t>
+            </a:r>
+            <a:r>
+              <a:rPr lang="it-IT" sz="1700" dirty="0">
+                <a:effectLst/>
+              </a:rPr>
+              <a:t> </a:t>
+            </a:r>
+            <a:r>
+              <a:rPr lang="it-IT" sz="1700" dirty="0" err="1">
+                <a:effectLst/>
+              </a:rPr>
+              <a:t>forbidden</a:t>
+            </a:r>
+            <a:r>
+              <a:rPr lang="it-IT" sz="1700" dirty="0">
+                <a:effectLst/>
+              </a:rPr>
+              <a:t> by the background knowledge.</a:t>
+            </a:r>
+            <a:endParaRPr lang="it-IT" sz="1700" b="1" u="sng" dirty="0">
+              <a:cs typeface="Courier New" panose="02070309020205020404" pitchFamily="49" charset="0"/>
+            </a:endParaRPr>
+          </a:p>
+        </p:txBody>
+      </p:sp>
+      <p:sp>
+        <p:nvSpPr>
+          <p:cNvPr id="5" name="CasellaDiTesto 4">
+            <a:extLst>
+              <a:ext uri="{FF2B5EF4-FFF2-40B4-BE49-F238E27FC236}">
+                <a16:creationId xmlns:a16="http://schemas.microsoft.com/office/drawing/2014/main" id="{01B90FCF-2DEC-4277-A69C-67F0AD636F3E}"/>
+              </a:ext>
+            </a:extLst>
+          </p:cNvPr>
+          <p:cNvSpPr txBox="1"/>
+          <p:nvPr/>
+        </p:nvSpPr>
+        <p:spPr>
+          <a:xfrm>
+            <a:off x="4615995" y="4627520"/>
+            <a:ext cx="2628901" cy="307777"/>
+          </a:xfrm>
+          <a:prstGeom prst="rect">
+            <a:avLst/>
+          </a:prstGeom>
+          <a:noFill/>
+        </p:spPr>
+        <p:txBody>
+          <a:bodyPr wrap="square" rtlCol="0">
+            <a:spAutoFit/>
+          </a:bodyPr>
+          <a:lstStyle/>
+          <a:p>
+            <a:pPr>
+              <a:spcAft>
+                <a:spcPts val="600"/>
+              </a:spcAft>
+            </a:pPr>
+            <a:r>
+              <a:rPr lang="it-IT" sz="1400" b="1" dirty="0" err="1"/>
+              <a:t>What</a:t>
+            </a:r>
+            <a:r>
+              <a:rPr lang="it-IT" sz="1400" b="1" dirty="0"/>
+              <a:t> </a:t>
+            </a:r>
+            <a:r>
+              <a:rPr lang="it-IT" sz="1400" b="1" dirty="0" err="1"/>
+              <a:t>if</a:t>
+            </a:r>
+            <a:r>
+              <a:rPr lang="it-IT" sz="1400" b="1" dirty="0"/>
+              <a:t> </a:t>
+            </a:r>
+            <a:r>
+              <a:rPr lang="it-IT" sz="1400" b="1" dirty="0" err="1"/>
+              <a:t>we</a:t>
+            </a:r>
+            <a:r>
+              <a:rPr lang="it-IT" sz="1400" b="1" dirty="0"/>
+              <a:t> </a:t>
+            </a:r>
+            <a:r>
+              <a:rPr lang="it-IT" sz="1400" b="1" dirty="0" err="1"/>
+              <a:t>remove</a:t>
+            </a:r>
+            <a:r>
+              <a:rPr lang="it-IT" sz="1400" b="1" dirty="0"/>
+              <a:t> </a:t>
+            </a:r>
+            <a:r>
+              <a:rPr lang="it-IT" sz="1400" b="1" dirty="0" err="1"/>
+              <a:t>this</a:t>
+            </a:r>
+            <a:r>
+              <a:rPr lang="it-IT" sz="1400" b="1" dirty="0"/>
+              <a:t>?</a:t>
+            </a:r>
+          </a:p>
+        </p:txBody>
+      </p:sp>
+    </p:spTree>
+    <p:extLst>
+      <p:ext uri="{BB962C8B-B14F-4D97-AF65-F5344CB8AC3E}">
+        <p14:creationId xmlns:p14="http://schemas.microsoft.com/office/powerpoint/2010/main" val="257936271"/>
+      </p:ext>
+    </p:extLst>
+  </p:cSld>
+  <p:clrMapOvr>
+    <a:masterClrMapping/>
+  </p:clrMapOvr>
+  <p:timing>
+    <p:tnLst>
+      <p:par>
+        <p:cTn id="1" dur="indefinite" restart="never" nodeType="tmRoot">
+          <p:childTnLst>
+            <p:seq concurrent="1" nextAc="seek">
+              <p:cTn id="2" dur="indefinite" nodeType="mainSeq">
+                <p:childTnLst>
+                  <p:par>
+                    <p:cTn id="3" fill="hold">
+                      <p:stCondLst>
+                        <p:cond delay="indefinite"/>
+                      </p:stCondLst>
+                      <p:childTnLst>
+                        <p:par>
+                          <p:cTn id="4" fill="hold">
+                            <p:stCondLst>
+                              <p:cond delay="0"/>
+                            </p:stCondLst>
+                            <p:childTnLst>
+                              <p:par>
+                                <p:cTn id="5" presetID="10" presetClass="entr" presetSubtype="0" fill="hold" grpId="0" nodeType="clickEffect">
+                                  <p:stCondLst>
+                                    <p:cond delay="0"/>
+                                  </p:stCondLst>
+                                  <p:childTnLst>
+                                    <p:set>
+                                      <p:cBhvr>
+                                        <p:cTn id="6" dur="1" fill="hold">
+                                          <p:stCondLst>
+                                            <p:cond delay="0"/>
+                                          </p:stCondLst>
+                                        </p:cTn>
+                                        <p:tgtEl>
+                                          <p:spTgt spid="5"/>
+                                        </p:tgtEl>
+                                        <p:attrNameLst>
+                                          <p:attrName>style.visibility</p:attrName>
+                                        </p:attrNameLst>
+                                      </p:cBhvr>
+                                      <p:to>
+                                        <p:strVal val="visible"/>
+                                      </p:to>
+                                    </p:set>
+                                    <p:animEffect transition="in" filter="fade">
+                                      <p:cBhvr>
+                                        <p:cTn id="7" dur="500"/>
+                                        <p:tgtEl>
+                                          <p:spTgt spid="5"/>
+                                        </p:tgtEl>
+                                      </p:cBhvr>
+                                    </p:animEffect>
+                                  </p:childTnLst>
+                                </p:cTn>
+                              </p:par>
+                            </p:childTnLst>
+                          </p:cTn>
+                        </p:par>
+                      </p:childTnLst>
+                    </p:cTn>
+                  </p:par>
+                </p:childTnLst>
+              </p:cTn>
+              <p:prevCondLst>
+                <p:cond evt="onPrev" delay="0">
+                  <p:tgtEl>
+                    <p:sldTgt/>
+                  </p:tgtEl>
+                </p:cond>
+              </p:prevCondLst>
+              <p:nextCondLst>
+                <p:cond evt="onNext" delay="0">
+                  <p:tgtEl>
+                    <p:sldTgt/>
+                  </p:tgtEl>
+                </p:cond>
+              </p:nextCondLst>
+            </p:seq>
+          </p:childTnLst>
+        </p:cTn>
+      </p:par>
+    </p:tnLst>
+    <p:bldLst>
+      <p:bldP spid="5" grpId="0"/>
+    </p:bldLst>
+  </p:timing>
+</p:sld>
+</file>
+
+<file path=ppt/slides/slide21.xml><?xml version="1.0" encoding="utf-8"?>
+<p:sld xmlns:a="http://schemas.openxmlformats.org/drawingml/2006/main" xmlns:r="http://schemas.openxmlformats.org/officeDocument/2006/relationships" xmlns:p="http://schemas.openxmlformats.org/presentationml/2006/main">
+  <p:cSld>
+    <p:bg>
+      <p:bgPr>
+        <a:solidFill>
+          <a:schemeClr val="bg1"/>
+        </a:solidFill>
+        <a:effectLst/>
+      </p:bgPr>
+    </p:bg>
+    <p:spTree>
+      <p:nvGrpSpPr>
+        <p:cNvPr id="1" name=""/>
+        <p:cNvGrpSpPr/>
+        <p:nvPr/>
+      </p:nvGrpSpPr>
+      <p:grpSpPr>
+        <a:xfrm>
+          <a:off x="0" y="0"/>
+          <a:ext cx="0" cy="0"/>
+          <a:chOff x="0" y="0"/>
+          <a:chExt cx="0" cy="0"/>
+        </a:xfrm>
+      </p:grpSpPr>
+      <p:sp>
+        <p:nvSpPr>
           <p:cNvPr id="14" name="Rectangle 13">
             <a:extLst>
               <a:ext uri="{FF2B5EF4-FFF2-40B4-BE49-F238E27FC236}">
@@ -21305,18 +22452,11 @@
               <a:t>metarule</a:t>
             </a:r>
             <a:r>
-              <a:rPr lang="it-IT" sz="1400" dirty="0">
+              <a:rPr lang="it-IT" sz="1400">
                 <a:latin typeface="Courier New" panose="02070309020205020404" pitchFamily="49" charset="0"/>
                 <a:cs typeface="Courier New" panose="02070309020205020404" pitchFamily="49" charset="0"/>
               </a:rPr>
-              <a:t>(</a:t>
-            </a:r>
-            <a:r>
-              <a:rPr lang="it-IT" sz="1400" dirty="0" err="1">
-                <a:latin typeface="Courier New" panose="02070309020205020404" pitchFamily="49" charset="0"/>
-                <a:cs typeface="Courier New" panose="02070309020205020404" pitchFamily="49" charset="0"/>
-              </a:rPr>
-              <a:t>prepostcon</a:t>
+              <a:t>(postcon</a:t>
             </a:r>
             <a:r>
               <a:rPr lang="it-IT" sz="1400" dirty="0">
@@ -21663,7 +22803,7 @@
 </p:sld>
 </file>
 
-<file path=ppt/slides/slide21.xml><?xml version="1.0" encoding="utf-8"?>
+<file path=ppt/slides/slide22.xml><?xml version="1.0" encoding="utf-8"?>
 <p:sld xmlns:a="http://schemas.openxmlformats.org/drawingml/2006/main" xmlns:r="http://schemas.openxmlformats.org/officeDocument/2006/relationships" xmlns:p="http://schemas.openxmlformats.org/presentationml/2006/main">
   <p:cSld>
     <p:bg>
@@ -22191,7 +23331,7 @@
 </p:sld>
 </file>
 
-<file path=ppt/slides/slide22.xml><?xml version="1.0" encoding="utf-8"?>
+<file path=ppt/slides/slide23.xml><?xml version="1.0" encoding="utf-8"?>
 <p:sld xmlns:a="http://schemas.openxmlformats.org/drawingml/2006/main" xmlns:r="http://schemas.openxmlformats.org/officeDocument/2006/relationships" xmlns:p="http://schemas.openxmlformats.org/presentationml/2006/main">
   <p:cSld>
     <p:bg>
@@ -22717,7 +23857,7 @@
 </p:sld>
 </file>
 
-<file path=ppt/slides/slide23.xml><?xml version="1.0" encoding="utf-8"?>
+<file path=ppt/slides/slide24.xml><?xml version="1.0" encoding="utf-8"?>
 <p:sld xmlns:a="http://schemas.openxmlformats.org/drawingml/2006/main" xmlns:r="http://schemas.openxmlformats.org/officeDocument/2006/relationships" xmlns:p="http://schemas.openxmlformats.org/presentationml/2006/main">
   <p:cSld>
     <p:bg>
@@ -23036,7 +24176,7 @@
 </p:sld>
 </file>
 
-<file path=ppt/slides/slide24.xml><?xml version="1.0" encoding="utf-8"?>
+<file path=ppt/slides/slide25.xml><?xml version="1.0" encoding="utf-8"?>
 <p:sld xmlns:a="http://schemas.openxmlformats.org/drawingml/2006/main" xmlns:r="http://schemas.openxmlformats.org/officeDocument/2006/relationships" xmlns:p="http://schemas.openxmlformats.org/presentationml/2006/main">
   <p:cSld>
     <p:spTree>
@@ -23717,7 +24857,7 @@
 </p:sld>
 </file>
 
-<file path=ppt/slides/slide25.xml><?xml version="1.0" encoding="utf-8"?>
+<file path=ppt/slides/slide26.xml><?xml version="1.0" encoding="utf-8"?>
 <p:sld xmlns:a="http://schemas.openxmlformats.org/drawingml/2006/main" xmlns:r="http://schemas.openxmlformats.org/officeDocument/2006/relationships" xmlns:p="http://schemas.openxmlformats.org/presentationml/2006/main">
   <p:cSld>
     <p:spTree>
@@ -23799,277 +24939,6 @@
     <p:extLst>
       <p:ext uri="{BB962C8B-B14F-4D97-AF65-F5344CB8AC3E}">
         <p14:creationId xmlns:p14="http://schemas.microsoft.com/office/powerpoint/2010/main" val="2262213016"/>
-      </p:ext>
-    </p:extLst>
-  </p:cSld>
-  <p:clrMapOvr>
-    <a:masterClrMapping/>
-  </p:clrMapOvr>
-</p:sld>
-</file>
-
-<file path=ppt/slides/slide26.xml><?xml version="1.0" encoding="utf-8"?>
-<p:sld xmlns:a="http://schemas.openxmlformats.org/drawingml/2006/main" xmlns:r="http://schemas.openxmlformats.org/officeDocument/2006/relationships" xmlns:p="http://schemas.openxmlformats.org/presentationml/2006/main">
-  <p:cSld>
-    <p:spTree>
-      <p:nvGrpSpPr>
-        <p:cNvPr id="1" name=""/>
-        <p:cNvGrpSpPr/>
-        <p:nvPr/>
-      </p:nvGrpSpPr>
-      <p:grpSpPr>
-        <a:xfrm>
-          <a:off x="0" y="0"/>
-          <a:ext cx="0" cy="0"/>
-          <a:chOff x="0" y="0"/>
-          <a:chExt cx="0" cy="0"/>
-        </a:xfrm>
-      </p:grpSpPr>
-      <p:pic>
-        <p:nvPicPr>
-          <p:cNvPr id="4" name="Picture 4" descr="Maze">
-            <a:extLst>
-              <a:ext uri="{FF2B5EF4-FFF2-40B4-BE49-F238E27FC236}">
-                <a16:creationId xmlns:a16="http://schemas.microsoft.com/office/drawing/2014/main" id="{15FFD1B1-AEEE-4EE4-9047-6C67FEA2BDA9}"/>
-              </a:ext>
-            </a:extLst>
-          </p:cNvPr>
-          <p:cNvPicPr>
-            <a:picLocks noChangeAspect="1"/>
-          </p:cNvPicPr>
-          <p:nvPr/>
-        </p:nvPicPr>
-        <p:blipFill rotWithShape="1">
-          <a:blip r:embed="rId2">
-            <a:duotone>
-              <a:schemeClr val="bg2">
-                <a:shade val="45000"/>
-                <a:satMod val="135000"/>
-              </a:schemeClr>
-              <a:prstClr val="white"/>
-            </a:duotone>
-            <a:alphaModFix amt="25000"/>
-          </a:blip>
-          <a:srcRect t="9021"/>
-          <a:stretch/>
-        </p:blipFill>
-        <p:spPr>
-          <a:xfrm>
-            <a:off x="20" y="10"/>
-            <a:ext cx="11292820" cy="6857990"/>
-          </a:xfrm>
-          <a:prstGeom prst="rect">
-            <a:avLst/>
-          </a:prstGeom>
-        </p:spPr>
-      </p:pic>
-      <p:sp>
-        <p:nvSpPr>
-          <p:cNvPr id="2" name="Titolo 1">
-            <a:extLst>
-              <a:ext uri="{FF2B5EF4-FFF2-40B4-BE49-F238E27FC236}">
-                <a16:creationId xmlns:a16="http://schemas.microsoft.com/office/drawing/2014/main" id="{0A12707C-3206-4993-9DBE-17D9EACB1C00}"/>
-              </a:ext>
-            </a:extLst>
-          </p:cNvPr>
-          <p:cNvSpPr>
-            <a:spLocks noGrp="1"/>
-          </p:cNvSpPr>
-          <p:nvPr>
-            <p:ph type="title"/>
-          </p:nvPr>
-        </p:nvSpPr>
-        <p:spPr>
-          <a:xfrm>
-            <a:off x="1261872" y="365760"/>
-            <a:ext cx="9692640" cy="1325562"/>
-          </a:xfrm>
-        </p:spPr>
-        <p:txBody>
-          <a:bodyPr>
-            <a:normAutofit/>
-          </a:bodyPr>
-          <a:lstStyle/>
-          <a:p>
-            <a:r>
-              <a:rPr lang="it-IT" dirty="0"/>
-              <a:t>Learning to </a:t>
-            </a:r>
-            <a:r>
-              <a:rPr lang="it-IT" sz="4400" dirty="0" err="1"/>
-              <a:t>to</a:t>
-            </a:r>
-            <a:r>
-              <a:rPr lang="it-IT" sz="4400" dirty="0"/>
-              <a:t> </a:t>
-            </a:r>
-            <a:r>
-              <a:rPr lang="it-IT" sz="4400" dirty="0" err="1"/>
-              <a:t>move</a:t>
-            </a:r>
-            <a:r>
-              <a:rPr lang="it-IT" sz="4400" dirty="0"/>
-              <a:t> on </a:t>
-            </a:r>
-            <a:r>
-              <a:rPr lang="it-IT" sz="4400" dirty="0" err="1"/>
-              <a:t>adjacent</a:t>
-            </a:r>
-            <a:r>
-              <a:rPr lang="it-IT" sz="4400" dirty="0"/>
-              <a:t> </a:t>
-            </a:r>
-            <a:r>
-              <a:rPr lang="it-IT" sz="4400" dirty="0" err="1"/>
-              <a:t>cells</a:t>
-            </a:r>
-            <a:endParaRPr lang="it-IT" dirty="0"/>
-          </a:p>
-        </p:txBody>
-      </p:sp>
-      <p:sp>
-        <p:nvSpPr>
-          <p:cNvPr id="3" name="Segnaposto contenuto 2">
-            <a:extLst>
-              <a:ext uri="{FF2B5EF4-FFF2-40B4-BE49-F238E27FC236}">
-                <a16:creationId xmlns:a16="http://schemas.microsoft.com/office/drawing/2014/main" id="{D879B614-B7EF-4C41-B525-645B6994B712}"/>
-              </a:ext>
-            </a:extLst>
-          </p:cNvPr>
-          <p:cNvSpPr>
-            <a:spLocks noGrp="1"/>
-          </p:cNvSpPr>
-          <p:nvPr>
-            <p:ph idx="1"/>
-          </p:nvPr>
-        </p:nvSpPr>
-        <p:spPr>
-          <a:xfrm>
-            <a:off x="1261872" y="2013055"/>
-            <a:ext cx="8595360" cy="4167082"/>
-          </a:xfrm>
-        </p:spPr>
-        <p:txBody>
-          <a:bodyPr>
-            <a:normAutofit/>
-          </a:bodyPr>
-          <a:lstStyle/>
-          <a:p>
-            <a:r>
-              <a:rPr lang="en-US" sz="1700" b="1" dirty="0"/>
-              <a:t>Goal: </a:t>
-            </a:r>
-            <a:r>
-              <a:rPr lang="en-US" sz="1700" dirty="0"/>
-              <a:t>Learn the move on adjacent cells, not considering for now the obstacles. (Predicate </a:t>
-            </a:r>
-            <a:r>
-              <a:rPr lang="en-US" sz="1700" dirty="0">
-                <a:latin typeface="Courier New" panose="02070309020205020404" pitchFamily="49" charset="0"/>
-                <a:cs typeface="Courier New" panose="02070309020205020404" pitchFamily="49" charset="0"/>
-              </a:rPr>
-              <a:t>next/2</a:t>
-            </a:r>
-            <a:r>
-              <a:rPr lang="en-US" sz="1700" dirty="0"/>
-              <a:t>).</a:t>
-            </a:r>
-          </a:p>
-          <a:p>
-            <a:r>
-              <a:rPr lang="en-US" sz="1700" dirty="0"/>
-              <a:t>Something like: </a:t>
-            </a:r>
-            <a:r>
-              <a:rPr lang="en-US" sz="1700" dirty="0">
-                <a:latin typeface="Courier New" panose="02070309020205020404" pitchFamily="49" charset="0"/>
-                <a:cs typeface="Courier New" panose="02070309020205020404" pitchFamily="49" charset="0"/>
-              </a:rPr>
-              <a:t>next((X,Y),(Z,K)) </a:t>
-            </a:r>
-            <a:r>
-              <a:rPr lang="en-US" sz="1700" dirty="0"/>
-              <a:t>which holds if coordinates are near.</a:t>
-            </a:r>
-          </a:p>
-          <a:p>
-            <a:r>
-              <a:rPr lang="en-US" sz="1700" b="1" dirty="0"/>
-              <a:t>Background Knowledge:</a:t>
-            </a:r>
-          </a:p>
-          <a:p>
-            <a:pPr lvl="1"/>
-            <a:r>
-              <a:rPr lang="en-US" sz="1500" dirty="0" err="1">
-                <a:latin typeface="Courier New" panose="02070309020205020404" pitchFamily="49" charset="0"/>
-                <a:cs typeface="Courier New" panose="02070309020205020404" pitchFamily="49" charset="0"/>
-              </a:rPr>
-              <a:t>succ</a:t>
-            </a:r>
-            <a:r>
-              <a:rPr lang="en-US" sz="1500" dirty="0"/>
-              <a:t> predicate = predicate true for adjacent cells.</a:t>
-            </a:r>
-          </a:p>
-          <a:p>
-            <a:pPr lvl="1"/>
-            <a:r>
-              <a:rPr lang="en-US" sz="1500" dirty="0">
-                <a:latin typeface="Courier New" panose="02070309020205020404" pitchFamily="49" charset="0"/>
-                <a:cs typeface="Courier New" panose="02070309020205020404" pitchFamily="49" charset="0"/>
-              </a:rPr>
-              <a:t>cell</a:t>
-            </a:r>
-            <a:r>
-              <a:rPr lang="en-US" sz="1500" dirty="0"/>
-              <a:t> predicate  = predicate true for coordinates on the grid.</a:t>
-            </a:r>
-          </a:p>
-          <a:p>
-            <a:r>
-              <a:rPr lang="en-US" sz="1700" b="1" dirty="0"/>
-              <a:t>Positive examples: </a:t>
-            </a:r>
-            <a:r>
-              <a:rPr lang="en-US" sz="1700" dirty="0"/>
-              <a:t>shows that next holds for near cells on the grid </a:t>
-            </a:r>
-          </a:p>
-          <a:p>
-            <a:r>
-              <a:rPr lang="en-US" sz="1700" b="1" dirty="0"/>
-              <a:t>Negative examples: </a:t>
-            </a:r>
-            <a:r>
-              <a:rPr lang="en-US" sz="1700" dirty="0"/>
-              <a:t>shows different contexts where next doesn’t hold: when 2 cells are distant, or when you exit from the grid, when cells are in the same diagonal.</a:t>
-            </a:r>
-          </a:p>
-          <a:p>
-            <a:r>
-              <a:rPr lang="en-US" sz="1700" b="1" dirty="0"/>
-              <a:t>mode bias: </a:t>
-            </a:r>
-            <a:r>
-              <a:rPr lang="en-US" sz="1700" dirty="0"/>
-              <a:t>predicates «cell», «</a:t>
-            </a:r>
-            <a:r>
-              <a:rPr lang="en-US" sz="1700" dirty="0" err="1"/>
-              <a:t>succ</a:t>
-            </a:r>
-            <a:r>
-              <a:rPr lang="en-US" sz="1700" dirty="0"/>
-              <a:t>», and «next» on the head of the rules.</a:t>
-            </a:r>
-          </a:p>
-        </p:txBody>
-      </p:sp>
-    </p:spTree>
-    <p:extLst>
-      <p:ext uri="{BB962C8B-B14F-4D97-AF65-F5344CB8AC3E}">
-        <p14:creationId xmlns:p14="http://schemas.microsoft.com/office/powerpoint/2010/main" val="564251764"/>
       </p:ext>
     </p:extLst>
   </p:cSld>
@@ -24164,24 +25033,37 @@
           <a:p>
             <a:r>
               <a:rPr lang="it-IT" dirty="0"/>
-              <a:t>Output of ILASP task – </a:t>
-            </a:r>
-            <a:r>
-              <a:rPr lang="it-IT" dirty="0" err="1"/>
-              <a:t>next</a:t>
-            </a:r>
-            <a:r>
-              <a:rPr lang="it-IT" dirty="0"/>
+              <a:t>Learning to </a:t>
+            </a:r>
+            <a:r>
+              <a:rPr lang="it-IT" sz="4400" dirty="0" err="1"/>
+              <a:t>to</a:t>
+            </a:r>
+            <a:r>
+              <a:rPr lang="it-IT" sz="4400" dirty="0"/>
               <a:t> </a:t>
             </a:r>
             <a:r>
-              <a:rPr lang="it-IT" dirty="0" err="1"/>
-              <a:t>pred</a:t>
-            </a:r>
-            <a:r>
-              <a:rPr lang="it-IT" dirty="0"/>
-              <a:t>.</a:t>
-            </a:r>
+              <a:rPr lang="it-IT" sz="4400" dirty="0" err="1"/>
+              <a:t>move</a:t>
+            </a:r>
+            <a:r>
+              <a:rPr lang="it-IT" sz="4400" dirty="0"/>
+              <a:t> on </a:t>
+            </a:r>
+            <a:r>
+              <a:rPr lang="it-IT" sz="4400" dirty="0" err="1"/>
+              <a:t>adjacent</a:t>
+            </a:r>
+            <a:r>
+              <a:rPr lang="it-IT" sz="4400" dirty="0"/>
+              <a:t> </a:t>
+            </a:r>
+            <a:r>
+              <a:rPr lang="it-IT" sz="4400" dirty="0" err="1"/>
+              <a:t>cells</a:t>
+            </a:r>
+            <a:endParaRPr lang="it-IT" dirty="0"/>
           </a:p>
         </p:txBody>
       </p:sp>
@@ -24203,8 +25085,8 @@
         </p:nvSpPr>
         <p:spPr>
           <a:xfrm>
-            <a:off x="1261872" y="5637599"/>
-            <a:ext cx="8841870" cy="1110823"/>
+            <a:off x="1261872" y="2013055"/>
+            <a:ext cx="8595360" cy="4167082"/>
           </a:xfrm>
         </p:spPr>
         <p:txBody>
@@ -24214,65 +25096,120 @@
           <a:lstStyle/>
           <a:p>
             <a:r>
-              <a:rPr lang="en-US" sz="2400" dirty="0">
+              <a:rPr lang="en-US" sz="1700" b="1" dirty="0"/>
+              <a:t>Goal: </a:t>
+            </a:r>
+            <a:r>
+              <a:rPr lang="en-US" sz="1700" dirty="0"/>
+              <a:t>Learn the move on adjacent cells, not considering for now the obstacles. (Predicate </a:t>
+            </a:r>
+            <a:r>
+              <a:rPr lang="en-US" sz="1700" dirty="0">
                 <a:latin typeface="Courier New" panose="02070309020205020404" pitchFamily="49" charset="0"/>
                 <a:cs typeface="Courier New" panose="02070309020205020404" pitchFamily="49" charset="0"/>
               </a:rPr>
-              <a:t>(VX,VY) </a:t>
-            </a:r>
-            <a:r>
-              <a:rPr lang="en-US" sz="2400" dirty="0"/>
-              <a:t>are coordinates on the grid. </a:t>
-            </a:r>
-          </a:p>
-          <a:p>
-            <a:r>
-              <a:rPr lang="en-US" sz="2400" dirty="0"/>
-              <a:t> Equivalent to the “adjacent” predicate of my companions</a:t>
+              <a:t>next/2</a:t>
+            </a:r>
+            <a:r>
+              <a:rPr lang="en-US" sz="1700" dirty="0"/>
+              <a:t>).</a:t>
+            </a:r>
+          </a:p>
+          <a:p>
+            <a:r>
+              <a:rPr lang="en-US" sz="1700" dirty="0"/>
+              <a:t>Something like: </a:t>
+            </a:r>
+            <a:r>
+              <a:rPr lang="en-US" sz="1700" dirty="0">
+                <a:latin typeface="Courier New" panose="02070309020205020404" pitchFamily="49" charset="0"/>
+                <a:cs typeface="Courier New" panose="02070309020205020404" pitchFamily="49" charset="0"/>
+              </a:rPr>
+              <a:t>next((X,Y),(Z,K)) </a:t>
+            </a:r>
+            <a:r>
+              <a:rPr lang="en-US" sz="1700" dirty="0"/>
+              <a:t>which holds if coordinates are near.</a:t>
+            </a:r>
+          </a:p>
+          <a:p>
+            <a:r>
+              <a:rPr lang="en-US" sz="1700" b="1" dirty="0"/>
+              <a:t>Background Knowledge:</a:t>
+            </a:r>
+          </a:p>
+          <a:p>
+            <a:pPr lvl="1"/>
+            <a:r>
+              <a:rPr lang="en-US" sz="1500" dirty="0" err="1">
+                <a:latin typeface="Courier New" panose="02070309020205020404" pitchFamily="49" charset="0"/>
+                <a:cs typeface="Courier New" panose="02070309020205020404" pitchFamily="49" charset="0"/>
+              </a:rPr>
+              <a:t>succ</a:t>
+            </a:r>
+            <a:r>
+              <a:rPr lang="en-US" sz="1500" dirty="0"/>
+              <a:t> predicate = predicate true for adjacent cells.</a:t>
+            </a:r>
+          </a:p>
+          <a:p>
+            <a:pPr lvl="1"/>
+            <a:r>
+              <a:rPr lang="en-US" sz="1500" dirty="0">
+                <a:latin typeface="Courier New" panose="02070309020205020404" pitchFamily="49" charset="0"/>
+                <a:cs typeface="Courier New" panose="02070309020205020404" pitchFamily="49" charset="0"/>
+              </a:rPr>
+              <a:t>cell</a:t>
+            </a:r>
+            <a:r>
+              <a:rPr lang="en-US" sz="1500" dirty="0"/>
+              <a:t> predicate  = predicate true for coordinates on the grid.</a:t>
+            </a:r>
+          </a:p>
+          <a:p>
+            <a:r>
+              <a:rPr lang="en-US" sz="1700" b="1" dirty="0"/>
+              <a:t>Positive examples: </a:t>
+            </a:r>
+            <a:r>
+              <a:rPr lang="en-US" sz="1700" dirty="0"/>
+              <a:t>shows that next holds for near cells on the grid </a:t>
+            </a:r>
+          </a:p>
+          <a:p>
+            <a:r>
+              <a:rPr lang="en-US" sz="1700" b="1" dirty="0"/>
+              <a:t>Negative examples: </a:t>
+            </a:r>
+            <a:r>
+              <a:rPr lang="en-US" sz="1700" dirty="0"/>
+              <a:t>shows different contexts where next doesn’t hold: when 2 cells are distant, or when you exit from the grid, when cells are in the same diagonal.</a:t>
+            </a:r>
+          </a:p>
+          <a:p>
+            <a:r>
+              <a:rPr lang="en-US" sz="1700" b="1" dirty="0"/>
+              <a:t>mode bias: </a:t>
+            </a:r>
+            <a:r>
+              <a:rPr lang="en-US" sz="1700" dirty="0"/>
+              <a:t>predicates «cell», «</a:t>
+            </a:r>
+            <a:r>
+              <a:rPr lang="en-US" sz="1700" dirty="0" err="1"/>
+              <a:t>succ</a:t>
+            </a:r>
+            <a:r>
+              <a:rPr lang="en-US" sz="1700" dirty="0"/>
+              <a:t>», and «next» on the head of the rules.</a:t>
             </a:r>
           </a:p>
         </p:txBody>
       </p:sp>
-      <p:pic>
-        <p:nvPicPr>
-          <p:cNvPr id="6" name="Segnaposto contenuto 4">
-            <a:extLst>
-              <a:ext uri="{FF2B5EF4-FFF2-40B4-BE49-F238E27FC236}">
-                <a16:creationId xmlns:a16="http://schemas.microsoft.com/office/drawing/2014/main" id="{CB85F696-E3AE-4C22-BDF1-9CC814ED6AC5}"/>
-              </a:ext>
-            </a:extLst>
-          </p:cNvPr>
-          <p:cNvPicPr>
-            <a:picLocks noChangeAspect="1"/>
-          </p:cNvPicPr>
-          <p:nvPr/>
-        </p:nvPicPr>
-        <p:blipFill>
-          <a:blip r:embed="rId3">
-            <a:extLst>
-              <a:ext uri="{28A0092B-C50C-407E-A947-70E740481C1C}">
-                <a14:useLocalDpi xmlns:a14="http://schemas.microsoft.com/office/drawing/2010/main" val="0"/>
-              </a:ext>
-            </a:extLst>
-          </a:blip>
-          <a:stretch>
-            <a:fillRect/>
-          </a:stretch>
-        </p:blipFill>
-        <p:spPr>
-          <a:xfrm>
-            <a:off x="676690" y="1972122"/>
-            <a:ext cx="9939480" cy="3553363"/>
-          </a:xfrm>
-          <a:prstGeom prst="rect">
-            <a:avLst/>
-          </a:prstGeom>
-        </p:spPr>
-      </p:pic>
     </p:spTree>
     <p:extLst>
       <p:ext uri="{BB962C8B-B14F-4D97-AF65-F5344CB8AC3E}">
-        <p14:creationId xmlns:p14="http://schemas.microsoft.com/office/powerpoint/2010/main" val="1107455208"/>
+        <p14:creationId xmlns:p14="http://schemas.microsoft.com/office/powerpoint/2010/main" val="564251764"/>
       </p:ext>
     </p:extLst>
   </p:cSld>
@@ -24355,6 +25292,209 @@
         </p:nvSpPr>
         <p:spPr>
           <a:xfrm>
+            <a:off x="1261872" y="365760"/>
+            <a:ext cx="9692640" cy="1325562"/>
+          </a:xfrm>
+        </p:spPr>
+        <p:txBody>
+          <a:bodyPr>
+            <a:normAutofit/>
+          </a:bodyPr>
+          <a:lstStyle/>
+          <a:p>
+            <a:r>
+              <a:rPr lang="it-IT" dirty="0"/>
+              <a:t>Output of ILASP task – </a:t>
+            </a:r>
+            <a:r>
+              <a:rPr lang="it-IT" dirty="0" err="1"/>
+              <a:t>next</a:t>
+            </a:r>
+            <a:r>
+              <a:rPr lang="it-IT" dirty="0"/>
+              <a:t> </a:t>
+            </a:r>
+            <a:r>
+              <a:rPr lang="it-IT" dirty="0" err="1"/>
+              <a:t>pred</a:t>
+            </a:r>
+            <a:r>
+              <a:rPr lang="it-IT" dirty="0"/>
+              <a:t>.</a:t>
+            </a:r>
+          </a:p>
+        </p:txBody>
+      </p:sp>
+      <p:sp>
+        <p:nvSpPr>
+          <p:cNvPr id="3" name="Segnaposto contenuto 2">
+            <a:extLst>
+              <a:ext uri="{FF2B5EF4-FFF2-40B4-BE49-F238E27FC236}">
+                <a16:creationId xmlns:a16="http://schemas.microsoft.com/office/drawing/2014/main" id="{D879B614-B7EF-4C41-B525-645B6994B712}"/>
+              </a:ext>
+            </a:extLst>
+          </p:cNvPr>
+          <p:cNvSpPr>
+            <a:spLocks noGrp="1"/>
+          </p:cNvSpPr>
+          <p:nvPr>
+            <p:ph idx="1"/>
+          </p:nvPr>
+        </p:nvSpPr>
+        <p:spPr>
+          <a:xfrm>
+            <a:off x="1261872" y="5637599"/>
+            <a:ext cx="8841870" cy="1110823"/>
+          </a:xfrm>
+        </p:spPr>
+        <p:txBody>
+          <a:bodyPr>
+            <a:normAutofit/>
+          </a:bodyPr>
+          <a:lstStyle/>
+          <a:p>
+            <a:r>
+              <a:rPr lang="en-US" sz="2400" dirty="0">
+                <a:latin typeface="Courier New" panose="02070309020205020404" pitchFamily="49" charset="0"/>
+                <a:cs typeface="Courier New" panose="02070309020205020404" pitchFamily="49" charset="0"/>
+              </a:rPr>
+              <a:t>(VX,VY) </a:t>
+            </a:r>
+            <a:r>
+              <a:rPr lang="en-US" sz="2400" dirty="0"/>
+              <a:t>are coordinates on the grid. </a:t>
+            </a:r>
+          </a:p>
+          <a:p>
+            <a:r>
+              <a:rPr lang="en-US" sz="2400" dirty="0"/>
+              <a:t> Equivalent to the “adjacent” predicate of my companions</a:t>
+            </a:r>
+          </a:p>
+        </p:txBody>
+      </p:sp>
+      <p:pic>
+        <p:nvPicPr>
+          <p:cNvPr id="6" name="Segnaposto contenuto 4">
+            <a:extLst>
+              <a:ext uri="{FF2B5EF4-FFF2-40B4-BE49-F238E27FC236}">
+                <a16:creationId xmlns:a16="http://schemas.microsoft.com/office/drawing/2014/main" id="{CB85F696-E3AE-4C22-BDF1-9CC814ED6AC5}"/>
+              </a:ext>
+            </a:extLst>
+          </p:cNvPr>
+          <p:cNvPicPr>
+            <a:picLocks noChangeAspect="1"/>
+          </p:cNvPicPr>
+          <p:nvPr/>
+        </p:nvPicPr>
+        <p:blipFill>
+          <a:blip r:embed="rId3">
+            <a:extLst>
+              <a:ext uri="{28A0092B-C50C-407E-A947-70E740481C1C}">
+                <a14:useLocalDpi xmlns:a14="http://schemas.microsoft.com/office/drawing/2010/main" val="0"/>
+              </a:ext>
+            </a:extLst>
+          </a:blip>
+          <a:stretch>
+            <a:fillRect/>
+          </a:stretch>
+        </p:blipFill>
+        <p:spPr>
+          <a:xfrm>
+            <a:off x="676690" y="1972122"/>
+            <a:ext cx="9939480" cy="3553363"/>
+          </a:xfrm>
+          <a:prstGeom prst="rect">
+            <a:avLst/>
+          </a:prstGeom>
+        </p:spPr>
+      </p:pic>
+    </p:spTree>
+    <p:extLst>
+      <p:ext uri="{BB962C8B-B14F-4D97-AF65-F5344CB8AC3E}">
+        <p14:creationId xmlns:p14="http://schemas.microsoft.com/office/powerpoint/2010/main" val="1107455208"/>
+      </p:ext>
+    </p:extLst>
+  </p:cSld>
+  <p:clrMapOvr>
+    <a:masterClrMapping/>
+  </p:clrMapOvr>
+</p:sld>
+</file>
+
+<file path=ppt/slides/slide29.xml><?xml version="1.0" encoding="utf-8"?>
+<p:sld xmlns:a="http://schemas.openxmlformats.org/drawingml/2006/main" xmlns:r="http://schemas.openxmlformats.org/officeDocument/2006/relationships" xmlns:p="http://schemas.openxmlformats.org/presentationml/2006/main">
+  <p:cSld>
+    <p:spTree>
+      <p:nvGrpSpPr>
+        <p:cNvPr id="1" name=""/>
+        <p:cNvGrpSpPr/>
+        <p:nvPr/>
+      </p:nvGrpSpPr>
+      <p:grpSpPr>
+        <a:xfrm>
+          <a:off x="0" y="0"/>
+          <a:ext cx="0" cy="0"/>
+          <a:chOff x="0" y="0"/>
+          <a:chExt cx="0" cy="0"/>
+        </a:xfrm>
+      </p:grpSpPr>
+      <p:pic>
+        <p:nvPicPr>
+          <p:cNvPr id="4" name="Picture 4" descr="Maze">
+            <a:extLst>
+              <a:ext uri="{FF2B5EF4-FFF2-40B4-BE49-F238E27FC236}">
+                <a16:creationId xmlns:a16="http://schemas.microsoft.com/office/drawing/2014/main" id="{15FFD1B1-AEEE-4EE4-9047-6C67FEA2BDA9}"/>
+              </a:ext>
+            </a:extLst>
+          </p:cNvPr>
+          <p:cNvPicPr>
+            <a:picLocks noChangeAspect="1"/>
+          </p:cNvPicPr>
+          <p:nvPr/>
+        </p:nvPicPr>
+        <p:blipFill rotWithShape="1">
+          <a:blip r:embed="rId2">
+            <a:duotone>
+              <a:schemeClr val="bg2">
+                <a:shade val="45000"/>
+                <a:satMod val="135000"/>
+              </a:schemeClr>
+              <a:prstClr val="white"/>
+            </a:duotone>
+            <a:alphaModFix amt="25000"/>
+          </a:blip>
+          <a:srcRect t="9021"/>
+          <a:stretch/>
+        </p:blipFill>
+        <p:spPr>
+          <a:xfrm>
+            <a:off x="20" y="10"/>
+            <a:ext cx="11292820" cy="6857990"/>
+          </a:xfrm>
+          <a:prstGeom prst="rect">
+            <a:avLst/>
+          </a:prstGeom>
+        </p:spPr>
+      </p:pic>
+      <p:sp>
+        <p:nvSpPr>
+          <p:cNvPr id="2" name="Titolo 1">
+            <a:extLst>
+              <a:ext uri="{FF2B5EF4-FFF2-40B4-BE49-F238E27FC236}">
+                <a16:creationId xmlns:a16="http://schemas.microsoft.com/office/drawing/2014/main" id="{0A12707C-3206-4993-9DBE-17D9EACB1C00}"/>
+              </a:ext>
+            </a:extLst>
+          </p:cNvPr>
+          <p:cNvSpPr>
+            <a:spLocks noGrp="1"/>
+          </p:cNvSpPr>
+          <p:nvPr>
+            <p:ph type="title"/>
+          </p:nvPr>
+        </p:nvSpPr>
+        <p:spPr>
+          <a:xfrm>
             <a:off x="589448" y="313669"/>
             <a:ext cx="10365064" cy="1377653"/>
           </a:xfrm>
@@ -24476,501 +25616,6 @@
     <p:extLst>
       <p:ext uri="{BB962C8B-B14F-4D97-AF65-F5344CB8AC3E}">
         <p14:creationId xmlns:p14="http://schemas.microsoft.com/office/powerpoint/2010/main" val="4159866635"/>
-      </p:ext>
-    </p:extLst>
-  </p:cSld>
-  <p:clrMapOvr>
-    <a:masterClrMapping/>
-  </p:clrMapOvr>
-</p:sld>
-</file>
-
-<file path=ppt/slides/slide29.xml><?xml version="1.0" encoding="utf-8"?>
-<p:sld xmlns:a="http://schemas.openxmlformats.org/drawingml/2006/main" xmlns:r="http://schemas.openxmlformats.org/officeDocument/2006/relationships" xmlns:p="http://schemas.openxmlformats.org/presentationml/2006/main">
-  <p:cSld>
-    <p:bg>
-      <p:bgPr>
-        <a:solidFill>
-          <a:schemeClr val="bg1"/>
-        </a:solidFill>
-        <a:effectLst/>
-      </p:bgPr>
-    </p:bg>
-    <p:spTree>
-      <p:nvGrpSpPr>
-        <p:cNvPr id="1" name=""/>
-        <p:cNvGrpSpPr/>
-        <p:nvPr/>
-      </p:nvGrpSpPr>
-      <p:grpSpPr>
-        <a:xfrm>
-          <a:off x="0" y="0"/>
-          <a:ext cx="0" cy="0"/>
-          <a:chOff x="0" y="0"/>
-          <a:chExt cx="0" cy="0"/>
-        </a:xfrm>
-      </p:grpSpPr>
-      <p:sp>
-        <p:nvSpPr>
-          <p:cNvPr id="9" name="Rectangle 8">
-            <a:extLst>
-              <a:ext uri="{FF2B5EF4-FFF2-40B4-BE49-F238E27FC236}">
-                <a16:creationId xmlns:a16="http://schemas.microsoft.com/office/drawing/2014/main" id="{5D5E0904-721C-4D68-9EB8-1C9752E329A7}"/>
-              </a:ext>
-              <a:ext uri="{C183D7F6-B498-43B3-948B-1728B52AA6E4}">
-                <adec:decorative xmlns:adec="http://schemas.microsoft.com/office/drawing/2017/decorative" val="1"/>
-              </a:ext>
-            </a:extLst>
-          </p:cNvPr>
-          <p:cNvSpPr>
-            <a:spLocks noGrp="1" noRot="1" noChangeAspect="1" noMove="1" noResize="1" noEditPoints="1" noAdjustHandles="1" noChangeArrowheads="1" noChangeShapeType="1" noTextEdit="1"/>
-          </p:cNvSpPr>
-          <p:nvPr>
-            <p:extLst>
-              <p:ext uri="{386F3935-93C4-4BCD-93E2-E3B085C9AB24}">
-                <p16:designElem xmlns:p16="http://schemas.microsoft.com/office/powerpoint/2015/main" val="1"/>
-              </p:ext>
-            </p:extLst>
-          </p:nvPr>
-        </p:nvSpPr>
-        <p:spPr>
-          <a:xfrm>
-            <a:off x="0" y="0"/>
-            <a:ext cx="457200" cy="6858000"/>
-          </a:xfrm>
-          <a:prstGeom prst="rect">
-            <a:avLst/>
-          </a:prstGeom>
-          <a:solidFill>
-            <a:schemeClr val="accent1"/>
-          </a:solidFill>
-          <a:ln>
-            <a:noFill/>
-          </a:ln>
-        </p:spPr>
-        <p:style>
-          <a:lnRef idx="2">
-            <a:schemeClr val="accent1">
-              <a:shade val="50000"/>
-            </a:schemeClr>
-          </a:lnRef>
-          <a:fillRef idx="1">
-            <a:schemeClr val="accent1"/>
-          </a:fillRef>
-          <a:effectRef idx="0">
-            <a:schemeClr val="accent1"/>
-          </a:effectRef>
-          <a:fontRef idx="minor">
-            <a:schemeClr val="lt1"/>
-          </a:fontRef>
-        </p:style>
-      </p:sp>
-      <p:sp>
-        <p:nvSpPr>
-          <p:cNvPr id="11" name="Rectangle 10">
-            <a:extLst>
-              <a:ext uri="{FF2B5EF4-FFF2-40B4-BE49-F238E27FC236}">
-                <a16:creationId xmlns:a16="http://schemas.microsoft.com/office/drawing/2014/main" id="{B298ECBA-3258-45DF-8FD4-7581736BCCBC}"/>
-              </a:ext>
-              <a:ext uri="{C183D7F6-B498-43B3-948B-1728B52AA6E4}">
-                <adec:decorative xmlns:adec="http://schemas.microsoft.com/office/drawing/2017/decorative" val="1"/>
-              </a:ext>
-            </a:extLst>
-          </p:cNvPr>
-          <p:cNvSpPr>
-            <a:spLocks noGrp="1" noRot="1" noChangeAspect="1" noMove="1" noResize="1" noEditPoints="1" noAdjustHandles="1" noChangeArrowheads="1" noChangeShapeType="1" noTextEdit="1"/>
-          </p:cNvSpPr>
-          <p:nvPr>
-            <p:extLst>
-              <p:ext uri="{386F3935-93C4-4BCD-93E2-E3B085C9AB24}">
-                <p16:designElem xmlns:p16="http://schemas.microsoft.com/office/powerpoint/2015/main" val="1"/>
-              </p:ext>
-            </p:extLst>
-          </p:nvPr>
-        </p:nvSpPr>
-        <p:spPr>
-          <a:xfrm>
-            <a:off x="0" y="-3244"/>
-            <a:ext cx="457200" cy="6858000"/>
-          </a:xfrm>
-          <a:prstGeom prst="rect">
-            <a:avLst/>
-          </a:prstGeom>
-          <a:solidFill>
-            <a:srgbClr val="6F6F74"/>
-          </a:solidFill>
-          <a:ln>
-            <a:noFill/>
-          </a:ln>
-        </p:spPr>
-        <p:style>
-          <a:lnRef idx="2">
-            <a:schemeClr val="accent1">
-              <a:shade val="50000"/>
-            </a:schemeClr>
-          </a:lnRef>
-          <a:fillRef idx="1">
-            <a:schemeClr val="accent1"/>
-          </a:fillRef>
-          <a:effectRef idx="0">
-            <a:schemeClr val="accent1"/>
-          </a:effectRef>
-          <a:fontRef idx="minor">
-            <a:schemeClr val="lt1"/>
-          </a:fontRef>
-        </p:style>
-        <p:txBody>
-          <a:bodyPr rtlCol="0" anchor="ctr"/>
-          <a:lstStyle/>
-          <a:p>
-            <a:pPr marL="0" marR="0" lvl="0" indent="0" algn="ctr" defTabSz="457200" rtl="0" eaLnBrk="1" fontAlgn="auto" latinLnBrk="0" hangingPunct="1">
-              <a:lnSpc>
-                <a:spcPct val="100000"/>
-              </a:lnSpc>
-              <a:spcBef>
-                <a:spcPts val="0"/>
-              </a:spcBef>
-              <a:spcAft>
-                <a:spcPts val="0"/>
-              </a:spcAft>
-              <a:buClrTx/>
-              <a:buSzTx/>
-              <a:buFontTx/>
-              <a:buNone/>
-              <a:tabLst/>
-              <a:defRPr/>
-            </a:pPr>
-            <a:endParaRPr kumimoji="0" lang="en-US" sz="1800" b="0" i="0" u="none" strike="noStrike" kern="1200" cap="none" spc="0" normalizeH="0" baseline="0" noProof="0">
-              <a:ln>
-                <a:noFill/>
-              </a:ln>
-              <a:solidFill>
-                <a:srgbClr val="FFFFFF"/>
-              </a:solidFill>
-              <a:effectLst/>
-              <a:uLnTx/>
-              <a:uFillTx/>
-              <a:latin typeface="Century Schoolbook" panose="02040604050505020304"/>
-              <a:ea typeface="+mn-ea"/>
-              <a:cs typeface="+mn-cs"/>
-            </a:endParaRPr>
-          </a:p>
-        </p:txBody>
-      </p:sp>
-      <p:sp>
-        <p:nvSpPr>
-          <p:cNvPr id="13" name="Rectangle 12">
-            <a:extLst>
-              <a:ext uri="{FF2B5EF4-FFF2-40B4-BE49-F238E27FC236}">
-                <a16:creationId xmlns:a16="http://schemas.microsoft.com/office/drawing/2014/main" id="{B62BF453-BD82-4B90-9FE7-51703133806E}"/>
-              </a:ext>
-              <a:ext uri="{C183D7F6-B498-43B3-948B-1728B52AA6E4}">
-                <adec:decorative xmlns:adec="http://schemas.microsoft.com/office/drawing/2017/decorative" val="1"/>
-              </a:ext>
-            </a:extLst>
-          </p:cNvPr>
-          <p:cNvSpPr>
-            <a:spLocks noGrp="1" noRot="1" noChangeAspect="1" noMove="1" noResize="1" noEditPoints="1" noAdjustHandles="1" noChangeArrowheads="1" noChangeShapeType="1" noTextEdit="1"/>
-          </p:cNvSpPr>
-          <p:nvPr>
-            <p:extLst>
-              <p:ext uri="{386F3935-93C4-4BCD-93E2-E3B085C9AB24}">
-                <p16:designElem xmlns:p16="http://schemas.microsoft.com/office/powerpoint/2015/main" val="1"/>
-              </p:ext>
-            </p:extLst>
-          </p:nvPr>
-        </p:nvSpPr>
-        <p:spPr>
-          <a:xfrm>
-            <a:off x="457200" y="0"/>
-            <a:ext cx="10835640" cy="6858000"/>
-          </a:xfrm>
-          <a:prstGeom prst="rect">
-            <a:avLst/>
-          </a:prstGeom>
-          <a:solidFill>
-            <a:srgbClr val="353537"/>
-          </a:solidFill>
-          <a:ln>
-            <a:noFill/>
-          </a:ln>
-        </p:spPr>
-        <p:style>
-          <a:lnRef idx="2">
-            <a:schemeClr val="accent1">
-              <a:shade val="50000"/>
-            </a:schemeClr>
-          </a:lnRef>
-          <a:fillRef idx="1">
-            <a:schemeClr val="accent1"/>
-          </a:fillRef>
-          <a:effectRef idx="0">
-            <a:schemeClr val="accent1"/>
-          </a:effectRef>
-          <a:fontRef idx="minor">
-            <a:schemeClr val="lt1"/>
-          </a:fontRef>
-        </p:style>
-      </p:sp>
-      <p:sp>
-        <p:nvSpPr>
-          <p:cNvPr id="2" name="Titolo 1">
-            <a:extLst>
-              <a:ext uri="{FF2B5EF4-FFF2-40B4-BE49-F238E27FC236}">
-                <a16:creationId xmlns:a16="http://schemas.microsoft.com/office/drawing/2014/main" id="{B27153E9-BBEC-48CB-BBDA-66A20ABE3359}"/>
-              </a:ext>
-            </a:extLst>
-          </p:cNvPr>
-          <p:cNvSpPr>
-            <a:spLocks noGrp="1"/>
-          </p:cNvSpPr>
-          <p:nvPr>
-            <p:ph type="title"/>
-          </p:nvPr>
-        </p:nvSpPr>
-        <p:spPr>
-          <a:xfrm>
-            <a:off x="8318090" y="758952"/>
-            <a:ext cx="2802194" cy="4041648"/>
-          </a:xfrm>
-        </p:spPr>
-        <p:txBody>
-          <a:bodyPr vert="horz" lIns="91440" tIns="45720" rIns="91440" bIns="45720" rtlCol="0" anchor="b">
-            <a:normAutofit/>
-          </a:bodyPr>
-          <a:lstStyle/>
-          <a:p>
-            <a:pPr>
-              <a:lnSpc>
-                <a:spcPct val="85000"/>
-              </a:lnSpc>
-            </a:pPr>
-            <a:r>
-              <a:rPr lang="en-US" sz="4100">
-                <a:solidFill>
-                  <a:srgbClr val="FFFFFF"/>
-                </a:solidFill>
-              </a:rPr>
-              <a:t>Combining what learned in an ASP model</a:t>
-            </a:r>
-          </a:p>
-        </p:txBody>
-      </p:sp>
-      <p:sp useBgFill="1">
-        <p:nvSpPr>
-          <p:cNvPr id="15" name="Rectangle 14">
-            <a:extLst>
-              <a:ext uri="{FF2B5EF4-FFF2-40B4-BE49-F238E27FC236}">
-                <a16:creationId xmlns:a16="http://schemas.microsoft.com/office/drawing/2014/main" id="{072366D3-9B5C-42E1-9906-77FF6BB55EAB}"/>
-              </a:ext>
-              <a:ext uri="{C183D7F6-B498-43B3-948B-1728B52AA6E4}">
-                <adec:decorative xmlns:adec="http://schemas.microsoft.com/office/drawing/2017/decorative" val="1"/>
-              </a:ext>
-            </a:extLst>
-          </p:cNvPr>
-          <p:cNvSpPr>
-            <a:spLocks noGrp="1" noRot="1" noChangeAspect="1" noMove="1" noResize="1" noEditPoints="1" noAdjustHandles="1" noChangeArrowheads="1" noChangeShapeType="1" noTextEdit="1"/>
-          </p:cNvSpPr>
-          <p:nvPr>
-            <p:extLst>
-              <p:ext uri="{386F3935-93C4-4BCD-93E2-E3B085C9AB24}">
-                <p16:designElem xmlns:p16="http://schemas.microsoft.com/office/powerpoint/2015/main" val="1"/>
-              </p:ext>
-            </p:extLst>
-          </p:nvPr>
-        </p:nvSpPr>
-        <p:spPr>
-          <a:xfrm>
-            <a:off x="452283" y="0"/>
-            <a:ext cx="7561007" cy="6858000"/>
-          </a:xfrm>
-          <a:prstGeom prst="rect">
-            <a:avLst/>
-          </a:prstGeom>
-          <a:ln>
-            <a:noFill/>
-          </a:ln>
-        </p:spPr>
-        <p:style>
-          <a:lnRef idx="2">
-            <a:schemeClr val="accent1">
-              <a:shade val="50000"/>
-            </a:schemeClr>
-          </a:lnRef>
-          <a:fillRef idx="1">
-            <a:schemeClr val="accent1"/>
-          </a:fillRef>
-          <a:effectRef idx="0">
-            <a:schemeClr val="accent1"/>
-          </a:effectRef>
-          <a:fontRef idx="minor">
-            <a:schemeClr val="lt1"/>
-          </a:fontRef>
-        </p:style>
-        <p:txBody>
-          <a:bodyPr rtlCol="0" anchor="ctr"/>
-          <a:lstStyle/>
-          <a:p>
-            <a:pPr marL="0" marR="0" lvl="0" indent="0" algn="ctr" defTabSz="457200" rtl="0" eaLnBrk="1" fontAlgn="auto" latinLnBrk="0" hangingPunct="1">
-              <a:lnSpc>
-                <a:spcPct val="100000"/>
-              </a:lnSpc>
-              <a:spcBef>
-                <a:spcPts val="0"/>
-              </a:spcBef>
-              <a:spcAft>
-                <a:spcPts val="0"/>
-              </a:spcAft>
-              <a:buClrTx/>
-              <a:buSzTx/>
-              <a:buFontTx/>
-              <a:buNone/>
-              <a:tabLst/>
-              <a:defRPr/>
-            </a:pPr>
-            <a:endParaRPr kumimoji="0" lang="en-US" sz="1800" b="0" i="0" u="none" strike="noStrike" kern="1200" cap="none" spc="0" normalizeH="0" baseline="0" noProof="0">
-              <a:ln>
-                <a:noFill/>
-              </a:ln>
-              <a:solidFill>
-                <a:srgbClr val="FFFFFF"/>
-              </a:solidFill>
-              <a:effectLst/>
-              <a:uLnTx/>
-              <a:uFillTx/>
-              <a:latin typeface="Century Schoolbook" panose="02040604050505020304"/>
-              <a:ea typeface="+mn-ea"/>
-              <a:cs typeface="+mn-cs"/>
-            </a:endParaRPr>
-          </a:p>
-        </p:txBody>
-      </p:sp>
-      <p:sp>
-        <p:nvSpPr>
-          <p:cNvPr id="17" name="Rectangle 16">
-            <a:extLst>
-              <a:ext uri="{FF2B5EF4-FFF2-40B4-BE49-F238E27FC236}">
-                <a16:creationId xmlns:a16="http://schemas.microsoft.com/office/drawing/2014/main" id="{121F5E60-4E89-4B16-A245-12BD9935998D}"/>
-              </a:ext>
-              <a:ext uri="{C183D7F6-B498-43B3-948B-1728B52AA6E4}">
-                <adec:decorative xmlns:adec="http://schemas.microsoft.com/office/drawing/2017/decorative" val="1"/>
-              </a:ext>
-            </a:extLst>
-          </p:cNvPr>
-          <p:cNvSpPr>
-            <a:spLocks noGrp="1" noRot="1" noChangeAspect="1" noMove="1" noResize="1" noEditPoints="1" noAdjustHandles="1" noChangeArrowheads="1" noChangeShapeType="1" noTextEdit="1"/>
-          </p:cNvSpPr>
-          <p:nvPr>
-            <p:extLst>
-              <p:ext uri="{386F3935-93C4-4BCD-93E2-E3B085C9AB24}">
-                <p16:designElem xmlns:p16="http://schemas.microsoft.com/office/powerpoint/2015/main" val="1"/>
-              </p:ext>
-            </p:extLst>
-          </p:nvPr>
-        </p:nvSpPr>
-        <p:spPr>
-          <a:xfrm>
-            <a:off x="11292840" y="0"/>
-            <a:ext cx="899160" cy="6858000"/>
-          </a:xfrm>
-          <a:prstGeom prst="rect">
-            <a:avLst/>
-          </a:prstGeom>
-          <a:solidFill>
-            <a:srgbClr val="353537"/>
-          </a:solidFill>
-          <a:ln>
-            <a:noFill/>
-          </a:ln>
-        </p:spPr>
-        <p:style>
-          <a:lnRef idx="2">
-            <a:schemeClr val="accent1">
-              <a:shade val="50000"/>
-            </a:schemeClr>
-          </a:lnRef>
-          <a:fillRef idx="1">
-            <a:schemeClr val="accent1"/>
-          </a:fillRef>
-          <a:effectRef idx="0">
-            <a:schemeClr val="accent1"/>
-          </a:effectRef>
-          <a:fontRef idx="minor">
-            <a:schemeClr val="lt1"/>
-          </a:fontRef>
-        </p:style>
-        <p:txBody>
-          <a:bodyPr rtlCol="0" anchor="ctr"/>
-          <a:lstStyle/>
-          <a:p>
-            <a:pPr marL="0" marR="0" lvl="0" indent="0" algn="ctr" defTabSz="457200" rtl="0" eaLnBrk="1" fontAlgn="auto" latinLnBrk="0" hangingPunct="1">
-              <a:lnSpc>
-                <a:spcPct val="100000"/>
-              </a:lnSpc>
-              <a:spcBef>
-                <a:spcPts val="0"/>
-              </a:spcBef>
-              <a:spcAft>
-                <a:spcPts val="0"/>
-              </a:spcAft>
-              <a:buClrTx/>
-              <a:buSzTx/>
-              <a:buFontTx/>
-              <a:buNone/>
-              <a:tabLst/>
-              <a:defRPr/>
-            </a:pPr>
-            <a:endParaRPr kumimoji="0" lang="en-US" sz="1800" b="0" i="0" u="none" strike="noStrike" kern="1200" cap="none" spc="0" normalizeH="0" baseline="0" noProof="0">
-              <a:ln>
-                <a:noFill/>
-              </a:ln>
-              <a:solidFill>
-                <a:srgbClr val="FFFFFF"/>
-              </a:solidFill>
-              <a:effectLst/>
-              <a:uLnTx/>
-              <a:uFillTx/>
-              <a:latin typeface="Century Schoolbook" panose="02040604050505020304"/>
-              <a:ea typeface="+mn-ea"/>
-              <a:cs typeface="+mn-cs"/>
-            </a:endParaRPr>
-          </a:p>
-        </p:txBody>
-      </p:sp>
-      <p:pic>
-        <p:nvPicPr>
-          <p:cNvPr id="5" name="Immagine 4">
-            <a:extLst>
-              <a:ext uri="{FF2B5EF4-FFF2-40B4-BE49-F238E27FC236}">
-                <a16:creationId xmlns:a16="http://schemas.microsoft.com/office/drawing/2014/main" id="{662CFD65-98EC-4EAF-AD1B-EFF382586F0E}"/>
-              </a:ext>
-            </a:extLst>
-          </p:cNvPr>
-          <p:cNvPicPr>
-            <a:picLocks noChangeAspect="1"/>
-          </p:cNvPicPr>
-          <p:nvPr/>
-        </p:nvPicPr>
-        <p:blipFill>
-          <a:blip r:embed="rId2"/>
-          <a:stretch>
-            <a:fillRect/>
-          </a:stretch>
-        </p:blipFill>
-        <p:spPr>
-          <a:xfrm>
-            <a:off x="452283" y="-6488"/>
-            <a:ext cx="7500683" cy="6858000"/>
-          </a:xfrm>
-          <a:prstGeom prst="rect">
-            <a:avLst/>
-          </a:prstGeom>
-        </p:spPr>
-      </p:pic>
-    </p:spTree>
-    <p:extLst>
-      <p:ext uri="{BB962C8B-B14F-4D97-AF65-F5344CB8AC3E}">
-        <p14:creationId xmlns:p14="http://schemas.microsoft.com/office/powerpoint/2010/main" val="694569748"/>
       </p:ext>
     </p:extLst>
   </p:cSld>
@@ -26478,6 +27123,501 @@
     <p:bg>
       <p:bgPr>
         <a:solidFill>
+          <a:schemeClr val="bg1"/>
+        </a:solidFill>
+        <a:effectLst/>
+      </p:bgPr>
+    </p:bg>
+    <p:spTree>
+      <p:nvGrpSpPr>
+        <p:cNvPr id="1" name=""/>
+        <p:cNvGrpSpPr/>
+        <p:nvPr/>
+      </p:nvGrpSpPr>
+      <p:grpSpPr>
+        <a:xfrm>
+          <a:off x="0" y="0"/>
+          <a:ext cx="0" cy="0"/>
+          <a:chOff x="0" y="0"/>
+          <a:chExt cx="0" cy="0"/>
+        </a:xfrm>
+      </p:grpSpPr>
+      <p:sp>
+        <p:nvSpPr>
+          <p:cNvPr id="9" name="Rectangle 8">
+            <a:extLst>
+              <a:ext uri="{FF2B5EF4-FFF2-40B4-BE49-F238E27FC236}">
+                <a16:creationId xmlns:a16="http://schemas.microsoft.com/office/drawing/2014/main" id="{5D5E0904-721C-4D68-9EB8-1C9752E329A7}"/>
+              </a:ext>
+              <a:ext uri="{C183D7F6-B498-43B3-948B-1728B52AA6E4}">
+                <adec:decorative xmlns:adec="http://schemas.microsoft.com/office/drawing/2017/decorative" val="1"/>
+              </a:ext>
+            </a:extLst>
+          </p:cNvPr>
+          <p:cNvSpPr>
+            <a:spLocks noGrp="1" noRot="1" noChangeAspect="1" noMove="1" noResize="1" noEditPoints="1" noAdjustHandles="1" noChangeArrowheads="1" noChangeShapeType="1" noTextEdit="1"/>
+          </p:cNvSpPr>
+          <p:nvPr>
+            <p:extLst>
+              <p:ext uri="{386F3935-93C4-4BCD-93E2-E3B085C9AB24}">
+                <p16:designElem xmlns:p16="http://schemas.microsoft.com/office/powerpoint/2015/main" val="1"/>
+              </p:ext>
+            </p:extLst>
+          </p:nvPr>
+        </p:nvSpPr>
+        <p:spPr>
+          <a:xfrm>
+            <a:off x="0" y="0"/>
+            <a:ext cx="457200" cy="6858000"/>
+          </a:xfrm>
+          <a:prstGeom prst="rect">
+            <a:avLst/>
+          </a:prstGeom>
+          <a:solidFill>
+            <a:schemeClr val="accent1"/>
+          </a:solidFill>
+          <a:ln>
+            <a:noFill/>
+          </a:ln>
+        </p:spPr>
+        <p:style>
+          <a:lnRef idx="2">
+            <a:schemeClr val="accent1">
+              <a:shade val="50000"/>
+            </a:schemeClr>
+          </a:lnRef>
+          <a:fillRef idx="1">
+            <a:schemeClr val="accent1"/>
+          </a:fillRef>
+          <a:effectRef idx="0">
+            <a:schemeClr val="accent1"/>
+          </a:effectRef>
+          <a:fontRef idx="minor">
+            <a:schemeClr val="lt1"/>
+          </a:fontRef>
+        </p:style>
+      </p:sp>
+      <p:sp>
+        <p:nvSpPr>
+          <p:cNvPr id="11" name="Rectangle 10">
+            <a:extLst>
+              <a:ext uri="{FF2B5EF4-FFF2-40B4-BE49-F238E27FC236}">
+                <a16:creationId xmlns:a16="http://schemas.microsoft.com/office/drawing/2014/main" id="{B298ECBA-3258-45DF-8FD4-7581736BCCBC}"/>
+              </a:ext>
+              <a:ext uri="{C183D7F6-B498-43B3-948B-1728B52AA6E4}">
+                <adec:decorative xmlns:adec="http://schemas.microsoft.com/office/drawing/2017/decorative" val="1"/>
+              </a:ext>
+            </a:extLst>
+          </p:cNvPr>
+          <p:cNvSpPr>
+            <a:spLocks noGrp="1" noRot="1" noChangeAspect="1" noMove="1" noResize="1" noEditPoints="1" noAdjustHandles="1" noChangeArrowheads="1" noChangeShapeType="1" noTextEdit="1"/>
+          </p:cNvSpPr>
+          <p:nvPr>
+            <p:extLst>
+              <p:ext uri="{386F3935-93C4-4BCD-93E2-E3B085C9AB24}">
+                <p16:designElem xmlns:p16="http://schemas.microsoft.com/office/powerpoint/2015/main" val="1"/>
+              </p:ext>
+            </p:extLst>
+          </p:nvPr>
+        </p:nvSpPr>
+        <p:spPr>
+          <a:xfrm>
+            <a:off x="0" y="-3244"/>
+            <a:ext cx="457200" cy="6858000"/>
+          </a:xfrm>
+          <a:prstGeom prst="rect">
+            <a:avLst/>
+          </a:prstGeom>
+          <a:solidFill>
+            <a:srgbClr val="6F6F74"/>
+          </a:solidFill>
+          <a:ln>
+            <a:noFill/>
+          </a:ln>
+        </p:spPr>
+        <p:style>
+          <a:lnRef idx="2">
+            <a:schemeClr val="accent1">
+              <a:shade val="50000"/>
+            </a:schemeClr>
+          </a:lnRef>
+          <a:fillRef idx="1">
+            <a:schemeClr val="accent1"/>
+          </a:fillRef>
+          <a:effectRef idx="0">
+            <a:schemeClr val="accent1"/>
+          </a:effectRef>
+          <a:fontRef idx="minor">
+            <a:schemeClr val="lt1"/>
+          </a:fontRef>
+        </p:style>
+        <p:txBody>
+          <a:bodyPr rtlCol="0" anchor="ctr"/>
+          <a:lstStyle/>
+          <a:p>
+            <a:pPr marL="0" marR="0" lvl="0" indent="0" algn="ctr" defTabSz="457200" rtl="0" eaLnBrk="1" fontAlgn="auto" latinLnBrk="0" hangingPunct="1">
+              <a:lnSpc>
+                <a:spcPct val="100000"/>
+              </a:lnSpc>
+              <a:spcBef>
+                <a:spcPts val="0"/>
+              </a:spcBef>
+              <a:spcAft>
+                <a:spcPts val="0"/>
+              </a:spcAft>
+              <a:buClrTx/>
+              <a:buSzTx/>
+              <a:buFontTx/>
+              <a:buNone/>
+              <a:tabLst/>
+              <a:defRPr/>
+            </a:pPr>
+            <a:endParaRPr kumimoji="0" lang="en-US" sz="1800" b="0" i="0" u="none" strike="noStrike" kern="1200" cap="none" spc="0" normalizeH="0" baseline="0" noProof="0">
+              <a:ln>
+                <a:noFill/>
+              </a:ln>
+              <a:solidFill>
+                <a:srgbClr val="FFFFFF"/>
+              </a:solidFill>
+              <a:effectLst/>
+              <a:uLnTx/>
+              <a:uFillTx/>
+              <a:latin typeface="Century Schoolbook" panose="02040604050505020304"/>
+              <a:ea typeface="+mn-ea"/>
+              <a:cs typeface="+mn-cs"/>
+            </a:endParaRPr>
+          </a:p>
+        </p:txBody>
+      </p:sp>
+      <p:sp>
+        <p:nvSpPr>
+          <p:cNvPr id="13" name="Rectangle 12">
+            <a:extLst>
+              <a:ext uri="{FF2B5EF4-FFF2-40B4-BE49-F238E27FC236}">
+                <a16:creationId xmlns:a16="http://schemas.microsoft.com/office/drawing/2014/main" id="{B62BF453-BD82-4B90-9FE7-51703133806E}"/>
+              </a:ext>
+              <a:ext uri="{C183D7F6-B498-43B3-948B-1728B52AA6E4}">
+                <adec:decorative xmlns:adec="http://schemas.microsoft.com/office/drawing/2017/decorative" val="1"/>
+              </a:ext>
+            </a:extLst>
+          </p:cNvPr>
+          <p:cNvSpPr>
+            <a:spLocks noGrp="1" noRot="1" noChangeAspect="1" noMove="1" noResize="1" noEditPoints="1" noAdjustHandles="1" noChangeArrowheads="1" noChangeShapeType="1" noTextEdit="1"/>
+          </p:cNvSpPr>
+          <p:nvPr>
+            <p:extLst>
+              <p:ext uri="{386F3935-93C4-4BCD-93E2-E3B085C9AB24}">
+                <p16:designElem xmlns:p16="http://schemas.microsoft.com/office/powerpoint/2015/main" val="1"/>
+              </p:ext>
+            </p:extLst>
+          </p:nvPr>
+        </p:nvSpPr>
+        <p:spPr>
+          <a:xfrm>
+            <a:off x="457200" y="0"/>
+            <a:ext cx="10835640" cy="6858000"/>
+          </a:xfrm>
+          <a:prstGeom prst="rect">
+            <a:avLst/>
+          </a:prstGeom>
+          <a:solidFill>
+            <a:srgbClr val="353537"/>
+          </a:solidFill>
+          <a:ln>
+            <a:noFill/>
+          </a:ln>
+        </p:spPr>
+        <p:style>
+          <a:lnRef idx="2">
+            <a:schemeClr val="accent1">
+              <a:shade val="50000"/>
+            </a:schemeClr>
+          </a:lnRef>
+          <a:fillRef idx="1">
+            <a:schemeClr val="accent1"/>
+          </a:fillRef>
+          <a:effectRef idx="0">
+            <a:schemeClr val="accent1"/>
+          </a:effectRef>
+          <a:fontRef idx="minor">
+            <a:schemeClr val="lt1"/>
+          </a:fontRef>
+        </p:style>
+      </p:sp>
+      <p:sp>
+        <p:nvSpPr>
+          <p:cNvPr id="2" name="Titolo 1">
+            <a:extLst>
+              <a:ext uri="{FF2B5EF4-FFF2-40B4-BE49-F238E27FC236}">
+                <a16:creationId xmlns:a16="http://schemas.microsoft.com/office/drawing/2014/main" id="{B27153E9-BBEC-48CB-BBDA-66A20ABE3359}"/>
+              </a:ext>
+            </a:extLst>
+          </p:cNvPr>
+          <p:cNvSpPr>
+            <a:spLocks noGrp="1"/>
+          </p:cNvSpPr>
+          <p:nvPr>
+            <p:ph type="title"/>
+          </p:nvPr>
+        </p:nvSpPr>
+        <p:spPr>
+          <a:xfrm>
+            <a:off x="8318090" y="758952"/>
+            <a:ext cx="2802194" cy="4041648"/>
+          </a:xfrm>
+        </p:spPr>
+        <p:txBody>
+          <a:bodyPr vert="horz" lIns="91440" tIns="45720" rIns="91440" bIns="45720" rtlCol="0" anchor="b">
+            <a:normAutofit/>
+          </a:bodyPr>
+          <a:lstStyle/>
+          <a:p>
+            <a:pPr>
+              <a:lnSpc>
+                <a:spcPct val="85000"/>
+              </a:lnSpc>
+            </a:pPr>
+            <a:r>
+              <a:rPr lang="en-US" sz="4100">
+                <a:solidFill>
+                  <a:srgbClr val="FFFFFF"/>
+                </a:solidFill>
+              </a:rPr>
+              <a:t>Combining what learned in an ASP model</a:t>
+            </a:r>
+          </a:p>
+        </p:txBody>
+      </p:sp>
+      <p:sp useBgFill="1">
+        <p:nvSpPr>
+          <p:cNvPr id="15" name="Rectangle 14">
+            <a:extLst>
+              <a:ext uri="{FF2B5EF4-FFF2-40B4-BE49-F238E27FC236}">
+                <a16:creationId xmlns:a16="http://schemas.microsoft.com/office/drawing/2014/main" id="{072366D3-9B5C-42E1-9906-77FF6BB55EAB}"/>
+              </a:ext>
+              <a:ext uri="{C183D7F6-B498-43B3-948B-1728B52AA6E4}">
+                <adec:decorative xmlns:adec="http://schemas.microsoft.com/office/drawing/2017/decorative" val="1"/>
+              </a:ext>
+            </a:extLst>
+          </p:cNvPr>
+          <p:cNvSpPr>
+            <a:spLocks noGrp="1" noRot="1" noChangeAspect="1" noMove="1" noResize="1" noEditPoints="1" noAdjustHandles="1" noChangeArrowheads="1" noChangeShapeType="1" noTextEdit="1"/>
+          </p:cNvSpPr>
+          <p:nvPr>
+            <p:extLst>
+              <p:ext uri="{386F3935-93C4-4BCD-93E2-E3B085C9AB24}">
+                <p16:designElem xmlns:p16="http://schemas.microsoft.com/office/powerpoint/2015/main" val="1"/>
+              </p:ext>
+            </p:extLst>
+          </p:nvPr>
+        </p:nvSpPr>
+        <p:spPr>
+          <a:xfrm>
+            <a:off x="452283" y="0"/>
+            <a:ext cx="7561007" cy="6858000"/>
+          </a:xfrm>
+          <a:prstGeom prst="rect">
+            <a:avLst/>
+          </a:prstGeom>
+          <a:ln>
+            <a:noFill/>
+          </a:ln>
+        </p:spPr>
+        <p:style>
+          <a:lnRef idx="2">
+            <a:schemeClr val="accent1">
+              <a:shade val="50000"/>
+            </a:schemeClr>
+          </a:lnRef>
+          <a:fillRef idx="1">
+            <a:schemeClr val="accent1"/>
+          </a:fillRef>
+          <a:effectRef idx="0">
+            <a:schemeClr val="accent1"/>
+          </a:effectRef>
+          <a:fontRef idx="minor">
+            <a:schemeClr val="lt1"/>
+          </a:fontRef>
+        </p:style>
+        <p:txBody>
+          <a:bodyPr rtlCol="0" anchor="ctr"/>
+          <a:lstStyle/>
+          <a:p>
+            <a:pPr marL="0" marR="0" lvl="0" indent="0" algn="ctr" defTabSz="457200" rtl="0" eaLnBrk="1" fontAlgn="auto" latinLnBrk="0" hangingPunct="1">
+              <a:lnSpc>
+                <a:spcPct val="100000"/>
+              </a:lnSpc>
+              <a:spcBef>
+                <a:spcPts val="0"/>
+              </a:spcBef>
+              <a:spcAft>
+                <a:spcPts val="0"/>
+              </a:spcAft>
+              <a:buClrTx/>
+              <a:buSzTx/>
+              <a:buFontTx/>
+              <a:buNone/>
+              <a:tabLst/>
+              <a:defRPr/>
+            </a:pPr>
+            <a:endParaRPr kumimoji="0" lang="en-US" sz="1800" b="0" i="0" u="none" strike="noStrike" kern="1200" cap="none" spc="0" normalizeH="0" baseline="0" noProof="0">
+              <a:ln>
+                <a:noFill/>
+              </a:ln>
+              <a:solidFill>
+                <a:srgbClr val="FFFFFF"/>
+              </a:solidFill>
+              <a:effectLst/>
+              <a:uLnTx/>
+              <a:uFillTx/>
+              <a:latin typeface="Century Schoolbook" panose="02040604050505020304"/>
+              <a:ea typeface="+mn-ea"/>
+              <a:cs typeface="+mn-cs"/>
+            </a:endParaRPr>
+          </a:p>
+        </p:txBody>
+      </p:sp>
+      <p:sp>
+        <p:nvSpPr>
+          <p:cNvPr id="17" name="Rectangle 16">
+            <a:extLst>
+              <a:ext uri="{FF2B5EF4-FFF2-40B4-BE49-F238E27FC236}">
+                <a16:creationId xmlns:a16="http://schemas.microsoft.com/office/drawing/2014/main" id="{121F5E60-4E89-4B16-A245-12BD9935998D}"/>
+              </a:ext>
+              <a:ext uri="{C183D7F6-B498-43B3-948B-1728B52AA6E4}">
+                <adec:decorative xmlns:adec="http://schemas.microsoft.com/office/drawing/2017/decorative" val="1"/>
+              </a:ext>
+            </a:extLst>
+          </p:cNvPr>
+          <p:cNvSpPr>
+            <a:spLocks noGrp="1" noRot="1" noChangeAspect="1" noMove="1" noResize="1" noEditPoints="1" noAdjustHandles="1" noChangeArrowheads="1" noChangeShapeType="1" noTextEdit="1"/>
+          </p:cNvSpPr>
+          <p:nvPr>
+            <p:extLst>
+              <p:ext uri="{386F3935-93C4-4BCD-93E2-E3B085C9AB24}">
+                <p16:designElem xmlns:p16="http://schemas.microsoft.com/office/powerpoint/2015/main" val="1"/>
+              </p:ext>
+            </p:extLst>
+          </p:nvPr>
+        </p:nvSpPr>
+        <p:spPr>
+          <a:xfrm>
+            <a:off x="11292840" y="0"/>
+            <a:ext cx="899160" cy="6858000"/>
+          </a:xfrm>
+          <a:prstGeom prst="rect">
+            <a:avLst/>
+          </a:prstGeom>
+          <a:solidFill>
+            <a:srgbClr val="353537"/>
+          </a:solidFill>
+          <a:ln>
+            <a:noFill/>
+          </a:ln>
+        </p:spPr>
+        <p:style>
+          <a:lnRef idx="2">
+            <a:schemeClr val="accent1">
+              <a:shade val="50000"/>
+            </a:schemeClr>
+          </a:lnRef>
+          <a:fillRef idx="1">
+            <a:schemeClr val="accent1"/>
+          </a:fillRef>
+          <a:effectRef idx="0">
+            <a:schemeClr val="accent1"/>
+          </a:effectRef>
+          <a:fontRef idx="minor">
+            <a:schemeClr val="lt1"/>
+          </a:fontRef>
+        </p:style>
+        <p:txBody>
+          <a:bodyPr rtlCol="0" anchor="ctr"/>
+          <a:lstStyle/>
+          <a:p>
+            <a:pPr marL="0" marR="0" lvl="0" indent="0" algn="ctr" defTabSz="457200" rtl="0" eaLnBrk="1" fontAlgn="auto" latinLnBrk="0" hangingPunct="1">
+              <a:lnSpc>
+                <a:spcPct val="100000"/>
+              </a:lnSpc>
+              <a:spcBef>
+                <a:spcPts val="0"/>
+              </a:spcBef>
+              <a:spcAft>
+                <a:spcPts val="0"/>
+              </a:spcAft>
+              <a:buClrTx/>
+              <a:buSzTx/>
+              <a:buFontTx/>
+              <a:buNone/>
+              <a:tabLst/>
+              <a:defRPr/>
+            </a:pPr>
+            <a:endParaRPr kumimoji="0" lang="en-US" sz="1800" b="0" i="0" u="none" strike="noStrike" kern="1200" cap="none" spc="0" normalizeH="0" baseline="0" noProof="0">
+              <a:ln>
+                <a:noFill/>
+              </a:ln>
+              <a:solidFill>
+                <a:srgbClr val="FFFFFF"/>
+              </a:solidFill>
+              <a:effectLst/>
+              <a:uLnTx/>
+              <a:uFillTx/>
+              <a:latin typeface="Century Schoolbook" panose="02040604050505020304"/>
+              <a:ea typeface="+mn-ea"/>
+              <a:cs typeface="+mn-cs"/>
+            </a:endParaRPr>
+          </a:p>
+        </p:txBody>
+      </p:sp>
+      <p:pic>
+        <p:nvPicPr>
+          <p:cNvPr id="5" name="Immagine 4">
+            <a:extLst>
+              <a:ext uri="{FF2B5EF4-FFF2-40B4-BE49-F238E27FC236}">
+                <a16:creationId xmlns:a16="http://schemas.microsoft.com/office/drawing/2014/main" id="{662CFD65-98EC-4EAF-AD1B-EFF382586F0E}"/>
+              </a:ext>
+            </a:extLst>
+          </p:cNvPr>
+          <p:cNvPicPr>
+            <a:picLocks noChangeAspect="1"/>
+          </p:cNvPicPr>
+          <p:nvPr/>
+        </p:nvPicPr>
+        <p:blipFill>
+          <a:blip r:embed="rId2"/>
+          <a:stretch>
+            <a:fillRect/>
+          </a:stretch>
+        </p:blipFill>
+        <p:spPr>
+          <a:xfrm>
+            <a:off x="452283" y="-6488"/>
+            <a:ext cx="7500683" cy="6858000"/>
+          </a:xfrm>
+          <a:prstGeom prst="rect">
+            <a:avLst/>
+          </a:prstGeom>
+        </p:spPr>
+      </p:pic>
+    </p:spTree>
+    <p:extLst>
+      <p:ext uri="{BB962C8B-B14F-4D97-AF65-F5344CB8AC3E}">
+        <p14:creationId xmlns:p14="http://schemas.microsoft.com/office/powerpoint/2010/main" val="694569748"/>
+      </p:ext>
+    </p:extLst>
+  </p:cSld>
+  <p:clrMapOvr>
+    <a:masterClrMapping/>
+  </p:clrMapOvr>
+</p:sld>
+</file>
+
+<file path=ppt/slides/slide31.xml><?xml version="1.0" encoding="utf-8"?>
+<p:sld xmlns:a="http://schemas.openxmlformats.org/drawingml/2006/main" xmlns:r="http://schemas.openxmlformats.org/officeDocument/2006/relationships" xmlns:p="http://schemas.openxmlformats.org/presentationml/2006/main">
+  <p:cSld>
+    <p:bg>
+      <p:bgPr>
+        <a:solidFill>
           <a:schemeClr val="bg2">
             <a:lumMod val="75000"/>
           </a:schemeClr>
@@ -26649,7 +27789,7 @@
 </p:sld>
 </file>
 
-<file path=ppt/slides/slide31.xml><?xml version="1.0" encoding="utf-8"?>
+<file path=ppt/slides/slide32.xml><?xml version="1.0" encoding="utf-8"?>
 <p:sld xmlns:a="http://schemas.openxmlformats.org/drawingml/2006/main" xmlns:r="http://schemas.openxmlformats.org/officeDocument/2006/relationships" xmlns:p="http://schemas.openxmlformats.org/presentationml/2006/main">
   <p:cSld>
     <p:bg>
@@ -26952,7 +28092,7 @@
 </p:sld>
 </file>
 
-<file path=ppt/slides/slide32.xml><?xml version="1.0" encoding="utf-8"?>
+<file path=ppt/slides/slide33.xml><?xml version="1.0" encoding="utf-8"?>
 <p:sld xmlns:a="http://schemas.openxmlformats.org/drawingml/2006/main" xmlns:r="http://schemas.openxmlformats.org/officeDocument/2006/relationships" xmlns:p="http://schemas.openxmlformats.org/presentationml/2006/main">
   <p:cSld>
     <p:bg>
@@ -27544,7 +28684,7 @@
 </p:sld>
 </file>
 
-<file path=ppt/slides/slide33.xml><?xml version="1.0" encoding="utf-8"?>
+<file path=ppt/slides/slide34.xml><?xml version="1.0" encoding="utf-8"?>
 <p:sld xmlns:a="http://schemas.openxmlformats.org/drawingml/2006/main" xmlns:r="http://schemas.openxmlformats.org/officeDocument/2006/relationships" xmlns:p="http://schemas.openxmlformats.org/presentationml/2006/main">
   <p:cSld>
     <p:bg>
@@ -27801,7 +28941,7 @@
 </p:sld>
 </file>
 
-<file path=ppt/slides/slide34.xml><?xml version="1.0" encoding="utf-8"?>
+<file path=ppt/slides/slide35.xml><?xml version="1.0" encoding="utf-8"?>
 <p:sld xmlns:a="http://schemas.openxmlformats.org/drawingml/2006/main" xmlns:r="http://schemas.openxmlformats.org/officeDocument/2006/relationships" xmlns:p="http://schemas.openxmlformats.org/presentationml/2006/main">
   <p:cSld>
     <p:bg>
@@ -27991,17 +29131,16 @@
         </p:spPr>
         <p:txBody>
           <a:bodyPr>
-            <a:normAutofit fontScale="85000" lnSpcReduction="20000"/>
+            <a:normAutofit fontScale="92500" lnSpcReduction="10000"/>
           </a:bodyPr>
           <a:lstStyle/>
           <a:p>
-            <a:r>
-              <a:rPr lang="it-IT" sz="1300" dirty="0"/>
-              <a:t>* </a:t>
-            </a:r>
+            <a:pPr marL="0" indent="0">
+              <a:buNone/>
+            </a:pPr>
             <a:r>
               <a:rPr lang="it-IT" sz="1300" dirty="0" err="1"/>
-              <a:t>Learned</a:t>
+              <a:t>Timings</a:t>
             </a:r>
             <a:r>
               <a:rPr lang="it-IT" sz="1300" dirty="0"/>
@@ -28009,25 +29148,7 @@
             </a:r>
             <a:r>
               <a:rPr lang="it-IT" sz="1300" dirty="0" err="1"/>
-              <a:t>through</a:t>
-            </a:r>
-            <a:r>
-              <a:rPr lang="it-IT" sz="1300" dirty="0"/>
-              <a:t> predicate </a:t>
-            </a:r>
-            <a:r>
-              <a:rPr lang="it-IT" sz="1300" dirty="0" err="1"/>
-              <a:t>invention</a:t>
-            </a:r>
-            <a:r>
-              <a:rPr lang="it-IT" sz="1300" dirty="0"/>
-              <a:t>.</a:t>
-            </a:r>
-          </a:p>
-          <a:p>
-            <a:r>
-              <a:rPr lang="it-IT" sz="1300" dirty="0" err="1"/>
-              <a:t>Timings</a:t>
+              <a:t>were</a:t>
             </a:r>
             <a:r>
               <a:rPr lang="it-IT" sz="1300" dirty="0"/>
@@ -28035,7 +29156,7 @@
             </a:r>
             <a:r>
               <a:rPr lang="it-IT" sz="1300" dirty="0" err="1"/>
-              <a:t>were</a:t>
+              <a:t>taken</a:t>
             </a:r>
             <a:r>
               <a:rPr lang="it-IT" sz="1300" dirty="0"/>
@@ -28043,7 +29164,7 @@
             </a:r>
             <a:r>
               <a:rPr lang="it-IT" sz="1300" dirty="0" err="1"/>
-              <a:t>taken</a:t>
+              <a:t>as</a:t>
             </a:r>
             <a:r>
               <a:rPr lang="it-IT" sz="1300" dirty="0"/>
@@ -28051,14 +29172,6 @@
             </a:r>
             <a:r>
               <a:rPr lang="it-IT" sz="1300" dirty="0" err="1"/>
-              <a:t>as</a:t>
-            </a:r>
-            <a:r>
-              <a:rPr lang="it-IT" sz="1300" dirty="0"/>
-              <a:t> </a:t>
-            </a:r>
-            <a:r>
-              <a:rPr lang="it-IT" sz="1300" dirty="0" err="1"/>
               <a:t>averages</a:t>
             </a:r>
             <a:r>
@@ -28071,7 +29184,7 @@
             </a:r>
             <a:r>
               <a:rPr lang="it-IT" sz="1300" dirty="0"/>
-              <a:t>.</a:t>
+              <a:t> (in seconds).</a:t>
             </a:r>
           </a:p>
           <a:p>
@@ -28198,7 +29311,7 @@
                 <a:latin typeface="Courier New" panose="02070309020205020404" pitchFamily="49" charset="0"/>
                 <a:cs typeface="Courier New" panose="02070309020205020404" pitchFamily="49" charset="0"/>
               </a:rPr>
-              <a:t>adjacent</a:t>
+              <a:t>adjacent/2</a:t>
             </a:r>
             <a:r>
               <a:rPr lang="it-IT" dirty="0"/>
@@ -28209,7 +29322,7 @@
                 <a:latin typeface="Courier New" panose="02070309020205020404" pitchFamily="49" charset="0"/>
                 <a:cs typeface="Courier New" panose="02070309020205020404" pitchFamily="49" charset="0"/>
               </a:rPr>
-              <a:t>move</a:t>
+              <a:t>move/2</a:t>
             </a:r>
             <a:r>
               <a:rPr lang="it-IT" dirty="0"/>
@@ -28283,7 +29396,15 @@
             </a:r>
             <a:r>
               <a:rPr lang="it-IT" dirty="0" err="1"/>
-              <a:t>didn’t</a:t>
+              <a:t>did</a:t>
+            </a:r>
+            <a:r>
+              <a:rPr lang="it-IT" dirty="0"/>
+              <a:t> </a:t>
+            </a:r>
+            <a:r>
+              <a:rPr lang="it-IT" dirty="0" err="1"/>
+              <a:t>not</a:t>
             </a:r>
             <a:r>
               <a:rPr lang="it-IT" dirty="0"/>
@@ -28315,7 +29436,7 @@
           <p:nvPr>
             <p:extLst>
               <p:ext uri="{D42A27DB-BD31-4B8C-83A1-F6EECF244321}">
-                <p14:modId xmlns:p14="http://schemas.microsoft.com/office/powerpoint/2010/main" val="1537514759"/>
+                <p14:modId xmlns:p14="http://schemas.microsoft.com/office/powerpoint/2010/main" val="1569813369"/>
               </p:ext>
             </p:extLst>
           </p:nvPr>
@@ -28471,7 +29592,7 @@
                       <a:pPr algn="ctr"/>
                       <a:r>
                         <a:rPr lang="it-IT" dirty="0"/>
-                        <a:t>0.121*</a:t>
+                        <a:t>0.056</a:t>
                       </a:r>
                     </a:p>
                   </a:txBody>
@@ -28747,7 +29868,7 @@
 </p:sld>
 </file>
 
-<file path=ppt/slides/slide35.xml><?xml version="1.0" encoding="utf-8"?>
+<file path=ppt/slides/slide36.xml><?xml version="1.0" encoding="utf-8"?>
 <p:sld xmlns:a="http://schemas.openxmlformats.org/drawingml/2006/main" xmlns:r="http://schemas.openxmlformats.org/officeDocument/2006/relationships" xmlns:p="http://schemas.openxmlformats.org/presentationml/2006/main">
   <p:cSld>
     <p:spTree>
@@ -28939,7 +30060,7 @@
 </p:sld>
 </file>
 
-<file path=ppt/slides/slide36.xml><?xml version="1.0" encoding="utf-8"?>
+<file path=ppt/slides/slide37.xml><?xml version="1.0" encoding="utf-8"?>
 <p:sld xmlns:a="http://schemas.openxmlformats.org/drawingml/2006/main" xmlns:r="http://schemas.openxmlformats.org/officeDocument/2006/relationships" xmlns:p="http://schemas.openxmlformats.org/presentationml/2006/main">
   <p:cSld>
     <p:spTree>
@@ -30713,7 +31834,7 @@
 </p:sld>
 </file>
 
-<file path=ppt/slides/slide37.xml><?xml version="1.0" encoding="utf-8"?>
+<file path=ppt/slides/slide38.xml><?xml version="1.0" encoding="utf-8"?>
 <p:sld xmlns:a="http://schemas.openxmlformats.org/drawingml/2006/main" xmlns:r="http://schemas.openxmlformats.org/officeDocument/2006/relationships" xmlns:p="http://schemas.openxmlformats.org/presentationml/2006/main">
   <p:cSld>
     <p:spTree>

--- a/ATAI_Presentation.pptx
+++ b/ATAI_Presentation.pptx
@@ -25362,7 +25362,7 @@
             </a:r>
             <a:r>
               <a:rPr lang="en-US" sz="2400" dirty="0"/>
-              <a:t>are coordinates on the grid. </a:t>
+              <a:t>are coordinates. </a:t>
             </a:r>
           </a:p>
           <a:p>
@@ -25565,7 +25565,7 @@
             </a:r>
             <a:r>
               <a:rPr lang="en-US" sz="2400" dirty="0"/>
-              <a:t>are coordinates on the grid.</a:t>
+              <a:t>are coordinates.</a:t>
             </a:r>
           </a:p>
           <a:p>
